--- a/extra/CDT.pptx
+++ b/extra/CDT.pptx
@@ -4,6 +4,9 @@
   <p:sldMasterIdLst>
     <p:sldMasterId id="2147483780" r:id="rId1"/>
   </p:sldMasterIdLst>
+  <p:notesMasterIdLst>
+    <p:notesMasterId r:id="rId26"/>
+  </p:notesMasterIdLst>
   <p:sldIdLst>
     <p:sldId id="256" r:id="rId2"/>
     <p:sldId id="267" r:id="rId3"/>
@@ -26,6 +29,9 @@
     <p:sldId id="281" r:id="rId20"/>
     <p:sldId id="282" r:id="rId21"/>
     <p:sldId id="268" r:id="rId22"/>
+    <p:sldId id="283" r:id="rId23"/>
+    <p:sldId id="284" r:id="rId24"/>
+    <p:sldId id="285" r:id="rId25"/>
   </p:sldIdLst>
   <p:sldSz cx="9144000" cy="6858000" type="screen4x3"/>
   <p:notesSz cx="6858000" cy="9144000"/>
@@ -150,6 +156,9 @@
             <p14:sldId id="281"/>
             <p14:sldId id="282"/>
             <p14:sldId id="268"/>
+            <p14:sldId id="283"/>
+            <p14:sldId id="284"/>
+            <p14:sldId id="285"/>
           </p14:sldIdLst>
         </p14:section>
       </p14:sectionLst>
@@ -3742,6 +3751,440 @@
 </dgm:styleDef>
 </file>
 
+<file path=ppt/notesMasters/notesMaster1.xml><?xml version="1.0" encoding="utf-8"?>
+<p:notesMaster xmlns:a="http://schemas.openxmlformats.org/drawingml/2006/main" xmlns:r="http://schemas.openxmlformats.org/officeDocument/2006/relationships" xmlns:p="http://schemas.openxmlformats.org/presentationml/2006/main">
+  <p:cSld>
+    <p:bg>
+      <p:bgRef idx="1001">
+        <a:schemeClr val="bg1"/>
+      </p:bgRef>
+    </p:bg>
+    <p:spTree>
+      <p:nvGrpSpPr>
+        <p:cNvPr id="1" name=""/>
+        <p:cNvGrpSpPr/>
+        <p:nvPr/>
+      </p:nvGrpSpPr>
+      <p:grpSpPr>
+        <a:xfrm>
+          <a:off x="0" y="0"/>
+          <a:ext cx="0" cy="0"/>
+          <a:chOff x="0" y="0"/>
+          <a:chExt cx="0" cy="0"/>
+        </a:xfrm>
+      </p:grpSpPr>
+      <p:sp>
+        <p:nvSpPr>
+          <p:cNvPr id="2" name="Header Placeholder 1"/>
+          <p:cNvSpPr>
+            <a:spLocks noGrp="1"/>
+          </p:cNvSpPr>
+          <p:nvPr>
+            <p:ph type="hdr" sz="quarter"/>
+          </p:nvPr>
+        </p:nvSpPr>
+        <p:spPr>
+          <a:xfrm>
+            <a:off x="0" y="0"/>
+            <a:ext cx="2971800" cy="457200"/>
+          </a:xfrm>
+          <a:prstGeom prst="rect">
+            <a:avLst/>
+          </a:prstGeom>
+        </p:spPr>
+        <p:txBody>
+          <a:bodyPr vert="horz" lIns="91440" tIns="45720" rIns="91440" bIns="45720" rtlCol="0"/>
+          <a:lstStyle>
+            <a:lvl1pPr algn="l">
+              <a:defRPr sz="1200"/>
+            </a:lvl1pPr>
+          </a:lstStyle>
+          <a:p>
+            <a:endParaRPr lang="en-US"/>
+          </a:p>
+        </p:txBody>
+      </p:sp>
+      <p:sp>
+        <p:nvSpPr>
+          <p:cNvPr id="3" name="Date Placeholder 2"/>
+          <p:cNvSpPr>
+            <a:spLocks noGrp="1"/>
+          </p:cNvSpPr>
+          <p:nvPr>
+            <p:ph type="dt" idx="1"/>
+          </p:nvPr>
+        </p:nvSpPr>
+        <p:spPr>
+          <a:xfrm>
+            <a:off x="3884613" y="0"/>
+            <a:ext cx="2971800" cy="457200"/>
+          </a:xfrm>
+          <a:prstGeom prst="rect">
+            <a:avLst/>
+          </a:prstGeom>
+        </p:spPr>
+        <p:txBody>
+          <a:bodyPr vert="horz" lIns="91440" tIns="45720" rIns="91440" bIns="45720" rtlCol="0"/>
+          <a:lstStyle>
+            <a:lvl1pPr algn="r">
+              <a:defRPr sz="1200"/>
+            </a:lvl1pPr>
+          </a:lstStyle>
+          <a:p>
+            <a:fld id="{18A6AB54-A72B-4A3E-A547-754E3AA73307}" type="datetimeFigureOut">
+              <a:rPr lang="en-US" smtClean="0"/>
+              <a:t>16/06/2012</a:t>
+            </a:fld>
+            <a:endParaRPr lang="en-US"/>
+          </a:p>
+        </p:txBody>
+      </p:sp>
+      <p:sp>
+        <p:nvSpPr>
+          <p:cNvPr id="4" name="Slide Image Placeholder 3"/>
+          <p:cNvSpPr>
+            <a:spLocks noGrp="1" noRot="1" noChangeAspect="1"/>
+          </p:cNvSpPr>
+          <p:nvPr>
+            <p:ph type="sldImg" idx="2"/>
+          </p:nvPr>
+        </p:nvSpPr>
+        <p:spPr>
+          <a:xfrm>
+            <a:off x="1143000" y="685800"/>
+            <a:ext cx="4572000" cy="3429000"/>
+          </a:xfrm>
+          <a:prstGeom prst="rect">
+            <a:avLst/>
+          </a:prstGeom>
+          <a:noFill/>
+          <a:ln w="12700">
+            <a:solidFill>
+              <a:prstClr val="black"/>
+            </a:solidFill>
+          </a:ln>
+        </p:spPr>
+        <p:txBody>
+          <a:bodyPr vert="horz" lIns="91440" tIns="45720" rIns="91440" bIns="45720" rtlCol="0" anchor="ctr"/>
+          <a:lstStyle/>
+          <a:p>
+            <a:endParaRPr lang="en-US"/>
+          </a:p>
+        </p:txBody>
+      </p:sp>
+      <p:sp>
+        <p:nvSpPr>
+          <p:cNvPr id="5" name="Notes Placeholder 4"/>
+          <p:cNvSpPr>
+            <a:spLocks noGrp="1"/>
+          </p:cNvSpPr>
+          <p:nvPr>
+            <p:ph type="body" sz="quarter" idx="3"/>
+          </p:nvPr>
+        </p:nvSpPr>
+        <p:spPr>
+          <a:xfrm>
+            <a:off x="685800" y="4343400"/>
+            <a:ext cx="5486400" cy="4114800"/>
+          </a:xfrm>
+          <a:prstGeom prst="rect">
+            <a:avLst/>
+          </a:prstGeom>
+        </p:spPr>
+        <p:txBody>
+          <a:bodyPr vert="horz" lIns="91440" tIns="45720" rIns="91440" bIns="45720" rtlCol="0"/>
+          <a:lstStyle/>
+          <a:p>
+            <a:pPr lvl="0"/>
+            <a:r>
+              <a:rPr lang="en-US" smtClean="0"/>
+              <a:t>Click to edit Master text styles</a:t>
+            </a:r>
+          </a:p>
+          <a:p>
+            <a:pPr lvl="1"/>
+            <a:r>
+              <a:rPr lang="en-US" smtClean="0"/>
+              <a:t>Second level</a:t>
+            </a:r>
+          </a:p>
+          <a:p>
+            <a:pPr lvl="2"/>
+            <a:r>
+              <a:rPr lang="en-US" smtClean="0"/>
+              <a:t>Third level</a:t>
+            </a:r>
+          </a:p>
+          <a:p>
+            <a:pPr lvl="3"/>
+            <a:r>
+              <a:rPr lang="en-US" smtClean="0"/>
+              <a:t>Fourth level</a:t>
+            </a:r>
+          </a:p>
+          <a:p>
+            <a:pPr lvl="4"/>
+            <a:r>
+              <a:rPr lang="en-US" smtClean="0"/>
+              <a:t>Fifth level</a:t>
+            </a:r>
+            <a:endParaRPr lang="en-US"/>
+          </a:p>
+        </p:txBody>
+      </p:sp>
+      <p:sp>
+        <p:nvSpPr>
+          <p:cNvPr id="6" name="Footer Placeholder 5"/>
+          <p:cNvSpPr>
+            <a:spLocks noGrp="1"/>
+          </p:cNvSpPr>
+          <p:nvPr>
+            <p:ph type="ftr" sz="quarter" idx="4"/>
+          </p:nvPr>
+        </p:nvSpPr>
+        <p:spPr>
+          <a:xfrm>
+            <a:off x="0" y="8685213"/>
+            <a:ext cx="2971800" cy="457200"/>
+          </a:xfrm>
+          <a:prstGeom prst="rect">
+            <a:avLst/>
+          </a:prstGeom>
+        </p:spPr>
+        <p:txBody>
+          <a:bodyPr vert="horz" lIns="91440" tIns="45720" rIns="91440" bIns="45720" rtlCol="0" anchor="b"/>
+          <a:lstStyle>
+            <a:lvl1pPr algn="l">
+              <a:defRPr sz="1200"/>
+            </a:lvl1pPr>
+          </a:lstStyle>
+          <a:p>
+            <a:endParaRPr lang="en-US"/>
+          </a:p>
+        </p:txBody>
+      </p:sp>
+      <p:sp>
+        <p:nvSpPr>
+          <p:cNvPr id="7" name="Slide Number Placeholder 6"/>
+          <p:cNvSpPr>
+            <a:spLocks noGrp="1"/>
+          </p:cNvSpPr>
+          <p:nvPr>
+            <p:ph type="sldNum" sz="quarter" idx="5"/>
+          </p:nvPr>
+        </p:nvSpPr>
+        <p:spPr>
+          <a:xfrm>
+            <a:off x="3884613" y="8685213"/>
+            <a:ext cx="2971800" cy="457200"/>
+          </a:xfrm>
+          <a:prstGeom prst="rect">
+            <a:avLst/>
+          </a:prstGeom>
+        </p:spPr>
+        <p:txBody>
+          <a:bodyPr vert="horz" lIns="91440" tIns="45720" rIns="91440" bIns="45720" rtlCol="0" anchor="b"/>
+          <a:lstStyle>
+            <a:lvl1pPr algn="r">
+              <a:defRPr sz="1200"/>
+            </a:lvl1pPr>
+          </a:lstStyle>
+          <a:p>
+            <a:fld id="{8A2893B9-2EFC-475F-B5D7-3E617C578A8F}" type="slidenum">
+              <a:rPr lang="en-US" smtClean="0"/>
+              <a:t>‹#›</a:t>
+            </a:fld>
+            <a:endParaRPr lang="en-US"/>
+          </a:p>
+        </p:txBody>
+      </p:sp>
+    </p:spTree>
+    <p:extLst>
+      <p:ext uri="{BB962C8B-B14F-4D97-AF65-F5344CB8AC3E}">
+        <p14:creationId xmlns:p14="http://schemas.microsoft.com/office/powerpoint/2010/main" val="2349554055"/>
+      </p:ext>
+    </p:extLst>
+  </p:cSld>
+  <p:clrMap bg1="lt1" tx1="dk1" bg2="lt2" tx2="dk2" accent1="accent1" accent2="accent2" accent3="accent3" accent4="accent4" accent5="accent5" accent6="accent6" hlink="hlink" folHlink="folHlink"/>
+  <p:notesStyle>
+    <a:lvl1pPr marL="0" algn="l" defTabSz="914400" rtl="0" eaLnBrk="1" latinLnBrk="0" hangingPunct="1">
+      <a:defRPr sz="1200" kern="1200">
+        <a:solidFill>
+          <a:schemeClr val="tx1"/>
+        </a:solidFill>
+        <a:latin typeface="+mn-lt"/>
+        <a:ea typeface="+mn-ea"/>
+        <a:cs typeface="+mn-cs"/>
+      </a:defRPr>
+    </a:lvl1pPr>
+    <a:lvl2pPr marL="457200" algn="l" defTabSz="914400" rtl="0" eaLnBrk="1" latinLnBrk="0" hangingPunct="1">
+      <a:defRPr sz="1200" kern="1200">
+        <a:solidFill>
+          <a:schemeClr val="tx1"/>
+        </a:solidFill>
+        <a:latin typeface="+mn-lt"/>
+        <a:ea typeface="+mn-ea"/>
+        <a:cs typeface="+mn-cs"/>
+      </a:defRPr>
+    </a:lvl2pPr>
+    <a:lvl3pPr marL="914400" algn="l" defTabSz="914400" rtl="0" eaLnBrk="1" latinLnBrk="0" hangingPunct="1">
+      <a:defRPr sz="1200" kern="1200">
+        <a:solidFill>
+          <a:schemeClr val="tx1"/>
+        </a:solidFill>
+        <a:latin typeface="+mn-lt"/>
+        <a:ea typeface="+mn-ea"/>
+        <a:cs typeface="+mn-cs"/>
+      </a:defRPr>
+    </a:lvl3pPr>
+    <a:lvl4pPr marL="1371600" algn="l" defTabSz="914400" rtl="0" eaLnBrk="1" latinLnBrk="0" hangingPunct="1">
+      <a:defRPr sz="1200" kern="1200">
+        <a:solidFill>
+          <a:schemeClr val="tx1"/>
+        </a:solidFill>
+        <a:latin typeface="+mn-lt"/>
+        <a:ea typeface="+mn-ea"/>
+        <a:cs typeface="+mn-cs"/>
+      </a:defRPr>
+    </a:lvl4pPr>
+    <a:lvl5pPr marL="1828800" algn="l" defTabSz="914400" rtl="0" eaLnBrk="1" latinLnBrk="0" hangingPunct="1">
+      <a:defRPr sz="1200" kern="1200">
+        <a:solidFill>
+          <a:schemeClr val="tx1"/>
+        </a:solidFill>
+        <a:latin typeface="+mn-lt"/>
+        <a:ea typeface="+mn-ea"/>
+        <a:cs typeface="+mn-cs"/>
+      </a:defRPr>
+    </a:lvl5pPr>
+    <a:lvl6pPr marL="2286000" algn="l" defTabSz="914400" rtl="0" eaLnBrk="1" latinLnBrk="0" hangingPunct="1">
+      <a:defRPr sz="1200" kern="1200">
+        <a:solidFill>
+          <a:schemeClr val="tx1"/>
+        </a:solidFill>
+        <a:latin typeface="+mn-lt"/>
+        <a:ea typeface="+mn-ea"/>
+        <a:cs typeface="+mn-cs"/>
+      </a:defRPr>
+    </a:lvl6pPr>
+    <a:lvl7pPr marL="2743200" algn="l" defTabSz="914400" rtl="0" eaLnBrk="1" latinLnBrk="0" hangingPunct="1">
+      <a:defRPr sz="1200" kern="1200">
+        <a:solidFill>
+          <a:schemeClr val="tx1"/>
+        </a:solidFill>
+        <a:latin typeface="+mn-lt"/>
+        <a:ea typeface="+mn-ea"/>
+        <a:cs typeface="+mn-cs"/>
+      </a:defRPr>
+    </a:lvl7pPr>
+    <a:lvl8pPr marL="3200400" algn="l" defTabSz="914400" rtl="0" eaLnBrk="1" latinLnBrk="0" hangingPunct="1">
+      <a:defRPr sz="1200" kern="1200">
+        <a:solidFill>
+          <a:schemeClr val="tx1"/>
+        </a:solidFill>
+        <a:latin typeface="+mn-lt"/>
+        <a:ea typeface="+mn-ea"/>
+        <a:cs typeface="+mn-cs"/>
+      </a:defRPr>
+    </a:lvl8pPr>
+    <a:lvl9pPr marL="3657600" algn="l" defTabSz="914400" rtl="0" eaLnBrk="1" latinLnBrk="0" hangingPunct="1">
+      <a:defRPr sz="1200" kern="1200">
+        <a:solidFill>
+          <a:schemeClr val="tx1"/>
+        </a:solidFill>
+        <a:latin typeface="+mn-lt"/>
+        <a:ea typeface="+mn-ea"/>
+        <a:cs typeface="+mn-cs"/>
+      </a:defRPr>
+    </a:lvl9pPr>
+  </p:notesStyle>
+</p:notesMaster>
+</file>
+
+<file path=ppt/notesSlides/notesSlide1.xml><?xml version="1.0" encoding="utf-8"?>
+<p:notes xmlns:a="http://schemas.openxmlformats.org/drawingml/2006/main" xmlns:r="http://schemas.openxmlformats.org/officeDocument/2006/relationships" xmlns:p="http://schemas.openxmlformats.org/presentationml/2006/main">
+  <p:cSld>
+    <p:spTree>
+      <p:nvGrpSpPr>
+        <p:cNvPr id="1" name=""/>
+        <p:cNvGrpSpPr/>
+        <p:nvPr/>
+      </p:nvGrpSpPr>
+      <p:grpSpPr>
+        <a:xfrm>
+          <a:off x="0" y="0"/>
+          <a:ext cx="0" cy="0"/>
+          <a:chOff x="0" y="0"/>
+          <a:chExt cx="0" cy="0"/>
+        </a:xfrm>
+      </p:grpSpPr>
+      <p:sp>
+        <p:nvSpPr>
+          <p:cNvPr id="2" name="Slide Image Placeholder 1"/>
+          <p:cNvSpPr>
+            <a:spLocks noGrp="1" noRot="1" noChangeAspect="1"/>
+          </p:cNvSpPr>
+          <p:nvPr>
+            <p:ph type="sldImg"/>
+          </p:nvPr>
+        </p:nvSpPr>
+        <p:spPr/>
+      </p:sp>
+      <p:sp>
+        <p:nvSpPr>
+          <p:cNvPr id="3" name="Notes Placeholder 2"/>
+          <p:cNvSpPr>
+            <a:spLocks noGrp="1"/>
+          </p:cNvSpPr>
+          <p:nvPr>
+            <p:ph type="body" idx="1"/>
+          </p:nvPr>
+        </p:nvSpPr>
+        <p:spPr/>
+        <p:txBody>
+          <a:bodyPr/>
+          <a:lstStyle/>
+          <a:p>
+            <a:endParaRPr lang="en-US"/>
+          </a:p>
+        </p:txBody>
+      </p:sp>
+      <p:sp>
+        <p:nvSpPr>
+          <p:cNvPr id="4" name="Slide Number Placeholder 3"/>
+          <p:cNvSpPr>
+            <a:spLocks noGrp="1"/>
+          </p:cNvSpPr>
+          <p:nvPr>
+            <p:ph type="sldNum" sz="quarter" idx="10"/>
+          </p:nvPr>
+        </p:nvSpPr>
+        <p:spPr/>
+        <p:txBody>
+          <a:bodyPr/>
+          <a:lstStyle/>
+          <a:p>
+            <a:fld id="{8A2893B9-2EFC-475F-B5D7-3E617C578A8F}" type="slidenum">
+              <a:rPr lang="en-US" smtClean="0"/>
+              <a:t>13</a:t>
+            </a:fld>
+            <a:endParaRPr lang="en-US"/>
+          </a:p>
+        </p:txBody>
+      </p:sp>
+    </p:spTree>
+    <p:extLst>
+      <p:ext uri="{BB962C8B-B14F-4D97-AF65-F5344CB8AC3E}">
+        <p14:creationId xmlns:p14="http://schemas.microsoft.com/office/powerpoint/2010/main" val="3218915277"/>
+      </p:ext>
+    </p:extLst>
+  </p:cSld>
+  <p:clrMapOvr>
+    <a:masterClrMapping/>
+  </p:clrMapOvr>
+</p:notes>
+</file>
+
 <file path=ppt/slideLayouts/slideLayout1.xml><?xml version="1.0" encoding="utf-8"?>
 <p:sldLayout xmlns:a="http://schemas.openxmlformats.org/drawingml/2006/main" xmlns:r="http://schemas.openxmlformats.org/officeDocument/2006/relationships" xmlns:p="http://schemas.openxmlformats.org/presentationml/2006/main" showMasterSp="0" type="title" preserve="1">
   <p:cSld name="Title Slide">
@@ -6544,7 +6987,7 @@
             <a:fld id="{1D8BD707-D9CF-40AE-B4C6-C98DA3205C09}" type="datetimeFigureOut">
               <a:rPr lang="en-US" smtClean="0"/>
               <a:pPr/>
-              <a:t>09/06/2012</a:t>
+              <a:t>16/06/2012</a:t>
             </a:fld>
             <a:endParaRPr lang="en-US"/>
           </a:p>
@@ -7059,7 +7502,7 @@
             <a:fld id="{1D8BD707-D9CF-40AE-B4C6-C98DA3205C09}" type="datetimeFigureOut">
               <a:rPr lang="en-US" smtClean="0"/>
               <a:pPr/>
-              <a:t>09/06/2012</a:t>
+              <a:t>16/06/2012</a:t>
             </a:fld>
             <a:endParaRPr lang="en-US"/>
           </a:p>
@@ -7236,7 +7679,7 @@
             <a:fld id="{1D8BD707-D9CF-40AE-B4C6-C98DA3205C09}" type="datetimeFigureOut">
               <a:rPr lang="en-US" smtClean="0"/>
               <a:pPr/>
-              <a:t>09/06/2012</a:t>
+              <a:t>16/06/2012</a:t>
             </a:fld>
             <a:endParaRPr lang="en-US"/>
           </a:p>
@@ -7403,7 +7846,7 @@
             <a:fld id="{1D8BD707-D9CF-40AE-B4C6-C98DA3205C09}" type="datetimeFigureOut">
               <a:rPr lang="en-US" smtClean="0"/>
               <a:pPr/>
-              <a:t>09/06/2012</a:t>
+              <a:t>16/06/2012</a:t>
             </a:fld>
             <a:endParaRPr lang="en-US"/>
           </a:p>
@@ -10529,7 +10972,7 @@
             <a:fld id="{1D8BD707-D9CF-40AE-B4C6-C98DA3205C09}" type="datetimeFigureOut">
               <a:rPr lang="en-US" smtClean="0"/>
               <a:pPr/>
-              <a:t>09/06/2012</a:t>
+              <a:t>16/06/2012</a:t>
             </a:fld>
             <a:endParaRPr lang="en-US"/>
           </a:p>
@@ -10814,7 +11257,7 @@
             <a:fld id="{1D8BD707-D9CF-40AE-B4C6-C98DA3205C09}" type="datetimeFigureOut">
               <a:rPr lang="en-US" smtClean="0"/>
               <a:pPr/>
-              <a:t>09/06/2012</a:t>
+              <a:t>16/06/2012</a:t>
             </a:fld>
             <a:endParaRPr lang="en-US"/>
           </a:p>
@@ -11233,7 +11676,7 @@
             <a:fld id="{1D8BD707-D9CF-40AE-B4C6-C98DA3205C09}" type="datetimeFigureOut">
               <a:rPr lang="en-US" smtClean="0"/>
               <a:pPr/>
-              <a:t>09/06/2012</a:t>
+              <a:t>16/06/2012</a:t>
             </a:fld>
             <a:endParaRPr lang="en-US"/>
           </a:p>
@@ -11348,7 +11791,7 @@
             <a:fld id="{1D8BD707-D9CF-40AE-B4C6-C98DA3205C09}" type="datetimeFigureOut">
               <a:rPr lang="en-US" smtClean="0"/>
               <a:pPr/>
-              <a:t>09/06/2012</a:t>
+              <a:t>16/06/2012</a:t>
             </a:fld>
             <a:endParaRPr lang="en-US"/>
           </a:p>
@@ -11440,7 +11883,7 @@
             <a:fld id="{1D8BD707-D9CF-40AE-B4C6-C98DA3205C09}" type="datetimeFigureOut">
               <a:rPr lang="en-US" smtClean="0"/>
               <a:pPr/>
-              <a:t>09/06/2012</a:t>
+              <a:t>16/06/2012</a:t>
             </a:fld>
             <a:endParaRPr lang="en-US"/>
           </a:p>
@@ -11617,7 +12060,7 @@
             <a:fld id="{1D8BD707-D9CF-40AE-B4C6-C98DA3205C09}" type="datetimeFigureOut">
               <a:rPr lang="en-US" smtClean="0"/>
               <a:pPr/>
-              <a:t>09/06/2012</a:t>
+              <a:t>16/06/2012</a:t>
             </a:fld>
             <a:endParaRPr lang="en-US"/>
           </a:p>
@@ -12105,7 +12548,7 @@
             <a:fld id="{1D8BD707-D9CF-40AE-B4C6-C98DA3205C09}" type="datetimeFigureOut">
               <a:rPr lang="en-US" smtClean="0"/>
               <a:pPr/>
-              <a:t>09/06/2012</a:t>
+              <a:t>16/06/2012</a:t>
             </a:fld>
             <a:endParaRPr lang="en-US"/>
           </a:p>
@@ -12659,7 +13102,7 @@
             <a:fld id="{1D8BD707-D9CF-40AE-B4C6-C98DA3205C09}" type="datetimeFigureOut">
               <a:rPr lang="en-US" smtClean="0"/>
               <a:pPr/>
-              <a:t>09/06/2012</a:t>
+              <a:t>16/06/2012</a:t>
             </a:fld>
             <a:endParaRPr lang="en-US"/>
           </a:p>
@@ -13556,11 +13999,12 @@
           <a:p>
             <a:r>
               <a:rPr lang="en-US" sz="1400" dirty="0" smtClean="0"/>
-              <a:t>The resulting CDT is looking this way</a:t>
-            </a:r>
-            <a:br>
+              <a:t>The resulting CDT is looking this </a:t>
+            </a:r>
+            <a:r>
               <a:rPr lang="en-US" sz="1400" dirty="0" smtClean="0"/>
-            </a:br>
+              <a:t>way</a:t>
+            </a:r>
             <a:endParaRPr lang="en-US" sz="1400" dirty="0" smtClean="0"/>
           </a:p>
           <a:p>
@@ -13588,9 +14032,29 @@
               <a:rPr lang="en-US" sz="1400" b="1" dirty="0" smtClean="0"/>
               <a:t>Triangulation</a:t>
             </a:r>
-            <a:br>
+          </a:p>
+          <a:p>
+            <a:r>
+              <a:rPr lang="en-US" sz="1400" dirty="0" smtClean="0"/>
+              <a:t>Lets check this triangle</a:t>
+            </a:r>
+          </a:p>
+          <a:p>
+            <a:r>
               <a:rPr lang="en-US" sz="1400" b="1" dirty="0" smtClean="0"/>
-            </a:br>
+              <a:t>This is its </a:t>
+            </a:r>
+            <a:r>
+              <a:rPr lang="en-US" sz="1400" b="1" dirty="0" smtClean="0">
+                <a:solidFill>
+                  <a:schemeClr val="accent5">
+                    <a:lumMod val="60000"/>
+                    <a:lumOff val="40000"/>
+                  </a:schemeClr>
+                </a:solidFill>
+              </a:rPr>
+              <a:t>circumcircle</a:t>
+            </a:r>
             <a:endParaRPr lang="en-US" sz="1400" b="1" dirty="0" smtClean="0"/>
           </a:p>
           <a:p>
@@ -13908,6 +14372,128 @@
           </a:p>
         </p:txBody>
       </p:sp>
+      <p:grpSp>
+        <p:nvGrpSpPr>
+          <p:cNvPr id="54" name="Group 53"/>
+          <p:cNvGrpSpPr/>
+          <p:nvPr/>
+        </p:nvGrpSpPr>
+        <p:grpSpPr>
+          <a:xfrm>
+            <a:off x="4114004" y="1905000"/>
+            <a:ext cx="1765062" cy="1524000"/>
+            <a:chOff x="4114004" y="1905000"/>
+            <a:chExt cx="1765062" cy="1524000"/>
+          </a:xfrm>
+        </p:grpSpPr>
+        <p:cxnSp>
+          <p:nvCxnSpPr>
+            <p:cNvPr id="10" name="Straight Connector 9"/>
+            <p:cNvCxnSpPr/>
+            <p:nvPr/>
+          </p:nvCxnSpPr>
+          <p:spPr>
+            <a:xfrm>
+              <a:off x="4114004" y="2139169"/>
+              <a:ext cx="1752321" cy="1289831"/>
+            </a:xfrm>
+            <a:prstGeom prst="line">
+              <a:avLst/>
+            </a:prstGeom>
+            <a:ln w="38100">
+              <a:solidFill>
+                <a:srgbClr val="FF0000"/>
+              </a:solidFill>
+            </a:ln>
+          </p:spPr>
+          <p:style>
+            <a:lnRef idx="1">
+              <a:schemeClr val="accent1"/>
+            </a:lnRef>
+            <a:fillRef idx="0">
+              <a:schemeClr val="accent1"/>
+            </a:fillRef>
+            <a:effectRef idx="0">
+              <a:schemeClr val="accent1"/>
+            </a:effectRef>
+            <a:fontRef idx="minor">
+              <a:schemeClr val="tx1"/>
+            </a:fontRef>
+          </p:style>
+        </p:cxnSp>
+        <p:cxnSp>
+          <p:nvCxnSpPr>
+            <p:cNvPr id="19" name="Straight Connector 18"/>
+            <p:cNvCxnSpPr/>
+            <p:nvPr/>
+          </p:nvCxnSpPr>
+          <p:spPr>
+            <a:xfrm flipV="1">
+              <a:off x="4123010" y="1905000"/>
+              <a:ext cx="1090180" cy="228600"/>
+            </a:xfrm>
+            <a:prstGeom prst="line">
+              <a:avLst/>
+            </a:prstGeom>
+            <a:ln w="38100">
+              <a:solidFill>
+                <a:srgbClr val="FF0000"/>
+              </a:solidFill>
+            </a:ln>
+          </p:spPr>
+          <p:style>
+            <a:lnRef idx="1">
+              <a:schemeClr val="accent1"/>
+            </a:lnRef>
+            <a:fillRef idx="0">
+              <a:schemeClr val="accent1"/>
+            </a:fillRef>
+            <a:effectRef idx="0">
+              <a:schemeClr val="accent1"/>
+            </a:effectRef>
+            <a:fontRef idx="minor">
+              <a:schemeClr val="tx1"/>
+            </a:fontRef>
+          </p:style>
+        </p:cxnSp>
+        <p:cxnSp>
+          <p:nvCxnSpPr>
+            <p:cNvPr id="22" name="Straight Connector 21"/>
+            <p:cNvCxnSpPr>
+              <a:stCxn id="9" idx="6"/>
+            </p:cNvCxnSpPr>
+            <p:nvPr/>
+          </p:nvCxnSpPr>
+          <p:spPr>
+            <a:xfrm flipH="1" flipV="1">
+              <a:off x="5195612" y="1905000"/>
+              <a:ext cx="683454" cy="1512092"/>
+            </a:xfrm>
+            <a:prstGeom prst="line">
+              <a:avLst/>
+            </a:prstGeom>
+            <a:ln w="38100">
+              <a:solidFill>
+                <a:srgbClr val="FF0000"/>
+              </a:solidFill>
+            </a:ln>
+          </p:spPr>
+          <p:style>
+            <a:lnRef idx="1">
+              <a:schemeClr val="accent1"/>
+            </a:lnRef>
+            <a:fillRef idx="0">
+              <a:schemeClr val="accent1"/>
+            </a:fillRef>
+            <a:effectRef idx="0">
+              <a:schemeClr val="accent1"/>
+            </a:effectRef>
+            <a:fontRef idx="minor">
+              <a:schemeClr val="tx1"/>
+            </a:fontRef>
+          </p:style>
+        </p:cxnSp>
+      </p:grpSp>
     </p:spTree>
     <p:extLst>
       <p:ext uri="{BB962C8B-B14F-4D97-AF65-F5344CB8AC3E}">
@@ -14032,6 +14618,117 @@
                                           </p:stCondLst>
                                         </p:cTn>
                                         <p:tgtEl>
+                                          <p:spTgt spid="54"/>
+                                        </p:tgtEl>
+                                        <p:attrNameLst>
+                                          <p:attrName>style.visibility</p:attrName>
+                                        </p:attrNameLst>
+                                      </p:cBhvr>
+                                      <p:to>
+                                        <p:strVal val="visible"/>
+                                      </p:to>
+                                    </p:set>
+                                  </p:childTnLst>
+                                </p:cTn>
+                              </p:par>
+                            </p:childTnLst>
+                          </p:cTn>
+                        </p:par>
+                        <p:par>
+                          <p:cTn id="13" fill="hold">
+                            <p:stCondLst>
+                              <p:cond delay="0"/>
+                            </p:stCondLst>
+                            <p:childTnLst>
+                              <p:par>
+                                <p:cTn id="14" presetID="26" presetClass="emph" presetSubtype="0" repeatCount="4000" fill="hold" nodeType="afterEffect">
+                                  <p:stCondLst>
+                                    <p:cond delay="0"/>
+                                  </p:stCondLst>
+                                  <p:childTnLst>
+                                    <p:animEffect transition="out" filter="fade">
+                                      <p:cBhvr>
+                                        <p:cTn id="15" dur="500" tmFilter="0, 0; .2, .5; .8, .5; 1, 0"/>
+                                        <p:tgtEl>
+                                          <p:spTgt spid="54"/>
+                                        </p:tgtEl>
+                                      </p:cBhvr>
+                                    </p:animEffect>
+                                    <p:animScale>
+                                      <p:cBhvr>
+                                        <p:cTn id="16" dur="250" autoRev="1" fill="hold"/>
+                                        <p:tgtEl>
+                                          <p:spTgt spid="54"/>
+                                        </p:tgtEl>
+                                      </p:cBhvr>
+                                      <p:by x="105000" y="105000"/>
+                                    </p:animScale>
+                                  </p:childTnLst>
+                                </p:cTn>
+                              </p:par>
+                            </p:childTnLst>
+                          </p:cTn>
+                        </p:par>
+                      </p:childTnLst>
+                    </p:cTn>
+                  </p:par>
+                  <p:par>
+                    <p:cTn id="17" fill="hold">
+                      <p:stCondLst>
+                        <p:cond delay="indefinite"/>
+                      </p:stCondLst>
+                      <p:childTnLst>
+                        <p:par>
+                          <p:cTn id="18" fill="hold">
+                            <p:stCondLst>
+                              <p:cond delay="0"/>
+                            </p:stCondLst>
+                            <p:childTnLst>
+                              <p:par>
+                                <p:cTn id="19" presetID="1" presetClass="entr" presetSubtype="0" fill="hold" nodeType="clickEffect">
+                                  <p:stCondLst>
+                                    <p:cond delay="0"/>
+                                  </p:stCondLst>
+                                  <p:childTnLst>
+                                    <p:set>
+                                      <p:cBhvr>
+                                        <p:cTn id="20" dur="1" fill="hold">
+                                          <p:stCondLst>
+                                            <p:cond delay="0"/>
+                                          </p:stCondLst>
+                                        </p:cTn>
+                                        <p:tgtEl>
+                                          <p:spTgt spid="8">
+                                            <p:txEl>
+                                              <p:pRg st="3" end="3"/>
+                                            </p:txEl>
+                                          </p:spTgt>
+                                        </p:tgtEl>
+                                        <p:attrNameLst>
+                                          <p:attrName>style.visibility</p:attrName>
+                                        </p:attrNameLst>
+                                      </p:cBhvr>
+                                      <p:to>
+                                        <p:strVal val="visible"/>
+                                      </p:to>
+                                    </p:set>
+                                  </p:childTnLst>
+                                </p:cTn>
+                              </p:par>
+                              <p:par>
+                                <p:cTn id="21" presetID="1" presetClass="entr" presetSubtype="0" fill="hold" nodeType="withEffect">
+                                  <p:stCondLst>
+                                    <p:cond delay="0"/>
+                                  </p:stCondLst>
+                                  <p:childTnLst>
+                                    <p:set>
+                                      <p:cBhvr>
+                                        <p:cTn id="22" dur="1" fill="hold">
+                                          <p:stCondLst>
+                                            <p:cond delay="0"/>
+                                          </p:stCondLst>
+                                        </p:cTn>
+                                        <p:tgtEl>
                                           <p:spTgt spid="14"/>
                                         </p:tgtEl>
                                         <p:attrNameLst>
@@ -14046,14 +14743,89 @@
                                 </p:cTn>
                               </p:par>
                               <p:par>
-                                <p:cTn id="13" presetID="1" presetClass="entr" presetSubtype="0" fill="hold" grpId="0" nodeType="withEffect">
+                                <p:cTn id="23" presetID="26" presetClass="emph" presetSubtype="0" repeatCount="5000" fill="hold" nodeType="withEffect">
+                                  <p:stCondLst>
+                                    <p:cond delay="0"/>
+                                  </p:stCondLst>
+                                  <p:childTnLst>
+                                    <p:animEffect transition="out" filter="fade">
+                                      <p:cBhvr>
+                                        <p:cTn id="24" dur="500" tmFilter="0, 0; .2, .5; .8, .5; 1, 0"/>
+                                        <p:tgtEl>
+                                          <p:spTgt spid="14"/>
+                                        </p:tgtEl>
+                                      </p:cBhvr>
+                                    </p:animEffect>
+                                    <p:animScale>
+                                      <p:cBhvr>
+                                        <p:cTn id="25" dur="250" autoRev="1" fill="hold"/>
+                                        <p:tgtEl>
+                                          <p:spTgt spid="14"/>
+                                        </p:tgtEl>
+                                      </p:cBhvr>
+                                      <p:by x="105000" y="105000"/>
+                                    </p:animScale>
+                                  </p:childTnLst>
+                                </p:cTn>
+                              </p:par>
+                            </p:childTnLst>
+                          </p:cTn>
+                        </p:par>
+                      </p:childTnLst>
+                    </p:cTn>
+                  </p:par>
+                  <p:par>
+                    <p:cTn id="26" fill="hold">
+                      <p:stCondLst>
+                        <p:cond delay="indefinite"/>
+                      </p:stCondLst>
+                      <p:childTnLst>
+                        <p:par>
+                          <p:cTn id="27" fill="hold">
+                            <p:stCondLst>
+                              <p:cond delay="0"/>
+                            </p:stCondLst>
+                            <p:childTnLst>
+                              <p:par>
+                                <p:cTn id="28" presetID="1" presetClass="entr" presetSubtype="0" fill="hold" nodeType="clickEffect">
                                   <p:stCondLst>
                                     <p:cond delay="0"/>
                                   </p:stCondLst>
                                   <p:childTnLst>
                                     <p:set>
                                       <p:cBhvr>
-                                        <p:cTn id="14" dur="1" fill="hold">
+                                        <p:cTn id="29" dur="1" fill="hold">
+                                          <p:stCondLst>
+                                            <p:cond delay="0"/>
+                                          </p:stCondLst>
+                                        </p:cTn>
+                                        <p:tgtEl>
+                                          <p:spTgt spid="8">
+                                            <p:txEl>
+                                              <p:pRg st="4" end="4"/>
+                                            </p:txEl>
+                                          </p:spTgt>
+                                        </p:tgtEl>
+                                        <p:attrNameLst>
+                                          <p:attrName>style.visibility</p:attrName>
+                                        </p:attrNameLst>
+                                      </p:cBhvr>
+                                      <p:to>
+                                        <p:strVal val="visible"/>
+                                      </p:to>
+                                    </p:set>
+                                  </p:childTnLst>
+                                </p:cTn>
+                              </p:par>
+                              <p:par>
+                                <p:cTn id="30" presetID="1" presetClass="entr" presetSubtype="0" fill="hold" grpId="0" nodeType="withEffect">
+                                  <p:stCondLst>
+                                    <p:cond delay="0"/>
+                                  </p:stCondLst>
+                                  <p:childTnLst>
+                                    <p:set>
+                                      <p:cBhvr>
+                                        <p:cTn id="31" dur="1" fill="hold">
                                           <p:stCondLst>
                                             <p:cond delay="0"/>
                                           </p:stCondLst>
@@ -14073,14 +14845,14 @@
                                 </p:cTn>
                               </p:par>
                               <p:par>
-                                <p:cTn id="15" presetID="35" presetClass="emph" presetSubtype="0" repeatCount="3000" fill="hold" grpId="1" nodeType="withEffect">
+                                <p:cTn id="32" presetID="35" presetClass="emph" presetSubtype="0" repeatCount="10000" fill="hold" grpId="1" nodeType="withEffect">
                                   <p:stCondLst>
                                     <p:cond delay="0"/>
                                   </p:stCondLst>
                                   <p:childTnLst>
                                     <p:anim calcmode="discrete" valueType="str">
                                       <p:cBhvr>
-                                        <p:cTn id="16" dur="1000" fill="hold"/>
+                                        <p:cTn id="33" dur="1000" fill="hold"/>
                                         <p:tgtEl>
                                           <p:spTgt spid="13"/>
                                         </p:tgtEl>
@@ -16242,7 +17014,15 @@
             </a:pPr>
             <a:r>
               <a:rPr lang="en-US" dirty="0" smtClean="0"/>
-              <a:t>If the collection of the constraints is empty – return current triangulation (we are done!)</a:t>
+              <a:t>If the collection of the constraints is empty – return current triangulation (</a:t>
+            </a:r>
+            <a:r>
+              <a:rPr lang="en-US" u="sng" dirty="0" smtClean="0"/>
+              <a:t>we are done</a:t>
+            </a:r>
+            <a:r>
+              <a:rPr lang="en-US" dirty="0" smtClean="0"/>
+              <a:t>!)</a:t>
             </a:r>
           </a:p>
           <a:p>
@@ -16263,12 +17043,12 @@
               <a:t>remove) from the </a:t>
             </a:r>
             <a:r>
-              <a:rPr lang="en-US" dirty="0" err="1" smtClean="0"/>
-              <a:t>contraints</a:t>
-            </a:r>
-            <a:r>
               <a:rPr lang="en-US" dirty="0" smtClean="0"/>
-              <a:t> collection one constraint </a:t>
+              <a:t>constraints </a:t>
+            </a:r>
+            <a:r>
+              <a:rPr lang="en-US" dirty="0" smtClean="0"/>
+              <a:t>collection one constraint </a:t>
             </a:r>
             <a:r>
               <a:rPr lang="en-US" b="1" dirty="0">
@@ -16282,7 +17062,15 @@
             </a:r>
             <a:r>
               <a:rPr lang="en-US" dirty="0" smtClean="0"/>
-              <a:t> (i.e. constraint which required an existence of an edge between points </a:t>
+              <a:t> (i.e. constraint which </a:t>
+            </a:r>
+            <a:r>
+              <a:rPr lang="en-US" dirty="0" smtClean="0"/>
+              <a:t>requires </a:t>
+            </a:r>
+            <a:r>
+              <a:rPr lang="en-US" dirty="0" smtClean="0"/>
+              <a:t>an existence of an edge between points </a:t>
             </a:r>
             <a:r>
               <a:rPr lang="en-US" b="1" dirty="0" smtClean="0">
@@ -16521,20 +17309,6 @@
                 </a:rPr>
                 <a:t>[A,B]</a:t>
               </a:r>
-              <a:endParaRPr lang="en-US" b="1" i="1" dirty="0">
-                <a:solidFill>
-                  <a:schemeClr val="accent5">
-                    <a:lumMod val="75000"/>
-                  </a:schemeClr>
-                </a:solidFill>
-                <a:effectLst>
-                  <a:outerShdw blurRad="38100" dist="38100" dir="2700000" algn="tl">
-                    <a:srgbClr val="000000">
-                      <a:alpha val="43137"/>
-                    </a:srgbClr>
-                  </a:outerShdw>
-                </a:effectLst>
-              </a:endParaRPr>
             </a:p>
           </p:txBody>
         </p:sp>
@@ -19601,6 +20375,241 @@
 </p:sld>
 </file>
 
+<file path=ppt/slides/slide22.xml><?xml version="1.0" encoding="utf-8"?>
+<p:sld xmlns:a="http://schemas.openxmlformats.org/drawingml/2006/main" xmlns:r="http://schemas.openxmlformats.org/officeDocument/2006/relationships" xmlns:p="http://schemas.openxmlformats.org/presentationml/2006/main">
+  <p:cSld>
+    <p:spTree>
+      <p:nvGrpSpPr>
+        <p:cNvPr id="1" name=""/>
+        <p:cNvGrpSpPr/>
+        <p:nvPr/>
+      </p:nvGrpSpPr>
+      <p:grpSpPr>
+        <a:xfrm>
+          <a:off x="0" y="0"/>
+          <a:ext cx="0" cy="0"/>
+          <a:chOff x="0" y="0"/>
+          <a:chExt cx="0" cy="0"/>
+        </a:xfrm>
+      </p:grpSpPr>
+      <p:sp>
+        <p:nvSpPr>
+          <p:cNvPr id="2" name="Title 1"/>
+          <p:cNvSpPr>
+            <a:spLocks noGrp="1"/>
+          </p:cNvSpPr>
+          <p:nvPr>
+            <p:ph type="title"/>
+          </p:nvPr>
+        </p:nvSpPr>
+        <p:spPr/>
+        <p:txBody>
+          <a:bodyPr/>
+          <a:lstStyle/>
+          <a:p>
+            <a:r>
+              <a:rPr lang="en-US" dirty="0" smtClean="0"/>
+              <a:t>TODO list</a:t>
+            </a:r>
+            <a:endParaRPr lang="en-US" dirty="0"/>
+          </a:p>
+        </p:txBody>
+      </p:sp>
+      <p:sp>
+        <p:nvSpPr>
+          <p:cNvPr id="3" name="Content Placeholder 2"/>
+          <p:cNvSpPr>
+            <a:spLocks noGrp="1"/>
+          </p:cNvSpPr>
+          <p:nvPr>
+            <p:ph idx="1"/>
+          </p:nvPr>
+        </p:nvSpPr>
+        <p:spPr/>
+        <p:txBody>
+          <a:bodyPr/>
+          <a:lstStyle/>
+          <a:p>
+            <a:pPr marL="457200" indent="-457200">
+              <a:buFont typeface="+mj-lt"/>
+              <a:buAutoNum type="arabicPeriod"/>
+            </a:pPr>
+            <a:r>
+              <a:rPr lang="en-US" dirty="0" smtClean="0"/>
+              <a:t>Fix everything</a:t>
+            </a:r>
+          </a:p>
+          <a:p>
+            <a:pPr marL="457200" indent="-457200">
+              <a:buFont typeface="+mj-lt"/>
+              <a:buAutoNum type="arabicPeriod"/>
+            </a:pPr>
+            <a:r>
+              <a:rPr lang="en-US" dirty="0" smtClean="0"/>
+              <a:t>Other stuff</a:t>
+            </a:r>
+            <a:endParaRPr lang="en-US" dirty="0"/>
+          </a:p>
+        </p:txBody>
+      </p:sp>
+    </p:spTree>
+    <p:extLst>
+      <p:ext uri="{BB962C8B-B14F-4D97-AF65-F5344CB8AC3E}">
+        <p14:creationId xmlns:p14="http://schemas.microsoft.com/office/powerpoint/2010/main" val="3076143707"/>
+      </p:ext>
+    </p:extLst>
+  </p:cSld>
+  <p:clrMapOvr>
+    <a:masterClrMapping/>
+  </p:clrMapOvr>
+  <p:timing>
+    <p:tnLst>
+      <p:par>
+        <p:cTn id="1" dur="indefinite" restart="never" nodeType="tmRoot"/>
+      </p:par>
+    </p:tnLst>
+  </p:timing>
+</p:sld>
+</file>
+
+<file path=ppt/slides/slide23.xml><?xml version="1.0" encoding="utf-8"?>
+<p:sld xmlns:a="http://schemas.openxmlformats.org/drawingml/2006/main" xmlns:r="http://schemas.openxmlformats.org/officeDocument/2006/relationships" xmlns:p="http://schemas.openxmlformats.org/presentationml/2006/main">
+  <p:cSld>
+    <p:spTree>
+      <p:nvGrpSpPr>
+        <p:cNvPr id="1" name=""/>
+        <p:cNvGrpSpPr/>
+        <p:nvPr/>
+      </p:nvGrpSpPr>
+      <p:grpSpPr>
+        <a:xfrm>
+          <a:off x="0" y="0"/>
+          <a:ext cx="0" cy="0"/>
+          <a:chOff x="0" y="0"/>
+          <a:chExt cx="0" cy="0"/>
+        </a:xfrm>
+      </p:grpSpPr>
+      <p:sp>
+        <p:nvSpPr>
+          <p:cNvPr id="3" name="Content Placeholder 2"/>
+          <p:cNvSpPr>
+            <a:spLocks noGrp="1"/>
+          </p:cNvSpPr>
+          <p:nvPr>
+            <p:ph idx="1"/>
+          </p:nvPr>
+        </p:nvSpPr>
+        <p:spPr>
+          <a:xfrm>
+            <a:off x="457200" y="228600"/>
+            <a:ext cx="8229600" cy="5897563"/>
+          </a:xfrm>
+        </p:spPr>
+        <p:txBody>
+          <a:bodyPr anchor="ctr">
+            <a:normAutofit/>
+          </a:bodyPr>
+          <a:lstStyle/>
+          <a:p>
+            <a:pPr marL="0" indent="0" algn="ctr">
+              <a:buNone/>
+            </a:pPr>
+            <a:r>
+              <a:rPr lang="en-US" sz="9600" dirty="0" smtClean="0"/>
+              <a:t>Q &amp; A</a:t>
+            </a:r>
+            <a:endParaRPr lang="en-US" sz="9600" dirty="0"/>
+          </a:p>
+        </p:txBody>
+      </p:sp>
+    </p:spTree>
+    <p:extLst>
+      <p:ext uri="{BB962C8B-B14F-4D97-AF65-F5344CB8AC3E}">
+        <p14:creationId xmlns:p14="http://schemas.microsoft.com/office/powerpoint/2010/main" val="365071620"/>
+      </p:ext>
+    </p:extLst>
+  </p:cSld>
+  <p:clrMapOvr>
+    <a:masterClrMapping/>
+  </p:clrMapOvr>
+  <p:timing>
+    <p:tnLst>
+      <p:par>
+        <p:cTn id="1" dur="indefinite" restart="never" nodeType="tmRoot"/>
+      </p:par>
+    </p:tnLst>
+  </p:timing>
+</p:sld>
+</file>
+
+<file path=ppt/slides/slide24.xml><?xml version="1.0" encoding="utf-8"?>
+<p:sld xmlns:a="http://schemas.openxmlformats.org/drawingml/2006/main" xmlns:r="http://schemas.openxmlformats.org/officeDocument/2006/relationships" xmlns:p="http://schemas.openxmlformats.org/presentationml/2006/main">
+  <p:cSld>
+    <p:spTree>
+      <p:nvGrpSpPr>
+        <p:cNvPr id="1" name=""/>
+        <p:cNvGrpSpPr/>
+        <p:nvPr/>
+      </p:nvGrpSpPr>
+      <p:grpSpPr>
+        <a:xfrm>
+          <a:off x="0" y="0"/>
+          <a:ext cx="0" cy="0"/>
+          <a:chOff x="0" y="0"/>
+          <a:chExt cx="0" cy="0"/>
+        </a:xfrm>
+      </p:grpSpPr>
+      <p:sp>
+        <p:nvSpPr>
+          <p:cNvPr id="3" name="Content Placeholder 2"/>
+          <p:cNvSpPr>
+            <a:spLocks noGrp="1"/>
+          </p:cNvSpPr>
+          <p:nvPr>
+            <p:ph idx="1"/>
+          </p:nvPr>
+        </p:nvSpPr>
+        <p:spPr>
+          <a:xfrm>
+            <a:off x="457200" y="228600"/>
+            <a:ext cx="8229600" cy="5897563"/>
+          </a:xfrm>
+        </p:spPr>
+        <p:txBody>
+          <a:bodyPr anchor="ctr"/>
+          <a:lstStyle/>
+          <a:p>
+            <a:pPr marL="0" indent="0" algn="ctr">
+              <a:buNone/>
+            </a:pPr>
+            <a:r>
+              <a:rPr lang="en-US" sz="5400" dirty="0" smtClean="0"/>
+              <a:t>Thank you!</a:t>
+            </a:r>
+            <a:endParaRPr lang="en-US" sz="5400" dirty="0"/>
+          </a:p>
+        </p:txBody>
+      </p:sp>
+    </p:spTree>
+    <p:extLst>
+      <p:ext uri="{BB962C8B-B14F-4D97-AF65-F5344CB8AC3E}">
+        <p14:creationId xmlns:p14="http://schemas.microsoft.com/office/powerpoint/2010/main" val="696365338"/>
+      </p:ext>
+    </p:extLst>
+  </p:cSld>
+  <p:clrMapOvr>
+    <a:masterClrMapping/>
+  </p:clrMapOvr>
+  <p:timing>
+    <p:tnLst>
+      <p:par>
+        <p:cTn id="1" dur="indefinite" restart="never" nodeType="tmRoot"/>
+      </p:par>
+    </p:tnLst>
+  </p:timing>
+</p:sld>
+</file>
+
 <file path=ppt/slides/slide3.xml><?xml version="1.0" encoding="utf-8"?>
 <p:sld xmlns:a="http://schemas.openxmlformats.org/drawingml/2006/main" xmlns:r="http://schemas.openxmlformats.org/officeDocument/2006/relationships" xmlns:p="http://schemas.openxmlformats.org/presentationml/2006/main">
   <p:cSld>
@@ -20705,31 +21714,7 @@
                   <a:srgbClr val="C00000"/>
                 </a:solidFill>
               </a:rPr>
-              <a:t>These </a:t>
-            </a:r>
-            <a:r>
-              <a:rPr lang="en-US" sz="1400" dirty="0">
-                <a:solidFill>
-                  <a:srgbClr val="C00000"/>
-                </a:solidFill>
-              </a:rPr>
-              <a:t>intersections point to conflicts with existing </a:t>
-            </a:r>
-            <a:r>
-              <a:rPr lang="en-US" sz="1400" dirty="0">
-                <a:solidFill>
-                  <a:srgbClr val="C00000"/>
-                </a:solidFill>
-              </a:rPr>
-              <a:t>triangulation’s </a:t>
-            </a:r>
-            <a:r>
-              <a:rPr lang="en-US" sz="1400" dirty="0">
-                <a:solidFill>
-                  <a:srgbClr val="C00000"/>
-                </a:solidFill>
-              </a:rPr>
-              <a:t>edges</a:t>
+              <a:t>These intersections point to conflicts with existing triangulation’s edges</a:t>
             </a:r>
             <a:br>
               <a:rPr lang="en-US" sz="1400" dirty="0">
@@ -24376,4 +25361,289 @@
   <a:objectDefaults/>
   <a:extraClrSchemeLst/>
 </a:theme>
+</file>
+
+<file path=ppt/theme/theme2.xml><?xml version="1.0" encoding="utf-8"?>
+<a:theme xmlns:a="http://schemas.openxmlformats.org/drawingml/2006/main" name="Office Theme">
+  <a:themeElements>
+    <a:clrScheme name="Office">
+      <a:dk1>
+        <a:sysClr val="windowText" lastClr="000000"/>
+      </a:dk1>
+      <a:lt1>
+        <a:sysClr val="window" lastClr="FFFFFF"/>
+      </a:lt1>
+      <a:dk2>
+        <a:srgbClr val="1F497D"/>
+      </a:dk2>
+      <a:lt2>
+        <a:srgbClr val="EEECE1"/>
+      </a:lt2>
+      <a:accent1>
+        <a:srgbClr val="4F81BD"/>
+      </a:accent1>
+      <a:accent2>
+        <a:srgbClr val="C0504D"/>
+      </a:accent2>
+      <a:accent3>
+        <a:srgbClr val="9BBB59"/>
+      </a:accent3>
+      <a:accent4>
+        <a:srgbClr val="8064A2"/>
+      </a:accent4>
+      <a:accent5>
+        <a:srgbClr val="4BACC6"/>
+      </a:accent5>
+      <a:accent6>
+        <a:srgbClr val="F79646"/>
+      </a:accent6>
+      <a:hlink>
+        <a:srgbClr val="0000FF"/>
+      </a:hlink>
+      <a:folHlink>
+        <a:srgbClr val="800080"/>
+      </a:folHlink>
+    </a:clrScheme>
+    <a:fontScheme name="Office">
+      <a:majorFont>
+        <a:latin typeface="Calibri"/>
+        <a:ea typeface=""/>
+        <a:cs typeface=""/>
+        <a:font script="Jpan" typeface="ＭＳ Ｐゴシック"/>
+        <a:font script="Hang" typeface="맑은 고딕"/>
+        <a:font script="Hans" typeface="宋体"/>
+        <a:font script="Hant" typeface="新細明體"/>
+        <a:font script="Arab" typeface="Times New Roman"/>
+        <a:font script="Hebr" typeface="Times New Roman"/>
+        <a:font script="Thai" typeface="Angsana New"/>
+        <a:font script="Ethi" typeface="Nyala"/>
+        <a:font script="Beng" typeface="Vrinda"/>
+        <a:font script="Gujr" typeface="Shruti"/>
+        <a:font script="Khmr" typeface="MoolBoran"/>
+        <a:font script="Knda" typeface="Tunga"/>
+        <a:font script="Guru" typeface="Raavi"/>
+        <a:font script="Cans" typeface="Euphemia"/>
+        <a:font script="Cher" typeface="Plantagenet Cherokee"/>
+        <a:font script="Yiii" typeface="Microsoft Yi Baiti"/>
+        <a:font script="Tibt" typeface="Microsoft Himalaya"/>
+        <a:font script="Thaa" typeface="MV Boli"/>
+        <a:font script="Deva" typeface="Mangal"/>
+        <a:font script="Telu" typeface="Gautami"/>
+        <a:font script="Taml" typeface="Latha"/>
+        <a:font script="Syrc" typeface="Estrangelo Edessa"/>
+        <a:font script="Orya" typeface="Kalinga"/>
+        <a:font script="Mlym" typeface="Kartika"/>
+        <a:font script="Laoo" typeface="DokChampa"/>
+        <a:font script="Sinh" typeface="Iskoola Pota"/>
+        <a:font script="Mong" typeface="Mongolian Baiti"/>
+        <a:font script="Viet" typeface="Times New Roman"/>
+        <a:font script="Uigh" typeface="Microsoft Uighur"/>
+        <a:font script="Geor" typeface="Sylfaen"/>
+      </a:majorFont>
+      <a:minorFont>
+        <a:latin typeface="Calibri"/>
+        <a:ea typeface=""/>
+        <a:cs typeface=""/>
+        <a:font script="Jpan" typeface="ＭＳ Ｐゴシック"/>
+        <a:font script="Hang" typeface="맑은 고딕"/>
+        <a:font script="Hans" typeface="宋体"/>
+        <a:font script="Hant" typeface="新細明體"/>
+        <a:font script="Arab" typeface="Arial"/>
+        <a:font script="Hebr" typeface="Arial"/>
+        <a:font script="Thai" typeface="Cordia New"/>
+        <a:font script="Ethi" typeface="Nyala"/>
+        <a:font script="Beng" typeface="Vrinda"/>
+        <a:font script="Gujr" typeface="Shruti"/>
+        <a:font script="Khmr" typeface="DaunPenh"/>
+        <a:font script="Knda" typeface="Tunga"/>
+        <a:font script="Guru" typeface="Raavi"/>
+        <a:font script="Cans" typeface="Euphemia"/>
+        <a:font script="Cher" typeface="Plantagenet Cherokee"/>
+        <a:font script="Yiii" typeface="Microsoft Yi Baiti"/>
+        <a:font script="Tibt" typeface="Microsoft Himalaya"/>
+        <a:font script="Thaa" typeface="MV Boli"/>
+        <a:font script="Deva" typeface="Mangal"/>
+        <a:font script="Telu" typeface="Gautami"/>
+        <a:font script="Taml" typeface="Latha"/>
+        <a:font script="Syrc" typeface="Estrangelo Edessa"/>
+        <a:font script="Orya" typeface="Kalinga"/>
+        <a:font script="Mlym" typeface="Kartika"/>
+        <a:font script="Laoo" typeface="DokChampa"/>
+        <a:font script="Sinh" typeface="Iskoola Pota"/>
+        <a:font script="Mong" typeface="Mongolian Baiti"/>
+        <a:font script="Viet" typeface="Arial"/>
+        <a:font script="Uigh" typeface="Microsoft Uighur"/>
+        <a:font script="Geor" typeface="Sylfaen"/>
+      </a:minorFont>
+    </a:fontScheme>
+    <a:fmtScheme name="Office">
+      <a:fillStyleLst>
+        <a:solidFill>
+          <a:schemeClr val="phClr"/>
+        </a:solidFill>
+        <a:gradFill rotWithShape="1">
+          <a:gsLst>
+            <a:gs pos="0">
+              <a:schemeClr val="phClr">
+                <a:tint val="50000"/>
+                <a:satMod val="300000"/>
+              </a:schemeClr>
+            </a:gs>
+            <a:gs pos="35000">
+              <a:schemeClr val="phClr">
+                <a:tint val="37000"/>
+                <a:satMod val="300000"/>
+              </a:schemeClr>
+            </a:gs>
+            <a:gs pos="100000">
+              <a:schemeClr val="phClr">
+                <a:tint val="15000"/>
+                <a:satMod val="350000"/>
+              </a:schemeClr>
+            </a:gs>
+          </a:gsLst>
+          <a:lin ang="16200000" scaled="1"/>
+        </a:gradFill>
+        <a:gradFill rotWithShape="1">
+          <a:gsLst>
+            <a:gs pos="0">
+              <a:schemeClr val="phClr">
+                <a:shade val="51000"/>
+                <a:satMod val="130000"/>
+              </a:schemeClr>
+            </a:gs>
+            <a:gs pos="80000">
+              <a:schemeClr val="phClr">
+                <a:shade val="93000"/>
+                <a:satMod val="130000"/>
+              </a:schemeClr>
+            </a:gs>
+            <a:gs pos="100000">
+              <a:schemeClr val="phClr">
+                <a:shade val="94000"/>
+                <a:satMod val="135000"/>
+              </a:schemeClr>
+            </a:gs>
+          </a:gsLst>
+          <a:lin ang="16200000" scaled="0"/>
+        </a:gradFill>
+      </a:fillStyleLst>
+      <a:lnStyleLst>
+        <a:ln w="9525" cap="flat" cmpd="sng" algn="ctr">
+          <a:solidFill>
+            <a:schemeClr val="phClr">
+              <a:shade val="95000"/>
+              <a:satMod val="105000"/>
+            </a:schemeClr>
+          </a:solidFill>
+          <a:prstDash val="solid"/>
+        </a:ln>
+        <a:ln w="25400" cap="flat" cmpd="sng" algn="ctr">
+          <a:solidFill>
+            <a:schemeClr val="phClr"/>
+          </a:solidFill>
+          <a:prstDash val="solid"/>
+        </a:ln>
+        <a:ln w="38100" cap="flat" cmpd="sng" algn="ctr">
+          <a:solidFill>
+            <a:schemeClr val="phClr"/>
+          </a:solidFill>
+          <a:prstDash val="solid"/>
+        </a:ln>
+      </a:lnStyleLst>
+      <a:effectStyleLst>
+        <a:effectStyle>
+          <a:effectLst>
+            <a:outerShdw blurRad="40000" dist="20000" dir="5400000" rotWithShape="0">
+              <a:srgbClr val="000000">
+                <a:alpha val="38000"/>
+              </a:srgbClr>
+            </a:outerShdw>
+          </a:effectLst>
+        </a:effectStyle>
+        <a:effectStyle>
+          <a:effectLst>
+            <a:outerShdw blurRad="40000" dist="23000" dir="5400000" rotWithShape="0">
+              <a:srgbClr val="000000">
+                <a:alpha val="35000"/>
+              </a:srgbClr>
+            </a:outerShdw>
+          </a:effectLst>
+        </a:effectStyle>
+        <a:effectStyle>
+          <a:effectLst>
+            <a:outerShdw blurRad="40000" dist="23000" dir="5400000" rotWithShape="0">
+              <a:srgbClr val="000000">
+                <a:alpha val="35000"/>
+              </a:srgbClr>
+            </a:outerShdw>
+          </a:effectLst>
+          <a:scene3d>
+            <a:camera prst="orthographicFront">
+              <a:rot lat="0" lon="0" rev="0"/>
+            </a:camera>
+            <a:lightRig rig="threePt" dir="t">
+              <a:rot lat="0" lon="0" rev="1200000"/>
+            </a:lightRig>
+          </a:scene3d>
+          <a:sp3d>
+            <a:bevelT w="63500" h="25400"/>
+          </a:sp3d>
+        </a:effectStyle>
+      </a:effectStyleLst>
+      <a:bgFillStyleLst>
+        <a:solidFill>
+          <a:schemeClr val="phClr"/>
+        </a:solidFill>
+        <a:gradFill rotWithShape="1">
+          <a:gsLst>
+            <a:gs pos="0">
+              <a:schemeClr val="phClr">
+                <a:tint val="40000"/>
+                <a:satMod val="350000"/>
+              </a:schemeClr>
+            </a:gs>
+            <a:gs pos="40000">
+              <a:schemeClr val="phClr">
+                <a:tint val="45000"/>
+                <a:shade val="99000"/>
+                <a:satMod val="350000"/>
+              </a:schemeClr>
+            </a:gs>
+            <a:gs pos="100000">
+              <a:schemeClr val="phClr">
+                <a:shade val="20000"/>
+                <a:satMod val="255000"/>
+              </a:schemeClr>
+            </a:gs>
+          </a:gsLst>
+          <a:path path="circle">
+            <a:fillToRect l="50000" t="-80000" r="50000" b="180000"/>
+          </a:path>
+        </a:gradFill>
+        <a:gradFill rotWithShape="1">
+          <a:gsLst>
+            <a:gs pos="0">
+              <a:schemeClr val="phClr">
+                <a:tint val="80000"/>
+                <a:satMod val="300000"/>
+              </a:schemeClr>
+            </a:gs>
+            <a:gs pos="100000">
+              <a:schemeClr val="phClr">
+                <a:shade val="30000"/>
+                <a:satMod val="200000"/>
+              </a:schemeClr>
+            </a:gs>
+          </a:gsLst>
+          <a:path path="circle">
+            <a:fillToRect l="50000" t="50000" r="50000" b="50000"/>
+          </a:path>
+        </a:gradFill>
+      </a:bgFillStyleLst>
+    </a:fmtScheme>
+  </a:themeElements>
+  <a:objectDefaults/>
+  <a:extraClrSchemeLst/>
+</a:theme>
 </file>
--- a/extra/CDT.pptx
+++ b/extra/CDT.pptx
@@ -5,7 +5,7 @@
     <p:sldMasterId id="2147483780" r:id="rId1"/>
   </p:sldMasterIdLst>
   <p:notesMasterIdLst>
-    <p:notesMasterId r:id="rId26"/>
+    <p:notesMasterId r:id="rId28"/>
   </p:notesMasterIdLst>
   <p:sldIdLst>
     <p:sldId id="256" r:id="rId2"/>
@@ -28,10 +28,12 @@
     <p:sldId id="280" r:id="rId19"/>
     <p:sldId id="281" r:id="rId20"/>
     <p:sldId id="282" r:id="rId21"/>
-    <p:sldId id="268" r:id="rId22"/>
-    <p:sldId id="283" r:id="rId23"/>
-    <p:sldId id="284" r:id="rId24"/>
-    <p:sldId id="285" r:id="rId25"/>
+    <p:sldId id="286" r:id="rId22"/>
+    <p:sldId id="268" r:id="rId23"/>
+    <p:sldId id="283" r:id="rId24"/>
+    <p:sldId id="284" r:id="rId25"/>
+    <p:sldId id="287" r:id="rId26"/>
+    <p:sldId id="285" r:id="rId27"/>
   </p:sldIdLst>
   <p:sldSz cx="9144000" cy="6858000" type="screen4x3"/>
   <p:notesSz cx="6858000" cy="9144000"/>
@@ -155,9 +157,11 @@
             <p14:sldId id="280"/>
             <p14:sldId id="281"/>
             <p14:sldId id="282"/>
+            <p14:sldId id="286"/>
             <p14:sldId id="268"/>
             <p14:sldId id="283"/>
             <p14:sldId id="284"/>
+            <p14:sldId id="287"/>
             <p14:sldId id="285"/>
           </p14:sldIdLst>
         </p14:section>
@@ -13999,13 +14003,8 @@
           <a:p>
             <a:r>
               <a:rPr lang="en-US" sz="1400" dirty="0" smtClean="0"/>
-              <a:t>The resulting CDT is looking this </a:t>
-            </a:r>
-            <a:r>
-              <a:rPr lang="en-US" sz="1400" dirty="0" smtClean="0"/>
-              <a:t>way</a:t>
-            </a:r>
-            <a:endParaRPr lang="en-US" sz="1400" dirty="0" smtClean="0"/>
+              <a:t>The resulting CDT is looking this way</a:t>
+            </a:r>
           </a:p>
           <a:p>
             <a:r>
@@ -17040,15 +17039,7 @@
             </a:r>
             <a:r>
               <a:rPr lang="en-US" dirty="0" smtClean="0"/>
-              <a:t>remove) from the </a:t>
-            </a:r>
-            <a:r>
-              <a:rPr lang="en-US" dirty="0" smtClean="0"/>
-              <a:t>constraints </a:t>
-            </a:r>
-            <a:r>
-              <a:rPr lang="en-US" dirty="0" smtClean="0"/>
-              <a:t>collection one constraint </a:t>
+              <a:t>remove) from the constraints collection one constraint </a:t>
             </a:r>
             <a:r>
               <a:rPr lang="en-US" b="1" dirty="0">
@@ -17062,15 +17053,7 @@
             </a:r>
             <a:r>
               <a:rPr lang="en-US" dirty="0" smtClean="0"/>
-              <a:t> (i.e. constraint which </a:t>
-            </a:r>
-            <a:r>
-              <a:rPr lang="en-US" dirty="0" smtClean="0"/>
-              <a:t>requires </a:t>
-            </a:r>
-            <a:r>
-              <a:rPr lang="en-US" dirty="0" smtClean="0"/>
-              <a:t>an existence of an edge between points </a:t>
+              <a:t> (i.e. constraint which requires an existence of an edge between points </a:t>
             </a:r>
             <a:r>
               <a:rPr lang="en-US" b="1" dirty="0" smtClean="0">
@@ -19798,8 +19781,13 @@
             </a:pPr>
             <a:r>
               <a:rPr lang="en-US" dirty="0"/>
-              <a:t>Go to step 2</a:t>
-            </a:r>
+              <a:t>Go to step </a:t>
+            </a:r>
+            <a:r>
+              <a:rPr lang="en-US" dirty="0" smtClean="0"/>
+              <a:t>2</a:t>
+            </a:r>
+            <a:endParaRPr lang="en-US" dirty="0"/>
           </a:p>
         </p:txBody>
       </p:sp>
@@ -20192,10 +20180,9 @@
           <a:lstStyle/>
           <a:p>
             <a:r>
-              <a:rPr lang="en-US" dirty="0" smtClean="0"/>
-              <a:t>Available algorithms</a:t>
-            </a:r>
-            <a:endParaRPr lang="en-US" dirty="0"/>
+              <a:rPr lang="en-US" dirty="0"/>
+              <a:t>Algorithm description</a:t>
+            </a:r>
           </a:p>
         </p:txBody>
       </p:sp>
@@ -20211,146 +20198,24 @@
         </p:nvSpPr>
         <p:spPr/>
         <p:txBody>
-          <a:bodyPr/>
+          <a:bodyPr anchor="ctr"/>
           <a:lstStyle/>
           <a:p>
-            <a:r>
-              <a:rPr lang="en-US" b="1" dirty="0" smtClean="0"/>
-              <a:t>CDT using </a:t>
-            </a:r>
-            <a:r>
-              <a:rPr lang="en-US" b="1" dirty="0"/>
-              <a:t>Plane Subdivision - </a:t>
-            </a:r>
-            <a:r>
-              <a:rPr lang="en-US" b="1" dirty="0">
-                <a:hlinkClick r:id="rId2"/>
-              </a:rPr>
-              <a:t>http://www.cescg.org/CESCG-2004/web/Domiter-Vid</a:t>
-            </a:r>
-            <a:r>
-              <a:rPr lang="en-US" b="1" dirty="0" smtClean="0">
-                <a:hlinkClick r:id="rId2"/>
-              </a:rPr>
-              <a:t>/</a:t>
-            </a:r>
-            <a:endParaRPr lang="en-US" b="1" dirty="0" smtClean="0"/>
-          </a:p>
-          <a:p>
-            <a:r>
-              <a:rPr lang="en-US" b="1" dirty="0"/>
-              <a:t>Algorithms based on "Divide and conquer" strategy</a:t>
-            </a:r>
-            <a:r>
-              <a:rPr lang="en-US" dirty="0"/>
-              <a:t> </a:t>
-            </a:r>
-            <a:endParaRPr lang="en-US" dirty="0" smtClean="0"/>
-          </a:p>
-          <a:p>
-            <a:pPr lvl="1"/>
-            <a:r>
-              <a:rPr lang="en-US" dirty="0"/>
-              <a:t>Chew </a:t>
-            </a:r>
-            <a:endParaRPr lang="en-US" dirty="0" smtClean="0"/>
-          </a:p>
-          <a:p>
-            <a:r>
-              <a:rPr lang="en-US" b="1" dirty="0"/>
-              <a:t>Sweep-Line algorithms</a:t>
-            </a:r>
-            <a:r>
-              <a:rPr lang="en-US" dirty="0"/>
-              <a:t> </a:t>
-            </a:r>
-            <a:endParaRPr lang="en-US" dirty="0" smtClean="0"/>
-          </a:p>
-          <a:p>
-            <a:pPr lvl="1"/>
-            <a:r>
-              <a:rPr lang="en-US" dirty="0"/>
-              <a:t>Fortune </a:t>
-            </a:r>
-            <a:endParaRPr lang="en-US" dirty="0" smtClean="0"/>
-          </a:p>
-          <a:p>
-            <a:pPr lvl="1"/>
-            <a:r>
-              <a:rPr lang="en-US" dirty="0" err="1"/>
-              <a:t>Shewchuk</a:t>
-            </a:r>
-            <a:r>
-              <a:rPr lang="en-US" dirty="0"/>
-              <a:t> - constructing higher-dimensional </a:t>
-            </a:r>
+            <a:pPr marL="0" indent="0" algn="ctr">
+              <a:buNone/>
+            </a:pPr>
             <a:r>
               <a:rPr lang="en-US" dirty="0" smtClean="0"/>
-              <a:t>CDT</a:t>
-            </a:r>
-          </a:p>
-          <a:p>
-            <a:r>
-              <a:rPr lang="en-US" b="1" dirty="0"/>
-              <a:t>Incremental algorithms</a:t>
-            </a:r>
-            <a:r>
-              <a:rPr lang="en-US" dirty="0"/>
-              <a:t> </a:t>
-            </a:r>
-            <a:endParaRPr lang="en-US" dirty="0" smtClean="0"/>
-          </a:p>
-          <a:p>
-            <a:pPr lvl="1"/>
-            <a:r>
-              <a:rPr lang="en-US" dirty="0" err="1"/>
-              <a:t>Guibas</a:t>
-            </a:r>
-            <a:r>
-              <a:rPr lang="en-US" dirty="0"/>
-              <a:t>, Knuth and </a:t>
-            </a:r>
-            <a:r>
-              <a:rPr lang="en-US" dirty="0" err="1"/>
-              <a:t>Sharir</a:t>
-            </a:r>
-            <a:r>
-              <a:rPr lang="en-US" dirty="0"/>
-              <a:t> </a:t>
-            </a:r>
-          </a:p>
-          <a:p>
-            <a:pPr lvl="1"/>
-            <a:r>
-              <a:rPr lang="en-US" dirty="0" err="1" smtClean="0"/>
-              <a:t>Žalik</a:t>
-            </a:r>
-            <a:r>
-              <a:rPr lang="en-US" dirty="0" smtClean="0"/>
-              <a:t> </a:t>
-            </a:r>
-            <a:r>
-              <a:rPr lang="en-US" dirty="0"/>
-              <a:t>and </a:t>
-            </a:r>
-            <a:r>
-              <a:rPr lang="en-US" dirty="0" err="1"/>
-              <a:t>Kolingerova</a:t>
-            </a:r>
-            <a:r>
-              <a:rPr lang="en-US" dirty="0"/>
-              <a:t> </a:t>
-            </a:r>
-          </a:p>
-          <a:p>
-            <a:pPr lvl="1"/>
+              <a:t>End </a:t>
+            </a:r>
             <a:r>
               <a:rPr lang="en-US" smtClean="0"/>
-              <a:t>Vigo</a:t>
-            </a:r>
-            <a:endParaRPr lang="en-US" b="1" dirty="0" smtClean="0"/>
-          </a:p>
-          <a:p>
+              <a:t>of </a:t>
+            </a:r>
+            <a:r>
+              <a:rPr lang="en-US" smtClean="0"/>
+              <a:t>the algorithm</a:t>
+            </a:r>
             <a:endParaRPr lang="en-US" dirty="0"/>
           </a:p>
         </p:txBody>
@@ -20358,7 +20223,7 @@
     </p:spTree>
     <p:extLst>
       <p:ext uri="{BB962C8B-B14F-4D97-AF65-F5344CB8AC3E}">
-        <p14:creationId xmlns:p14="http://schemas.microsoft.com/office/powerpoint/2010/main" val="4201113578"/>
+        <p14:creationId xmlns:p14="http://schemas.microsoft.com/office/powerpoint/2010/main" val="3711012321"/>
       </p:ext>
     </p:extLst>
   </p:cSld>
@@ -20409,6 +20274,222 @@
           <a:p>
             <a:r>
               <a:rPr lang="en-US" dirty="0" smtClean="0"/>
+              <a:t>Available algorithms</a:t>
+            </a:r>
+            <a:endParaRPr lang="en-US" dirty="0"/>
+          </a:p>
+        </p:txBody>
+      </p:sp>
+      <p:sp>
+        <p:nvSpPr>
+          <p:cNvPr id="3" name="Content Placeholder 2"/>
+          <p:cNvSpPr>
+            <a:spLocks noGrp="1"/>
+          </p:cNvSpPr>
+          <p:nvPr>
+            <p:ph idx="1"/>
+          </p:nvPr>
+        </p:nvSpPr>
+        <p:spPr/>
+        <p:txBody>
+          <a:bodyPr/>
+          <a:lstStyle/>
+          <a:p>
+            <a:r>
+              <a:rPr lang="en-US" b="1" dirty="0" smtClean="0"/>
+              <a:t>CDT using </a:t>
+            </a:r>
+            <a:r>
+              <a:rPr lang="en-US" b="1" dirty="0"/>
+              <a:t>Plane Subdivision - </a:t>
+            </a:r>
+            <a:r>
+              <a:rPr lang="en-US" b="1" dirty="0">
+                <a:hlinkClick r:id="rId2"/>
+              </a:rPr>
+              <a:t>http://www.cescg.org/CESCG-2004/web/Domiter-Vid</a:t>
+            </a:r>
+            <a:r>
+              <a:rPr lang="en-US" b="1" dirty="0" smtClean="0">
+                <a:hlinkClick r:id="rId2"/>
+              </a:rPr>
+              <a:t>/</a:t>
+            </a:r>
+            <a:endParaRPr lang="en-US" b="1" dirty="0" smtClean="0"/>
+          </a:p>
+          <a:p>
+            <a:r>
+              <a:rPr lang="en-US" b="1" dirty="0"/>
+              <a:t>Algorithms based on "Divide and conquer" strategy</a:t>
+            </a:r>
+            <a:r>
+              <a:rPr lang="en-US" dirty="0"/>
+              <a:t> </a:t>
+            </a:r>
+            <a:endParaRPr lang="en-US" dirty="0" smtClean="0"/>
+          </a:p>
+          <a:p>
+            <a:pPr lvl="1"/>
+            <a:r>
+              <a:rPr lang="en-US" dirty="0"/>
+              <a:t>Chew </a:t>
+            </a:r>
+            <a:endParaRPr lang="en-US" dirty="0" smtClean="0"/>
+          </a:p>
+          <a:p>
+            <a:r>
+              <a:rPr lang="en-US" b="1" dirty="0"/>
+              <a:t>Sweep-Line algorithms</a:t>
+            </a:r>
+            <a:r>
+              <a:rPr lang="en-US" dirty="0"/>
+              <a:t> </a:t>
+            </a:r>
+            <a:endParaRPr lang="en-US" dirty="0" smtClean="0"/>
+          </a:p>
+          <a:p>
+            <a:pPr lvl="1"/>
+            <a:r>
+              <a:rPr lang="en-US" dirty="0"/>
+              <a:t>Fortune </a:t>
+            </a:r>
+            <a:endParaRPr lang="en-US" dirty="0" smtClean="0"/>
+          </a:p>
+          <a:p>
+            <a:pPr lvl="1"/>
+            <a:r>
+              <a:rPr lang="en-US" dirty="0" err="1"/>
+              <a:t>Shewchuk</a:t>
+            </a:r>
+            <a:r>
+              <a:rPr lang="en-US" dirty="0"/>
+              <a:t> - constructing higher-dimensional </a:t>
+            </a:r>
+            <a:r>
+              <a:rPr lang="en-US" dirty="0" smtClean="0"/>
+              <a:t>CDT</a:t>
+            </a:r>
+          </a:p>
+          <a:p>
+            <a:r>
+              <a:rPr lang="en-US" b="1" dirty="0"/>
+              <a:t>Incremental algorithms</a:t>
+            </a:r>
+            <a:r>
+              <a:rPr lang="en-US" dirty="0"/>
+              <a:t> </a:t>
+            </a:r>
+            <a:endParaRPr lang="en-US" dirty="0" smtClean="0"/>
+          </a:p>
+          <a:p>
+            <a:pPr lvl="1"/>
+            <a:r>
+              <a:rPr lang="en-US" dirty="0" err="1"/>
+              <a:t>Guibas</a:t>
+            </a:r>
+            <a:r>
+              <a:rPr lang="en-US" dirty="0"/>
+              <a:t>, Knuth and </a:t>
+            </a:r>
+            <a:r>
+              <a:rPr lang="en-US" dirty="0" err="1"/>
+              <a:t>Sharir</a:t>
+            </a:r>
+            <a:r>
+              <a:rPr lang="en-US" dirty="0"/>
+              <a:t> </a:t>
+            </a:r>
+          </a:p>
+          <a:p>
+            <a:pPr lvl="1"/>
+            <a:r>
+              <a:rPr lang="en-US" dirty="0" err="1" smtClean="0"/>
+              <a:t>Žalik</a:t>
+            </a:r>
+            <a:r>
+              <a:rPr lang="en-US" dirty="0" smtClean="0"/>
+              <a:t> </a:t>
+            </a:r>
+            <a:r>
+              <a:rPr lang="en-US" dirty="0"/>
+              <a:t>and </a:t>
+            </a:r>
+            <a:r>
+              <a:rPr lang="en-US" dirty="0" err="1"/>
+              <a:t>Kolingerova</a:t>
+            </a:r>
+            <a:r>
+              <a:rPr lang="en-US" dirty="0"/>
+              <a:t> </a:t>
+            </a:r>
+          </a:p>
+          <a:p>
+            <a:pPr lvl="1"/>
+            <a:r>
+              <a:rPr lang="en-US" smtClean="0"/>
+              <a:t>Vigo</a:t>
+            </a:r>
+            <a:endParaRPr lang="en-US" b="1" dirty="0" smtClean="0"/>
+          </a:p>
+          <a:p>
+            <a:endParaRPr lang="en-US" dirty="0"/>
+          </a:p>
+        </p:txBody>
+      </p:sp>
+    </p:spTree>
+    <p:extLst>
+      <p:ext uri="{BB962C8B-B14F-4D97-AF65-F5344CB8AC3E}">
+        <p14:creationId xmlns:p14="http://schemas.microsoft.com/office/powerpoint/2010/main" val="4201113578"/>
+      </p:ext>
+    </p:extLst>
+  </p:cSld>
+  <p:clrMapOvr>
+    <a:masterClrMapping/>
+  </p:clrMapOvr>
+  <p:timing>
+    <p:tnLst>
+      <p:par>
+        <p:cTn id="1" dur="indefinite" restart="never" nodeType="tmRoot"/>
+      </p:par>
+    </p:tnLst>
+  </p:timing>
+</p:sld>
+</file>
+
+<file path=ppt/slides/slide23.xml><?xml version="1.0" encoding="utf-8"?>
+<p:sld xmlns:a="http://schemas.openxmlformats.org/drawingml/2006/main" xmlns:r="http://schemas.openxmlformats.org/officeDocument/2006/relationships" xmlns:p="http://schemas.openxmlformats.org/presentationml/2006/main">
+  <p:cSld>
+    <p:spTree>
+      <p:nvGrpSpPr>
+        <p:cNvPr id="1" name=""/>
+        <p:cNvGrpSpPr/>
+        <p:nvPr/>
+      </p:nvGrpSpPr>
+      <p:grpSpPr>
+        <a:xfrm>
+          <a:off x="0" y="0"/>
+          <a:ext cx="0" cy="0"/>
+          <a:chOff x="0" y="0"/>
+          <a:chExt cx="0" cy="0"/>
+        </a:xfrm>
+      </p:grpSpPr>
+      <p:sp>
+        <p:nvSpPr>
+          <p:cNvPr id="2" name="Title 1"/>
+          <p:cNvSpPr>
+            <a:spLocks noGrp="1"/>
+          </p:cNvSpPr>
+          <p:nvPr>
+            <p:ph type="title"/>
+          </p:nvPr>
+        </p:nvSpPr>
+        <p:spPr/>
+        <p:txBody>
+          <a:bodyPr/>
+          <a:lstStyle/>
+          <a:p>
+            <a:r>
+              <a:rPr lang="en-US" dirty="0" smtClean="0"/>
               <a:t>TODO list</a:t>
             </a:r>
             <a:endParaRPr lang="en-US" dirty="0"/>
@@ -20472,7 +20553,7 @@
 </p:sld>
 </file>
 
-<file path=ppt/slides/slide23.xml><?xml version="1.0" encoding="utf-8"?>
+<file path=ppt/slides/slide24.xml><?xml version="1.0" encoding="utf-8"?>
 <p:sld xmlns:a="http://schemas.openxmlformats.org/drawingml/2006/main" xmlns:r="http://schemas.openxmlformats.org/officeDocument/2006/relationships" xmlns:p="http://schemas.openxmlformats.org/presentationml/2006/main">
   <p:cSld>
     <p:spTree>
@@ -20542,7 +20623,348 @@
 </p:sld>
 </file>
 
-<file path=ppt/slides/slide24.xml><?xml version="1.0" encoding="utf-8"?>
+<file path=ppt/slides/slide25.xml><?xml version="1.0" encoding="utf-8"?>
+<p:sld xmlns:a="http://schemas.openxmlformats.org/drawingml/2006/main" xmlns:r="http://schemas.openxmlformats.org/officeDocument/2006/relationships" xmlns:p="http://schemas.openxmlformats.org/presentationml/2006/main">
+  <p:cSld>
+    <p:spTree>
+      <p:nvGrpSpPr>
+        <p:cNvPr id="1" name=""/>
+        <p:cNvGrpSpPr/>
+        <p:nvPr/>
+      </p:nvGrpSpPr>
+      <p:grpSpPr>
+        <a:xfrm>
+          <a:off x="0" y="0"/>
+          <a:ext cx="0" cy="0"/>
+          <a:chOff x="0" y="0"/>
+          <a:chExt cx="0" cy="0"/>
+        </a:xfrm>
+      </p:grpSpPr>
+      <p:sp>
+        <p:nvSpPr>
+          <p:cNvPr id="2" name="Title 1"/>
+          <p:cNvSpPr>
+            <a:spLocks noGrp="1"/>
+          </p:cNvSpPr>
+          <p:nvPr>
+            <p:ph type="title"/>
+          </p:nvPr>
+        </p:nvSpPr>
+        <p:spPr/>
+        <p:txBody>
+          <a:bodyPr/>
+          <a:lstStyle/>
+          <a:p>
+            <a:r>
+              <a:rPr lang="en-US" dirty="0" smtClean="0"/>
+              <a:t>References</a:t>
+            </a:r>
+            <a:endParaRPr lang="en-US" dirty="0"/>
+          </a:p>
+        </p:txBody>
+      </p:sp>
+      <p:sp>
+        <p:nvSpPr>
+          <p:cNvPr id="3" name="Content Placeholder 2"/>
+          <p:cNvSpPr>
+            <a:spLocks noGrp="1"/>
+          </p:cNvSpPr>
+          <p:nvPr>
+            <p:ph idx="1"/>
+          </p:nvPr>
+        </p:nvSpPr>
+        <p:spPr/>
+        <p:txBody>
+          <a:bodyPr>
+            <a:normAutofit lnSpcReduction="10000"/>
+          </a:bodyPr>
+          <a:lstStyle/>
+          <a:p>
+            <a:r>
+              <a:rPr lang="en-US" sz="1600" b="1" dirty="0"/>
+              <a:t>Delaunay triangulation</a:t>
+            </a:r>
+            <a:r>
+              <a:rPr lang="en-US" sz="1600" dirty="0"/>
+              <a:t> </a:t>
+            </a:r>
+            <a:br>
+              <a:rPr lang="en-US" sz="1600" dirty="0"/>
+            </a:br>
+            <a:r>
+              <a:rPr lang="en-US" sz="1600" dirty="0">
+                <a:hlinkClick r:id="rId2"/>
+              </a:rPr>
+              <a:t>http://</a:t>
+            </a:r>
+            <a:r>
+              <a:rPr lang="en-US" sz="1600" dirty="0" smtClean="0">
+                <a:hlinkClick r:id="rId2"/>
+              </a:rPr>
+              <a:t>en.wikipedia.org/wiki/Delaunay_triangulation</a:t>
+            </a:r>
+            <a:r>
+              <a:rPr lang="en-US" sz="1600" dirty="0"/>
+              <a:t/>
+            </a:r>
+            <a:br>
+              <a:rPr lang="en-US" sz="1600" dirty="0"/>
+            </a:br>
+            <a:r>
+              <a:rPr lang="en-US" sz="1600" dirty="0" smtClean="0"/>
+              <a:t/>
+            </a:r>
+            <a:br>
+              <a:rPr lang="en-US" sz="1600" dirty="0" smtClean="0"/>
+            </a:br>
+            <a:r>
+              <a:rPr lang="en-US" sz="1600" dirty="0" smtClean="0">
+                <a:hlinkClick r:id="rId3"/>
+              </a:rPr>
+              <a:t>http</a:t>
+            </a:r>
+            <a:r>
+              <a:rPr lang="en-US" sz="1600" dirty="0">
+                <a:hlinkClick r:id="rId3"/>
+              </a:rPr>
+              <a:t>://</a:t>
+            </a:r>
+            <a:r>
+              <a:rPr lang="en-US" sz="1600" dirty="0" smtClean="0">
+                <a:hlinkClick r:id="rId3"/>
+              </a:rPr>
+              <a:t>www.s-hull.org/paper/s_hull.pdf</a:t>
+            </a:r>
+            <a:endParaRPr lang="en-US" sz="1600" dirty="0" smtClean="0"/>
+          </a:p>
+          <a:p>
+            <a:pPr marL="0" indent="0">
+              <a:buNone/>
+            </a:pPr>
+            <a:endParaRPr lang="en-US" sz="1600" dirty="0" smtClean="0"/>
+          </a:p>
+          <a:p>
+            <a:r>
+              <a:rPr lang="en-US" sz="1600" b="1" dirty="0" smtClean="0"/>
+              <a:t>Constrained Delaunay triangulation</a:t>
+            </a:r>
+            <a:r>
+              <a:rPr lang="en-US" sz="1600" dirty="0" smtClean="0"/>
+              <a:t> </a:t>
+            </a:r>
+            <a:r>
+              <a:rPr lang="en-US" sz="1600" dirty="0" smtClean="0">
+                <a:hlinkClick r:id="rId4"/>
+              </a:rPr>
+              <a:t>http</a:t>
+            </a:r>
+            <a:r>
+              <a:rPr lang="en-US" sz="1600" dirty="0">
+                <a:hlinkClick r:id="rId4"/>
+              </a:rPr>
+              <a:t>://</a:t>
+            </a:r>
+            <a:r>
+              <a:rPr lang="en-US" sz="1600" dirty="0" smtClean="0">
+                <a:hlinkClick r:id="rId4"/>
+              </a:rPr>
+              <a:t>en.wikipedia.org/wiki/Constrained_Delaunay_triangulation</a:t>
+            </a:r>
+            <a:r>
+              <a:rPr lang="en-US" sz="1600" dirty="0"/>
+              <a:t/>
+            </a:r>
+            <a:br>
+              <a:rPr lang="en-US" sz="1600" dirty="0"/>
+            </a:br>
+            <a:r>
+              <a:rPr lang="en-US" sz="1600" dirty="0" smtClean="0"/>
+              <a:t/>
+            </a:r>
+            <a:br>
+              <a:rPr lang="en-US" sz="1600" dirty="0" smtClean="0"/>
+            </a:br>
+            <a:r>
+              <a:rPr lang="en-US" sz="1600" dirty="0" smtClean="0">
+                <a:hlinkClick r:id="rId5"/>
+              </a:rPr>
+              <a:t>http</a:t>
+            </a:r>
+            <a:r>
+              <a:rPr lang="en-US" sz="1600" dirty="0">
+                <a:hlinkClick r:id="rId5"/>
+              </a:rPr>
+              <a:t>://www.geom.uiuc.edu/~</a:t>
+            </a:r>
+            <a:r>
+              <a:rPr lang="en-US" sz="1600" dirty="0" smtClean="0">
+                <a:hlinkClick r:id="rId5"/>
+              </a:rPr>
+              <a:t>samuelp/del_project.html</a:t>
+            </a:r>
+            <a:r>
+              <a:rPr lang="en-US" sz="1600" dirty="0"/>
+              <a:t> </a:t>
+            </a:r>
+            <a:br>
+              <a:rPr lang="en-US" sz="1600" dirty="0"/>
+            </a:br>
+            <a:r>
+              <a:rPr lang="en-US" sz="1600" dirty="0" smtClean="0"/>
+              <a:t/>
+            </a:r>
+            <a:br>
+              <a:rPr lang="en-US" sz="1600" dirty="0" smtClean="0"/>
+            </a:br>
+            <a:r>
+              <a:rPr lang="en-US" sz="1600" dirty="0" smtClean="0">
+                <a:hlinkClick r:id="rId6"/>
+              </a:rPr>
+              <a:t>http</a:t>
+            </a:r>
+            <a:r>
+              <a:rPr lang="en-US" sz="1600" dirty="0">
+                <a:hlinkClick r:id="rId6"/>
+              </a:rPr>
+              <a:t>://www.cmlab.csie.ntu.edu.tw/~plokm/htdocs/cmlab/%</a:t>
+            </a:r>
+            <a:r>
+              <a:rPr lang="en-US" sz="1600" dirty="0" smtClean="0">
+                <a:hlinkClick r:id="rId6"/>
+              </a:rPr>
+              <a:t>B1M%C3D/triangulate/Constrained%20Delaunay%20Triangulations.pdf</a:t>
+            </a:r>
+            <a:r>
+              <a:rPr lang="en-US" sz="1600" dirty="0"/>
+              <a:t> </a:t>
+            </a:r>
+            <a:br>
+              <a:rPr lang="en-US" sz="1600" dirty="0"/>
+            </a:br>
+            <a:r>
+              <a:rPr lang="en-US" sz="1600" dirty="0" smtClean="0"/>
+              <a:t/>
+            </a:r>
+            <a:br>
+              <a:rPr lang="en-US" sz="1600" dirty="0" smtClean="0"/>
+            </a:br>
+            <a:r>
+              <a:rPr lang="en-US" sz="1600" dirty="0" smtClean="0"/>
+              <a:t/>
+            </a:r>
+            <a:br>
+              <a:rPr lang="en-US" sz="1600" dirty="0" smtClean="0"/>
+            </a:br>
+            <a:r>
+              <a:rPr lang="en-US" sz="1600" dirty="0" smtClean="0">
+                <a:hlinkClick r:id="rId7"/>
+              </a:rPr>
+              <a:t>http</a:t>
+            </a:r>
+            <a:r>
+              <a:rPr lang="en-US" sz="1600" dirty="0">
+                <a:hlinkClick r:id="rId7"/>
+              </a:rPr>
+              <a:t>://www.cs.berkeley.edu/~</a:t>
+            </a:r>
+            <a:r>
+              <a:rPr lang="en-US" sz="1600" dirty="0" smtClean="0">
+                <a:hlinkClick r:id="rId7"/>
+              </a:rPr>
+              <a:t>jrs/papers/cdtj1.pdf</a:t>
+            </a:r>
+            <a:r>
+              <a:rPr lang="en-US" sz="1600" dirty="0"/>
+              <a:t> </a:t>
+            </a:r>
+            <a:br>
+              <a:rPr lang="en-US" sz="1600" dirty="0"/>
+            </a:br>
+            <a:r>
+              <a:rPr lang="en-US" sz="1600" dirty="0" smtClean="0"/>
+              <a:t/>
+            </a:r>
+            <a:br>
+              <a:rPr lang="en-US" sz="1600" dirty="0" smtClean="0"/>
+            </a:br>
+            <a:r>
+              <a:rPr lang="en-US" sz="1600" dirty="0" smtClean="0">
+                <a:hlinkClick r:id="rId8"/>
+              </a:rPr>
+              <a:t>http</a:t>
+            </a:r>
+            <a:r>
+              <a:rPr lang="en-US" sz="1600" dirty="0">
+                <a:hlinkClick r:id="rId8"/>
+              </a:rPr>
+              <a:t>://</a:t>
+            </a:r>
+            <a:r>
+              <a:rPr lang="en-US" sz="1600" dirty="0" smtClean="0">
+                <a:hlinkClick r:id="rId8"/>
+              </a:rPr>
+              <a:t>www.cescg.org/CESCG-2004/web/Domiter-Vid/</a:t>
+            </a:r>
+            <a:r>
+              <a:rPr lang="en-US" sz="1600" dirty="0"/>
+              <a:t/>
+            </a:r>
+            <a:br>
+              <a:rPr lang="en-US" sz="1600" dirty="0"/>
+            </a:br>
+            <a:r>
+              <a:rPr lang="en-US" sz="1600" dirty="0" smtClean="0"/>
+              <a:t/>
+            </a:r>
+            <a:br>
+              <a:rPr lang="en-US" sz="1600" dirty="0" smtClean="0"/>
+            </a:br>
+            <a:r>
+              <a:rPr lang="en-US" sz="1600" dirty="0" smtClean="0">
+                <a:hlinkClick r:id="rId9"/>
+              </a:rPr>
+              <a:t>http</a:t>
+            </a:r>
+            <a:r>
+              <a:rPr lang="en-US" sz="1600" dirty="0">
+                <a:hlinkClick r:id="rId9"/>
+              </a:rPr>
+              <a:t>://</a:t>
+            </a:r>
+            <a:r>
+              <a:rPr lang="en-US" sz="1600" dirty="0" smtClean="0">
+                <a:hlinkClick r:id="rId9"/>
+              </a:rPr>
+              <a:t>graphics.ucmerced.edu/publications/2003_Chapter_Kallmann.pdf</a:t>
+            </a:r>
+            <a:endParaRPr lang="en-US" sz="1600" dirty="0" smtClean="0"/>
+          </a:p>
+          <a:p>
+            <a:endParaRPr lang="en-US" sz="1600" dirty="0"/>
+          </a:p>
+        </p:txBody>
+      </p:sp>
+    </p:spTree>
+    <p:extLst>
+      <p:ext uri="{BB962C8B-B14F-4D97-AF65-F5344CB8AC3E}">
+        <p14:creationId xmlns:p14="http://schemas.microsoft.com/office/powerpoint/2010/main" val="1031324422"/>
+      </p:ext>
+    </p:extLst>
+  </p:cSld>
+  <p:clrMapOvr>
+    <a:masterClrMapping/>
+  </p:clrMapOvr>
+  <p:timing>
+    <p:tnLst>
+      <p:par>
+        <p:cTn id="1" dur="indefinite" restart="never" nodeType="tmRoot"/>
+      </p:par>
+    </p:tnLst>
+  </p:timing>
+</p:sld>
+</file>
+
+<file path=ppt/slides/slide26.xml><?xml version="1.0" encoding="utf-8"?>
 <p:sld xmlns:a="http://schemas.openxmlformats.org/drawingml/2006/main" xmlns:r="http://schemas.openxmlformats.org/officeDocument/2006/relationships" xmlns:p="http://schemas.openxmlformats.org/presentationml/2006/main">
   <p:cSld>
     <p:spTree>

--- a/extra/CDT.pptx
+++ b/extra/CDT.pptx
@@ -28,7 +28,7 @@
     <p:sldId id="280" r:id="rId19"/>
     <p:sldId id="281" r:id="rId20"/>
     <p:sldId id="282" r:id="rId21"/>
-    <p:sldId id="286" r:id="rId22"/>
+    <p:sldId id="288" r:id="rId22"/>
     <p:sldId id="268" r:id="rId23"/>
     <p:sldId id="283" r:id="rId24"/>
     <p:sldId id="284" r:id="rId25"/>
@@ -157,7 +157,7 @@
             <p14:sldId id="280"/>
             <p14:sldId id="281"/>
             <p14:sldId id="282"/>
-            <p14:sldId id="286"/>
+            <p14:sldId id="288"/>
             <p14:sldId id="268"/>
             <p14:sldId id="283"/>
             <p14:sldId id="284"/>
@@ -172,6 +172,1500 @@
 </file>
 
 <file path=ppt/diagrams/colors1.xml><?xml version="1.0" encoding="utf-8"?>
+<dgm:colorsDef xmlns:dgm="http://schemas.openxmlformats.org/drawingml/2006/diagram" xmlns:a="http://schemas.openxmlformats.org/drawingml/2006/main" uniqueId="urn:microsoft.com/office/officeart/2005/8/colors/accent1_2">
+  <dgm:title val=""/>
+  <dgm:desc val=""/>
+  <dgm:catLst>
+    <dgm:cat type="accent1" pri="11200"/>
+  </dgm:catLst>
+  <dgm:styleLbl name="node0">
+    <dgm:fillClrLst meth="repeat">
+      <a:schemeClr val="accent1"/>
+    </dgm:fillClrLst>
+    <dgm:linClrLst meth="repeat">
+      <a:schemeClr val="lt1"/>
+    </dgm:linClrLst>
+    <dgm:effectClrLst/>
+    <dgm:txLinClrLst/>
+    <dgm:txFillClrLst/>
+    <dgm:txEffectClrLst/>
+  </dgm:styleLbl>
+  <dgm:styleLbl name="alignNode1">
+    <dgm:fillClrLst meth="repeat">
+      <a:schemeClr val="accent1"/>
+    </dgm:fillClrLst>
+    <dgm:linClrLst meth="repeat">
+      <a:schemeClr val="accent1"/>
+    </dgm:linClrLst>
+    <dgm:effectClrLst/>
+    <dgm:txLinClrLst/>
+    <dgm:txFillClrLst/>
+    <dgm:txEffectClrLst/>
+  </dgm:styleLbl>
+  <dgm:styleLbl name="node1">
+    <dgm:fillClrLst meth="repeat">
+      <a:schemeClr val="accent1"/>
+    </dgm:fillClrLst>
+    <dgm:linClrLst meth="repeat">
+      <a:schemeClr val="lt1"/>
+    </dgm:linClrLst>
+    <dgm:effectClrLst/>
+    <dgm:txLinClrLst/>
+    <dgm:txFillClrLst/>
+    <dgm:txEffectClrLst/>
+  </dgm:styleLbl>
+  <dgm:styleLbl name="lnNode1">
+    <dgm:fillClrLst meth="repeat">
+      <a:schemeClr val="accent1"/>
+    </dgm:fillClrLst>
+    <dgm:linClrLst meth="repeat">
+      <a:schemeClr val="lt1"/>
+    </dgm:linClrLst>
+    <dgm:effectClrLst/>
+    <dgm:txLinClrLst/>
+    <dgm:txFillClrLst/>
+    <dgm:txEffectClrLst/>
+  </dgm:styleLbl>
+  <dgm:styleLbl name="vennNode1">
+    <dgm:fillClrLst meth="repeat">
+      <a:schemeClr val="accent1">
+        <a:alpha val="50000"/>
+      </a:schemeClr>
+    </dgm:fillClrLst>
+    <dgm:linClrLst meth="repeat">
+      <a:schemeClr val="lt1"/>
+    </dgm:linClrLst>
+    <dgm:effectClrLst/>
+    <dgm:txLinClrLst/>
+    <dgm:txFillClrLst/>
+    <dgm:txEffectClrLst/>
+  </dgm:styleLbl>
+  <dgm:styleLbl name="node2">
+    <dgm:fillClrLst meth="repeat">
+      <a:schemeClr val="accent1"/>
+    </dgm:fillClrLst>
+    <dgm:linClrLst meth="repeat">
+      <a:schemeClr val="lt1"/>
+    </dgm:linClrLst>
+    <dgm:effectClrLst/>
+    <dgm:txLinClrLst/>
+    <dgm:txFillClrLst/>
+    <dgm:txEffectClrLst/>
+  </dgm:styleLbl>
+  <dgm:styleLbl name="node3">
+    <dgm:fillClrLst meth="repeat">
+      <a:schemeClr val="accent1"/>
+    </dgm:fillClrLst>
+    <dgm:linClrLst meth="repeat">
+      <a:schemeClr val="lt1"/>
+    </dgm:linClrLst>
+    <dgm:effectClrLst/>
+    <dgm:txLinClrLst/>
+    <dgm:txFillClrLst/>
+    <dgm:txEffectClrLst/>
+  </dgm:styleLbl>
+  <dgm:styleLbl name="node4">
+    <dgm:fillClrLst meth="repeat">
+      <a:schemeClr val="accent1"/>
+    </dgm:fillClrLst>
+    <dgm:linClrLst meth="repeat">
+      <a:schemeClr val="lt1"/>
+    </dgm:linClrLst>
+    <dgm:effectClrLst/>
+    <dgm:txLinClrLst/>
+    <dgm:txFillClrLst/>
+    <dgm:txEffectClrLst/>
+  </dgm:styleLbl>
+  <dgm:styleLbl name="fgImgPlace1">
+    <dgm:fillClrLst meth="repeat">
+      <a:schemeClr val="accent1">
+        <a:tint val="50000"/>
+      </a:schemeClr>
+    </dgm:fillClrLst>
+    <dgm:linClrLst meth="repeat">
+      <a:schemeClr val="lt1"/>
+    </dgm:linClrLst>
+    <dgm:effectClrLst/>
+    <dgm:txLinClrLst/>
+    <dgm:txFillClrLst meth="repeat">
+      <a:schemeClr val="lt1"/>
+    </dgm:txFillClrLst>
+    <dgm:txEffectClrLst/>
+  </dgm:styleLbl>
+  <dgm:styleLbl name="alignImgPlace1">
+    <dgm:fillClrLst meth="repeat">
+      <a:schemeClr val="accent1">
+        <a:tint val="50000"/>
+      </a:schemeClr>
+    </dgm:fillClrLst>
+    <dgm:linClrLst meth="repeat">
+      <a:schemeClr val="lt1"/>
+    </dgm:linClrLst>
+    <dgm:effectClrLst/>
+    <dgm:txLinClrLst/>
+    <dgm:txFillClrLst meth="repeat">
+      <a:schemeClr val="lt1"/>
+    </dgm:txFillClrLst>
+    <dgm:txEffectClrLst/>
+  </dgm:styleLbl>
+  <dgm:styleLbl name="bgImgPlace1">
+    <dgm:fillClrLst meth="repeat">
+      <a:schemeClr val="accent1">
+        <a:tint val="50000"/>
+      </a:schemeClr>
+    </dgm:fillClrLst>
+    <dgm:linClrLst meth="repeat">
+      <a:schemeClr val="lt1"/>
+    </dgm:linClrLst>
+    <dgm:effectClrLst/>
+    <dgm:txLinClrLst/>
+    <dgm:txFillClrLst meth="repeat">
+      <a:schemeClr val="lt1"/>
+    </dgm:txFillClrLst>
+    <dgm:txEffectClrLst/>
+  </dgm:styleLbl>
+  <dgm:styleLbl name="sibTrans2D1">
+    <dgm:fillClrLst meth="repeat">
+      <a:schemeClr val="accent1">
+        <a:tint val="60000"/>
+      </a:schemeClr>
+    </dgm:fillClrLst>
+    <dgm:linClrLst meth="repeat">
+      <a:schemeClr val="accent1">
+        <a:tint val="60000"/>
+      </a:schemeClr>
+    </dgm:linClrLst>
+    <dgm:effectClrLst/>
+    <dgm:txLinClrLst/>
+    <dgm:txFillClrLst/>
+    <dgm:txEffectClrLst/>
+  </dgm:styleLbl>
+  <dgm:styleLbl name="fgSibTrans2D1">
+    <dgm:fillClrLst meth="repeat">
+      <a:schemeClr val="accent1">
+        <a:tint val="60000"/>
+      </a:schemeClr>
+    </dgm:fillClrLst>
+    <dgm:linClrLst meth="repeat">
+      <a:schemeClr val="accent1">
+        <a:tint val="60000"/>
+      </a:schemeClr>
+    </dgm:linClrLst>
+    <dgm:effectClrLst/>
+    <dgm:txLinClrLst/>
+    <dgm:txFillClrLst/>
+    <dgm:txEffectClrLst/>
+  </dgm:styleLbl>
+  <dgm:styleLbl name="bgSibTrans2D1">
+    <dgm:fillClrLst meth="repeat">
+      <a:schemeClr val="accent1">
+        <a:tint val="60000"/>
+      </a:schemeClr>
+    </dgm:fillClrLst>
+    <dgm:linClrLst meth="repeat">
+      <a:schemeClr val="accent1">
+        <a:tint val="60000"/>
+      </a:schemeClr>
+    </dgm:linClrLst>
+    <dgm:effectClrLst/>
+    <dgm:txLinClrLst/>
+    <dgm:txFillClrLst/>
+    <dgm:txEffectClrLst/>
+  </dgm:styleLbl>
+  <dgm:styleLbl name="sibTrans1D1">
+    <dgm:fillClrLst meth="repeat">
+      <a:schemeClr val="accent1"/>
+    </dgm:fillClrLst>
+    <dgm:linClrLst meth="repeat">
+      <a:schemeClr val="accent1"/>
+    </dgm:linClrLst>
+    <dgm:effectClrLst/>
+    <dgm:txLinClrLst/>
+    <dgm:txFillClrLst meth="repeat">
+      <a:schemeClr val="tx1"/>
+    </dgm:txFillClrLst>
+    <dgm:txEffectClrLst/>
+  </dgm:styleLbl>
+  <dgm:styleLbl name="callout">
+    <dgm:fillClrLst meth="repeat">
+      <a:schemeClr val="accent1"/>
+    </dgm:fillClrLst>
+    <dgm:linClrLst meth="repeat">
+      <a:schemeClr val="accent1">
+        <a:tint val="50000"/>
+      </a:schemeClr>
+    </dgm:linClrLst>
+    <dgm:effectClrLst/>
+    <dgm:txLinClrLst/>
+    <dgm:txFillClrLst meth="repeat">
+      <a:schemeClr val="tx1"/>
+    </dgm:txFillClrLst>
+    <dgm:txEffectClrLst/>
+  </dgm:styleLbl>
+  <dgm:styleLbl name="asst0">
+    <dgm:fillClrLst meth="repeat">
+      <a:schemeClr val="accent1"/>
+    </dgm:fillClrLst>
+    <dgm:linClrLst meth="repeat">
+      <a:schemeClr val="lt1"/>
+    </dgm:linClrLst>
+    <dgm:effectClrLst/>
+    <dgm:txLinClrLst/>
+    <dgm:txFillClrLst/>
+    <dgm:txEffectClrLst/>
+  </dgm:styleLbl>
+  <dgm:styleLbl name="asst1">
+    <dgm:fillClrLst meth="repeat">
+      <a:schemeClr val="accent1"/>
+    </dgm:fillClrLst>
+    <dgm:linClrLst meth="repeat">
+      <a:schemeClr val="lt1"/>
+    </dgm:linClrLst>
+    <dgm:effectClrLst/>
+    <dgm:txLinClrLst/>
+    <dgm:txFillClrLst/>
+    <dgm:txEffectClrLst/>
+  </dgm:styleLbl>
+  <dgm:styleLbl name="asst2">
+    <dgm:fillClrLst meth="repeat">
+      <a:schemeClr val="accent1"/>
+    </dgm:fillClrLst>
+    <dgm:linClrLst meth="repeat">
+      <a:schemeClr val="lt1"/>
+    </dgm:linClrLst>
+    <dgm:effectClrLst/>
+    <dgm:txLinClrLst/>
+    <dgm:txFillClrLst/>
+    <dgm:txEffectClrLst/>
+  </dgm:styleLbl>
+  <dgm:styleLbl name="asst3">
+    <dgm:fillClrLst meth="repeat">
+      <a:schemeClr val="accent1"/>
+    </dgm:fillClrLst>
+    <dgm:linClrLst meth="repeat">
+      <a:schemeClr val="lt1"/>
+    </dgm:linClrLst>
+    <dgm:effectClrLst/>
+    <dgm:txLinClrLst/>
+    <dgm:txFillClrLst/>
+    <dgm:txEffectClrLst/>
+  </dgm:styleLbl>
+  <dgm:styleLbl name="asst4">
+    <dgm:fillClrLst meth="repeat">
+      <a:schemeClr val="accent1"/>
+    </dgm:fillClrLst>
+    <dgm:linClrLst meth="repeat">
+      <a:schemeClr val="lt1"/>
+    </dgm:linClrLst>
+    <dgm:effectClrLst/>
+    <dgm:txLinClrLst/>
+    <dgm:txFillClrLst/>
+    <dgm:txEffectClrLst/>
+  </dgm:styleLbl>
+  <dgm:styleLbl name="parChTrans2D1">
+    <dgm:fillClrLst meth="repeat">
+      <a:schemeClr val="accent1">
+        <a:tint val="60000"/>
+      </a:schemeClr>
+    </dgm:fillClrLst>
+    <dgm:linClrLst meth="repeat">
+      <a:schemeClr val="accent1">
+        <a:tint val="60000"/>
+      </a:schemeClr>
+    </dgm:linClrLst>
+    <dgm:effectClrLst/>
+    <dgm:txLinClrLst/>
+    <dgm:txFillClrLst meth="repeat">
+      <a:schemeClr val="lt1"/>
+    </dgm:txFillClrLst>
+    <dgm:txEffectClrLst/>
+  </dgm:styleLbl>
+  <dgm:styleLbl name="parChTrans2D2">
+    <dgm:fillClrLst meth="repeat">
+      <a:schemeClr val="accent1"/>
+    </dgm:fillClrLst>
+    <dgm:linClrLst meth="repeat">
+      <a:schemeClr val="accent1"/>
+    </dgm:linClrLst>
+    <dgm:effectClrLst/>
+    <dgm:txLinClrLst/>
+    <dgm:txFillClrLst meth="repeat">
+      <a:schemeClr val="lt1"/>
+    </dgm:txFillClrLst>
+    <dgm:txEffectClrLst/>
+  </dgm:styleLbl>
+  <dgm:styleLbl name="parChTrans2D3">
+    <dgm:fillClrLst meth="repeat">
+      <a:schemeClr val="accent1"/>
+    </dgm:fillClrLst>
+    <dgm:linClrLst meth="repeat">
+      <a:schemeClr val="accent1"/>
+    </dgm:linClrLst>
+    <dgm:effectClrLst/>
+    <dgm:txLinClrLst/>
+    <dgm:txFillClrLst meth="repeat">
+      <a:schemeClr val="lt1"/>
+    </dgm:txFillClrLst>
+    <dgm:txEffectClrLst/>
+  </dgm:styleLbl>
+  <dgm:styleLbl name="parChTrans2D4">
+    <dgm:fillClrLst meth="repeat">
+      <a:schemeClr val="accent1"/>
+    </dgm:fillClrLst>
+    <dgm:linClrLst meth="repeat">
+      <a:schemeClr val="accent1"/>
+    </dgm:linClrLst>
+    <dgm:effectClrLst/>
+    <dgm:txLinClrLst/>
+    <dgm:txFillClrLst meth="repeat">
+      <a:schemeClr val="lt1"/>
+    </dgm:txFillClrLst>
+    <dgm:txEffectClrLst/>
+  </dgm:styleLbl>
+  <dgm:styleLbl name="parChTrans1D1">
+    <dgm:fillClrLst meth="repeat">
+      <a:schemeClr val="accent1"/>
+    </dgm:fillClrLst>
+    <dgm:linClrLst meth="repeat">
+      <a:schemeClr val="accent1">
+        <a:shade val="60000"/>
+      </a:schemeClr>
+    </dgm:linClrLst>
+    <dgm:effectClrLst/>
+    <dgm:txLinClrLst/>
+    <dgm:txFillClrLst meth="repeat">
+      <a:schemeClr val="tx1"/>
+    </dgm:txFillClrLst>
+    <dgm:txEffectClrLst/>
+  </dgm:styleLbl>
+  <dgm:styleLbl name="parChTrans1D2">
+    <dgm:fillClrLst meth="repeat">
+      <a:schemeClr val="accent1"/>
+    </dgm:fillClrLst>
+    <dgm:linClrLst meth="repeat">
+      <a:schemeClr val="accent1">
+        <a:shade val="60000"/>
+      </a:schemeClr>
+    </dgm:linClrLst>
+    <dgm:effectClrLst/>
+    <dgm:txLinClrLst/>
+    <dgm:txFillClrLst meth="repeat">
+      <a:schemeClr val="tx1"/>
+    </dgm:txFillClrLst>
+    <dgm:txEffectClrLst/>
+  </dgm:styleLbl>
+  <dgm:styleLbl name="parChTrans1D3">
+    <dgm:fillClrLst meth="repeat">
+      <a:schemeClr val="accent1"/>
+    </dgm:fillClrLst>
+    <dgm:linClrLst meth="repeat">
+      <a:schemeClr val="accent1">
+        <a:shade val="80000"/>
+      </a:schemeClr>
+    </dgm:linClrLst>
+    <dgm:effectClrLst/>
+    <dgm:txLinClrLst/>
+    <dgm:txFillClrLst meth="repeat">
+      <a:schemeClr val="tx1"/>
+    </dgm:txFillClrLst>
+    <dgm:txEffectClrLst/>
+  </dgm:styleLbl>
+  <dgm:styleLbl name="parChTrans1D4">
+    <dgm:fillClrLst meth="repeat">
+      <a:schemeClr val="accent1"/>
+    </dgm:fillClrLst>
+    <dgm:linClrLst meth="repeat">
+      <a:schemeClr val="accent1">
+        <a:shade val="80000"/>
+      </a:schemeClr>
+    </dgm:linClrLst>
+    <dgm:effectClrLst/>
+    <dgm:txLinClrLst/>
+    <dgm:txFillClrLst meth="repeat">
+      <a:schemeClr val="tx1"/>
+    </dgm:txFillClrLst>
+    <dgm:txEffectClrLst/>
+  </dgm:styleLbl>
+  <dgm:styleLbl name="fgAcc1">
+    <dgm:fillClrLst meth="repeat">
+      <a:schemeClr val="lt1">
+        <a:alpha val="90000"/>
+      </a:schemeClr>
+    </dgm:fillClrLst>
+    <dgm:linClrLst meth="repeat">
+      <a:schemeClr val="accent1"/>
+    </dgm:linClrLst>
+    <dgm:effectClrLst/>
+    <dgm:txLinClrLst/>
+    <dgm:txFillClrLst meth="repeat">
+      <a:schemeClr val="dk1"/>
+    </dgm:txFillClrLst>
+    <dgm:txEffectClrLst/>
+  </dgm:styleLbl>
+  <dgm:styleLbl name="conFgAcc1">
+    <dgm:fillClrLst meth="repeat">
+      <a:schemeClr val="lt1">
+        <a:alpha val="90000"/>
+      </a:schemeClr>
+    </dgm:fillClrLst>
+    <dgm:linClrLst meth="repeat">
+      <a:schemeClr val="accent1"/>
+    </dgm:linClrLst>
+    <dgm:effectClrLst/>
+    <dgm:txLinClrLst/>
+    <dgm:txFillClrLst meth="repeat">
+      <a:schemeClr val="dk1"/>
+    </dgm:txFillClrLst>
+    <dgm:txEffectClrLst/>
+  </dgm:styleLbl>
+  <dgm:styleLbl name="alignAcc1">
+    <dgm:fillClrLst meth="repeat">
+      <a:schemeClr val="lt1">
+        <a:alpha val="90000"/>
+      </a:schemeClr>
+    </dgm:fillClrLst>
+    <dgm:linClrLst meth="repeat">
+      <a:schemeClr val="accent1"/>
+    </dgm:linClrLst>
+    <dgm:effectClrLst/>
+    <dgm:txLinClrLst/>
+    <dgm:txFillClrLst meth="repeat">
+      <a:schemeClr val="dk1"/>
+    </dgm:txFillClrLst>
+    <dgm:txEffectClrLst/>
+  </dgm:styleLbl>
+  <dgm:styleLbl name="trAlignAcc1">
+    <dgm:fillClrLst meth="repeat">
+      <a:schemeClr val="lt1">
+        <a:alpha val="40000"/>
+      </a:schemeClr>
+    </dgm:fillClrLst>
+    <dgm:linClrLst meth="repeat">
+      <a:schemeClr val="accent1"/>
+    </dgm:linClrLst>
+    <dgm:effectClrLst/>
+    <dgm:txLinClrLst/>
+    <dgm:txFillClrLst meth="repeat">
+      <a:schemeClr val="dk1"/>
+    </dgm:txFillClrLst>
+    <dgm:txEffectClrLst/>
+  </dgm:styleLbl>
+  <dgm:styleLbl name="bgAcc1">
+    <dgm:fillClrLst meth="repeat">
+      <a:schemeClr val="lt1">
+        <a:alpha val="90000"/>
+      </a:schemeClr>
+    </dgm:fillClrLst>
+    <dgm:linClrLst meth="repeat">
+      <a:schemeClr val="accent1"/>
+    </dgm:linClrLst>
+    <dgm:effectClrLst/>
+    <dgm:txLinClrLst/>
+    <dgm:txFillClrLst meth="repeat">
+      <a:schemeClr val="dk1"/>
+    </dgm:txFillClrLst>
+    <dgm:txEffectClrLst/>
+  </dgm:styleLbl>
+  <dgm:styleLbl name="solidFgAcc1">
+    <dgm:fillClrLst meth="repeat">
+      <a:schemeClr val="lt1"/>
+    </dgm:fillClrLst>
+    <dgm:linClrLst meth="repeat">
+      <a:schemeClr val="accent1"/>
+    </dgm:linClrLst>
+    <dgm:effectClrLst/>
+    <dgm:txLinClrLst/>
+    <dgm:txFillClrLst meth="repeat">
+      <a:schemeClr val="dk1"/>
+    </dgm:txFillClrLst>
+    <dgm:txEffectClrLst/>
+  </dgm:styleLbl>
+  <dgm:styleLbl name="solidAlignAcc1">
+    <dgm:fillClrLst meth="repeat">
+      <a:schemeClr val="lt1"/>
+    </dgm:fillClrLst>
+    <dgm:linClrLst meth="repeat">
+      <a:schemeClr val="accent1"/>
+    </dgm:linClrLst>
+    <dgm:effectClrLst/>
+    <dgm:txLinClrLst/>
+    <dgm:txFillClrLst meth="repeat">
+      <a:schemeClr val="dk1"/>
+    </dgm:txFillClrLst>
+    <dgm:txEffectClrLst/>
+  </dgm:styleLbl>
+  <dgm:styleLbl name="solidBgAcc1">
+    <dgm:fillClrLst meth="repeat">
+      <a:schemeClr val="lt1"/>
+    </dgm:fillClrLst>
+    <dgm:linClrLst meth="repeat">
+      <a:schemeClr val="accent1"/>
+    </dgm:linClrLst>
+    <dgm:effectClrLst/>
+    <dgm:txLinClrLst/>
+    <dgm:txFillClrLst meth="repeat">
+      <a:schemeClr val="dk1"/>
+    </dgm:txFillClrLst>
+    <dgm:txEffectClrLst/>
+  </dgm:styleLbl>
+  <dgm:styleLbl name="fgAccFollowNode1">
+    <dgm:fillClrLst meth="repeat">
+      <a:schemeClr val="accent1">
+        <a:alpha val="90000"/>
+        <a:tint val="40000"/>
+      </a:schemeClr>
+    </dgm:fillClrLst>
+    <dgm:linClrLst meth="repeat">
+      <a:schemeClr val="accent1">
+        <a:alpha val="90000"/>
+        <a:tint val="40000"/>
+      </a:schemeClr>
+    </dgm:linClrLst>
+    <dgm:effectClrLst/>
+    <dgm:txLinClrLst/>
+    <dgm:txFillClrLst meth="repeat">
+      <a:schemeClr val="dk1"/>
+    </dgm:txFillClrLst>
+    <dgm:txEffectClrLst/>
+  </dgm:styleLbl>
+  <dgm:styleLbl name="alignAccFollowNode1">
+    <dgm:fillClrLst meth="repeat">
+      <a:schemeClr val="accent1">
+        <a:alpha val="90000"/>
+        <a:tint val="40000"/>
+      </a:schemeClr>
+    </dgm:fillClrLst>
+    <dgm:linClrLst meth="repeat">
+      <a:schemeClr val="accent1">
+        <a:alpha val="90000"/>
+        <a:tint val="40000"/>
+      </a:schemeClr>
+    </dgm:linClrLst>
+    <dgm:effectClrLst/>
+    <dgm:txLinClrLst/>
+    <dgm:txFillClrLst meth="repeat">
+      <a:schemeClr val="dk1"/>
+    </dgm:txFillClrLst>
+    <dgm:txEffectClrLst/>
+  </dgm:styleLbl>
+  <dgm:styleLbl name="bgAccFollowNode1">
+    <dgm:fillClrLst meth="repeat">
+      <a:schemeClr val="accent1">
+        <a:alpha val="90000"/>
+        <a:tint val="40000"/>
+      </a:schemeClr>
+    </dgm:fillClrLst>
+    <dgm:linClrLst meth="repeat">
+      <a:schemeClr val="accent1">
+        <a:alpha val="90000"/>
+        <a:tint val="40000"/>
+      </a:schemeClr>
+    </dgm:linClrLst>
+    <dgm:effectClrLst/>
+    <dgm:txLinClrLst/>
+    <dgm:txFillClrLst meth="repeat">
+      <a:schemeClr val="dk1"/>
+    </dgm:txFillClrLst>
+    <dgm:txEffectClrLst/>
+  </dgm:styleLbl>
+  <dgm:styleLbl name="fgAcc0">
+    <dgm:fillClrLst meth="repeat">
+      <a:schemeClr val="lt1">
+        <a:alpha val="90000"/>
+      </a:schemeClr>
+    </dgm:fillClrLst>
+    <dgm:linClrLst meth="repeat">
+      <a:schemeClr val="accent1"/>
+    </dgm:linClrLst>
+    <dgm:effectClrLst/>
+    <dgm:txLinClrLst/>
+    <dgm:txFillClrLst meth="repeat">
+      <a:schemeClr val="dk1"/>
+    </dgm:txFillClrLst>
+    <dgm:txEffectClrLst/>
+  </dgm:styleLbl>
+  <dgm:styleLbl name="fgAcc2">
+    <dgm:fillClrLst meth="repeat">
+      <a:schemeClr val="lt1">
+        <a:alpha val="90000"/>
+      </a:schemeClr>
+    </dgm:fillClrLst>
+    <dgm:linClrLst meth="repeat">
+      <a:schemeClr val="accent1"/>
+    </dgm:linClrLst>
+    <dgm:effectClrLst/>
+    <dgm:txLinClrLst/>
+    <dgm:txFillClrLst meth="repeat">
+      <a:schemeClr val="dk1"/>
+    </dgm:txFillClrLst>
+    <dgm:txEffectClrLst/>
+  </dgm:styleLbl>
+  <dgm:styleLbl name="fgAcc3">
+    <dgm:fillClrLst meth="repeat">
+      <a:schemeClr val="lt1">
+        <a:alpha val="90000"/>
+      </a:schemeClr>
+    </dgm:fillClrLst>
+    <dgm:linClrLst meth="repeat">
+      <a:schemeClr val="accent1"/>
+    </dgm:linClrLst>
+    <dgm:effectClrLst/>
+    <dgm:txLinClrLst/>
+    <dgm:txFillClrLst meth="repeat">
+      <a:schemeClr val="dk1"/>
+    </dgm:txFillClrLst>
+    <dgm:txEffectClrLst/>
+  </dgm:styleLbl>
+  <dgm:styleLbl name="fgAcc4">
+    <dgm:fillClrLst meth="repeat">
+      <a:schemeClr val="lt1">
+        <a:alpha val="90000"/>
+      </a:schemeClr>
+    </dgm:fillClrLst>
+    <dgm:linClrLst meth="repeat">
+      <a:schemeClr val="accent1"/>
+    </dgm:linClrLst>
+    <dgm:effectClrLst/>
+    <dgm:txLinClrLst/>
+    <dgm:txFillClrLst meth="repeat">
+      <a:schemeClr val="dk1"/>
+    </dgm:txFillClrLst>
+    <dgm:txEffectClrLst/>
+  </dgm:styleLbl>
+  <dgm:styleLbl name="bgShp">
+    <dgm:fillClrLst meth="repeat">
+      <a:schemeClr val="accent1">
+        <a:tint val="40000"/>
+      </a:schemeClr>
+    </dgm:fillClrLst>
+    <dgm:linClrLst meth="repeat">
+      <a:schemeClr val="accent1"/>
+    </dgm:linClrLst>
+    <dgm:effectClrLst/>
+    <dgm:txLinClrLst/>
+    <dgm:txFillClrLst meth="repeat">
+      <a:schemeClr val="dk1"/>
+    </dgm:txFillClrLst>
+    <dgm:txEffectClrLst/>
+  </dgm:styleLbl>
+  <dgm:styleLbl name="dkBgShp">
+    <dgm:fillClrLst meth="repeat">
+      <a:schemeClr val="accent1">
+        <a:shade val="80000"/>
+      </a:schemeClr>
+    </dgm:fillClrLst>
+    <dgm:linClrLst meth="repeat">
+      <a:schemeClr val="accent1"/>
+    </dgm:linClrLst>
+    <dgm:effectClrLst/>
+    <dgm:txLinClrLst/>
+    <dgm:txFillClrLst meth="repeat">
+      <a:schemeClr val="lt1"/>
+    </dgm:txFillClrLst>
+    <dgm:txEffectClrLst/>
+  </dgm:styleLbl>
+  <dgm:styleLbl name="trBgShp">
+    <dgm:fillClrLst meth="repeat">
+      <a:schemeClr val="accent1">
+        <a:tint val="50000"/>
+        <a:alpha val="40000"/>
+      </a:schemeClr>
+    </dgm:fillClrLst>
+    <dgm:linClrLst meth="repeat">
+      <a:schemeClr val="accent1"/>
+    </dgm:linClrLst>
+    <dgm:effectClrLst/>
+    <dgm:txLinClrLst/>
+    <dgm:txFillClrLst meth="repeat">
+      <a:schemeClr val="lt1"/>
+    </dgm:txFillClrLst>
+    <dgm:txEffectClrLst/>
+  </dgm:styleLbl>
+  <dgm:styleLbl name="fgShp">
+    <dgm:fillClrLst meth="repeat">
+      <a:schemeClr val="accent1">
+        <a:tint val="60000"/>
+      </a:schemeClr>
+    </dgm:fillClrLst>
+    <dgm:linClrLst meth="repeat">
+      <a:schemeClr val="lt1"/>
+    </dgm:linClrLst>
+    <dgm:effectClrLst/>
+    <dgm:txLinClrLst/>
+    <dgm:txFillClrLst meth="repeat">
+      <a:schemeClr val="dk1"/>
+    </dgm:txFillClrLst>
+    <dgm:txEffectClrLst/>
+  </dgm:styleLbl>
+  <dgm:styleLbl name="revTx">
+    <dgm:fillClrLst meth="repeat">
+      <a:schemeClr val="lt1">
+        <a:alpha val="0"/>
+      </a:schemeClr>
+    </dgm:fillClrLst>
+    <dgm:linClrLst meth="repeat">
+      <a:schemeClr val="dk1">
+        <a:alpha val="0"/>
+      </a:schemeClr>
+    </dgm:linClrLst>
+    <dgm:effectClrLst/>
+    <dgm:txLinClrLst/>
+    <dgm:txFillClrLst meth="repeat">
+      <a:schemeClr val="tx1"/>
+    </dgm:txFillClrLst>
+    <dgm:txEffectClrLst/>
+  </dgm:styleLbl>
+</dgm:colorsDef>
+</file>
+
+<file path=ppt/diagrams/colors2.xml><?xml version="1.0" encoding="utf-8"?>
+<dgm:colorsDef xmlns:dgm="http://schemas.openxmlformats.org/drawingml/2006/diagram" xmlns:a="http://schemas.openxmlformats.org/drawingml/2006/main" uniqueId="urn:microsoft.com/office/officeart/2005/8/colors/accent1_2">
+  <dgm:title val=""/>
+  <dgm:desc val=""/>
+  <dgm:catLst>
+    <dgm:cat type="accent1" pri="11200"/>
+  </dgm:catLst>
+  <dgm:styleLbl name="node0">
+    <dgm:fillClrLst meth="repeat">
+      <a:schemeClr val="accent1"/>
+    </dgm:fillClrLst>
+    <dgm:linClrLst meth="repeat">
+      <a:schemeClr val="lt1"/>
+    </dgm:linClrLst>
+    <dgm:effectClrLst/>
+    <dgm:txLinClrLst/>
+    <dgm:txFillClrLst/>
+    <dgm:txEffectClrLst/>
+  </dgm:styleLbl>
+  <dgm:styleLbl name="alignNode1">
+    <dgm:fillClrLst meth="repeat">
+      <a:schemeClr val="accent1"/>
+    </dgm:fillClrLst>
+    <dgm:linClrLst meth="repeat">
+      <a:schemeClr val="accent1"/>
+    </dgm:linClrLst>
+    <dgm:effectClrLst/>
+    <dgm:txLinClrLst/>
+    <dgm:txFillClrLst/>
+    <dgm:txEffectClrLst/>
+  </dgm:styleLbl>
+  <dgm:styleLbl name="node1">
+    <dgm:fillClrLst meth="repeat">
+      <a:schemeClr val="accent1"/>
+    </dgm:fillClrLst>
+    <dgm:linClrLst meth="repeat">
+      <a:schemeClr val="lt1"/>
+    </dgm:linClrLst>
+    <dgm:effectClrLst/>
+    <dgm:txLinClrLst/>
+    <dgm:txFillClrLst/>
+    <dgm:txEffectClrLst/>
+  </dgm:styleLbl>
+  <dgm:styleLbl name="lnNode1">
+    <dgm:fillClrLst meth="repeat">
+      <a:schemeClr val="accent1"/>
+    </dgm:fillClrLst>
+    <dgm:linClrLst meth="repeat">
+      <a:schemeClr val="lt1"/>
+    </dgm:linClrLst>
+    <dgm:effectClrLst/>
+    <dgm:txLinClrLst/>
+    <dgm:txFillClrLst/>
+    <dgm:txEffectClrLst/>
+  </dgm:styleLbl>
+  <dgm:styleLbl name="vennNode1">
+    <dgm:fillClrLst meth="repeat">
+      <a:schemeClr val="accent1">
+        <a:alpha val="50000"/>
+      </a:schemeClr>
+    </dgm:fillClrLst>
+    <dgm:linClrLst meth="repeat">
+      <a:schemeClr val="lt1"/>
+    </dgm:linClrLst>
+    <dgm:effectClrLst/>
+    <dgm:txLinClrLst/>
+    <dgm:txFillClrLst/>
+    <dgm:txEffectClrLst/>
+  </dgm:styleLbl>
+  <dgm:styleLbl name="node2">
+    <dgm:fillClrLst meth="repeat">
+      <a:schemeClr val="accent1"/>
+    </dgm:fillClrLst>
+    <dgm:linClrLst meth="repeat">
+      <a:schemeClr val="lt1"/>
+    </dgm:linClrLst>
+    <dgm:effectClrLst/>
+    <dgm:txLinClrLst/>
+    <dgm:txFillClrLst/>
+    <dgm:txEffectClrLst/>
+  </dgm:styleLbl>
+  <dgm:styleLbl name="node3">
+    <dgm:fillClrLst meth="repeat">
+      <a:schemeClr val="accent1"/>
+    </dgm:fillClrLst>
+    <dgm:linClrLst meth="repeat">
+      <a:schemeClr val="lt1"/>
+    </dgm:linClrLst>
+    <dgm:effectClrLst/>
+    <dgm:txLinClrLst/>
+    <dgm:txFillClrLst/>
+    <dgm:txEffectClrLst/>
+  </dgm:styleLbl>
+  <dgm:styleLbl name="node4">
+    <dgm:fillClrLst meth="repeat">
+      <a:schemeClr val="accent1"/>
+    </dgm:fillClrLst>
+    <dgm:linClrLst meth="repeat">
+      <a:schemeClr val="lt1"/>
+    </dgm:linClrLst>
+    <dgm:effectClrLst/>
+    <dgm:txLinClrLst/>
+    <dgm:txFillClrLst/>
+    <dgm:txEffectClrLst/>
+  </dgm:styleLbl>
+  <dgm:styleLbl name="fgImgPlace1">
+    <dgm:fillClrLst meth="repeat">
+      <a:schemeClr val="accent1">
+        <a:tint val="50000"/>
+      </a:schemeClr>
+    </dgm:fillClrLst>
+    <dgm:linClrLst meth="repeat">
+      <a:schemeClr val="lt1"/>
+    </dgm:linClrLst>
+    <dgm:effectClrLst/>
+    <dgm:txLinClrLst/>
+    <dgm:txFillClrLst meth="repeat">
+      <a:schemeClr val="lt1"/>
+    </dgm:txFillClrLst>
+    <dgm:txEffectClrLst/>
+  </dgm:styleLbl>
+  <dgm:styleLbl name="alignImgPlace1">
+    <dgm:fillClrLst meth="repeat">
+      <a:schemeClr val="accent1">
+        <a:tint val="50000"/>
+      </a:schemeClr>
+    </dgm:fillClrLst>
+    <dgm:linClrLst meth="repeat">
+      <a:schemeClr val="lt1"/>
+    </dgm:linClrLst>
+    <dgm:effectClrLst/>
+    <dgm:txLinClrLst/>
+    <dgm:txFillClrLst meth="repeat">
+      <a:schemeClr val="lt1"/>
+    </dgm:txFillClrLst>
+    <dgm:txEffectClrLst/>
+  </dgm:styleLbl>
+  <dgm:styleLbl name="bgImgPlace1">
+    <dgm:fillClrLst meth="repeat">
+      <a:schemeClr val="accent1">
+        <a:tint val="50000"/>
+      </a:schemeClr>
+    </dgm:fillClrLst>
+    <dgm:linClrLst meth="repeat">
+      <a:schemeClr val="lt1"/>
+    </dgm:linClrLst>
+    <dgm:effectClrLst/>
+    <dgm:txLinClrLst/>
+    <dgm:txFillClrLst meth="repeat">
+      <a:schemeClr val="lt1"/>
+    </dgm:txFillClrLst>
+    <dgm:txEffectClrLst/>
+  </dgm:styleLbl>
+  <dgm:styleLbl name="sibTrans2D1">
+    <dgm:fillClrLst meth="repeat">
+      <a:schemeClr val="accent1">
+        <a:tint val="60000"/>
+      </a:schemeClr>
+    </dgm:fillClrLst>
+    <dgm:linClrLst meth="repeat">
+      <a:schemeClr val="accent1">
+        <a:tint val="60000"/>
+      </a:schemeClr>
+    </dgm:linClrLst>
+    <dgm:effectClrLst/>
+    <dgm:txLinClrLst/>
+    <dgm:txFillClrLst/>
+    <dgm:txEffectClrLst/>
+  </dgm:styleLbl>
+  <dgm:styleLbl name="fgSibTrans2D1">
+    <dgm:fillClrLst meth="repeat">
+      <a:schemeClr val="accent1">
+        <a:tint val="60000"/>
+      </a:schemeClr>
+    </dgm:fillClrLst>
+    <dgm:linClrLst meth="repeat">
+      <a:schemeClr val="accent1">
+        <a:tint val="60000"/>
+      </a:schemeClr>
+    </dgm:linClrLst>
+    <dgm:effectClrLst/>
+    <dgm:txLinClrLst/>
+    <dgm:txFillClrLst/>
+    <dgm:txEffectClrLst/>
+  </dgm:styleLbl>
+  <dgm:styleLbl name="bgSibTrans2D1">
+    <dgm:fillClrLst meth="repeat">
+      <a:schemeClr val="accent1">
+        <a:tint val="60000"/>
+      </a:schemeClr>
+    </dgm:fillClrLst>
+    <dgm:linClrLst meth="repeat">
+      <a:schemeClr val="accent1">
+        <a:tint val="60000"/>
+      </a:schemeClr>
+    </dgm:linClrLst>
+    <dgm:effectClrLst/>
+    <dgm:txLinClrLst/>
+    <dgm:txFillClrLst/>
+    <dgm:txEffectClrLst/>
+  </dgm:styleLbl>
+  <dgm:styleLbl name="sibTrans1D1">
+    <dgm:fillClrLst meth="repeat">
+      <a:schemeClr val="accent1"/>
+    </dgm:fillClrLst>
+    <dgm:linClrLst meth="repeat">
+      <a:schemeClr val="accent1"/>
+    </dgm:linClrLst>
+    <dgm:effectClrLst/>
+    <dgm:txLinClrLst/>
+    <dgm:txFillClrLst meth="repeat">
+      <a:schemeClr val="tx1"/>
+    </dgm:txFillClrLst>
+    <dgm:txEffectClrLst/>
+  </dgm:styleLbl>
+  <dgm:styleLbl name="callout">
+    <dgm:fillClrLst meth="repeat">
+      <a:schemeClr val="accent1"/>
+    </dgm:fillClrLst>
+    <dgm:linClrLst meth="repeat">
+      <a:schemeClr val="accent1">
+        <a:tint val="50000"/>
+      </a:schemeClr>
+    </dgm:linClrLst>
+    <dgm:effectClrLst/>
+    <dgm:txLinClrLst/>
+    <dgm:txFillClrLst meth="repeat">
+      <a:schemeClr val="tx1"/>
+    </dgm:txFillClrLst>
+    <dgm:txEffectClrLst/>
+  </dgm:styleLbl>
+  <dgm:styleLbl name="asst0">
+    <dgm:fillClrLst meth="repeat">
+      <a:schemeClr val="accent1"/>
+    </dgm:fillClrLst>
+    <dgm:linClrLst meth="repeat">
+      <a:schemeClr val="lt1"/>
+    </dgm:linClrLst>
+    <dgm:effectClrLst/>
+    <dgm:txLinClrLst/>
+    <dgm:txFillClrLst/>
+    <dgm:txEffectClrLst/>
+  </dgm:styleLbl>
+  <dgm:styleLbl name="asst1">
+    <dgm:fillClrLst meth="repeat">
+      <a:schemeClr val="accent1"/>
+    </dgm:fillClrLst>
+    <dgm:linClrLst meth="repeat">
+      <a:schemeClr val="lt1"/>
+    </dgm:linClrLst>
+    <dgm:effectClrLst/>
+    <dgm:txLinClrLst/>
+    <dgm:txFillClrLst/>
+    <dgm:txEffectClrLst/>
+  </dgm:styleLbl>
+  <dgm:styleLbl name="asst2">
+    <dgm:fillClrLst meth="repeat">
+      <a:schemeClr val="accent1"/>
+    </dgm:fillClrLst>
+    <dgm:linClrLst meth="repeat">
+      <a:schemeClr val="lt1"/>
+    </dgm:linClrLst>
+    <dgm:effectClrLst/>
+    <dgm:txLinClrLst/>
+    <dgm:txFillClrLst/>
+    <dgm:txEffectClrLst/>
+  </dgm:styleLbl>
+  <dgm:styleLbl name="asst3">
+    <dgm:fillClrLst meth="repeat">
+      <a:schemeClr val="accent1"/>
+    </dgm:fillClrLst>
+    <dgm:linClrLst meth="repeat">
+      <a:schemeClr val="lt1"/>
+    </dgm:linClrLst>
+    <dgm:effectClrLst/>
+    <dgm:txLinClrLst/>
+    <dgm:txFillClrLst/>
+    <dgm:txEffectClrLst/>
+  </dgm:styleLbl>
+  <dgm:styleLbl name="asst4">
+    <dgm:fillClrLst meth="repeat">
+      <a:schemeClr val="accent1"/>
+    </dgm:fillClrLst>
+    <dgm:linClrLst meth="repeat">
+      <a:schemeClr val="lt1"/>
+    </dgm:linClrLst>
+    <dgm:effectClrLst/>
+    <dgm:txLinClrLst/>
+    <dgm:txFillClrLst/>
+    <dgm:txEffectClrLst/>
+  </dgm:styleLbl>
+  <dgm:styleLbl name="parChTrans2D1">
+    <dgm:fillClrLst meth="repeat">
+      <a:schemeClr val="accent1">
+        <a:tint val="60000"/>
+      </a:schemeClr>
+    </dgm:fillClrLst>
+    <dgm:linClrLst meth="repeat">
+      <a:schemeClr val="accent1">
+        <a:tint val="60000"/>
+      </a:schemeClr>
+    </dgm:linClrLst>
+    <dgm:effectClrLst/>
+    <dgm:txLinClrLst/>
+    <dgm:txFillClrLst meth="repeat">
+      <a:schemeClr val="lt1"/>
+    </dgm:txFillClrLst>
+    <dgm:txEffectClrLst/>
+  </dgm:styleLbl>
+  <dgm:styleLbl name="parChTrans2D2">
+    <dgm:fillClrLst meth="repeat">
+      <a:schemeClr val="accent1"/>
+    </dgm:fillClrLst>
+    <dgm:linClrLst meth="repeat">
+      <a:schemeClr val="accent1"/>
+    </dgm:linClrLst>
+    <dgm:effectClrLst/>
+    <dgm:txLinClrLst/>
+    <dgm:txFillClrLst meth="repeat">
+      <a:schemeClr val="lt1"/>
+    </dgm:txFillClrLst>
+    <dgm:txEffectClrLst/>
+  </dgm:styleLbl>
+  <dgm:styleLbl name="parChTrans2D3">
+    <dgm:fillClrLst meth="repeat">
+      <a:schemeClr val="accent1"/>
+    </dgm:fillClrLst>
+    <dgm:linClrLst meth="repeat">
+      <a:schemeClr val="accent1"/>
+    </dgm:linClrLst>
+    <dgm:effectClrLst/>
+    <dgm:txLinClrLst/>
+    <dgm:txFillClrLst meth="repeat">
+      <a:schemeClr val="lt1"/>
+    </dgm:txFillClrLst>
+    <dgm:txEffectClrLst/>
+  </dgm:styleLbl>
+  <dgm:styleLbl name="parChTrans2D4">
+    <dgm:fillClrLst meth="repeat">
+      <a:schemeClr val="accent1"/>
+    </dgm:fillClrLst>
+    <dgm:linClrLst meth="repeat">
+      <a:schemeClr val="accent1"/>
+    </dgm:linClrLst>
+    <dgm:effectClrLst/>
+    <dgm:txLinClrLst/>
+    <dgm:txFillClrLst meth="repeat">
+      <a:schemeClr val="lt1"/>
+    </dgm:txFillClrLst>
+    <dgm:txEffectClrLst/>
+  </dgm:styleLbl>
+  <dgm:styleLbl name="parChTrans1D1">
+    <dgm:fillClrLst meth="repeat">
+      <a:schemeClr val="accent1"/>
+    </dgm:fillClrLst>
+    <dgm:linClrLst meth="repeat">
+      <a:schemeClr val="accent1">
+        <a:shade val="60000"/>
+      </a:schemeClr>
+    </dgm:linClrLst>
+    <dgm:effectClrLst/>
+    <dgm:txLinClrLst/>
+    <dgm:txFillClrLst meth="repeat">
+      <a:schemeClr val="tx1"/>
+    </dgm:txFillClrLst>
+    <dgm:txEffectClrLst/>
+  </dgm:styleLbl>
+  <dgm:styleLbl name="parChTrans1D2">
+    <dgm:fillClrLst meth="repeat">
+      <a:schemeClr val="accent1"/>
+    </dgm:fillClrLst>
+    <dgm:linClrLst meth="repeat">
+      <a:schemeClr val="accent1">
+        <a:shade val="60000"/>
+      </a:schemeClr>
+    </dgm:linClrLst>
+    <dgm:effectClrLst/>
+    <dgm:txLinClrLst/>
+    <dgm:txFillClrLst meth="repeat">
+      <a:schemeClr val="tx1"/>
+    </dgm:txFillClrLst>
+    <dgm:txEffectClrLst/>
+  </dgm:styleLbl>
+  <dgm:styleLbl name="parChTrans1D3">
+    <dgm:fillClrLst meth="repeat">
+      <a:schemeClr val="accent1"/>
+    </dgm:fillClrLst>
+    <dgm:linClrLst meth="repeat">
+      <a:schemeClr val="accent1">
+        <a:shade val="80000"/>
+      </a:schemeClr>
+    </dgm:linClrLst>
+    <dgm:effectClrLst/>
+    <dgm:txLinClrLst/>
+    <dgm:txFillClrLst meth="repeat">
+      <a:schemeClr val="tx1"/>
+    </dgm:txFillClrLst>
+    <dgm:txEffectClrLst/>
+  </dgm:styleLbl>
+  <dgm:styleLbl name="parChTrans1D4">
+    <dgm:fillClrLst meth="repeat">
+      <a:schemeClr val="accent1"/>
+    </dgm:fillClrLst>
+    <dgm:linClrLst meth="repeat">
+      <a:schemeClr val="accent1">
+        <a:shade val="80000"/>
+      </a:schemeClr>
+    </dgm:linClrLst>
+    <dgm:effectClrLst/>
+    <dgm:txLinClrLst/>
+    <dgm:txFillClrLst meth="repeat">
+      <a:schemeClr val="tx1"/>
+    </dgm:txFillClrLst>
+    <dgm:txEffectClrLst/>
+  </dgm:styleLbl>
+  <dgm:styleLbl name="fgAcc1">
+    <dgm:fillClrLst meth="repeat">
+      <a:schemeClr val="lt1">
+        <a:alpha val="90000"/>
+      </a:schemeClr>
+    </dgm:fillClrLst>
+    <dgm:linClrLst meth="repeat">
+      <a:schemeClr val="accent1"/>
+    </dgm:linClrLst>
+    <dgm:effectClrLst/>
+    <dgm:txLinClrLst/>
+    <dgm:txFillClrLst meth="repeat">
+      <a:schemeClr val="dk1"/>
+    </dgm:txFillClrLst>
+    <dgm:txEffectClrLst/>
+  </dgm:styleLbl>
+  <dgm:styleLbl name="conFgAcc1">
+    <dgm:fillClrLst meth="repeat">
+      <a:schemeClr val="lt1">
+        <a:alpha val="90000"/>
+      </a:schemeClr>
+    </dgm:fillClrLst>
+    <dgm:linClrLst meth="repeat">
+      <a:schemeClr val="accent1"/>
+    </dgm:linClrLst>
+    <dgm:effectClrLst/>
+    <dgm:txLinClrLst/>
+    <dgm:txFillClrLst meth="repeat">
+      <a:schemeClr val="dk1"/>
+    </dgm:txFillClrLst>
+    <dgm:txEffectClrLst/>
+  </dgm:styleLbl>
+  <dgm:styleLbl name="alignAcc1">
+    <dgm:fillClrLst meth="repeat">
+      <a:schemeClr val="lt1">
+        <a:alpha val="90000"/>
+      </a:schemeClr>
+    </dgm:fillClrLst>
+    <dgm:linClrLst meth="repeat">
+      <a:schemeClr val="accent1"/>
+    </dgm:linClrLst>
+    <dgm:effectClrLst/>
+    <dgm:txLinClrLst/>
+    <dgm:txFillClrLst meth="repeat">
+      <a:schemeClr val="dk1"/>
+    </dgm:txFillClrLst>
+    <dgm:txEffectClrLst/>
+  </dgm:styleLbl>
+  <dgm:styleLbl name="trAlignAcc1">
+    <dgm:fillClrLst meth="repeat">
+      <a:schemeClr val="lt1">
+        <a:alpha val="40000"/>
+      </a:schemeClr>
+    </dgm:fillClrLst>
+    <dgm:linClrLst meth="repeat">
+      <a:schemeClr val="accent1"/>
+    </dgm:linClrLst>
+    <dgm:effectClrLst/>
+    <dgm:txLinClrLst/>
+    <dgm:txFillClrLst meth="repeat">
+      <a:schemeClr val="dk1"/>
+    </dgm:txFillClrLst>
+    <dgm:txEffectClrLst/>
+  </dgm:styleLbl>
+  <dgm:styleLbl name="bgAcc1">
+    <dgm:fillClrLst meth="repeat">
+      <a:schemeClr val="lt1">
+        <a:alpha val="90000"/>
+      </a:schemeClr>
+    </dgm:fillClrLst>
+    <dgm:linClrLst meth="repeat">
+      <a:schemeClr val="accent1"/>
+    </dgm:linClrLst>
+    <dgm:effectClrLst/>
+    <dgm:txLinClrLst/>
+    <dgm:txFillClrLst meth="repeat">
+      <a:schemeClr val="dk1"/>
+    </dgm:txFillClrLst>
+    <dgm:txEffectClrLst/>
+  </dgm:styleLbl>
+  <dgm:styleLbl name="solidFgAcc1">
+    <dgm:fillClrLst meth="repeat">
+      <a:schemeClr val="lt1"/>
+    </dgm:fillClrLst>
+    <dgm:linClrLst meth="repeat">
+      <a:schemeClr val="accent1"/>
+    </dgm:linClrLst>
+    <dgm:effectClrLst/>
+    <dgm:txLinClrLst/>
+    <dgm:txFillClrLst meth="repeat">
+      <a:schemeClr val="dk1"/>
+    </dgm:txFillClrLst>
+    <dgm:txEffectClrLst/>
+  </dgm:styleLbl>
+  <dgm:styleLbl name="solidAlignAcc1">
+    <dgm:fillClrLst meth="repeat">
+      <a:schemeClr val="lt1"/>
+    </dgm:fillClrLst>
+    <dgm:linClrLst meth="repeat">
+      <a:schemeClr val="accent1"/>
+    </dgm:linClrLst>
+    <dgm:effectClrLst/>
+    <dgm:txLinClrLst/>
+    <dgm:txFillClrLst meth="repeat">
+      <a:schemeClr val="dk1"/>
+    </dgm:txFillClrLst>
+    <dgm:txEffectClrLst/>
+  </dgm:styleLbl>
+  <dgm:styleLbl name="solidBgAcc1">
+    <dgm:fillClrLst meth="repeat">
+      <a:schemeClr val="lt1"/>
+    </dgm:fillClrLst>
+    <dgm:linClrLst meth="repeat">
+      <a:schemeClr val="accent1"/>
+    </dgm:linClrLst>
+    <dgm:effectClrLst/>
+    <dgm:txLinClrLst/>
+    <dgm:txFillClrLst meth="repeat">
+      <a:schemeClr val="dk1"/>
+    </dgm:txFillClrLst>
+    <dgm:txEffectClrLst/>
+  </dgm:styleLbl>
+  <dgm:styleLbl name="fgAccFollowNode1">
+    <dgm:fillClrLst meth="repeat">
+      <a:schemeClr val="accent1">
+        <a:alpha val="90000"/>
+        <a:tint val="40000"/>
+      </a:schemeClr>
+    </dgm:fillClrLst>
+    <dgm:linClrLst meth="repeat">
+      <a:schemeClr val="accent1">
+        <a:alpha val="90000"/>
+        <a:tint val="40000"/>
+      </a:schemeClr>
+    </dgm:linClrLst>
+    <dgm:effectClrLst/>
+    <dgm:txLinClrLst/>
+    <dgm:txFillClrLst meth="repeat">
+      <a:schemeClr val="dk1"/>
+    </dgm:txFillClrLst>
+    <dgm:txEffectClrLst/>
+  </dgm:styleLbl>
+  <dgm:styleLbl name="alignAccFollowNode1">
+    <dgm:fillClrLst meth="repeat">
+      <a:schemeClr val="accent1">
+        <a:alpha val="90000"/>
+        <a:tint val="40000"/>
+      </a:schemeClr>
+    </dgm:fillClrLst>
+    <dgm:linClrLst meth="repeat">
+      <a:schemeClr val="accent1">
+        <a:alpha val="90000"/>
+        <a:tint val="40000"/>
+      </a:schemeClr>
+    </dgm:linClrLst>
+    <dgm:effectClrLst/>
+    <dgm:txLinClrLst/>
+    <dgm:txFillClrLst meth="repeat">
+      <a:schemeClr val="dk1"/>
+    </dgm:txFillClrLst>
+    <dgm:txEffectClrLst/>
+  </dgm:styleLbl>
+  <dgm:styleLbl name="bgAccFollowNode1">
+    <dgm:fillClrLst meth="repeat">
+      <a:schemeClr val="accent1">
+        <a:alpha val="90000"/>
+        <a:tint val="40000"/>
+      </a:schemeClr>
+    </dgm:fillClrLst>
+    <dgm:linClrLst meth="repeat">
+      <a:schemeClr val="accent1">
+        <a:alpha val="90000"/>
+        <a:tint val="40000"/>
+      </a:schemeClr>
+    </dgm:linClrLst>
+    <dgm:effectClrLst/>
+    <dgm:txLinClrLst/>
+    <dgm:txFillClrLst meth="repeat">
+      <a:schemeClr val="dk1"/>
+    </dgm:txFillClrLst>
+    <dgm:txEffectClrLst/>
+  </dgm:styleLbl>
+  <dgm:styleLbl name="fgAcc0">
+    <dgm:fillClrLst meth="repeat">
+      <a:schemeClr val="lt1">
+        <a:alpha val="90000"/>
+      </a:schemeClr>
+    </dgm:fillClrLst>
+    <dgm:linClrLst meth="repeat">
+      <a:schemeClr val="accent1"/>
+    </dgm:linClrLst>
+    <dgm:effectClrLst/>
+    <dgm:txLinClrLst/>
+    <dgm:txFillClrLst meth="repeat">
+      <a:schemeClr val="dk1"/>
+    </dgm:txFillClrLst>
+    <dgm:txEffectClrLst/>
+  </dgm:styleLbl>
+  <dgm:styleLbl name="fgAcc2">
+    <dgm:fillClrLst meth="repeat">
+      <a:schemeClr val="lt1">
+        <a:alpha val="90000"/>
+      </a:schemeClr>
+    </dgm:fillClrLst>
+    <dgm:linClrLst meth="repeat">
+      <a:schemeClr val="accent1"/>
+    </dgm:linClrLst>
+    <dgm:effectClrLst/>
+    <dgm:txLinClrLst/>
+    <dgm:txFillClrLst meth="repeat">
+      <a:schemeClr val="dk1"/>
+    </dgm:txFillClrLst>
+    <dgm:txEffectClrLst/>
+  </dgm:styleLbl>
+  <dgm:styleLbl name="fgAcc3">
+    <dgm:fillClrLst meth="repeat">
+      <a:schemeClr val="lt1">
+        <a:alpha val="90000"/>
+      </a:schemeClr>
+    </dgm:fillClrLst>
+    <dgm:linClrLst meth="repeat">
+      <a:schemeClr val="accent1"/>
+    </dgm:linClrLst>
+    <dgm:effectClrLst/>
+    <dgm:txLinClrLst/>
+    <dgm:txFillClrLst meth="repeat">
+      <a:schemeClr val="dk1"/>
+    </dgm:txFillClrLst>
+    <dgm:txEffectClrLst/>
+  </dgm:styleLbl>
+  <dgm:styleLbl name="fgAcc4">
+    <dgm:fillClrLst meth="repeat">
+      <a:schemeClr val="lt1">
+        <a:alpha val="90000"/>
+      </a:schemeClr>
+    </dgm:fillClrLst>
+    <dgm:linClrLst meth="repeat">
+      <a:schemeClr val="accent1"/>
+    </dgm:linClrLst>
+    <dgm:effectClrLst/>
+    <dgm:txLinClrLst/>
+    <dgm:txFillClrLst meth="repeat">
+      <a:schemeClr val="dk1"/>
+    </dgm:txFillClrLst>
+    <dgm:txEffectClrLst/>
+  </dgm:styleLbl>
+  <dgm:styleLbl name="bgShp">
+    <dgm:fillClrLst meth="repeat">
+      <a:schemeClr val="accent1">
+        <a:tint val="40000"/>
+      </a:schemeClr>
+    </dgm:fillClrLst>
+    <dgm:linClrLst meth="repeat">
+      <a:schemeClr val="accent1"/>
+    </dgm:linClrLst>
+    <dgm:effectClrLst/>
+    <dgm:txLinClrLst/>
+    <dgm:txFillClrLst meth="repeat">
+      <a:schemeClr val="dk1"/>
+    </dgm:txFillClrLst>
+    <dgm:txEffectClrLst/>
+  </dgm:styleLbl>
+  <dgm:styleLbl name="dkBgShp">
+    <dgm:fillClrLst meth="repeat">
+      <a:schemeClr val="accent1">
+        <a:shade val="80000"/>
+      </a:schemeClr>
+    </dgm:fillClrLst>
+    <dgm:linClrLst meth="repeat">
+      <a:schemeClr val="accent1"/>
+    </dgm:linClrLst>
+    <dgm:effectClrLst/>
+    <dgm:txLinClrLst/>
+    <dgm:txFillClrLst meth="repeat">
+      <a:schemeClr val="lt1"/>
+    </dgm:txFillClrLst>
+    <dgm:txEffectClrLst/>
+  </dgm:styleLbl>
+  <dgm:styleLbl name="trBgShp">
+    <dgm:fillClrLst meth="repeat">
+      <a:schemeClr val="accent1">
+        <a:tint val="50000"/>
+        <a:alpha val="40000"/>
+      </a:schemeClr>
+    </dgm:fillClrLst>
+    <dgm:linClrLst meth="repeat">
+      <a:schemeClr val="accent1"/>
+    </dgm:linClrLst>
+    <dgm:effectClrLst/>
+    <dgm:txLinClrLst/>
+    <dgm:txFillClrLst meth="repeat">
+      <a:schemeClr val="lt1"/>
+    </dgm:txFillClrLst>
+    <dgm:txEffectClrLst/>
+  </dgm:styleLbl>
+  <dgm:styleLbl name="fgShp">
+    <dgm:fillClrLst meth="repeat">
+      <a:schemeClr val="accent1">
+        <a:tint val="60000"/>
+      </a:schemeClr>
+    </dgm:fillClrLst>
+    <dgm:linClrLst meth="repeat">
+      <a:schemeClr val="lt1"/>
+    </dgm:linClrLst>
+    <dgm:effectClrLst/>
+    <dgm:txLinClrLst/>
+    <dgm:txFillClrLst meth="repeat">
+      <a:schemeClr val="dk1"/>
+    </dgm:txFillClrLst>
+    <dgm:txEffectClrLst/>
+  </dgm:styleLbl>
+  <dgm:styleLbl name="revTx">
+    <dgm:fillClrLst meth="repeat">
+      <a:schemeClr val="lt1">
+        <a:alpha val="0"/>
+      </a:schemeClr>
+    </dgm:fillClrLst>
+    <dgm:linClrLst meth="repeat">
+      <a:schemeClr val="dk1">
+        <a:alpha val="0"/>
+      </a:schemeClr>
+    </dgm:linClrLst>
+    <dgm:effectClrLst/>
+    <dgm:txLinClrLst/>
+    <dgm:txFillClrLst meth="repeat">
+      <a:schemeClr val="tx1"/>
+    </dgm:txFillClrLst>
+    <dgm:txEffectClrLst/>
+  </dgm:styleLbl>
+</dgm:colorsDef>
+</file>
+
+<file path=ppt/diagrams/colors3.xml><?xml version="1.0" encoding="utf-8"?>
 <dgm:colorsDef xmlns:dgm="http://schemas.openxmlformats.org/drawingml/2006/diagram" xmlns:a="http://schemas.openxmlformats.org/drawingml/2006/main" uniqueId="urn:microsoft.com/office/officeart/2005/8/colors/accent1_2">
   <dgm:title val=""/>
   <dgm:desc val=""/>
@@ -1051,7 +2545,7 @@
         <a:lstStyle/>
         <a:p>
           <a:r>
-            <a:rPr lang="en-US" smtClean="0"/>
+            <a:rPr lang="en-US" dirty="0" smtClean="0"/>
             <a:t>Applications</a:t>
           </a:r>
           <a:endParaRPr lang="en-US" dirty="0"/>
@@ -1609,6 +3103,702 @@
 </dgm:dataModel>
 </file>
 
+<file path=ppt/diagrams/data2.xml><?xml version="1.0" encoding="utf-8"?>
+<dgm:dataModel xmlns:dgm="http://schemas.openxmlformats.org/drawingml/2006/diagram" xmlns:a="http://schemas.openxmlformats.org/drawingml/2006/main">
+  <dgm:ptLst>
+    <dgm:pt modelId="{6E525D43-B65E-4A25-B039-337112B56B4D}" type="doc">
+      <dgm:prSet loTypeId="urn:microsoft.com/office/officeart/2005/8/layout/cycle3" loCatId="cycle" qsTypeId="urn:microsoft.com/office/officeart/2005/8/quickstyle/simple1" qsCatId="simple" csTypeId="urn:microsoft.com/office/officeart/2005/8/colors/accent1_2" csCatId="accent1" phldr="1"/>
+      <dgm:spPr/>
+      <dgm:t>
+        <a:bodyPr/>
+        <a:lstStyle/>
+        <a:p>
+          <a:endParaRPr lang="en-US"/>
+        </a:p>
+      </dgm:t>
+    </dgm:pt>
+    <dgm:pt modelId="{9F8D00BC-4B1E-4011-82E5-8215F3E87BE4}">
+      <dgm:prSet phldrT="[Text]"/>
+      <dgm:spPr/>
+      <dgm:t>
+        <a:bodyPr/>
+        <a:lstStyle/>
+        <a:p>
+          <a:r>
+            <a:rPr lang="en-US" dirty="0" smtClean="0"/>
+            <a:t>Pick  one constraint</a:t>
+          </a:r>
+          <a:endParaRPr lang="en-US" dirty="0"/>
+        </a:p>
+      </dgm:t>
+    </dgm:pt>
+    <dgm:pt modelId="{2C849661-D8F6-4E5F-8010-3E4A1097452A}" type="parTrans" cxnId="{5FC283F4-5867-47D0-9657-613D62EB93F3}">
+      <dgm:prSet/>
+      <dgm:spPr/>
+      <dgm:t>
+        <a:bodyPr/>
+        <a:lstStyle/>
+        <a:p>
+          <a:endParaRPr lang="en-US"/>
+        </a:p>
+      </dgm:t>
+    </dgm:pt>
+    <dgm:pt modelId="{1795B07D-893B-4E6E-9D26-57F4B3FD181E}" type="sibTrans" cxnId="{5FC283F4-5867-47D0-9657-613D62EB93F3}">
+      <dgm:prSet/>
+      <dgm:spPr/>
+      <dgm:t>
+        <a:bodyPr/>
+        <a:lstStyle/>
+        <a:p>
+          <a:endParaRPr lang="en-US"/>
+        </a:p>
+      </dgm:t>
+    </dgm:pt>
+    <dgm:pt modelId="{8A31C0AC-470F-4FBD-9D46-97FE107EDF36}">
+      <dgm:prSet phldrT="[Text]"/>
+      <dgm:spPr/>
+      <dgm:t>
+        <a:bodyPr/>
+        <a:lstStyle/>
+        <a:p>
+          <a:r>
+            <a:rPr lang="en-US" dirty="0" smtClean="0"/>
+            <a:t>Delete all triangles </a:t>
+          </a:r>
+          <a:r>
+            <a:rPr lang="en-US" dirty="0" smtClean="0"/>
+            <a:t>having an edge that intersects the constraint</a:t>
+          </a:r>
+          <a:endParaRPr lang="en-US" dirty="0"/>
+        </a:p>
+      </dgm:t>
+    </dgm:pt>
+    <dgm:pt modelId="{9FD97F31-B924-410C-B4D7-84E12F3FB017}" type="parTrans" cxnId="{917FD770-CA18-4638-A8D4-678791D41979}">
+      <dgm:prSet/>
+      <dgm:spPr/>
+      <dgm:t>
+        <a:bodyPr/>
+        <a:lstStyle/>
+        <a:p>
+          <a:endParaRPr lang="en-US"/>
+        </a:p>
+      </dgm:t>
+    </dgm:pt>
+    <dgm:pt modelId="{2B60B8A0-B01B-44E2-822D-BB9D92EF278B}" type="sibTrans" cxnId="{917FD770-CA18-4638-A8D4-678791D41979}">
+      <dgm:prSet/>
+      <dgm:spPr/>
+      <dgm:t>
+        <a:bodyPr/>
+        <a:lstStyle/>
+        <a:p>
+          <a:endParaRPr lang="en-US"/>
+        </a:p>
+      </dgm:t>
+    </dgm:pt>
+    <dgm:pt modelId="{58000B83-43D1-4158-84A5-197C7AA96ED9}">
+      <dgm:prSet phldrT="[Text]"/>
+      <dgm:spPr/>
+      <dgm:t>
+        <a:bodyPr/>
+        <a:lstStyle/>
+        <a:p>
+          <a:r>
+            <a:rPr lang="en-US" dirty="0" smtClean="0"/>
+            <a:t>Insert the constrained edge</a:t>
+          </a:r>
+          <a:endParaRPr lang="en-US" dirty="0"/>
+        </a:p>
+      </dgm:t>
+    </dgm:pt>
+    <dgm:pt modelId="{95C1AA50-19E5-4485-8683-381ABDA86166}" type="parTrans" cxnId="{3211CF02-A313-435A-B84F-C9D165A99716}">
+      <dgm:prSet/>
+      <dgm:spPr/>
+      <dgm:t>
+        <a:bodyPr/>
+        <a:lstStyle/>
+        <a:p>
+          <a:endParaRPr lang="en-US"/>
+        </a:p>
+      </dgm:t>
+    </dgm:pt>
+    <dgm:pt modelId="{FBA5094D-253B-4790-9656-726ABCC7E91B}" type="sibTrans" cxnId="{3211CF02-A313-435A-B84F-C9D165A99716}">
+      <dgm:prSet/>
+      <dgm:spPr/>
+      <dgm:t>
+        <a:bodyPr/>
+        <a:lstStyle/>
+        <a:p>
+          <a:endParaRPr lang="en-US"/>
+        </a:p>
+      </dgm:t>
+    </dgm:pt>
+    <dgm:pt modelId="{6B168488-94A8-45AB-879B-55E5AA3152E4}">
+      <dgm:prSet phldrT="[Text]"/>
+      <dgm:spPr/>
+      <dgm:t>
+        <a:bodyPr/>
+        <a:lstStyle/>
+        <a:p>
+          <a:r>
+            <a:rPr lang="en-US" dirty="0" smtClean="0"/>
+            <a:t>Build partial triangulation for those polygons </a:t>
+          </a:r>
+          <a:endParaRPr lang="en-US" dirty="0"/>
+        </a:p>
+      </dgm:t>
+    </dgm:pt>
+    <dgm:pt modelId="{891CFD88-41E3-4D6A-AFD1-E7B5131DF073}" type="parTrans" cxnId="{1F7F2E9D-BE1F-4B1A-8E78-7759A002024F}">
+      <dgm:prSet/>
+      <dgm:spPr/>
+      <dgm:t>
+        <a:bodyPr/>
+        <a:lstStyle/>
+        <a:p>
+          <a:endParaRPr lang="en-US"/>
+        </a:p>
+      </dgm:t>
+    </dgm:pt>
+    <dgm:pt modelId="{606F8C01-9345-4ECE-AA1A-B6E5C5A81716}" type="sibTrans" cxnId="{1F7F2E9D-BE1F-4B1A-8E78-7759A002024F}">
+      <dgm:prSet/>
+      <dgm:spPr/>
+      <dgm:t>
+        <a:bodyPr/>
+        <a:lstStyle/>
+        <a:p>
+          <a:endParaRPr lang="en-US"/>
+        </a:p>
+      </dgm:t>
+    </dgm:pt>
+    <dgm:pt modelId="{3FD857F1-965B-4D6D-A919-9F1229D6DC4E}">
+      <dgm:prSet phldrT="[Text]"/>
+      <dgm:spPr/>
+      <dgm:t>
+        <a:bodyPr/>
+        <a:lstStyle/>
+        <a:p>
+          <a:r>
+            <a:rPr lang="en-US" dirty="0" smtClean="0"/>
+            <a:t>Take two polygons created after triangles deletion and constraint edge insertion</a:t>
+          </a:r>
+          <a:endParaRPr lang="en-US" dirty="0"/>
+        </a:p>
+      </dgm:t>
+    </dgm:pt>
+    <dgm:pt modelId="{497CE48D-961B-4A8A-840F-B50DFA12D5F9}" type="parTrans" cxnId="{AC7107DA-A522-4380-A88E-09A256AD9EAC}">
+      <dgm:prSet/>
+      <dgm:spPr/>
+      <dgm:t>
+        <a:bodyPr/>
+        <a:lstStyle/>
+        <a:p>
+          <a:endParaRPr lang="en-US"/>
+        </a:p>
+      </dgm:t>
+    </dgm:pt>
+    <dgm:pt modelId="{38A3234B-F216-41DD-A5B2-2CE1B0ABCD07}" type="sibTrans" cxnId="{AC7107DA-A522-4380-A88E-09A256AD9EAC}">
+      <dgm:prSet/>
+      <dgm:spPr/>
+      <dgm:t>
+        <a:bodyPr/>
+        <a:lstStyle/>
+        <a:p>
+          <a:endParaRPr lang="en-US"/>
+        </a:p>
+      </dgm:t>
+    </dgm:pt>
+    <dgm:pt modelId="{5B8F3A42-9647-4F9C-BFEC-6413F16D293F}" type="pres">
+      <dgm:prSet presAssocID="{6E525D43-B65E-4A25-B039-337112B56B4D}" presName="Name0" presStyleCnt="0">
+        <dgm:presLayoutVars>
+          <dgm:dir/>
+          <dgm:resizeHandles val="exact"/>
+        </dgm:presLayoutVars>
+      </dgm:prSet>
+      <dgm:spPr/>
+    </dgm:pt>
+    <dgm:pt modelId="{B6D2FDE5-E581-4060-9F3F-2BD21E920B18}" type="pres">
+      <dgm:prSet presAssocID="{6E525D43-B65E-4A25-B039-337112B56B4D}" presName="cycle" presStyleCnt="0"/>
+      <dgm:spPr/>
+    </dgm:pt>
+    <dgm:pt modelId="{FC6F747A-E1D9-4147-9722-4F3A2DC55911}" type="pres">
+      <dgm:prSet presAssocID="{9F8D00BC-4B1E-4011-82E5-8215F3E87BE4}" presName="nodeFirstNode" presStyleLbl="node1" presStyleIdx="0" presStyleCnt="5">
+        <dgm:presLayoutVars>
+          <dgm:bulletEnabled val="1"/>
+        </dgm:presLayoutVars>
+      </dgm:prSet>
+      <dgm:spPr/>
+    </dgm:pt>
+    <dgm:pt modelId="{207176C4-A68B-4390-BE5B-5CC4732386B4}" type="pres">
+      <dgm:prSet presAssocID="{1795B07D-893B-4E6E-9D26-57F4B3FD181E}" presName="sibTransFirstNode" presStyleLbl="bgShp" presStyleIdx="0" presStyleCnt="1"/>
+      <dgm:spPr/>
+    </dgm:pt>
+    <dgm:pt modelId="{9064C937-B3FF-48A4-A6DB-C4E799F4344A}" type="pres">
+      <dgm:prSet presAssocID="{8A31C0AC-470F-4FBD-9D46-97FE107EDF36}" presName="nodeFollowingNodes" presStyleLbl="node1" presStyleIdx="1" presStyleCnt="5">
+        <dgm:presLayoutVars>
+          <dgm:bulletEnabled val="1"/>
+        </dgm:presLayoutVars>
+      </dgm:prSet>
+      <dgm:spPr/>
+      <dgm:t>
+        <a:bodyPr/>
+        <a:lstStyle/>
+        <a:p>
+          <a:endParaRPr lang="en-US"/>
+        </a:p>
+      </dgm:t>
+    </dgm:pt>
+    <dgm:pt modelId="{CC3CFDE4-E573-49DB-BDB6-FDE41C67E34A}" type="pres">
+      <dgm:prSet presAssocID="{58000B83-43D1-4158-84A5-197C7AA96ED9}" presName="nodeFollowingNodes" presStyleLbl="node1" presStyleIdx="2" presStyleCnt="5">
+        <dgm:presLayoutVars>
+          <dgm:bulletEnabled val="1"/>
+        </dgm:presLayoutVars>
+      </dgm:prSet>
+      <dgm:spPr/>
+      <dgm:t>
+        <a:bodyPr/>
+        <a:lstStyle/>
+        <a:p>
+          <a:endParaRPr lang="en-US"/>
+        </a:p>
+      </dgm:t>
+    </dgm:pt>
+    <dgm:pt modelId="{6D2B9EE5-CDBF-4D08-92D0-01A4D9CAB7A2}" type="pres">
+      <dgm:prSet presAssocID="{3FD857F1-965B-4D6D-A919-9F1229D6DC4E}" presName="nodeFollowingNodes" presStyleLbl="node1" presStyleIdx="3" presStyleCnt="5">
+        <dgm:presLayoutVars>
+          <dgm:bulletEnabled val="1"/>
+        </dgm:presLayoutVars>
+      </dgm:prSet>
+      <dgm:spPr/>
+      <dgm:t>
+        <a:bodyPr/>
+        <a:lstStyle/>
+        <a:p>
+          <a:endParaRPr lang="en-US"/>
+        </a:p>
+      </dgm:t>
+    </dgm:pt>
+    <dgm:pt modelId="{827D3D2D-4767-484E-9372-8197BC522DAB}" type="pres">
+      <dgm:prSet presAssocID="{6B168488-94A8-45AB-879B-55E5AA3152E4}" presName="nodeFollowingNodes" presStyleLbl="node1" presStyleIdx="4" presStyleCnt="5">
+        <dgm:presLayoutVars>
+          <dgm:bulletEnabled val="1"/>
+        </dgm:presLayoutVars>
+      </dgm:prSet>
+      <dgm:spPr/>
+      <dgm:t>
+        <a:bodyPr/>
+        <a:lstStyle/>
+        <a:p>
+          <a:endParaRPr lang="en-US"/>
+        </a:p>
+      </dgm:t>
+    </dgm:pt>
+  </dgm:ptLst>
+  <dgm:cxnLst>
+    <dgm:cxn modelId="{21444218-FF98-4718-9DBB-14C967D5EE44}" type="presOf" srcId="{8A31C0AC-470F-4FBD-9D46-97FE107EDF36}" destId="{9064C937-B3FF-48A4-A6DB-C4E799F4344A}" srcOrd="0" destOrd="0" presId="urn:microsoft.com/office/officeart/2005/8/layout/cycle3"/>
+    <dgm:cxn modelId="{5FC283F4-5867-47D0-9657-613D62EB93F3}" srcId="{6E525D43-B65E-4A25-B039-337112B56B4D}" destId="{9F8D00BC-4B1E-4011-82E5-8215F3E87BE4}" srcOrd="0" destOrd="0" parTransId="{2C849661-D8F6-4E5F-8010-3E4A1097452A}" sibTransId="{1795B07D-893B-4E6E-9D26-57F4B3FD181E}"/>
+    <dgm:cxn modelId="{5ECF80A8-A2DC-4A48-ACD2-0C59FB608223}" type="presOf" srcId="{3FD857F1-965B-4D6D-A919-9F1229D6DC4E}" destId="{6D2B9EE5-CDBF-4D08-92D0-01A4D9CAB7A2}" srcOrd="0" destOrd="0" presId="urn:microsoft.com/office/officeart/2005/8/layout/cycle3"/>
+    <dgm:cxn modelId="{3211CF02-A313-435A-B84F-C9D165A99716}" srcId="{6E525D43-B65E-4A25-B039-337112B56B4D}" destId="{58000B83-43D1-4158-84A5-197C7AA96ED9}" srcOrd="2" destOrd="0" parTransId="{95C1AA50-19E5-4485-8683-381ABDA86166}" sibTransId="{FBA5094D-253B-4790-9656-726ABCC7E91B}"/>
+    <dgm:cxn modelId="{5AB62472-F767-4981-8C88-71D45248D1C3}" type="presOf" srcId="{6E525D43-B65E-4A25-B039-337112B56B4D}" destId="{5B8F3A42-9647-4F9C-BFEC-6413F16D293F}" srcOrd="0" destOrd="0" presId="urn:microsoft.com/office/officeart/2005/8/layout/cycle3"/>
+    <dgm:cxn modelId="{AC7107DA-A522-4380-A88E-09A256AD9EAC}" srcId="{6E525D43-B65E-4A25-B039-337112B56B4D}" destId="{3FD857F1-965B-4D6D-A919-9F1229D6DC4E}" srcOrd="3" destOrd="0" parTransId="{497CE48D-961B-4A8A-840F-B50DFA12D5F9}" sibTransId="{38A3234B-F216-41DD-A5B2-2CE1B0ABCD07}"/>
+    <dgm:cxn modelId="{E52B5D3F-A10B-4E7D-B42E-4AB1A13DFDC3}" type="presOf" srcId="{9F8D00BC-4B1E-4011-82E5-8215F3E87BE4}" destId="{FC6F747A-E1D9-4147-9722-4F3A2DC55911}" srcOrd="0" destOrd="0" presId="urn:microsoft.com/office/officeart/2005/8/layout/cycle3"/>
+    <dgm:cxn modelId="{7ACBA43C-06F7-4B38-A63C-D89366E0D6B0}" type="presOf" srcId="{58000B83-43D1-4158-84A5-197C7AA96ED9}" destId="{CC3CFDE4-E573-49DB-BDB6-FDE41C67E34A}" srcOrd="0" destOrd="0" presId="urn:microsoft.com/office/officeart/2005/8/layout/cycle3"/>
+    <dgm:cxn modelId="{34BC580F-CC6B-407C-B9D7-C63853FB9717}" type="presOf" srcId="{6B168488-94A8-45AB-879B-55E5AA3152E4}" destId="{827D3D2D-4767-484E-9372-8197BC522DAB}" srcOrd="0" destOrd="0" presId="urn:microsoft.com/office/officeart/2005/8/layout/cycle3"/>
+    <dgm:cxn modelId="{D9652651-C90F-41DF-AFBB-72E2ABF98055}" type="presOf" srcId="{1795B07D-893B-4E6E-9D26-57F4B3FD181E}" destId="{207176C4-A68B-4390-BE5B-5CC4732386B4}" srcOrd="0" destOrd="0" presId="urn:microsoft.com/office/officeart/2005/8/layout/cycle3"/>
+    <dgm:cxn modelId="{917FD770-CA18-4638-A8D4-678791D41979}" srcId="{6E525D43-B65E-4A25-B039-337112B56B4D}" destId="{8A31C0AC-470F-4FBD-9D46-97FE107EDF36}" srcOrd="1" destOrd="0" parTransId="{9FD97F31-B924-410C-B4D7-84E12F3FB017}" sibTransId="{2B60B8A0-B01B-44E2-822D-BB9D92EF278B}"/>
+    <dgm:cxn modelId="{1F7F2E9D-BE1F-4B1A-8E78-7759A002024F}" srcId="{6E525D43-B65E-4A25-B039-337112B56B4D}" destId="{6B168488-94A8-45AB-879B-55E5AA3152E4}" srcOrd="4" destOrd="0" parTransId="{891CFD88-41E3-4D6A-AFD1-E7B5131DF073}" sibTransId="{606F8C01-9345-4ECE-AA1A-B6E5C5A81716}"/>
+    <dgm:cxn modelId="{2D98DD6E-04CD-4E3D-805B-145EEF524FB0}" type="presParOf" srcId="{5B8F3A42-9647-4F9C-BFEC-6413F16D293F}" destId="{B6D2FDE5-E581-4060-9F3F-2BD21E920B18}" srcOrd="0" destOrd="0" presId="urn:microsoft.com/office/officeart/2005/8/layout/cycle3"/>
+    <dgm:cxn modelId="{6AD90972-202C-40A3-AA41-8DDBF5B384AA}" type="presParOf" srcId="{B6D2FDE5-E581-4060-9F3F-2BD21E920B18}" destId="{FC6F747A-E1D9-4147-9722-4F3A2DC55911}" srcOrd="0" destOrd="0" presId="urn:microsoft.com/office/officeart/2005/8/layout/cycle3"/>
+    <dgm:cxn modelId="{9817F551-7C8A-4F0A-952C-E9527F388C4B}" type="presParOf" srcId="{B6D2FDE5-E581-4060-9F3F-2BD21E920B18}" destId="{207176C4-A68B-4390-BE5B-5CC4732386B4}" srcOrd="1" destOrd="0" presId="urn:microsoft.com/office/officeart/2005/8/layout/cycle3"/>
+    <dgm:cxn modelId="{9090AD3D-970D-4EB5-92AC-7C417C91CD0E}" type="presParOf" srcId="{B6D2FDE5-E581-4060-9F3F-2BD21E920B18}" destId="{9064C937-B3FF-48A4-A6DB-C4E799F4344A}" srcOrd="2" destOrd="0" presId="urn:microsoft.com/office/officeart/2005/8/layout/cycle3"/>
+    <dgm:cxn modelId="{9AB2F6CD-C893-4D99-A230-088EFA749E98}" type="presParOf" srcId="{B6D2FDE5-E581-4060-9F3F-2BD21E920B18}" destId="{CC3CFDE4-E573-49DB-BDB6-FDE41C67E34A}" srcOrd="3" destOrd="0" presId="urn:microsoft.com/office/officeart/2005/8/layout/cycle3"/>
+    <dgm:cxn modelId="{9BFE968C-B165-4F21-8991-06CA73C8BCB1}" type="presParOf" srcId="{B6D2FDE5-E581-4060-9F3F-2BD21E920B18}" destId="{6D2B9EE5-CDBF-4D08-92D0-01A4D9CAB7A2}" srcOrd="4" destOrd="0" presId="urn:microsoft.com/office/officeart/2005/8/layout/cycle3"/>
+    <dgm:cxn modelId="{E61FAC9B-4689-45A2-A2FE-9C1E11F8C7B1}" type="presParOf" srcId="{B6D2FDE5-E581-4060-9F3F-2BD21E920B18}" destId="{827D3D2D-4767-484E-9372-8197BC522DAB}" srcOrd="5" destOrd="0" presId="urn:microsoft.com/office/officeart/2005/8/layout/cycle3"/>
+  </dgm:cxnLst>
+  <dgm:bg/>
+  <dgm:whole/>
+  <dgm:extLst>
+    <a:ext uri="http://schemas.microsoft.com/office/drawing/2008/diagram">
+      <dsp:dataModelExt xmlns:dsp="http://schemas.microsoft.com/office/drawing/2008/diagram" relId="rId6" minVer="http://schemas.openxmlformats.org/drawingml/2006/diagram"/>
+    </a:ext>
+  </dgm:extLst>
+</dgm:dataModel>
+</file>
+
+<file path=ppt/diagrams/data3.xml><?xml version="1.0" encoding="utf-8"?>
+<dgm:dataModel xmlns:dgm="http://schemas.openxmlformats.org/drawingml/2006/diagram" xmlns:a="http://schemas.openxmlformats.org/drawingml/2006/main">
+  <dgm:ptLst>
+    <dgm:pt modelId="{E349C4EA-CE6F-4599-A4D6-A5D0B6FE7B78}" type="doc">
+      <dgm:prSet loTypeId="urn:microsoft.com/office/officeart/2009/3/layout/RandomtoResultProcess" loCatId="process" qsTypeId="urn:microsoft.com/office/officeart/2005/8/quickstyle/simple1" qsCatId="simple" csTypeId="urn:microsoft.com/office/officeart/2005/8/colors/accent1_2" csCatId="accent1" phldr="1"/>
+      <dgm:spPr/>
+      <dgm:t>
+        <a:bodyPr/>
+        <a:lstStyle/>
+        <a:p>
+          <a:endParaRPr lang="en-US"/>
+        </a:p>
+      </dgm:t>
+    </dgm:pt>
+    <dgm:pt modelId="{8F96BADC-7678-4BBA-BA14-501057EE8D6B}">
+      <dgm:prSet phldrT="[Text]"/>
+      <dgm:spPr/>
+      <dgm:t>
+        <a:bodyPr/>
+        <a:lstStyle/>
+        <a:p>
+          <a:r>
+            <a:rPr lang="en-US" dirty="0" smtClean="0"/>
+            <a:t>Given</a:t>
+          </a:r>
+          <a:endParaRPr lang="en-US" dirty="0"/>
+        </a:p>
+      </dgm:t>
+    </dgm:pt>
+    <dgm:pt modelId="{46875F61-3DB0-4F02-BCD2-3E3597125E31}" type="parTrans" cxnId="{6F709EDB-63F0-4DBE-B308-4A38F2A01412}">
+      <dgm:prSet/>
+      <dgm:spPr/>
+      <dgm:t>
+        <a:bodyPr/>
+        <a:lstStyle/>
+        <a:p>
+          <a:endParaRPr lang="en-US"/>
+        </a:p>
+      </dgm:t>
+    </dgm:pt>
+    <dgm:pt modelId="{1B157EB2-4DC7-4922-8C8D-0934E719F344}" type="sibTrans" cxnId="{6F709EDB-63F0-4DBE-B308-4A38F2A01412}">
+      <dgm:prSet/>
+      <dgm:spPr/>
+      <dgm:t>
+        <a:bodyPr/>
+        <a:lstStyle/>
+        <a:p>
+          <a:endParaRPr lang="en-US"/>
+        </a:p>
+      </dgm:t>
+    </dgm:pt>
+    <dgm:pt modelId="{E4B7FD7C-D00C-427A-9A67-AD2E56B6FF60}">
+      <dgm:prSet phldrT="[Text]"/>
+      <dgm:spPr/>
+      <dgm:t>
+        <a:bodyPr/>
+        <a:lstStyle/>
+        <a:p>
+          <a:r>
+            <a:rPr lang="en-US" dirty="0" smtClean="0"/>
+            <a:t>Build</a:t>
+          </a:r>
+          <a:endParaRPr lang="en-US" dirty="0"/>
+        </a:p>
+      </dgm:t>
+    </dgm:pt>
+    <dgm:pt modelId="{CF6C8BA9-D3F0-4067-8BF6-A77CD70FC7CE}" type="parTrans" cxnId="{239AACFD-98D0-427F-B644-AD5517A1741A}">
+      <dgm:prSet/>
+      <dgm:spPr/>
+      <dgm:t>
+        <a:bodyPr/>
+        <a:lstStyle/>
+        <a:p>
+          <a:endParaRPr lang="en-US"/>
+        </a:p>
+      </dgm:t>
+    </dgm:pt>
+    <dgm:pt modelId="{40707BF6-5B9D-43DC-B1A1-76FBBDBEA6F7}" type="sibTrans" cxnId="{239AACFD-98D0-427F-B644-AD5517A1741A}">
+      <dgm:prSet/>
+      <dgm:spPr/>
+      <dgm:t>
+        <a:bodyPr/>
+        <a:lstStyle/>
+        <a:p>
+          <a:endParaRPr lang="en-US"/>
+        </a:p>
+      </dgm:t>
+    </dgm:pt>
+    <dgm:pt modelId="{E6CB2CE8-A27F-4D1B-A38E-C0F5C4DBA75E}">
+      <dgm:prSet phldrT="[Text]" custT="1"/>
+      <dgm:spPr/>
+      <dgm:t>
+        <a:bodyPr/>
+        <a:lstStyle/>
+        <a:p>
+          <a:r>
+            <a:rPr lang="en-US" sz="1800" dirty="0" smtClean="0"/>
+            <a:t>Set of points</a:t>
+          </a:r>
+          <a:endParaRPr lang="en-US" sz="1800" dirty="0"/>
+        </a:p>
+      </dgm:t>
+    </dgm:pt>
+    <dgm:pt modelId="{869E6118-8E76-49A7-BB3E-4E56572603A4}" type="parTrans" cxnId="{6F310061-894B-4BBD-AE37-D8FD12E3A49A}">
+      <dgm:prSet/>
+      <dgm:spPr/>
+      <dgm:t>
+        <a:bodyPr/>
+        <a:lstStyle/>
+        <a:p>
+          <a:endParaRPr lang="en-US"/>
+        </a:p>
+      </dgm:t>
+    </dgm:pt>
+    <dgm:pt modelId="{55BC8AA6-8C6D-4073-8FDD-11AE4800BEE9}" type="sibTrans" cxnId="{6F310061-894B-4BBD-AE37-D8FD12E3A49A}">
+      <dgm:prSet/>
+      <dgm:spPr/>
+      <dgm:t>
+        <a:bodyPr/>
+        <a:lstStyle/>
+        <a:p>
+          <a:endParaRPr lang="en-US"/>
+        </a:p>
+      </dgm:t>
+    </dgm:pt>
+    <dgm:pt modelId="{4FEDDCFF-64AF-41B1-AC60-5DAF86E60DEA}">
+      <dgm:prSet phldrT="[Text]"/>
+      <dgm:spPr/>
+      <dgm:t>
+        <a:bodyPr/>
+        <a:lstStyle/>
+        <a:p>
+          <a:r>
+            <a:rPr lang="en-US" smtClean="0"/>
+            <a:t>Delaunay Triangulation</a:t>
+          </a:r>
+          <a:endParaRPr lang="en-US" dirty="0"/>
+        </a:p>
+      </dgm:t>
+    </dgm:pt>
+    <dgm:pt modelId="{C63820AA-7FAA-45F8-8250-E3015AA2E98D}" type="parTrans" cxnId="{4F716D3A-D746-4CB7-BF57-4AECBCA22E59}">
+      <dgm:prSet/>
+      <dgm:spPr/>
+      <dgm:t>
+        <a:bodyPr/>
+        <a:lstStyle/>
+        <a:p>
+          <a:endParaRPr lang="en-US"/>
+        </a:p>
+      </dgm:t>
+    </dgm:pt>
+    <dgm:pt modelId="{D1430994-6671-4713-87F1-26A18F644784}" type="sibTrans" cxnId="{4F716D3A-D746-4CB7-BF57-4AECBCA22E59}">
+      <dgm:prSet/>
+      <dgm:spPr/>
+      <dgm:t>
+        <a:bodyPr/>
+        <a:lstStyle/>
+        <a:p>
+          <a:endParaRPr lang="en-US"/>
+        </a:p>
+      </dgm:t>
+    </dgm:pt>
+    <dgm:pt modelId="{052AB095-625D-43DC-92D1-6A240A559CE3}" type="pres">
+      <dgm:prSet presAssocID="{E349C4EA-CE6F-4599-A4D6-A5D0B6FE7B78}" presName="Name0" presStyleCnt="0">
+        <dgm:presLayoutVars>
+          <dgm:dir/>
+          <dgm:animOne val="branch"/>
+          <dgm:animLvl val="lvl"/>
+        </dgm:presLayoutVars>
+      </dgm:prSet>
+      <dgm:spPr/>
+    </dgm:pt>
+    <dgm:pt modelId="{3D5A4C46-7895-42C7-8A73-5EFD1926CE59}" type="pres">
+      <dgm:prSet presAssocID="{8F96BADC-7678-4BBA-BA14-501057EE8D6B}" presName="chaos" presStyleCnt="0"/>
+      <dgm:spPr/>
+    </dgm:pt>
+    <dgm:pt modelId="{9AE5D9A7-AF57-49F8-B565-A606168C1572}" type="pres">
+      <dgm:prSet presAssocID="{8F96BADC-7678-4BBA-BA14-501057EE8D6B}" presName="parTx1" presStyleLbl="revTx" presStyleIdx="0" presStyleCnt="3"/>
+      <dgm:spPr/>
+    </dgm:pt>
+    <dgm:pt modelId="{E7F57025-9D84-4F29-949C-036603744C5D}" type="pres">
+      <dgm:prSet presAssocID="{8F96BADC-7678-4BBA-BA14-501057EE8D6B}" presName="desTx1" presStyleLbl="revTx" presStyleIdx="1" presStyleCnt="3">
+        <dgm:presLayoutVars>
+          <dgm:bulletEnabled val="1"/>
+        </dgm:presLayoutVars>
+      </dgm:prSet>
+      <dgm:spPr/>
+      <dgm:t>
+        <a:bodyPr/>
+        <a:lstStyle/>
+        <a:p>
+          <a:endParaRPr lang="en-US"/>
+        </a:p>
+      </dgm:t>
+    </dgm:pt>
+    <dgm:pt modelId="{EAF6B5DE-31BF-4835-B271-B3C56E0B365D}" type="pres">
+      <dgm:prSet presAssocID="{8F96BADC-7678-4BBA-BA14-501057EE8D6B}" presName="c1" presStyleLbl="node1" presStyleIdx="0" presStyleCnt="19"/>
+      <dgm:spPr/>
+    </dgm:pt>
+    <dgm:pt modelId="{8A58D266-7D83-474B-ADD8-32948A11BB4A}" type="pres">
+      <dgm:prSet presAssocID="{8F96BADC-7678-4BBA-BA14-501057EE8D6B}" presName="c2" presStyleLbl="node1" presStyleIdx="1" presStyleCnt="19"/>
+      <dgm:spPr/>
+    </dgm:pt>
+    <dgm:pt modelId="{1F99C248-CC36-4CF3-A1B2-E2A4C6E71E3A}" type="pres">
+      <dgm:prSet presAssocID="{8F96BADC-7678-4BBA-BA14-501057EE8D6B}" presName="c3" presStyleLbl="node1" presStyleIdx="2" presStyleCnt="19"/>
+      <dgm:spPr/>
+    </dgm:pt>
+    <dgm:pt modelId="{E3655DFA-286F-4043-96F4-CFF013F83B37}" type="pres">
+      <dgm:prSet presAssocID="{8F96BADC-7678-4BBA-BA14-501057EE8D6B}" presName="c4" presStyleLbl="node1" presStyleIdx="3" presStyleCnt="19"/>
+      <dgm:spPr/>
+    </dgm:pt>
+    <dgm:pt modelId="{99C4603D-128F-419F-935E-15C40390ED82}" type="pres">
+      <dgm:prSet presAssocID="{8F96BADC-7678-4BBA-BA14-501057EE8D6B}" presName="c5" presStyleLbl="node1" presStyleIdx="4" presStyleCnt="19"/>
+      <dgm:spPr/>
+    </dgm:pt>
+    <dgm:pt modelId="{3D2DE75C-2B3C-4A45-9249-CDC8A17361F6}" type="pres">
+      <dgm:prSet presAssocID="{8F96BADC-7678-4BBA-BA14-501057EE8D6B}" presName="c6" presStyleLbl="node1" presStyleIdx="5" presStyleCnt="19"/>
+      <dgm:spPr/>
+    </dgm:pt>
+    <dgm:pt modelId="{BB51C7C8-75D0-42C3-9206-652E437AE569}" type="pres">
+      <dgm:prSet presAssocID="{8F96BADC-7678-4BBA-BA14-501057EE8D6B}" presName="c7" presStyleLbl="node1" presStyleIdx="6" presStyleCnt="19"/>
+      <dgm:spPr/>
+    </dgm:pt>
+    <dgm:pt modelId="{F12CEEBD-BB79-4E14-84E8-261384504C13}" type="pres">
+      <dgm:prSet presAssocID="{8F96BADC-7678-4BBA-BA14-501057EE8D6B}" presName="c8" presStyleLbl="node1" presStyleIdx="7" presStyleCnt="19"/>
+      <dgm:spPr/>
+    </dgm:pt>
+    <dgm:pt modelId="{F905F333-E19A-4176-BFB7-AF85A4572DBE}" type="pres">
+      <dgm:prSet presAssocID="{8F96BADC-7678-4BBA-BA14-501057EE8D6B}" presName="c9" presStyleLbl="node1" presStyleIdx="8" presStyleCnt="19"/>
+      <dgm:spPr/>
+    </dgm:pt>
+    <dgm:pt modelId="{C06C4FA8-EEE7-4D54-ABE9-997958C7595A}" type="pres">
+      <dgm:prSet presAssocID="{8F96BADC-7678-4BBA-BA14-501057EE8D6B}" presName="c10" presStyleLbl="node1" presStyleIdx="9" presStyleCnt="19"/>
+      <dgm:spPr/>
+    </dgm:pt>
+    <dgm:pt modelId="{4E5C555B-D289-4A40-B272-3126897E8EB4}" type="pres">
+      <dgm:prSet presAssocID="{8F96BADC-7678-4BBA-BA14-501057EE8D6B}" presName="c11" presStyleLbl="node1" presStyleIdx="10" presStyleCnt="19"/>
+      <dgm:spPr/>
+    </dgm:pt>
+    <dgm:pt modelId="{2224F4D2-7EF3-4DDF-B2C2-ECDC39AD98BD}" type="pres">
+      <dgm:prSet presAssocID="{8F96BADC-7678-4BBA-BA14-501057EE8D6B}" presName="c12" presStyleLbl="node1" presStyleIdx="11" presStyleCnt="19"/>
+      <dgm:spPr/>
+    </dgm:pt>
+    <dgm:pt modelId="{E45F83EB-B4B4-4ED3-AD19-F8254E67749A}" type="pres">
+      <dgm:prSet presAssocID="{8F96BADC-7678-4BBA-BA14-501057EE8D6B}" presName="c13" presStyleLbl="node1" presStyleIdx="12" presStyleCnt="19"/>
+      <dgm:spPr/>
+    </dgm:pt>
+    <dgm:pt modelId="{950A3D77-91BB-47E6-B42F-F9E046647194}" type="pres">
+      <dgm:prSet presAssocID="{8F96BADC-7678-4BBA-BA14-501057EE8D6B}" presName="c14" presStyleLbl="node1" presStyleIdx="13" presStyleCnt="19"/>
+      <dgm:spPr/>
+    </dgm:pt>
+    <dgm:pt modelId="{4303E1B2-65C2-4855-9AB2-C1D66AA67ACE}" type="pres">
+      <dgm:prSet presAssocID="{8F96BADC-7678-4BBA-BA14-501057EE8D6B}" presName="c15" presStyleLbl="node1" presStyleIdx="14" presStyleCnt="19"/>
+      <dgm:spPr/>
+    </dgm:pt>
+    <dgm:pt modelId="{F7D74827-C118-49F4-962C-3919544C46DC}" type="pres">
+      <dgm:prSet presAssocID="{8F96BADC-7678-4BBA-BA14-501057EE8D6B}" presName="c16" presStyleLbl="node1" presStyleIdx="15" presStyleCnt="19"/>
+      <dgm:spPr/>
+    </dgm:pt>
+    <dgm:pt modelId="{D6397E70-AC24-441E-B804-D5FE16A02751}" type="pres">
+      <dgm:prSet presAssocID="{8F96BADC-7678-4BBA-BA14-501057EE8D6B}" presName="c17" presStyleLbl="node1" presStyleIdx="16" presStyleCnt="19"/>
+      <dgm:spPr/>
+    </dgm:pt>
+    <dgm:pt modelId="{F3CADF4B-7922-465F-8685-43C21B379B35}" type="pres">
+      <dgm:prSet presAssocID="{8F96BADC-7678-4BBA-BA14-501057EE8D6B}" presName="c18" presStyleLbl="node1" presStyleIdx="17" presStyleCnt="19"/>
+      <dgm:spPr/>
+    </dgm:pt>
+    <dgm:pt modelId="{ACDDABC6-E2D4-4C4A-B3A7-178CB666843E}" type="pres">
+      <dgm:prSet presAssocID="{1B157EB2-4DC7-4922-8C8D-0934E719F344}" presName="chevronComposite1" presStyleCnt="0"/>
+      <dgm:spPr/>
+    </dgm:pt>
+    <dgm:pt modelId="{3808FFA2-32E8-4C73-ADEA-73CD61B73CCF}" type="pres">
+      <dgm:prSet presAssocID="{1B157EB2-4DC7-4922-8C8D-0934E719F344}" presName="chevron1" presStyleLbl="sibTrans2D1" presStyleIdx="0" presStyleCnt="2"/>
+      <dgm:spPr/>
+    </dgm:pt>
+    <dgm:pt modelId="{B3331CB7-8391-4E6C-A276-0311E8E564BE}" type="pres">
+      <dgm:prSet presAssocID="{1B157EB2-4DC7-4922-8C8D-0934E719F344}" presName="spChevron1" presStyleCnt="0"/>
+      <dgm:spPr/>
+    </dgm:pt>
+    <dgm:pt modelId="{D4D39E26-FE38-47B6-AC0E-76DA4E54B812}" type="pres">
+      <dgm:prSet presAssocID="{1B157EB2-4DC7-4922-8C8D-0934E719F344}" presName="overlap" presStyleCnt="0"/>
+      <dgm:spPr/>
+    </dgm:pt>
+    <dgm:pt modelId="{4335F6E7-3349-4057-83A6-979E797907BB}" type="pres">
+      <dgm:prSet presAssocID="{1B157EB2-4DC7-4922-8C8D-0934E719F344}" presName="chevronComposite2" presStyleCnt="0"/>
+      <dgm:spPr/>
+    </dgm:pt>
+    <dgm:pt modelId="{18E698AE-0A4D-4F8E-9B8C-188ED533853F}" type="pres">
+      <dgm:prSet presAssocID="{1B157EB2-4DC7-4922-8C8D-0934E719F344}" presName="chevron2" presStyleLbl="sibTrans2D1" presStyleIdx="1" presStyleCnt="2"/>
+      <dgm:spPr/>
+    </dgm:pt>
+    <dgm:pt modelId="{F8D8BF16-D6A8-4433-A35D-69D6262FF734}" type="pres">
+      <dgm:prSet presAssocID="{1B157EB2-4DC7-4922-8C8D-0934E719F344}" presName="spChevron2" presStyleCnt="0"/>
+      <dgm:spPr/>
+    </dgm:pt>
+    <dgm:pt modelId="{C5667222-B98A-4732-B7AE-135C29EA6185}" type="pres">
+      <dgm:prSet presAssocID="{E4B7FD7C-D00C-427A-9A67-AD2E56B6FF60}" presName="last" presStyleCnt="0"/>
+      <dgm:spPr/>
+    </dgm:pt>
+    <dgm:pt modelId="{1696BE37-B6C2-4988-B7BC-E97C111D7F5B}" type="pres">
+      <dgm:prSet presAssocID="{E4B7FD7C-D00C-427A-9A67-AD2E56B6FF60}" presName="circleTx" presStyleLbl="node1" presStyleIdx="18" presStyleCnt="19"/>
+      <dgm:spPr/>
+      <dgm:t>
+        <a:bodyPr/>
+        <a:lstStyle/>
+        <a:p>
+          <a:endParaRPr lang="en-US"/>
+        </a:p>
+      </dgm:t>
+    </dgm:pt>
+    <dgm:pt modelId="{9BDE8EC1-2EB9-401A-A3EC-B299062C71C2}" type="pres">
+      <dgm:prSet presAssocID="{E4B7FD7C-D00C-427A-9A67-AD2E56B6FF60}" presName="desTxN" presStyleLbl="revTx" presStyleIdx="2" presStyleCnt="3">
+        <dgm:presLayoutVars>
+          <dgm:bulletEnabled val="1"/>
+        </dgm:presLayoutVars>
+      </dgm:prSet>
+      <dgm:spPr/>
+    </dgm:pt>
+    <dgm:pt modelId="{AD3FA222-BE11-45B5-AC2A-FDD2BDC61FD6}" type="pres">
+      <dgm:prSet presAssocID="{E4B7FD7C-D00C-427A-9A67-AD2E56B6FF60}" presName="spN" presStyleCnt="0"/>
+      <dgm:spPr/>
+    </dgm:pt>
+  </dgm:ptLst>
+  <dgm:cxnLst>
+    <dgm:cxn modelId="{C6C911FC-9D3B-4CD2-BFCC-62533D347F72}" type="presOf" srcId="{8F96BADC-7678-4BBA-BA14-501057EE8D6B}" destId="{9AE5D9A7-AF57-49F8-B565-A606168C1572}" srcOrd="0" destOrd="0" presId="urn:microsoft.com/office/officeart/2009/3/layout/RandomtoResultProcess"/>
+    <dgm:cxn modelId="{8F89BCED-73D2-4D82-A2C0-295F58173554}" type="presOf" srcId="{E4B7FD7C-D00C-427A-9A67-AD2E56B6FF60}" destId="{1696BE37-B6C2-4988-B7BC-E97C111D7F5B}" srcOrd="0" destOrd="0" presId="urn:microsoft.com/office/officeart/2009/3/layout/RandomtoResultProcess"/>
+    <dgm:cxn modelId="{4685132C-6AD0-4E49-A506-5BF1C276565C}" type="presOf" srcId="{E6CB2CE8-A27F-4D1B-A38E-C0F5C4DBA75E}" destId="{E7F57025-9D84-4F29-949C-036603744C5D}" srcOrd="0" destOrd="0" presId="urn:microsoft.com/office/officeart/2009/3/layout/RandomtoResultProcess"/>
+    <dgm:cxn modelId="{239AACFD-98D0-427F-B644-AD5517A1741A}" srcId="{E349C4EA-CE6F-4599-A4D6-A5D0B6FE7B78}" destId="{E4B7FD7C-D00C-427A-9A67-AD2E56B6FF60}" srcOrd="1" destOrd="0" parTransId="{CF6C8BA9-D3F0-4067-8BF6-A77CD70FC7CE}" sibTransId="{40707BF6-5B9D-43DC-B1A1-76FBBDBEA6F7}"/>
+    <dgm:cxn modelId="{6F709EDB-63F0-4DBE-B308-4A38F2A01412}" srcId="{E349C4EA-CE6F-4599-A4D6-A5D0B6FE7B78}" destId="{8F96BADC-7678-4BBA-BA14-501057EE8D6B}" srcOrd="0" destOrd="0" parTransId="{46875F61-3DB0-4F02-BCD2-3E3597125E31}" sibTransId="{1B157EB2-4DC7-4922-8C8D-0934E719F344}"/>
+    <dgm:cxn modelId="{6F310061-894B-4BBD-AE37-D8FD12E3A49A}" srcId="{8F96BADC-7678-4BBA-BA14-501057EE8D6B}" destId="{E6CB2CE8-A27F-4D1B-A38E-C0F5C4DBA75E}" srcOrd="0" destOrd="0" parTransId="{869E6118-8E76-49A7-BB3E-4E56572603A4}" sibTransId="{55BC8AA6-8C6D-4073-8FDD-11AE4800BEE9}"/>
+    <dgm:cxn modelId="{37025747-5594-46F8-B321-5F4ED2AEA0AF}" type="presOf" srcId="{E349C4EA-CE6F-4599-A4D6-A5D0B6FE7B78}" destId="{052AB095-625D-43DC-92D1-6A240A559CE3}" srcOrd="0" destOrd="0" presId="urn:microsoft.com/office/officeart/2009/3/layout/RandomtoResultProcess"/>
+    <dgm:cxn modelId="{4F716D3A-D746-4CB7-BF57-4AECBCA22E59}" srcId="{E4B7FD7C-D00C-427A-9A67-AD2E56B6FF60}" destId="{4FEDDCFF-64AF-41B1-AC60-5DAF86E60DEA}" srcOrd="0" destOrd="0" parTransId="{C63820AA-7FAA-45F8-8250-E3015AA2E98D}" sibTransId="{D1430994-6671-4713-87F1-26A18F644784}"/>
+    <dgm:cxn modelId="{25F0B220-7481-48FC-9692-29749B96189A}" type="presOf" srcId="{4FEDDCFF-64AF-41B1-AC60-5DAF86E60DEA}" destId="{9BDE8EC1-2EB9-401A-A3EC-B299062C71C2}" srcOrd="0" destOrd="0" presId="urn:microsoft.com/office/officeart/2009/3/layout/RandomtoResultProcess"/>
+    <dgm:cxn modelId="{14C7333B-3E74-4866-A8A1-57F9E8292BD7}" type="presParOf" srcId="{052AB095-625D-43DC-92D1-6A240A559CE3}" destId="{3D5A4C46-7895-42C7-8A73-5EFD1926CE59}" srcOrd="0" destOrd="0" presId="urn:microsoft.com/office/officeart/2009/3/layout/RandomtoResultProcess"/>
+    <dgm:cxn modelId="{03B01CD9-F2A4-4598-B724-B2B5D7AF9B0B}" type="presParOf" srcId="{3D5A4C46-7895-42C7-8A73-5EFD1926CE59}" destId="{9AE5D9A7-AF57-49F8-B565-A606168C1572}" srcOrd="0" destOrd="0" presId="urn:microsoft.com/office/officeart/2009/3/layout/RandomtoResultProcess"/>
+    <dgm:cxn modelId="{80623D8B-EA1B-4582-9534-8CCA55256379}" type="presParOf" srcId="{3D5A4C46-7895-42C7-8A73-5EFD1926CE59}" destId="{E7F57025-9D84-4F29-949C-036603744C5D}" srcOrd="1" destOrd="0" presId="urn:microsoft.com/office/officeart/2009/3/layout/RandomtoResultProcess"/>
+    <dgm:cxn modelId="{B06AC9E4-58FD-4379-8E92-E018CE62508A}" type="presParOf" srcId="{3D5A4C46-7895-42C7-8A73-5EFD1926CE59}" destId="{EAF6B5DE-31BF-4835-B271-B3C56E0B365D}" srcOrd="2" destOrd="0" presId="urn:microsoft.com/office/officeart/2009/3/layout/RandomtoResultProcess"/>
+    <dgm:cxn modelId="{4CFC7B5D-0F43-4618-B93C-366A362CDCA4}" type="presParOf" srcId="{3D5A4C46-7895-42C7-8A73-5EFD1926CE59}" destId="{8A58D266-7D83-474B-ADD8-32948A11BB4A}" srcOrd="3" destOrd="0" presId="urn:microsoft.com/office/officeart/2009/3/layout/RandomtoResultProcess"/>
+    <dgm:cxn modelId="{C8A73A18-F6BA-41BC-BF98-177BD73C38EE}" type="presParOf" srcId="{3D5A4C46-7895-42C7-8A73-5EFD1926CE59}" destId="{1F99C248-CC36-4CF3-A1B2-E2A4C6E71E3A}" srcOrd="4" destOrd="0" presId="urn:microsoft.com/office/officeart/2009/3/layout/RandomtoResultProcess"/>
+    <dgm:cxn modelId="{B53C9235-9BAC-455E-B25B-E5873B1FE5E1}" type="presParOf" srcId="{3D5A4C46-7895-42C7-8A73-5EFD1926CE59}" destId="{E3655DFA-286F-4043-96F4-CFF013F83B37}" srcOrd="5" destOrd="0" presId="urn:microsoft.com/office/officeart/2009/3/layout/RandomtoResultProcess"/>
+    <dgm:cxn modelId="{EE71B1B5-3D88-4E85-B64D-82B70A77A384}" type="presParOf" srcId="{3D5A4C46-7895-42C7-8A73-5EFD1926CE59}" destId="{99C4603D-128F-419F-935E-15C40390ED82}" srcOrd="6" destOrd="0" presId="urn:microsoft.com/office/officeart/2009/3/layout/RandomtoResultProcess"/>
+    <dgm:cxn modelId="{D9D15B35-F1FF-4C53-852E-7CAE87DA6E1F}" type="presParOf" srcId="{3D5A4C46-7895-42C7-8A73-5EFD1926CE59}" destId="{3D2DE75C-2B3C-4A45-9249-CDC8A17361F6}" srcOrd="7" destOrd="0" presId="urn:microsoft.com/office/officeart/2009/3/layout/RandomtoResultProcess"/>
+    <dgm:cxn modelId="{D4385A52-9650-4818-A7CF-C40F5815F7EA}" type="presParOf" srcId="{3D5A4C46-7895-42C7-8A73-5EFD1926CE59}" destId="{BB51C7C8-75D0-42C3-9206-652E437AE569}" srcOrd="8" destOrd="0" presId="urn:microsoft.com/office/officeart/2009/3/layout/RandomtoResultProcess"/>
+    <dgm:cxn modelId="{8EB01F37-9844-432F-939F-61CF03520CD0}" type="presParOf" srcId="{3D5A4C46-7895-42C7-8A73-5EFD1926CE59}" destId="{F12CEEBD-BB79-4E14-84E8-261384504C13}" srcOrd="9" destOrd="0" presId="urn:microsoft.com/office/officeart/2009/3/layout/RandomtoResultProcess"/>
+    <dgm:cxn modelId="{1E044547-199E-4A1D-8922-BF3E626CEF40}" type="presParOf" srcId="{3D5A4C46-7895-42C7-8A73-5EFD1926CE59}" destId="{F905F333-E19A-4176-BFB7-AF85A4572DBE}" srcOrd="10" destOrd="0" presId="urn:microsoft.com/office/officeart/2009/3/layout/RandomtoResultProcess"/>
+    <dgm:cxn modelId="{65A0663B-BAE6-4E79-A63A-221A99583F98}" type="presParOf" srcId="{3D5A4C46-7895-42C7-8A73-5EFD1926CE59}" destId="{C06C4FA8-EEE7-4D54-ABE9-997958C7595A}" srcOrd="11" destOrd="0" presId="urn:microsoft.com/office/officeart/2009/3/layout/RandomtoResultProcess"/>
+    <dgm:cxn modelId="{9BF3CA8D-EFE4-440A-A907-27B4FEC3EC2A}" type="presParOf" srcId="{3D5A4C46-7895-42C7-8A73-5EFD1926CE59}" destId="{4E5C555B-D289-4A40-B272-3126897E8EB4}" srcOrd="12" destOrd="0" presId="urn:microsoft.com/office/officeart/2009/3/layout/RandomtoResultProcess"/>
+    <dgm:cxn modelId="{4F35B9DC-54D9-4D04-891E-705E7779B0DB}" type="presParOf" srcId="{3D5A4C46-7895-42C7-8A73-5EFD1926CE59}" destId="{2224F4D2-7EF3-4DDF-B2C2-ECDC39AD98BD}" srcOrd="13" destOrd="0" presId="urn:microsoft.com/office/officeart/2009/3/layout/RandomtoResultProcess"/>
+    <dgm:cxn modelId="{2601D1E0-68DE-4F60-A33A-49A4A2A06B1B}" type="presParOf" srcId="{3D5A4C46-7895-42C7-8A73-5EFD1926CE59}" destId="{E45F83EB-B4B4-4ED3-AD19-F8254E67749A}" srcOrd="14" destOrd="0" presId="urn:microsoft.com/office/officeart/2009/3/layout/RandomtoResultProcess"/>
+    <dgm:cxn modelId="{1EAF341D-17DB-4117-97E1-9542302AD65D}" type="presParOf" srcId="{3D5A4C46-7895-42C7-8A73-5EFD1926CE59}" destId="{950A3D77-91BB-47E6-B42F-F9E046647194}" srcOrd="15" destOrd="0" presId="urn:microsoft.com/office/officeart/2009/3/layout/RandomtoResultProcess"/>
+    <dgm:cxn modelId="{B698C279-7E96-40F6-8196-36BB029A3A03}" type="presParOf" srcId="{3D5A4C46-7895-42C7-8A73-5EFD1926CE59}" destId="{4303E1B2-65C2-4855-9AB2-C1D66AA67ACE}" srcOrd="16" destOrd="0" presId="urn:microsoft.com/office/officeart/2009/3/layout/RandomtoResultProcess"/>
+    <dgm:cxn modelId="{78D148FE-B254-49D8-A390-196899F911D4}" type="presParOf" srcId="{3D5A4C46-7895-42C7-8A73-5EFD1926CE59}" destId="{F7D74827-C118-49F4-962C-3919544C46DC}" srcOrd="17" destOrd="0" presId="urn:microsoft.com/office/officeart/2009/3/layout/RandomtoResultProcess"/>
+    <dgm:cxn modelId="{6275B8E2-1AF0-410F-B792-9565305F8C16}" type="presParOf" srcId="{3D5A4C46-7895-42C7-8A73-5EFD1926CE59}" destId="{D6397E70-AC24-441E-B804-D5FE16A02751}" srcOrd="18" destOrd="0" presId="urn:microsoft.com/office/officeart/2009/3/layout/RandomtoResultProcess"/>
+    <dgm:cxn modelId="{9064FD42-C7D5-4CD4-88DD-39CD56636226}" type="presParOf" srcId="{3D5A4C46-7895-42C7-8A73-5EFD1926CE59}" destId="{F3CADF4B-7922-465F-8685-43C21B379B35}" srcOrd="19" destOrd="0" presId="urn:microsoft.com/office/officeart/2009/3/layout/RandomtoResultProcess"/>
+    <dgm:cxn modelId="{EF49B617-B662-46EF-A6F3-E2FF4B26D044}" type="presParOf" srcId="{052AB095-625D-43DC-92D1-6A240A559CE3}" destId="{ACDDABC6-E2D4-4C4A-B3A7-178CB666843E}" srcOrd="1" destOrd="0" presId="urn:microsoft.com/office/officeart/2009/3/layout/RandomtoResultProcess"/>
+    <dgm:cxn modelId="{22B80903-AD2F-4424-A5F0-32BA32273840}" type="presParOf" srcId="{ACDDABC6-E2D4-4C4A-B3A7-178CB666843E}" destId="{3808FFA2-32E8-4C73-ADEA-73CD61B73CCF}" srcOrd="0" destOrd="0" presId="urn:microsoft.com/office/officeart/2009/3/layout/RandomtoResultProcess"/>
+    <dgm:cxn modelId="{4DFB35C5-7ED3-49FC-AC72-B1761E562411}" type="presParOf" srcId="{ACDDABC6-E2D4-4C4A-B3A7-178CB666843E}" destId="{B3331CB7-8391-4E6C-A276-0311E8E564BE}" srcOrd="1" destOrd="0" presId="urn:microsoft.com/office/officeart/2009/3/layout/RandomtoResultProcess"/>
+    <dgm:cxn modelId="{2FC32207-6A07-4D5A-ACDC-5B1C6D2555B2}" type="presParOf" srcId="{052AB095-625D-43DC-92D1-6A240A559CE3}" destId="{D4D39E26-FE38-47B6-AC0E-76DA4E54B812}" srcOrd="2" destOrd="0" presId="urn:microsoft.com/office/officeart/2009/3/layout/RandomtoResultProcess"/>
+    <dgm:cxn modelId="{3229EA67-FBB7-469C-B7F4-F87F2EBCB0C2}" type="presParOf" srcId="{052AB095-625D-43DC-92D1-6A240A559CE3}" destId="{4335F6E7-3349-4057-83A6-979E797907BB}" srcOrd="3" destOrd="0" presId="urn:microsoft.com/office/officeart/2009/3/layout/RandomtoResultProcess"/>
+    <dgm:cxn modelId="{96218C2B-BA45-4295-B66D-C764B7016681}" type="presParOf" srcId="{4335F6E7-3349-4057-83A6-979E797907BB}" destId="{18E698AE-0A4D-4F8E-9B8C-188ED533853F}" srcOrd="0" destOrd="0" presId="urn:microsoft.com/office/officeart/2009/3/layout/RandomtoResultProcess"/>
+    <dgm:cxn modelId="{AF37E549-898E-4E70-B214-82BB34AF9CD6}" type="presParOf" srcId="{4335F6E7-3349-4057-83A6-979E797907BB}" destId="{F8D8BF16-D6A8-4433-A35D-69D6262FF734}" srcOrd="1" destOrd="0" presId="urn:microsoft.com/office/officeart/2009/3/layout/RandomtoResultProcess"/>
+    <dgm:cxn modelId="{54A75BDB-F2F0-48B3-8B3F-612F1C5478CE}" type="presParOf" srcId="{052AB095-625D-43DC-92D1-6A240A559CE3}" destId="{C5667222-B98A-4732-B7AE-135C29EA6185}" srcOrd="4" destOrd="0" presId="urn:microsoft.com/office/officeart/2009/3/layout/RandomtoResultProcess"/>
+    <dgm:cxn modelId="{E91B9347-FF83-4193-99D7-C8CDF44147F9}" type="presParOf" srcId="{C5667222-B98A-4732-B7AE-135C29EA6185}" destId="{1696BE37-B6C2-4988-B7BC-E97C111D7F5B}" srcOrd="0" destOrd="0" presId="urn:microsoft.com/office/officeart/2009/3/layout/RandomtoResultProcess"/>
+    <dgm:cxn modelId="{ADE9E235-3B3B-49ED-8F73-7121FB03468F}" type="presParOf" srcId="{C5667222-B98A-4732-B7AE-135C29EA6185}" destId="{9BDE8EC1-2EB9-401A-A3EC-B299062C71C2}" srcOrd="1" destOrd="0" presId="urn:microsoft.com/office/officeart/2009/3/layout/RandomtoResultProcess"/>
+    <dgm:cxn modelId="{2115523D-47B6-4265-89F8-64E3B26BE2AF}" type="presParOf" srcId="{C5667222-B98A-4732-B7AE-135C29EA6185}" destId="{AD3FA222-BE11-45B5-AC2A-FDD2BDC61FD6}" srcOrd="2" destOrd="0" presId="urn:microsoft.com/office/officeart/2009/3/layout/RandomtoResultProcess"/>
+  </dgm:cxnLst>
+  <dgm:bg/>
+  <dgm:whole/>
+  <dgm:extLst>
+    <a:ext uri="http://schemas.microsoft.com/office/drawing/2008/diagram">
+      <dsp:dataModelExt xmlns:dsp="http://schemas.microsoft.com/office/drawing/2008/diagram" relId="rId11" minVer="http://schemas.openxmlformats.org/drawingml/2006/diagram"/>
+    </a:ext>
+  </dgm:extLst>
+</dgm:dataModel>
+</file>
+
 <file path=ppt/diagrams/drawing1.xml><?xml version="1.0" encoding="utf-8"?>
 <dsp:drawing xmlns:dgm="http://schemas.openxmlformats.org/drawingml/2006/diagram" xmlns:dsp="http://schemas.microsoft.com/office/drawing/2008/diagram" xmlns:a="http://schemas.openxmlformats.org/drawingml/2006/main">
   <dsp:spTree>
@@ -2106,7 +4296,7 @@
             </a:spcAft>
           </a:pPr>
           <a:r>
-            <a:rPr lang="en-US" sz="1400" kern="1200" smtClean="0"/>
+            <a:rPr lang="en-US" sz="1400" kern="1200" dirty="0" smtClean="0"/>
             <a:t>Applications</a:t>
           </a:r>
           <a:endParaRPr lang="en-US" sz="1400" kern="1200" dirty="0"/>
@@ -2496,6 +4686,1692 @@
 </dsp:drawing>
 </file>
 
+<file path=ppt/diagrams/drawing2.xml><?xml version="1.0" encoding="utf-8"?>
+<dsp:drawing xmlns:dgm="http://schemas.openxmlformats.org/drawingml/2006/diagram" xmlns:dsp="http://schemas.microsoft.com/office/drawing/2008/diagram" xmlns:a="http://schemas.openxmlformats.org/drawingml/2006/main">
+  <dsp:spTree>
+    <dsp:nvGrpSpPr>
+      <dsp:cNvPr id="0" name=""/>
+      <dsp:cNvGrpSpPr/>
+    </dsp:nvGrpSpPr>
+    <dsp:grpSpPr/>
+    <dsp:sp modelId="{207176C4-A68B-4390-BE5B-5CC4732386B4}">
+      <dsp:nvSpPr>
+        <dsp:cNvPr id="0" name=""/>
+        <dsp:cNvSpPr/>
+      </dsp:nvSpPr>
+      <dsp:spPr>
+        <a:xfrm>
+          <a:off x="703991" y="-17299"/>
+          <a:ext cx="3392616" cy="3392616"/>
+        </a:xfrm>
+        <a:prstGeom prst="circularArrow">
+          <a:avLst>
+            <a:gd name="adj1" fmla="val 5544"/>
+            <a:gd name="adj2" fmla="val 330680"/>
+            <a:gd name="adj3" fmla="val 13863377"/>
+            <a:gd name="adj4" fmla="val 17332968"/>
+            <a:gd name="adj5" fmla="val 5757"/>
+          </a:avLst>
+        </a:prstGeom>
+        <a:solidFill>
+          <a:schemeClr val="accent1">
+            <a:tint val="40000"/>
+            <a:hueOff val="0"/>
+            <a:satOff val="0"/>
+            <a:lumOff val="0"/>
+            <a:alphaOff val="0"/>
+          </a:schemeClr>
+        </a:solidFill>
+        <a:ln>
+          <a:noFill/>
+        </a:ln>
+        <a:effectLst/>
+      </dsp:spPr>
+      <dsp:style>
+        <a:lnRef idx="0">
+          <a:scrgbClr r="0" g="0" b="0"/>
+        </a:lnRef>
+        <a:fillRef idx="1">
+          <a:scrgbClr r="0" g="0" b="0"/>
+        </a:fillRef>
+        <a:effectRef idx="0">
+          <a:scrgbClr r="0" g="0" b="0"/>
+        </a:effectRef>
+        <a:fontRef idx="minor"/>
+      </dsp:style>
+    </dsp:sp>
+    <dsp:sp modelId="{FC6F747A-E1D9-4147-9722-4F3A2DC55911}">
+      <dsp:nvSpPr>
+        <dsp:cNvPr id="0" name=""/>
+        <dsp:cNvSpPr/>
+      </dsp:nvSpPr>
+      <dsp:spPr>
+        <a:xfrm>
+          <a:off x="1636141" y="809"/>
+          <a:ext cx="1528316" cy="764158"/>
+        </a:xfrm>
+        <a:prstGeom prst="roundRect">
+          <a:avLst/>
+        </a:prstGeom>
+        <a:solidFill>
+          <a:schemeClr val="accent1">
+            <a:hueOff val="0"/>
+            <a:satOff val="0"/>
+            <a:lumOff val="0"/>
+            <a:alphaOff val="0"/>
+          </a:schemeClr>
+        </a:solidFill>
+        <a:ln w="15875" cap="flat" cmpd="sng" algn="ctr">
+          <a:solidFill>
+            <a:schemeClr val="lt1">
+              <a:hueOff val="0"/>
+              <a:satOff val="0"/>
+              <a:lumOff val="0"/>
+              <a:alphaOff val="0"/>
+            </a:schemeClr>
+          </a:solidFill>
+          <a:prstDash val="solid"/>
+        </a:ln>
+        <a:effectLst/>
+      </dsp:spPr>
+      <dsp:style>
+        <a:lnRef idx="2">
+          <a:scrgbClr r="0" g="0" b="0"/>
+        </a:lnRef>
+        <a:fillRef idx="1">
+          <a:scrgbClr r="0" g="0" b="0"/>
+        </a:fillRef>
+        <a:effectRef idx="0">
+          <a:scrgbClr r="0" g="0" b="0"/>
+        </a:effectRef>
+        <a:fontRef idx="minor">
+          <a:schemeClr val="lt1"/>
+        </a:fontRef>
+      </dsp:style>
+      <dsp:txBody>
+        <a:bodyPr spcFirstLastPara="0" vert="horz" wrap="square" lIns="38100" tIns="38100" rIns="38100" bIns="38100" numCol="1" spcCol="1270" anchor="ctr" anchorCtr="0">
+          <a:noAutofit/>
+        </a:bodyPr>
+        <a:lstStyle/>
+        <a:p>
+          <a:pPr lvl="0" algn="ctr" defTabSz="444500">
+            <a:lnSpc>
+              <a:spcPct val="90000"/>
+            </a:lnSpc>
+            <a:spcBef>
+              <a:spcPct val="0"/>
+            </a:spcBef>
+            <a:spcAft>
+              <a:spcPct val="35000"/>
+            </a:spcAft>
+          </a:pPr>
+          <a:r>
+            <a:rPr lang="en-US" sz="1000" kern="1200" dirty="0" smtClean="0"/>
+            <a:t>Pick  one constraint</a:t>
+          </a:r>
+          <a:endParaRPr lang="en-US" sz="1000" kern="1200" dirty="0"/>
+        </a:p>
+      </dsp:txBody>
+      <dsp:txXfrm>
+        <a:off x="1673444" y="38112"/>
+        <a:ext cx="1453710" cy="689552"/>
+      </dsp:txXfrm>
+    </dsp:sp>
+    <dsp:sp modelId="{9064C937-B3FF-48A4-A6DB-C4E799F4344A}">
+      <dsp:nvSpPr>
+        <dsp:cNvPr id="0" name=""/>
+        <dsp:cNvSpPr/>
+      </dsp:nvSpPr>
+      <dsp:spPr>
+        <a:xfrm>
+          <a:off x="3012078" y="1000485"/>
+          <a:ext cx="1528316" cy="764158"/>
+        </a:xfrm>
+        <a:prstGeom prst="roundRect">
+          <a:avLst/>
+        </a:prstGeom>
+        <a:solidFill>
+          <a:schemeClr val="accent1">
+            <a:hueOff val="0"/>
+            <a:satOff val="0"/>
+            <a:lumOff val="0"/>
+            <a:alphaOff val="0"/>
+          </a:schemeClr>
+        </a:solidFill>
+        <a:ln w="15875" cap="flat" cmpd="sng" algn="ctr">
+          <a:solidFill>
+            <a:schemeClr val="lt1">
+              <a:hueOff val="0"/>
+              <a:satOff val="0"/>
+              <a:lumOff val="0"/>
+              <a:alphaOff val="0"/>
+            </a:schemeClr>
+          </a:solidFill>
+          <a:prstDash val="solid"/>
+        </a:ln>
+        <a:effectLst/>
+      </dsp:spPr>
+      <dsp:style>
+        <a:lnRef idx="2">
+          <a:scrgbClr r="0" g="0" b="0"/>
+        </a:lnRef>
+        <a:fillRef idx="1">
+          <a:scrgbClr r="0" g="0" b="0"/>
+        </a:fillRef>
+        <a:effectRef idx="0">
+          <a:scrgbClr r="0" g="0" b="0"/>
+        </a:effectRef>
+        <a:fontRef idx="minor">
+          <a:schemeClr val="lt1"/>
+        </a:fontRef>
+      </dsp:style>
+      <dsp:txBody>
+        <a:bodyPr spcFirstLastPara="0" vert="horz" wrap="square" lIns="38100" tIns="38100" rIns="38100" bIns="38100" numCol="1" spcCol="1270" anchor="ctr" anchorCtr="0">
+          <a:noAutofit/>
+        </a:bodyPr>
+        <a:lstStyle/>
+        <a:p>
+          <a:pPr lvl="0" algn="ctr" defTabSz="444500">
+            <a:lnSpc>
+              <a:spcPct val="90000"/>
+            </a:lnSpc>
+            <a:spcBef>
+              <a:spcPct val="0"/>
+            </a:spcBef>
+            <a:spcAft>
+              <a:spcPct val="35000"/>
+            </a:spcAft>
+          </a:pPr>
+          <a:r>
+            <a:rPr lang="en-US" sz="1000" kern="1200" dirty="0" smtClean="0"/>
+            <a:t>Delete all triangles </a:t>
+          </a:r>
+          <a:r>
+            <a:rPr lang="en-US" sz="1000" kern="1200" dirty="0" smtClean="0"/>
+            <a:t>having an edge that intersects the constraint</a:t>
+          </a:r>
+          <a:endParaRPr lang="en-US" sz="1000" kern="1200" dirty="0"/>
+        </a:p>
+      </dsp:txBody>
+      <dsp:txXfrm>
+        <a:off x="3049381" y="1037788"/>
+        <a:ext cx="1453710" cy="689552"/>
+      </dsp:txXfrm>
+    </dsp:sp>
+    <dsp:sp modelId="{CC3CFDE4-E573-49DB-BDB6-FDE41C67E34A}">
+      <dsp:nvSpPr>
+        <dsp:cNvPr id="0" name=""/>
+        <dsp:cNvSpPr/>
+      </dsp:nvSpPr>
+      <dsp:spPr>
+        <a:xfrm>
+          <a:off x="2486517" y="2617995"/>
+          <a:ext cx="1528316" cy="764158"/>
+        </a:xfrm>
+        <a:prstGeom prst="roundRect">
+          <a:avLst/>
+        </a:prstGeom>
+        <a:solidFill>
+          <a:schemeClr val="accent1">
+            <a:hueOff val="0"/>
+            <a:satOff val="0"/>
+            <a:lumOff val="0"/>
+            <a:alphaOff val="0"/>
+          </a:schemeClr>
+        </a:solidFill>
+        <a:ln w="15875" cap="flat" cmpd="sng" algn="ctr">
+          <a:solidFill>
+            <a:schemeClr val="lt1">
+              <a:hueOff val="0"/>
+              <a:satOff val="0"/>
+              <a:lumOff val="0"/>
+              <a:alphaOff val="0"/>
+            </a:schemeClr>
+          </a:solidFill>
+          <a:prstDash val="solid"/>
+        </a:ln>
+        <a:effectLst/>
+      </dsp:spPr>
+      <dsp:style>
+        <a:lnRef idx="2">
+          <a:scrgbClr r="0" g="0" b="0"/>
+        </a:lnRef>
+        <a:fillRef idx="1">
+          <a:scrgbClr r="0" g="0" b="0"/>
+        </a:fillRef>
+        <a:effectRef idx="0">
+          <a:scrgbClr r="0" g="0" b="0"/>
+        </a:effectRef>
+        <a:fontRef idx="minor">
+          <a:schemeClr val="lt1"/>
+        </a:fontRef>
+      </dsp:style>
+      <dsp:txBody>
+        <a:bodyPr spcFirstLastPara="0" vert="horz" wrap="square" lIns="38100" tIns="38100" rIns="38100" bIns="38100" numCol="1" spcCol="1270" anchor="ctr" anchorCtr="0">
+          <a:noAutofit/>
+        </a:bodyPr>
+        <a:lstStyle/>
+        <a:p>
+          <a:pPr lvl="0" algn="ctr" defTabSz="444500">
+            <a:lnSpc>
+              <a:spcPct val="90000"/>
+            </a:lnSpc>
+            <a:spcBef>
+              <a:spcPct val="0"/>
+            </a:spcBef>
+            <a:spcAft>
+              <a:spcPct val="35000"/>
+            </a:spcAft>
+          </a:pPr>
+          <a:r>
+            <a:rPr lang="en-US" sz="1000" kern="1200" dirty="0" smtClean="0"/>
+            <a:t>Insert the constrained edge</a:t>
+          </a:r>
+          <a:endParaRPr lang="en-US" sz="1000" kern="1200" dirty="0"/>
+        </a:p>
+      </dsp:txBody>
+      <dsp:txXfrm>
+        <a:off x="2523820" y="2655298"/>
+        <a:ext cx="1453710" cy="689552"/>
+      </dsp:txXfrm>
+    </dsp:sp>
+    <dsp:sp modelId="{6D2B9EE5-CDBF-4D08-92D0-01A4D9CAB7A2}">
+      <dsp:nvSpPr>
+        <dsp:cNvPr id="0" name=""/>
+        <dsp:cNvSpPr/>
+      </dsp:nvSpPr>
+      <dsp:spPr>
+        <a:xfrm>
+          <a:off x="785766" y="2617995"/>
+          <a:ext cx="1528316" cy="764158"/>
+        </a:xfrm>
+        <a:prstGeom prst="roundRect">
+          <a:avLst/>
+        </a:prstGeom>
+        <a:solidFill>
+          <a:schemeClr val="accent1">
+            <a:hueOff val="0"/>
+            <a:satOff val="0"/>
+            <a:lumOff val="0"/>
+            <a:alphaOff val="0"/>
+          </a:schemeClr>
+        </a:solidFill>
+        <a:ln w="15875" cap="flat" cmpd="sng" algn="ctr">
+          <a:solidFill>
+            <a:schemeClr val="lt1">
+              <a:hueOff val="0"/>
+              <a:satOff val="0"/>
+              <a:lumOff val="0"/>
+              <a:alphaOff val="0"/>
+            </a:schemeClr>
+          </a:solidFill>
+          <a:prstDash val="solid"/>
+        </a:ln>
+        <a:effectLst/>
+      </dsp:spPr>
+      <dsp:style>
+        <a:lnRef idx="2">
+          <a:scrgbClr r="0" g="0" b="0"/>
+        </a:lnRef>
+        <a:fillRef idx="1">
+          <a:scrgbClr r="0" g="0" b="0"/>
+        </a:fillRef>
+        <a:effectRef idx="0">
+          <a:scrgbClr r="0" g="0" b="0"/>
+        </a:effectRef>
+        <a:fontRef idx="minor">
+          <a:schemeClr val="lt1"/>
+        </a:fontRef>
+      </dsp:style>
+      <dsp:txBody>
+        <a:bodyPr spcFirstLastPara="0" vert="horz" wrap="square" lIns="38100" tIns="38100" rIns="38100" bIns="38100" numCol="1" spcCol="1270" anchor="ctr" anchorCtr="0">
+          <a:noAutofit/>
+        </a:bodyPr>
+        <a:lstStyle/>
+        <a:p>
+          <a:pPr lvl="0" algn="ctr" defTabSz="444500">
+            <a:lnSpc>
+              <a:spcPct val="90000"/>
+            </a:lnSpc>
+            <a:spcBef>
+              <a:spcPct val="0"/>
+            </a:spcBef>
+            <a:spcAft>
+              <a:spcPct val="35000"/>
+            </a:spcAft>
+          </a:pPr>
+          <a:r>
+            <a:rPr lang="en-US" sz="1000" kern="1200" dirty="0" smtClean="0"/>
+            <a:t>Take two polygons created after triangles deletion and constraint edge insertion</a:t>
+          </a:r>
+          <a:endParaRPr lang="en-US" sz="1000" kern="1200" dirty="0"/>
+        </a:p>
+      </dsp:txBody>
+      <dsp:txXfrm>
+        <a:off x="823069" y="2655298"/>
+        <a:ext cx="1453710" cy="689552"/>
+      </dsp:txXfrm>
+    </dsp:sp>
+    <dsp:sp modelId="{827D3D2D-4767-484E-9372-8197BC522DAB}">
+      <dsp:nvSpPr>
+        <dsp:cNvPr id="0" name=""/>
+        <dsp:cNvSpPr/>
+      </dsp:nvSpPr>
+      <dsp:spPr>
+        <a:xfrm>
+          <a:off x="260205" y="1000485"/>
+          <a:ext cx="1528316" cy="764158"/>
+        </a:xfrm>
+        <a:prstGeom prst="roundRect">
+          <a:avLst/>
+        </a:prstGeom>
+        <a:solidFill>
+          <a:schemeClr val="accent1">
+            <a:hueOff val="0"/>
+            <a:satOff val="0"/>
+            <a:lumOff val="0"/>
+            <a:alphaOff val="0"/>
+          </a:schemeClr>
+        </a:solidFill>
+        <a:ln w="15875" cap="flat" cmpd="sng" algn="ctr">
+          <a:solidFill>
+            <a:schemeClr val="lt1">
+              <a:hueOff val="0"/>
+              <a:satOff val="0"/>
+              <a:lumOff val="0"/>
+              <a:alphaOff val="0"/>
+            </a:schemeClr>
+          </a:solidFill>
+          <a:prstDash val="solid"/>
+        </a:ln>
+        <a:effectLst/>
+      </dsp:spPr>
+      <dsp:style>
+        <a:lnRef idx="2">
+          <a:scrgbClr r="0" g="0" b="0"/>
+        </a:lnRef>
+        <a:fillRef idx="1">
+          <a:scrgbClr r="0" g="0" b="0"/>
+        </a:fillRef>
+        <a:effectRef idx="0">
+          <a:scrgbClr r="0" g="0" b="0"/>
+        </a:effectRef>
+        <a:fontRef idx="minor">
+          <a:schemeClr val="lt1"/>
+        </a:fontRef>
+      </dsp:style>
+      <dsp:txBody>
+        <a:bodyPr spcFirstLastPara="0" vert="horz" wrap="square" lIns="38100" tIns="38100" rIns="38100" bIns="38100" numCol="1" spcCol="1270" anchor="ctr" anchorCtr="0">
+          <a:noAutofit/>
+        </a:bodyPr>
+        <a:lstStyle/>
+        <a:p>
+          <a:pPr lvl="0" algn="ctr" defTabSz="444500">
+            <a:lnSpc>
+              <a:spcPct val="90000"/>
+            </a:lnSpc>
+            <a:spcBef>
+              <a:spcPct val="0"/>
+            </a:spcBef>
+            <a:spcAft>
+              <a:spcPct val="35000"/>
+            </a:spcAft>
+          </a:pPr>
+          <a:r>
+            <a:rPr lang="en-US" sz="1000" kern="1200" dirty="0" smtClean="0"/>
+            <a:t>Build partial triangulation for those polygons </a:t>
+          </a:r>
+          <a:endParaRPr lang="en-US" sz="1000" kern="1200" dirty="0"/>
+        </a:p>
+      </dsp:txBody>
+      <dsp:txXfrm>
+        <a:off x="297508" y="1037788"/>
+        <a:ext cx="1453710" cy="689552"/>
+      </dsp:txXfrm>
+    </dsp:sp>
+  </dsp:spTree>
+</dsp:drawing>
+</file>
+
+<file path=ppt/diagrams/drawing3.xml><?xml version="1.0" encoding="utf-8"?>
+<dsp:drawing xmlns:dgm="http://schemas.openxmlformats.org/drawingml/2006/diagram" xmlns:dsp="http://schemas.microsoft.com/office/drawing/2008/diagram" xmlns:a="http://schemas.openxmlformats.org/drawingml/2006/main">
+  <dsp:spTree>
+    <dsp:nvGrpSpPr>
+      <dsp:cNvPr id="0" name=""/>
+      <dsp:cNvGrpSpPr/>
+    </dsp:nvGrpSpPr>
+    <dsp:grpSpPr/>
+    <dsp:sp modelId="{9AE5D9A7-AF57-49F8-B565-A606168C1572}">
+      <dsp:nvSpPr>
+        <dsp:cNvPr id="0" name=""/>
+        <dsp:cNvSpPr/>
+      </dsp:nvSpPr>
+      <dsp:spPr>
+        <a:xfrm>
+          <a:off x="455847" y="471928"/>
+          <a:ext cx="1324288" cy="436413"/>
+        </a:xfrm>
+        <a:prstGeom prst="rect">
+          <a:avLst/>
+        </a:prstGeom>
+        <a:noFill/>
+        <a:ln>
+          <a:noFill/>
+        </a:ln>
+        <a:effectLst/>
+      </dsp:spPr>
+      <dsp:style>
+        <a:lnRef idx="0">
+          <a:scrgbClr r="0" g="0" b="0"/>
+        </a:lnRef>
+        <a:fillRef idx="0">
+          <a:scrgbClr r="0" g="0" b="0"/>
+        </a:fillRef>
+        <a:effectRef idx="0">
+          <a:scrgbClr r="0" g="0" b="0"/>
+        </a:effectRef>
+        <a:fontRef idx="minor"/>
+      </dsp:style>
+      <dsp:txBody>
+        <a:bodyPr spcFirstLastPara="0" vert="horz" wrap="square" lIns="34290" tIns="34290" rIns="34290" bIns="34290" numCol="1" spcCol="1270" anchor="ctr" anchorCtr="0">
+          <a:noAutofit/>
+        </a:bodyPr>
+        <a:lstStyle/>
+        <a:p>
+          <a:pPr lvl="0" algn="ctr" defTabSz="1200150">
+            <a:lnSpc>
+              <a:spcPct val="90000"/>
+            </a:lnSpc>
+            <a:spcBef>
+              <a:spcPct val="0"/>
+            </a:spcBef>
+            <a:spcAft>
+              <a:spcPct val="35000"/>
+            </a:spcAft>
+          </a:pPr>
+          <a:r>
+            <a:rPr lang="en-US" sz="2700" kern="1200" dirty="0" smtClean="0"/>
+            <a:t>Given</a:t>
+          </a:r>
+          <a:endParaRPr lang="en-US" sz="2700" kern="1200" dirty="0"/>
+        </a:p>
+      </dsp:txBody>
+      <dsp:txXfrm>
+        <a:off x="455847" y="471928"/>
+        <a:ext cx="1324288" cy="436413"/>
+      </dsp:txXfrm>
+    </dsp:sp>
+    <dsp:sp modelId="{E7F57025-9D84-4F29-949C-036603744C5D}">
+      <dsp:nvSpPr>
+        <dsp:cNvPr id="0" name=""/>
+        <dsp:cNvSpPr/>
+      </dsp:nvSpPr>
+      <dsp:spPr>
+        <a:xfrm>
+          <a:off x="455847" y="1392173"/>
+          <a:ext cx="1324288" cy="817626"/>
+        </a:xfrm>
+        <a:prstGeom prst="rect">
+          <a:avLst/>
+        </a:prstGeom>
+        <a:noFill/>
+        <a:ln>
+          <a:noFill/>
+        </a:ln>
+        <a:effectLst/>
+      </dsp:spPr>
+      <dsp:style>
+        <a:lnRef idx="0">
+          <a:scrgbClr r="0" g="0" b="0"/>
+        </a:lnRef>
+        <a:fillRef idx="0">
+          <a:scrgbClr r="0" g="0" b="0"/>
+        </a:fillRef>
+        <a:effectRef idx="0">
+          <a:scrgbClr r="0" g="0" b="0"/>
+        </a:effectRef>
+        <a:fontRef idx="minor"/>
+      </dsp:style>
+      <dsp:txBody>
+        <a:bodyPr spcFirstLastPara="0" vert="horz" wrap="square" lIns="22860" tIns="22860" rIns="22860" bIns="22860" numCol="1" spcCol="1270" anchor="ctr" anchorCtr="0">
+          <a:noAutofit/>
+        </a:bodyPr>
+        <a:lstStyle/>
+        <a:p>
+          <a:pPr lvl="0" algn="ctr" defTabSz="800100">
+            <a:lnSpc>
+              <a:spcPct val="90000"/>
+            </a:lnSpc>
+            <a:spcBef>
+              <a:spcPct val="0"/>
+            </a:spcBef>
+            <a:spcAft>
+              <a:spcPct val="35000"/>
+            </a:spcAft>
+          </a:pPr>
+          <a:r>
+            <a:rPr lang="en-US" sz="1800" kern="1200" dirty="0" smtClean="0"/>
+            <a:t>Set of points</a:t>
+          </a:r>
+          <a:endParaRPr lang="en-US" sz="1800" kern="1200" dirty="0"/>
+        </a:p>
+      </dsp:txBody>
+      <dsp:txXfrm>
+        <a:off x="455847" y="1392173"/>
+        <a:ext cx="1324288" cy="817626"/>
+      </dsp:txXfrm>
+    </dsp:sp>
+    <dsp:sp modelId="{EAF6B5DE-31BF-4835-B271-B3C56E0B365D}">
+      <dsp:nvSpPr>
+        <dsp:cNvPr id="0" name=""/>
+        <dsp:cNvSpPr/>
+      </dsp:nvSpPr>
+      <dsp:spPr>
+        <a:xfrm>
+          <a:off x="454343" y="339198"/>
+          <a:ext cx="105341" cy="105341"/>
+        </a:xfrm>
+        <a:prstGeom prst="ellipse">
+          <a:avLst/>
+        </a:prstGeom>
+        <a:solidFill>
+          <a:schemeClr val="accent1">
+            <a:hueOff val="0"/>
+            <a:satOff val="0"/>
+            <a:lumOff val="0"/>
+            <a:alphaOff val="0"/>
+          </a:schemeClr>
+        </a:solidFill>
+        <a:ln w="15875" cap="flat" cmpd="sng" algn="ctr">
+          <a:solidFill>
+            <a:schemeClr val="lt1">
+              <a:hueOff val="0"/>
+              <a:satOff val="0"/>
+              <a:lumOff val="0"/>
+              <a:alphaOff val="0"/>
+            </a:schemeClr>
+          </a:solidFill>
+          <a:prstDash val="solid"/>
+        </a:ln>
+        <a:effectLst/>
+      </dsp:spPr>
+      <dsp:style>
+        <a:lnRef idx="2">
+          <a:scrgbClr r="0" g="0" b="0"/>
+        </a:lnRef>
+        <a:fillRef idx="1">
+          <a:scrgbClr r="0" g="0" b="0"/>
+        </a:fillRef>
+        <a:effectRef idx="0">
+          <a:scrgbClr r="0" g="0" b="0"/>
+        </a:effectRef>
+        <a:fontRef idx="minor">
+          <a:schemeClr val="lt1"/>
+        </a:fontRef>
+      </dsp:style>
+    </dsp:sp>
+    <dsp:sp modelId="{8A58D266-7D83-474B-ADD8-32948A11BB4A}">
+      <dsp:nvSpPr>
+        <dsp:cNvPr id="0" name=""/>
+        <dsp:cNvSpPr/>
+      </dsp:nvSpPr>
+      <dsp:spPr>
+        <a:xfrm>
+          <a:off x="528081" y="191720"/>
+          <a:ext cx="105341" cy="105341"/>
+        </a:xfrm>
+        <a:prstGeom prst="ellipse">
+          <a:avLst/>
+        </a:prstGeom>
+        <a:solidFill>
+          <a:schemeClr val="accent1">
+            <a:hueOff val="0"/>
+            <a:satOff val="0"/>
+            <a:lumOff val="0"/>
+            <a:alphaOff val="0"/>
+          </a:schemeClr>
+        </a:solidFill>
+        <a:ln w="15875" cap="flat" cmpd="sng" algn="ctr">
+          <a:solidFill>
+            <a:schemeClr val="lt1">
+              <a:hueOff val="0"/>
+              <a:satOff val="0"/>
+              <a:lumOff val="0"/>
+              <a:alphaOff val="0"/>
+            </a:schemeClr>
+          </a:solidFill>
+          <a:prstDash val="solid"/>
+        </a:ln>
+        <a:effectLst/>
+      </dsp:spPr>
+      <dsp:style>
+        <a:lnRef idx="2">
+          <a:scrgbClr r="0" g="0" b="0"/>
+        </a:lnRef>
+        <a:fillRef idx="1">
+          <a:scrgbClr r="0" g="0" b="0"/>
+        </a:fillRef>
+        <a:effectRef idx="0">
+          <a:scrgbClr r="0" g="0" b="0"/>
+        </a:effectRef>
+        <a:fontRef idx="minor">
+          <a:schemeClr val="lt1"/>
+        </a:fontRef>
+      </dsp:style>
+    </dsp:sp>
+    <dsp:sp modelId="{1F99C248-CC36-4CF3-A1B2-E2A4C6E71E3A}">
+      <dsp:nvSpPr>
+        <dsp:cNvPr id="0" name=""/>
+        <dsp:cNvSpPr/>
+      </dsp:nvSpPr>
+      <dsp:spPr>
+        <a:xfrm>
+          <a:off x="705055" y="221216"/>
+          <a:ext cx="165536" cy="165536"/>
+        </a:xfrm>
+        <a:prstGeom prst="ellipse">
+          <a:avLst/>
+        </a:prstGeom>
+        <a:solidFill>
+          <a:schemeClr val="accent1">
+            <a:hueOff val="0"/>
+            <a:satOff val="0"/>
+            <a:lumOff val="0"/>
+            <a:alphaOff val="0"/>
+          </a:schemeClr>
+        </a:solidFill>
+        <a:ln w="15875" cap="flat" cmpd="sng" algn="ctr">
+          <a:solidFill>
+            <a:schemeClr val="lt1">
+              <a:hueOff val="0"/>
+              <a:satOff val="0"/>
+              <a:lumOff val="0"/>
+              <a:alphaOff val="0"/>
+            </a:schemeClr>
+          </a:solidFill>
+          <a:prstDash val="solid"/>
+        </a:ln>
+        <a:effectLst/>
+      </dsp:spPr>
+      <dsp:style>
+        <a:lnRef idx="2">
+          <a:scrgbClr r="0" g="0" b="0"/>
+        </a:lnRef>
+        <a:fillRef idx="1">
+          <a:scrgbClr r="0" g="0" b="0"/>
+        </a:fillRef>
+        <a:effectRef idx="0">
+          <a:scrgbClr r="0" g="0" b="0"/>
+        </a:effectRef>
+        <a:fontRef idx="minor">
+          <a:schemeClr val="lt1"/>
+        </a:fontRef>
+      </dsp:style>
+    </dsp:sp>
+    <dsp:sp modelId="{E3655DFA-286F-4043-96F4-CFF013F83B37}">
+      <dsp:nvSpPr>
+        <dsp:cNvPr id="0" name=""/>
+        <dsp:cNvSpPr/>
+      </dsp:nvSpPr>
+      <dsp:spPr>
+        <a:xfrm>
+          <a:off x="852532" y="58991"/>
+          <a:ext cx="105341" cy="105341"/>
+        </a:xfrm>
+        <a:prstGeom prst="ellipse">
+          <a:avLst/>
+        </a:prstGeom>
+        <a:solidFill>
+          <a:schemeClr val="accent1">
+            <a:hueOff val="0"/>
+            <a:satOff val="0"/>
+            <a:lumOff val="0"/>
+            <a:alphaOff val="0"/>
+          </a:schemeClr>
+        </a:solidFill>
+        <a:ln w="15875" cap="flat" cmpd="sng" algn="ctr">
+          <a:solidFill>
+            <a:schemeClr val="lt1">
+              <a:hueOff val="0"/>
+              <a:satOff val="0"/>
+              <a:lumOff val="0"/>
+              <a:alphaOff val="0"/>
+            </a:schemeClr>
+          </a:solidFill>
+          <a:prstDash val="solid"/>
+        </a:ln>
+        <a:effectLst/>
+      </dsp:spPr>
+      <dsp:style>
+        <a:lnRef idx="2">
+          <a:scrgbClr r="0" g="0" b="0"/>
+        </a:lnRef>
+        <a:fillRef idx="1">
+          <a:scrgbClr r="0" g="0" b="0"/>
+        </a:fillRef>
+        <a:effectRef idx="0">
+          <a:scrgbClr r="0" g="0" b="0"/>
+        </a:effectRef>
+        <a:fontRef idx="minor">
+          <a:schemeClr val="lt1"/>
+        </a:fontRef>
+      </dsp:style>
+    </dsp:sp>
+    <dsp:sp modelId="{99C4603D-128F-419F-935E-15C40390ED82}">
+      <dsp:nvSpPr>
+        <dsp:cNvPr id="0" name=""/>
+        <dsp:cNvSpPr/>
+      </dsp:nvSpPr>
+      <dsp:spPr>
+        <a:xfrm>
+          <a:off x="1044253" y="0"/>
+          <a:ext cx="105341" cy="105341"/>
+        </a:xfrm>
+        <a:prstGeom prst="ellipse">
+          <a:avLst/>
+        </a:prstGeom>
+        <a:solidFill>
+          <a:schemeClr val="accent1">
+            <a:hueOff val="0"/>
+            <a:satOff val="0"/>
+            <a:lumOff val="0"/>
+            <a:alphaOff val="0"/>
+          </a:schemeClr>
+        </a:solidFill>
+        <a:ln w="15875" cap="flat" cmpd="sng" algn="ctr">
+          <a:solidFill>
+            <a:schemeClr val="lt1">
+              <a:hueOff val="0"/>
+              <a:satOff val="0"/>
+              <a:lumOff val="0"/>
+              <a:alphaOff val="0"/>
+            </a:schemeClr>
+          </a:solidFill>
+          <a:prstDash val="solid"/>
+        </a:ln>
+        <a:effectLst/>
+      </dsp:spPr>
+      <dsp:style>
+        <a:lnRef idx="2">
+          <a:scrgbClr r="0" g="0" b="0"/>
+        </a:lnRef>
+        <a:fillRef idx="1">
+          <a:scrgbClr r="0" g="0" b="0"/>
+        </a:fillRef>
+        <a:effectRef idx="0">
+          <a:scrgbClr r="0" g="0" b="0"/>
+        </a:effectRef>
+        <a:fontRef idx="minor">
+          <a:schemeClr val="lt1"/>
+        </a:fontRef>
+      </dsp:style>
+    </dsp:sp>
+    <dsp:sp modelId="{3D2DE75C-2B3C-4A45-9249-CDC8A17361F6}">
+      <dsp:nvSpPr>
+        <dsp:cNvPr id="0" name=""/>
+        <dsp:cNvSpPr/>
+      </dsp:nvSpPr>
+      <dsp:spPr>
+        <a:xfrm>
+          <a:off x="1280217" y="103234"/>
+          <a:ext cx="105341" cy="105341"/>
+        </a:xfrm>
+        <a:prstGeom prst="ellipse">
+          <a:avLst/>
+        </a:prstGeom>
+        <a:solidFill>
+          <a:schemeClr val="accent1">
+            <a:hueOff val="0"/>
+            <a:satOff val="0"/>
+            <a:lumOff val="0"/>
+            <a:alphaOff val="0"/>
+          </a:schemeClr>
+        </a:solidFill>
+        <a:ln w="15875" cap="flat" cmpd="sng" algn="ctr">
+          <a:solidFill>
+            <a:schemeClr val="lt1">
+              <a:hueOff val="0"/>
+              <a:satOff val="0"/>
+              <a:lumOff val="0"/>
+              <a:alphaOff val="0"/>
+            </a:schemeClr>
+          </a:solidFill>
+          <a:prstDash val="solid"/>
+        </a:ln>
+        <a:effectLst/>
+      </dsp:spPr>
+      <dsp:style>
+        <a:lnRef idx="2">
+          <a:scrgbClr r="0" g="0" b="0"/>
+        </a:lnRef>
+        <a:fillRef idx="1">
+          <a:scrgbClr r="0" g="0" b="0"/>
+        </a:fillRef>
+        <a:effectRef idx="0">
+          <a:scrgbClr r="0" g="0" b="0"/>
+        </a:effectRef>
+        <a:fontRef idx="minor">
+          <a:schemeClr val="lt1"/>
+        </a:fontRef>
+      </dsp:style>
+    </dsp:sp>
+    <dsp:sp modelId="{BB51C7C8-75D0-42C3-9206-652E437AE569}">
+      <dsp:nvSpPr>
+        <dsp:cNvPr id="0" name=""/>
+        <dsp:cNvSpPr/>
+      </dsp:nvSpPr>
+      <dsp:spPr>
+        <a:xfrm>
+          <a:off x="1427695" y="176973"/>
+          <a:ext cx="165536" cy="165536"/>
+        </a:xfrm>
+        <a:prstGeom prst="ellipse">
+          <a:avLst/>
+        </a:prstGeom>
+        <a:solidFill>
+          <a:schemeClr val="accent1">
+            <a:hueOff val="0"/>
+            <a:satOff val="0"/>
+            <a:lumOff val="0"/>
+            <a:alphaOff val="0"/>
+          </a:schemeClr>
+        </a:solidFill>
+        <a:ln w="15875" cap="flat" cmpd="sng" algn="ctr">
+          <a:solidFill>
+            <a:schemeClr val="lt1">
+              <a:hueOff val="0"/>
+              <a:satOff val="0"/>
+              <a:lumOff val="0"/>
+              <a:alphaOff val="0"/>
+            </a:schemeClr>
+          </a:solidFill>
+          <a:prstDash val="solid"/>
+        </a:ln>
+        <a:effectLst/>
+      </dsp:spPr>
+      <dsp:style>
+        <a:lnRef idx="2">
+          <a:scrgbClr r="0" g="0" b="0"/>
+        </a:lnRef>
+        <a:fillRef idx="1">
+          <a:scrgbClr r="0" g="0" b="0"/>
+        </a:fillRef>
+        <a:effectRef idx="0">
+          <a:scrgbClr r="0" g="0" b="0"/>
+        </a:effectRef>
+        <a:fontRef idx="minor">
+          <a:schemeClr val="lt1"/>
+        </a:fontRef>
+      </dsp:style>
+    </dsp:sp>
+    <dsp:sp modelId="{F12CEEBD-BB79-4E14-84E8-261384504C13}">
+      <dsp:nvSpPr>
+        <dsp:cNvPr id="0" name=""/>
+        <dsp:cNvSpPr/>
+      </dsp:nvSpPr>
+      <dsp:spPr>
+        <a:xfrm>
+          <a:off x="1634164" y="339198"/>
+          <a:ext cx="105341" cy="105341"/>
+        </a:xfrm>
+        <a:prstGeom prst="ellipse">
+          <a:avLst/>
+        </a:prstGeom>
+        <a:solidFill>
+          <a:schemeClr val="accent1">
+            <a:hueOff val="0"/>
+            <a:satOff val="0"/>
+            <a:lumOff val="0"/>
+            <a:alphaOff val="0"/>
+          </a:schemeClr>
+        </a:solidFill>
+        <a:ln w="15875" cap="flat" cmpd="sng" algn="ctr">
+          <a:solidFill>
+            <a:schemeClr val="lt1">
+              <a:hueOff val="0"/>
+              <a:satOff val="0"/>
+              <a:lumOff val="0"/>
+              <a:alphaOff val="0"/>
+            </a:schemeClr>
+          </a:solidFill>
+          <a:prstDash val="solid"/>
+        </a:ln>
+        <a:effectLst/>
+      </dsp:spPr>
+      <dsp:style>
+        <a:lnRef idx="2">
+          <a:scrgbClr r="0" g="0" b="0"/>
+        </a:lnRef>
+        <a:fillRef idx="1">
+          <a:scrgbClr r="0" g="0" b="0"/>
+        </a:fillRef>
+        <a:effectRef idx="0">
+          <a:scrgbClr r="0" g="0" b="0"/>
+        </a:effectRef>
+        <a:fontRef idx="minor">
+          <a:schemeClr val="lt1"/>
+        </a:fontRef>
+      </dsp:style>
+    </dsp:sp>
+    <dsp:sp modelId="{F905F333-E19A-4176-BFB7-AF85A4572DBE}">
+      <dsp:nvSpPr>
+        <dsp:cNvPr id="0" name=""/>
+        <dsp:cNvSpPr/>
+      </dsp:nvSpPr>
+      <dsp:spPr>
+        <a:xfrm>
+          <a:off x="1722650" y="501423"/>
+          <a:ext cx="105341" cy="105341"/>
+        </a:xfrm>
+        <a:prstGeom prst="ellipse">
+          <a:avLst/>
+        </a:prstGeom>
+        <a:solidFill>
+          <a:schemeClr val="accent1">
+            <a:hueOff val="0"/>
+            <a:satOff val="0"/>
+            <a:lumOff val="0"/>
+            <a:alphaOff val="0"/>
+          </a:schemeClr>
+        </a:solidFill>
+        <a:ln w="15875" cap="flat" cmpd="sng" algn="ctr">
+          <a:solidFill>
+            <a:schemeClr val="lt1">
+              <a:hueOff val="0"/>
+              <a:satOff val="0"/>
+              <a:lumOff val="0"/>
+              <a:alphaOff val="0"/>
+            </a:schemeClr>
+          </a:solidFill>
+          <a:prstDash val="solid"/>
+        </a:ln>
+        <a:effectLst/>
+      </dsp:spPr>
+      <dsp:style>
+        <a:lnRef idx="2">
+          <a:scrgbClr r="0" g="0" b="0"/>
+        </a:lnRef>
+        <a:fillRef idx="1">
+          <a:scrgbClr r="0" g="0" b="0"/>
+        </a:fillRef>
+        <a:effectRef idx="0">
+          <a:scrgbClr r="0" g="0" b="0"/>
+        </a:effectRef>
+        <a:fontRef idx="minor">
+          <a:schemeClr val="lt1"/>
+        </a:fontRef>
+      </dsp:style>
+    </dsp:sp>
+    <dsp:sp modelId="{C06C4FA8-EEE7-4D54-ABE9-997958C7595A}">
+      <dsp:nvSpPr>
+        <dsp:cNvPr id="0" name=""/>
+        <dsp:cNvSpPr/>
+      </dsp:nvSpPr>
+      <dsp:spPr>
+        <a:xfrm>
+          <a:off x="955767" y="191720"/>
+          <a:ext cx="270877" cy="270877"/>
+        </a:xfrm>
+        <a:prstGeom prst="ellipse">
+          <a:avLst/>
+        </a:prstGeom>
+        <a:solidFill>
+          <a:schemeClr val="accent1">
+            <a:hueOff val="0"/>
+            <a:satOff val="0"/>
+            <a:lumOff val="0"/>
+            <a:alphaOff val="0"/>
+          </a:schemeClr>
+        </a:solidFill>
+        <a:ln w="15875" cap="flat" cmpd="sng" algn="ctr">
+          <a:solidFill>
+            <a:schemeClr val="lt1">
+              <a:hueOff val="0"/>
+              <a:satOff val="0"/>
+              <a:lumOff val="0"/>
+              <a:alphaOff val="0"/>
+            </a:schemeClr>
+          </a:solidFill>
+          <a:prstDash val="solid"/>
+        </a:ln>
+        <a:effectLst/>
+      </dsp:spPr>
+      <dsp:style>
+        <a:lnRef idx="2">
+          <a:scrgbClr r="0" g="0" b="0"/>
+        </a:lnRef>
+        <a:fillRef idx="1">
+          <a:scrgbClr r="0" g="0" b="0"/>
+        </a:fillRef>
+        <a:effectRef idx="0">
+          <a:scrgbClr r="0" g="0" b="0"/>
+        </a:effectRef>
+        <a:fontRef idx="minor">
+          <a:schemeClr val="lt1"/>
+        </a:fontRef>
+      </dsp:style>
+    </dsp:sp>
+    <dsp:sp modelId="{4E5C555B-D289-4A40-B272-3126897E8EB4}">
+      <dsp:nvSpPr>
+        <dsp:cNvPr id="0" name=""/>
+        <dsp:cNvSpPr/>
+      </dsp:nvSpPr>
+      <dsp:spPr>
+        <a:xfrm>
+          <a:off x="380604" y="752135"/>
+          <a:ext cx="105341" cy="105341"/>
+        </a:xfrm>
+        <a:prstGeom prst="ellipse">
+          <a:avLst/>
+        </a:prstGeom>
+        <a:solidFill>
+          <a:schemeClr val="accent1">
+            <a:hueOff val="0"/>
+            <a:satOff val="0"/>
+            <a:lumOff val="0"/>
+            <a:alphaOff val="0"/>
+          </a:schemeClr>
+        </a:solidFill>
+        <a:ln w="15875" cap="flat" cmpd="sng" algn="ctr">
+          <a:solidFill>
+            <a:schemeClr val="lt1">
+              <a:hueOff val="0"/>
+              <a:satOff val="0"/>
+              <a:lumOff val="0"/>
+              <a:alphaOff val="0"/>
+            </a:schemeClr>
+          </a:solidFill>
+          <a:prstDash val="solid"/>
+        </a:ln>
+        <a:effectLst/>
+      </dsp:spPr>
+      <dsp:style>
+        <a:lnRef idx="2">
+          <a:scrgbClr r="0" g="0" b="0"/>
+        </a:lnRef>
+        <a:fillRef idx="1">
+          <a:scrgbClr r="0" g="0" b="0"/>
+        </a:fillRef>
+        <a:effectRef idx="0">
+          <a:scrgbClr r="0" g="0" b="0"/>
+        </a:effectRef>
+        <a:fontRef idx="minor">
+          <a:schemeClr val="lt1"/>
+        </a:fontRef>
+      </dsp:style>
+    </dsp:sp>
+    <dsp:sp modelId="{2224F4D2-7EF3-4DDF-B2C2-ECDC39AD98BD}">
+      <dsp:nvSpPr>
+        <dsp:cNvPr id="0" name=""/>
+        <dsp:cNvSpPr/>
+      </dsp:nvSpPr>
+      <dsp:spPr>
+        <a:xfrm>
+          <a:off x="469090" y="884865"/>
+          <a:ext cx="165536" cy="165536"/>
+        </a:xfrm>
+        <a:prstGeom prst="ellipse">
+          <a:avLst/>
+        </a:prstGeom>
+        <a:solidFill>
+          <a:schemeClr val="accent1">
+            <a:hueOff val="0"/>
+            <a:satOff val="0"/>
+            <a:lumOff val="0"/>
+            <a:alphaOff val="0"/>
+          </a:schemeClr>
+        </a:solidFill>
+        <a:ln w="15875" cap="flat" cmpd="sng" algn="ctr">
+          <a:solidFill>
+            <a:schemeClr val="lt1">
+              <a:hueOff val="0"/>
+              <a:satOff val="0"/>
+              <a:lumOff val="0"/>
+              <a:alphaOff val="0"/>
+            </a:schemeClr>
+          </a:solidFill>
+          <a:prstDash val="solid"/>
+        </a:ln>
+        <a:effectLst/>
+      </dsp:spPr>
+      <dsp:style>
+        <a:lnRef idx="2">
+          <a:scrgbClr r="0" g="0" b="0"/>
+        </a:lnRef>
+        <a:fillRef idx="1">
+          <a:scrgbClr r="0" g="0" b="0"/>
+        </a:fillRef>
+        <a:effectRef idx="0">
+          <a:scrgbClr r="0" g="0" b="0"/>
+        </a:effectRef>
+        <a:fontRef idx="minor">
+          <a:schemeClr val="lt1"/>
+        </a:fontRef>
+      </dsp:style>
+    </dsp:sp>
+    <dsp:sp modelId="{E45F83EB-B4B4-4ED3-AD19-F8254E67749A}">
+      <dsp:nvSpPr>
+        <dsp:cNvPr id="0" name=""/>
+        <dsp:cNvSpPr/>
+      </dsp:nvSpPr>
+      <dsp:spPr>
+        <a:xfrm>
+          <a:off x="690307" y="1002847"/>
+          <a:ext cx="240779" cy="240779"/>
+        </a:xfrm>
+        <a:prstGeom prst="ellipse">
+          <a:avLst/>
+        </a:prstGeom>
+        <a:solidFill>
+          <a:schemeClr val="accent1">
+            <a:hueOff val="0"/>
+            <a:satOff val="0"/>
+            <a:lumOff val="0"/>
+            <a:alphaOff val="0"/>
+          </a:schemeClr>
+        </a:solidFill>
+        <a:ln w="15875" cap="flat" cmpd="sng" algn="ctr">
+          <a:solidFill>
+            <a:schemeClr val="lt1">
+              <a:hueOff val="0"/>
+              <a:satOff val="0"/>
+              <a:lumOff val="0"/>
+              <a:alphaOff val="0"/>
+            </a:schemeClr>
+          </a:solidFill>
+          <a:prstDash val="solid"/>
+        </a:ln>
+        <a:effectLst/>
+      </dsp:spPr>
+      <dsp:style>
+        <a:lnRef idx="2">
+          <a:scrgbClr r="0" g="0" b="0"/>
+        </a:lnRef>
+        <a:fillRef idx="1">
+          <a:scrgbClr r="0" g="0" b="0"/>
+        </a:fillRef>
+        <a:effectRef idx="0">
+          <a:scrgbClr r="0" g="0" b="0"/>
+        </a:effectRef>
+        <a:fontRef idx="minor">
+          <a:schemeClr val="lt1"/>
+        </a:fontRef>
+      </dsp:style>
+    </dsp:sp>
+    <dsp:sp modelId="{950A3D77-91BB-47E6-B42F-F9E046647194}">
+      <dsp:nvSpPr>
+        <dsp:cNvPr id="0" name=""/>
+        <dsp:cNvSpPr/>
+      </dsp:nvSpPr>
+      <dsp:spPr>
+        <a:xfrm>
+          <a:off x="1000010" y="1194568"/>
+          <a:ext cx="105341" cy="105341"/>
+        </a:xfrm>
+        <a:prstGeom prst="ellipse">
+          <a:avLst/>
+        </a:prstGeom>
+        <a:solidFill>
+          <a:schemeClr val="accent1">
+            <a:hueOff val="0"/>
+            <a:satOff val="0"/>
+            <a:lumOff val="0"/>
+            <a:alphaOff val="0"/>
+          </a:schemeClr>
+        </a:solidFill>
+        <a:ln w="15875" cap="flat" cmpd="sng" algn="ctr">
+          <a:solidFill>
+            <a:schemeClr val="lt1">
+              <a:hueOff val="0"/>
+              <a:satOff val="0"/>
+              <a:lumOff val="0"/>
+              <a:alphaOff val="0"/>
+            </a:schemeClr>
+          </a:solidFill>
+          <a:prstDash val="solid"/>
+        </a:ln>
+        <a:effectLst/>
+      </dsp:spPr>
+      <dsp:style>
+        <a:lnRef idx="2">
+          <a:scrgbClr r="0" g="0" b="0"/>
+        </a:lnRef>
+        <a:fillRef idx="1">
+          <a:scrgbClr r="0" g="0" b="0"/>
+        </a:fillRef>
+        <a:effectRef idx="0">
+          <a:scrgbClr r="0" g="0" b="0"/>
+        </a:effectRef>
+        <a:fontRef idx="minor">
+          <a:schemeClr val="lt1"/>
+        </a:fontRef>
+      </dsp:style>
+    </dsp:sp>
+    <dsp:sp modelId="{4303E1B2-65C2-4855-9AB2-C1D66AA67ACE}">
+      <dsp:nvSpPr>
+        <dsp:cNvPr id="0" name=""/>
+        <dsp:cNvSpPr/>
+      </dsp:nvSpPr>
+      <dsp:spPr>
+        <a:xfrm>
+          <a:off x="1059001" y="1002847"/>
+          <a:ext cx="165536" cy="165536"/>
+        </a:xfrm>
+        <a:prstGeom prst="ellipse">
+          <a:avLst/>
+        </a:prstGeom>
+        <a:solidFill>
+          <a:schemeClr val="accent1">
+            <a:hueOff val="0"/>
+            <a:satOff val="0"/>
+            <a:lumOff val="0"/>
+            <a:alphaOff val="0"/>
+          </a:schemeClr>
+        </a:solidFill>
+        <a:ln w="15875" cap="flat" cmpd="sng" algn="ctr">
+          <a:solidFill>
+            <a:schemeClr val="lt1">
+              <a:hueOff val="0"/>
+              <a:satOff val="0"/>
+              <a:lumOff val="0"/>
+              <a:alphaOff val="0"/>
+            </a:schemeClr>
+          </a:solidFill>
+          <a:prstDash val="solid"/>
+        </a:ln>
+        <a:effectLst/>
+      </dsp:spPr>
+      <dsp:style>
+        <a:lnRef idx="2">
+          <a:scrgbClr r="0" g="0" b="0"/>
+        </a:lnRef>
+        <a:fillRef idx="1">
+          <a:scrgbClr r="0" g="0" b="0"/>
+        </a:fillRef>
+        <a:effectRef idx="0">
+          <a:scrgbClr r="0" g="0" b="0"/>
+        </a:effectRef>
+        <a:fontRef idx="minor">
+          <a:schemeClr val="lt1"/>
+        </a:fontRef>
+      </dsp:style>
+    </dsp:sp>
+    <dsp:sp modelId="{F7D74827-C118-49F4-962C-3919544C46DC}">
+      <dsp:nvSpPr>
+        <dsp:cNvPr id="0" name=""/>
+        <dsp:cNvSpPr/>
+      </dsp:nvSpPr>
+      <dsp:spPr>
+        <a:xfrm>
+          <a:off x="1206478" y="1209316"/>
+          <a:ext cx="105341" cy="105341"/>
+        </a:xfrm>
+        <a:prstGeom prst="ellipse">
+          <a:avLst/>
+        </a:prstGeom>
+        <a:solidFill>
+          <a:schemeClr val="accent1">
+            <a:hueOff val="0"/>
+            <a:satOff val="0"/>
+            <a:lumOff val="0"/>
+            <a:alphaOff val="0"/>
+          </a:schemeClr>
+        </a:solidFill>
+        <a:ln w="15875" cap="flat" cmpd="sng" algn="ctr">
+          <a:solidFill>
+            <a:schemeClr val="lt1">
+              <a:hueOff val="0"/>
+              <a:satOff val="0"/>
+              <a:lumOff val="0"/>
+              <a:alphaOff val="0"/>
+            </a:schemeClr>
+          </a:solidFill>
+          <a:prstDash val="solid"/>
+        </a:ln>
+        <a:effectLst/>
+      </dsp:spPr>
+      <dsp:style>
+        <a:lnRef idx="2">
+          <a:scrgbClr r="0" g="0" b="0"/>
+        </a:lnRef>
+        <a:fillRef idx="1">
+          <a:scrgbClr r="0" g="0" b="0"/>
+        </a:fillRef>
+        <a:effectRef idx="0">
+          <a:scrgbClr r="0" g="0" b="0"/>
+        </a:effectRef>
+        <a:fontRef idx="minor">
+          <a:schemeClr val="lt1"/>
+        </a:fontRef>
+      </dsp:style>
+    </dsp:sp>
+    <dsp:sp modelId="{D6397E70-AC24-441E-B804-D5FE16A02751}">
+      <dsp:nvSpPr>
+        <dsp:cNvPr id="0" name=""/>
+        <dsp:cNvSpPr/>
+      </dsp:nvSpPr>
+      <dsp:spPr>
+        <a:xfrm>
+          <a:off x="1339208" y="973352"/>
+          <a:ext cx="240779" cy="240779"/>
+        </a:xfrm>
+        <a:prstGeom prst="ellipse">
+          <a:avLst/>
+        </a:prstGeom>
+        <a:solidFill>
+          <a:schemeClr val="accent1">
+            <a:hueOff val="0"/>
+            <a:satOff val="0"/>
+            <a:lumOff val="0"/>
+            <a:alphaOff val="0"/>
+          </a:schemeClr>
+        </a:solidFill>
+        <a:ln w="15875" cap="flat" cmpd="sng" algn="ctr">
+          <a:solidFill>
+            <a:schemeClr val="lt1">
+              <a:hueOff val="0"/>
+              <a:satOff val="0"/>
+              <a:lumOff val="0"/>
+              <a:alphaOff val="0"/>
+            </a:schemeClr>
+          </a:solidFill>
+          <a:prstDash val="solid"/>
+        </a:ln>
+        <a:effectLst/>
+      </dsp:spPr>
+      <dsp:style>
+        <a:lnRef idx="2">
+          <a:scrgbClr r="0" g="0" b="0"/>
+        </a:lnRef>
+        <a:fillRef idx="1">
+          <a:scrgbClr r="0" g="0" b="0"/>
+        </a:fillRef>
+        <a:effectRef idx="0">
+          <a:scrgbClr r="0" g="0" b="0"/>
+        </a:effectRef>
+        <a:fontRef idx="minor">
+          <a:schemeClr val="lt1"/>
+        </a:fontRef>
+      </dsp:style>
+    </dsp:sp>
+    <dsp:sp modelId="{F3CADF4B-7922-465F-8685-43C21B379B35}">
+      <dsp:nvSpPr>
+        <dsp:cNvPr id="0" name=""/>
+        <dsp:cNvSpPr/>
+      </dsp:nvSpPr>
+      <dsp:spPr>
+        <a:xfrm>
+          <a:off x="1663659" y="914361"/>
+          <a:ext cx="165536" cy="165536"/>
+        </a:xfrm>
+        <a:prstGeom prst="ellipse">
+          <a:avLst/>
+        </a:prstGeom>
+        <a:solidFill>
+          <a:schemeClr val="accent1">
+            <a:hueOff val="0"/>
+            <a:satOff val="0"/>
+            <a:lumOff val="0"/>
+            <a:alphaOff val="0"/>
+          </a:schemeClr>
+        </a:solidFill>
+        <a:ln w="15875" cap="flat" cmpd="sng" algn="ctr">
+          <a:solidFill>
+            <a:schemeClr val="lt1">
+              <a:hueOff val="0"/>
+              <a:satOff val="0"/>
+              <a:lumOff val="0"/>
+              <a:alphaOff val="0"/>
+            </a:schemeClr>
+          </a:solidFill>
+          <a:prstDash val="solid"/>
+        </a:ln>
+        <a:effectLst/>
+      </dsp:spPr>
+      <dsp:style>
+        <a:lnRef idx="2">
+          <a:scrgbClr r="0" g="0" b="0"/>
+        </a:lnRef>
+        <a:fillRef idx="1">
+          <a:scrgbClr r="0" g="0" b="0"/>
+        </a:fillRef>
+        <a:effectRef idx="0">
+          <a:scrgbClr r="0" g="0" b="0"/>
+        </a:effectRef>
+        <a:fontRef idx="minor">
+          <a:schemeClr val="lt1"/>
+        </a:fontRef>
+      </dsp:style>
+    </dsp:sp>
+    <dsp:sp modelId="{3808FFA2-32E8-4C73-ADEA-73CD61B73CCF}">
+      <dsp:nvSpPr>
+        <dsp:cNvPr id="0" name=""/>
+        <dsp:cNvSpPr/>
+      </dsp:nvSpPr>
+      <dsp:spPr>
+        <a:xfrm>
+          <a:off x="1829195" y="220971"/>
+          <a:ext cx="486156" cy="928124"/>
+        </a:xfrm>
+        <a:prstGeom prst="chevron">
+          <a:avLst>
+            <a:gd name="adj" fmla="val 62310"/>
+          </a:avLst>
+        </a:prstGeom>
+        <a:solidFill>
+          <a:schemeClr val="accent1">
+            <a:tint val="60000"/>
+            <a:hueOff val="0"/>
+            <a:satOff val="0"/>
+            <a:lumOff val="0"/>
+            <a:alphaOff val="0"/>
+          </a:schemeClr>
+        </a:solidFill>
+        <a:ln>
+          <a:noFill/>
+        </a:ln>
+        <a:effectLst/>
+      </dsp:spPr>
+      <dsp:style>
+        <a:lnRef idx="0">
+          <a:scrgbClr r="0" g="0" b="0"/>
+        </a:lnRef>
+        <a:fillRef idx="1">
+          <a:scrgbClr r="0" g="0" b="0"/>
+        </a:fillRef>
+        <a:effectRef idx="0">
+          <a:scrgbClr r="0" g="0" b="0"/>
+        </a:effectRef>
+        <a:fontRef idx="minor">
+          <a:schemeClr val="lt1"/>
+        </a:fontRef>
+      </dsp:style>
+    </dsp:sp>
+    <dsp:sp modelId="{18E698AE-0A4D-4F8E-9B8C-188ED533853F}">
+      <dsp:nvSpPr>
+        <dsp:cNvPr id="0" name=""/>
+        <dsp:cNvSpPr/>
+      </dsp:nvSpPr>
+      <dsp:spPr>
+        <a:xfrm>
+          <a:off x="2226959" y="220971"/>
+          <a:ext cx="486156" cy="928124"/>
+        </a:xfrm>
+        <a:prstGeom prst="chevron">
+          <a:avLst>
+            <a:gd name="adj" fmla="val 62310"/>
+          </a:avLst>
+        </a:prstGeom>
+        <a:solidFill>
+          <a:schemeClr val="accent1">
+            <a:tint val="60000"/>
+            <a:hueOff val="0"/>
+            <a:satOff val="0"/>
+            <a:lumOff val="0"/>
+            <a:alphaOff val="0"/>
+          </a:schemeClr>
+        </a:solidFill>
+        <a:ln>
+          <a:noFill/>
+        </a:ln>
+        <a:effectLst/>
+      </dsp:spPr>
+      <dsp:style>
+        <a:lnRef idx="0">
+          <a:scrgbClr r="0" g="0" b="0"/>
+        </a:lnRef>
+        <a:fillRef idx="1">
+          <a:scrgbClr r="0" g="0" b="0"/>
+        </a:fillRef>
+        <a:effectRef idx="0">
+          <a:scrgbClr r="0" g="0" b="0"/>
+        </a:effectRef>
+        <a:fontRef idx="minor">
+          <a:schemeClr val="lt1"/>
+        </a:fontRef>
+      </dsp:style>
+    </dsp:sp>
+    <dsp:sp modelId="{1696BE37-B6C2-4988-B7BC-E97C111D7F5B}">
+      <dsp:nvSpPr>
+        <dsp:cNvPr id="0" name=""/>
+        <dsp:cNvSpPr/>
+      </dsp:nvSpPr>
+      <dsp:spPr>
+        <a:xfrm>
+          <a:off x="2812556" y="155127"/>
+          <a:ext cx="1126998" cy="1126998"/>
+        </a:xfrm>
+        <a:prstGeom prst="ellipse">
+          <a:avLst/>
+        </a:prstGeom>
+        <a:solidFill>
+          <a:schemeClr val="accent1">
+            <a:hueOff val="0"/>
+            <a:satOff val="0"/>
+            <a:lumOff val="0"/>
+            <a:alphaOff val="0"/>
+          </a:schemeClr>
+        </a:solidFill>
+        <a:ln w="15875" cap="flat" cmpd="sng" algn="ctr">
+          <a:solidFill>
+            <a:schemeClr val="lt1">
+              <a:hueOff val="0"/>
+              <a:satOff val="0"/>
+              <a:lumOff val="0"/>
+              <a:alphaOff val="0"/>
+            </a:schemeClr>
+          </a:solidFill>
+          <a:prstDash val="solid"/>
+        </a:ln>
+        <a:effectLst/>
+      </dsp:spPr>
+      <dsp:style>
+        <a:lnRef idx="2">
+          <a:scrgbClr r="0" g="0" b="0"/>
+        </a:lnRef>
+        <a:fillRef idx="1">
+          <a:scrgbClr r="0" g="0" b="0"/>
+        </a:fillRef>
+        <a:effectRef idx="0">
+          <a:scrgbClr r="0" g="0" b="0"/>
+        </a:effectRef>
+        <a:fontRef idx="minor">
+          <a:schemeClr val="lt1"/>
+        </a:fontRef>
+      </dsp:style>
+      <dsp:txBody>
+        <a:bodyPr spcFirstLastPara="0" vert="horz" wrap="square" lIns="0" tIns="0" rIns="0" bIns="0" numCol="1" spcCol="1270" anchor="ctr" anchorCtr="0">
+          <a:noAutofit/>
+        </a:bodyPr>
+        <a:lstStyle/>
+        <a:p>
+          <a:pPr lvl="0" algn="ctr" defTabSz="1200150">
+            <a:lnSpc>
+              <a:spcPct val="90000"/>
+            </a:lnSpc>
+            <a:spcBef>
+              <a:spcPct val="0"/>
+            </a:spcBef>
+            <a:spcAft>
+              <a:spcPct val="35000"/>
+            </a:spcAft>
+          </a:pPr>
+          <a:r>
+            <a:rPr lang="en-US" sz="2700" kern="1200" dirty="0" smtClean="0"/>
+            <a:t>Build</a:t>
+          </a:r>
+          <a:endParaRPr lang="en-US" sz="2700" kern="1200" dirty="0"/>
+        </a:p>
+      </dsp:txBody>
+      <dsp:txXfrm>
+        <a:off x="2977601" y="320172"/>
+        <a:ext cx="796908" cy="796908"/>
+      </dsp:txXfrm>
+    </dsp:sp>
+    <dsp:sp modelId="{9BDE8EC1-2EB9-401A-A3EC-B299062C71C2}">
+      <dsp:nvSpPr>
+        <dsp:cNvPr id="0" name=""/>
+        <dsp:cNvSpPr/>
+      </dsp:nvSpPr>
+      <dsp:spPr>
+        <a:xfrm>
+          <a:off x="2713115" y="1392173"/>
+          <a:ext cx="1325879" cy="817626"/>
+        </a:xfrm>
+        <a:prstGeom prst="rect">
+          <a:avLst/>
+        </a:prstGeom>
+        <a:noFill/>
+        <a:ln>
+          <a:noFill/>
+        </a:ln>
+        <a:effectLst/>
+      </dsp:spPr>
+      <dsp:style>
+        <a:lnRef idx="0">
+          <a:scrgbClr r="0" g="0" b="0"/>
+        </a:lnRef>
+        <a:fillRef idx="0">
+          <a:scrgbClr r="0" g="0" b="0"/>
+        </a:fillRef>
+        <a:effectRef idx="0">
+          <a:scrgbClr r="0" g="0" b="0"/>
+        </a:effectRef>
+        <a:fontRef idx="minor"/>
+      </dsp:style>
+      <dsp:txBody>
+        <a:bodyPr spcFirstLastPara="0" vert="horz" wrap="square" lIns="21590" tIns="21590" rIns="21590" bIns="21590" numCol="1" spcCol="1270" anchor="ctr" anchorCtr="0">
+          <a:noAutofit/>
+        </a:bodyPr>
+        <a:lstStyle/>
+        <a:p>
+          <a:pPr lvl="0" algn="ctr" defTabSz="755650">
+            <a:lnSpc>
+              <a:spcPct val="90000"/>
+            </a:lnSpc>
+            <a:spcBef>
+              <a:spcPct val="0"/>
+            </a:spcBef>
+            <a:spcAft>
+              <a:spcPct val="35000"/>
+            </a:spcAft>
+          </a:pPr>
+          <a:r>
+            <a:rPr lang="en-US" sz="1700" kern="1200" smtClean="0"/>
+            <a:t>Delaunay Triangulation</a:t>
+          </a:r>
+          <a:endParaRPr lang="en-US" sz="1700" kern="1200" dirty="0"/>
+        </a:p>
+      </dsp:txBody>
+      <dsp:txXfrm>
+        <a:off x="2713115" y="1392173"/>
+        <a:ext cx="1325879" cy="817626"/>
+      </dsp:txXfrm>
+    </dsp:sp>
+  </dsp:spTree>
+</dsp:drawing>
+</file>
+
 <file path=ppt/diagrams/layout1.xml><?xml version="1.0" encoding="utf-8"?>
 <dgm:layoutDef xmlns:dgm="http://schemas.openxmlformats.org/drawingml/2006/diagram" xmlns:a="http://schemas.openxmlformats.org/drawingml/2006/main" uniqueId="urn:microsoft.com/office/officeart/2005/8/layout/list1">
   <dgm:title val=""/>
@@ -2721,7 +6597,3138 @@
 </dgm:layoutDef>
 </file>
 
+<file path=ppt/diagrams/layout2.xml><?xml version="1.0" encoding="utf-8"?>
+<dgm:layoutDef xmlns:dgm="http://schemas.openxmlformats.org/drawingml/2006/diagram" xmlns:a="http://schemas.openxmlformats.org/drawingml/2006/main" uniqueId="urn:microsoft.com/office/officeart/2005/8/layout/cycle3">
+  <dgm:title val=""/>
+  <dgm:desc val=""/>
+  <dgm:catLst>
+    <dgm:cat type="cycle" pri="5000"/>
+  </dgm:catLst>
+  <dgm:sampData>
+    <dgm:dataModel>
+      <dgm:ptLst>
+        <dgm:pt modelId="0" type="doc"/>
+        <dgm:pt modelId="1">
+          <dgm:prSet phldr="1"/>
+        </dgm:pt>
+        <dgm:pt modelId="2">
+          <dgm:prSet phldr="1"/>
+        </dgm:pt>
+        <dgm:pt modelId="3">
+          <dgm:prSet phldr="1"/>
+        </dgm:pt>
+        <dgm:pt modelId="4">
+          <dgm:prSet phldr="1"/>
+        </dgm:pt>
+        <dgm:pt modelId="5">
+          <dgm:prSet phldr="1"/>
+        </dgm:pt>
+      </dgm:ptLst>
+      <dgm:cxnLst>
+        <dgm:cxn modelId="6" srcId="0" destId="1" srcOrd="0" destOrd="0"/>
+        <dgm:cxn modelId="7" srcId="0" destId="2" srcOrd="1" destOrd="0"/>
+        <dgm:cxn modelId="8" srcId="0" destId="3" srcOrd="2" destOrd="0"/>
+        <dgm:cxn modelId="9" srcId="0" destId="4" srcOrd="3" destOrd="0"/>
+        <dgm:cxn modelId="10" srcId="0" destId="5" srcOrd="4" destOrd="0"/>
+      </dgm:cxnLst>
+      <dgm:bg/>
+      <dgm:whole/>
+    </dgm:dataModel>
+  </dgm:sampData>
+  <dgm:styleData>
+    <dgm:dataModel>
+      <dgm:ptLst>
+        <dgm:pt modelId="0" type="doc"/>
+        <dgm:pt modelId="1"/>
+        <dgm:pt modelId="2"/>
+        <dgm:pt modelId="3"/>
+      </dgm:ptLst>
+      <dgm:cxnLst>
+        <dgm:cxn modelId="4" srcId="0" destId="1" srcOrd="0" destOrd="0"/>
+        <dgm:cxn modelId="5" srcId="0" destId="2" srcOrd="1" destOrd="0"/>
+        <dgm:cxn modelId="6" srcId="0" destId="3" srcOrd="2" destOrd="0"/>
+      </dgm:cxnLst>
+      <dgm:bg/>
+      <dgm:whole/>
+    </dgm:dataModel>
+  </dgm:styleData>
+  <dgm:clrData>
+    <dgm:dataModel>
+      <dgm:ptLst>
+        <dgm:pt modelId="0" type="doc"/>
+        <dgm:pt modelId="1"/>
+        <dgm:pt modelId="2"/>
+        <dgm:pt modelId="3"/>
+        <dgm:pt modelId="4"/>
+        <dgm:pt modelId="5"/>
+        <dgm:pt modelId="6"/>
+      </dgm:ptLst>
+      <dgm:cxnLst>
+        <dgm:cxn modelId="7" srcId="0" destId="1" srcOrd="0" destOrd="0"/>
+        <dgm:cxn modelId="8" srcId="0" destId="2" srcOrd="1" destOrd="0"/>
+        <dgm:cxn modelId="9" srcId="0" destId="3" srcOrd="2" destOrd="0"/>
+        <dgm:cxn modelId="10" srcId="0" destId="4" srcOrd="3" destOrd="0"/>
+        <dgm:cxn modelId="11" srcId="0" destId="5" srcOrd="4" destOrd="0"/>
+        <dgm:cxn modelId="12" srcId="0" destId="6" srcOrd="5" destOrd="0"/>
+      </dgm:cxnLst>
+      <dgm:bg/>
+      <dgm:whole/>
+    </dgm:dataModel>
+  </dgm:clrData>
+  <dgm:layoutNode name="Name0">
+    <dgm:varLst>
+      <dgm:dir/>
+      <dgm:resizeHandles val="exact"/>
+    </dgm:varLst>
+    <dgm:choose name="Name1">
+      <dgm:if name="Name2" axis="ch" ptType="node" func="cnt" op="equ" val="2">
+        <dgm:alg type="composite">
+          <dgm:param type="ar" val="0.9"/>
+        </dgm:alg>
+        <dgm:shape xmlns:r="http://schemas.openxmlformats.org/officeDocument/2006/relationships" r:blip="">
+          <dgm:adjLst/>
+        </dgm:shape>
+        <dgm:presOf/>
+        <dgm:constrLst>
+          <dgm:constr type="primFontSz" for="ch" ptType="node" op="equ" val="65"/>
+          <dgm:constr type="ctrX" for="ch" forName="node1" refType="w" fact="0.5"/>
+          <dgm:constr type="t" for="ch" forName="node1"/>
+          <dgm:constr type="w" for="ch" forName="node1" refType="w" fact="0.8"/>
+          <dgm:constr type="h" for="ch" forName="node1" refType="w" refFor="ch" refForName="node1" fact="0.5"/>
+          <dgm:constr type="ctrX" for="ch" forName="sibTrans" refType="w" fact="0.5"/>
+          <dgm:constr type="t" for="ch" forName="sibTrans"/>
+          <dgm:constr type="w" for="ch" forName="sibTrans" refType="w" fact="0.8"/>
+          <dgm:constr type="h" for="ch" forName="sibTrans" refType="w" refFor="ch" refForName="node1" fact="0.5"/>
+          <dgm:constr type="userA" for="ch" forName="sibTrans" refType="w" fact="1.07"/>
+          <dgm:constr type="ctrX" for="ch" forName="node2" refType="w" fact="0.5"/>
+          <dgm:constr type="b" for="ch" forName="node2" refType="h"/>
+          <dgm:constr type="w" for="ch" forName="node2" refType="w" fact="0.8"/>
+          <dgm:constr type="h" for="ch" forName="node2" refType="w" refFor="ch" refForName="node1" fact="0.5"/>
+          <dgm:constr type="l" for="ch" forName="sp1"/>
+          <dgm:constr type="t" for="ch" forName="sp1" refType="h" fact="0.5"/>
+          <dgm:constr type="w" for="ch" forName="sp1" val="1"/>
+          <dgm:constr type="h" for="ch" forName="sp1" val="1"/>
+          <dgm:constr type="r" for="ch" forName="sp2" refType="w"/>
+          <dgm:constr type="t" for="ch" forName="sp2" refType="h" fact="0.5"/>
+          <dgm:constr type="w" for="ch" forName="sp2" val="1"/>
+          <dgm:constr type="h" for="ch" forName="sp2" val="1"/>
+        </dgm:constrLst>
+        <dgm:ruleLst/>
+      </dgm:if>
+      <dgm:else name="Name3">
+        <dgm:alg type="composite"/>
+        <dgm:shape xmlns:r="http://schemas.openxmlformats.org/officeDocument/2006/relationships" r:blip="">
+          <dgm:adjLst/>
+        </dgm:shape>
+        <dgm:presOf/>
+        <dgm:constrLst>
+          <dgm:constr type="primFontSz" for="ch" ptType="node" op="equ" val="65"/>
+        </dgm:constrLst>
+        <dgm:ruleLst/>
+      </dgm:else>
+    </dgm:choose>
+    <dgm:choose name="Name4">
+      <dgm:if name="Name5" axis="ch" ptType="node" func="cnt" op="equ" val="2">
+        <dgm:layoutNode name="node1">
+          <dgm:varLst>
+            <dgm:bulletEnabled val="1"/>
+          </dgm:varLst>
+          <dgm:alg type="tx"/>
+          <dgm:shape xmlns:r="http://schemas.openxmlformats.org/officeDocument/2006/relationships" type="roundRect" r:blip="">
+            <dgm:adjLst/>
+          </dgm:shape>
+          <dgm:presOf axis="ch desOrSelf" ptType="node node" st="1 1" cnt="1 0"/>
+          <dgm:constrLst>
+            <dgm:constr type="tMarg" refType="primFontSz" fact="0.3"/>
+            <dgm:constr type="bMarg" refType="primFontSz" fact="0.3"/>
+            <dgm:constr type="lMarg" refType="primFontSz" fact="0.3"/>
+            <dgm:constr type="rMarg" refType="primFontSz" fact="0.3"/>
+          </dgm:constrLst>
+          <dgm:ruleLst>
+            <dgm:rule type="primFontSz" val="5" fact="NaN" max="NaN"/>
+          </dgm:ruleLst>
+        </dgm:layoutNode>
+        <dgm:layoutNode name="sibTrans" styleLbl="bgShp">
+          <dgm:choose name="Name6">
+            <dgm:if name="Name7" func="var" arg="dir" op="equ" val="norm">
+              <dgm:alg type="conn">
+                <dgm:param type="connRout" val="longCurve"/>
+                <dgm:param type="begPts" val="midR"/>
+                <dgm:param type="endPts" val="midL"/>
+                <dgm:param type="dstNode" val="node1"/>
+              </dgm:alg>
+              <dgm:shape xmlns:r="http://schemas.openxmlformats.org/officeDocument/2006/relationships" type="conn" r:blip="" zOrderOff="-2">
+                <dgm:adjLst/>
+              </dgm:shape>
+              <dgm:presOf axis="ch" ptType="sibTrans"/>
+              <dgm:constrLst>
+                <dgm:constr type="userA"/>
+                <dgm:constr type="diam" refType="userA" fact="-1"/>
+                <dgm:constr type="wArH" refType="userA" fact="0.05"/>
+                <dgm:constr type="hArH" refType="userA" fact="0.1"/>
+                <dgm:constr type="stemThick" refType="userA" fact="0.06"/>
+                <dgm:constr type="begPad" refType="connDist" fact="-0.2"/>
+                <dgm:constr type="endPad" refType="connDist" fact="0.05"/>
+              </dgm:constrLst>
+            </dgm:if>
+            <dgm:else name="Name8">
+              <dgm:alg type="conn">
+                <dgm:param type="connRout" val="longCurve"/>
+                <dgm:param type="begPts" val="midL"/>
+                <dgm:param type="endPts" val="midR"/>
+                <dgm:param type="dstNode" val="node1"/>
+              </dgm:alg>
+              <dgm:shape xmlns:r="http://schemas.openxmlformats.org/officeDocument/2006/relationships" type="conn" r:blip="" zOrderOff="-2">
+                <dgm:adjLst/>
+              </dgm:shape>
+              <dgm:presOf axis="ch" ptType="sibTrans"/>
+              <dgm:constrLst>
+                <dgm:constr type="userA"/>
+                <dgm:constr type="diam" refType="userA"/>
+                <dgm:constr type="wArH" refType="userA" fact="0.05"/>
+                <dgm:constr type="hArH" refType="userA" fact="0.1"/>
+                <dgm:constr type="stemThick" refType="userA" fact="0.06"/>
+                <dgm:constr type="begPad" refType="connDist" fact="-0.2"/>
+                <dgm:constr type="endPad" refType="connDist" fact="0.05"/>
+              </dgm:constrLst>
+            </dgm:else>
+          </dgm:choose>
+          <dgm:ruleLst/>
+        </dgm:layoutNode>
+        <dgm:layoutNode name="node2">
+          <dgm:varLst>
+            <dgm:bulletEnabled val="1"/>
+          </dgm:varLst>
+          <dgm:alg type="tx"/>
+          <dgm:shape xmlns:r="http://schemas.openxmlformats.org/officeDocument/2006/relationships" type="roundRect" r:blip="">
+            <dgm:adjLst/>
+          </dgm:shape>
+          <dgm:presOf axis="ch desOrSelf" ptType="node node" st="2 1" cnt="1 0"/>
+          <dgm:constrLst>
+            <dgm:constr type="tMarg" refType="primFontSz" fact="0.3"/>
+            <dgm:constr type="bMarg" refType="primFontSz" fact="0.3"/>
+            <dgm:constr type="lMarg" refType="primFontSz" fact="0.3"/>
+            <dgm:constr type="rMarg" refType="primFontSz" fact="0.3"/>
+          </dgm:constrLst>
+          <dgm:ruleLst>
+            <dgm:rule type="primFontSz" val="5" fact="NaN" max="NaN"/>
+          </dgm:ruleLst>
+        </dgm:layoutNode>
+        <dgm:layoutNode name="sp1">
+          <dgm:alg type="sp"/>
+          <dgm:shape xmlns:r="http://schemas.openxmlformats.org/officeDocument/2006/relationships" r:blip="">
+            <dgm:adjLst/>
+          </dgm:shape>
+          <dgm:presOf/>
+          <dgm:constrLst/>
+          <dgm:ruleLst/>
+        </dgm:layoutNode>
+        <dgm:layoutNode name="sp2">
+          <dgm:alg type="sp"/>
+          <dgm:shape xmlns:r="http://schemas.openxmlformats.org/officeDocument/2006/relationships" r:blip="">
+            <dgm:adjLst/>
+          </dgm:shape>
+          <dgm:presOf/>
+          <dgm:constrLst/>
+          <dgm:ruleLst/>
+        </dgm:layoutNode>
+      </dgm:if>
+      <dgm:else name="Name9">
+        <dgm:layoutNode name="cycle">
+          <dgm:choose name="Name10">
+            <dgm:if name="Name11" func="var" arg="dir" op="equ" val="norm">
+              <dgm:alg type="cycle">
+                <dgm:param type="stAng" val="0"/>
+                <dgm:param type="spanAng" val="360"/>
+              </dgm:alg>
+              <dgm:shape xmlns:r="http://schemas.openxmlformats.org/officeDocument/2006/relationships" r:blip="">
+                <dgm:adjLst/>
+              </dgm:shape>
+              <dgm:presOf/>
+              <dgm:constrLst>
+                <dgm:constr type="diam" refType="w"/>
+                <dgm:constr type="w" for="ch" ptType="node" refType="w"/>
+                <dgm:constr type="sibSp" val="15"/>
+                <dgm:constr type="userA" for="ch" ptType="sibTrans" refType="diam" op="equ" fact="-1"/>
+                <dgm:constr type="wArH" for="ch" ptType="sibTrans" refType="diam" op="equ" fact="0.05"/>
+                <dgm:constr type="hArH" for="ch" ptType="sibTrans" refType="diam" op="equ" fact="0.1"/>
+                <dgm:constr type="stemThick" for="ch" ptType="sibTrans" refType="diam" op="equ" fact="0.065"/>
+                <dgm:constr type="primFontSz" for="ch" ptType="node" op="equ"/>
+              </dgm:constrLst>
+            </dgm:if>
+            <dgm:else name="Name12">
+              <dgm:alg type="cycle">
+                <dgm:param type="stAng" val="0"/>
+                <dgm:param type="spanAng" val="-360"/>
+              </dgm:alg>
+              <dgm:shape xmlns:r="http://schemas.openxmlformats.org/officeDocument/2006/relationships" r:blip="">
+                <dgm:adjLst/>
+              </dgm:shape>
+              <dgm:presOf/>
+              <dgm:constrLst>
+                <dgm:constr type="diam" refType="w"/>
+                <dgm:constr type="w" for="ch" ptType="node" refType="w"/>
+                <dgm:constr type="sibSp" val="15"/>
+                <dgm:constr type="userA" for="ch" ptType="sibTrans" refType="diam" op="equ"/>
+                <dgm:constr type="wArH" for="ch" ptType="sibTrans" refType="diam" op="equ" fact="0.05"/>
+                <dgm:constr type="hArH" for="ch" ptType="sibTrans" refType="diam" op="equ" fact="0.1"/>
+                <dgm:constr type="stemThick" for="ch" ptType="sibTrans" refType="diam" op="equ" fact="0.065"/>
+                <dgm:constr type="primFontSz" for="ch" ptType="node" op="equ"/>
+              </dgm:constrLst>
+            </dgm:else>
+          </dgm:choose>
+          <dgm:ruleLst/>
+          <dgm:forEach name="nodesFirstNodeForEach" axis="ch" ptType="node" cnt="1">
+            <dgm:layoutNode name="nodeFirstNode">
+              <dgm:varLst>
+                <dgm:bulletEnabled val="1"/>
+              </dgm:varLst>
+              <dgm:alg type="tx"/>
+              <dgm:shape xmlns:r="http://schemas.openxmlformats.org/officeDocument/2006/relationships" type="roundRect" r:blip="">
+                <dgm:adjLst/>
+              </dgm:shape>
+              <dgm:presOf axis="desOrSelf" ptType="node"/>
+              <dgm:constrLst>
+                <dgm:constr type="h" refType="w" fact="0.5"/>
+                <dgm:constr type="primFontSz" val="65"/>
+                <dgm:constr type="tMarg" refType="primFontSz" fact="0.3"/>
+                <dgm:constr type="bMarg" refType="primFontSz" fact="0.3"/>
+                <dgm:constr type="lMarg" refType="primFontSz" fact="0.3"/>
+                <dgm:constr type="rMarg" refType="primFontSz" fact="0.3"/>
+              </dgm:constrLst>
+              <dgm:ruleLst>
+                <dgm:rule type="primFontSz" val="5" fact="NaN" max="NaN"/>
+              </dgm:ruleLst>
+            </dgm:layoutNode>
+            <dgm:forEach name="sibTransForEach" axis="followSib" ptType="sibTrans" cnt="1">
+              <dgm:layoutNode name="sibTransFirstNode" styleLbl="bgShp">
+                <dgm:choose name="Name13">
+                  <dgm:if name="Name14" func="var" arg="dir" op="equ" val="norm">
+                    <dgm:alg type="conn">
+                      <dgm:param type="connRout" val="longCurve"/>
+                      <dgm:param type="begPts" val="midR"/>
+                      <dgm:param type="endPts" val="midL"/>
+                      <dgm:param type="dstNode" val="nodeFirstNode"/>
+                    </dgm:alg>
+                  </dgm:if>
+                  <dgm:else name="Name15">
+                    <dgm:alg type="conn">
+                      <dgm:param type="connRout" val="longCurve"/>
+                      <dgm:param type="begPts" val="midL"/>
+                      <dgm:param type="endPts" val="midR"/>
+                      <dgm:param type="dstNode" val="nodeFirstNode"/>
+                    </dgm:alg>
+                  </dgm:else>
+                </dgm:choose>
+                <dgm:shape xmlns:r="http://schemas.openxmlformats.org/officeDocument/2006/relationships" type="conn" r:blip="" zOrderOff="-2">
+                  <dgm:adjLst/>
+                </dgm:shape>
+                <dgm:presOf axis="self"/>
+                <dgm:choose name="Name16">
+                  <dgm:if name="Name17" axis="par ch" ptType="doc node" func="cnt" op="equ" val="3">
+                    <dgm:constrLst>
+                      <dgm:constr type="userA"/>
+                      <dgm:constr type="diam" refType="userA" fact="1.01"/>
+                      <dgm:constr type="begPad" refType="connDist" fact="-0.2"/>
+                      <dgm:constr type="endPad" refType="connDist" fact="0.05"/>
+                    </dgm:constrLst>
+                  </dgm:if>
+                  <dgm:if name="Name18" axis="par ch" ptType="doc node" func="cnt" op="equ" val="4">
+                    <dgm:constrLst>
+                      <dgm:constr type="userA"/>
+                      <dgm:constr type="diam" refType="userA" fact="1.26"/>
+                      <dgm:constr type="begPad" refType="connDist" fact="-0.2"/>
+                      <dgm:constr type="endPad" refType="connDist" fact="0.05"/>
+                    </dgm:constrLst>
+                  </dgm:if>
+                  <dgm:if name="Name19" axis="par ch" ptType="doc node" func="cnt" op="equ" val="5">
+                    <dgm:constrLst>
+                      <dgm:constr type="userA"/>
+                      <dgm:constr type="diam" refType="userA" fact="1.04"/>
+                      <dgm:constr type="begPad" refType="connDist" fact="-0.2"/>
+                      <dgm:constr type="endPad" refType="connDist" fact="0.05"/>
+                    </dgm:constrLst>
+                  </dgm:if>
+                  <dgm:if name="Name20" axis="par ch" ptType="doc node" func="cnt" op="equ" val="6">
+                    <dgm:constrLst>
+                      <dgm:constr type="userA"/>
+                      <dgm:constr type="diam" refType="userA" fact="1.1"/>
+                      <dgm:constr type="begPad" refType="connDist" fact="-0.2"/>
+                      <dgm:constr type="endPad" refType="connDist" fact="0.05"/>
+                    </dgm:constrLst>
+                  </dgm:if>
+                  <dgm:else name="Name21">
+                    <dgm:constrLst>
+                      <dgm:constr type="userA"/>
+                      <dgm:constr type="diam" refType="userA" fact="1.04"/>
+                      <dgm:constr type="begPad" refType="connDist" fact="-0.2"/>
+                      <dgm:constr type="endPad" refType="connDist" fact="0.05"/>
+                    </dgm:constrLst>
+                  </dgm:else>
+                </dgm:choose>
+                <dgm:ruleLst/>
+              </dgm:layoutNode>
+            </dgm:forEach>
+          </dgm:forEach>
+          <dgm:forEach name="followingNodesForEach" axis="ch" ptType="node" st="2">
+            <dgm:layoutNode name="nodeFollowingNodes">
+              <dgm:varLst>
+                <dgm:bulletEnabled val="1"/>
+              </dgm:varLst>
+              <dgm:alg type="tx"/>
+              <dgm:shape xmlns:r="http://schemas.openxmlformats.org/officeDocument/2006/relationships" type="roundRect" r:blip="">
+                <dgm:adjLst/>
+              </dgm:shape>
+              <dgm:presOf axis="desOrSelf" ptType="node"/>
+              <dgm:constrLst>
+                <dgm:constr type="h" refType="w" fact="0.5"/>
+                <dgm:constr type="primFontSz" val="65"/>
+                <dgm:constr type="tMarg" refType="primFontSz" fact="0.3"/>
+                <dgm:constr type="bMarg" refType="primFontSz" fact="0.3"/>
+                <dgm:constr type="lMarg" refType="primFontSz" fact="0.3"/>
+                <dgm:constr type="rMarg" refType="primFontSz" fact="0.3"/>
+              </dgm:constrLst>
+              <dgm:ruleLst>
+                <dgm:rule type="primFontSz" val="5" fact="NaN" max="NaN"/>
+              </dgm:ruleLst>
+            </dgm:layoutNode>
+          </dgm:forEach>
+        </dgm:layoutNode>
+      </dgm:else>
+    </dgm:choose>
+  </dgm:layoutNode>
+</dgm:layoutDef>
+</file>
+
+<file path=ppt/diagrams/layout3.xml><?xml version="1.0" encoding="utf-8"?>
+<dgm:layoutDef xmlns:dgm="http://schemas.openxmlformats.org/drawingml/2006/diagram" xmlns:a="http://schemas.openxmlformats.org/drawingml/2006/main" uniqueId="urn:microsoft.com/office/officeart/2009/3/layout/RandomtoResultProcess">
+  <dgm:title val=""/>
+  <dgm:desc val=""/>
+  <dgm:catLst>
+    <dgm:cat type="process" pri="12750"/>
+  </dgm:catLst>
+  <dgm:sampData>
+    <dgm:dataModel>
+      <dgm:ptLst>
+        <dgm:pt modelId="0" type="doc"/>
+        <dgm:pt modelId="1">
+          <dgm:prSet phldr="1"/>
+        </dgm:pt>
+        <dgm:pt modelId="11">
+          <dgm:prSet phldr="1"/>
+        </dgm:pt>
+        <dgm:pt modelId="2">
+          <dgm:prSet phldr="1"/>
+        </dgm:pt>
+        <dgm:pt modelId="21">
+          <dgm:prSet phldr="1"/>
+        </dgm:pt>
+      </dgm:ptLst>
+      <dgm:cxnLst>
+        <dgm:cxn modelId="4" srcId="0" destId="1" srcOrd="0" destOrd="0"/>
+        <dgm:cxn modelId="41" srcId="1" destId="11" srcOrd="0" destOrd="0"/>
+        <dgm:cxn modelId="5" srcId="0" destId="2" srcOrd="0" destOrd="0"/>
+        <dgm:cxn modelId="51" srcId="2" destId="21" srcOrd="0" destOrd="0"/>
+      </dgm:cxnLst>
+      <dgm:bg/>
+      <dgm:whole/>
+    </dgm:dataModel>
+  </dgm:sampData>
+  <dgm:styleData>
+    <dgm:dataModel>
+      <dgm:ptLst>
+        <dgm:pt modelId="0" type="doc"/>
+        <dgm:pt modelId="1">
+          <dgm:prSet phldr="1"/>
+        </dgm:pt>
+        <dgm:pt modelId="2">
+          <dgm:prSet phldr="1"/>
+        </dgm:pt>
+      </dgm:ptLst>
+      <dgm:cxnLst>
+        <dgm:cxn modelId="3" srcId="0" destId="1" srcOrd="0" destOrd="0"/>
+        <dgm:cxn modelId="4" srcId="0" destId="2" srcOrd="1" destOrd="0"/>
+      </dgm:cxnLst>
+      <dgm:bg/>
+      <dgm:whole/>
+    </dgm:dataModel>
+  </dgm:styleData>
+  <dgm:clrData>
+    <dgm:dataModel>
+      <dgm:ptLst>
+        <dgm:pt modelId="0" type="doc"/>
+        <dgm:pt modelId="1">
+          <dgm:prSet phldr="1"/>
+        </dgm:pt>
+        <dgm:pt modelId="2">
+          <dgm:prSet phldr="1"/>
+        </dgm:pt>
+      </dgm:ptLst>
+      <dgm:cxnLst>
+        <dgm:cxn modelId="3" srcId="0" destId="1" srcOrd="0" destOrd="0"/>
+        <dgm:cxn modelId="4" srcId="0" destId="2" srcOrd="1" destOrd="0"/>
+      </dgm:cxnLst>
+      <dgm:bg/>
+      <dgm:whole/>
+    </dgm:dataModel>
+  </dgm:clrData>
+  <dgm:layoutNode name="Name0">
+    <dgm:varLst>
+      <dgm:dir/>
+      <dgm:animOne val="branch"/>
+      <dgm:animLvl val="lvl"/>
+    </dgm:varLst>
+    <dgm:choose name="Name1">
+      <dgm:if name="Name2" func="var" arg="dir" op="equ" val="norm">
+        <dgm:alg type="lin">
+          <dgm:param type="fallback" val="2D"/>
+          <dgm:param type="nodeVertAlign" val="t"/>
+        </dgm:alg>
+      </dgm:if>
+      <dgm:else name="Name3">
+        <dgm:alg type="lin">
+          <dgm:param type="fallback" val="2D"/>
+          <dgm:param type="nodeVertAlign" val="t"/>
+          <dgm:param type="linDir" val="fromR"/>
+        </dgm:alg>
+      </dgm:else>
+    </dgm:choose>
+    <dgm:shape xmlns:r="http://schemas.openxmlformats.org/officeDocument/2006/relationships" r:blip="">
+      <dgm:adjLst/>
+    </dgm:shape>
+    <dgm:constrLst>
+      <dgm:constr type="userH" refType="h" fact="2"/>
+      <dgm:constr type="w" for="ch" forName="chaos" refType="userH" fact="0.681"/>
+      <dgm:constr type="h" for="ch" forName="chaos" refType="userH"/>
+      <dgm:constr type="w" for="ch" forName="middle" refType="userH" fact="0.6"/>
+      <dgm:constr type="h" for="ch" forName="middle" refType="userH"/>
+      <dgm:constr type="w" for="ch" forName="last" refType="userH" fact="0.6"/>
+      <dgm:constr type="h" for="ch" forName="last" refType="userH"/>
+      <dgm:constr type="w" for="ch" forName="chevronComposite1" refType="userH" fact="0.22"/>
+      <dgm:constr type="h" for="ch" forName="chevronComposite1" refType="userH" fact="0.52"/>
+      <dgm:constr type="w" for="ch" forName="chevronComposite2" refType="userH" fact="0.22"/>
+      <dgm:constr type="h" for="ch" forName="chevronComposite2" refType="userH" fact="0.52"/>
+      <dgm:constr type="w" for="ch" forName="overlap" refType="userH" fact="-0.04"/>
+      <dgm:constr type="h" for="ch" forName="overlap" refType="userH" fact="0.06"/>
+      <dgm:constr type="primFontSz" for="des" forName="parTx1" op="equ" val="65"/>
+      <dgm:constr type="primFontSz" for="des" forName="parTxMid" refType="primFontSz" refFor="des" refForName="parTx1" op="equ"/>
+      <dgm:constr type="primFontSz" for="des" forName="circleTx" refType="primFontSz" refFor="des" refForName="parTx1" op="equ"/>
+      <dgm:constr type="primFontSz" for="des" forName="desTx1" op="equ" val="65"/>
+      <dgm:constr type="primFontSz" for="des" forName="desTxMid" refType="primFontSz" refFor="des" refForName="desTx1" op="equ"/>
+      <dgm:constr type="primFontSz" for="des" forName="desTxN" refType="primFontSz" refFor="des" refForName="desTx1" op="equ"/>
+    </dgm:constrLst>
+    <dgm:forEach name="Name4" axis="ch" ptType="node">
+      <dgm:choose name="Name5">
+        <dgm:if name="Name6" axis="self" ptType="node" func="pos" op="equ" val="1">
+          <dgm:layoutNode name="chaos">
+            <dgm:alg type="composite"/>
+            <dgm:shape xmlns:r="http://schemas.openxmlformats.org/officeDocument/2006/relationships" r:blip="">
+              <dgm:adjLst/>
+            </dgm:shape>
+            <dgm:presOf/>
+            <dgm:constrLst>
+              <dgm:constr type="ctrX" for="ch" forName="parTx1" refType="w" fact="0.5"/>
+              <dgm:constr type="t" for="ch" forName="parTx1" refType="w" fact="0.32"/>
+              <dgm:constr type="w" for="ch" forName="parTx1" refType="w" fact="0.88"/>
+              <dgm:constr type="h" for="ch" forName="parTx1" refType="w" fact="0.29"/>
+              <dgm:constr type="ctrX" for="ch" forName="desTx1" refType="w" fact="0.5"/>
+              <dgm:constr type="b" for="ch" forName="desTx1" refType="h"/>
+              <dgm:constr type="w" for="ch" forName="desTx1" refType="w" fact="0.88"/>
+              <dgm:constr type="h" for="ch" forName="desTx1" refType="h" fact="0.37"/>
+              <dgm:constr type="l" for="ch" forName="c1" refType="w" fact="0.05"/>
+              <dgm:constr type="t" for="ch" forName="c1" refType="w" fact="0.23"/>
+              <dgm:constr type="w" for="ch" forName="c1" refType="w" fact="0.07"/>
+              <dgm:constr type="h" for="ch" forName="c1" refType="w" refFor="ch" refForName="c1"/>
+              <dgm:constr type="l" for="ch" forName="c2" refType="w" fact="0.1"/>
+              <dgm:constr type="t" for="ch" forName="c2" refType="w" fact="0.13"/>
+              <dgm:constr type="w" for="ch" forName="c2" refType="w" fact="0.07"/>
+              <dgm:constr type="h" for="ch" forName="c2" refType="w" refFor="ch" refForName="c2"/>
+              <dgm:constr type="l" for="ch" forName="c3" refType="w" fact="0.22"/>
+              <dgm:constr type="t" for="ch" forName="c3" refType="w" fact="0.15"/>
+              <dgm:constr type="w" for="ch" forName="c3" refType="w" fact="0.11"/>
+              <dgm:constr type="h" for="ch" forName="c3" refType="w" refFor="ch" refForName="c3"/>
+              <dgm:constr type="l" for="ch" forName="c4" refType="w" fact="0.32"/>
+              <dgm:constr type="t" for="ch" forName="c4" refType="w" fact="0.04"/>
+              <dgm:constr type="w" for="ch" forName="c4" refType="w" fact="0.07"/>
+              <dgm:constr type="h" for="ch" forName="c4" refType="w" refFor="ch" refForName="c4"/>
+              <dgm:constr type="l" for="ch" forName="c5" refType="w" fact="0.45"/>
+              <dgm:constr type="t" for="ch" forName="c5" refType="w" fact="0"/>
+              <dgm:constr type="w" for="ch" forName="c5" refType="w" fact="0.07"/>
+              <dgm:constr type="h" for="ch" forName="c5" refType="w" refFor="ch" refForName="c5"/>
+              <dgm:constr type="l" for="ch" forName="c6" refType="w" fact="0.61"/>
+              <dgm:constr type="t" for="ch" forName="c6" refType="w" fact="0.07"/>
+              <dgm:constr type="w" for="ch" forName="c6" refType="w" fact="0.07"/>
+              <dgm:constr type="h" for="ch" forName="c6" refType="w" refFor="ch" refForName="c6"/>
+              <dgm:constr type="l" for="ch" forName="c7" refType="w" fact="0.71"/>
+              <dgm:constr type="t" for="ch" forName="c7" refType="w" fact="0.12"/>
+              <dgm:constr type="w" for="ch" forName="c7" refType="w" fact="0.11"/>
+              <dgm:constr type="h" for="ch" forName="c7" refType="w" refFor="ch" refForName="c7"/>
+              <dgm:constr type="l" for="ch" forName="c8" refType="w" fact="0.85"/>
+              <dgm:constr type="t" for="ch" forName="c8" refType="w" fact="0.23"/>
+              <dgm:constr type="w" for="ch" forName="c8" refType="w" fact="0.07"/>
+              <dgm:constr type="h" for="ch" forName="c8" refType="w" refFor="ch" refForName="c8"/>
+              <dgm:constr type="l" for="ch" forName="c9" refType="w" fact="0.91"/>
+              <dgm:constr type="t" for="ch" forName="c9" refType="w" fact="0.34"/>
+              <dgm:constr type="w" for="ch" forName="c9" refType="w" fact="0.07"/>
+              <dgm:constr type="h" for="ch" forName="c9" refType="w" refFor="ch" refForName="c9"/>
+              <dgm:constr type="l" for="ch" forName="c10" refType="w" fact="0.39"/>
+              <dgm:constr type="t" for="ch" forName="c10" refType="w" fact="0.13"/>
+              <dgm:constr type="w" for="ch" forName="c10" refType="w" fact="0.18"/>
+              <dgm:constr type="h" for="ch" forName="c10" refType="w" refFor="ch" refForName="c10"/>
+              <dgm:constr type="l" for="ch" forName="c11" refType="w" fact="0"/>
+              <dgm:constr type="t" for="ch" forName="c11" refType="w" fact="0.51"/>
+              <dgm:constr type="w" for="ch" forName="c11" refType="w" fact="0.07"/>
+              <dgm:constr type="h" for="ch" forName="c11" refType="w" refFor="ch" refForName="c11"/>
+              <dgm:constr type="l" for="ch" forName="c12" refType="w" fact="0.06"/>
+              <dgm:constr type="t" for="ch" forName="c12" refType="w" fact="0.6"/>
+              <dgm:constr type="w" for="ch" forName="c12" refType="w" fact="0.11"/>
+              <dgm:constr type="h" for="ch" forName="c12" refType="w" refFor="ch" refForName="c12"/>
+              <dgm:constr type="l" for="ch" forName="c13" refType="w" fact="0.21"/>
+              <dgm:constr type="t" for="ch" forName="c13" refType="w" fact="0.68"/>
+              <dgm:constr type="w" for="ch" forName="c13" refType="w" fact="0.16"/>
+              <dgm:constr type="h" for="ch" forName="c13" refType="w" refFor="ch" refForName="c13"/>
+              <dgm:constr type="l" for="ch" forName="c14" refType="w" fact="0.42"/>
+              <dgm:constr type="t" for="ch" forName="c14" refType="w" fact="0.81"/>
+              <dgm:constr type="w" for="ch" forName="c14" refType="w" fact="0.07"/>
+              <dgm:constr type="h" for="ch" forName="c14" refType="w" refFor="ch" refForName="c14"/>
+              <dgm:constr type="l" for="ch" forName="c15" refType="w" fact="0.46"/>
+              <dgm:constr type="t" for="ch" forName="c15" refType="w" fact="0.68"/>
+              <dgm:constr type="w" for="ch" forName="c15" refType="w" fact="0.11"/>
+              <dgm:constr type="h" for="ch" forName="c15" refType="w" refFor="ch" refForName="c15"/>
+              <dgm:constr type="l" for="ch" forName="c16" refType="w" fact="0.56"/>
+              <dgm:constr type="t" for="ch" forName="c16" refType="w" fact="0.82"/>
+              <dgm:constr type="w" for="ch" forName="c16" refType="w" fact="0.07"/>
+              <dgm:constr type="h" for="ch" forName="c16" refType="w" refFor="ch" refForName="c16"/>
+              <dgm:constr type="l" for="ch" forName="c17" refType="w" fact="0.65"/>
+              <dgm:constr type="t" for="ch" forName="c17" refType="w" fact="0.66"/>
+              <dgm:constr type="w" for="ch" forName="c17" refType="w" fact="0.16"/>
+              <dgm:constr type="h" for="ch" forName="c17" refType="w" refFor="ch" refForName="c17"/>
+              <dgm:constr type="l" for="ch" forName="c18" refType="w" fact="0.87"/>
+              <dgm:constr type="t" for="ch" forName="c18" refType="w" fact="0.62"/>
+              <dgm:constr type="w" for="ch" forName="c18" refType="w" fact="0.11"/>
+              <dgm:constr type="h" for="ch" forName="c18" refType="w" refFor="ch" refForName="c18"/>
+            </dgm:constrLst>
+            <dgm:layoutNode name="parTx1" styleLbl="revTx">
+              <dgm:alg type="tx"/>
+              <dgm:shape xmlns:r="http://schemas.openxmlformats.org/officeDocument/2006/relationships" type="rect" r:blip="">
+                <dgm:adjLst/>
+              </dgm:shape>
+              <dgm:presOf axis="self" ptType="node"/>
+              <dgm:constrLst>
+                <dgm:constr type="lMarg" refType="primFontSz" fact="0.1"/>
+                <dgm:constr type="rMarg" refType="primFontSz" fact="0.1"/>
+                <dgm:constr type="tMarg" refType="primFontSz" fact="0.1"/>
+                <dgm:constr type="bMarg" refType="primFontSz" fact="0.1"/>
+              </dgm:constrLst>
+              <dgm:ruleLst>
+                <dgm:rule type="primFontSz" val="5" fact="NaN" max="NaN"/>
+              </dgm:ruleLst>
+            </dgm:layoutNode>
+            <dgm:choose name="Name7">
+              <dgm:if name="Name8" axis="ch" ptType="node" func="cnt" op="gte" val="1">
+                <dgm:layoutNode name="desTx1" styleLbl="revTx">
+                  <dgm:varLst>
+                    <dgm:bulletEnabled val="1"/>
+                  </dgm:varLst>
+                  <dgm:choose name="Name9">
+                    <dgm:if name="Name10" axis="ch" ptType="node" func="cnt" op="equ" val="1">
+                      <dgm:alg type="tx">
+                        <dgm:param type="shpTxLTRAlignCh" val="l"/>
+                      </dgm:alg>
+                    </dgm:if>
+                    <dgm:else name="Name11">
+                      <dgm:alg type="tx">
+                        <dgm:param type="shpTxLTRAlignCh" val="l"/>
+                        <dgm:param type="stBulletLvl" val="1"/>
+                      </dgm:alg>
+                    </dgm:else>
+                  </dgm:choose>
+                  <dgm:shape xmlns:r="http://schemas.openxmlformats.org/officeDocument/2006/relationships" type="rect" r:blip="">
+                    <dgm:adjLst/>
+                  </dgm:shape>
+                  <dgm:presOf axis="des" ptType="node"/>
+                  <dgm:constrLst>
+                    <dgm:constr type="lMarg" refType="primFontSz" fact="0.1"/>
+                    <dgm:constr type="rMarg" refType="primFontSz" fact="0.1"/>
+                    <dgm:constr type="tMarg" refType="primFontSz" fact="0.1"/>
+                    <dgm:constr type="bMarg" refType="primFontSz" fact="0.1"/>
+                  </dgm:constrLst>
+                  <dgm:ruleLst>
+                    <dgm:rule type="primFontSz" val="5" fact="NaN" max="NaN"/>
+                  </dgm:ruleLst>
+                </dgm:layoutNode>
+              </dgm:if>
+              <dgm:else name="Name12"/>
+            </dgm:choose>
+            <dgm:layoutNode name="c1" styleLbl="node1">
+              <dgm:alg type="sp"/>
+              <dgm:shape xmlns:r="http://schemas.openxmlformats.org/officeDocument/2006/relationships" type="ellipse" r:blip="">
+                <dgm:adjLst/>
+              </dgm:shape>
+              <dgm:presOf/>
+            </dgm:layoutNode>
+            <dgm:layoutNode name="c2" styleLbl="node1">
+              <dgm:alg type="sp"/>
+              <dgm:shape xmlns:r="http://schemas.openxmlformats.org/officeDocument/2006/relationships" type="ellipse" r:blip="">
+                <dgm:adjLst/>
+              </dgm:shape>
+              <dgm:presOf/>
+            </dgm:layoutNode>
+            <dgm:layoutNode name="c3" styleLbl="node1">
+              <dgm:alg type="sp"/>
+              <dgm:shape xmlns:r="http://schemas.openxmlformats.org/officeDocument/2006/relationships" type="ellipse" r:blip="">
+                <dgm:adjLst/>
+              </dgm:shape>
+              <dgm:presOf/>
+            </dgm:layoutNode>
+            <dgm:layoutNode name="c4" styleLbl="node1">
+              <dgm:alg type="sp"/>
+              <dgm:shape xmlns:r="http://schemas.openxmlformats.org/officeDocument/2006/relationships" type="ellipse" r:blip="">
+                <dgm:adjLst/>
+              </dgm:shape>
+              <dgm:presOf/>
+            </dgm:layoutNode>
+            <dgm:layoutNode name="c5" styleLbl="node1">
+              <dgm:alg type="sp"/>
+              <dgm:shape xmlns:r="http://schemas.openxmlformats.org/officeDocument/2006/relationships" type="ellipse" r:blip="">
+                <dgm:adjLst/>
+              </dgm:shape>
+              <dgm:presOf/>
+            </dgm:layoutNode>
+            <dgm:layoutNode name="c6" styleLbl="node1">
+              <dgm:alg type="sp"/>
+              <dgm:shape xmlns:r="http://schemas.openxmlformats.org/officeDocument/2006/relationships" type="ellipse" r:blip="">
+                <dgm:adjLst/>
+              </dgm:shape>
+              <dgm:presOf/>
+            </dgm:layoutNode>
+            <dgm:layoutNode name="c7" styleLbl="node1">
+              <dgm:alg type="sp"/>
+              <dgm:shape xmlns:r="http://schemas.openxmlformats.org/officeDocument/2006/relationships" type="ellipse" r:blip="">
+                <dgm:adjLst/>
+              </dgm:shape>
+              <dgm:presOf/>
+            </dgm:layoutNode>
+            <dgm:layoutNode name="c8" styleLbl="node1">
+              <dgm:alg type="sp"/>
+              <dgm:shape xmlns:r="http://schemas.openxmlformats.org/officeDocument/2006/relationships" type="ellipse" r:blip="">
+                <dgm:adjLst/>
+              </dgm:shape>
+              <dgm:presOf/>
+            </dgm:layoutNode>
+            <dgm:layoutNode name="c9" styleLbl="node1">
+              <dgm:alg type="sp"/>
+              <dgm:shape xmlns:r="http://schemas.openxmlformats.org/officeDocument/2006/relationships" type="ellipse" r:blip="">
+                <dgm:adjLst/>
+              </dgm:shape>
+              <dgm:presOf/>
+            </dgm:layoutNode>
+            <dgm:layoutNode name="c10" styleLbl="node1">
+              <dgm:alg type="sp"/>
+              <dgm:shape xmlns:r="http://schemas.openxmlformats.org/officeDocument/2006/relationships" type="ellipse" r:blip="">
+                <dgm:adjLst/>
+              </dgm:shape>
+              <dgm:presOf/>
+            </dgm:layoutNode>
+            <dgm:layoutNode name="c11" styleLbl="node1">
+              <dgm:alg type="sp"/>
+              <dgm:shape xmlns:r="http://schemas.openxmlformats.org/officeDocument/2006/relationships" type="ellipse" r:blip="">
+                <dgm:adjLst/>
+              </dgm:shape>
+              <dgm:presOf/>
+            </dgm:layoutNode>
+            <dgm:layoutNode name="c12" styleLbl="node1">
+              <dgm:alg type="sp"/>
+              <dgm:shape xmlns:r="http://schemas.openxmlformats.org/officeDocument/2006/relationships" type="ellipse" r:blip="">
+                <dgm:adjLst/>
+              </dgm:shape>
+              <dgm:presOf/>
+            </dgm:layoutNode>
+            <dgm:layoutNode name="c13" styleLbl="node1">
+              <dgm:alg type="sp"/>
+              <dgm:shape xmlns:r="http://schemas.openxmlformats.org/officeDocument/2006/relationships" type="ellipse" r:blip="">
+                <dgm:adjLst/>
+              </dgm:shape>
+              <dgm:presOf/>
+            </dgm:layoutNode>
+            <dgm:layoutNode name="c14" styleLbl="node1">
+              <dgm:alg type="sp"/>
+              <dgm:shape xmlns:r="http://schemas.openxmlformats.org/officeDocument/2006/relationships" type="ellipse" r:blip="">
+                <dgm:adjLst/>
+              </dgm:shape>
+              <dgm:presOf/>
+            </dgm:layoutNode>
+            <dgm:layoutNode name="c15" styleLbl="node1">
+              <dgm:alg type="sp"/>
+              <dgm:shape xmlns:r="http://schemas.openxmlformats.org/officeDocument/2006/relationships" type="ellipse" r:blip="">
+                <dgm:adjLst/>
+              </dgm:shape>
+              <dgm:presOf/>
+            </dgm:layoutNode>
+            <dgm:layoutNode name="c16" styleLbl="node1">
+              <dgm:alg type="sp"/>
+              <dgm:shape xmlns:r="http://schemas.openxmlformats.org/officeDocument/2006/relationships" type="ellipse" r:blip="">
+                <dgm:adjLst/>
+              </dgm:shape>
+              <dgm:presOf/>
+            </dgm:layoutNode>
+            <dgm:layoutNode name="c17" styleLbl="node1">
+              <dgm:alg type="sp"/>
+              <dgm:shape xmlns:r="http://schemas.openxmlformats.org/officeDocument/2006/relationships" type="ellipse" r:blip="">
+                <dgm:adjLst/>
+              </dgm:shape>
+              <dgm:presOf/>
+            </dgm:layoutNode>
+            <dgm:layoutNode name="c18" styleLbl="node1">
+              <dgm:alg type="sp"/>
+              <dgm:shape xmlns:r="http://schemas.openxmlformats.org/officeDocument/2006/relationships" type="ellipse" r:blip="">
+                <dgm:adjLst/>
+              </dgm:shape>
+              <dgm:presOf/>
+            </dgm:layoutNode>
+          </dgm:layoutNode>
+        </dgm:if>
+        <dgm:if name="Name13" axis="self" ptType="node" func="revPos" op="equ" val="1">
+          <dgm:layoutNode name="last">
+            <dgm:alg type="composite"/>
+            <dgm:shape xmlns:r="http://schemas.openxmlformats.org/officeDocument/2006/relationships" r:blip="">
+              <dgm:adjLst/>
+            </dgm:shape>
+            <dgm:presOf/>
+            <dgm:constrLst>
+              <dgm:constr type="ctrX" for="ch" forName="circleTx" refType="w" fact="0.5"/>
+              <dgm:constr type="t" for="ch" forName="circleTx" refType="w" fact="0.117"/>
+              <dgm:constr type="w" for="ch" forName="circleTx" refType="h" refFor="ch" refForName="circleTx"/>
+              <dgm:constr type="h" for="ch" forName="circleTx" refType="w" fact="0.85"/>
+              <dgm:constr type="l" for="ch" forName="desTxN"/>
+              <dgm:constr type="b" for="ch" forName="desTxN" refType="h"/>
+              <dgm:constr type="w" for="ch" forName="desTxN" refType="w"/>
+              <dgm:constr type="h" for="ch" forName="desTxN" refType="h" fact="0.37"/>
+              <dgm:constr type="ctrX" for="ch" forName="spN" refType="w" fact="0.5"/>
+              <dgm:constr type="t" for="ch" forName="spN"/>
+              <dgm:constr type="w" for="ch" forName="spN" refType="w" fact="0.93"/>
+              <dgm:constr type="h" for="ch" forName="spN" refType="h" fact="0.01"/>
+            </dgm:constrLst>
+            <dgm:layoutNode name="circleTx" styleLbl="node1">
+              <dgm:alg type="tx"/>
+              <dgm:shape xmlns:r="http://schemas.openxmlformats.org/officeDocument/2006/relationships" type="ellipse" r:blip="">
+                <dgm:adjLst/>
+              </dgm:shape>
+              <dgm:presOf axis="self" ptType="node"/>
+              <dgm:constrLst>
+                <dgm:constr type="lMarg"/>
+                <dgm:constr type="rMarg"/>
+                <dgm:constr type="tMarg"/>
+                <dgm:constr type="bMarg"/>
+              </dgm:constrLst>
+              <dgm:ruleLst>
+                <dgm:rule type="primFontSz" val="5" fact="NaN" max="NaN"/>
+              </dgm:ruleLst>
+            </dgm:layoutNode>
+            <dgm:choose name="Name14">
+              <dgm:if name="Name15" axis="ch" ptType="node" func="cnt" op="gte" val="1">
+                <dgm:layoutNode name="desTxN" styleLbl="revTx">
+                  <dgm:varLst>
+                    <dgm:bulletEnabled val="1"/>
+                  </dgm:varLst>
+                  <dgm:choose name="Name16">
+                    <dgm:if name="Name17" axis="ch" ptType="node" func="cnt" op="equ" val="1">
+                      <dgm:alg type="tx">
+                        <dgm:param type="shpTxLTRAlignCh" val="l"/>
+                      </dgm:alg>
+                    </dgm:if>
+                    <dgm:else name="Name18">
+                      <dgm:alg type="tx">
+                        <dgm:param type="shpTxLTRAlignCh" val="l"/>
+                        <dgm:param type="stBulletLvl" val="1"/>
+                      </dgm:alg>
+                    </dgm:else>
+                  </dgm:choose>
+                  <dgm:shape xmlns:r="http://schemas.openxmlformats.org/officeDocument/2006/relationships" type="rect" r:blip="">
+                    <dgm:adjLst/>
+                  </dgm:shape>
+                  <dgm:presOf axis="des" ptType="node"/>
+                  <dgm:constrLst>
+                    <dgm:constr type="lMarg" refType="primFontSz" fact="0.1"/>
+                    <dgm:constr type="rMarg" refType="primFontSz" fact="0.1"/>
+                    <dgm:constr type="tMarg" refType="primFontSz" fact="0.1"/>
+                    <dgm:constr type="bMarg" refType="primFontSz" fact="0.1"/>
+                  </dgm:constrLst>
+                  <dgm:ruleLst>
+                    <dgm:rule type="primFontSz" val="5" fact="NaN" max="NaN"/>
+                  </dgm:ruleLst>
+                </dgm:layoutNode>
+              </dgm:if>
+              <dgm:else name="Name19"/>
+            </dgm:choose>
+            <dgm:layoutNode name="spN">
+              <dgm:alg type="sp"/>
+              <dgm:shape xmlns:r="http://schemas.openxmlformats.org/officeDocument/2006/relationships" r:blip="">
+                <dgm:adjLst/>
+              </dgm:shape>
+              <dgm:presOf/>
+            </dgm:layoutNode>
+          </dgm:layoutNode>
+        </dgm:if>
+        <dgm:else name="Name20">
+          <dgm:layoutNode name="middle">
+            <dgm:alg type="composite"/>
+            <dgm:shape xmlns:r="http://schemas.openxmlformats.org/officeDocument/2006/relationships" r:blip="">
+              <dgm:adjLst/>
+            </dgm:shape>
+            <dgm:presOf/>
+            <dgm:constrLst>
+              <dgm:constr type="l" for="ch" forName="parTxMid"/>
+              <dgm:constr type="t" for="ch" forName="parTxMid" refType="w" fact="0.167"/>
+              <dgm:constr type="w" for="ch" forName="parTxMid" refType="w"/>
+              <dgm:constr type="h" for="ch" forName="parTxMid" refType="w" fact="0.7"/>
+              <dgm:constr type="l" for="ch" forName="desTxMid"/>
+              <dgm:constr type="b" for="ch" forName="desTxMid" refType="h"/>
+              <dgm:constr type="w" for="ch" forName="desTxMid" refType="w"/>
+              <dgm:constr type="h" for="ch" forName="desTxMid" refType="h" fact="0.37"/>
+              <dgm:constr type="ctrX" for="ch" forName="spMid" refType="w" fact="0.5"/>
+              <dgm:constr type="t" for="ch" forName="spMid"/>
+              <dgm:constr type="w" for="ch" forName="spMid" refType="w" fact="0.01"/>
+              <dgm:constr type="h" for="ch" forName="spMid" refType="h" fact="0.01"/>
+            </dgm:constrLst>
+            <dgm:layoutNode name="parTxMid" styleLbl="revTx">
+              <dgm:alg type="tx"/>
+              <dgm:shape xmlns:r="http://schemas.openxmlformats.org/officeDocument/2006/relationships" type="rect" r:blip="">
+                <dgm:adjLst/>
+              </dgm:shape>
+              <dgm:presOf axis="self" ptType="node"/>
+              <dgm:constrLst>
+                <dgm:constr type="lMarg" refType="primFontSz" fact="0.1"/>
+                <dgm:constr type="rMarg" refType="primFontSz" fact="0.1"/>
+                <dgm:constr type="tMarg" refType="primFontSz" fact="0.1"/>
+                <dgm:constr type="bMarg" refType="primFontSz" fact="0.1"/>
+              </dgm:constrLst>
+              <dgm:ruleLst>
+                <dgm:rule type="primFontSz" val="5" fact="NaN" max="NaN"/>
+              </dgm:ruleLst>
+            </dgm:layoutNode>
+            <dgm:choose name="Name21">
+              <dgm:if name="Name22" axis="ch" ptType="node" func="cnt" op="gte" val="1">
+                <dgm:layoutNode name="desTxMid" styleLbl="revTx">
+                  <dgm:varLst>
+                    <dgm:bulletEnabled val="1"/>
+                  </dgm:varLst>
+                  <dgm:choose name="Name23">
+                    <dgm:if name="Name24" axis="ch" ptType="node" func="cnt" op="equ" val="1">
+                      <dgm:alg type="tx">
+                        <dgm:param type="shpTxLTRAlignCh" val="l"/>
+                      </dgm:alg>
+                    </dgm:if>
+                    <dgm:else name="Name25">
+                      <dgm:alg type="tx">
+                        <dgm:param type="shpTxLTRAlignCh" val="l"/>
+                        <dgm:param type="stBulletLvl" val="1"/>
+                      </dgm:alg>
+                    </dgm:else>
+                  </dgm:choose>
+                  <dgm:shape xmlns:r="http://schemas.openxmlformats.org/officeDocument/2006/relationships" type="rect" r:blip="">
+                    <dgm:adjLst/>
+                  </dgm:shape>
+                  <dgm:presOf axis="des" ptType="node"/>
+                  <dgm:constrLst>
+                    <dgm:constr type="lMarg" refType="primFontSz" fact="0.1"/>
+                    <dgm:constr type="rMarg" refType="primFontSz" fact="0.1"/>
+                    <dgm:constr type="tMarg" refType="primFontSz" fact="0.1"/>
+                    <dgm:constr type="bMarg" refType="primFontSz" fact="0.1"/>
+                  </dgm:constrLst>
+                  <dgm:ruleLst>
+                    <dgm:rule type="primFontSz" val="5" fact="NaN" max="NaN"/>
+                  </dgm:ruleLst>
+                </dgm:layoutNode>
+              </dgm:if>
+              <dgm:else name="Name26"/>
+            </dgm:choose>
+            <dgm:layoutNode name="spMid">
+              <dgm:alg type="sp"/>
+              <dgm:shape xmlns:r="http://schemas.openxmlformats.org/officeDocument/2006/relationships" r:blip="">
+                <dgm:adjLst/>
+              </dgm:shape>
+              <dgm:presOf/>
+            </dgm:layoutNode>
+          </dgm:layoutNode>
+        </dgm:else>
+      </dgm:choose>
+      <dgm:forEach name="Name27" axis="followSib" ptType="sibTrans" cnt="1">
+        <dgm:layoutNode name="chevronComposite1" styleLbl="alignImgPlace1">
+          <dgm:alg type="composite"/>
+          <dgm:shape xmlns:r="http://schemas.openxmlformats.org/officeDocument/2006/relationships" r:blip="">
+            <dgm:adjLst/>
+          </dgm:shape>
+          <dgm:presOf/>
+          <dgm:constrLst>
+            <dgm:constr type="l" for="ch" forName="chevron1"/>
+            <dgm:constr type="t" for="ch" forName="chevron1" refType="h" fact="0.1923"/>
+            <dgm:constr type="w" for="ch" forName="chevron1" refType="w"/>
+            <dgm:constr type="b" for="ch" forName="chevron1" refType="h"/>
+            <dgm:constr type="l" for="ch" forName="spChevron1"/>
+            <dgm:constr type="t" for="ch" forName="spChevron1"/>
+            <dgm:constr type="w" for="ch" forName="spChevron1" refType="w" fact="0.01"/>
+            <dgm:constr type="h" for="ch" forName="spChevron1" refType="h" fact="0.01"/>
+          </dgm:constrLst>
+          <dgm:layoutNode name="chevron1">
+            <dgm:alg type="sp"/>
+            <dgm:choose name="Name28">
+              <dgm:if name="Name29" func="var" arg="dir" op="equ" val="norm">
+                <dgm:shape xmlns:r="http://schemas.openxmlformats.org/officeDocument/2006/relationships" type="chevron" r:blip="">
+                  <dgm:adjLst>
+                    <dgm:adj idx="1" val="0.6231"/>
+                  </dgm:adjLst>
+                </dgm:shape>
+              </dgm:if>
+              <dgm:else name="Name30">
+                <dgm:shape xmlns:r="http://schemas.openxmlformats.org/officeDocument/2006/relationships" rot="180" type="chevron" r:blip="">
+                  <dgm:adjLst>
+                    <dgm:adj idx="1" val="0.6231"/>
+                  </dgm:adjLst>
+                </dgm:shape>
+              </dgm:else>
+            </dgm:choose>
+            <dgm:presOf/>
+          </dgm:layoutNode>
+          <dgm:layoutNode name="spChevron1">
+            <dgm:alg type="sp"/>
+            <dgm:shape xmlns:r="http://schemas.openxmlformats.org/officeDocument/2006/relationships" r:blip="">
+              <dgm:adjLst/>
+            </dgm:shape>
+            <dgm:presOf/>
+          </dgm:layoutNode>
+        </dgm:layoutNode>
+        <dgm:choose name="Name31">
+          <dgm:if name="Name32" axis="root ch" ptType="all node" func="cnt" op="equ" val="2">
+            <dgm:layoutNode name="overlap">
+              <dgm:alg type="sp"/>
+              <dgm:shape xmlns:r="http://schemas.openxmlformats.org/officeDocument/2006/relationships" r:blip="">
+                <dgm:adjLst/>
+              </dgm:shape>
+              <dgm:presOf/>
+            </dgm:layoutNode>
+            <dgm:layoutNode name="chevronComposite2" styleLbl="alignImgPlace1">
+              <dgm:alg type="composite"/>
+              <dgm:shape xmlns:r="http://schemas.openxmlformats.org/officeDocument/2006/relationships" r:blip="">
+                <dgm:adjLst/>
+              </dgm:shape>
+              <dgm:presOf/>
+              <dgm:constrLst>
+                <dgm:constr type="l" for="ch" forName="chevron2"/>
+                <dgm:constr type="t" for="ch" forName="chevron2" refType="h" fact="0.1923"/>
+                <dgm:constr type="w" for="ch" forName="chevron2" refType="w"/>
+                <dgm:constr type="b" for="ch" forName="chevron2" refType="h"/>
+                <dgm:constr type="l" for="ch" forName="spChevron2"/>
+                <dgm:constr type="t" for="ch" forName="spChevron2"/>
+                <dgm:constr type="w" for="ch" forName="spChevron2" refType="w" fact="0.01"/>
+                <dgm:constr type="h" for="ch" forName="spChevron2" refType="h" fact="0.01"/>
+              </dgm:constrLst>
+              <dgm:layoutNode name="chevron2">
+                <dgm:alg type="sp"/>
+                <dgm:choose name="Name33">
+                  <dgm:if name="Name34" func="var" arg="dir" op="equ" val="norm">
+                    <dgm:shape xmlns:r="http://schemas.openxmlformats.org/officeDocument/2006/relationships" type="chevron" r:blip="">
+                      <dgm:adjLst>
+                        <dgm:adj idx="1" val="0.6231"/>
+                      </dgm:adjLst>
+                    </dgm:shape>
+                  </dgm:if>
+                  <dgm:else name="Name35">
+                    <dgm:shape xmlns:r="http://schemas.openxmlformats.org/officeDocument/2006/relationships" rot="180" type="chevron" r:blip="">
+                      <dgm:adjLst>
+                        <dgm:adj idx="1" val="0.6231"/>
+                      </dgm:adjLst>
+                    </dgm:shape>
+                  </dgm:else>
+                </dgm:choose>
+                <dgm:presOf/>
+              </dgm:layoutNode>
+              <dgm:layoutNode name="spChevron2">
+                <dgm:alg type="sp"/>
+                <dgm:shape xmlns:r="http://schemas.openxmlformats.org/officeDocument/2006/relationships" r:blip="">
+                  <dgm:adjLst/>
+                </dgm:shape>
+                <dgm:presOf/>
+              </dgm:layoutNode>
+            </dgm:layoutNode>
+          </dgm:if>
+          <dgm:else name="Name36"/>
+        </dgm:choose>
+      </dgm:forEach>
+    </dgm:forEach>
+  </dgm:layoutNode>
+</dgm:layoutDef>
+</file>
+
 <file path=ppt/diagrams/quickStyle1.xml><?xml version="1.0" encoding="utf-8"?>
+<dgm:styleDef xmlns:dgm="http://schemas.openxmlformats.org/drawingml/2006/diagram" xmlns:a="http://schemas.openxmlformats.org/drawingml/2006/main" uniqueId="urn:microsoft.com/office/officeart/2005/8/quickstyle/simple1">
+  <dgm:title val=""/>
+  <dgm:desc val=""/>
+  <dgm:catLst>
+    <dgm:cat type="simple" pri="10100"/>
+  </dgm:catLst>
+  <dgm:scene3d>
+    <a:camera prst="orthographicFront"/>
+    <a:lightRig rig="threePt" dir="t"/>
+  </dgm:scene3d>
+  <dgm:styleLbl name="node0">
+    <dgm:scene3d>
+      <a:camera prst="orthographicFront"/>
+      <a:lightRig rig="threePt" dir="t"/>
+    </dgm:scene3d>
+    <dgm:sp3d/>
+    <dgm:txPr/>
+    <dgm:style>
+      <a:lnRef idx="2">
+        <a:scrgbClr r="0" g="0" b="0"/>
+      </a:lnRef>
+      <a:fillRef idx="1">
+        <a:scrgbClr r="0" g="0" b="0"/>
+      </a:fillRef>
+      <a:effectRef idx="0">
+        <a:scrgbClr r="0" g="0" b="0"/>
+      </a:effectRef>
+      <a:fontRef idx="minor">
+        <a:schemeClr val="lt1"/>
+      </a:fontRef>
+    </dgm:style>
+  </dgm:styleLbl>
+  <dgm:styleLbl name="lnNode1">
+    <dgm:scene3d>
+      <a:camera prst="orthographicFront"/>
+      <a:lightRig rig="threePt" dir="t"/>
+    </dgm:scene3d>
+    <dgm:sp3d/>
+    <dgm:txPr/>
+    <dgm:style>
+      <a:lnRef idx="2">
+        <a:scrgbClr r="0" g="0" b="0"/>
+      </a:lnRef>
+      <a:fillRef idx="1">
+        <a:scrgbClr r="0" g="0" b="0"/>
+      </a:fillRef>
+      <a:effectRef idx="0">
+        <a:scrgbClr r="0" g="0" b="0"/>
+      </a:effectRef>
+      <a:fontRef idx="minor">
+        <a:schemeClr val="lt1"/>
+      </a:fontRef>
+    </dgm:style>
+  </dgm:styleLbl>
+  <dgm:styleLbl name="vennNode1">
+    <dgm:scene3d>
+      <a:camera prst="orthographicFront"/>
+      <a:lightRig rig="threePt" dir="t"/>
+    </dgm:scene3d>
+    <dgm:sp3d/>
+    <dgm:txPr/>
+    <dgm:style>
+      <a:lnRef idx="2">
+        <a:scrgbClr r="0" g="0" b="0"/>
+      </a:lnRef>
+      <a:fillRef idx="1">
+        <a:scrgbClr r="0" g="0" b="0"/>
+      </a:fillRef>
+      <a:effectRef idx="0">
+        <a:scrgbClr r="0" g="0" b="0"/>
+      </a:effectRef>
+      <a:fontRef idx="minor">
+        <a:schemeClr val="tx1"/>
+      </a:fontRef>
+    </dgm:style>
+  </dgm:styleLbl>
+  <dgm:styleLbl name="alignNode1">
+    <dgm:scene3d>
+      <a:camera prst="orthographicFront"/>
+      <a:lightRig rig="threePt" dir="t"/>
+    </dgm:scene3d>
+    <dgm:sp3d/>
+    <dgm:txPr/>
+    <dgm:style>
+      <a:lnRef idx="2">
+        <a:scrgbClr r="0" g="0" b="0"/>
+      </a:lnRef>
+      <a:fillRef idx="1">
+        <a:scrgbClr r="0" g="0" b="0"/>
+      </a:fillRef>
+      <a:effectRef idx="0">
+        <a:scrgbClr r="0" g="0" b="0"/>
+      </a:effectRef>
+      <a:fontRef idx="minor">
+        <a:schemeClr val="lt1"/>
+      </a:fontRef>
+    </dgm:style>
+  </dgm:styleLbl>
+  <dgm:styleLbl name="node1">
+    <dgm:scene3d>
+      <a:camera prst="orthographicFront"/>
+      <a:lightRig rig="threePt" dir="t"/>
+    </dgm:scene3d>
+    <dgm:sp3d/>
+    <dgm:txPr/>
+    <dgm:style>
+      <a:lnRef idx="2">
+        <a:scrgbClr r="0" g="0" b="0"/>
+      </a:lnRef>
+      <a:fillRef idx="1">
+        <a:scrgbClr r="0" g="0" b="0"/>
+      </a:fillRef>
+      <a:effectRef idx="0">
+        <a:scrgbClr r="0" g="0" b="0"/>
+      </a:effectRef>
+      <a:fontRef idx="minor">
+        <a:schemeClr val="lt1"/>
+      </a:fontRef>
+    </dgm:style>
+  </dgm:styleLbl>
+  <dgm:styleLbl name="node2">
+    <dgm:scene3d>
+      <a:camera prst="orthographicFront"/>
+      <a:lightRig rig="threePt" dir="t"/>
+    </dgm:scene3d>
+    <dgm:sp3d/>
+    <dgm:txPr/>
+    <dgm:style>
+      <a:lnRef idx="2">
+        <a:scrgbClr r="0" g="0" b="0"/>
+      </a:lnRef>
+      <a:fillRef idx="1">
+        <a:scrgbClr r="0" g="0" b="0"/>
+      </a:fillRef>
+      <a:effectRef idx="0">
+        <a:scrgbClr r="0" g="0" b="0"/>
+      </a:effectRef>
+      <a:fontRef idx="minor">
+        <a:schemeClr val="lt1"/>
+      </a:fontRef>
+    </dgm:style>
+  </dgm:styleLbl>
+  <dgm:styleLbl name="node3">
+    <dgm:scene3d>
+      <a:camera prst="orthographicFront"/>
+      <a:lightRig rig="threePt" dir="t"/>
+    </dgm:scene3d>
+    <dgm:sp3d/>
+    <dgm:txPr/>
+    <dgm:style>
+      <a:lnRef idx="2">
+        <a:scrgbClr r="0" g="0" b="0"/>
+      </a:lnRef>
+      <a:fillRef idx="1">
+        <a:scrgbClr r="0" g="0" b="0"/>
+      </a:fillRef>
+      <a:effectRef idx="0">
+        <a:scrgbClr r="0" g="0" b="0"/>
+      </a:effectRef>
+      <a:fontRef idx="minor">
+        <a:schemeClr val="lt1"/>
+      </a:fontRef>
+    </dgm:style>
+  </dgm:styleLbl>
+  <dgm:styleLbl name="node4">
+    <dgm:scene3d>
+      <a:camera prst="orthographicFront"/>
+      <a:lightRig rig="threePt" dir="t"/>
+    </dgm:scene3d>
+    <dgm:sp3d/>
+    <dgm:txPr/>
+    <dgm:style>
+      <a:lnRef idx="2">
+        <a:scrgbClr r="0" g="0" b="0"/>
+      </a:lnRef>
+      <a:fillRef idx="1">
+        <a:scrgbClr r="0" g="0" b="0"/>
+      </a:fillRef>
+      <a:effectRef idx="0">
+        <a:scrgbClr r="0" g="0" b="0"/>
+      </a:effectRef>
+      <a:fontRef idx="minor">
+        <a:schemeClr val="lt1"/>
+      </a:fontRef>
+    </dgm:style>
+  </dgm:styleLbl>
+  <dgm:styleLbl name="fgImgPlace1">
+    <dgm:scene3d>
+      <a:camera prst="orthographicFront"/>
+      <a:lightRig rig="threePt" dir="t"/>
+    </dgm:scene3d>
+    <dgm:sp3d/>
+    <dgm:txPr/>
+    <dgm:style>
+      <a:lnRef idx="2">
+        <a:scrgbClr r="0" g="0" b="0"/>
+      </a:lnRef>
+      <a:fillRef idx="1">
+        <a:scrgbClr r="0" g="0" b="0"/>
+      </a:fillRef>
+      <a:effectRef idx="0">
+        <a:scrgbClr r="0" g="0" b="0"/>
+      </a:effectRef>
+      <a:fontRef idx="minor"/>
+    </dgm:style>
+  </dgm:styleLbl>
+  <dgm:styleLbl name="alignImgPlace1">
+    <dgm:scene3d>
+      <a:camera prst="orthographicFront"/>
+      <a:lightRig rig="threePt" dir="t"/>
+    </dgm:scene3d>
+    <dgm:sp3d/>
+    <dgm:txPr/>
+    <dgm:style>
+      <a:lnRef idx="2">
+        <a:scrgbClr r="0" g="0" b="0"/>
+      </a:lnRef>
+      <a:fillRef idx="1">
+        <a:scrgbClr r="0" g="0" b="0"/>
+      </a:fillRef>
+      <a:effectRef idx="0">
+        <a:scrgbClr r="0" g="0" b="0"/>
+      </a:effectRef>
+      <a:fontRef idx="minor"/>
+    </dgm:style>
+  </dgm:styleLbl>
+  <dgm:styleLbl name="bgImgPlace1">
+    <dgm:scene3d>
+      <a:camera prst="orthographicFront"/>
+      <a:lightRig rig="threePt" dir="t"/>
+    </dgm:scene3d>
+    <dgm:sp3d/>
+    <dgm:txPr/>
+    <dgm:style>
+      <a:lnRef idx="2">
+        <a:scrgbClr r="0" g="0" b="0"/>
+      </a:lnRef>
+      <a:fillRef idx="1">
+        <a:scrgbClr r="0" g="0" b="0"/>
+      </a:fillRef>
+      <a:effectRef idx="0">
+        <a:scrgbClr r="0" g="0" b="0"/>
+      </a:effectRef>
+      <a:fontRef idx="minor"/>
+    </dgm:style>
+  </dgm:styleLbl>
+  <dgm:styleLbl name="sibTrans2D1">
+    <dgm:scene3d>
+      <a:camera prst="orthographicFront"/>
+      <a:lightRig rig="threePt" dir="t"/>
+    </dgm:scene3d>
+    <dgm:sp3d/>
+    <dgm:txPr/>
+    <dgm:style>
+      <a:lnRef idx="0">
+        <a:scrgbClr r="0" g="0" b="0"/>
+      </a:lnRef>
+      <a:fillRef idx="1">
+        <a:scrgbClr r="0" g="0" b="0"/>
+      </a:fillRef>
+      <a:effectRef idx="0">
+        <a:scrgbClr r="0" g="0" b="0"/>
+      </a:effectRef>
+      <a:fontRef idx="minor">
+        <a:schemeClr val="lt1"/>
+      </a:fontRef>
+    </dgm:style>
+  </dgm:styleLbl>
+  <dgm:styleLbl name="fgSibTrans2D1">
+    <dgm:scene3d>
+      <a:camera prst="orthographicFront"/>
+      <a:lightRig rig="threePt" dir="t"/>
+    </dgm:scene3d>
+    <dgm:sp3d/>
+    <dgm:txPr/>
+    <dgm:style>
+      <a:lnRef idx="0">
+        <a:scrgbClr r="0" g="0" b="0"/>
+      </a:lnRef>
+      <a:fillRef idx="1">
+        <a:scrgbClr r="0" g="0" b="0"/>
+      </a:fillRef>
+      <a:effectRef idx="0">
+        <a:scrgbClr r="0" g="0" b="0"/>
+      </a:effectRef>
+      <a:fontRef idx="minor">
+        <a:schemeClr val="lt1"/>
+      </a:fontRef>
+    </dgm:style>
+  </dgm:styleLbl>
+  <dgm:styleLbl name="bgSibTrans2D1">
+    <dgm:scene3d>
+      <a:camera prst="orthographicFront"/>
+      <a:lightRig rig="threePt" dir="t"/>
+    </dgm:scene3d>
+    <dgm:sp3d/>
+    <dgm:txPr/>
+    <dgm:style>
+      <a:lnRef idx="0">
+        <a:scrgbClr r="0" g="0" b="0"/>
+      </a:lnRef>
+      <a:fillRef idx="1">
+        <a:scrgbClr r="0" g="0" b="0"/>
+      </a:fillRef>
+      <a:effectRef idx="0">
+        <a:scrgbClr r="0" g="0" b="0"/>
+      </a:effectRef>
+      <a:fontRef idx="minor">
+        <a:schemeClr val="lt1"/>
+      </a:fontRef>
+    </dgm:style>
+  </dgm:styleLbl>
+  <dgm:styleLbl name="sibTrans1D1">
+    <dgm:scene3d>
+      <a:camera prst="orthographicFront"/>
+      <a:lightRig rig="threePt" dir="t"/>
+    </dgm:scene3d>
+    <dgm:sp3d/>
+    <dgm:txPr/>
+    <dgm:style>
+      <a:lnRef idx="1">
+        <a:scrgbClr r="0" g="0" b="0"/>
+      </a:lnRef>
+      <a:fillRef idx="0">
+        <a:scrgbClr r="0" g="0" b="0"/>
+      </a:fillRef>
+      <a:effectRef idx="0">
+        <a:scrgbClr r="0" g="0" b="0"/>
+      </a:effectRef>
+      <a:fontRef idx="minor"/>
+    </dgm:style>
+  </dgm:styleLbl>
+  <dgm:styleLbl name="callout">
+    <dgm:scene3d>
+      <a:camera prst="orthographicFront"/>
+      <a:lightRig rig="threePt" dir="t"/>
+    </dgm:scene3d>
+    <dgm:sp3d/>
+    <dgm:txPr/>
+    <dgm:style>
+      <a:lnRef idx="2">
+        <a:scrgbClr r="0" g="0" b="0"/>
+      </a:lnRef>
+      <a:fillRef idx="1">
+        <a:scrgbClr r="0" g="0" b="0"/>
+      </a:fillRef>
+      <a:effectRef idx="0">
+        <a:scrgbClr r="0" g="0" b="0"/>
+      </a:effectRef>
+      <a:fontRef idx="minor"/>
+    </dgm:style>
+  </dgm:styleLbl>
+  <dgm:styleLbl name="asst0">
+    <dgm:scene3d>
+      <a:camera prst="orthographicFront"/>
+      <a:lightRig rig="threePt" dir="t"/>
+    </dgm:scene3d>
+    <dgm:sp3d/>
+    <dgm:txPr/>
+    <dgm:style>
+      <a:lnRef idx="2">
+        <a:scrgbClr r="0" g="0" b="0"/>
+      </a:lnRef>
+      <a:fillRef idx="1">
+        <a:scrgbClr r="0" g="0" b="0"/>
+      </a:fillRef>
+      <a:effectRef idx="0">
+        <a:scrgbClr r="0" g="0" b="0"/>
+      </a:effectRef>
+      <a:fontRef idx="minor">
+        <a:schemeClr val="lt1"/>
+      </a:fontRef>
+    </dgm:style>
+  </dgm:styleLbl>
+  <dgm:styleLbl name="asst1">
+    <dgm:scene3d>
+      <a:camera prst="orthographicFront"/>
+      <a:lightRig rig="threePt" dir="t"/>
+    </dgm:scene3d>
+    <dgm:sp3d/>
+    <dgm:txPr/>
+    <dgm:style>
+      <a:lnRef idx="2">
+        <a:scrgbClr r="0" g="0" b="0"/>
+      </a:lnRef>
+      <a:fillRef idx="1">
+        <a:scrgbClr r="0" g="0" b="0"/>
+      </a:fillRef>
+      <a:effectRef idx="0">
+        <a:scrgbClr r="0" g="0" b="0"/>
+      </a:effectRef>
+      <a:fontRef idx="minor">
+        <a:schemeClr val="lt1"/>
+      </a:fontRef>
+    </dgm:style>
+  </dgm:styleLbl>
+  <dgm:styleLbl name="asst2">
+    <dgm:scene3d>
+      <a:camera prst="orthographicFront"/>
+      <a:lightRig rig="threePt" dir="t"/>
+    </dgm:scene3d>
+    <dgm:sp3d/>
+    <dgm:txPr/>
+    <dgm:style>
+      <a:lnRef idx="2">
+        <a:scrgbClr r="0" g="0" b="0"/>
+      </a:lnRef>
+      <a:fillRef idx="1">
+        <a:scrgbClr r="0" g="0" b="0"/>
+      </a:fillRef>
+      <a:effectRef idx="0">
+        <a:scrgbClr r="0" g="0" b="0"/>
+      </a:effectRef>
+      <a:fontRef idx="minor">
+        <a:schemeClr val="lt1"/>
+      </a:fontRef>
+    </dgm:style>
+  </dgm:styleLbl>
+  <dgm:styleLbl name="asst3">
+    <dgm:scene3d>
+      <a:camera prst="orthographicFront"/>
+      <a:lightRig rig="threePt" dir="t"/>
+    </dgm:scene3d>
+    <dgm:sp3d/>
+    <dgm:txPr/>
+    <dgm:style>
+      <a:lnRef idx="2">
+        <a:scrgbClr r="0" g="0" b="0"/>
+      </a:lnRef>
+      <a:fillRef idx="1">
+        <a:scrgbClr r="0" g="0" b="0"/>
+      </a:fillRef>
+      <a:effectRef idx="0">
+        <a:scrgbClr r="0" g="0" b="0"/>
+      </a:effectRef>
+      <a:fontRef idx="minor">
+        <a:schemeClr val="lt1"/>
+      </a:fontRef>
+    </dgm:style>
+  </dgm:styleLbl>
+  <dgm:styleLbl name="asst4">
+    <dgm:scene3d>
+      <a:camera prst="orthographicFront"/>
+      <a:lightRig rig="threePt" dir="t"/>
+    </dgm:scene3d>
+    <dgm:sp3d/>
+    <dgm:txPr/>
+    <dgm:style>
+      <a:lnRef idx="2">
+        <a:scrgbClr r="0" g="0" b="0"/>
+      </a:lnRef>
+      <a:fillRef idx="1">
+        <a:scrgbClr r="0" g="0" b="0"/>
+      </a:fillRef>
+      <a:effectRef idx="0">
+        <a:scrgbClr r="0" g="0" b="0"/>
+      </a:effectRef>
+      <a:fontRef idx="minor">
+        <a:schemeClr val="lt1"/>
+      </a:fontRef>
+    </dgm:style>
+  </dgm:styleLbl>
+  <dgm:styleLbl name="parChTrans2D1">
+    <dgm:scene3d>
+      <a:camera prst="orthographicFront"/>
+      <a:lightRig rig="threePt" dir="t"/>
+    </dgm:scene3d>
+    <dgm:sp3d/>
+    <dgm:txPr/>
+    <dgm:style>
+      <a:lnRef idx="2">
+        <a:scrgbClr r="0" g="0" b="0"/>
+      </a:lnRef>
+      <a:fillRef idx="1">
+        <a:scrgbClr r="0" g="0" b="0"/>
+      </a:fillRef>
+      <a:effectRef idx="0">
+        <a:scrgbClr r="0" g="0" b="0"/>
+      </a:effectRef>
+      <a:fontRef idx="minor">
+        <a:schemeClr val="lt1"/>
+      </a:fontRef>
+    </dgm:style>
+  </dgm:styleLbl>
+  <dgm:styleLbl name="parChTrans2D2">
+    <dgm:scene3d>
+      <a:camera prst="orthographicFront"/>
+      <a:lightRig rig="threePt" dir="t"/>
+    </dgm:scene3d>
+    <dgm:sp3d/>
+    <dgm:txPr/>
+    <dgm:style>
+      <a:lnRef idx="2">
+        <a:scrgbClr r="0" g="0" b="0"/>
+      </a:lnRef>
+      <a:fillRef idx="1">
+        <a:scrgbClr r="0" g="0" b="0"/>
+      </a:fillRef>
+      <a:effectRef idx="0">
+        <a:scrgbClr r="0" g="0" b="0"/>
+      </a:effectRef>
+      <a:fontRef idx="minor">
+        <a:schemeClr val="lt1"/>
+      </a:fontRef>
+    </dgm:style>
+  </dgm:styleLbl>
+  <dgm:styleLbl name="parChTrans2D3">
+    <dgm:scene3d>
+      <a:camera prst="orthographicFront"/>
+      <a:lightRig rig="threePt" dir="t"/>
+    </dgm:scene3d>
+    <dgm:sp3d/>
+    <dgm:txPr/>
+    <dgm:style>
+      <a:lnRef idx="2">
+        <a:scrgbClr r="0" g="0" b="0"/>
+      </a:lnRef>
+      <a:fillRef idx="1">
+        <a:scrgbClr r="0" g="0" b="0"/>
+      </a:fillRef>
+      <a:effectRef idx="0">
+        <a:scrgbClr r="0" g="0" b="0"/>
+      </a:effectRef>
+      <a:fontRef idx="minor">
+        <a:schemeClr val="lt1"/>
+      </a:fontRef>
+    </dgm:style>
+  </dgm:styleLbl>
+  <dgm:styleLbl name="parChTrans2D4">
+    <dgm:scene3d>
+      <a:camera prst="orthographicFront"/>
+      <a:lightRig rig="threePt" dir="t"/>
+    </dgm:scene3d>
+    <dgm:sp3d/>
+    <dgm:txPr/>
+    <dgm:style>
+      <a:lnRef idx="2">
+        <a:scrgbClr r="0" g="0" b="0"/>
+      </a:lnRef>
+      <a:fillRef idx="1">
+        <a:scrgbClr r="0" g="0" b="0"/>
+      </a:fillRef>
+      <a:effectRef idx="0">
+        <a:scrgbClr r="0" g="0" b="0"/>
+      </a:effectRef>
+      <a:fontRef idx="minor">
+        <a:schemeClr val="lt1"/>
+      </a:fontRef>
+    </dgm:style>
+  </dgm:styleLbl>
+  <dgm:styleLbl name="parChTrans1D1">
+    <dgm:scene3d>
+      <a:camera prst="orthographicFront"/>
+      <a:lightRig rig="threePt" dir="t"/>
+    </dgm:scene3d>
+    <dgm:sp3d/>
+    <dgm:txPr/>
+    <dgm:style>
+      <a:lnRef idx="2">
+        <a:scrgbClr r="0" g="0" b="0"/>
+      </a:lnRef>
+      <a:fillRef idx="0">
+        <a:scrgbClr r="0" g="0" b="0"/>
+      </a:fillRef>
+      <a:effectRef idx="0">
+        <a:scrgbClr r="0" g="0" b="0"/>
+      </a:effectRef>
+      <a:fontRef idx="minor"/>
+    </dgm:style>
+  </dgm:styleLbl>
+  <dgm:styleLbl name="parChTrans1D2">
+    <dgm:scene3d>
+      <a:camera prst="orthographicFront"/>
+      <a:lightRig rig="threePt" dir="t"/>
+    </dgm:scene3d>
+    <dgm:sp3d/>
+    <dgm:txPr/>
+    <dgm:style>
+      <a:lnRef idx="2">
+        <a:scrgbClr r="0" g="0" b="0"/>
+      </a:lnRef>
+      <a:fillRef idx="0">
+        <a:scrgbClr r="0" g="0" b="0"/>
+      </a:fillRef>
+      <a:effectRef idx="0">
+        <a:scrgbClr r="0" g="0" b="0"/>
+      </a:effectRef>
+      <a:fontRef idx="minor"/>
+    </dgm:style>
+  </dgm:styleLbl>
+  <dgm:styleLbl name="parChTrans1D3">
+    <dgm:scene3d>
+      <a:camera prst="orthographicFront"/>
+      <a:lightRig rig="threePt" dir="t"/>
+    </dgm:scene3d>
+    <dgm:sp3d/>
+    <dgm:txPr/>
+    <dgm:style>
+      <a:lnRef idx="2">
+        <a:scrgbClr r="0" g="0" b="0"/>
+      </a:lnRef>
+      <a:fillRef idx="0">
+        <a:scrgbClr r="0" g="0" b="0"/>
+      </a:fillRef>
+      <a:effectRef idx="0">
+        <a:scrgbClr r="0" g="0" b="0"/>
+      </a:effectRef>
+      <a:fontRef idx="minor"/>
+    </dgm:style>
+  </dgm:styleLbl>
+  <dgm:styleLbl name="parChTrans1D4">
+    <dgm:scene3d>
+      <a:camera prst="orthographicFront"/>
+      <a:lightRig rig="threePt" dir="t"/>
+    </dgm:scene3d>
+    <dgm:sp3d/>
+    <dgm:txPr/>
+    <dgm:style>
+      <a:lnRef idx="2">
+        <a:scrgbClr r="0" g="0" b="0"/>
+      </a:lnRef>
+      <a:fillRef idx="0">
+        <a:scrgbClr r="0" g="0" b="0"/>
+      </a:fillRef>
+      <a:effectRef idx="0">
+        <a:scrgbClr r="0" g="0" b="0"/>
+      </a:effectRef>
+      <a:fontRef idx="minor"/>
+    </dgm:style>
+  </dgm:styleLbl>
+  <dgm:styleLbl name="fgAcc1">
+    <dgm:scene3d>
+      <a:camera prst="orthographicFront"/>
+      <a:lightRig rig="threePt" dir="t"/>
+    </dgm:scene3d>
+    <dgm:sp3d/>
+    <dgm:txPr/>
+    <dgm:style>
+      <a:lnRef idx="2">
+        <a:scrgbClr r="0" g="0" b="0"/>
+      </a:lnRef>
+      <a:fillRef idx="1">
+        <a:scrgbClr r="0" g="0" b="0"/>
+      </a:fillRef>
+      <a:effectRef idx="0">
+        <a:scrgbClr r="0" g="0" b="0"/>
+      </a:effectRef>
+      <a:fontRef idx="minor"/>
+    </dgm:style>
+  </dgm:styleLbl>
+  <dgm:styleLbl name="conFgAcc1">
+    <dgm:scene3d>
+      <a:camera prst="orthographicFront"/>
+      <a:lightRig rig="threePt" dir="t"/>
+    </dgm:scene3d>
+    <dgm:sp3d/>
+    <dgm:txPr/>
+    <dgm:style>
+      <a:lnRef idx="2">
+        <a:scrgbClr r="0" g="0" b="0"/>
+      </a:lnRef>
+      <a:fillRef idx="1">
+        <a:scrgbClr r="0" g="0" b="0"/>
+      </a:fillRef>
+      <a:effectRef idx="0">
+        <a:scrgbClr r="0" g="0" b="0"/>
+      </a:effectRef>
+      <a:fontRef idx="minor"/>
+    </dgm:style>
+  </dgm:styleLbl>
+  <dgm:styleLbl name="alignAcc1">
+    <dgm:scene3d>
+      <a:camera prst="orthographicFront"/>
+      <a:lightRig rig="threePt" dir="t"/>
+    </dgm:scene3d>
+    <dgm:sp3d/>
+    <dgm:txPr/>
+    <dgm:style>
+      <a:lnRef idx="2">
+        <a:scrgbClr r="0" g="0" b="0"/>
+      </a:lnRef>
+      <a:fillRef idx="1">
+        <a:scrgbClr r="0" g="0" b="0"/>
+      </a:fillRef>
+      <a:effectRef idx="0">
+        <a:scrgbClr r="0" g="0" b="0"/>
+      </a:effectRef>
+      <a:fontRef idx="minor"/>
+    </dgm:style>
+  </dgm:styleLbl>
+  <dgm:styleLbl name="trAlignAcc1">
+    <dgm:scene3d>
+      <a:camera prst="orthographicFront"/>
+      <a:lightRig rig="threePt" dir="t"/>
+    </dgm:scene3d>
+    <dgm:sp3d/>
+    <dgm:txPr/>
+    <dgm:style>
+      <a:lnRef idx="1">
+        <a:scrgbClr r="0" g="0" b="0"/>
+      </a:lnRef>
+      <a:fillRef idx="1">
+        <a:scrgbClr r="0" g="0" b="0"/>
+      </a:fillRef>
+      <a:effectRef idx="0">
+        <a:scrgbClr r="0" g="0" b="0"/>
+      </a:effectRef>
+      <a:fontRef idx="minor"/>
+    </dgm:style>
+  </dgm:styleLbl>
+  <dgm:styleLbl name="bgAcc1">
+    <dgm:scene3d>
+      <a:camera prst="orthographicFront"/>
+      <a:lightRig rig="threePt" dir="t"/>
+    </dgm:scene3d>
+    <dgm:sp3d/>
+    <dgm:txPr/>
+    <dgm:style>
+      <a:lnRef idx="2">
+        <a:scrgbClr r="0" g="0" b="0"/>
+      </a:lnRef>
+      <a:fillRef idx="1">
+        <a:scrgbClr r="0" g="0" b="0"/>
+      </a:fillRef>
+      <a:effectRef idx="0">
+        <a:scrgbClr r="0" g="0" b="0"/>
+      </a:effectRef>
+      <a:fontRef idx="minor"/>
+    </dgm:style>
+  </dgm:styleLbl>
+  <dgm:styleLbl name="solidFgAcc1">
+    <dgm:scene3d>
+      <a:camera prst="orthographicFront"/>
+      <a:lightRig rig="threePt" dir="t"/>
+    </dgm:scene3d>
+    <dgm:sp3d/>
+    <dgm:txPr/>
+    <dgm:style>
+      <a:lnRef idx="2">
+        <a:scrgbClr r="0" g="0" b="0"/>
+      </a:lnRef>
+      <a:fillRef idx="1">
+        <a:scrgbClr r="0" g="0" b="0"/>
+      </a:fillRef>
+      <a:effectRef idx="0">
+        <a:scrgbClr r="0" g="0" b="0"/>
+      </a:effectRef>
+      <a:fontRef idx="minor"/>
+    </dgm:style>
+  </dgm:styleLbl>
+  <dgm:styleLbl name="solidAlignAcc1">
+    <dgm:scene3d>
+      <a:camera prst="orthographicFront"/>
+      <a:lightRig rig="threePt" dir="t"/>
+    </dgm:scene3d>
+    <dgm:sp3d/>
+    <dgm:txPr/>
+    <dgm:style>
+      <a:lnRef idx="2">
+        <a:scrgbClr r="0" g="0" b="0"/>
+      </a:lnRef>
+      <a:fillRef idx="1">
+        <a:scrgbClr r="0" g="0" b="0"/>
+      </a:fillRef>
+      <a:effectRef idx="0">
+        <a:scrgbClr r="0" g="0" b="0"/>
+      </a:effectRef>
+      <a:fontRef idx="minor"/>
+    </dgm:style>
+  </dgm:styleLbl>
+  <dgm:styleLbl name="solidBgAcc1">
+    <dgm:scene3d>
+      <a:camera prst="orthographicFront"/>
+      <a:lightRig rig="threePt" dir="t"/>
+    </dgm:scene3d>
+    <dgm:sp3d/>
+    <dgm:txPr/>
+    <dgm:style>
+      <a:lnRef idx="2">
+        <a:scrgbClr r="0" g="0" b="0"/>
+      </a:lnRef>
+      <a:fillRef idx="1">
+        <a:scrgbClr r="0" g="0" b="0"/>
+      </a:fillRef>
+      <a:effectRef idx="0">
+        <a:scrgbClr r="0" g="0" b="0"/>
+      </a:effectRef>
+      <a:fontRef idx="minor"/>
+    </dgm:style>
+  </dgm:styleLbl>
+  <dgm:styleLbl name="fgAccFollowNode1">
+    <dgm:scene3d>
+      <a:camera prst="orthographicFront"/>
+      <a:lightRig rig="threePt" dir="t"/>
+    </dgm:scene3d>
+    <dgm:sp3d/>
+    <dgm:txPr/>
+    <dgm:style>
+      <a:lnRef idx="2">
+        <a:scrgbClr r="0" g="0" b="0"/>
+      </a:lnRef>
+      <a:fillRef idx="1">
+        <a:scrgbClr r="0" g="0" b="0"/>
+      </a:fillRef>
+      <a:effectRef idx="0">
+        <a:scrgbClr r="0" g="0" b="0"/>
+      </a:effectRef>
+      <a:fontRef idx="minor"/>
+    </dgm:style>
+  </dgm:styleLbl>
+  <dgm:styleLbl name="alignAccFollowNode1">
+    <dgm:scene3d>
+      <a:camera prst="orthographicFront"/>
+      <a:lightRig rig="threePt" dir="t"/>
+    </dgm:scene3d>
+    <dgm:sp3d/>
+    <dgm:txPr/>
+    <dgm:style>
+      <a:lnRef idx="2">
+        <a:scrgbClr r="0" g="0" b="0"/>
+      </a:lnRef>
+      <a:fillRef idx="1">
+        <a:scrgbClr r="0" g="0" b="0"/>
+      </a:fillRef>
+      <a:effectRef idx="0">
+        <a:scrgbClr r="0" g="0" b="0"/>
+      </a:effectRef>
+      <a:fontRef idx="minor"/>
+    </dgm:style>
+  </dgm:styleLbl>
+  <dgm:styleLbl name="bgAccFollowNode1">
+    <dgm:scene3d>
+      <a:camera prst="orthographicFront"/>
+      <a:lightRig rig="threePt" dir="t"/>
+    </dgm:scene3d>
+    <dgm:sp3d/>
+    <dgm:txPr/>
+    <dgm:style>
+      <a:lnRef idx="2">
+        <a:scrgbClr r="0" g="0" b="0"/>
+      </a:lnRef>
+      <a:fillRef idx="1">
+        <a:scrgbClr r="0" g="0" b="0"/>
+      </a:fillRef>
+      <a:effectRef idx="0">
+        <a:scrgbClr r="0" g="0" b="0"/>
+      </a:effectRef>
+      <a:fontRef idx="minor"/>
+    </dgm:style>
+  </dgm:styleLbl>
+  <dgm:styleLbl name="fgAcc0">
+    <dgm:scene3d>
+      <a:camera prst="orthographicFront"/>
+      <a:lightRig rig="threePt" dir="t"/>
+    </dgm:scene3d>
+    <dgm:sp3d/>
+    <dgm:txPr/>
+    <dgm:style>
+      <a:lnRef idx="2">
+        <a:scrgbClr r="0" g="0" b="0"/>
+      </a:lnRef>
+      <a:fillRef idx="1">
+        <a:scrgbClr r="0" g="0" b="0"/>
+      </a:fillRef>
+      <a:effectRef idx="0">
+        <a:scrgbClr r="0" g="0" b="0"/>
+      </a:effectRef>
+      <a:fontRef idx="minor"/>
+    </dgm:style>
+  </dgm:styleLbl>
+  <dgm:styleLbl name="fgAcc2">
+    <dgm:scene3d>
+      <a:camera prst="orthographicFront"/>
+      <a:lightRig rig="threePt" dir="t"/>
+    </dgm:scene3d>
+    <dgm:sp3d/>
+    <dgm:txPr/>
+    <dgm:style>
+      <a:lnRef idx="2">
+        <a:scrgbClr r="0" g="0" b="0"/>
+      </a:lnRef>
+      <a:fillRef idx="1">
+        <a:scrgbClr r="0" g="0" b="0"/>
+      </a:fillRef>
+      <a:effectRef idx="0">
+        <a:scrgbClr r="0" g="0" b="0"/>
+      </a:effectRef>
+      <a:fontRef idx="minor"/>
+    </dgm:style>
+  </dgm:styleLbl>
+  <dgm:styleLbl name="fgAcc3">
+    <dgm:scene3d>
+      <a:camera prst="orthographicFront"/>
+      <a:lightRig rig="threePt" dir="t"/>
+    </dgm:scene3d>
+    <dgm:sp3d/>
+    <dgm:txPr/>
+    <dgm:style>
+      <a:lnRef idx="2">
+        <a:scrgbClr r="0" g="0" b="0"/>
+      </a:lnRef>
+      <a:fillRef idx="1">
+        <a:scrgbClr r="0" g="0" b="0"/>
+      </a:fillRef>
+      <a:effectRef idx="0">
+        <a:scrgbClr r="0" g="0" b="0"/>
+      </a:effectRef>
+      <a:fontRef idx="minor"/>
+    </dgm:style>
+  </dgm:styleLbl>
+  <dgm:styleLbl name="fgAcc4">
+    <dgm:scene3d>
+      <a:camera prst="orthographicFront"/>
+      <a:lightRig rig="threePt" dir="t"/>
+    </dgm:scene3d>
+    <dgm:sp3d/>
+    <dgm:txPr/>
+    <dgm:style>
+      <a:lnRef idx="2">
+        <a:scrgbClr r="0" g="0" b="0"/>
+      </a:lnRef>
+      <a:fillRef idx="1">
+        <a:scrgbClr r="0" g="0" b="0"/>
+      </a:fillRef>
+      <a:effectRef idx="0">
+        <a:scrgbClr r="0" g="0" b="0"/>
+      </a:effectRef>
+      <a:fontRef idx="minor"/>
+    </dgm:style>
+  </dgm:styleLbl>
+  <dgm:styleLbl name="bgShp">
+    <dgm:scene3d>
+      <a:camera prst="orthographicFront"/>
+      <a:lightRig rig="threePt" dir="t"/>
+    </dgm:scene3d>
+    <dgm:sp3d/>
+    <dgm:txPr/>
+    <dgm:style>
+      <a:lnRef idx="0">
+        <a:scrgbClr r="0" g="0" b="0"/>
+      </a:lnRef>
+      <a:fillRef idx="1">
+        <a:scrgbClr r="0" g="0" b="0"/>
+      </a:fillRef>
+      <a:effectRef idx="0">
+        <a:scrgbClr r="0" g="0" b="0"/>
+      </a:effectRef>
+      <a:fontRef idx="minor"/>
+    </dgm:style>
+  </dgm:styleLbl>
+  <dgm:styleLbl name="dkBgShp">
+    <dgm:scene3d>
+      <a:camera prst="orthographicFront"/>
+      <a:lightRig rig="threePt" dir="t"/>
+    </dgm:scene3d>
+    <dgm:sp3d/>
+    <dgm:txPr/>
+    <dgm:style>
+      <a:lnRef idx="0">
+        <a:scrgbClr r="0" g="0" b="0"/>
+      </a:lnRef>
+      <a:fillRef idx="1">
+        <a:scrgbClr r="0" g="0" b="0"/>
+      </a:fillRef>
+      <a:effectRef idx="0">
+        <a:scrgbClr r="0" g="0" b="0"/>
+      </a:effectRef>
+      <a:fontRef idx="minor"/>
+    </dgm:style>
+  </dgm:styleLbl>
+  <dgm:styleLbl name="trBgShp">
+    <dgm:scene3d>
+      <a:camera prst="orthographicFront"/>
+      <a:lightRig rig="threePt" dir="t"/>
+    </dgm:scene3d>
+    <dgm:sp3d/>
+    <dgm:txPr/>
+    <dgm:style>
+      <a:lnRef idx="0">
+        <a:scrgbClr r="0" g="0" b="0"/>
+      </a:lnRef>
+      <a:fillRef idx="1">
+        <a:scrgbClr r="0" g="0" b="0"/>
+      </a:fillRef>
+      <a:effectRef idx="0">
+        <a:scrgbClr r="0" g="0" b="0"/>
+      </a:effectRef>
+      <a:fontRef idx="minor"/>
+    </dgm:style>
+  </dgm:styleLbl>
+  <dgm:styleLbl name="fgShp">
+    <dgm:scene3d>
+      <a:camera prst="orthographicFront"/>
+      <a:lightRig rig="threePt" dir="t"/>
+    </dgm:scene3d>
+    <dgm:sp3d/>
+    <dgm:txPr/>
+    <dgm:style>
+      <a:lnRef idx="2">
+        <a:scrgbClr r="0" g="0" b="0"/>
+      </a:lnRef>
+      <a:fillRef idx="1">
+        <a:scrgbClr r="0" g="0" b="0"/>
+      </a:fillRef>
+      <a:effectRef idx="0">
+        <a:scrgbClr r="0" g="0" b="0"/>
+      </a:effectRef>
+      <a:fontRef idx="minor"/>
+    </dgm:style>
+  </dgm:styleLbl>
+  <dgm:styleLbl name="revTx">
+    <dgm:scene3d>
+      <a:camera prst="orthographicFront"/>
+      <a:lightRig rig="threePt" dir="t"/>
+    </dgm:scene3d>
+    <dgm:sp3d/>
+    <dgm:txPr/>
+    <dgm:style>
+      <a:lnRef idx="0">
+        <a:scrgbClr r="0" g="0" b="0"/>
+      </a:lnRef>
+      <a:fillRef idx="0">
+        <a:scrgbClr r="0" g="0" b="0"/>
+      </a:fillRef>
+      <a:effectRef idx="0">
+        <a:scrgbClr r="0" g="0" b="0"/>
+      </a:effectRef>
+      <a:fontRef idx="minor"/>
+    </dgm:style>
+  </dgm:styleLbl>
+</dgm:styleDef>
+</file>
+
+<file path=ppt/diagrams/quickStyle2.xml><?xml version="1.0" encoding="utf-8"?>
+<dgm:styleDef xmlns:dgm="http://schemas.openxmlformats.org/drawingml/2006/diagram" xmlns:a="http://schemas.openxmlformats.org/drawingml/2006/main" uniqueId="urn:microsoft.com/office/officeart/2005/8/quickstyle/simple1">
+  <dgm:title val=""/>
+  <dgm:desc val=""/>
+  <dgm:catLst>
+    <dgm:cat type="simple" pri="10100"/>
+  </dgm:catLst>
+  <dgm:scene3d>
+    <a:camera prst="orthographicFront"/>
+    <a:lightRig rig="threePt" dir="t"/>
+  </dgm:scene3d>
+  <dgm:styleLbl name="node0">
+    <dgm:scene3d>
+      <a:camera prst="orthographicFront"/>
+      <a:lightRig rig="threePt" dir="t"/>
+    </dgm:scene3d>
+    <dgm:sp3d/>
+    <dgm:txPr/>
+    <dgm:style>
+      <a:lnRef idx="2">
+        <a:scrgbClr r="0" g="0" b="0"/>
+      </a:lnRef>
+      <a:fillRef idx="1">
+        <a:scrgbClr r="0" g="0" b="0"/>
+      </a:fillRef>
+      <a:effectRef idx="0">
+        <a:scrgbClr r="0" g="0" b="0"/>
+      </a:effectRef>
+      <a:fontRef idx="minor">
+        <a:schemeClr val="lt1"/>
+      </a:fontRef>
+    </dgm:style>
+  </dgm:styleLbl>
+  <dgm:styleLbl name="lnNode1">
+    <dgm:scene3d>
+      <a:camera prst="orthographicFront"/>
+      <a:lightRig rig="threePt" dir="t"/>
+    </dgm:scene3d>
+    <dgm:sp3d/>
+    <dgm:txPr/>
+    <dgm:style>
+      <a:lnRef idx="2">
+        <a:scrgbClr r="0" g="0" b="0"/>
+      </a:lnRef>
+      <a:fillRef idx="1">
+        <a:scrgbClr r="0" g="0" b="0"/>
+      </a:fillRef>
+      <a:effectRef idx="0">
+        <a:scrgbClr r="0" g="0" b="0"/>
+      </a:effectRef>
+      <a:fontRef idx="minor">
+        <a:schemeClr val="lt1"/>
+      </a:fontRef>
+    </dgm:style>
+  </dgm:styleLbl>
+  <dgm:styleLbl name="vennNode1">
+    <dgm:scene3d>
+      <a:camera prst="orthographicFront"/>
+      <a:lightRig rig="threePt" dir="t"/>
+    </dgm:scene3d>
+    <dgm:sp3d/>
+    <dgm:txPr/>
+    <dgm:style>
+      <a:lnRef idx="2">
+        <a:scrgbClr r="0" g="0" b="0"/>
+      </a:lnRef>
+      <a:fillRef idx="1">
+        <a:scrgbClr r="0" g="0" b="0"/>
+      </a:fillRef>
+      <a:effectRef idx="0">
+        <a:scrgbClr r="0" g="0" b="0"/>
+      </a:effectRef>
+      <a:fontRef idx="minor">
+        <a:schemeClr val="tx1"/>
+      </a:fontRef>
+    </dgm:style>
+  </dgm:styleLbl>
+  <dgm:styleLbl name="alignNode1">
+    <dgm:scene3d>
+      <a:camera prst="orthographicFront"/>
+      <a:lightRig rig="threePt" dir="t"/>
+    </dgm:scene3d>
+    <dgm:sp3d/>
+    <dgm:txPr/>
+    <dgm:style>
+      <a:lnRef idx="2">
+        <a:scrgbClr r="0" g="0" b="0"/>
+      </a:lnRef>
+      <a:fillRef idx="1">
+        <a:scrgbClr r="0" g="0" b="0"/>
+      </a:fillRef>
+      <a:effectRef idx="0">
+        <a:scrgbClr r="0" g="0" b="0"/>
+      </a:effectRef>
+      <a:fontRef idx="minor">
+        <a:schemeClr val="lt1"/>
+      </a:fontRef>
+    </dgm:style>
+  </dgm:styleLbl>
+  <dgm:styleLbl name="node1">
+    <dgm:scene3d>
+      <a:camera prst="orthographicFront"/>
+      <a:lightRig rig="threePt" dir="t"/>
+    </dgm:scene3d>
+    <dgm:sp3d/>
+    <dgm:txPr/>
+    <dgm:style>
+      <a:lnRef idx="2">
+        <a:scrgbClr r="0" g="0" b="0"/>
+      </a:lnRef>
+      <a:fillRef idx="1">
+        <a:scrgbClr r="0" g="0" b="0"/>
+      </a:fillRef>
+      <a:effectRef idx="0">
+        <a:scrgbClr r="0" g="0" b="0"/>
+      </a:effectRef>
+      <a:fontRef idx="minor">
+        <a:schemeClr val="lt1"/>
+      </a:fontRef>
+    </dgm:style>
+  </dgm:styleLbl>
+  <dgm:styleLbl name="node2">
+    <dgm:scene3d>
+      <a:camera prst="orthographicFront"/>
+      <a:lightRig rig="threePt" dir="t"/>
+    </dgm:scene3d>
+    <dgm:sp3d/>
+    <dgm:txPr/>
+    <dgm:style>
+      <a:lnRef idx="2">
+        <a:scrgbClr r="0" g="0" b="0"/>
+      </a:lnRef>
+      <a:fillRef idx="1">
+        <a:scrgbClr r="0" g="0" b="0"/>
+      </a:fillRef>
+      <a:effectRef idx="0">
+        <a:scrgbClr r="0" g="0" b="0"/>
+      </a:effectRef>
+      <a:fontRef idx="minor">
+        <a:schemeClr val="lt1"/>
+      </a:fontRef>
+    </dgm:style>
+  </dgm:styleLbl>
+  <dgm:styleLbl name="node3">
+    <dgm:scene3d>
+      <a:camera prst="orthographicFront"/>
+      <a:lightRig rig="threePt" dir="t"/>
+    </dgm:scene3d>
+    <dgm:sp3d/>
+    <dgm:txPr/>
+    <dgm:style>
+      <a:lnRef idx="2">
+        <a:scrgbClr r="0" g="0" b="0"/>
+      </a:lnRef>
+      <a:fillRef idx="1">
+        <a:scrgbClr r="0" g="0" b="0"/>
+      </a:fillRef>
+      <a:effectRef idx="0">
+        <a:scrgbClr r="0" g="0" b="0"/>
+      </a:effectRef>
+      <a:fontRef idx="minor">
+        <a:schemeClr val="lt1"/>
+      </a:fontRef>
+    </dgm:style>
+  </dgm:styleLbl>
+  <dgm:styleLbl name="node4">
+    <dgm:scene3d>
+      <a:camera prst="orthographicFront"/>
+      <a:lightRig rig="threePt" dir="t"/>
+    </dgm:scene3d>
+    <dgm:sp3d/>
+    <dgm:txPr/>
+    <dgm:style>
+      <a:lnRef idx="2">
+        <a:scrgbClr r="0" g="0" b="0"/>
+      </a:lnRef>
+      <a:fillRef idx="1">
+        <a:scrgbClr r="0" g="0" b="0"/>
+      </a:fillRef>
+      <a:effectRef idx="0">
+        <a:scrgbClr r="0" g="0" b="0"/>
+      </a:effectRef>
+      <a:fontRef idx="minor">
+        <a:schemeClr val="lt1"/>
+      </a:fontRef>
+    </dgm:style>
+  </dgm:styleLbl>
+  <dgm:styleLbl name="fgImgPlace1">
+    <dgm:scene3d>
+      <a:camera prst="orthographicFront"/>
+      <a:lightRig rig="threePt" dir="t"/>
+    </dgm:scene3d>
+    <dgm:sp3d/>
+    <dgm:txPr/>
+    <dgm:style>
+      <a:lnRef idx="2">
+        <a:scrgbClr r="0" g="0" b="0"/>
+      </a:lnRef>
+      <a:fillRef idx="1">
+        <a:scrgbClr r="0" g="0" b="0"/>
+      </a:fillRef>
+      <a:effectRef idx="0">
+        <a:scrgbClr r="0" g="0" b="0"/>
+      </a:effectRef>
+      <a:fontRef idx="minor"/>
+    </dgm:style>
+  </dgm:styleLbl>
+  <dgm:styleLbl name="alignImgPlace1">
+    <dgm:scene3d>
+      <a:camera prst="orthographicFront"/>
+      <a:lightRig rig="threePt" dir="t"/>
+    </dgm:scene3d>
+    <dgm:sp3d/>
+    <dgm:txPr/>
+    <dgm:style>
+      <a:lnRef idx="2">
+        <a:scrgbClr r="0" g="0" b="0"/>
+      </a:lnRef>
+      <a:fillRef idx="1">
+        <a:scrgbClr r="0" g="0" b="0"/>
+      </a:fillRef>
+      <a:effectRef idx="0">
+        <a:scrgbClr r="0" g="0" b="0"/>
+      </a:effectRef>
+      <a:fontRef idx="minor"/>
+    </dgm:style>
+  </dgm:styleLbl>
+  <dgm:styleLbl name="bgImgPlace1">
+    <dgm:scene3d>
+      <a:camera prst="orthographicFront"/>
+      <a:lightRig rig="threePt" dir="t"/>
+    </dgm:scene3d>
+    <dgm:sp3d/>
+    <dgm:txPr/>
+    <dgm:style>
+      <a:lnRef idx="2">
+        <a:scrgbClr r="0" g="0" b="0"/>
+      </a:lnRef>
+      <a:fillRef idx="1">
+        <a:scrgbClr r="0" g="0" b="0"/>
+      </a:fillRef>
+      <a:effectRef idx="0">
+        <a:scrgbClr r="0" g="0" b="0"/>
+      </a:effectRef>
+      <a:fontRef idx="minor"/>
+    </dgm:style>
+  </dgm:styleLbl>
+  <dgm:styleLbl name="sibTrans2D1">
+    <dgm:scene3d>
+      <a:camera prst="orthographicFront"/>
+      <a:lightRig rig="threePt" dir="t"/>
+    </dgm:scene3d>
+    <dgm:sp3d/>
+    <dgm:txPr/>
+    <dgm:style>
+      <a:lnRef idx="0">
+        <a:scrgbClr r="0" g="0" b="0"/>
+      </a:lnRef>
+      <a:fillRef idx="1">
+        <a:scrgbClr r="0" g="0" b="0"/>
+      </a:fillRef>
+      <a:effectRef idx="0">
+        <a:scrgbClr r="0" g="0" b="0"/>
+      </a:effectRef>
+      <a:fontRef idx="minor">
+        <a:schemeClr val="lt1"/>
+      </a:fontRef>
+    </dgm:style>
+  </dgm:styleLbl>
+  <dgm:styleLbl name="fgSibTrans2D1">
+    <dgm:scene3d>
+      <a:camera prst="orthographicFront"/>
+      <a:lightRig rig="threePt" dir="t"/>
+    </dgm:scene3d>
+    <dgm:sp3d/>
+    <dgm:txPr/>
+    <dgm:style>
+      <a:lnRef idx="0">
+        <a:scrgbClr r="0" g="0" b="0"/>
+      </a:lnRef>
+      <a:fillRef idx="1">
+        <a:scrgbClr r="0" g="0" b="0"/>
+      </a:fillRef>
+      <a:effectRef idx="0">
+        <a:scrgbClr r="0" g="0" b="0"/>
+      </a:effectRef>
+      <a:fontRef idx="minor">
+        <a:schemeClr val="lt1"/>
+      </a:fontRef>
+    </dgm:style>
+  </dgm:styleLbl>
+  <dgm:styleLbl name="bgSibTrans2D1">
+    <dgm:scene3d>
+      <a:camera prst="orthographicFront"/>
+      <a:lightRig rig="threePt" dir="t"/>
+    </dgm:scene3d>
+    <dgm:sp3d/>
+    <dgm:txPr/>
+    <dgm:style>
+      <a:lnRef idx="0">
+        <a:scrgbClr r="0" g="0" b="0"/>
+      </a:lnRef>
+      <a:fillRef idx="1">
+        <a:scrgbClr r="0" g="0" b="0"/>
+      </a:fillRef>
+      <a:effectRef idx="0">
+        <a:scrgbClr r="0" g="0" b="0"/>
+      </a:effectRef>
+      <a:fontRef idx="minor">
+        <a:schemeClr val="lt1"/>
+      </a:fontRef>
+    </dgm:style>
+  </dgm:styleLbl>
+  <dgm:styleLbl name="sibTrans1D1">
+    <dgm:scene3d>
+      <a:camera prst="orthographicFront"/>
+      <a:lightRig rig="threePt" dir="t"/>
+    </dgm:scene3d>
+    <dgm:sp3d/>
+    <dgm:txPr/>
+    <dgm:style>
+      <a:lnRef idx="1">
+        <a:scrgbClr r="0" g="0" b="0"/>
+      </a:lnRef>
+      <a:fillRef idx="0">
+        <a:scrgbClr r="0" g="0" b="0"/>
+      </a:fillRef>
+      <a:effectRef idx="0">
+        <a:scrgbClr r="0" g="0" b="0"/>
+      </a:effectRef>
+      <a:fontRef idx="minor"/>
+    </dgm:style>
+  </dgm:styleLbl>
+  <dgm:styleLbl name="callout">
+    <dgm:scene3d>
+      <a:camera prst="orthographicFront"/>
+      <a:lightRig rig="threePt" dir="t"/>
+    </dgm:scene3d>
+    <dgm:sp3d/>
+    <dgm:txPr/>
+    <dgm:style>
+      <a:lnRef idx="2">
+        <a:scrgbClr r="0" g="0" b="0"/>
+      </a:lnRef>
+      <a:fillRef idx="1">
+        <a:scrgbClr r="0" g="0" b="0"/>
+      </a:fillRef>
+      <a:effectRef idx="0">
+        <a:scrgbClr r="0" g="0" b="0"/>
+      </a:effectRef>
+      <a:fontRef idx="minor"/>
+    </dgm:style>
+  </dgm:styleLbl>
+  <dgm:styleLbl name="asst0">
+    <dgm:scene3d>
+      <a:camera prst="orthographicFront"/>
+      <a:lightRig rig="threePt" dir="t"/>
+    </dgm:scene3d>
+    <dgm:sp3d/>
+    <dgm:txPr/>
+    <dgm:style>
+      <a:lnRef idx="2">
+        <a:scrgbClr r="0" g="0" b="0"/>
+      </a:lnRef>
+      <a:fillRef idx="1">
+        <a:scrgbClr r="0" g="0" b="0"/>
+      </a:fillRef>
+      <a:effectRef idx="0">
+        <a:scrgbClr r="0" g="0" b="0"/>
+      </a:effectRef>
+      <a:fontRef idx="minor">
+        <a:schemeClr val="lt1"/>
+      </a:fontRef>
+    </dgm:style>
+  </dgm:styleLbl>
+  <dgm:styleLbl name="asst1">
+    <dgm:scene3d>
+      <a:camera prst="orthographicFront"/>
+      <a:lightRig rig="threePt" dir="t"/>
+    </dgm:scene3d>
+    <dgm:sp3d/>
+    <dgm:txPr/>
+    <dgm:style>
+      <a:lnRef idx="2">
+        <a:scrgbClr r="0" g="0" b="0"/>
+      </a:lnRef>
+      <a:fillRef idx="1">
+        <a:scrgbClr r="0" g="0" b="0"/>
+      </a:fillRef>
+      <a:effectRef idx="0">
+        <a:scrgbClr r="0" g="0" b="0"/>
+      </a:effectRef>
+      <a:fontRef idx="minor">
+        <a:schemeClr val="lt1"/>
+      </a:fontRef>
+    </dgm:style>
+  </dgm:styleLbl>
+  <dgm:styleLbl name="asst2">
+    <dgm:scene3d>
+      <a:camera prst="orthographicFront"/>
+      <a:lightRig rig="threePt" dir="t"/>
+    </dgm:scene3d>
+    <dgm:sp3d/>
+    <dgm:txPr/>
+    <dgm:style>
+      <a:lnRef idx="2">
+        <a:scrgbClr r="0" g="0" b="0"/>
+      </a:lnRef>
+      <a:fillRef idx="1">
+        <a:scrgbClr r="0" g="0" b="0"/>
+      </a:fillRef>
+      <a:effectRef idx="0">
+        <a:scrgbClr r="0" g="0" b="0"/>
+      </a:effectRef>
+      <a:fontRef idx="minor">
+        <a:schemeClr val="lt1"/>
+      </a:fontRef>
+    </dgm:style>
+  </dgm:styleLbl>
+  <dgm:styleLbl name="asst3">
+    <dgm:scene3d>
+      <a:camera prst="orthographicFront"/>
+      <a:lightRig rig="threePt" dir="t"/>
+    </dgm:scene3d>
+    <dgm:sp3d/>
+    <dgm:txPr/>
+    <dgm:style>
+      <a:lnRef idx="2">
+        <a:scrgbClr r="0" g="0" b="0"/>
+      </a:lnRef>
+      <a:fillRef idx="1">
+        <a:scrgbClr r="0" g="0" b="0"/>
+      </a:fillRef>
+      <a:effectRef idx="0">
+        <a:scrgbClr r="0" g="0" b="0"/>
+      </a:effectRef>
+      <a:fontRef idx="minor">
+        <a:schemeClr val="lt1"/>
+      </a:fontRef>
+    </dgm:style>
+  </dgm:styleLbl>
+  <dgm:styleLbl name="asst4">
+    <dgm:scene3d>
+      <a:camera prst="orthographicFront"/>
+      <a:lightRig rig="threePt" dir="t"/>
+    </dgm:scene3d>
+    <dgm:sp3d/>
+    <dgm:txPr/>
+    <dgm:style>
+      <a:lnRef idx="2">
+        <a:scrgbClr r="0" g="0" b="0"/>
+      </a:lnRef>
+      <a:fillRef idx="1">
+        <a:scrgbClr r="0" g="0" b="0"/>
+      </a:fillRef>
+      <a:effectRef idx="0">
+        <a:scrgbClr r="0" g="0" b="0"/>
+      </a:effectRef>
+      <a:fontRef idx="minor">
+        <a:schemeClr val="lt1"/>
+      </a:fontRef>
+    </dgm:style>
+  </dgm:styleLbl>
+  <dgm:styleLbl name="parChTrans2D1">
+    <dgm:scene3d>
+      <a:camera prst="orthographicFront"/>
+      <a:lightRig rig="threePt" dir="t"/>
+    </dgm:scene3d>
+    <dgm:sp3d/>
+    <dgm:txPr/>
+    <dgm:style>
+      <a:lnRef idx="2">
+        <a:scrgbClr r="0" g="0" b="0"/>
+      </a:lnRef>
+      <a:fillRef idx="1">
+        <a:scrgbClr r="0" g="0" b="0"/>
+      </a:fillRef>
+      <a:effectRef idx="0">
+        <a:scrgbClr r="0" g="0" b="0"/>
+      </a:effectRef>
+      <a:fontRef idx="minor">
+        <a:schemeClr val="lt1"/>
+      </a:fontRef>
+    </dgm:style>
+  </dgm:styleLbl>
+  <dgm:styleLbl name="parChTrans2D2">
+    <dgm:scene3d>
+      <a:camera prst="orthographicFront"/>
+      <a:lightRig rig="threePt" dir="t"/>
+    </dgm:scene3d>
+    <dgm:sp3d/>
+    <dgm:txPr/>
+    <dgm:style>
+      <a:lnRef idx="2">
+        <a:scrgbClr r="0" g="0" b="0"/>
+      </a:lnRef>
+      <a:fillRef idx="1">
+        <a:scrgbClr r="0" g="0" b="0"/>
+      </a:fillRef>
+      <a:effectRef idx="0">
+        <a:scrgbClr r="0" g="0" b="0"/>
+      </a:effectRef>
+      <a:fontRef idx="minor">
+        <a:schemeClr val="lt1"/>
+      </a:fontRef>
+    </dgm:style>
+  </dgm:styleLbl>
+  <dgm:styleLbl name="parChTrans2D3">
+    <dgm:scene3d>
+      <a:camera prst="orthographicFront"/>
+      <a:lightRig rig="threePt" dir="t"/>
+    </dgm:scene3d>
+    <dgm:sp3d/>
+    <dgm:txPr/>
+    <dgm:style>
+      <a:lnRef idx="2">
+        <a:scrgbClr r="0" g="0" b="0"/>
+      </a:lnRef>
+      <a:fillRef idx="1">
+        <a:scrgbClr r="0" g="0" b="0"/>
+      </a:fillRef>
+      <a:effectRef idx="0">
+        <a:scrgbClr r="0" g="0" b="0"/>
+      </a:effectRef>
+      <a:fontRef idx="minor">
+        <a:schemeClr val="lt1"/>
+      </a:fontRef>
+    </dgm:style>
+  </dgm:styleLbl>
+  <dgm:styleLbl name="parChTrans2D4">
+    <dgm:scene3d>
+      <a:camera prst="orthographicFront"/>
+      <a:lightRig rig="threePt" dir="t"/>
+    </dgm:scene3d>
+    <dgm:sp3d/>
+    <dgm:txPr/>
+    <dgm:style>
+      <a:lnRef idx="2">
+        <a:scrgbClr r="0" g="0" b="0"/>
+      </a:lnRef>
+      <a:fillRef idx="1">
+        <a:scrgbClr r="0" g="0" b="0"/>
+      </a:fillRef>
+      <a:effectRef idx="0">
+        <a:scrgbClr r="0" g="0" b="0"/>
+      </a:effectRef>
+      <a:fontRef idx="minor">
+        <a:schemeClr val="lt1"/>
+      </a:fontRef>
+    </dgm:style>
+  </dgm:styleLbl>
+  <dgm:styleLbl name="parChTrans1D1">
+    <dgm:scene3d>
+      <a:camera prst="orthographicFront"/>
+      <a:lightRig rig="threePt" dir="t"/>
+    </dgm:scene3d>
+    <dgm:sp3d/>
+    <dgm:txPr/>
+    <dgm:style>
+      <a:lnRef idx="2">
+        <a:scrgbClr r="0" g="0" b="0"/>
+      </a:lnRef>
+      <a:fillRef idx="0">
+        <a:scrgbClr r="0" g="0" b="0"/>
+      </a:fillRef>
+      <a:effectRef idx="0">
+        <a:scrgbClr r="0" g="0" b="0"/>
+      </a:effectRef>
+      <a:fontRef idx="minor"/>
+    </dgm:style>
+  </dgm:styleLbl>
+  <dgm:styleLbl name="parChTrans1D2">
+    <dgm:scene3d>
+      <a:camera prst="orthographicFront"/>
+      <a:lightRig rig="threePt" dir="t"/>
+    </dgm:scene3d>
+    <dgm:sp3d/>
+    <dgm:txPr/>
+    <dgm:style>
+      <a:lnRef idx="2">
+        <a:scrgbClr r="0" g="0" b="0"/>
+      </a:lnRef>
+      <a:fillRef idx="0">
+        <a:scrgbClr r="0" g="0" b="0"/>
+      </a:fillRef>
+      <a:effectRef idx="0">
+        <a:scrgbClr r="0" g="0" b="0"/>
+      </a:effectRef>
+      <a:fontRef idx="minor"/>
+    </dgm:style>
+  </dgm:styleLbl>
+  <dgm:styleLbl name="parChTrans1D3">
+    <dgm:scene3d>
+      <a:camera prst="orthographicFront"/>
+      <a:lightRig rig="threePt" dir="t"/>
+    </dgm:scene3d>
+    <dgm:sp3d/>
+    <dgm:txPr/>
+    <dgm:style>
+      <a:lnRef idx="2">
+        <a:scrgbClr r="0" g="0" b="0"/>
+      </a:lnRef>
+      <a:fillRef idx="0">
+        <a:scrgbClr r="0" g="0" b="0"/>
+      </a:fillRef>
+      <a:effectRef idx="0">
+        <a:scrgbClr r="0" g="0" b="0"/>
+      </a:effectRef>
+      <a:fontRef idx="minor"/>
+    </dgm:style>
+  </dgm:styleLbl>
+  <dgm:styleLbl name="parChTrans1D4">
+    <dgm:scene3d>
+      <a:camera prst="orthographicFront"/>
+      <a:lightRig rig="threePt" dir="t"/>
+    </dgm:scene3d>
+    <dgm:sp3d/>
+    <dgm:txPr/>
+    <dgm:style>
+      <a:lnRef idx="2">
+        <a:scrgbClr r="0" g="0" b="0"/>
+      </a:lnRef>
+      <a:fillRef idx="0">
+        <a:scrgbClr r="0" g="0" b="0"/>
+      </a:fillRef>
+      <a:effectRef idx="0">
+        <a:scrgbClr r="0" g="0" b="0"/>
+      </a:effectRef>
+      <a:fontRef idx="minor"/>
+    </dgm:style>
+  </dgm:styleLbl>
+  <dgm:styleLbl name="fgAcc1">
+    <dgm:scene3d>
+      <a:camera prst="orthographicFront"/>
+      <a:lightRig rig="threePt" dir="t"/>
+    </dgm:scene3d>
+    <dgm:sp3d/>
+    <dgm:txPr/>
+    <dgm:style>
+      <a:lnRef idx="2">
+        <a:scrgbClr r="0" g="0" b="0"/>
+      </a:lnRef>
+      <a:fillRef idx="1">
+        <a:scrgbClr r="0" g="0" b="0"/>
+      </a:fillRef>
+      <a:effectRef idx="0">
+        <a:scrgbClr r="0" g="0" b="0"/>
+      </a:effectRef>
+      <a:fontRef idx="minor"/>
+    </dgm:style>
+  </dgm:styleLbl>
+  <dgm:styleLbl name="conFgAcc1">
+    <dgm:scene3d>
+      <a:camera prst="orthographicFront"/>
+      <a:lightRig rig="threePt" dir="t"/>
+    </dgm:scene3d>
+    <dgm:sp3d/>
+    <dgm:txPr/>
+    <dgm:style>
+      <a:lnRef idx="2">
+        <a:scrgbClr r="0" g="0" b="0"/>
+      </a:lnRef>
+      <a:fillRef idx="1">
+        <a:scrgbClr r="0" g="0" b="0"/>
+      </a:fillRef>
+      <a:effectRef idx="0">
+        <a:scrgbClr r="0" g="0" b="0"/>
+      </a:effectRef>
+      <a:fontRef idx="minor"/>
+    </dgm:style>
+  </dgm:styleLbl>
+  <dgm:styleLbl name="alignAcc1">
+    <dgm:scene3d>
+      <a:camera prst="orthographicFront"/>
+      <a:lightRig rig="threePt" dir="t"/>
+    </dgm:scene3d>
+    <dgm:sp3d/>
+    <dgm:txPr/>
+    <dgm:style>
+      <a:lnRef idx="2">
+        <a:scrgbClr r="0" g="0" b="0"/>
+      </a:lnRef>
+      <a:fillRef idx="1">
+        <a:scrgbClr r="0" g="0" b="0"/>
+      </a:fillRef>
+      <a:effectRef idx="0">
+        <a:scrgbClr r="0" g="0" b="0"/>
+      </a:effectRef>
+      <a:fontRef idx="minor"/>
+    </dgm:style>
+  </dgm:styleLbl>
+  <dgm:styleLbl name="trAlignAcc1">
+    <dgm:scene3d>
+      <a:camera prst="orthographicFront"/>
+      <a:lightRig rig="threePt" dir="t"/>
+    </dgm:scene3d>
+    <dgm:sp3d/>
+    <dgm:txPr/>
+    <dgm:style>
+      <a:lnRef idx="1">
+        <a:scrgbClr r="0" g="0" b="0"/>
+      </a:lnRef>
+      <a:fillRef idx="1">
+        <a:scrgbClr r="0" g="0" b="0"/>
+      </a:fillRef>
+      <a:effectRef idx="0">
+        <a:scrgbClr r="0" g="0" b="0"/>
+      </a:effectRef>
+      <a:fontRef idx="minor"/>
+    </dgm:style>
+  </dgm:styleLbl>
+  <dgm:styleLbl name="bgAcc1">
+    <dgm:scene3d>
+      <a:camera prst="orthographicFront"/>
+      <a:lightRig rig="threePt" dir="t"/>
+    </dgm:scene3d>
+    <dgm:sp3d/>
+    <dgm:txPr/>
+    <dgm:style>
+      <a:lnRef idx="2">
+        <a:scrgbClr r="0" g="0" b="0"/>
+      </a:lnRef>
+      <a:fillRef idx="1">
+        <a:scrgbClr r="0" g="0" b="0"/>
+      </a:fillRef>
+      <a:effectRef idx="0">
+        <a:scrgbClr r="0" g="0" b="0"/>
+      </a:effectRef>
+      <a:fontRef idx="minor"/>
+    </dgm:style>
+  </dgm:styleLbl>
+  <dgm:styleLbl name="solidFgAcc1">
+    <dgm:scene3d>
+      <a:camera prst="orthographicFront"/>
+      <a:lightRig rig="threePt" dir="t"/>
+    </dgm:scene3d>
+    <dgm:sp3d/>
+    <dgm:txPr/>
+    <dgm:style>
+      <a:lnRef idx="2">
+        <a:scrgbClr r="0" g="0" b="0"/>
+      </a:lnRef>
+      <a:fillRef idx="1">
+        <a:scrgbClr r="0" g="0" b="0"/>
+      </a:fillRef>
+      <a:effectRef idx="0">
+        <a:scrgbClr r="0" g="0" b="0"/>
+      </a:effectRef>
+      <a:fontRef idx="minor"/>
+    </dgm:style>
+  </dgm:styleLbl>
+  <dgm:styleLbl name="solidAlignAcc1">
+    <dgm:scene3d>
+      <a:camera prst="orthographicFront"/>
+      <a:lightRig rig="threePt" dir="t"/>
+    </dgm:scene3d>
+    <dgm:sp3d/>
+    <dgm:txPr/>
+    <dgm:style>
+      <a:lnRef idx="2">
+        <a:scrgbClr r="0" g="0" b="0"/>
+      </a:lnRef>
+      <a:fillRef idx="1">
+        <a:scrgbClr r="0" g="0" b="0"/>
+      </a:fillRef>
+      <a:effectRef idx="0">
+        <a:scrgbClr r="0" g="0" b="0"/>
+      </a:effectRef>
+      <a:fontRef idx="minor"/>
+    </dgm:style>
+  </dgm:styleLbl>
+  <dgm:styleLbl name="solidBgAcc1">
+    <dgm:scene3d>
+      <a:camera prst="orthographicFront"/>
+      <a:lightRig rig="threePt" dir="t"/>
+    </dgm:scene3d>
+    <dgm:sp3d/>
+    <dgm:txPr/>
+    <dgm:style>
+      <a:lnRef idx="2">
+        <a:scrgbClr r="0" g="0" b="0"/>
+      </a:lnRef>
+      <a:fillRef idx="1">
+        <a:scrgbClr r="0" g="0" b="0"/>
+      </a:fillRef>
+      <a:effectRef idx="0">
+        <a:scrgbClr r="0" g="0" b="0"/>
+      </a:effectRef>
+      <a:fontRef idx="minor"/>
+    </dgm:style>
+  </dgm:styleLbl>
+  <dgm:styleLbl name="fgAccFollowNode1">
+    <dgm:scene3d>
+      <a:camera prst="orthographicFront"/>
+      <a:lightRig rig="threePt" dir="t"/>
+    </dgm:scene3d>
+    <dgm:sp3d/>
+    <dgm:txPr/>
+    <dgm:style>
+      <a:lnRef idx="2">
+        <a:scrgbClr r="0" g="0" b="0"/>
+      </a:lnRef>
+      <a:fillRef idx="1">
+        <a:scrgbClr r="0" g="0" b="0"/>
+      </a:fillRef>
+      <a:effectRef idx="0">
+        <a:scrgbClr r="0" g="0" b="0"/>
+      </a:effectRef>
+      <a:fontRef idx="minor"/>
+    </dgm:style>
+  </dgm:styleLbl>
+  <dgm:styleLbl name="alignAccFollowNode1">
+    <dgm:scene3d>
+      <a:camera prst="orthographicFront"/>
+      <a:lightRig rig="threePt" dir="t"/>
+    </dgm:scene3d>
+    <dgm:sp3d/>
+    <dgm:txPr/>
+    <dgm:style>
+      <a:lnRef idx="2">
+        <a:scrgbClr r="0" g="0" b="0"/>
+      </a:lnRef>
+      <a:fillRef idx="1">
+        <a:scrgbClr r="0" g="0" b="0"/>
+      </a:fillRef>
+      <a:effectRef idx="0">
+        <a:scrgbClr r="0" g="0" b="0"/>
+      </a:effectRef>
+      <a:fontRef idx="minor"/>
+    </dgm:style>
+  </dgm:styleLbl>
+  <dgm:styleLbl name="bgAccFollowNode1">
+    <dgm:scene3d>
+      <a:camera prst="orthographicFront"/>
+      <a:lightRig rig="threePt" dir="t"/>
+    </dgm:scene3d>
+    <dgm:sp3d/>
+    <dgm:txPr/>
+    <dgm:style>
+      <a:lnRef idx="2">
+        <a:scrgbClr r="0" g="0" b="0"/>
+      </a:lnRef>
+      <a:fillRef idx="1">
+        <a:scrgbClr r="0" g="0" b="0"/>
+      </a:fillRef>
+      <a:effectRef idx="0">
+        <a:scrgbClr r="0" g="0" b="0"/>
+      </a:effectRef>
+      <a:fontRef idx="minor"/>
+    </dgm:style>
+  </dgm:styleLbl>
+  <dgm:styleLbl name="fgAcc0">
+    <dgm:scene3d>
+      <a:camera prst="orthographicFront"/>
+      <a:lightRig rig="threePt" dir="t"/>
+    </dgm:scene3d>
+    <dgm:sp3d/>
+    <dgm:txPr/>
+    <dgm:style>
+      <a:lnRef idx="2">
+        <a:scrgbClr r="0" g="0" b="0"/>
+      </a:lnRef>
+      <a:fillRef idx="1">
+        <a:scrgbClr r="0" g="0" b="0"/>
+      </a:fillRef>
+      <a:effectRef idx="0">
+        <a:scrgbClr r="0" g="0" b="0"/>
+      </a:effectRef>
+      <a:fontRef idx="minor"/>
+    </dgm:style>
+  </dgm:styleLbl>
+  <dgm:styleLbl name="fgAcc2">
+    <dgm:scene3d>
+      <a:camera prst="orthographicFront"/>
+      <a:lightRig rig="threePt" dir="t"/>
+    </dgm:scene3d>
+    <dgm:sp3d/>
+    <dgm:txPr/>
+    <dgm:style>
+      <a:lnRef idx="2">
+        <a:scrgbClr r="0" g="0" b="0"/>
+      </a:lnRef>
+      <a:fillRef idx="1">
+        <a:scrgbClr r="0" g="0" b="0"/>
+      </a:fillRef>
+      <a:effectRef idx="0">
+        <a:scrgbClr r="0" g="0" b="0"/>
+      </a:effectRef>
+      <a:fontRef idx="minor"/>
+    </dgm:style>
+  </dgm:styleLbl>
+  <dgm:styleLbl name="fgAcc3">
+    <dgm:scene3d>
+      <a:camera prst="orthographicFront"/>
+      <a:lightRig rig="threePt" dir="t"/>
+    </dgm:scene3d>
+    <dgm:sp3d/>
+    <dgm:txPr/>
+    <dgm:style>
+      <a:lnRef idx="2">
+        <a:scrgbClr r="0" g="0" b="0"/>
+      </a:lnRef>
+      <a:fillRef idx="1">
+        <a:scrgbClr r="0" g="0" b="0"/>
+      </a:fillRef>
+      <a:effectRef idx="0">
+        <a:scrgbClr r="0" g="0" b="0"/>
+      </a:effectRef>
+      <a:fontRef idx="minor"/>
+    </dgm:style>
+  </dgm:styleLbl>
+  <dgm:styleLbl name="fgAcc4">
+    <dgm:scene3d>
+      <a:camera prst="orthographicFront"/>
+      <a:lightRig rig="threePt" dir="t"/>
+    </dgm:scene3d>
+    <dgm:sp3d/>
+    <dgm:txPr/>
+    <dgm:style>
+      <a:lnRef idx="2">
+        <a:scrgbClr r="0" g="0" b="0"/>
+      </a:lnRef>
+      <a:fillRef idx="1">
+        <a:scrgbClr r="0" g="0" b="0"/>
+      </a:fillRef>
+      <a:effectRef idx="0">
+        <a:scrgbClr r="0" g="0" b="0"/>
+      </a:effectRef>
+      <a:fontRef idx="minor"/>
+    </dgm:style>
+  </dgm:styleLbl>
+  <dgm:styleLbl name="bgShp">
+    <dgm:scene3d>
+      <a:camera prst="orthographicFront"/>
+      <a:lightRig rig="threePt" dir="t"/>
+    </dgm:scene3d>
+    <dgm:sp3d/>
+    <dgm:txPr/>
+    <dgm:style>
+      <a:lnRef idx="0">
+        <a:scrgbClr r="0" g="0" b="0"/>
+      </a:lnRef>
+      <a:fillRef idx="1">
+        <a:scrgbClr r="0" g="0" b="0"/>
+      </a:fillRef>
+      <a:effectRef idx="0">
+        <a:scrgbClr r="0" g="0" b="0"/>
+      </a:effectRef>
+      <a:fontRef idx="minor"/>
+    </dgm:style>
+  </dgm:styleLbl>
+  <dgm:styleLbl name="dkBgShp">
+    <dgm:scene3d>
+      <a:camera prst="orthographicFront"/>
+      <a:lightRig rig="threePt" dir="t"/>
+    </dgm:scene3d>
+    <dgm:sp3d/>
+    <dgm:txPr/>
+    <dgm:style>
+      <a:lnRef idx="0">
+        <a:scrgbClr r="0" g="0" b="0"/>
+      </a:lnRef>
+      <a:fillRef idx="1">
+        <a:scrgbClr r="0" g="0" b="0"/>
+      </a:fillRef>
+      <a:effectRef idx="0">
+        <a:scrgbClr r="0" g="0" b="0"/>
+      </a:effectRef>
+      <a:fontRef idx="minor"/>
+    </dgm:style>
+  </dgm:styleLbl>
+  <dgm:styleLbl name="trBgShp">
+    <dgm:scene3d>
+      <a:camera prst="orthographicFront"/>
+      <a:lightRig rig="threePt" dir="t"/>
+    </dgm:scene3d>
+    <dgm:sp3d/>
+    <dgm:txPr/>
+    <dgm:style>
+      <a:lnRef idx="0">
+        <a:scrgbClr r="0" g="0" b="0"/>
+      </a:lnRef>
+      <a:fillRef idx="1">
+        <a:scrgbClr r="0" g="0" b="0"/>
+      </a:fillRef>
+      <a:effectRef idx="0">
+        <a:scrgbClr r="0" g="0" b="0"/>
+      </a:effectRef>
+      <a:fontRef idx="minor"/>
+    </dgm:style>
+  </dgm:styleLbl>
+  <dgm:styleLbl name="fgShp">
+    <dgm:scene3d>
+      <a:camera prst="orthographicFront"/>
+      <a:lightRig rig="threePt" dir="t"/>
+    </dgm:scene3d>
+    <dgm:sp3d/>
+    <dgm:txPr/>
+    <dgm:style>
+      <a:lnRef idx="2">
+        <a:scrgbClr r="0" g="0" b="0"/>
+      </a:lnRef>
+      <a:fillRef idx="1">
+        <a:scrgbClr r="0" g="0" b="0"/>
+      </a:fillRef>
+      <a:effectRef idx="0">
+        <a:scrgbClr r="0" g="0" b="0"/>
+      </a:effectRef>
+      <a:fontRef idx="minor"/>
+    </dgm:style>
+  </dgm:styleLbl>
+  <dgm:styleLbl name="revTx">
+    <dgm:scene3d>
+      <a:camera prst="orthographicFront"/>
+      <a:lightRig rig="threePt" dir="t"/>
+    </dgm:scene3d>
+    <dgm:sp3d/>
+    <dgm:txPr/>
+    <dgm:style>
+      <a:lnRef idx="0">
+        <a:scrgbClr r="0" g="0" b="0"/>
+      </a:lnRef>
+      <a:fillRef idx="0">
+        <a:scrgbClr r="0" g="0" b="0"/>
+      </a:fillRef>
+      <a:effectRef idx="0">
+        <a:scrgbClr r="0" g="0" b="0"/>
+      </a:effectRef>
+      <a:fontRef idx="minor"/>
+    </dgm:style>
+  </dgm:styleLbl>
+</dgm:styleDef>
+</file>
+
+<file path=ppt/diagrams/quickStyle3.xml><?xml version="1.0" encoding="utf-8"?>
 <dgm:styleDef xmlns:dgm="http://schemas.openxmlformats.org/drawingml/2006/diagram" xmlns:a="http://schemas.openxmlformats.org/drawingml/2006/main" uniqueId="urn:microsoft.com/office/officeart/2005/8/quickstyle/simple1">
   <dgm:title val=""/>
   <dgm:desc val=""/>
@@ -15152,6 +22159,130 @@
           <a:chExt cx="0" cy="0"/>
         </a:xfrm>
       </p:grpSpPr>
+      <p:grpSp>
+        <p:nvGrpSpPr>
+          <p:cNvPr id="3" name="Group 2"/>
+          <p:cNvGrpSpPr/>
+          <p:nvPr/>
+        </p:nvGrpSpPr>
+        <p:grpSpPr>
+          <a:xfrm>
+            <a:off x="3440507" y="1689925"/>
+            <a:ext cx="4525963" cy="4525963"/>
+            <a:chOff x="3440507" y="1689925"/>
+            <a:chExt cx="4525963" cy="4525963"/>
+          </a:xfrm>
+        </p:grpSpPr>
+        <p:sp>
+          <p:nvSpPr>
+            <p:cNvPr id="4" name="Isosceles Triangle 3"/>
+            <p:cNvSpPr/>
+            <p:nvPr/>
+          </p:nvSpPr>
+          <p:spPr>
+            <a:xfrm>
+              <a:off x="3440507" y="1689925"/>
+              <a:ext cx="4525963" cy="4525963"/>
+            </a:xfrm>
+            <a:prstGeom prst="triangle">
+              <a:avLst/>
+            </a:prstGeom>
+          </p:spPr>
+          <p:style>
+            <a:lnRef idx="2">
+              <a:schemeClr val="lt1">
+                <a:hueOff val="0"/>
+                <a:satOff val="0"/>
+                <a:lumOff val="0"/>
+                <a:alphaOff val="0"/>
+              </a:schemeClr>
+            </a:lnRef>
+            <a:fillRef idx="1">
+              <a:schemeClr val="accent1">
+                <a:hueOff val="0"/>
+                <a:satOff val="0"/>
+                <a:lumOff val="0"/>
+                <a:alphaOff val="0"/>
+              </a:schemeClr>
+            </a:fillRef>
+            <a:effectRef idx="0">
+              <a:schemeClr val="accent1">
+                <a:hueOff val="0"/>
+                <a:satOff val="0"/>
+                <a:lumOff val="0"/>
+                <a:alphaOff val="0"/>
+              </a:schemeClr>
+            </a:effectRef>
+            <a:fontRef idx="minor">
+              <a:schemeClr val="lt1"/>
+            </a:fontRef>
+          </p:style>
+        </p:sp>
+        <p:pic>
+          <p:nvPicPr>
+            <p:cNvPr id="1035" name="Picture 11"/>
+            <p:cNvPicPr>
+              <a:picLocks noChangeAspect="1" noChangeArrowheads="1"/>
+            </p:cNvPicPr>
+            <p:nvPr/>
+          </p:nvPicPr>
+          <p:blipFill>
+            <a:blip r:embed="rId3">
+              <a:extLst>
+                <a:ext uri="{28A0092B-C50C-407E-A947-70E740481C1C}">
+                  <a14:useLocalDpi xmlns:a14="http://schemas.microsoft.com/office/drawing/2010/main" val="0"/>
+                </a:ext>
+              </a:extLst>
+            </a:blip>
+            <a:srcRect/>
+            <a:stretch>
+              <a:fillRect/>
+            </a:stretch>
+          </p:blipFill>
+          <p:spPr bwMode="auto">
+            <a:xfrm>
+              <a:off x="5042559" y="3568985"/>
+              <a:ext cx="1285875" cy="1466850"/>
+            </a:xfrm>
+            <a:prstGeom prst="rect">
+              <a:avLst/>
+            </a:prstGeom>
+            <a:noFill/>
+            <a:ln>
+              <a:noFill/>
+            </a:ln>
+            <a:effectLst/>
+            <a:extLst>
+              <a:ext uri="{909E8E84-426E-40DD-AFC4-6F175D3DCCD1}">
+                <a14:hiddenFill xmlns:a14="http://schemas.microsoft.com/office/drawing/2010/main">
+                  <a:solidFill>
+                    <a:schemeClr val="accent1"/>
+                  </a:solidFill>
+                </a14:hiddenFill>
+              </a:ext>
+              <a:ext uri="{91240B29-F687-4F45-9708-019B960494DF}">
+                <a14:hiddenLine xmlns:a14="http://schemas.microsoft.com/office/drawing/2010/main" w="9525">
+                  <a:solidFill>
+                    <a:schemeClr val="tx1"/>
+                  </a:solidFill>
+                  <a:miter lim="800000"/>
+                  <a:headEnd/>
+                  <a:tailEnd/>
+                </a14:hiddenLine>
+              </a:ext>
+              <a:ext uri="{AF507438-7753-43E0-B8FC-AC1667EBCBE1}">
+                <a14:hiddenEffects xmlns:a14="http://schemas.microsoft.com/office/drawing/2010/main">
+                  <a:effectLst>
+                    <a:outerShdw dist="35921" dir="2700000" algn="ctr" rotWithShape="0">
+                      <a:schemeClr val="bg2"/>
+                    </a:outerShdw>
+                  </a:effectLst>
+                </a14:hiddenEffects>
+              </a:ext>
+            </a:extLst>
+          </p:spPr>
+        </p:pic>
+      </p:grpSp>
       <p:sp>
         <p:nvSpPr>
           <p:cNvPr id="2" name="Title 1"/>
@@ -15177,58 +22308,13 @@
       </p:sp>
       <p:sp>
         <p:nvSpPr>
-          <p:cNvPr id="4" name="Isosceles Triangle 3"/>
-          <p:cNvSpPr/>
-          <p:nvPr/>
-        </p:nvSpPr>
-        <p:spPr>
-          <a:xfrm>
-            <a:off x="1969571" y="1600200"/>
-            <a:ext cx="4525963" cy="4525963"/>
-          </a:xfrm>
-          <a:prstGeom prst="triangle">
-            <a:avLst/>
-          </a:prstGeom>
-        </p:spPr>
-        <p:style>
-          <a:lnRef idx="2">
-            <a:schemeClr val="lt1">
-              <a:hueOff val="0"/>
-              <a:satOff val="0"/>
-              <a:lumOff val="0"/>
-              <a:alphaOff val="0"/>
-            </a:schemeClr>
-          </a:lnRef>
-          <a:fillRef idx="1">
-            <a:schemeClr val="accent1">
-              <a:hueOff val="0"/>
-              <a:satOff val="0"/>
-              <a:lumOff val="0"/>
-              <a:alphaOff val="0"/>
-            </a:schemeClr>
-          </a:fillRef>
-          <a:effectRef idx="0">
-            <a:schemeClr val="accent1">
-              <a:hueOff val="0"/>
-              <a:satOff val="0"/>
-              <a:lumOff val="0"/>
-              <a:alphaOff val="0"/>
-            </a:schemeClr>
-          </a:effectRef>
-          <a:fontRef idx="minor">
-            <a:schemeClr val="lt1"/>
-          </a:fontRef>
-        </p:style>
-      </p:sp>
-      <p:sp>
-        <p:nvSpPr>
           <p:cNvPr id="5" name="Freeform 4"/>
           <p:cNvSpPr/>
           <p:nvPr/>
         </p:nvSpPr>
         <p:spPr>
           <a:xfrm>
-            <a:off x="4232552" y="2053238"/>
+            <a:off x="5703488" y="2142963"/>
             <a:ext cx="2941875" cy="643535"/>
           </a:xfrm>
           <a:custGeom>
@@ -15395,7 +22481,7 @@
         </p:nvSpPr>
         <p:spPr>
           <a:xfrm>
-            <a:off x="4232552" y="2777215"/>
+            <a:off x="5703488" y="2866940"/>
             <a:ext cx="2941875" cy="643535"/>
           </a:xfrm>
           <a:custGeom>
@@ -15562,7 +22648,7 @@
         </p:nvSpPr>
         <p:spPr>
           <a:xfrm>
-            <a:off x="4232552" y="3501192"/>
+            <a:off x="5703488" y="3590917"/>
             <a:ext cx="2941875" cy="643535"/>
           </a:xfrm>
           <a:custGeom>
@@ -15729,7 +22815,7 @@
         </p:nvSpPr>
         <p:spPr>
           <a:xfrm>
-            <a:off x="4232552" y="4225170"/>
+            <a:off x="5703488" y="4314895"/>
             <a:ext cx="2941875" cy="643535"/>
           </a:xfrm>
           <a:custGeom>
@@ -15896,7 +22982,7 @@
         </p:nvSpPr>
         <p:spPr>
           <a:xfrm>
-            <a:off x="4232552" y="4949147"/>
+            <a:off x="5703488" y="5038872"/>
             <a:ext cx="2941875" cy="643535"/>
           </a:xfrm>
           <a:custGeom>
@@ -16055,6 +23141,280 @@
           </a:p>
         </p:txBody>
       </p:sp>
+      <p:pic>
+        <p:nvPicPr>
+          <p:cNvPr id="1026" name="Picture 2" descr="http://www.cs.sfu.ca/~haoz/pubs/images/dyer_et_al_sgp07.jpg"/>
+          <p:cNvPicPr>
+            <a:picLocks noChangeAspect="1" noChangeArrowheads="1"/>
+          </p:cNvPicPr>
+          <p:nvPr/>
+        </p:nvPicPr>
+        <p:blipFill>
+          <a:blip r:embed="rId4">
+            <a:extLst>
+              <a:ext uri="{28A0092B-C50C-407E-A947-70E740481C1C}">
+                <a14:useLocalDpi xmlns:a14="http://schemas.microsoft.com/office/drawing/2010/main" val="0"/>
+              </a:ext>
+            </a:extLst>
+          </a:blip>
+          <a:srcRect/>
+          <a:stretch>
+            <a:fillRect/>
+          </a:stretch>
+        </p:blipFill>
+        <p:spPr bwMode="auto">
+          <a:xfrm>
+            <a:off x="393431" y="1600201"/>
+            <a:ext cx="3492769" cy="2065706"/>
+          </a:xfrm>
+          <a:prstGeom prst="rect">
+            <a:avLst/>
+          </a:prstGeom>
+          <a:noFill/>
+          <a:extLst>
+            <a:ext uri="{909E8E84-426E-40DD-AFC4-6F175D3DCCD1}">
+              <a14:hiddenFill xmlns:a14="http://schemas.microsoft.com/office/drawing/2010/main">
+                <a:solidFill>
+                  <a:srgbClr val="FFFFFF"/>
+                </a:solidFill>
+              </a14:hiddenFill>
+            </a:ext>
+          </a:extLst>
+        </p:spPr>
+      </p:pic>
+      <p:pic>
+        <p:nvPicPr>
+          <p:cNvPr id="1028" name="Picture 4" descr="https://encrypted-tbn1.google.com/images?q=tbn:ANd9GcST5YG_VJChuWNtBq-EdmRIIqAIem7mlgh_Z6ZQYsF9Yk5EH6-QDQ"/>
+          <p:cNvPicPr>
+            <a:picLocks noChangeAspect="1" noChangeArrowheads="1"/>
+          </p:cNvPicPr>
+          <p:nvPr/>
+        </p:nvPicPr>
+        <p:blipFill>
+          <a:blip r:embed="rId5">
+            <a:extLst>
+              <a:ext uri="{28A0092B-C50C-407E-A947-70E740481C1C}">
+                <a14:useLocalDpi xmlns:a14="http://schemas.microsoft.com/office/drawing/2010/main" val="0"/>
+              </a:ext>
+            </a:extLst>
+          </a:blip>
+          <a:srcRect/>
+          <a:stretch>
+            <a:fillRect/>
+          </a:stretch>
+        </p:blipFill>
+        <p:spPr bwMode="auto">
+          <a:xfrm>
+            <a:off x="609599" y="1816923"/>
+            <a:ext cx="3733801" cy="2095761"/>
+          </a:xfrm>
+          <a:prstGeom prst="rect">
+            <a:avLst/>
+          </a:prstGeom>
+          <a:noFill/>
+          <a:extLst>
+            <a:ext uri="{909E8E84-426E-40DD-AFC4-6F175D3DCCD1}">
+              <a14:hiddenFill xmlns:a14="http://schemas.microsoft.com/office/drawing/2010/main">
+                <a:solidFill>
+                  <a:srgbClr val="FFFFFF"/>
+                </a:solidFill>
+              </a14:hiddenFill>
+            </a:ext>
+          </a:extLst>
+        </p:spPr>
+      </p:pic>
+      <p:pic>
+        <p:nvPicPr>
+          <p:cNvPr id="1029" name="Picture 5"/>
+          <p:cNvPicPr>
+            <a:picLocks noChangeAspect="1" noChangeArrowheads="1"/>
+          </p:cNvPicPr>
+          <p:nvPr/>
+        </p:nvPicPr>
+        <p:blipFill>
+          <a:blip r:embed="rId6">
+            <a:extLst>
+              <a:ext uri="{28A0092B-C50C-407E-A947-70E740481C1C}">
+                <a14:useLocalDpi xmlns:a14="http://schemas.microsoft.com/office/drawing/2010/main" val="0"/>
+              </a:ext>
+            </a:extLst>
+          </a:blip>
+          <a:srcRect/>
+          <a:stretch>
+            <a:fillRect/>
+          </a:stretch>
+        </p:blipFill>
+        <p:spPr bwMode="auto">
+          <a:xfrm>
+            <a:off x="762001" y="1949097"/>
+            <a:ext cx="3886199" cy="2292095"/>
+          </a:xfrm>
+          <a:prstGeom prst="rect">
+            <a:avLst/>
+          </a:prstGeom>
+          <a:noFill/>
+          <a:ln>
+            <a:noFill/>
+          </a:ln>
+          <a:effectLst/>
+          <a:extLst>
+            <a:ext uri="{909E8E84-426E-40DD-AFC4-6F175D3DCCD1}">
+              <a14:hiddenFill xmlns:a14="http://schemas.microsoft.com/office/drawing/2010/main">
+                <a:solidFill>
+                  <a:schemeClr val="accent1"/>
+                </a:solidFill>
+              </a14:hiddenFill>
+            </a:ext>
+            <a:ext uri="{91240B29-F687-4F45-9708-019B960494DF}">
+              <a14:hiddenLine xmlns:a14="http://schemas.microsoft.com/office/drawing/2010/main" w="9525">
+                <a:solidFill>
+                  <a:schemeClr val="tx1"/>
+                </a:solidFill>
+                <a:miter lim="800000"/>
+                <a:headEnd/>
+                <a:tailEnd/>
+              </a14:hiddenLine>
+            </a:ext>
+            <a:ext uri="{AF507438-7753-43E0-B8FC-AC1667EBCBE1}">
+              <a14:hiddenEffects xmlns:a14="http://schemas.microsoft.com/office/drawing/2010/main">
+                <a:effectLst>
+                  <a:outerShdw dist="35921" dir="2700000" algn="ctr" rotWithShape="0">
+                    <a:schemeClr val="bg2"/>
+                  </a:outerShdw>
+                </a:effectLst>
+              </a14:hiddenEffects>
+            </a:ext>
+          </a:extLst>
+        </p:spPr>
+      </p:pic>
+      <p:pic>
+        <p:nvPicPr>
+          <p:cNvPr id="1031" name="Picture 7"/>
+          <p:cNvPicPr>
+            <a:picLocks noChangeAspect="1" noChangeArrowheads="1"/>
+          </p:cNvPicPr>
+          <p:nvPr/>
+        </p:nvPicPr>
+        <p:blipFill>
+          <a:blip r:embed="rId7">
+            <a:extLst>
+              <a:ext uri="{28A0092B-C50C-407E-A947-70E740481C1C}">
+                <a14:useLocalDpi xmlns:a14="http://schemas.microsoft.com/office/drawing/2010/main" val="0"/>
+              </a:ext>
+            </a:extLst>
+          </a:blip>
+          <a:srcRect/>
+          <a:stretch>
+            <a:fillRect/>
+          </a:stretch>
+        </p:blipFill>
+        <p:spPr bwMode="auto">
+          <a:xfrm>
+            <a:off x="1057142" y="2256670"/>
+            <a:ext cx="3895858" cy="2319886"/>
+          </a:xfrm>
+          <a:prstGeom prst="rect">
+            <a:avLst/>
+          </a:prstGeom>
+          <a:noFill/>
+          <a:ln>
+            <a:noFill/>
+          </a:ln>
+          <a:effectLst/>
+          <a:extLst>
+            <a:ext uri="{909E8E84-426E-40DD-AFC4-6F175D3DCCD1}">
+              <a14:hiddenFill xmlns:a14="http://schemas.microsoft.com/office/drawing/2010/main">
+                <a:solidFill>
+                  <a:schemeClr val="accent1"/>
+                </a:solidFill>
+              </a14:hiddenFill>
+            </a:ext>
+            <a:ext uri="{91240B29-F687-4F45-9708-019B960494DF}">
+              <a14:hiddenLine xmlns:a14="http://schemas.microsoft.com/office/drawing/2010/main" w="9525">
+                <a:solidFill>
+                  <a:schemeClr val="tx1"/>
+                </a:solidFill>
+                <a:miter lim="800000"/>
+                <a:headEnd/>
+                <a:tailEnd/>
+              </a14:hiddenLine>
+            </a:ext>
+            <a:ext uri="{AF507438-7753-43E0-B8FC-AC1667EBCBE1}">
+              <a14:hiddenEffects xmlns:a14="http://schemas.microsoft.com/office/drawing/2010/main">
+                <a:effectLst>
+                  <a:outerShdw dist="35921" dir="2700000" algn="ctr" rotWithShape="0">
+                    <a:schemeClr val="bg2"/>
+                  </a:outerShdw>
+                </a:effectLst>
+              </a14:hiddenEffects>
+            </a:ext>
+          </a:extLst>
+        </p:spPr>
+      </p:pic>
+      <p:pic>
+        <p:nvPicPr>
+          <p:cNvPr id="1032" name="Picture 8"/>
+          <p:cNvPicPr>
+            <a:picLocks noChangeAspect="1" noChangeArrowheads="1"/>
+          </p:cNvPicPr>
+          <p:nvPr/>
+        </p:nvPicPr>
+        <p:blipFill>
+          <a:blip r:embed="rId8">
+            <a:extLst>
+              <a:ext uri="{28A0092B-C50C-407E-A947-70E740481C1C}">
+                <a14:useLocalDpi xmlns:a14="http://schemas.microsoft.com/office/drawing/2010/main" val="0"/>
+              </a:ext>
+            </a:extLst>
+          </a:blip>
+          <a:srcRect/>
+          <a:stretch>
+            <a:fillRect/>
+          </a:stretch>
+        </p:blipFill>
+        <p:spPr bwMode="auto">
+          <a:xfrm>
+            <a:off x="1229811" y="2553129"/>
+            <a:ext cx="3977189" cy="2485743"/>
+          </a:xfrm>
+          <a:prstGeom prst="rect">
+            <a:avLst/>
+          </a:prstGeom>
+          <a:noFill/>
+          <a:ln>
+            <a:noFill/>
+          </a:ln>
+          <a:effectLst/>
+          <a:extLst>
+            <a:ext uri="{909E8E84-426E-40DD-AFC4-6F175D3DCCD1}">
+              <a14:hiddenFill xmlns:a14="http://schemas.microsoft.com/office/drawing/2010/main">
+                <a:solidFill>
+                  <a:schemeClr val="accent1"/>
+                </a:solidFill>
+              </a14:hiddenFill>
+            </a:ext>
+            <a:ext uri="{91240B29-F687-4F45-9708-019B960494DF}">
+              <a14:hiddenLine xmlns:a14="http://schemas.microsoft.com/office/drawing/2010/main" w="9525">
+                <a:solidFill>
+                  <a:schemeClr val="tx1"/>
+                </a:solidFill>
+                <a:miter lim="800000"/>
+                <a:headEnd/>
+                <a:tailEnd/>
+              </a14:hiddenLine>
+            </a:ext>
+            <a:ext uri="{AF507438-7753-43E0-B8FC-AC1667EBCBE1}">
+              <a14:hiddenEffects xmlns:a14="http://schemas.microsoft.com/office/drawing/2010/main">
+                <a:effectLst>
+                  <a:outerShdw dist="35921" dir="2700000" algn="ctr" rotWithShape="0">
+                    <a:schemeClr val="bg2"/>
+                  </a:outerShdw>
+                </a:effectLst>
+              </a14:hiddenEffects>
+            </a:ext>
+          </a:extLst>
+        </p:spPr>
+      </p:pic>
     </p:spTree>
     <p:extLst>
       <p:ext uri="{BB962C8B-B14F-4D97-AF65-F5344CB8AC3E}">
@@ -16161,36 +23521,27 @@
                             </p:childTnLst>
                           </p:cTn>
                         </p:par>
-                      </p:childTnLst>
-                    </p:cTn>
-                  </p:par>
-                  <p:par>
-                    <p:cTn id="9" fill="hold">
-                      <p:stCondLst>
-                        <p:cond delay="indefinite"/>
-                      </p:stCondLst>
-                      <p:childTnLst>
                         <p:par>
-                          <p:cTn id="10" fill="hold">
+                          <p:cTn id="9" fill="hold">
                             <p:stCondLst>
-                              <p:cond delay="0"/>
+                              <p:cond delay="500"/>
                             </p:stCondLst>
                             <p:childTnLst>
                               <p:par>
-                                <p:cTn id="11" presetID="2" presetClass="entr" presetSubtype="4" fill="hold" grpId="0" nodeType="clickEffect">
+                                <p:cTn id="10" presetID="53" presetClass="entr" presetSubtype="16" fill="hold" nodeType="afterEffect">
                                   <p:stCondLst>
                                     <p:cond delay="0"/>
                                   </p:stCondLst>
                                   <p:childTnLst>
                                     <p:set>
                                       <p:cBhvr>
-                                        <p:cTn id="12" dur="1" fill="hold">
+                                        <p:cTn id="11" dur="1" fill="hold">
                                           <p:stCondLst>
                                             <p:cond delay="0"/>
                                           </p:stCondLst>
                                         </p:cTn>
                                         <p:tgtEl>
-                                          <p:spTgt spid="7"/>
+                                          <p:spTgt spid="1026"/>
                                         </p:tgtEl>
                                         <p:attrNameLst>
                                           <p:attrName>style.visibility</p:attrName>
@@ -16201,51 +23552,59 @@
                                       </p:to>
                                     </p:set>
                                     <p:anim calcmode="lin" valueType="num">
-                                      <p:cBhvr additive="base">
-                                        <p:cTn id="13" dur="500" fill="hold"/>
+                                      <p:cBhvr>
+                                        <p:cTn id="12" dur="500" fill="hold"/>
                                         <p:tgtEl>
-                                          <p:spTgt spid="7"/>
+                                          <p:spTgt spid="1026"/>
                                         </p:tgtEl>
                                         <p:attrNameLst>
-                                          <p:attrName>ppt_x</p:attrName>
+                                          <p:attrName>ppt_w</p:attrName>
                                         </p:attrNameLst>
                                       </p:cBhvr>
                                       <p:tavLst>
                                         <p:tav tm="0">
                                           <p:val>
-                                            <p:strVal val="#ppt_x"/>
+                                            <p:fltVal val="0"/>
                                           </p:val>
                                         </p:tav>
                                         <p:tav tm="100000">
                                           <p:val>
-                                            <p:strVal val="#ppt_x"/>
+                                            <p:strVal val="#ppt_w"/>
                                           </p:val>
                                         </p:tav>
                                       </p:tavLst>
                                     </p:anim>
                                     <p:anim calcmode="lin" valueType="num">
-                                      <p:cBhvr additive="base">
-                                        <p:cTn id="14" dur="500" fill="hold"/>
+                                      <p:cBhvr>
+                                        <p:cTn id="13" dur="500" fill="hold"/>
                                         <p:tgtEl>
-                                          <p:spTgt spid="7"/>
+                                          <p:spTgt spid="1026"/>
                                         </p:tgtEl>
                                         <p:attrNameLst>
-                                          <p:attrName>ppt_y</p:attrName>
+                                          <p:attrName>ppt_h</p:attrName>
                                         </p:attrNameLst>
                                       </p:cBhvr>
                                       <p:tavLst>
                                         <p:tav tm="0">
                                           <p:val>
-                                            <p:strVal val="1+#ppt_h/2"/>
+                                            <p:fltVal val="0"/>
                                           </p:val>
                                         </p:tav>
                                         <p:tav tm="100000">
                                           <p:val>
-                                            <p:strVal val="#ppt_y"/>
+                                            <p:strVal val="#ppt_h"/>
                                           </p:val>
                                         </p:tav>
                                       </p:tavLst>
                                     </p:anim>
+                                    <p:animEffect transition="in" filter="fade">
+                                      <p:cBhvr>
+                                        <p:cTn id="14" dur="500"/>
+                                        <p:tgtEl>
+                                          <p:spTgt spid="1026"/>
+                                        </p:tgtEl>
+                                      </p:cBhvr>
+                                    </p:animEffect>
                                   </p:childTnLst>
                                 </p:cTn>
                               </p:par>
@@ -16281,7 +23640,7 @@
                                           </p:stCondLst>
                                         </p:cTn>
                                         <p:tgtEl>
-                                          <p:spTgt spid="8"/>
+                                          <p:spTgt spid="7"/>
                                         </p:tgtEl>
                                         <p:attrNameLst>
                                           <p:attrName>style.visibility</p:attrName>
@@ -16295,7 +23654,7 @@
                                       <p:cBhvr additive="base">
                                         <p:cTn id="19" dur="500" fill="hold"/>
                                         <p:tgtEl>
-                                          <p:spTgt spid="8"/>
+                                          <p:spTgt spid="7"/>
                                         </p:tgtEl>
                                         <p:attrNameLst>
                                           <p:attrName>ppt_x</p:attrName>
@@ -16318,7 +23677,7 @@
                                       <p:cBhvr additive="base">
                                         <p:cTn id="20" dur="500" fill="hold"/>
                                         <p:tgtEl>
-                                          <p:spTgt spid="8"/>
+                                          <p:spTgt spid="7"/>
                                         </p:tgtEl>
                                         <p:attrNameLst>
                                           <p:attrName>ppt_y</p:attrName>
@@ -16343,36 +23702,27 @@
                             </p:childTnLst>
                           </p:cTn>
                         </p:par>
-                      </p:childTnLst>
-                    </p:cTn>
-                  </p:par>
-                  <p:par>
-                    <p:cTn id="21" fill="hold">
-                      <p:stCondLst>
-                        <p:cond delay="indefinite"/>
-                      </p:stCondLst>
-                      <p:childTnLst>
                         <p:par>
-                          <p:cTn id="22" fill="hold">
+                          <p:cTn id="21" fill="hold">
                             <p:stCondLst>
-                              <p:cond delay="0"/>
+                              <p:cond delay="500"/>
                             </p:stCondLst>
                             <p:childTnLst>
                               <p:par>
-                                <p:cTn id="23" presetID="2" presetClass="entr" presetSubtype="4" fill="hold" grpId="0" nodeType="clickEffect">
+                                <p:cTn id="22" presetID="53" presetClass="entr" presetSubtype="16" fill="hold" nodeType="afterEffect">
                                   <p:stCondLst>
                                     <p:cond delay="0"/>
                                   </p:stCondLst>
                                   <p:childTnLst>
                                     <p:set>
                                       <p:cBhvr>
-                                        <p:cTn id="24" dur="1" fill="hold">
+                                        <p:cTn id="23" dur="1" fill="hold">
                                           <p:stCondLst>
                                             <p:cond delay="0"/>
                                           </p:stCondLst>
                                         </p:cTn>
                                         <p:tgtEl>
-                                          <p:spTgt spid="9"/>
+                                          <p:spTgt spid="1028"/>
                                         </p:tgtEl>
                                         <p:attrNameLst>
                                           <p:attrName>style.visibility</p:attrName>
@@ -16383,51 +23733,59 @@
                                       </p:to>
                                     </p:set>
                                     <p:anim calcmode="lin" valueType="num">
-                                      <p:cBhvr additive="base">
-                                        <p:cTn id="25" dur="500" fill="hold"/>
+                                      <p:cBhvr>
+                                        <p:cTn id="24" dur="500" fill="hold"/>
                                         <p:tgtEl>
-                                          <p:spTgt spid="9"/>
+                                          <p:spTgt spid="1028"/>
                                         </p:tgtEl>
                                         <p:attrNameLst>
-                                          <p:attrName>ppt_x</p:attrName>
+                                          <p:attrName>ppt_w</p:attrName>
                                         </p:attrNameLst>
                                       </p:cBhvr>
                                       <p:tavLst>
                                         <p:tav tm="0">
                                           <p:val>
-                                            <p:strVal val="#ppt_x"/>
+                                            <p:fltVal val="0"/>
                                           </p:val>
                                         </p:tav>
                                         <p:tav tm="100000">
                                           <p:val>
-                                            <p:strVal val="#ppt_x"/>
+                                            <p:strVal val="#ppt_w"/>
                                           </p:val>
                                         </p:tav>
                                       </p:tavLst>
                                     </p:anim>
                                     <p:anim calcmode="lin" valueType="num">
-                                      <p:cBhvr additive="base">
-                                        <p:cTn id="26" dur="500" fill="hold"/>
+                                      <p:cBhvr>
+                                        <p:cTn id="25" dur="500" fill="hold"/>
                                         <p:tgtEl>
-                                          <p:spTgt spid="9"/>
+                                          <p:spTgt spid="1028"/>
                                         </p:tgtEl>
                                         <p:attrNameLst>
-                                          <p:attrName>ppt_y</p:attrName>
+                                          <p:attrName>ppt_h</p:attrName>
                                         </p:attrNameLst>
                                       </p:cBhvr>
                                       <p:tavLst>
                                         <p:tav tm="0">
                                           <p:val>
-                                            <p:strVal val="1+#ppt_h/2"/>
+                                            <p:fltVal val="0"/>
                                           </p:val>
                                         </p:tav>
                                         <p:tav tm="100000">
                                           <p:val>
-                                            <p:strVal val="#ppt_y"/>
+                                            <p:strVal val="#ppt_h"/>
                                           </p:val>
                                         </p:tav>
                                       </p:tavLst>
                                     </p:anim>
+                                    <p:animEffect transition="in" filter="fade">
+                                      <p:cBhvr>
+                                        <p:cTn id="26" dur="500"/>
+                                        <p:tgtEl>
+                                          <p:spTgt spid="1028"/>
+                                        </p:tgtEl>
+                                      </p:cBhvr>
+                                    </p:animEffect>
                                   </p:childTnLst>
                                 </p:cTn>
                               </p:par>
@@ -16463,6 +23821,368 @@
                                           </p:stCondLst>
                                         </p:cTn>
                                         <p:tgtEl>
+                                          <p:spTgt spid="8"/>
+                                        </p:tgtEl>
+                                        <p:attrNameLst>
+                                          <p:attrName>style.visibility</p:attrName>
+                                        </p:attrNameLst>
+                                      </p:cBhvr>
+                                      <p:to>
+                                        <p:strVal val="visible"/>
+                                      </p:to>
+                                    </p:set>
+                                    <p:anim calcmode="lin" valueType="num">
+                                      <p:cBhvr additive="base">
+                                        <p:cTn id="31" dur="500" fill="hold"/>
+                                        <p:tgtEl>
+                                          <p:spTgt spid="8"/>
+                                        </p:tgtEl>
+                                        <p:attrNameLst>
+                                          <p:attrName>ppt_x</p:attrName>
+                                        </p:attrNameLst>
+                                      </p:cBhvr>
+                                      <p:tavLst>
+                                        <p:tav tm="0">
+                                          <p:val>
+                                            <p:strVal val="#ppt_x"/>
+                                          </p:val>
+                                        </p:tav>
+                                        <p:tav tm="100000">
+                                          <p:val>
+                                            <p:strVal val="#ppt_x"/>
+                                          </p:val>
+                                        </p:tav>
+                                      </p:tavLst>
+                                    </p:anim>
+                                    <p:anim calcmode="lin" valueType="num">
+                                      <p:cBhvr additive="base">
+                                        <p:cTn id="32" dur="500" fill="hold"/>
+                                        <p:tgtEl>
+                                          <p:spTgt spid="8"/>
+                                        </p:tgtEl>
+                                        <p:attrNameLst>
+                                          <p:attrName>ppt_y</p:attrName>
+                                        </p:attrNameLst>
+                                      </p:cBhvr>
+                                      <p:tavLst>
+                                        <p:tav tm="0">
+                                          <p:val>
+                                            <p:strVal val="1+#ppt_h/2"/>
+                                          </p:val>
+                                        </p:tav>
+                                        <p:tav tm="100000">
+                                          <p:val>
+                                            <p:strVal val="#ppt_y"/>
+                                          </p:val>
+                                        </p:tav>
+                                      </p:tavLst>
+                                    </p:anim>
+                                  </p:childTnLst>
+                                </p:cTn>
+                              </p:par>
+                            </p:childTnLst>
+                          </p:cTn>
+                        </p:par>
+                        <p:par>
+                          <p:cTn id="33" fill="hold">
+                            <p:stCondLst>
+                              <p:cond delay="500"/>
+                            </p:stCondLst>
+                            <p:childTnLst>
+                              <p:par>
+                                <p:cTn id="34" presetID="53" presetClass="entr" presetSubtype="16" fill="hold" nodeType="afterEffect">
+                                  <p:stCondLst>
+                                    <p:cond delay="0"/>
+                                  </p:stCondLst>
+                                  <p:childTnLst>
+                                    <p:set>
+                                      <p:cBhvr>
+                                        <p:cTn id="35" dur="1" fill="hold">
+                                          <p:stCondLst>
+                                            <p:cond delay="0"/>
+                                          </p:stCondLst>
+                                        </p:cTn>
+                                        <p:tgtEl>
+                                          <p:spTgt spid="1029"/>
+                                        </p:tgtEl>
+                                        <p:attrNameLst>
+                                          <p:attrName>style.visibility</p:attrName>
+                                        </p:attrNameLst>
+                                      </p:cBhvr>
+                                      <p:to>
+                                        <p:strVal val="visible"/>
+                                      </p:to>
+                                    </p:set>
+                                    <p:anim calcmode="lin" valueType="num">
+                                      <p:cBhvr>
+                                        <p:cTn id="36" dur="500" fill="hold"/>
+                                        <p:tgtEl>
+                                          <p:spTgt spid="1029"/>
+                                        </p:tgtEl>
+                                        <p:attrNameLst>
+                                          <p:attrName>ppt_w</p:attrName>
+                                        </p:attrNameLst>
+                                      </p:cBhvr>
+                                      <p:tavLst>
+                                        <p:tav tm="0">
+                                          <p:val>
+                                            <p:fltVal val="0"/>
+                                          </p:val>
+                                        </p:tav>
+                                        <p:tav tm="100000">
+                                          <p:val>
+                                            <p:strVal val="#ppt_w"/>
+                                          </p:val>
+                                        </p:tav>
+                                      </p:tavLst>
+                                    </p:anim>
+                                    <p:anim calcmode="lin" valueType="num">
+                                      <p:cBhvr>
+                                        <p:cTn id="37" dur="500" fill="hold"/>
+                                        <p:tgtEl>
+                                          <p:spTgt spid="1029"/>
+                                        </p:tgtEl>
+                                        <p:attrNameLst>
+                                          <p:attrName>ppt_h</p:attrName>
+                                        </p:attrNameLst>
+                                      </p:cBhvr>
+                                      <p:tavLst>
+                                        <p:tav tm="0">
+                                          <p:val>
+                                            <p:fltVal val="0"/>
+                                          </p:val>
+                                        </p:tav>
+                                        <p:tav tm="100000">
+                                          <p:val>
+                                            <p:strVal val="#ppt_h"/>
+                                          </p:val>
+                                        </p:tav>
+                                      </p:tavLst>
+                                    </p:anim>
+                                    <p:animEffect transition="in" filter="fade">
+                                      <p:cBhvr>
+                                        <p:cTn id="38" dur="500"/>
+                                        <p:tgtEl>
+                                          <p:spTgt spid="1029"/>
+                                        </p:tgtEl>
+                                      </p:cBhvr>
+                                    </p:animEffect>
+                                  </p:childTnLst>
+                                </p:cTn>
+                              </p:par>
+                            </p:childTnLst>
+                          </p:cTn>
+                        </p:par>
+                      </p:childTnLst>
+                    </p:cTn>
+                  </p:par>
+                  <p:par>
+                    <p:cTn id="39" fill="hold">
+                      <p:stCondLst>
+                        <p:cond delay="indefinite"/>
+                      </p:stCondLst>
+                      <p:childTnLst>
+                        <p:par>
+                          <p:cTn id="40" fill="hold">
+                            <p:stCondLst>
+                              <p:cond delay="0"/>
+                            </p:stCondLst>
+                            <p:childTnLst>
+                              <p:par>
+                                <p:cTn id="41" presetID="2" presetClass="entr" presetSubtype="4" fill="hold" grpId="0" nodeType="clickEffect">
+                                  <p:stCondLst>
+                                    <p:cond delay="0"/>
+                                  </p:stCondLst>
+                                  <p:childTnLst>
+                                    <p:set>
+                                      <p:cBhvr>
+                                        <p:cTn id="42" dur="1" fill="hold">
+                                          <p:stCondLst>
+                                            <p:cond delay="0"/>
+                                          </p:stCondLst>
+                                        </p:cTn>
+                                        <p:tgtEl>
+                                          <p:spTgt spid="9"/>
+                                        </p:tgtEl>
+                                        <p:attrNameLst>
+                                          <p:attrName>style.visibility</p:attrName>
+                                        </p:attrNameLst>
+                                      </p:cBhvr>
+                                      <p:to>
+                                        <p:strVal val="visible"/>
+                                      </p:to>
+                                    </p:set>
+                                    <p:anim calcmode="lin" valueType="num">
+                                      <p:cBhvr additive="base">
+                                        <p:cTn id="43" dur="500" fill="hold"/>
+                                        <p:tgtEl>
+                                          <p:spTgt spid="9"/>
+                                        </p:tgtEl>
+                                        <p:attrNameLst>
+                                          <p:attrName>ppt_x</p:attrName>
+                                        </p:attrNameLst>
+                                      </p:cBhvr>
+                                      <p:tavLst>
+                                        <p:tav tm="0">
+                                          <p:val>
+                                            <p:strVal val="#ppt_x"/>
+                                          </p:val>
+                                        </p:tav>
+                                        <p:tav tm="100000">
+                                          <p:val>
+                                            <p:strVal val="#ppt_x"/>
+                                          </p:val>
+                                        </p:tav>
+                                      </p:tavLst>
+                                    </p:anim>
+                                    <p:anim calcmode="lin" valueType="num">
+                                      <p:cBhvr additive="base">
+                                        <p:cTn id="44" dur="500" fill="hold"/>
+                                        <p:tgtEl>
+                                          <p:spTgt spid="9"/>
+                                        </p:tgtEl>
+                                        <p:attrNameLst>
+                                          <p:attrName>ppt_y</p:attrName>
+                                        </p:attrNameLst>
+                                      </p:cBhvr>
+                                      <p:tavLst>
+                                        <p:tav tm="0">
+                                          <p:val>
+                                            <p:strVal val="1+#ppt_h/2"/>
+                                          </p:val>
+                                        </p:tav>
+                                        <p:tav tm="100000">
+                                          <p:val>
+                                            <p:strVal val="#ppt_y"/>
+                                          </p:val>
+                                        </p:tav>
+                                      </p:tavLst>
+                                    </p:anim>
+                                  </p:childTnLst>
+                                </p:cTn>
+                              </p:par>
+                            </p:childTnLst>
+                          </p:cTn>
+                        </p:par>
+                        <p:par>
+                          <p:cTn id="45" fill="hold">
+                            <p:stCondLst>
+                              <p:cond delay="500"/>
+                            </p:stCondLst>
+                            <p:childTnLst>
+                              <p:par>
+                                <p:cTn id="46" presetID="53" presetClass="entr" presetSubtype="16" fill="hold" nodeType="afterEffect">
+                                  <p:stCondLst>
+                                    <p:cond delay="0"/>
+                                  </p:stCondLst>
+                                  <p:childTnLst>
+                                    <p:set>
+                                      <p:cBhvr>
+                                        <p:cTn id="47" dur="1" fill="hold">
+                                          <p:stCondLst>
+                                            <p:cond delay="0"/>
+                                          </p:stCondLst>
+                                        </p:cTn>
+                                        <p:tgtEl>
+                                          <p:spTgt spid="1031"/>
+                                        </p:tgtEl>
+                                        <p:attrNameLst>
+                                          <p:attrName>style.visibility</p:attrName>
+                                        </p:attrNameLst>
+                                      </p:cBhvr>
+                                      <p:to>
+                                        <p:strVal val="visible"/>
+                                      </p:to>
+                                    </p:set>
+                                    <p:anim calcmode="lin" valueType="num">
+                                      <p:cBhvr>
+                                        <p:cTn id="48" dur="500" fill="hold"/>
+                                        <p:tgtEl>
+                                          <p:spTgt spid="1031"/>
+                                        </p:tgtEl>
+                                        <p:attrNameLst>
+                                          <p:attrName>ppt_w</p:attrName>
+                                        </p:attrNameLst>
+                                      </p:cBhvr>
+                                      <p:tavLst>
+                                        <p:tav tm="0">
+                                          <p:val>
+                                            <p:fltVal val="0"/>
+                                          </p:val>
+                                        </p:tav>
+                                        <p:tav tm="100000">
+                                          <p:val>
+                                            <p:strVal val="#ppt_w"/>
+                                          </p:val>
+                                        </p:tav>
+                                      </p:tavLst>
+                                    </p:anim>
+                                    <p:anim calcmode="lin" valueType="num">
+                                      <p:cBhvr>
+                                        <p:cTn id="49" dur="500" fill="hold"/>
+                                        <p:tgtEl>
+                                          <p:spTgt spid="1031"/>
+                                        </p:tgtEl>
+                                        <p:attrNameLst>
+                                          <p:attrName>ppt_h</p:attrName>
+                                        </p:attrNameLst>
+                                      </p:cBhvr>
+                                      <p:tavLst>
+                                        <p:tav tm="0">
+                                          <p:val>
+                                            <p:fltVal val="0"/>
+                                          </p:val>
+                                        </p:tav>
+                                        <p:tav tm="100000">
+                                          <p:val>
+                                            <p:strVal val="#ppt_h"/>
+                                          </p:val>
+                                        </p:tav>
+                                      </p:tavLst>
+                                    </p:anim>
+                                    <p:animEffect transition="in" filter="fade">
+                                      <p:cBhvr>
+                                        <p:cTn id="50" dur="500"/>
+                                        <p:tgtEl>
+                                          <p:spTgt spid="1031"/>
+                                        </p:tgtEl>
+                                      </p:cBhvr>
+                                    </p:animEffect>
+                                  </p:childTnLst>
+                                </p:cTn>
+                              </p:par>
+                            </p:childTnLst>
+                          </p:cTn>
+                        </p:par>
+                      </p:childTnLst>
+                    </p:cTn>
+                  </p:par>
+                  <p:par>
+                    <p:cTn id="51" fill="hold">
+                      <p:stCondLst>
+                        <p:cond delay="indefinite"/>
+                      </p:stCondLst>
+                      <p:childTnLst>
+                        <p:par>
+                          <p:cTn id="52" fill="hold">
+                            <p:stCondLst>
+                              <p:cond delay="0"/>
+                            </p:stCondLst>
+                            <p:childTnLst>
+                              <p:par>
+                                <p:cTn id="53" presetID="2" presetClass="entr" presetSubtype="4" fill="hold" grpId="0" nodeType="clickEffect">
+                                  <p:stCondLst>
+                                    <p:cond delay="0"/>
+                                  </p:stCondLst>
+                                  <p:childTnLst>
+                                    <p:set>
+                                      <p:cBhvr>
+                                        <p:cTn id="54" dur="1" fill="hold">
+                                          <p:stCondLst>
+                                            <p:cond delay="0"/>
+                                          </p:stCondLst>
+                                        </p:cTn>
+                                        <p:tgtEl>
                                           <p:spTgt spid="10"/>
                                         </p:tgtEl>
                                         <p:attrNameLst>
@@ -16475,7 +24195,7 @@
                                     </p:set>
                                     <p:anim calcmode="lin" valueType="num">
                                       <p:cBhvr additive="base">
-                                        <p:cTn id="31" dur="500" fill="hold"/>
+                                        <p:cTn id="55" dur="500" fill="hold"/>
                                         <p:tgtEl>
                                           <p:spTgt spid="10"/>
                                         </p:tgtEl>
@@ -16498,7 +24218,7 @@
                                     </p:anim>
                                     <p:anim calcmode="lin" valueType="num">
                                       <p:cBhvr additive="base">
-                                        <p:cTn id="32" dur="500" fill="hold"/>
+                                        <p:cTn id="56" dur="500" fill="hold"/>
                                         <p:tgtEl>
                                           <p:spTgt spid="10"/>
                                         </p:tgtEl>
@@ -16519,6 +24239,96 @@
                                         </p:tav>
                                       </p:tavLst>
                                     </p:anim>
+                                  </p:childTnLst>
+                                </p:cTn>
+                              </p:par>
+                            </p:childTnLst>
+                          </p:cTn>
+                        </p:par>
+                        <p:par>
+                          <p:cTn id="57" fill="hold">
+                            <p:stCondLst>
+                              <p:cond delay="500"/>
+                            </p:stCondLst>
+                            <p:childTnLst>
+                              <p:par>
+                                <p:cTn id="58" presetID="53" presetClass="entr" presetSubtype="16" fill="hold" nodeType="afterEffect">
+                                  <p:stCondLst>
+                                    <p:cond delay="0"/>
+                                  </p:stCondLst>
+                                  <p:childTnLst>
+                                    <p:set>
+                                      <p:cBhvr>
+                                        <p:cTn id="59" dur="1" fill="hold">
+                                          <p:stCondLst>
+                                            <p:cond delay="0"/>
+                                          </p:stCondLst>
+                                        </p:cTn>
+                                        <p:tgtEl>
+                                          <p:spTgt spid="1032"/>
+                                        </p:tgtEl>
+                                        <p:attrNameLst>
+                                          <p:attrName>style.visibility</p:attrName>
+                                        </p:attrNameLst>
+                                      </p:cBhvr>
+                                      <p:to>
+                                        <p:strVal val="visible"/>
+                                      </p:to>
+                                    </p:set>
+                                    <p:anim calcmode="lin" valueType="num">
+                                      <p:cBhvr>
+                                        <p:cTn id="60" dur="500" fill="hold"/>
+                                        <p:tgtEl>
+                                          <p:spTgt spid="1032"/>
+                                        </p:tgtEl>
+                                        <p:attrNameLst>
+                                          <p:attrName>ppt_w</p:attrName>
+                                        </p:attrNameLst>
+                                      </p:cBhvr>
+                                      <p:tavLst>
+                                        <p:tav tm="0">
+                                          <p:val>
+                                            <p:fltVal val="0"/>
+                                          </p:val>
+                                        </p:tav>
+                                        <p:tav tm="100000">
+                                          <p:val>
+                                            <p:strVal val="#ppt_w"/>
+                                          </p:val>
+                                        </p:tav>
+                                      </p:tavLst>
+                                    </p:anim>
+                                    <p:anim calcmode="lin" valueType="num">
+                                      <p:cBhvr>
+                                        <p:cTn id="61" dur="500" fill="hold"/>
+                                        <p:tgtEl>
+                                          <p:spTgt spid="1032"/>
+                                        </p:tgtEl>
+                                        <p:attrNameLst>
+                                          <p:attrName>ppt_h</p:attrName>
+                                        </p:attrNameLst>
+                                      </p:cBhvr>
+                                      <p:tavLst>
+                                        <p:tav tm="0">
+                                          <p:val>
+                                            <p:fltVal val="0"/>
+                                          </p:val>
+                                        </p:tav>
+                                        <p:tav tm="100000">
+                                          <p:val>
+                                            <p:strVal val="#ppt_h"/>
+                                          </p:val>
+                                        </p:tav>
+                                      </p:tavLst>
+                                    </p:anim>
+                                    <p:animEffect transition="in" filter="fade">
+                                      <p:cBhvr>
+                                        <p:cTn id="62" dur="500"/>
+                                        <p:tgtEl>
+                                          <p:spTgt spid="1032"/>
+                                        </p:tgtEl>
+                                      </p:cBhvr>
+                                    </p:animEffect>
                                   </p:childTnLst>
                                 </p:cTn>
                               </p:par>
@@ -20176,54 +27986,69 @@
         </p:nvSpPr>
         <p:spPr/>
         <p:txBody>
-          <a:bodyPr/>
+          <a:bodyPr>
+            <a:normAutofit/>
+          </a:bodyPr>
           <a:lstStyle/>
           <a:p>
             <a:r>
               <a:rPr lang="en-US" dirty="0"/>
-              <a:t>Algorithm description</a:t>
+              <a:t>Algorithm’s summary</a:t>
             </a:r>
           </a:p>
         </p:txBody>
       </p:sp>
-      <p:sp>
-        <p:nvSpPr>
-          <p:cNvPr id="3" name="Content Placeholder 2"/>
-          <p:cNvSpPr>
-            <a:spLocks noGrp="1"/>
-          </p:cNvSpPr>
+      <p:graphicFrame>
+        <p:nvGraphicFramePr>
+          <p:cNvPr id="4" name="Content Placeholder 3"/>
+          <p:cNvGraphicFramePr>
+            <a:graphicFrameLocks noGrp="1"/>
+          </p:cNvGraphicFramePr>
           <p:nvPr>
             <p:ph idx="1"/>
+            <p:extLst>
+              <p:ext uri="{D42A27DB-BD31-4B8C-83A1-F6EECF244321}">
+                <p14:modId xmlns:p14="http://schemas.microsoft.com/office/powerpoint/2010/main" val="1677379271"/>
+              </p:ext>
+            </p:extLst>
           </p:nvPr>
-        </p:nvSpPr>
-        <p:spPr/>
-        <p:txBody>
-          <a:bodyPr anchor="ctr"/>
-          <a:lstStyle/>
-          <a:p>
-            <a:pPr marL="0" indent="0" algn="ctr">
-              <a:buNone/>
-            </a:pPr>
-            <a:r>
-              <a:rPr lang="en-US" dirty="0" smtClean="0"/>
-              <a:t>End </a:t>
-            </a:r>
-            <a:r>
-              <a:rPr lang="en-US" smtClean="0"/>
-              <a:t>of </a:t>
-            </a:r>
-            <a:r>
-              <a:rPr lang="en-US" smtClean="0"/>
-              <a:t>the algorithm</a:t>
-            </a:r>
-            <a:endParaRPr lang="en-US" dirty="0"/>
-          </a:p>
-        </p:txBody>
-      </p:sp>
+        </p:nvGraphicFramePr>
+        <p:xfrm>
+          <a:off x="4038600" y="3200400"/>
+          <a:ext cx="4800600" cy="3382963"/>
+        </p:xfrm>
+        <a:graphic>
+          <a:graphicData uri="http://schemas.openxmlformats.org/drawingml/2006/diagram">
+            <dgm:relIds xmlns:dgm="http://schemas.openxmlformats.org/drawingml/2006/diagram" xmlns:r="http://schemas.openxmlformats.org/officeDocument/2006/relationships" r:dm="rId2" r:lo="rId3" r:qs="rId4" r:cs="rId5"/>
+          </a:graphicData>
+        </a:graphic>
+      </p:graphicFrame>
+      <p:graphicFrame>
+        <p:nvGraphicFramePr>
+          <p:cNvPr id="5" name="Diagram 4"/>
+          <p:cNvGraphicFramePr/>
+          <p:nvPr>
+            <p:extLst>
+              <p:ext uri="{D42A27DB-BD31-4B8C-83A1-F6EECF244321}">
+                <p14:modId xmlns:p14="http://schemas.microsoft.com/office/powerpoint/2010/main" val="1119550053"/>
+              </p:ext>
+            </p:extLst>
+          </p:nvPr>
+        </p:nvGraphicFramePr>
+        <p:xfrm>
+          <a:off x="381000" y="1524000"/>
+          <a:ext cx="4419600" cy="2209800"/>
+        </p:xfrm>
+        <a:graphic>
+          <a:graphicData uri="http://schemas.openxmlformats.org/drawingml/2006/diagram">
+            <dgm:relIds xmlns:dgm="http://schemas.openxmlformats.org/drawingml/2006/diagram" xmlns:r="http://schemas.openxmlformats.org/officeDocument/2006/relationships" r:dm="rId7" r:lo="rId8" r:qs="rId9" r:cs="rId10"/>
+          </a:graphicData>
+        </a:graphic>
+      </p:graphicFrame>
     </p:spTree>
     <p:extLst>
       <p:ext uri="{BB962C8B-B14F-4D97-AF65-F5344CB8AC3E}">
-        <p14:creationId xmlns:p14="http://schemas.microsoft.com/office/powerpoint/2010/main" val="3711012321"/>
+        <p14:creationId xmlns:p14="http://schemas.microsoft.com/office/powerpoint/2010/main" val="2172686397"/>
       </p:ext>
     </p:extLst>
   </p:cSld>

--- a/extra/CDT.pptx
+++ b/extra/CDT.pptx
@@ -2583,7 +2583,15 @@
         <a:p>
           <a:r>
             <a:rPr lang="en-US" dirty="0" smtClean="0"/>
-            <a:t>Overview of implemented algorithm</a:t>
+            <a:t>Overview </a:t>
+          </a:r>
+          <a:r>
+            <a:rPr lang="en-US" dirty="0" smtClean="0"/>
+            <a:t>of the </a:t>
+          </a:r>
+          <a:r>
+            <a:rPr lang="en-US" dirty="0" smtClean="0"/>
+            <a:t>implemented algorithm</a:t>
           </a:r>
           <a:endParaRPr lang="en-US" dirty="0"/>
         </a:p>
@@ -3163,11 +3171,7 @@
         <a:p>
           <a:r>
             <a:rPr lang="en-US" dirty="0" smtClean="0"/>
-            <a:t>Delete all triangles </a:t>
-          </a:r>
-          <a:r>
-            <a:rPr lang="en-US" dirty="0" smtClean="0"/>
-            <a:t>having an edge that intersects the constraint</a:t>
+            <a:t>Delete all triangles having an edge that intersects the constraint</a:t>
           </a:r>
           <a:endParaRPr lang="en-US" dirty="0"/>
         </a:p>
@@ -3314,6 +3318,13 @@
         </dgm:presLayoutVars>
       </dgm:prSet>
       <dgm:spPr/>
+      <dgm:t>
+        <a:bodyPr/>
+        <a:lstStyle/>
+        <a:p>
+          <a:endParaRPr lang="en-US"/>
+        </a:p>
+      </dgm:t>
     </dgm:pt>
     <dgm:pt modelId="{B6D2FDE5-E581-4060-9F3F-2BD21E920B18}" type="pres">
       <dgm:prSet presAssocID="{6E525D43-B65E-4A25-B039-337112B56B4D}" presName="cycle" presStyleCnt="0"/>
@@ -3326,10 +3337,24 @@
         </dgm:presLayoutVars>
       </dgm:prSet>
       <dgm:spPr/>
+      <dgm:t>
+        <a:bodyPr/>
+        <a:lstStyle/>
+        <a:p>
+          <a:endParaRPr lang="en-US"/>
+        </a:p>
+      </dgm:t>
     </dgm:pt>
     <dgm:pt modelId="{207176C4-A68B-4390-BE5B-5CC4732386B4}" type="pres">
       <dgm:prSet presAssocID="{1795B07D-893B-4E6E-9D26-57F4B3FD181E}" presName="sibTransFirstNode" presStyleLbl="bgShp" presStyleIdx="0" presStyleCnt="1"/>
       <dgm:spPr/>
+      <dgm:t>
+        <a:bodyPr/>
+        <a:lstStyle/>
+        <a:p>
+          <a:endParaRPr lang="en-US"/>
+        </a:p>
+      </dgm:t>
     </dgm:pt>
     <dgm:pt modelId="{9064C937-B3FF-48A4-A6DB-C4E799F4344A}" type="pres">
       <dgm:prSet presAssocID="{8A31C0AC-470F-4FBD-9D46-97FE107EDF36}" presName="nodeFollowingNodes" presStyleLbl="node1" presStyleIdx="1" presStyleCnt="5">
@@ -3393,18 +3418,18 @@
     </dgm:pt>
   </dgm:ptLst>
   <dgm:cxnLst>
+    <dgm:cxn modelId="{5ECF80A8-A2DC-4A48-ACD2-0C59FB608223}" type="presOf" srcId="{3FD857F1-965B-4D6D-A919-9F1229D6DC4E}" destId="{6D2B9EE5-CDBF-4D08-92D0-01A4D9CAB7A2}" srcOrd="0" destOrd="0" presId="urn:microsoft.com/office/officeart/2005/8/layout/cycle3"/>
+    <dgm:cxn modelId="{E52B5D3F-A10B-4E7D-B42E-4AB1A13DFDC3}" type="presOf" srcId="{9F8D00BC-4B1E-4011-82E5-8215F3E87BE4}" destId="{FC6F747A-E1D9-4147-9722-4F3A2DC55911}" srcOrd="0" destOrd="0" presId="urn:microsoft.com/office/officeart/2005/8/layout/cycle3"/>
+    <dgm:cxn modelId="{34BC580F-CC6B-407C-B9D7-C63853FB9717}" type="presOf" srcId="{6B168488-94A8-45AB-879B-55E5AA3152E4}" destId="{827D3D2D-4767-484E-9372-8197BC522DAB}" srcOrd="0" destOrd="0" presId="urn:microsoft.com/office/officeart/2005/8/layout/cycle3"/>
+    <dgm:cxn modelId="{917FD770-CA18-4638-A8D4-678791D41979}" srcId="{6E525D43-B65E-4A25-B039-337112B56B4D}" destId="{8A31C0AC-470F-4FBD-9D46-97FE107EDF36}" srcOrd="1" destOrd="0" parTransId="{9FD97F31-B924-410C-B4D7-84E12F3FB017}" sibTransId="{2B60B8A0-B01B-44E2-822D-BB9D92EF278B}"/>
+    <dgm:cxn modelId="{AC7107DA-A522-4380-A88E-09A256AD9EAC}" srcId="{6E525D43-B65E-4A25-B039-337112B56B4D}" destId="{3FD857F1-965B-4D6D-A919-9F1229D6DC4E}" srcOrd="3" destOrd="0" parTransId="{497CE48D-961B-4A8A-840F-B50DFA12D5F9}" sibTransId="{38A3234B-F216-41DD-A5B2-2CE1B0ABCD07}"/>
+    <dgm:cxn modelId="{1F7F2E9D-BE1F-4B1A-8E78-7759A002024F}" srcId="{6E525D43-B65E-4A25-B039-337112B56B4D}" destId="{6B168488-94A8-45AB-879B-55E5AA3152E4}" srcOrd="4" destOrd="0" parTransId="{891CFD88-41E3-4D6A-AFD1-E7B5131DF073}" sibTransId="{606F8C01-9345-4ECE-AA1A-B6E5C5A81716}"/>
+    <dgm:cxn modelId="{3211CF02-A313-435A-B84F-C9D165A99716}" srcId="{6E525D43-B65E-4A25-B039-337112B56B4D}" destId="{58000B83-43D1-4158-84A5-197C7AA96ED9}" srcOrd="2" destOrd="0" parTransId="{95C1AA50-19E5-4485-8683-381ABDA86166}" sibTransId="{FBA5094D-253B-4790-9656-726ABCC7E91B}"/>
+    <dgm:cxn modelId="{5FC283F4-5867-47D0-9657-613D62EB93F3}" srcId="{6E525D43-B65E-4A25-B039-337112B56B4D}" destId="{9F8D00BC-4B1E-4011-82E5-8215F3E87BE4}" srcOrd="0" destOrd="0" parTransId="{2C849661-D8F6-4E5F-8010-3E4A1097452A}" sibTransId="{1795B07D-893B-4E6E-9D26-57F4B3FD181E}"/>
+    <dgm:cxn modelId="{5AB62472-F767-4981-8C88-71D45248D1C3}" type="presOf" srcId="{6E525D43-B65E-4A25-B039-337112B56B4D}" destId="{5B8F3A42-9647-4F9C-BFEC-6413F16D293F}" srcOrd="0" destOrd="0" presId="urn:microsoft.com/office/officeart/2005/8/layout/cycle3"/>
     <dgm:cxn modelId="{21444218-FF98-4718-9DBB-14C967D5EE44}" type="presOf" srcId="{8A31C0AC-470F-4FBD-9D46-97FE107EDF36}" destId="{9064C937-B3FF-48A4-A6DB-C4E799F4344A}" srcOrd="0" destOrd="0" presId="urn:microsoft.com/office/officeart/2005/8/layout/cycle3"/>
-    <dgm:cxn modelId="{5FC283F4-5867-47D0-9657-613D62EB93F3}" srcId="{6E525D43-B65E-4A25-B039-337112B56B4D}" destId="{9F8D00BC-4B1E-4011-82E5-8215F3E87BE4}" srcOrd="0" destOrd="0" parTransId="{2C849661-D8F6-4E5F-8010-3E4A1097452A}" sibTransId="{1795B07D-893B-4E6E-9D26-57F4B3FD181E}"/>
-    <dgm:cxn modelId="{5ECF80A8-A2DC-4A48-ACD2-0C59FB608223}" type="presOf" srcId="{3FD857F1-965B-4D6D-A919-9F1229D6DC4E}" destId="{6D2B9EE5-CDBF-4D08-92D0-01A4D9CAB7A2}" srcOrd="0" destOrd="0" presId="urn:microsoft.com/office/officeart/2005/8/layout/cycle3"/>
-    <dgm:cxn modelId="{3211CF02-A313-435A-B84F-C9D165A99716}" srcId="{6E525D43-B65E-4A25-B039-337112B56B4D}" destId="{58000B83-43D1-4158-84A5-197C7AA96ED9}" srcOrd="2" destOrd="0" parTransId="{95C1AA50-19E5-4485-8683-381ABDA86166}" sibTransId="{FBA5094D-253B-4790-9656-726ABCC7E91B}"/>
-    <dgm:cxn modelId="{5AB62472-F767-4981-8C88-71D45248D1C3}" type="presOf" srcId="{6E525D43-B65E-4A25-B039-337112B56B4D}" destId="{5B8F3A42-9647-4F9C-BFEC-6413F16D293F}" srcOrd="0" destOrd="0" presId="urn:microsoft.com/office/officeart/2005/8/layout/cycle3"/>
-    <dgm:cxn modelId="{AC7107DA-A522-4380-A88E-09A256AD9EAC}" srcId="{6E525D43-B65E-4A25-B039-337112B56B4D}" destId="{3FD857F1-965B-4D6D-A919-9F1229D6DC4E}" srcOrd="3" destOrd="0" parTransId="{497CE48D-961B-4A8A-840F-B50DFA12D5F9}" sibTransId="{38A3234B-F216-41DD-A5B2-2CE1B0ABCD07}"/>
-    <dgm:cxn modelId="{E52B5D3F-A10B-4E7D-B42E-4AB1A13DFDC3}" type="presOf" srcId="{9F8D00BC-4B1E-4011-82E5-8215F3E87BE4}" destId="{FC6F747A-E1D9-4147-9722-4F3A2DC55911}" srcOrd="0" destOrd="0" presId="urn:microsoft.com/office/officeart/2005/8/layout/cycle3"/>
     <dgm:cxn modelId="{7ACBA43C-06F7-4B38-A63C-D89366E0D6B0}" type="presOf" srcId="{58000B83-43D1-4158-84A5-197C7AA96ED9}" destId="{CC3CFDE4-E573-49DB-BDB6-FDE41C67E34A}" srcOrd="0" destOrd="0" presId="urn:microsoft.com/office/officeart/2005/8/layout/cycle3"/>
-    <dgm:cxn modelId="{34BC580F-CC6B-407C-B9D7-C63853FB9717}" type="presOf" srcId="{6B168488-94A8-45AB-879B-55E5AA3152E4}" destId="{827D3D2D-4767-484E-9372-8197BC522DAB}" srcOrd="0" destOrd="0" presId="urn:microsoft.com/office/officeart/2005/8/layout/cycle3"/>
     <dgm:cxn modelId="{D9652651-C90F-41DF-AFBB-72E2ABF98055}" type="presOf" srcId="{1795B07D-893B-4E6E-9D26-57F4B3FD181E}" destId="{207176C4-A68B-4390-BE5B-5CC4732386B4}" srcOrd="0" destOrd="0" presId="urn:microsoft.com/office/officeart/2005/8/layout/cycle3"/>
-    <dgm:cxn modelId="{917FD770-CA18-4638-A8D4-678791D41979}" srcId="{6E525D43-B65E-4A25-B039-337112B56B4D}" destId="{8A31C0AC-470F-4FBD-9D46-97FE107EDF36}" srcOrd="1" destOrd="0" parTransId="{9FD97F31-B924-410C-B4D7-84E12F3FB017}" sibTransId="{2B60B8A0-B01B-44E2-822D-BB9D92EF278B}"/>
-    <dgm:cxn modelId="{1F7F2E9D-BE1F-4B1A-8E78-7759A002024F}" srcId="{6E525D43-B65E-4A25-B039-337112B56B4D}" destId="{6B168488-94A8-45AB-879B-55E5AA3152E4}" srcOrd="4" destOrd="0" parTransId="{891CFD88-41E3-4D6A-AFD1-E7B5131DF073}" sibTransId="{606F8C01-9345-4ECE-AA1A-B6E5C5A81716}"/>
     <dgm:cxn modelId="{2D98DD6E-04CD-4E3D-805B-145EEF524FB0}" type="presParOf" srcId="{5B8F3A42-9647-4F9C-BFEC-6413F16D293F}" destId="{B6D2FDE5-E581-4060-9F3F-2BD21E920B18}" srcOrd="0" destOrd="0" presId="urn:microsoft.com/office/officeart/2005/8/layout/cycle3"/>
     <dgm:cxn modelId="{6AD90972-202C-40A3-AA41-8DDBF5B384AA}" type="presParOf" srcId="{B6D2FDE5-E581-4060-9F3F-2BD21E920B18}" destId="{FC6F747A-E1D9-4147-9722-4F3A2DC55911}" srcOrd="0" destOrd="0" presId="urn:microsoft.com/office/officeart/2005/8/layout/cycle3"/>
     <dgm:cxn modelId="{9817F551-7C8A-4F0A-952C-E9527F388C4B}" type="presParOf" srcId="{B6D2FDE5-E581-4060-9F3F-2BD21E920B18}" destId="{207176C4-A68B-4390-BE5B-5CC4732386B4}" srcOrd="1" destOrd="0" presId="urn:microsoft.com/office/officeart/2005/8/layout/cycle3"/>
@@ -3594,6 +3619,13 @@
         </dgm:presLayoutVars>
       </dgm:prSet>
       <dgm:spPr/>
+      <dgm:t>
+        <a:bodyPr/>
+        <a:lstStyle/>
+        <a:p>
+          <a:endParaRPr lang="en-US"/>
+        </a:p>
+      </dgm:t>
     </dgm:pt>
     <dgm:pt modelId="{3D5A4C46-7895-42C7-8A73-5EFD1926CE59}" type="pres">
       <dgm:prSet presAssocID="{8F96BADC-7678-4BBA-BA14-501057EE8D6B}" presName="chaos" presStyleCnt="0"/>
@@ -3602,6 +3634,13 @@
     <dgm:pt modelId="{9AE5D9A7-AF57-49F8-B565-A606168C1572}" type="pres">
       <dgm:prSet presAssocID="{8F96BADC-7678-4BBA-BA14-501057EE8D6B}" presName="parTx1" presStyleLbl="revTx" presStyleIdx="0" presStyleCnt="3"/>
       <dgm:spPr/>
+      <dgm:t>
+        <a:bodyPr/>
+        <a:lstStyle/>
+        <a:p>
+          <a:endParaRPr lang="en-US"/>
+        </a:p>
+      </dgm:t>
     </dgm:pt>
     <dgm:pt modelId="{E7F57025-9D84-4F29-949C-036603744C5D}" type="pres">
       <dgm:prSet presAssocID="{8F96BADC-7678-4BBA-BA14-501057EE8D6B}" presName="desTx1" presStyleLbl="revTx" presStyleIdx="1" presStyleCnt="3">
@@ -3740,6 +3779,13 @@
         </dgm:presLayoutVars>
       </dgm:prSet>
       <dgm:spPr/>
+      <dgm:t>
+        <a:bodyPr/>
+        <a:lstStyle/>
+        <a:p>
+          <a:endParaRPr lang="en-US"/>
+        </a:p>
+      </dgm:t>
     </dgm:pt>
     <dgm:pt modelId="{AD3FA222-BE11-45B5-AC2A-FDD2BDC61FD6}" type="pres">
       <dgm:prSet presAssocID="{E4B7FD7C-D00C-427A-9A67-AD2E56B6FF60}" presName="spN" presStyleCnt="0"/>
@@ -3747,15 +3793,15 @@
     </dgm:pt>
   </dgm:ptLst>
   <dgm:cxnLst>
+    <dgm:cxn modelId="{4F716D3A-D746-4CB7-BF57-4AECBCA22E59}" srcId="{E4B7FD7C-D00C-427A-9A67-AD2E56B6FF60}" destId="{4FEDDCFF-64AF-41B1-AC60-5DAF86E60DEA}" srcOrd="0" destOrd="0" parTransId="{C63820AA-7FAA-45F8-8250-E3015AA2E98D}" sibTransId="{D1430994-6671-4713-87F1-26A18F644784}"/>
+    <dgm:cxn modelId="{6F310061-894B-4BBD-AE37-D8FD12E3A49A}" srcId="{8F96BADC-7678-4BBA-BA14-501057EE8D6B}" destId="{E6CB2CE8-A27F-4D1B-A38E-C0F5C4DBA75E}" srcOrd="0" destOrd="0" parTransId="{869E6118-8E76-49A7-BB3E-4E56572603A4}" sibTransId="{55BC8AA6-8C6D-4073-8FDD-11AE4800BEE9}"/>
+    <dgm:cxn modelId="{4685132C-6AD0-4E49-A506-5BF1C276565C}" type="presOf" srcId="{E6CB2CE8-A27F-4D1B-A38E-C0F5C4DBA75E}" destId="{E7F57025-9D84-4F29-949C-036603744C5D}" srcOrd="0" destOrd="0" presId="urn:microsoft.com/office/officeart/2009/3/layout/RandomtoResultProcess"/>
+    <dgm:cxn modelId="{6F709EDB-63F0-4DBE-B308-4A38F2A01412}" srcId="{E349C4EA-CE6F-4599-A4D6-A5D0B6FE7B78}" destId="{8F96BADC-7678-4BBA-BA14-501057EE8D6B}" srcOrd="0" destOrd="0" parTransId="{46875F61-3DB0-4F02-BCD2-3E3597125E31}" sibTransId="{1B157EB2-4DC7-4922-8C8D-0934E719F344}"/>
+    <dgm:cxn modelId="{37025747-5594-46F8-B321-5F4ED2AEA0AF}" type="presOf" srcId="{E349C4EA-CE6F-4599-A4D6-A5D0B6FE7B78}" destId="{052AB095-625D-43DC-92D1-6A240A559CE3}" srcOrd="0" destOrd="0" presId="urn:microsoft.com/office/officeart/2009/3/layout/RandomtoResultProcess"/>
+    <dgm:cxn modelId="{239AACFD-98D0-427F-B644-AD5517A1741A}" srcId="{E349C4EA-CE6F-4599-A4D6-A5D0B6FE7B78}" destId="{E4B7FD7C-D00C-427A-9A67-AD2E56B6FF60}" srcOrd="1" destOrd="0" parTransId="{CF6C8BA9-D3F0-4067-8BF6-A77CD70FC7CE}" sibTransId="{40707BF6-5B9D-43DC-B1A1-76FBBDBEA6F7}"/>
+    <dgm:cxn modelId="{8F89BCED-73D2-4D82-A2C0-295F58173554}" type="presOf" srcId="{E4B7FD7C-D00C-427A-9A67-AD2E56B6FF60}" destId="{1696BE37-B6C2-4988-B7BC-E97C111D7F5B}" srcOrd="0" destOrd="0" presId="urn:microsoft.com/office/officeart/2009/3/layout/RandomtoResultProcess"/>
+    <dgm:cxn modelId="{25F0B220-7481-48FC-9692-29749B96189A}" type="presOf" srcId="{4FEDDCFF-64AF-41B1-AC60-5DAF86E60DEA}" destId="{9BDE8EC1-2EB9-401A-A3EC-B299062C71C2}" srcOrd="0" destOrd="0" presId="urn:microsoft.com/office/officeart/2009/3/layout/RandomtoResultProcess"/>
     <dgm:cxn modelId="{C6C911FC-9D3B-4CD2-BFCC-62533D347F72}" type="presOf" srcId="{8F96BADC-7678-4BBA-BA14-501057EE8D6B}" destId="{9AE5D9A7-AF57-49F8-B565-A606168C1572}" srcOrd="0" destOrd="0" presId="urn:microsoft.com/office/officeart/2009/3/layout/RandomtoResultProcess"/>
-    <dgm:cxn modelId="{8F89BCED-73D2-4D82-A2C0-295F58173554}" type="presOf" srcId="{E4B7FD7C-D00C-427A-9A67-AD2E56B6FF60}" destId="{1696BE37-B6C2-4988-B7BC-E97C111D7F5B}" srcOrd="0" destOrd="0" presId="urn:microsoft.com/office/officeart/2009/3/layout/RandomtoResultProcess"/>
-    <dgm:cxn modelId="{4685132C-6AD0-4E49-A506-5BF1C276565C}" type="presOf" srcId="{E6CB2CE8-A27F-4D1B-A38E-C0F5C4DBA75E}" destId="{E7F57025-9D84-4F29-949C-036603744C5D}" srcOrd="0" destOrd="0" presId="urn:microsoft.com/office/officeart/2009/3/layout/RandomtoResultProcess"/>
-    <dgm:cxn modelId="{239AACFD-98D0-427F-B644-AD5517A1741A}" srcId="{E349C4EA-CE6F-4599-A4D6-A5D0B6FE7B78}" destId="{E4B7FD7C-D00C-427A-9A67-AD2E56B6FF60}" srcOrd="1" destOrd="0" parTransId="{CF6C8BA9-D3F0-4067-8BF6-A77CD70FC7CE}" sibTransId="{40707BF6-5B9D-43DC-B1A1-76FBBDBEA6F7}"/>
-    <dgm:cxn modelId="{6F709EDB-63F0-4DBE-B308-4A38F2A01412}" srcId="{E349C4EA-CE6F-4599-A4D6-A5D0B6FE7B78}" destId="{8F96BADC-7678-4BBA-BA14-501057EE8D6B}" srcOrd="0" destOrd="0" parTransId="{46875F61-3DB0-4F02-BCD2-3E3597125E31}" sibTransId="{1B157EB2-4DC7-4922-8C8D-0934E719F344}"/>
-    <dgm:cxn modelId="{6F310061-894B-4BBD-AE37-D8FD12E3A49A}" srcId="{8F96BADC-7678-4BBA-BA14-501057EE8D6B}" destId="{E6CB2CE8-A27F-4D1B-A38E-C0F5C4DBA75E}" srcOrd="0" destOrd="0" parTransId="{869E6118-8E76-49A7-BB3E-4E56572603A4}" sibTransId="{55BC8AA6-8C6D-4073-8FDD-11AE4800BEE9}"/>
-    <dgm:cxn modelId="{37025747-5594-46F8-B321-5F4ED2AEA0AF}" type="presOf" srcId="{E349C4EA-CE6F-4599-A4D6-A5D0B6FE7B78}" destId="{052AB095-625D-43DC-92D1-6A240A559CE3}" srcOrd="0" destOrd="0" presId="urn:microsoft.com/office/officeart/2009/3/layout/RandomtoResultProcess"/>
-    <dgm:cxn modelId="{4F716D3A-D746-4CB7-BF57-4AECBCA22E59}" srcId="{E4B7FD7C-D00C-427A-9A67-AD2E56B6FF60}" destId="{4FEDDCFF-64AF-41B1-AC60-5DAF86E60DEA}" srcOrd="0" destOrd="0" parTransId="{C63820AA-7FAA-45F8-8250-E3015AA2E98D}" sibTransId="{D1430994-6671-4713-87F1-26A18F644784}"/>
-    <dgm:cxn modelId="{25F0B220-7481-48FC-9692-29749B96189A}" type="presOf" srcId="{4FEDDCFF-64AF-41B1-AC60-5DAF86E60DEA}" destId="{9BDE8EC1-2EB9-401A-A3EC-B299062C71C2}" srcOrd="0" destOrd="0" presId="urn:microsoft.com/office/officeart/2009/3/layout/RandomtoResultProcess"/>
     <dgm:cxn modelId="{14C7333B-3E74-4866-A8A1-57F9E8292BD7}" type="presParOf" srcId="{052AB095-625D-43DC-92D1-6A240A559CE3}" destId="{3D5A4C46-7895-42C7-8A73-5EFD1926CE59}" srcOrd="0" destOrd="0" presId="urn:microsoft.com/office/officeart/2009/3/layout/RandomtoResultProcess"/>
     <dgm:cxn modelId="{03B01CD9-F2A4-4598-B724-B2B5D7AF9B0B}" type="presParOf" srcId="{3D5A4C46-7895-42C7-8A73-5EFD1926CE59}" destId="{9AE5D9A7-AF57-49F8-B565-A606168C1572}" srcOrd="0" destOrd="0" presId="urn:microsoft.com/office/officeart/2009/3/layout/RandomtoResultProcess"/>
     <dgm:cxn modelId="{80623D8B-EA1B-4582-9534-8CCA55256379}" type="presParOf" srcId="{3D5A4C46-7895-42C7-8A73-5EFD1926CE59}" destId="{E7F57025-9D84-4F29-949C-036603744C5D}" srcOrd="1" destOrd="0" presId="urn:microsoft.com/office/officeart/2009/3/layout/RandomtoResultProcess"/>
@@ -4422,7 +4468,15 @@
           </a:pPr>
           <a:r>
             <a:rPr lang="en-US" sz="1400" kern="1200" dirty="0" smtClean="0"/>
-            <a:t>Overview of implemented algorithm</a:t>
+            <a:t>Overview </a:t>
+          </a:r>
+          <a:r>
+            <a:rPr lang="en-US" sz="1400" kern="1200" dirty="0" smtClean="0"/>
+            <a:t>of the </a:t>
+          </a:r>
+          <a:r>
+            <a:rPr lang="en-US" sz="1400" kern="1200" dirty="0" smtClean="0"/>
+            <a:t>implemented algorithm</a:t>
           </a:r>
           <a:endParaRPr lang="en-US" sz="1400" kern="1200" dirty="0"/>
         </a:p>
@@ -4884,11 +4938,7 @@
           </a:pPr>
           <a:r>
             <a:rPr lang="en-US" sz="1000" kern="1200" dirty="0" smtClean="0"/>
-            <a:t>Delete all triangles </a:t>
-          </a:r>
-          <a:r>
-            <a:rPr lang="en-US" sz="1000" kern="1200" dirty="0" smtClean="0"/>
-            <a:t>having an edge that intersects the constraint</a:t>
+            <a:t>Delete all triangles having an edge that intersects the constraint</a:t>
           </a:r>
           <a:endParaRPr lang="en-US" sz="1000" kern="1200" dirty="0"/>
         </a:p>
@@ -21078,10 +21128,14 @@
             </a:r>
             <a:r>
               <a:rPr lang="en-US" sz="1400" dirty="0" smtClean="0"/>
-              <a:t> is inside of the </a:t>
+              <a:t> is inside of </a:t>
             </a:r>
             <a:r>
-              <a:rPr lang="en-US" sz="1400" b="1" dirty="0">
+              <a:rPr lang="en-US" sz="1400" dirty="0" smtClean="0"/>
+              <a:t>this </a:t>
+            </a:r>
+            <a:r>
+              <a:rPr lang="en-US" sz="1400" b="1" dirty="0" smtClean="0">
                 <a:solidFill>
                   <a:schemeClr val="accent5">
                     <a:lumMod val="60000"/>
@@ -21090,28 +21144,6 @@
                 </a:solidFill>
               </a:rPr>
               <a:t>circumcircle</a:t>
-            </a:r>
-            <a:r>
-              <a:rPr lang="en-US" sz="1400" dirty="0"/>
-              <a:t> </a:t>
-            </a:r>
-            <a:r>
-              <a:rPr lang="en-US" sz="1400" dirty="0" smtClean="0"/>
-              <a:t>of the </a:t>
-            </a:r>
-            <a:r>
-              <a:rPr lang="en-US" sz="1400" b="1" dirty="0" smtClean="0">
-                <a:solidFill>
-                  <a:schemeClr val="accent5">
-                    <a:lumMod val="75000"/>
-                  </a:schemeClr>
-                </a:solidFill>
-              </a:rPr>
-              <a:t>gold points</a:t>
-            </a:r>
-            <a:r>
-              <a:rPr lang="en-US" sz="1400" dirty="0" smtClean="0"/>
-              <a:t> triangle</a:t>
             </a:r>
             <a:endParaRPr lang="en-US" sz="1400" dirty="0"/>
           </a:p>
@@ -22634,7 +22666,7 @@
             </a:pPr>
             <a:r>
               <a:rPr lang="en-US" sz="2100" kern="1200" dirty="0" smtClean="0"/>
-              <a:t>Visualization</a:t>
+              <a:t>Data Visualization</a:t>
             </a:r>
             <a:endParaRPr lang="en-US" sz="2100" kern="1200" dirty="0"/>
           </a:p>
@@ -24465,9 +24497,14 @@
           </a:p>
           <a:p>
             <a:r>
-              <a:rPr lang="en-US" dirty="0" smtClean="0"/>
-              <a:t>Algorithm’s input:</a:t>
+              <a:rPr lang="en-US" b="1" u="sng" dirty="0" smtClean="0"/>
+              <a:t>Algorithm’s </a:t>
             </a:r>
+            <a:r>
+              <a:rPr lang="en-US" b="1" u="sng" dirty="0" smtClean="0"/>
+              <a:t>input</a:t>
+            </a:r>
+            <a:endParaRPr lang="en-US" b="1" u="sng" dirty="0" smtClean="0"/>
           </a:p>
           <a:p>
             <a:pPr lvl="1"/>
@@ -24493,9 +24530,14 @@
           </a:p>
           <a:p>
             <a:r>
-              <a:rPr lang="en-US" dirty="0" smtClean="0"/>
-              <a:t>Algorithm’s output:</a:t>
+              <a:rPr lang="en-US" b="1" u="sng" dirty="0" smtClean="0"/>
+              <a:t>Algorithm’s </a:t>
             </a:r>
+            <a:r>
+              <a:rPr lang="en-US" b="1" u="sng" dirty="0" smtClean="0"/>
+              <a:t>output</a:t>
+            </a:r>
+            <a:endParaRPr lang="en-US" b="1" u="sng" dirty="0" smtClean="0"/>
           </a:p>
           <a:p>
             <a:pPr lvl="1"/>
@@ -27463,7 +27505,7 @@
             <p:ph idx="1"/>
             <p:extLst>
               <p:ext uri="{D42A27DB-BD31-4B8C-83A1-F6EECF244321}">
-                <p14:modId xmlns:p14="http://schemas.microsoft.com/office/powerpoint/2010/main" val="512897583"/>
+                <p14:modId xmlns:p14="http://schemas.microsoft.com/office/powerpoint/2010/main" val="2375094121"/>
               </p:ext>
             </p:extLst>
           </p:nvPr>
@@ -27595,7 +27637,7 @@
             </a:r>
             <a:r>
               <a:rPr lang="en-US" dirty="0" smtClean="0"/>
-              <a:t>2</a:t>
+              <a:t>2 (pick next constraint)</a:t>
             </a:r>
             <a:endParaRPr lang="en-US" dirty="0"/>
           </a:p>
@@ -28117,7 +28159,9 @@
         </p:nvSpPr>
         <p:spPr/>
         <p:txBody>
-          <a:bodyPr/>
+          <a:bodyPr>
+            <a:normAutofit fontScale="92500" lnSpcReduction="10000"/>
+          </a:bodyPr>
           <a:lstStyle/>
           <a:p>
             <a:r>
@@ -28157,7 +28201,23 @@
             <a:pPr lvl="1"/>
             <a:r>
               <a:rPr lang="en-US" dirty="0"/>
-              <a:t>Chew </a:t>
+              <a:t>L. Paul Chew </a:t>
+            </a:r>
+            <a:r>
+              <a:rPr lang="en-US" dirty="0" smtClean="0"/>
+              <a:t>- </a:t>
+            </a:r>
+            <a:r>
+              <a:rPr lang="en-US" dirty="0">
+                <a:hlinkClick r:id="rId3"/>
+              </a:rPr>
+              <a:t>http://www.cmlab.csie.ntu.edu.tw/~plokm/htdocs/cmlab/%</a:t>
+            </a:r>
+            <a:r>
+              <a:rPr lang="en-US" dirty="0" smtClean="0">
+                <a:hlinkClick r:id="rId3"/>
+              </a:rPr>
+              <a:t>B1M%C3D/triangulate/Constrained%20Delaunay%20Triangulations.pdf</a:t>
             </a:r>
             <a:endParaRPr lang="en-US" dirty="0" smtClean="0"/>
           </a:p>
@@ -28178,6 +28238,26 @@
               <a:rPr lang="en-US" dirty="0"/>
               <a:t>Fortune </a:t>
             </a:r>
+            <a:r>
+              <a:rPr lang="en-US" dirty="0"/>
+              <a:t>- </a:t>
+            </a:r>
+            <a:r>
+              <a:rPr lang="en-US" dirty="0">
+                <a:hlinkClick r:id="rId4"/>
+              </a:rPr>
+              <a:t>http://ect.bell-labs.com/who/sjf</a:t>
+            </a:r>
+            <a:r>
+              <a:rPr lang="en-US" dirty="0" smtClean="0">
+                <a:hlinkClick r:id="rId4"/>
+              </a:rPr>
+              <a:t>/</a:t>
+            </a:r>
+            <a:r>
+              <a:rPr lang="en-US" dirty="0" smtClean="0"/>
+              <a:t> </a:t>
+            </a:r>
             <a:endParaRPr lang="en-US" dirty="0" smtClean="0"/>
           </a:p>
           <a:p>
@@ -28191,9 +28271,26 @@
               <a:t> - constructing higher-dimensional </a:t>
             </a:r>
             <a:r>
+              <a:rPr lang="en-US" dirty="0"/>
+              <a:t>CDT </a:t>
+            </a:r>
+            <a:r>
+              <a:rPr lang="en-US" dirty="0">
+                <a:hlinkClick r:id="rId5"/>
+              </a:rPr>
+              <a:t>http://www.cs.berkeley.edu/~</a:t>
+            </a:r>
+            <a:r>
+              <a:rPr lang="en-US" dirty="0" smtClean="0">
+                <a:hlinkClick r:id="rId5"/>
+              </a:rPr>
+              <a:t>jrs/papers/cdtj1.pdf</a:t>
+            </a:r>
+            <a:r>
               <a:rPr lang="en-US" dirty="0" smtClean="0"/>
-              <a:t>CDT</a:t>
+              <a:t> </a:t>
             </a:r>
+            <a:endParaRPr lang="en-US" dirty="0" smtClean="0"/>
           </a:p>
           <a:p>
             <a:r>
@@ -28251,7 +28348,7 @@
           <a:p>
             <a:pPr lvl="1"/>
             <a:r>
-              <a:rPr lang="en-US" smtClean="0"/>
+              <a:rPr lang="en-US" dirty="0" smtClean="0"/>
               <a:t>Vigo</a:t>
             </a:r>
             <a:endParaRPr lang="en-US" b="1" dirty="0" smtClean="0"/>
@@ -29460,11 +29557,15 @@
             </a:r>
             <a:r>
               <a:rPr lang="en-US" u="sng" dirty="0"/>
-              <a:t>not a Delaunay triangulation</a:t>
+              <a:t>not a Delaunay </a:t>
             </a:r>
             <a:r>
-              <a:rPr lang="en-US" dirty="0"/>
-              <a:t> itself.</a:t>
+              <a:rPr lang="en-US" u="sng" dirty="0" smtClean="0"/>
+              <a:t>triangulation</a:t>
+            </a:r>
+            <a:r>
+              <a:rPr lang="en-US" dirty="0" smtClean="0"/>
+              <a:t>.</a:t>
             </a:r>
             <a:endParaRPr lang="en-US" dirty="0" smtClean="0"/>
           </a:p>

--- a/extra/CDT.pptx
+++ b/extra/CDT.pptx
@@ -2583,15 +2583,7 @@
         <a:p>
           <a:r>
             <a:rPr lang="en-US" dirty="0" smtClean="0"/>
-            <a:t>Overview </a:t>
-          </a:r>
-          <a:r>
-            <a:rPr lang="en-US" dirty="0" smtClean="0"/>
-            <a:t>of the </a:t>
-          </a:r>
-          <a:r>
-            <a:rPr lang="en-US" dirty="0" smtClean="0"/>
-            <a:t>implemented algorithm</a:t>
+            <a:t>Overview of the implemented algorithm</a:t>
           </a:r>
           <a:endParaRPr lang="en-US" dirty="0"/>
         </a:p>
@@ -3115,7 +3107,7 @@
 <dgm:dataModel xmlns:dgm="http://schemas.openxmlformats.org/drawingml/2006/diagram" xmlns:a="http://schemas.openxmlformats.org/drawingml/2006/main">
   <dgm:ptLst>
     <dgm:pt modelId="{6E525D43-B65E-4A25-B039-337112B56B4D}" type="doc">
-      <dgm:prSet loTypeId="urn:microsoft.com/office/officeart/2005/8/layout/cycle3" loCatId="cycle" qsTypeId="urn:microsoft.com/office/officeart/2005/8/quickstyle/simple1" qsCatId="simple" csTypeId="urn:microsoft.com/office/officeart/2005/8/colors/accent1_2" csCatId="accent1" phldr="1"/>
+      <dgm:prSet loTypeId="urn:microsoft.com/office/officeart/2005/8/layout/cycle1" loCatId="cycle" qsTypeId="urn:microsoft.com/office/officeart/2005/8/quickstyle/simple1" qsCatId="simple" csTypeId="urn:microsoft.com/office/officeart/2005/8/colors/accent1_2" csCatId="accent1" phldr="1"/>
       <dgm:spPr/>
       <dgm:t>
         <a:bodyPr/>
@@ -3134,7 +3126,11 @@
         <a:p>
           <a:r>
             <a:rPr lang="en-US" dirty="0" smtClean="0"/>
-            <a:t>Pick  one constraint</a:t>
+            <a:t>Pick  </a:t>
+          </a:r>
+          <a:r>
+            <a:rPr lang="en-US" dirty="0" smtClean="0"/>
+            <a:t>one constraint</a:t>
           </a:r>
           <a:endParaRPr lang="en-US" dirty="0"/>
         </a:p>
@@ -3310,8 +3306,8 @@
         </a:p>
       </dgm:t>
     </dgm:pt>
-    <dgm:pt modelId="{5B8F3A42-9647-4F9C-BFEC-6413F16D293F}" type="pres">
-      <dgm:prSet presAssocID="{6E525D43-B65E-4A25-B039-337112B56B4D}" presName="Name0" presStyleCnt="0">
+    <dgm:pt modelId="{684FEEA8-0657-48DE-BC5B-476013C888CB}" type="pres">
+      <dgm:prSet presAssocID="{6E525D43-B65E-4A25-B039-337112B56B4D}" presName="cycle" presStyleCnt="0">
         <dgm:presLayoutVars>
           <dgm:dir/>
           <dgm:resizeHandles val="exact"/>
@@ -3326,12 +3322,12 @@
         </a:p>
       </dgm:t>
     </dgm:pt>
-    <dgm:pt modelId="{B6D2FDE5-E581-4060-9F3F-2BD21E920B18}" type="pres">
-      <dgm:prSet presAssocID="{6E525D43-B65E-4A25-B039-337112B56B4D}" presName="cycle" presStyleCnt="0"/>
+    <dgm:pt modelId="{7EE2F31B-9CC0-4EB4-B2ED-254BDD2CDFC8}" type="pres">
+      <dgm:prSet presAssocID="{9F8D00BC-4B1E-4011-82E5-8215F3E87BE4}" presName="dummy" presStyleCnt="0"/>
       <dgm:spPr/>
     </dgm:pt>
-    <dgm:pt modelId="{FC6F747A-E1D9-4147-9722-4F3A2DC55911}" type="pres">
-      <dgm:prSet presAssocID="{9F8D00BC-4B1E-4011-82E5-8215F3E87BE4}" presName="nodeFirstNode" presStyleLbl="node1" presStyleIdx="0" presStyleCnt="5">
+    <dgm:pt modelId="{8964DBA5-8684-4BD0-A050-30F5A52DCCD7}" type="pres">
+      <dgm:prSet presAssocID="{9F8D00BC-4B1E-4011-82E5-8215F3E87BE4}" presName="node" presStyleLbl="revTx" presStyleIdx="0" presStyleCnt="5">
         <dgm:presLayoutVars>
           <dgm:bulletEnabled val="1"/>
         </dgm:presLayoutVars>
@@ -3345,8 +3341,8 @@
         </a:p>
       </dgm:t>
     </dgm:pt>
-    <dgm:pt modelId="{207176C4-A68B-4390-BE5B-5CC4732386B4}" type="pres">
-      <dgm:prSet presAssocID="{1795B07D-893B-4E6E-9D26-57F4B3FD181E}" presName="sibTransFirstNode" presStyleLbl="bgShp" presStyleIdx="0" presStyleCnt="1"/>
+    <dgm:pt modelId="{4116A200-501C-4C76-8403-B4705926FDFC}" type="pres">
+      <dgm:prSet presAssocID="{1795B07D-893B-4E6E-9D26-57F4B3FD181E}" presName="sibTrans" presStyleLbl="node1" presStyleIdx="0" presStyleCnt="5"/>
       <dgm:spPr/>
       <dgm:t>
         <a:bodyPr/>
@@ -3356,8 +3352,12 @@
         </a:p>
       </dgm:t>
     </dgm:pt>
-    <dgm:pt modelId="{9064C937-B3FF-48A4-A6DB-C4E799F4344A}" type="pres">
-      <dgm:prSet presAssocID="{8A31C0AC-470F-4FBD-9D46-97FE107EDF36}" presName="nodeFollowingNodes" presStyleLbl="node1" presStyleIdx="1" presStyleCnt="5">
+    <dgm:pt modelId="{D89323BA-9625-4000-9371-98BE0C80C6AB}" type="pres">
+      <dgm:prSet presAssocID="{8A31C0AC-470F-4FBD-9D46-97FE107EDF36}" presName="dummy" presStyleCnt="0"/>
+      <dgm:spPr/>
+    </dgm:pt>
+    <dgm:pt modelId="{532AA267-CB86-4757-95F5-6383F7C8CCEF}" type="pres">
+      <dgm:prSet presAssocID="{8A31C0AC-470F-4FBD-9D46-97FE107EDF36}" presName="node" presStyleLbl="revTx" presStyleIdx="1" presStyleCnt="5">
         <dgm:presLayoutVars>
           <dgm:bulletEnabled val="1"/>
         </dgm:presLayoutVars>
@@ -3371,8 +3371,23 @@
         </a:p>
       </dgm:t>
     </dgm:pt>
-    <dgm:pt modelId="{CC3CFDE4-E573-49DB-BDB6-FDE41C67E34A}" type="pres">
-      <dgm:prSet presAssocID="{58000B83-43D1-4158-84A5-197C7AA96ED9}" presName="nodeFollowingNodes" presStyleLbl="node1" presStyleIdx="2" presStyleCnt="5">
+    <dgm:pt modelId="{0922FC0C-3F0F-40EF-BC59-E92FD25E3F35}" type="pres">
+      <dgm:prSet presAssocID="{2B60B8A0-B01B-44E2-822D-BB9D92EF278B}" presName="sibTrans" presStyleLbl="node1" presStyleIdx="1" presStyleCnt="5"/>
+      <dgm:spPr/>
+      <dgm:t>
+        <a:bodyPr/>
+        <a:lstStyle/>
+        <a:p>
+          <a:endParaRPr lang="en-US"/>
+        </a:p>
+      </dgm:t>
+    </dgm:pt>
+    <dgm:pt modelId="{BA50AF35-5B8C-458D-8DC7-8455E98E0A46}" type="pres">
+      <dgm:prSet presAssocID="{58000B83-43D1-4158-84A5-197C7AA96ED9}" presName="dummy" presStyleCnt="0"/>
+      <dgm:spPr/>
+    </dgm:pt>
+    <dgm:pt modelId="{607DA9A9-3862-4329-AE44-5B6A9674795F}" type="pres">
+      <dgm:prSet presAssocID="{58000B83-43D1-4158-84A5-197C7AA96ED9}" presName="node" presStyleLbl="revTx" presStyleIdx="2" presStyleCnt="5">
         <dgm:presLayoutVars>
           <dgm:bulletEnabled val="1"/>
         </dgm:presLayoutVars>
@@ -3386,8 +3401,23 @@
         </a:p>
       </dgm:t>
     </dgm:pt>
-    <dgm:pt modelId="{6D2B9EE5-CDBF-4D08-92D0-01A4D9CAB7A2}" type="pres">
-      <dgm:prSet presAssocID="{3FD857F1-965B-4D6D-A919-9F1229D6DC4E}" presName="nodeFollowingNodes" presStyleLbl="node1" presStyleIdx="3" presStyleCnt="5">
+    <dgm:pt modelId="{2B04CA99-B376-479F-AF6C-79900B907F23}" type="pres">
+      <dgm:prSet presAssocID="{FBA5094D-253B-4790-9656-726ABCC7E91B}" presName="sibTrans" presStyleLbl="node1" presStyleIdx="2" presStyleCnt="5"/>
+      <dgm:spPr/>
+      <dgm:t>
+        <a:bodyPr/>
+        <a:lstStyle/>
+        <a:p>
+          <a:endParaRPr lang="en-US"/>
+        </a:p>
+      </dgm:t>
+    </dgm:pt>
+    <dgm:pt modelId="{CD360EFF-00DB-461A-82E8-280F5CBE6880}" type="pres">
+      <dgm:prSet presAssocID="{3FD857F1-965B-4D6D-A919-9F1229D6DC4E}" presName="dummy" presStyleCnt="0"/>
+      <dgm:spPr/>
+    </dgm:pt>
+    <dgm:pt modelId="{BC870580-9D6D-47EC-AA95-7A80FD676209}" type="pres">
+      <dgm:prSet presAssocID="{3FD857F1-965B-4D6D-A919-9F1229D6DC4E}" presName="node" presStyleLbl="revTx" presStyleIdx="3" presStyleCnt="5">
         <dgm:presLayoutVars>
           <dgm:bulletEnabled val="1"/>
         </dgm:presLayoutVars>
@@ -3401,8 +3431,23 @@
         </a:p>
       </dgm:t>
     </dgm:pt>
-    <dgm:pt modelId="{827D3D2D-4767-484E-9372-8197BC522DAB}" type="pres">
-      <dgm:prSet presAssocID="{6B168488-94A8-45AB-879B-55E5AA3152E4}" presName="nodeFollowingNodes" presStyleLbl="node1" presStyleIdx="4" presStyleCnt="5">
+    <dgm:pt modelId="{A12C47D7-FA3E-4F4C-A8E3-BE3E74F1C4CB}" type="pres">
+      <dgm:prSet presAssocID="{38A3234B-F216-41DD-A5B2-2CE1B0ABCD07}" presName="sibTrans" presStyleLbl="node1" presStyleIdx="3" presStyleCnt="5"/>
+      <dgm:spPr/>
+      <dgm:t>
+        <a:bodyPr/>
+        <a:lstStyle/>
+        <a:p>
+          <a:endParaRPr lang="en-US"/>
+        </a:p>
+      </dgm:t>
+    </dgm:pt>
+    <dgm:pt modelId="{45088EE4-F148-4FD9-894D-AC1A8A337401}" type="pres">
+      <dgm:prSet presAssocID="{6B168488-94A8-45AB-879B-55E5AA3152E4}" presName="dummy" presStyleCnt="0"/>
+      <dgm:spPr/>
+    </dgm:pt>
+    <dgm:pt modelId="{414BC036-49DC-434A-BDB1-57CC5B0C1AFC}" type="pres">
+      <dgm:prSet presAssocID="{6B168488-94A8-45AB-879B-55E5AA3152E4}" presName="node" presStyleLbl="revTx" presStyleIdx="4" presStyleCnt="5">
         <dgm:presLayoutVars>
           <dgm:bulletEnabled val="1"/>
         </dgm:presLayoutVars>
@@ -3416,27 +3461,50 @@
         </a:p>
       </dgm:t>
     </dgm:pt>
+    <dgm:pt modelId="{7A72A19B-623B-47BD-9EB6-93670FFFE0E4}" type="pres">
+      <dgm:prSet presAssocID="{606F8C01-9345-4ECE-AA1A-B6E5C5A81716}" presName="sibTrans" presStyleLbl="node1" presStyleIdx="4" presStyleCnt="5"/>
+      <dgm:spPr/>
+      <dgm:t>
+        <a:bodyPr/>
+        <a:lstStyle/>
+        <a:p>
+          <a:endParaRPr lang="en-US"/>
+        </a:p>
+      </dgm:t>
+    </dgm:pt>
   </dgm:ptLst>
   <dgm:cxnLst>
-    <dgm:cxn modelId="{5ECF80A8-A2DC-4A48-ACD2-0C59FB608223}" type="presOf" srcId="{3FD857F1-965B-4D6D-A919-9F1229D6DC4E}" destId="{6D2B9EE5-CDBF-4D08-92D0-01A4D9CAB7A2}" srcOrd="0" destOrd="0" presId="urn:microsoft.com/office/officeart/2005/8/layout/cycle3"/>
-    <dgm:cxn modelId="{E52B5D3F-A10B-4E7D-B42E-4AB1A13DFDC3}" type="presOf" srcId="{9F8D00BC-4B1E-4011-82E5-8215F3E87BE4}" destId="{FC6F747A-E1D9-4147-9722-4F3A2DC55911}" srcOrd="0" destOrd="0" presId="urn:microsoft.com/office/officeart/2005/8/layout/cycle3"/>
-    <dgm:cxn modelId="{34BC580F-CC6B-407C-B9D7-C63853FB9717}" type="presOf" srcId="{6B168488-94A8-45AB-879B-55E5AA3152E4}" destId="{827D3D2D-4767-484E-9372-8197BC522DAB}" srcOrd="0" destOrd="0" presId="urn:microsoft.com/office/officeart/2005/8/layout/cycle3"/>
+    <dgm:cxn modelId="{190F9B75-80AD-446F-A969-58EB136E3AF2}" type="presOf" srcId="{1795B07D-893B-4E6E-9D26-57F4B3FD181E}" destId="{4116A200-501C-4C76-8403-B4705926FDFC}" srcOrd="0" destOrd="0" presId="urn:microsoft.com/office/officeart/2005/8/layout/cycle1"/>
+    <dgm:cxn modelId="{AC7107DA-A522-4380-A88E-09A256AD9EAC}" srcId="{6E525D43-B65E-4A25-B039-337112B56B4D}" destId="{3FD857F1-965B-4D6D-A919-9F1229D6DC4E}" srcOrd="3" destOrd="0" parTransId="{497CE48D-961B-4A8A-840F-B50DFA12D5F9}" sibTransId="{38A3234B-F216-41DD-A5B2-2CE1B0ABCD07}"/>
+    <dgm:cxn modelId="{06985FDF-E5B8-4018-9BF2-CA894E0E10C3}" type="presOf" srcId="{FBA5094D-253B-4790-9656-726ABCC7E91B}" destId="{2B04CA99-B376-479F-AF6C-79900B907F23}" srcOrd="0" destOrd="0" presId="urn:microsoft.com/office/officeart/2005/8/layout/cycle1"/>
+    <dgm:cxn modelId="{50FA2877-D287-41F6-9F61-328074D96B19}" type="presOf" srcId="{2B60B8A0-B01B-44E2-822D-BB9D92EF278B}" destId="{0922FC0C-3F0F-40EF-BC59-E92FD25E3F35}" srcOrd="0" destOrd="0" presId="urn:microsoft.com/office/officeart/2005/8/layout/cycle1"/>
+    <dgm:cxn modelId="{3211CF02-A313-435A-B84F-C9D165A99716}" srcId="{6E525D43-B65E-4A25-B039-337112B56B4D}" destId="{58000B83-43D1-4158-84A5-197C7AA96ED9}" srcOrd="2" destOrd="0" parTransId="{95C1AA50-19E5-4485-8683-381ABDA86166}" sibTransId="{FBA5094D-253B-4790-9656-726ABCC7E91B}"/>
+    <dgm:cxn modelId="{CE6A2C36-6138-404C-B0F3-A453F6E872DB}" type="presOf" srcId="{6E525D43-B65E-4A25-B039-337112B56B4D}" destId="{684FEEA8-0657-48DE-BC5B-476013C888CB}" srcOrd="0" destOrd="0" presId="urn:microsoft.com/office/officeart/2005/8/layout/cycle1"/>
+    <dgm:cxn modelId="{2FBA14F0-48C0-46A0-8EC5-912ED86B2F3F}" type="presOf" srcId="{38A3234B-F216-41DD-A5B2-2CE1B0ABCD07}" destId="{A12C47D7-FA3E-4F4C-A8E3-BE3E74F1C4CB}" srcOrd="0" destOrd="0" presId="urn:microsoft.com/office/officeart/2005/8/layout/cycle1"/>
+    <dgm:cxn modelId="{978D089B-31AB-4953-B1F9-902554E6E125}" type="presOf" srcId="{8A31C0AC-470F-4FBD-9D46-97FE107EDF36}" destId="{532AA267-CB86-4757-95F5-6383F7C8CCEF}" srcOrd="0" destOrd="0" presId="urn:microsoft.com/office/officeart/2005/8/layout/cycle1"/>
     <dgm:cxn modelId="{917FD770-CA18-4638-A8D4-678791D41979}" srcId="{6E525D43-B65E-4A25-B039-337112B56B4D}" destId="{8A31C0AC-470F-4FBD-9D46-97FE107EDF36}" srcOrd="1" destOrd="0" parTransId="{9FD97F31-B924-410C-B4D7-84E12F3FB017}" sibTransId="{2B60B8A0-B01B-44E2-822D-BB9D92EF278B}"/>
-    <dgm:cxn modelId="{AC7107DA-A522-4380-A88E-09A256AD9EAC}" srcId="{6E525D43-B65E-4A25-B039-337112B56B4D}" destId="{3FD857F1-965B-4D6D-A919-9F1229D6DC4E}" srcOrd="3" destOrd="0" parTransId="{497CE48D-961B-4A8A-840F-B50DFA12D5F9}" sibTransId="{38A3234B-F216-41DD-A5B2-2CE1B0ABCD07}"/>
+    <dgm:cxn modelId="{DBA0DD23-F8F2-4369-9C57-B4702BE6C2D2}" type="presOf" srcId="{6B168488-94A8-45AB-879B-55E5AA3152E4}" destId="{414BC036-49DC-434A-BDB1-57CC5B0C1AFC}" srcOrd="0" destOrd="0" presId="urn:microsoft.com/office/officeart/2005/8/layout/cycle1"/>
     <dgm:cxn modelId="{1F7F2E9D-BE1F-4B1A-8E78-7759A002024F}" srcId="{6E525D43-B65E-4A25-B039-337112B56B4D}" destId="{6B168488-94A8-45AB-879B-55E5AA3152E4}" srcOrd="4" destOrd="0" parTransId="{891CFD88-41E3-4D6A-AFD1-E7B5131DF073}" sibTransId="{606F8C01-9345-4ECE-AA1A-B6E5C5A81716}"/>
-    <dgm:cxn modelId="{3211CF02-A313-435A-B84F-C9D165A99716}" srcId="{6E525D43-B65E-4A25-B039-337112B56B4D}" destId="{58000B83-43D1-4158-84A5-197C7AA96ED9}" srcOrd="2" destOrd="0" parTransId="{95C1AA50-19E5-4485-8683-381ABDA86166}" sibTransId="{FBA5094D-253B-4790-9656-726ABCC7E91B}"/>
+    <dgm:cxn modelId="{8216A20F-F55E-4F2D-ACCB-1FE8DE59D41B}" type="presOf" srcId="{9F8D00BC-4B1E-4011-82E5-8215F3E87BE4}" destId="{8964DBA5-8684-4BD0-A050-30F5A52DCCD7}" srcOrd="0" destOrd="0" presId="urn:microsoft.com/office/officeart/2005/8/layout/cycle1"/>
+    <dgm:cxn modelId="{BD58EB6B-0102-4739-873A-08A584B9919F}" type="presOf" srcId="{58000B83-43D1-4158-84A5-197C7AA96ED9}" destId="{607DA9A9-3862-4329-AE44-5B6A9674795F}" srcOrd="0" destOrd="0" presId="urn:microsoft.com/office/officeart/2005/8/layout/cycle1"/>
+    <dgm:cxn modelId="{291555BA-1C53-4B38-889B-6E400E678C51}" type="presOf" srcId="{606F8C01-9345-4ECE-AA1A-B6E5C5A81716}" destId="{7A72A19B-623B-47BD-9EB6-93670FFFE0E4}" srcOrd="0" destOrd="0" presId="urn:microsoft.com/office/officeart/2005/8/layout/cycle1"/>
     <dgm:cxn modelId="{5FC283F4-5867-47D0-9657-613D62EB93F3}" srcId="{6E525D43-B65E-4A25-B039-337112B56B4D}" destId="{9F8D00BC-4B1E-4011-82E5-8215F3E87BE4}" srcOrd="0" destOrd="0" parTransId="{2C849661-D8F6-4E5F-8010-3E4A1097452A}" sibTransId="{1795B07D-893B-4E6E-9D26-57F4B3FD181E}"/>
-    <dgm:cxn modelId="{5AB62472-F767-4981-8C88-71D45248D1C3}" type="presOf" srcId="{6E525D43-B65E-4A25-B039-337112B56B4D}" destId="{5B8F3A42-9647-4F9C-BFEC-6413F16D293F}" srcOrd="0" destOrd="0" presId="urn:microsoft.com/office/officeart/2005/8/layout/cycle3"/>
-    <dgm:cxn modelId="{21444218-FF98-4718-9DBB-14C967D5EE44}" type="presOf" srcId="{8A31C0AC-470F-4FBD-9D46-97FE107EDF36}" destId="{9064C937-B3FF-48A4-A6DB-C4E799F4344A}" srcOrd="0" destOrd="0" presId="urn:microsoft.com/office/officeart/2005/8/layout/cycle3"/>
-    <dgm:cxn modelId="{7ACBA43C-06F7-4B38-A63C-D89366E0D6B0}" type="presOf" srcId="{58000B83-43D1-4158-84A5-197C7AA96ED9}" destId="{CC3CFDE4-E573-49DB-BDB6-FDE41C67E34A}" srcOrd="0" destOrd="0" presId="urn:microsoft.com/office/officeart/2005/8/layout/cycle3"/>
-    <dgm:cxn modelId="{D9652651-C90F-41DF-AFBB-72E2ABF98055}" type="presOf" srcId="{1795B07D-893B-4E6E-9D26-57F4B3FD181E}" destId="{207176C4-A68B-4390-BE5B-5CC4732386B4}" srcOrd="0" destOrd="0" presId="urn:microsoft.com/office/officeart/2005/8/layout/cycle3"/>
-    <dgm:cxn modelId="{2D98DD6E-04CD-4E3D-805B-145EEF524FB0}" type="presParOf" srcId="{5B8F3A42-9647-4F9C-BFEC-6413F16D293F}" destId="{B6D2FDE5-E581-4060-9F3F-2BD21E920B18}" srcOrd="0" destOrd="0" presId="urn:microsoft.com/office/officeart/2005/8/layout/cycle3"/>
-    <dgm:cxn modelId="{6AD90972-202C-40A3-AA41-8DDBF5B384AA}" type="presParOf" srcId="{B6D2FDE5-E581-4060-9F3F-2BD21E920B18}" destId="{FC6F747A-E1D9-4147-9722-4F3A2DC55911}" srcOrd="0" destOrd="0" presId="urn:microsoft.com/office/officeart/2005/8/layout/cycle3"/>
-    <dgm:cxn modelId="{9817F551-7C8A-4F0A-952C-E9527F388C4B}" type="presParOf" srcId="{B6D2FDE5-E581-4060-9F3F-2BD21E920B18}" destId="{207176C4-A68B-4390-BE5B-5CC4732386B4}" srcOrd="1" destOrd="0" presId="urn:microsoft.com/office/officeart/2005/8/layout/cycle3"/>
-    <dgm:cxn modelId="{9090AD3D-970D-4EB5-92AC-7C417C91CD0E}" type="presParOf" srcId="{B6D2FDE5-E581-4060-9F3F-2BD21E920B18}" destId="{9064C937-B3FF-48A4-A6DB-C4E799F4344A}" srcOrd="2" destOrd="0" presId="urn:microsoft.com/office/officeart/2005/8/layout/cycle3"/>
-    <dgm:cxn modelId="{9AB2F6CD-C893-4D99-A230-088EFA749E98}" type="presParOf" srcId="{B6D2FDE5-E581-4060-9F3F-2BD21E920B18}" destId="{CC3CFDE4-E573-49DB-BDB6-FDE41C67E34A}" srcOrd="3" destOrd="0" presId="urn:microsoft.com/office/officeart/2005/8/layout/cycle3"/>
-    <dgm:cxn modelId="{9BFE968C-B165-4F21-8991-06CA73C8BCB1}" type="presParOf" srcId="{B6D2FDE5-E581-4060-9F3F-2BD21E920B18}" destId="{6D2B9EE5-CDBF-4D08-92D0-01A4D9CAB7A2}" srcOrd="4" destOrd="0" presId="urn:microsoft.com/office/officeart/2005/8/layout/cycle3"/>
-    <dgm:cxn modelId="{E61FAC9B-4689-45A2-A2FE-9C1E11F8C7B1}" type="presParOf" srcId="{B6D2FDE5-E581-4060-9F3F-2BD21E920B18}" destId="{827D3D2D-4767-484E-9372-8197BC522DAB}" srcOrd="5" destOrd="0" presId="urn:microsoft.com/office/officeart/2005/8/layout/cycle3"/>
+    <dgm:cxn modelId="{87898767-1518-40F9-992A-A4865810E741}" type="presOf" srcId="{3FD857F1-965B-4D6D-A919-9F1229D6DC4E}" destId="{BC870580-9D6D-47EC-AA95-7A80FD676209}" srcOrd="0" destOrd="0" presId="urn:microsoft.com/office/officeart/2005/8/layout/cycle1"/>
+    <dgm:cxn modelId="{41782CC8-0CAB-45A2-8978-D21277FBC014}" type="presParOf" srcId="{684FEEA8-0657-48DE-BC5B-476013C888CB}" destId="{7EE2F31B-9CC0-4EB4-B2ED-254BDD2CDFC8}" srcOrd="0" destOrd="0" presId="urn:microsoft.com/office/officeart/2005/8/layout/cycle1"/>
+    <dgm:cxn modelId="{EDE94986-5E51-4C3D-BD1D-57D10A92D112}" type="presParOf" srcId="{684FEEA8-0657-48DE-BC5B-476013C888CB}" destId="{8964DBA5-8684-4BD0-A050-30F5A52DCCD7}" srcOrd="1" destOrd="0" presId="urn:microsoft.com/office/officeart/2005/8/layout/cycle1"/>
+    <dgm:cxn modelId="{37AAFD72-DF44-46C8-85DC-D83E1C631E85}" type="presParOf" srcId="{684FEEA8-0657-48DE-BC5B-476013C888CB}" destId="{4116A200-501C-4C76-8403-B4705926FDFC}" srcOrd="2" destOrd="0" presId="urn:microsoft.com/office/officeart/2005/8/layout/cycle1"/>
+    <dgm:cxn modelId="{63D9FCEA-20FC-4E89-A7F4-F88BAD510D06}" type="presParOf" srcId="{684FEEA8-0657-48DE-BC5B-476013C888CB}" destId="{D89323BA-9625-4000-9371-98BE0C80C6AB}" srcOrd="3" destOrd="0" presId="urn:microsoft.com/office/officeart/2005/8/layout/cycle1"/>
+    <dgm:cxn modelId="{374F3874-658C-4EB0-B500-463287676B0D}" type="presParOf" srcId="{684FEEA8-0657-48DE-BC5B-476013C888CB}" destId="{532AA267-CB86-4757-95F5-6383F7C8CCEF}" srcOrd="4" destOrd="0" presId="urn:microsoft.com/office/officeart/2005/8/layout/cycle1"/>
+    <dgm:cxn modelId="{40AFC330-C29E-4E7F-81DA-B3E84AC13A4E}" type="presParOf" srcId="{684FEEA8-0657-48DE-BC5B-476013C888CB}" destId="{0922FC0C-3F0F-40EF-BC59-E92FD25E3F35}" srcOrd="5" destOrd="0" presId="urn:microsoft.com/office/officeart/2005/8/layout/cycle1"/>
+    <dgm:cxn modelId="{854ABC0B-9BF4-4CDF-9959-E6C8CCE95120}" type="presParOf" srcId="{684FEEA8-0657-48DE-BC5B-476013C888CB}" destId="{BA50AF35-5B8C-458D-8DC7-8455E98E0A46}" srcOrd="6" destOrd="0" presId="urn:microsoft.com/office/officeart/2005/8/layout/cycle1"/>
+    <dgm:cxn modelId="{FB56074B-C909-4B70-862F-A6877EAE321D}" type="presParOf" srcId="{684FEEA8-0657-48DE-BC5B-476013C888CB}" destId="{607DA9A9-3862-4329-AE44-5B6A9674795F}" srcOrd="7" destOrd="0" presId="urn:microsoft.com/office/officeart/2005/8/layout/cycle1"/>
+    <dgm:cxn modelId="{2B4439C6-0B1C-4B88-A3EC-FD313238CED6}" type="presParOf" srcId="{684FEEA8-0657-48DE-BC5B-476013C888CB}" destId="{2B04CA99-B376-479F-AF6C-79900B907F23}" srcOrd="8" destOrd="0" presId="urn:microsoft.com/office/officeart/2005/8/layout/cycle1"/>
+    <dgm:cxn modelId="{72F3A3F1-4BE5-470F-AD1A-7B0B0F46CDBB}" type="presParOf" srcId="{684FEEA8-0657-48DE-BC5B-476013C888CB}" destId="{CD360EFF-00DB-461A-82E8-280F5CBE6880}" srcOrd="9" destOrd="0" presId="urn:microsoft.com/office/officeart/2005/8/layout/cycle1"/>
+    <dgm:cxn modelId="{2CF5A977-EB99-49FC-B9E1-0188EA04821A}" type="presParOf" srcId="{684FEEA8-0657-48DE-BC5B-476013C888CB}" destId="{BC870580-9D6D-47EC-AA95-7A80FD676209}" srcOrd="10" destOrd="0" presId="urn:microsoft.com/office/officeart/2005/8/layout/cycle1"/>
+    <dgm:cxn modelId="{2F732B2B-537E-4B8C-869D-1F9C3CB97DF8}" type="presParOf" srcId="{684FEEA8-0657-48DE-BC5B-476013C888CB}" destId="{A12C47D7-FA3E-4F4C-A8E3-BE3E74F1C4CB}" srcOrd="11" destOrd="0" presId="urn:microsoft.com/office/officeart/2005/8/layout/cycle1"/>
+    <dgm:cxn modelId="{01FAC0E8-D8B5-42B6-8E2A-8277598FEDB1}" type="presParOf" srcId="{684FEEA8-0657-48DE-BC5B-476013C888CB}" destId="{45088EE4-F148-4FD9-894D-AC1A8A337401}" srcOrd="12" destOrd="0" presId="urn:microsoft.com/office/officeart/2005/8/layout/cycle1"/>
+    <dgm:cxn modelId="{44B7E14F-6F03-49C7-BC11-CA41309F59F8}" type="presParOf" srcId="{684FEEA8-0657-48DE-BC5B-476013C888CB}" destId="{414BC036-49DC-434A-BDB1-57CC5B0C1AFC}" srcOrd="13" destOrd="0" presId="urn:microsoft.com/office/officeart/2005/8/layout/cycle1"/>
+    <dgm:cxn modelId="{36640137-5E00-4EB6-91BB-5022A700D7AF}" type="presParOf" srcId="{684FEEA8-0657-48DE-BC5B-476013C888CB}" destId="{7A72A19B-623B-47BD-9EB6-93670FFFE0E4}" srcOrd="14" destOrd="0" presId="urn:microsoft.com/office/officeart/2005/8/layout/cycle1"/>
   </dgm:cxnLst>
   <dgm:bg/>
   <dgm:whole/>
@@ -3630,6 +3698,13 @@
     <dgm:pt modelId="{3D5A4C46-7895-42C7-8A73-5EFD1926CE59}" type="pres">
       <dgm:prSet presAssocID="{8F96BADC-7678-4BBA-BA14-501057EE8D6B}" presName="chaos" presStyleCnt="0"/>
       <dgm:spPr/>
+      <dgm:t>
+        <a:bodyPr/>
+        <a:lstStyle/>
+        <a:p>
+          <a:endParaRPr lang="en-US"/>
+        </a:p>
+      </dgm:t>
     </dgm:pt>
     <dgm:pt modelId="{9AE5D9A7-AF57-49F8-B565-A606168C1572}" type="pres">
       <dgm:prSet presAssocID="{8F96BADC-7678-4BBA-BA14-501057EE8D6B}" presName="parTx1" presStyleLbl="revTx" presStyleIdx="0" presStyleCnt="3"/>
@@ -3660,106 +3735,288 @@
     <dgm:pt modelId="{EAF6B5DE-31BF-4835-B271-B3C56E0B365D}" type="pres">
       <dgm:prSet presAssocID="{8F96BADC-7678-4BBA-BA14-501057EE8D6B}" presName="c1" presStyleLbl="node1" presStyleIdx="0" presStyleCnt="19"/>
       <dgm:spPr/>
+      <dgm:t>
+        <a:bodyPr/>
+        <a:lstStyle/>
+        <a:p>
+          <a:endParaRPr lang="en-US"/>
+        </a:p>
+      </dgm:t>
     </dgm:pt>
     <dgm:pt modelId="{8A58D266-7D83-474B-ADD8-32948A11BB4A}" type="pres">
       <dgm:prSet presAssocID="{8F96BADC-7678-4BBA-BA14-501057EE8D6B}" presName="c2" presStyleLbl="node1" presStyleIdx="1" presStyleCnt="19"/>
       <dgm:spPr/>
+      <dgm:t>
+        <a:bodyPr/>
+        <a:lstStyle/>
+        <a:p>
+          <a:endParaRPr lang="en-US"/>
+        </a:p>
+      </dgm:t>
     </dgm:pt>
     <dgm:pt modelId="{1F99C248-CC36-4CF3-A1B2-E2A4C6E71E3A}" type="pres">
       <dgm:prSet presAssocID="{8F96BADC-7678-4BBA-BA14-501057EE8D6B}" presName="c3" presStyleLbl="node1" presStyleIdx="2" presStyleCnt="19"/>
       <dgm:spPr/>
+      <dgm:t>
+        <a:bodyPr/>
+        <a:lstStyle/>
+        <a:p>
+          <a:endParaRPr lang="en-US"/>
+        </a:p>
+      </dgm:t>
     </dgm:pt>
     <dgm:pt modelId="{E3655DFA-286F-4043-96F4-CFF013F83B37}" type="pres">
       <dgm:prSet presAssocID="{8F96BADC-7678-4BBA-BA14-501057EE8D6B}" presName="c4" presStyleLbl="node1" presStyleIdx="3" presStyleCnt="19"/>
       <dgm:spPr/>
+      <dgm:t>
+        <a:bodyPr/>
+        <a:lstStyle/>
+        <a:p>
+          <a:endParaRPr lang="en-US"/>
+        </a:p>
+      </dgm:t>
     </dgm:pt>
     <dgm:pt modelId="{99C4603D-128F-419F-935E-15C40390ED82}" type="pres">
       <dgm:prSet presAssocID="{8F96BADC-7678-4BBA-BA14-501057EE8D6B}" presName="c5" presStyleLbl="node1" presStyleIdx="4" presStyleCnt="19"/>
       <dgm:spPr/>
+      <dgm:t>
+        <a:bodyPr/>
+        <a:lstStyle/>
+        <a:p>
+          <a:endParaRPr lang="en-US"/>
+        </a:p>
+      </dgm:t>
     </dgm:pt>
     <dgm:pt modelId="{3D2DE75C-2B3C-4A45-9249-CDC8A17361F6}" type="pres">
       <dgm:prSet presAssocID="{8F96BADC-7678-4BBA-BA14-501057EE8D6B}" presName="c6" presStyleLbl="node1" presStyleIdx="5" presStyleCnt="19"/>
       <dgm:spPr/>
+      <dgm:t>
+        <a:bodyPr/>
+        <a:lstStyle/>
+        <a:p>
+          <a:endParaRPr lang="en-US"/>
+        </a:p>
+      </dgm:t>
     </dgm:pt>
     <dgm:pt modelId="{BB51C7C8-75D0-42C3-9206-652E437AE569}" type="pres">
       <dgm:prSet presAssocID="{8F96BADC-7678-4BBA-BA14-501057EE8D6B}" presName="c7" presStyleLbl="node1" presStyleIdx="6" presStyleCnt="19"/>
       <dgm:spPr/>
+      <dgm:t>
+        <a:bodyPr/>
+        <a:lstStyle/>
+        <a:p>
+          <a:endParaRPr lang="en-US"/>
+        </a:p>
+      </dgm:t>
     </dgm:pt>
     <dgm:pt modelId="{F12CEEBD-BB79-4E14-84E8-261384504C13}" type="pres">
       <dgm:prSet presAssocID="{8F96BADC-7678-4BBA-BA14-501057EE8D6B}" presName="c8" presStyleLbl="node1" presStyleIdx="7" presStyleCnt="19"/>
       <dgm:spPr/>
+      <dgm:t>
+        <a:bodyPr/>
+        <a:lstStyle/>
+        <a:p>
+          <a:endParaRPr lang="en-US"/>
+        </a:p>
+      </dgm:t>
     </dgm:pt>
     <dgm:pt modelId="{F905F333-E19A-4176-BFB7-AF85A4572DBE}" type="pres">
       <dgm:prSet presAssocID="{8F96BADC-7678-4BBA-BA14-501057EE8D6B}" presName="c9" presStyleLbl="node1" presStyleIdx="8" presStyleCnt="19"/>
       <dgm:spPr/>
+      <dgm:t>
+        <a:bodyPr/>
+        <a:lstStyle/>
+        <a:p>
+          <a:endParaRPr lang="en-US"/>
+        </a:p>
+      </dgm:t>
     </dgm:pt>
     <dgm:pt modelId="{C06C4FA8-EEE7-4D54-ABE9-997958C7595A}" type="pres">
       <dgm:prSet presAssocID="{8F96BADC-7678-4BBA-BA14-501057EE8D6B}" presName="c10" presStyleLbl="node1" presStyleIdx="9" presStyleCnt="19"/>
       <dgm:spPr/>
+      <dgm:t>
+        <a:bodyPr/>
+        <a:lstStyle/>
+        <a:p>
+          <a:endParaRPr lang="en-US"/>
+        </a:p>
+      </dgm:t>
     </dgm:pt>
     <dgm:pt modelId="{4E5C555B-D289-4A40-B272-3126897E8EB4}" type="pres">
       <dgm:prSet presAssocID="{8F96BADC-7678-4BBA-BA14-501057EE8D6B}" presName="c11" presStyleLbl="node1" presStyleIdx="10" presStyleCnt="19"/>
       <dgm:spPr/>
+      <dgm:t>
+        <a:bodyPr/>
+        <a:lstStyle/>
+        <a:p>
+          <a:endParaRPr lang="en-US"/>
+        </a:p>
+      </dgm:t>
     </dgm:pt>
     <dgm:pt modelId="{2224F4D2-7EF3-4DDF-B2C2-ECDC39AD98BD}" type="pres">
       <dgm:prSet presAssocID="{8F96BADC-7678-4BBA-BA14-501057EE8D6B}" presName="c12" presStyleLbl="node1" presStyleIdx="11" presStyleCnt="19"/>
       <dgm:spPr/>
+      <dgm:t>
+        <a:bodyPr/>
+        <a:lstStyle/>
+        <a:p>
+          <a:endParaRPr lang="en-US"/>
+        </a:p>
+      </dgm:t>
     </dgm:pt>
     <dgm:pt modelId="{E45F83EB-B4B4-4ED3-AD19-F8254E67749A}" type="pres">
       <dgm:prSet presAssocID="{8F96BADC-7678-4BBA-BA14-501057EE8D6B}" presName="c13" presStyleLbl="node1" presStyleIdx="12" presStyleCnt="19"/>
       <dgm:spPr/>
+      <dgm:t>
+        <a:bodyPr/>
+        <a:lstStyle/>
+        <a:p>
+          <a:endParaRPr lang="en-US"/>
+        </a:p>
+      </dgm:t>
     </dgm:pt>
     <dgm:pt modelId="{950A3D77-91BB-47E6-B42F-F9E046647194}" type="pres">
       <dgm:prSet presAssocID="{8F96BADC-7678-4BBA-BA14-501057EE8D6B}" presName="c14" presStyleLbl="node1" presStyleIdx="13" presStyleCnt="19"/>
       <dgm:spPr/>
+      <dgm:t>
+        <a:bodyPr/>
+        <a:lstStyle/>
+        <a:p>
+          <a:endParaRPr lang="en-US"/>
+        </a:p>
+      </dgm:t>
     </dgm:pt>
     <dgm:pt modelId="{4303E1B2-65C2-4855-9AB2-C1D66AA67ACE}" type="pres">
       <dgm:prSet presAssocID="{8F96BADC-7678-4BBA-BA14-501057EE8D6B}" presName="c15" presStyleLbl="node1" presStyleIdx="14" presStyleCnt="19"/>
       <dgm:spPr/>
+      <dgm:t>
+        <a:bodyPr/>
+        <a:lstStyle/>
+        <a:p>
+          <a:endParaRPr lang="en-US"/>
+        </a:p>
+      </dgm:t>
     </dgm:pt>
     <dgm:pt modelId="{F7D74827-C118-49F4-962C-3919544C46DC}" type="pres">
       <dgm:prSet presAssocID="{8F96BADC-7678-4BBA-BA14-501057EE8D6B}" presName="c16" presStyleLbl="node1" presStyleIdx="15" presStyleCnt="19"/>
       <dgm:spPr/>
+      <dgm:t>
+        <a:bodyPr/>
+        <a:lstStyle/>
+        <a:p>
+          <a:endParaRPr lang="en-US"/>
+        </a:p>
+      </dgm:t>
     </dgm:pt>
     <dgm:pt modelId="{D6397E70-AC24-441E-B804-D5FE16A02751}" type="pres">
       <dgm:prSet presAssocID="{8F96BADC-7678-4BBA-BA14-501057EE8D6B}" presName="c17" presStyleLbl="node1" presStyleIdx="16" presStyleCnt="19"/>
       <dgm:spPr/>
+      <dgm:t>
+        <a:bodyPr/>
+        <a:lstStyle/>
+        <a:p>
+          <a:endParaRPr lang="en-US"/>
+        </a:p>
+      </dgm:t>
     </dgm:pt>
     <dgm:pt modelId="{F3CADF4B-7922-465F-8685-43C21B379B35}" type="pres">
       <dgm:prSet presAssocID="{8F96BADC-7678-4BBA-BA14-501057EE8D6B}" presName="c18" presStyleLbl="node1" presStyleIdx="17" presStyleCnt="19"/>
       <dgm:spPr/>
+      <dgm:t>
+        <a:bodyPr/>
+        <a:lstStyle/>
+        <a:p>
+          <a:endParaRPr lang="en-US"/>
+        </a:p>
+      </dgm:t>
     </dgm:pt>
     <dgm:pt modelId="{ACDDABC6-E2D4-4C4A-B3A7-178CB666843E}" type="pres">
       <dgm:prSet presAssocID="{1B157EB2-4DC7-4922-8C8D-0934E719F344}" presName="chevronComposite1" presStyleCnt="0"/>
       <dgm:spPr/>
+      <dgm:t>
+        <a:bodyPr/>
+        <a:lstStyle/>
+        <a:p>
+          <a:endParaRPr lang="en-US"/>
+        </a:p>
+      </dgm:t>
     </dgm:pt>
     <dgm:pt modelId="{3808FFA2-32E8-4C73-ADEA-73CD61B73CCF}" type="pres">
       <dgm:prSet presAssocID="{1B157EB2-4DC7-4922-8C8D-0934E719F344}" presName="chevron1" presStyleLbl="sibTrans2D1" presStyleIdx="0" presStyleCnt="2"/>
       <dgm:spPr/>
+      <dgm:t>
+        <a:bodyPr/>
+        <a:lstStyle/>
+        <a:p>
+          <a:endParaRPr lang="en-US"/>
+        </a:p>
+      </dgm:t>
     </dgm:pt>
     <dgm:pt modelId="{B3331CB7-8391-4E6C-A276-0311E8E564BE}" type="pres">
       <dgm:prSet presAssocID="{1B157EB2-4DC7-4922-8C8D-0934E719F344}" presName="spChevron1" presStyleCnt="0"/>
       <dgm:spPr/>
+      <dgm:t>
+        <a:bodyPr/>
+        <a:lstStyle/>
+        <a:p>
+          <a:endParaRPr lang="en-US"/>
+        </a:p>
+      </dgm:t>
     </dgm:pt>
     <dgm:pt modelId="{D4D39E26-FE38-47B6-AC0E-76DA4E54B812}" type="pres">
       <dgm:prSet presAssocID="{1B157EB2-4DC7-4922-8C8D-0934E719F344}" presName="overlap" presStyleCnt="0"/>
       <dgm:spPr/>
+      <dgm:t>
+        <a:bodyPr/>
+        <a:lstStyle/>
+        <a:p>
+          <a:endParaRPr lang="en-US"/>
+        </a:p>
+      </dgm:t>
     </dgm:pt>
     <dgm:pt modelId="{4335F6E7-3349-4057-83A6-979E797907BB}" type="pres">
       <dgm:prSet presAssocID="{1B157EB2-4DC7-4922-8C8D-0934E719F344}" presName="chevronComposite2" presStyleCnt="0"/>
       <dgm:spPr/>
+      <dgm:t>
+        <a:bodyPr/>
+        <a:lstStyle/>
+        <a:p>
+          <a:endParaRPr lang="en-US"/>
+        </a:p>
+      </dgm:t>
     </dgm:pt>
     <dgm:pt modelId="{18E698AE-0A4D-4F8E-9B8C-188ED533853F}" type="pres">
       <dgm:prSet presAssocID="{1B157EB2-4DC7-4922-8C8D-0934E719F344}" presName="chevron2" presStyleLbl="sibTrans2D1" presStyleIdx="1" presStyleCnt="2"/>
       <dgm:spPr/>
+      <dgm:t>
+        <a:bodyPr/>
+        <a:lstStyle/>
+        <a:p>
+          <a:endParaRPr lang="en-US"/>
+        </a:p>
+      </dgm:t>
     </dgm:pt>
     <dgm:pt modelId="{F8D8BF16-D6A8-4433-A35D-69D6262FF734}" type="pres">
       <dgm:prSet presAssocID="{1B157EB2-4DC7-4922-8C8D-0934E719F344}" presName="spChevron2" presStyleCnt="0"/>
       <dgm:spPr/>
+      <dgm:t>
+        <a:bodyPr/>
+        <a:lstStyle/>
+        <a:p>
+          <a:endParaRPr lang="en-US"/>
+        </a:p>
+      </dgm:t>
     </dgm:pt>
     <dgm:pt modelId="{C5667222-B98A-4732-B7AE-135C29EA6185}" type="pres">
       <dgm:prSet presAssocID="{E4B7FD7C-D00C-427A-9A67-AD2E56B6FF60}" presName="last" presStyleCnt="0"/>
       <dgm:spPr/>
+      <dgm:t>
+        <a:bodyPr/>
+        <a:lstStyle/>
+        <a:p>
+          <a:endParaRPr lang="en-US"/>
+        </a:p>
+      </dgm:t>
     </dgm:pt>
     <dgm:pt modelId="{1696BE37-B6C2-4988-B7BC-E97C111D7F5B}" type="pres">
       <dgm:prSet presAssocID="{E4B7FD7C-D00C-427A-9A67-AD2E56B6FF60}" presName="circleTx" presStyleLbl="node1" presStyleIdx="18" presStyleCnt="19"/>
@@ -3790,6 +4047,13 @@
     <dgm:pt modelId="{AD3FA222-BE11-45B5-AC2A-FDD2BDC61FD6}" type="pres">
       <dgm:prSet presAssocID="{E4B7FD7C-D00C-427A-9A67-AD2E56B6FF60}" presName="spN" presStyleCnt="0"/>
       <dgm:spPr/>
+      <dgm:t>
+        <a:bodyPr/>
+        <a:lstStyle/>
+        <a:p>
+          <a:endParaRPr lang="en-US"/>
+        </a:p>
+      </dgm:t>
     </dgm:pt>
   </dgm:ptLst>
   <dgm:cxnLst>
@@ -4468,15 +4732,7 @@
           </a:pPr>
           <a:r>
             <a:rPr lang="en-US" sz="1400" kern="1200" dirty="0" smtClean="0"/>
-            <a:t>Overview </a:t>
-          </a:r>
-          <a:r>
-            <a:rPr lang="en-US" sz="1400" kern="1200" dirty="0" smtClean="0"/>
-            <a:t>of the </a:t>
-          </a:r>
-          <a:r>
-            <a:rPr lang="en-US" sz="1400" kern="1200" dirty="0" smtClean="0"/>
-            <a:t>implemented algorithm</a:t>
+            <a:t>Overview of the implemented algorithm</a:t>
           </a:r>
           <a:endParaRPr lang="en-US" sz="1400" kern="1200" dirty="0"/>
         </a:p>
@@ -4748,34 +5004,20 @@
       <dsp:cNvGrpSpPr/>
     </dsp:nvGrpSpPr>
     <dsp:grpSpPr/>
-    <dsp:sp modelId="{207176C4-A68B-4390-BE5B-5CC4732386B4}">
+    <dsp:sp modelId="{8964DBA5-8684-4BD0-A050-30F5A52DCCD7}">
       <dsp:nvSpPr>
         <dsp:cNvPr id="0" name=""/>
         <dsp:cNvSpPr/>
       </dsp:nvSpPr>
       <dsp:spPr>
         <a:xfrm>
-          <a:off x="703991" y="-17299"/>
-          <a:ext cx="3392616" cy="3392616"/>
+          <a:off x="2834601" y="24705"/>
+          <a:ext cx="829865" cy="829865"/>
         </a:xfrm>
-        <a:prstGeom prst="circularArrow">
-          <a:avLst>
-            <a:gd name="adj1" fmla="val 5544"/>
-            <a:gd name="adj2" fmla="val 330680"/>
-            <a:gd name="adj3" fmla="val 13863377"/>
-            <a:gd name="adj4" fmla="val 17332968"/>
-            <a:gd name="adj5" fmla="val 5757"/>
-          </a:avLst>
+        <a:prstGeom prst="rect">
+          <a:avLst/>
         </a:prstGeom>
-        <a:solidFill>
-          <a:schemeClr val="accent1">
-            <a:tint val="40000"/>
-            <a:hueOff val="0"/>
-            <a:satOff val="0"/>
-            <a:lumOff val="0"/>
-            <a:alphaOff val="0"/>
-          </a:schemeClr>
-        </a:solidFill>
+        <a:noFill/>
         <a:ln>
           <a:noFill/>
         </a:ln>
@@ -4785,7 +5027,7 @@
         <a:lnRef idx="0">
           <a:scrgbClr r="0" g="0" b="0"/>
         </a:lnRef>
-        <a:fillRef idx="1">
+        <a:fillRef idx="0">
           <a:scrgbClr r="0" g="0" b="0"/>
         </a:fillRef>
         <a:effectRef idx="0">
@@ -4793,19 +5035,57 @@
         </a:effectRef>
         <a:fontRef idx="minor"/>
       </dsp:style>
+      <dsp:txBody>
+        <a:bodyPr spcFirstLastPara="0" vert="horz" wrap="square" lIns="10160" tIns="10160" rIns="10160" bIns="10160" numCol="1" spcCol="1270" anchor="ctr" anchorCtr="0">
+          <a:noAutofit/>
+        </a:bodyPr>
+        <a:lstStyle/>
+        <a:p>
+          <a:pPr lvl="0" algn="ctr" defTabSz="355600">
+            <a:lnSpc>
+              <a:spcPct val="90000"/>
+            </a:lnSpc>
+            <a:spcBef>
+              <a:spcPct val="0"/>
+            </a:spcBef>
+            <a:spcAft>
+              <a:spcPct val="35000"/>
+            </a:spcAft>
+          </a:pPr>
+          <a:r>
+            <a:rPr lang="en-US" sz="800" kern="1200" dirty="0" smtClean="0"/>
+            <a:t>Pick  </a:t>
+          </a:r>
+          <a:r>
+            <a:rPr lang="en-US" sz="800" kern="1200" dirty="0" smtClean="0"/>
+            <a:t>one constraint</a:t>
+          </a:r>
+          <a:endParaRPr lang="en-US" sz="800" kern="1200" dirty="0"/>
+        </a:p>
+      </dsp:txBody>
+      <dsp:txXfrm>
+        <a:off x="2834601" y="24705"/>
+        <a:ext cx="829865" cy="829865"/>
+      </dsp:txXfrm>
     </dsp:sp>
-    <dsp:sp modelId="{FC6F747A-E1D9-4147-9722-4F3A2DC55911}">
+    <dsp:sp modelId="{4116A200-501C-4C76-8403-B4705926FDFC}">
       <dsp:nvSpPr>
         <dsp:cNvPr id="0" name=""/>
         <dsp:cNvSpPr/>
       </dsp:nvSpPr>
       <dsp:spPr>
         <a:xfrm>
-          <a:off x="1636141" y="809"/>
-          <a:ext cx="1528316" cy="764158"/>
+          <a:off x="883106" y="776"/>
+          <a:ext cx="3110586" cy="3110586"/>
         </a:xfrm>
-        <a:prstGeom prst="roundRect">
-          <a:avLst/>
+        <a:prstGeom prst="circularArrow">
+          <a:avLst>
+            <a:gd name="adj1" fmla="val 5202"/>
+            <a:gd name="adj2" fmla="val 336073"/>
+            <a:gd name="adj3" fmla="val 21292590"/>
+            <a:gd name="adj4" fmla="val 19766810"/>
+            <a:gd name="adj5" fmla="val 6069"/>
+          </a:avLst>
         </a:prstGeom>
         <a:solidFill>
           <a:schemeClr val="accent1">
@@ -4842,13 +5122,45 @@
           <a:schemeClr val="lt1"/>
         </a:fontRef>
       </dsp:style>
+    </dsp:sp>
+    <dsp:sp modelId="{532AA267-CB86-4757-95F5-6383F7C8CCEF}">
+      <dsp:nvSpPr>
+        <dsp:cNvPr id="0" name=""/>
+        <dsp:cNvSpPr/>
+      </dsp:nvSpPr>
+      <dsp:spPr>
+        <a:xfrm>
+          <a:off x="3335910" y="1567575"/>
+          <a:ext cx="829865" cy="829865"/>
+        </a:xfrm>
+        <a:prstGeom prst="rect">
+          <a:avLst/>
+        </a:prstGeom>
+        <a:noFill/>
+        <a:ln>
+          <a:noFill/>
+        </a:ln>
+        <a:effectLst/>
+      </dsp:spPr>
+      <dsp:style>
+        <a:lnRef idx="0">
+          <a:scrgbClr r="0" g="0" b="0"/>
+        </a:lnRef>
+        <a:fillRef idx="0">
+          <a:scrgbClr r="0" g="0" b="0"/>
+        </a:fillRef>
+        <a:effectRef idx="0">
+          <a:scrgbClr r="0" g="0" b="0"/>
+        </a:effectRef>
+        <a:fontRef idx="minor"/>
+      </dsp:style>
       <dsp:txBody>
-        <a:bodyPr spcFirstLastPara="0" vert="horz" wrap="square" lIns="38100" tIns="38100" rIns="38100" bIns="38100" numCol="1" spcCol="1270" anchor="ctr" anchorCtr="0">
+        <a:bodyPr spcFirstLastPara="0" vert="horz" wrap="square" lIns="10160" tIns="10160" rIns="10160" bIns="10160" numCol="1" spcCol="1270" anchor="ctr" anchorCtr="0">
           <a:noAutofit/>
         </a:bodyPr>
         <a:lstStyle/>
         <a:p>
-          <a:pPr lvl="0" algn="ctr" defTabSz="444500">
+          <a:pPr lvl="0" algn="ctr" defTabSz="355600">
             <a:lnSpc>
               <a:spcPct val="90000"/>
             </a:lnSpc>
@@ -4860,29 +5172,35 @@
             </a:spcAft>
           </a:pPr>
           <a:r>
-            <a:rPr lang="en-US" sz="1000" kern="1200" dirty="0" smtClean="0"/>
-            <a:t>Pick  one constraint</a:t>
+            <a:rPr lang="en-US" sz="800" kern="1200" dirty="0" smtClean="0"/>
+            <a:t>Delete all triangles having an edge that intersects the constraint</a:t>
           </a:r>
-          <a:endParaRPr lang="en-US" sz="1000" kern="1200" dirty="0"/>
+          <a:endParaRPr lang="en-US" sz="800" kern="1200" dirty="0"/>
         </a:p>
       </dsp:txBody>
       <dsp:txXfrm>
-        <a:off x="1673444" y="38112"/>
-        <a:ext cx="1453710" cy="689552"/>
+        <a:off x="3335910" y="1567575"/>
+        <a:ext cx="829865" cy="829865"/>
       </dsp:txXfrm>
     </dsp:sp>
-    <dsp:sp modelId="{9064C937-B3FF-48A4-A6DB-C4E799F4344A}">
+    <dsp:sp modelId="{0922FC0C-3F0F-40EF-BC59-E92FD25E3F35}">
       <dsp:nvSpPr>
         <dsp:cNvPr id="0" name=""/>
         <dsp:cNvSpPr/>
       </dsp:nvSpPr>
       <dsp:spPr>
         <a:xfrm>
-          <a:off x="3012078" y="1000485"/>
-          <a:ext cx="1528316" cy="764158"/>
+          <a:off x="883106" y="776"/>
+          <a:ext cx="3110586" cy="3110586"/>
         </a:xfrm>
-        <a:prstGeom prst="roundRect">
-          <a:avLst/>
+        <a:prstGeom prst="circularArrow">
+          <a:avLst>
+            <a:gd name="adj1" fmla="val 5202"/>
+            <a:gd name="adj2" fmla="val 336073"/>
+            <a:gd name="adj3" fmla="val 4014022"/>
+            <a:gd name="adj4" fmla="val 2254053"/>
+            <a:gd name="adj5" fmla="val 6069"/>
+          </a:avLst>
         </a:prstGeom>
         <a:solidFill>
           <a:schemeClr val="accent1">
@@ -4919,13 +5237,45 @@
           <a:schemeClr val="lt1"/>
         </a:fontRef>
       </dsp:style>
+    </dsp:sp>
+    <dsp:sp modelId="{607DA9A9-3862-4329-AE44-5B6A9674795F}">
+      <dsp:nvSpPr>
+        <dsp:cNvPr id="0" name=""/>
+        <dsp:cNvSpPr/>
+      </dsp:nvSpPr>
+      <dsp:spPr>
+        <a:xfrm>
+          <a:off x="2023467" y="2521120"/>
+          <a:ext cx="829865" cy="829865"/>
+        </a:xfrm>
+        <a:prstGeom prst="rect">
+          <a:avLst/>
+        </a:prstGeom>
+        <a:noFill/>
+        <a:ln>
+          <a:noFill/>
+        </a:ln>
+        <a:effectLst/>
+      </dsp:spPr>
+      <dsp:style>
+        <a:lnRef idx="0">
+          <a:scrgbClr r="0" g="0" b="0"/>
+        </a:lnRef>
+        <a:fillRef idx="0">
+          <a:scrgbClr r="0" g="0" b="0"/>
+        </a:fillRef>
+        <a:effectRef idx="0">
+          <a:scrgbClr r="0" g="0" b="0"/>
+        </a:effectRef>
+        <a:fontRef idx="minor"/>
+      </dsp:style>
       <dsp:txBody>
-        <a:bodyPr spcFirstLastPara="0" vert="horz" wrap="square" lIns="38100" tIns="38100" rIns="38100" bIns="38100" numCol="1" spcCol="1270" anchor="ctr" anchorCtr="0">
+        <a:bodyPr spcFirstLastPara="0" vert="horz" wrap="square" lIns="10160" tIns="10160" rIns="10160" bIns="10160" numCol="1" spcCol="1270" anchor="ctr" anchorCtr="0">
           <a:noAutofit/>
         </a:bodyPr>
         <a:lstStyle/>
         <a:p>
-          <a:pPr lvl="0" algn="ctr" defTabSz="444500">
+          <a:pPr lvl="0" algn="ctr" defTabSz="355600">
             <a:lnSpc>
               <a:spcPct val="90000"/>
             </a:lnSpc>
@@ -4937,29 +5287,35 @@
             </a:spcAft>
           </a:pPr>
           <a:r>
-            <a:rPr lang="en-US" sz="1000" kern="1200" dirty="0" smtClean="0"/>
-            <a:t>Delete all triangles having an edge that intersects the constraint</a:t>
+            <a:rPr lang="en-US" sz="800" kern="1200" dirty="0" smtClean="0"/>
+            <a:t>Insert the constrained edge</a:t>
           </a:r>
-          <a:endParaRPr lang="en-US" sz="1000" kern="1200" dirty="0"/>
+          <a:endParaRPr lang="en-US" sz="800" kern="1200" dirty="0"/>
         </a:p>
       </dsp:txBody>
       <dsp:txXfrm>
-        <a:off x="3049381" y="1037788"/>
-        <a:ext cx="1453710" cy="689552"/>
+        <a:off x="2023467" y="2521120"/>
+        <a:ext cx="829865" cy="829865"/>
       </dsp:txXfrm>
     </dsp:sp>
-    <dsp:sp modelId="{CC3CFDE4-E573-49DB-BDB6-FDE41C67E34A}">
+    <dsp:sp modelId="{2B04CA99-B376-479F-AF6C-79900B907F23}">
       <dsp:nvSpPr>
         <dsp:cNvPr id="0" name=""/>
         <dsp:cNvSpPr/>
       </dsp:nvSpPr>
       <dsp:spPr>
         <a:xfrm>
-          <a:off x="2486517" y="2617995"/>
-          <a:ext cx="1528316" cy="764158"/>
+          <a:off x="883106" y="776"/>
+          <a:ext cx="3110586" cy="3110586"/>
         </a:xfrm>
-        <a:prstGeom prst="roundRect">
-          <a:avLst/>
+        <a:prstGeom prst="circularArrow">
+          <a:avLst>
+            <a:gd name="adj1" fmla="val 5202"/>
+            <a:gd name="adj2" fmla="val 336073"/>
+            <a:gd name="adj3" fmla="val 8209874"/>
+            <a:gd name="adj4" fmla="val 6449905"/>
+            <a:gd name="adj5" fmla="val 6069"/>
+          </a:avLst>
         </a:prstGeom>
         <a:solidFill>
           <a:schemeClr val="accent1">
@@ -4996,13 +5352,45 @@
           <a:schemeClr val="lt1"/>
         </a:fontRef>
       </dsp:style>
+    </dsp:sp>
+    <dsp:sp modelId="{BC870580-9D6D-47EC-AA95-7A80FD676209}">
+      <dsp:nvSpPr>
+        <dsp:cNvPr id="0" name=""/>
+        <dsp:cNvSpPr/>
+      </dsp:nvSpPr>
+      <dsp:spPr>
+        <a:xfrm>
+          <a:off x="711024" y="1567575"/>
+          <a:ext cx="829865" cy="829865"/>
+        </a:xfrm>
+        <a:prstGeom prst="rect">
+          <a:avLst/>
+        </a:prstGeom>
+        <a:noFill/>
+        <a:ln>
+          <a:noFill/>
+        </a:ln>
+        <a:effectLst/>
+      </dsp:spPr>
+      <dsp:style>
+        <a:lnRef idx="0">
+          <a:scrgbClr r="0" g="0" b="0"/>
+        </a:lnRef>
+        <a:fillRef idx="0">
+          <a:scrgbClr r="0" g="0" b="0"/>
+        </a:fillRef>
+        <a:effectRef idx="0">
+          <a:scrgbClr r="0" g="0" b="0"/>
+        </a:effectRef>
+        <a:fontRef idx="minor"/>
+      </dsp:style>
       <dsp:txBody>
-        <a:bodyPr spcFirstLastPara="0" vert="horz" wrap="square" lIns="38100" tIns="38100" rIns="38100" bIns="38100" numCol="1" spcCol="1270" anchor="ctr" anchorCtr="0">
+        <a:bodyPr spcFirstLastPara="0" vert="horz" wrap="square" lIns="10160" tIns="10160" rIns="10160" bIns="10160" numCol="1" spcCol="1270" anchor="ctr" anchorCtr="0">
           <a:noAutofit/>
         </a:bodyPr>
         <a:lstStyle/>
         <a:p>
-          <a:pPr lvl="0" algn="ctr" defTabSz="444500">
+          <a:pPr lvl="0" algn="ctr" defTabSz="355600">
             <a:lnSpc>
               <a:spcPct val="90000"/>
             </a:lnSpc>
@@ -5014,29 +5402,35 @@
             </a:spcAft>
           </a:pPr>
           <a:r>
-            <a:rPr lang="en-US" sz="1000" kern="1200" dirty="0" smtClean="0"/>
-            <a:t>Insert the constrained edge</a:t>
+            <a:rPr lang="en-US" sz="800" kern="1200" dirty="0" smtClean="0"/>
+            <a:t>Take two polygons created after triangles deletion and constraint edge insertion</a:t>
           </a:r>
-          <a:endParaRPr lang="en-US" sz="1000" kern="1200" dirty="0"/>
+          <a:endParaRPr lang="en-US" sz="800" kern="1200" dirty="0"/>
         </a:p>
       </dsp:txBody>
       <dsp:txXfrm>
-        <a:off x="2523820" y="2655298"/>
-        <a:ext cx="1453710" cy="689552"/>
+        <a:off x="711024" y="1567575"/>
+        <a:ext cx="829865" cy="829865"/>
       </dsp:txXfrm>
     </dsp:sp>
-    <dsp:sp modelId="{6D2B9EE5-CDBF-4D08-92D0-01A4D9CAB7A2}">
+    <dsp:sp modelId="{A12C47D7-FA3E-4F4C-A8E3-BE3E74F1C4CB}">
       <dsp:nvSpPr>
         <dsp:cNvPr id="0" name=""/>
         <dsp:cNvSpPr/>
       </dsp:nvSpPr>
       <dsp:spPr>
         <a:xfrm>
-          <a:off x="785766" y="2617995"/>
-          <a:ext cx="1528316" cy="764158"/>
+          <a:off x="883106" y="776"/>
+          <a:ext cx="3110586" cy="3110586"/>
         </a:xfrm>
-        <a:prstGeom prst="roundRect">
-          <a:avLst/>
+        <a:prstGeom prst="circularArrow">
+          <a:avLst>
+            <a:gd name="adj1" fmla="val 5202"/>
+            <a:gd name="adj2" fmla="val 336073"/>
+            <a:gd name="adj3" fmla="val 12297117"/>
+            <a:gd name="adj4" fmla="val 10771337"/>
+            <a:gd name="adj5" fmla="val 6069"/>
+          </a:avLst>
         </a:prstGeom>
         <a:solidFill>
           <a:schemeClr val="accent1">
@@ -5073,13 +5467,45 @@
           <a:schemeClr val="lt1"/>
         </a:fontRef>
       </dsp:style>
+    </dsp:sp>
+    <dsp:sp modelId="{414BC036-49DC-434A-BDB1-57CC5B0C1AFC}">
+      <dsp:nvSpPr>
+        <dsp:cNvPr id="0" name=""/>
+        <dsp:cNvSpPr/>
+      </dsp:nvSpPr>
+      <dsp:spPr>
+        <a:xfrm>
+          <a:off x="1212332" y="24705"/>
+          <a:ext cx="829865" cy="829865"/>
+        </a:xfrm>
+        <a:prstGeom prst="rect">
+          <a:avLst/>
+        </a:prstGeom>
+        <a:noFill/>
+        <a:ln>
+          <a:noFill/>
+        </a:ln>
+        <a:effectLst/>
+      </dsp:spPr>
+      <dsp:style>
+        <a:lnRef idx="0">
+          <a:scrgbClr r="0" g="0" b="0"/>
+        </a:lnRef>
+        <a:fillRef idx="0">
+          <a:scrgbClr r="0" g="0" b="0"/>
+        </a:fillRef>
+        <a:effectRef idx="0">
+          <a:scrgbClr r="0" g="0" b="0"/>
+        </a:effectRef>
+        <a:fontRef idx="minor"/>
+      </dsp:style>
       <dsp:txBody>
-        <a:bodyPr spcFirstLastPara="0" vert="horz" wrap="square" lIns="38100" tIns="38100" rIns="38100" bIns="38100" numCol="1" spcCol="1270" anchor="ctr" anchorCtr="0">
+        <a:bodyPr spcFirstLastPara="0" vert="horz" wrap="square" lIns="10160" tIns="10160" rIns="10160" bIns="10160" numCol="1" spcCol="1270" anchor="ctr" anchorCtr="0">
           <a:noAutofit/>
         </a:bodyPr>
         <a:lstStyle/>
         <a:p>
-          <a:pPr lvl="0" algn="ctr" defTabSz="444500">
+          <a:pPr lvl="0" algn="ctr" defTabSz="355600">
             <a:lnSpc>
               <a:spcPct val="90000"/>
             </a:lnSpc>
@@ -5091,29 +5517,35 @@
             </a:spcAft>
           </a:pPr>
           <a:r>
-            <a:rPr lang="en-US" sz="1000" kern="1200" dirty="0" smtClean="0"/>
-            <a:t>Take two polygons created after triangles deletion and constraint edge insertion</a:t>
+            <a:rPr lang="en-US" sz="800" kern="1200" dirty="0" smtClean="0"/>
+            <a:t>Build partial triangulation for those polygons </a:t>
           </a:r>
-          <a:endParaRPr lang="en-US" sz="1000" kern="1200" dirty="0"/>
+          <a:endParaRPr lang="en-US" sz="800" kern="1200" dirty="0"/>
         </a:p>
       </dsp:txBody>
       <dsp:txXfrm>
-        <a:off x="823069" y="2655298"/>
-        <a:ext cx="1453710" cy="689552"/>
+        <a:off x="1212332" y="24705"/>
+        <a:ext cx="829865" cy="829865"/>
       </dsp:txXfrm>
     </dsp:sp>
-    <dsp:sp modelId="{827D3D2D-4767-484E-9372-8197BC522DAB}">
+    <dsp:sp modelId="{7A72A19B-623B-47BD-9EB6-93670FFFE0E4}">
       <dsp:nvSpPr>
         <dsp:cNvPr id="0" name=""/>
         <dsp:cNvSpPr/>
       </dsp:nvSpPr>
       <dsp:spPr>
         <a:xfrm>
-          <a:off x="260205" y="1000485"/>
-          <a:ext cx="1528316" cy="764158"/>
+          <a:off x="883106" y="776"/>
+          <a:ext cx="3110586" cy="3110586"/>
         </a:xfrm>
-        <a:prstGeom prst="roundRect">
-          <a:avLst/>
+        <a:prstGeom prst="circularArrow">
+          <a:avLst>
+            <a:gd name="adj1" fmla="val 5202"/>
+            <a:gd name="adj2" fmla="val 336073"/>
+            <a:gd name="adj3" fmla="val 16865013"/>
+            <a:gd name="adj4" fmla="val 15198914"/>
+            <a:gd name="adj5" fmla="val 6069"/>
+          </a:avLst>
         </a:prstGeom>
         <a:solidFill>
           <a:schemeClr val="accent1">
@@ -5150,34 +5582,6 @@
           <a:schemeClr val="lt1"/>
         </a:fontRef>
       </dsp:style>
-      <dsp:txBody>
-        <a:bodyPr spcFirstLastPara="0" vert="horz" wrap="square" lIns="38100" tIns="38100" rIns="38100" bIns="38100" numCol="1" spcCol="1270" anchor="ctr" anchorCtr="0">
-          <a:noAutofit/>
-        </a:bodyPr>
-        <a:lstStyle/>
-        <a:p>
-          <a:pPr lvl="0" algn="ctr" defTabSz="444500">
-            <a:lnSpc>
-              <a:spcPct val="90000"/>
-            </a:lnSpc>
-            <a:spcBef>
-              <a:spcPct val="0"/>
-            </a:spcBef>
-            <a:spcAft>
-              <a:spcPct val="35000"/>
-            </a:spcAft>
-          </a:pPr>
-          <a:r>
-            <a:rPr lang="en-US" sz="1000" kern="1200" dirty="0" smtClean="0"/>
-            <a:t>Build partial triangulation for those polygons </a:t>
-          </a:r>
-          <a:endParaRPr lang="en-US" sz="1000" kern="1200" dirty="0"/>
-        </a:p>
-      </dsp:txBody>
-      <dsp:txXfrm>
-        <a:off x="297508" y="1037788"/>
-        <a:ext cx="1453710" cy="689552"/>
-      </dsp:txXfrm>
     </dsp:sp>
   </dsp:spTree>
 </dsp:drawing>
@@ -5198,8 +5602,8 @@
       </dsp:nvSpPr>
       <dsp:spPr>
         <a:xfrm>
-          <a:off x="455847" y="471928"/>
-          <a:ext cx="1324288" cy="436413"/>
+          <a:off x="516797" y="406834"/>
+          <a:ext cx="1141628" cy="376218"/>
         </a:xfrm>
         <a:prstGeom prst="rect">
           <a:avLst/>
@@ -5223,12 +5627,12 @@
         <a:fontRef idx="minor"/>
       </dsp:style>
       <dsp:txBody>
-        <a:bodyPr spcFirstLastPara="0" vert="horz" wrap="square" lIns="34290" tIns="34290" rIns="34290" bIns="34290" numCol="1" spcCol="1270" anchor="ctr" anchorCtr="0">
+        <a:bodyPr spcFirstLastPara="0" vert="horz" wrap="square" lIns="29210" tIns="29210" rIns="29210" bIns="29210" numCol="1" spcCol="1270" anchor="ctr" anchorCtr="0">
           <a:noAutofit/>
         </a:bodyPr>
         <a:lstStyle/>
         <a:p>
-          <a:pPr lvl="0" algn="ctr" defTabSz="1200150">
+          <a:pPr lvl="0" algn="ctr" defTabSz="1022350">
             <a:lnSpc>
               <a:spcPct val="90000"/>
             </a:lnSpc>
@@ -5240,15 +5644,15 @@
             </a:spcAft>
           </a:pPr>
           <a:r>
-            <a:rPr lang="en-US" sz="2700" kern="1200" dirty="0" smtClean="0"/>
+            <a:rPr lang="en-US" sz="2300" kern="1200" dirty="0" smtClean="0"/>
             <a:t>Given</a:t>
           </a:r>
-          <a:endParaRPr lang="en-US" sz="2700" kern="1200" dirty="0"/>
+          <a:endParaRPr lang="en-US" sz="2300" kern="1200" dirty="0"/>
         </a:p>
       </dsp:txBody>
       <dsp:txXfrm>
-        <a:off x="455847" y="471928"/>
-        <a:ext cx="1324288" cy="436413"/>
+        <a:off x="516797" y="406834"/>
+        <a:ext cx="1141628" cy="376218"/>
       </dsp:txXfrm>
     </dsp:sp>
     <dsp:sp modelId="{E7F57025-9D84-4F29-949C-036603744C5D}">
@@ -5258,8 +5662,8 @@
       </dsp:nvSpPr>
       <dsp:spPr>
         <a:xfrm>
-          <a:off x="455847" y="1392173"/>
-          <a:ext cx="1324288" cy="817626"/>
+          <a:off x="516797" y="1200149"/>
+          <a:ext cx="1141628" cy="704850"/>
         </a:xfrm>
         <a:prstGeom prst="rect">
           <a:avLst/>
@@ -5307,8 +5711,8 @@
         </a:p>
       </dsp:txBody>
       <dsp:txXfrm>
-        <a:off x="455847" y="1392173"/>
-        <a:ext cx="1324288" cy="817626"/>
+        <a:off x="516797" y="1200149"/>
+        <a:ext cx="1141628" cy="704850"/>
       </dsp:txXfrm>
     </dsp:sp>
     <dsp:sp modelId="{EAF6B5DE-31BF-4835-B271-B3C56E0B365D}">
@@ -5318,8 +5722,8 @@
       </dsp:nvSpPr>
       <dsp:spPr>
         <a:xfrm>
-          <a:off x="454343" y="339198"/>
-          <a:ext cx="105341" cy="105341"/>
+          <a:off x="515500" y="292412"/>
+          <a:ext cx="90811" cy="90811"/>
         </a:xfrm>
         <a:prstGeom prst="ellipse">
           <a:avLst/>
@@ -5367,8 +5771,8 @@
       </dsp:nvSpPr>
       <dsp:spPr>
         <a:xfrm>
-          <a:off x="528081" y="191720"/>
-          <a:ext cx="105341" cy="105341"/>
+          <a:off x="579067" y="165276"/>
+          <a:ext cx="90811" cy="90811"/>
         </a:xfrm>
         <a:prstGeom prst="ellipse">
           <a:avLst/>
@@ -5416,8 +5820,8 @@
       </dsp:nvSpPr>
       <dsp:spPr>
         <a:xfrm>
-          <a:off x="705055" y="221216"/>
-          <a:ext cx="165536" cy="165536"/>
+          <a:off x="731631" y="190703"/>
+          <a:ext cx="142703" cy="142703"/>
         </a:xfrm>
         <a:prstGeom prst="ellipse">
           <a:avLst/>
@@ -5465,8 +5869,8 @@
       </dsp:nvSpPr>
       <dsp:spPr>
         <a:xfrm>
-          <a:off x="852532" y="58991"/>
-          <a:ext cx="105341" cy="105341"/>
+          <a:off x="858766" y="50854"/>
+          <a:ext cx="90811" cy="90811"/>
         </a:xfrm>
         <a:prstGeom prst="ellipse">
           <a:avLst/>
@@ -5514,8 +5918,8 @@
       </dsp:nvSpPr>
       <dsp:spPr>
         <a:xfrm>
-          <a:off x="1044253" y="0"/>
-          <a:ext cx="105341" cy="105341"/>
+          <a:off x="1024043" y="0"/>
+          <a:ext cx="90811" cy="90811"/>
         </a:xfrm>
         <a:prstGeom prst="ellipse">
           <a:avLst/>
@@ -5563,8 +5967,8 @@
       </dsp:nvSpPr>
       <dsp:spPr>
         <a:xfrm>
-          <a:off x="1280217" y="103234"/>
-          <a:ext cx="105341" cy="105341"/>
+          <a:off x="1227461" y="88995"/>
+          <a:ext cx="90811" cy="90811"/>
         </a:xfrm>
         <a:prstGeom prst="ellipse">
           <a:avLst/>
@@ -5612,8 +6016,8 @@
       </dsp:nvSpPr>
       <dsp:spPr>
         <a:xfrm>
-          <a:off x="1427695" y="176973"/>
-          <a:ext cx="165536" cy="165536"/>
+          <a:off x="1354596" y="152563"/>
+          <a:ext cx="142703" cy="142703"/>
         </a:xfrm>
         <a:prstGeom prst="ellipse">
           <a:avLst/>
@@ -5661,8 +6065,8 @@
       </dsp:nvSpPr>
       <dsp:spPr>
         <a:xfrm>
-          <a:off x="1634164" y="339198"/>
-          <a:ext cx="105341" cy="105341"/>
+          <a:off x="1532587" y="292412"/>
+          <a:ext cx="90811" cy="90811"/>
         </a:xfrm>
         <a:prstGeom prst="ellipse">
           <a:avLst/>
@@ -5710,8 +6114,8 @@
       </dsp:nvSpPr>
       <dsp:spPr>
         <a:xfrm>
-          <a:off x="1722650" y="501423"/>
-          <a:ext cx="105341" cy="105341"/>
+          <a:off x="1608868" y="432262"/>
+          <a:ext cx="90811" cy="90811"/>
         </a:xfrm>
         <a:prstGeom prst="ellipse">
           <a:avLst/>
@@ -5759,8 +6163,8 @@
       </dsp:nvSpPr>
       <dsp:spPr>
         <a:xfrm>
-          <a:off x="955767" y="191720"/>
-          <a:ext cx="270877" cy="270877"/>
+          <a:off x="947762" y="165276"/>
+          <a:ext cx="233514" cy="233514"/>
         </a:xfrm>
         <a:prstGeom prst="ellipse">
           <a:avLst/>
@@ -5808,8 +6212,8 @@
       </dsp:nvSpPr>
       <dsp:spPr>
         <a:xfrm>
-          <a:off x="380604" y="752135"/>
-          <a:ext cx="105341" cy="105341"/>
+          <a:off x="451932" y="648393"/>
+          <a:ext cx="90811" cy="90811"/>
         </a:xfrm>
         <a:prstGeom prst="ellipse">
           <a:avLst/>
@@ -5857,8 +6261,8 @@
       </dsp:nvSpPr>
       <dsp:spPr>
         <a:xfrm>
-          <a:off x="469090" y="884865"/>
-          <a:ext cx="165536" cy="165536"/>
+          <a:off x="528213" y="762815"/>
+          <a:ext cx="142703" cy="142703"/>
         </a:xfrm>
         <a:prstGeom prst="ellipse">
           <a:avLst/>
@@ -5906,8 +6310,8 @@
       </dsp:nvSpPr>
       <dsp:spPr>
         <a:xfrm>
-          <a:off x="690307" y="1002847"/>
-          <a:ext cx="240779" cy="240779"/>
+          <a:off x="718917" y="864524"/>
+          <a:ext cx="207568" cy="207568"/>
         </a:xfrm>
         <a:prstGeom prst="ellipse">
           <a:avLst/>
@@ -5955,8 +6359,8 @@
       </dsp:nvSpPr>
       <dsp:spPr>
         <a:xfrm>
-          <a:off x="1000010" y="1194568"/>
-          <a:ext cx="105341" cy="105341"/>
+          <a:off x="985902" y="1029800"/>
+          <a:ext cx="90811" cy="90811"/>
         </a:xfrm>
         <a:prstGeom prst="ellipse">
           <a:avLst/>
@@ -6004,8 +6408,8 @@
       </dsp:nvSpPr>
       <dsp:spPr>
         <a:xfrm>
-          <a:off x="1059001" y="1002847"/>
-          <a:ext cx="165536" cy="165536"/>
+          <a:off x="1036757" y="864524"/>
+          <a:ext cx="142703" cy="142703"/>
         </a:xfrm>
         <a:prstGeom prst="ellipse">
           <a:avLst/>
@@ -6053,8 +6457,8 @@
       </dsp:nvSpPr>
       <dsp:spPr>
         <a:xfrm>
-          <a:off x="1206478" y="1209316"/>
-          <a:ext cx="105341" cy="105341"/>
+          <a:off x="1163893" y="1042514"/>
+          <a:ext cx="90811" cy="90811"/>
         </a:xfrm>
         <a:prstGeom prst="ellipse">
           <a:avLst/>
@@ -6102,8 +6506,8 @@
       </dsp:nvSpPr>
       <dsp:spPr>
         <a:xfrm>
-          <a:off x="1339208" y="973352"/>
-          <a:ext cx="240779" cy="240779"/>
+          <a:off x="1278315" y="839096"/>
+          <a:ext cx="207568" cy="207568"/>
         </a:xfrm>
         <a:prstGeom prst="ellipse">
           <a:avLst/>
@@ -6151,8 +6555,8 @@
       </dsp:nvSpPr>
       <dsp:spPr>
         <a:xfrm>
-          <a:off x="1663659" y="914361"/>
-          <a:ext cx="165536" cy="165536"/>
+          <a:off x="1558014" y="788242"/>
+          <a:ext cx="142703" cy="142703"/>
         </a:xfrm>
         <a:prstGeom prst="ellipse">
           <a:avLst/>
@@ -6200,8 +6604,8 @@
       </dsp:nvSpPr>
       <dsp:spPr>
         <a:xfrm>
-          <a:off x="1829195" y="220971"/>
-          <a:ext cx="486156" cy="928124"/>
+          <a:off x="1700717" y="190492"/>
+          <a:ext cx="419100" cy="800107"/>
         </a:xfrm>
         <a:prstGeom prst="chevron">
           <a:avLst>
@@ -6244,8 +6648,8 @@
       </dsp:nvSpPr>
       <dsp:spPr>
         <a:xfrm>
-          <a:off x="2226959" y="220971"/>
-          <a:ext cx="486156" cy="928124"/>
+          <a:off x="2043617" y="190492"/>
+          <a:ext cx="419100" cy="800107"/>
         </a:xfrm>
         <a:prstGeom prst="chevron">
           <a:avLst>
@@ -6288,8 +6692,8 @@
       </dsp:nvSpPr>
       <dsp:spPr>
         <a:xfrm>
-          <a:off x="2812556" y="155127"/>
-          <a:ext cx="1126998" cy="1126998"/>
+          <a:off x="2548442" y="133730"/>
+          <a:ext cx="971549" cy="971549"/>
         </a:xfrm>
         <a:prstGeom prst="ellipse">
           <a:avLst/>
@@ -6335,7 +6739,7 @@
         </a:bodyPr>
         <a:lstStyle/>
         <a:p>
-          <a:pPr lvl="0" algn="ctr" defTabSz="1200150">
+          <a:pPr lvl="0" algn="ctr" defTabSz="1022350">
             <a:lnSpc>
               <a:spcPct val="90000"/>
             </a:lnSpc>
@@ -6347,15 +6751,15 @@
             </a:spcAft>
           </a:pPr>
           <a:r>
-            <a:rPr lang="en-US" sz="2700" kern="1200" dirty="0" smtClean="0"/>
+            <a:rPr lang="en-US" sz="2300" kern="1200" dirty="0" smtClean="0"/>
             <a:t>Build</a:t>
           </a:r>
-          <a:endParaRPr lang="en-US" sz="2700" kern="1200" dirty="0"/>
+          <a:endParaRPr lang="en-US" sz="2300" kern="1200" dirty="0"/>
         </a:p>
       </dsp:txBody>
       <dsp:txXfrm>
-        <a:off x="2977601" y="320172"/>
-        <a:ext cx="796908" cy="796908"/>
+        <a:off x="2690722" y="276010"/>
+        <a:ext cx="686989" cy="686989"/>
       </dsp:txXfrm>
     </dsp:sp>
     <dsp:sp modelId="{9BDE8EC1-2EB9-401A-A3EC-B299062C71C2}">
@@ -6365,8 +6769,8 @@
       </dsp:nvSpPr>
       <dsp:spPr>
         <a:xfrm>
-          <a:off x="2713115" y="1392173"/>
-          <a:ext cx="1325879" cy="817626"/>
+          <a:off x="2462717" y="1200149"/>
+          <a:ext cx="1143000" cy="704850"/>
         </a:xfrm>
         <a:prstGeom prst="rect">
           <a:avLst/>
@@ -6390,12 +6794,12 @@
         <a:fontRef idx="minor"/>
       </dsp:style>
       <dsp:txBody>
-        <a:bodyPr spcFirstLastPara="0" vert="horz" wrap="square" lIns="21590" tIns="21590" rIns="21590" bIns="21590" numCol="1" spcCol="1270" anchor="ctr" anchorCtr="0">
+        <a:bodyPr spcFirstLastPara="0" vert="horz" wrap="square" lIns="19050" tIns="19050" rIns="19050" bIns="19050" numCol="1" spcCol="1270" anchor="ctr" anchorCtr="0">
           <a:noAutofit/>
         </a:bodyPr>
         <a:lstStyle/>
         <a:p>
-          <a:pPr lvl="0" algn="ctr" defTabSz="755650">
+          <a:pPr lvl="0" algn="ctr" defTabSz="666750">
             <a:lnSpc>
               <a:spcPct val="90000"/>
             </a:lnSpc>
@@ -6407,15 +6811,15 @@
             </a:spcAft>
           </a:pPr>
           <a:r>
-            <a:rPr lang="en-US" sz="1700" kern="1200" smtClean="0"/>
+            <a:rPr lang="en-US" sz="1500" kern="1200" smtClean="0"/>
             <a:t>Delaunay Triangulation</a:t>
           </a:r>
-          <a:endParaRPr lang="en-US" sz="1700" kern="1200" dirty="0"/>
+          <a:endParaRPr lang="en-US" sz="1500" kern="1200" dirty="0"/>
         </a:p>
       </dsp:txBody>
       <dsp:txXfrm>
-        <a:off x="2713115" y="1392173"/>
-        <a:ext cx="1325879" cy="817626"/>
+        <a:off x="2462717" y="1200149"/>
+        <a:ext cx="1143000" cy="704850"/>
       </dsp:txXfrm>
     </dsp:sp>
   </dsp:spTree>
@@ -6648,11 +7052,11 @@
 </file>
 
 <file path=ppt/diagrams/layout2.xml><?xml version="1.0" encoding="utf-8"?>
-<dgm:layoutDef xmlns:dgm="http://schemas.openxmlformats.org/drawingml/2006/diagram" xmlns:a="http://schemas.openxmlformats.org/drawingml/2006/main" uniqueId="urn:microsoft.com/office/officeart/2005/8/layout/cycle3">
+<dgm:layoutDef xmlns:dgm="http://schemas.openxmlformats.org/drawingml/2006/diagram" xmlns:a="http://schemas.openxmlformats.org/drawingml/2006/main" uniqueId="urn:microsoft.com/office/officeart/2005/8/layout/cycle1">
   <dgm:title val=""/>
   <dgm:desc val=""/>
   <dgm:catLst>
-    <dgm:cat type="cycle" pri="5000"/>
+    <dgm:cat type="cycle" pri="2000"/>
   </dgm:catLst>
   <dgm:sampData>
     <dgm:dataModel>
@@ -6725,327 +7129,122 @@
       <dgm:whole/>
     </dgm:dataModel>
   </dgm:clrData>
-  <dgm:layoutNode name="Name0">
+  <dgm:layoutNode name="cycle">
     <dgm:varLst>
       <dgm:dir/>
       <dgm:resizeHandles val="exact"/>
     </dgm:varLst>
-    <dgm:choose name="Name1">
-      <dgm:if name="Name2" axis="ch" ptType="node" func="cnt" op="equ" val="2">
-        <dgm:alg type="composite">
-          <dgm:param type="ar" val="0.9"/>
+    <dgm:choose name="Name0">
+      <dgm:if name="Name1" func="var" arg="dir" op="equ" val="norm">
+        <dgm:alg type="cycle">
+          <dgm:param type="stAng" val="0"/>
+          <dgm:param type="spanAng" val="360"/>
         </dgm:alg>
-        <dgm:shape xmlns:r="http://schemas.openxmlformats.org/officeDocument/2006/relationships" r:blip="">
+      </dgm:if>
+      <dgm:else name="Name2">
+        <dgm:alg type="cycle">
+          <dgm:param type="stAng" val="0"/>
+          <dgm:param type="spanAng" val="-360"/>
+        </dgm:alg>
+      </dgm:else>
+    </dgm:choose>
+    <dgm:shape xmlns:r="http://schemas.openxmlformats.org/officeDocument/2006/relationships" r:blip="">
+      <dgm:adjLst/>
+    </dgm:shape>
+    <dgm:presOf/>
+    <dgm:choose name="Name3">
+      <dgm:if name="Name4" func="var" arg="dir" op="equ" val="norm">
+        <dgm:constrLst>
+          <dgm:constr type="diam" val="1"/>
+          <dgm:constr type="w" for="ch" forName="node" refType="w"/>
+          <dgm:constr type="w" for="ch" ptType="sibTrans" refType="w" refFor="ch" refForName="node" fact="0.5"/>
+          <dgm:constr type="h" for="ch" ptType="sibTrans" op="equ"/>
+          <dgm:constr type="diam" for="ch" ptType="sibTrans" refType="diam" op="equ"/>
+          <dgm:constr type="sibSp" refType="w" refFor="ch" refForName="node" fact="0.15"/>
+          <dgm:constr type="w" for="ch" forName="dummy" refType="sibSp" fact="2.8"/>
+          <dgm:constr type="primFontSz" for="ch" forName="node" op="equ" val="65"/>
+        </dgm:constrLst>
+      </dgm:if>
+      <dgm:else name="Name5">
+        <dgm:constrLst>
+          <dgm:constr type="diam" val="1"/>
+          <dgm:constr type="w" for="ch" forName="node" refType="w"/>
+          <dgm:constr type="w" for="ch" ptType="sibTrans" refType="w" refFor="ch" refForName="node" fact="0.5"/>
+          <dgm:constr type="h" for="ch" ptType="sibTrans" op="equ"/>
+          <dgm:constr type="diam" for="ch" ptType="sibTrans" refType="diam" op="equ" fact="-1"/>
+          <dgm:constr type="sibSp" refType="w" refFor="ch" refForName="node" fact="0.15"/>
+          <dgm:constr type="w" for="ch" forName="dummy" refType="sibSp" fact="2.8"/>
+          <dgm:constr type="primFontSz" for="ch" forName="node" op="equ" val="65"/>
+        </dgm:constrLst>
+      </dgm:else>
+    </dgm:choose>
+    <dgm:ruleLst>
+      <dgm:rule type="diam" val="INF" fact="NaN" max="NaN"/>
+    </dgm:ruleLst>
+    <dgm:forEach name="nodesForEach" axis="ch" ptType="node">
+      <dgm:choose name="Name6">
+        <dgm:if name="Name7" axis="par ch" ptType="doc node" func="cnt" op="gt" val="1">
+          <dgm:layoutNode name="dummy">
+            <dgm:alg type="sp"/>
+            <dgm:shape xmlns:r="http://schemas.openxmlformats.org/officeDocument/2006/relationships" r:blip="">
+              <dgm:adjLst/>
+            </dgm:shape>
+            <dgm:presOf/>
+            <dgm:constrLst>
+              <dgm:constr type="h" refType="w"/>
+            </dgm:constrLst>
+            <dgm:ruleLst/>
+          </dgm:layoutNode>
+        </dgm:if>
+        <dgm:else name="Name8"/>
+      </dgm:choose>
+      <dgm:layoutNode name="node" styleLbl="revTx">
+        <dgm:varLst>
+          <dgm:bulletEnabled val="1"/>
+        </dgm:varLst>
+        <dgm:alg type="tx">
+          <dgm:param type="txAnchorVertCh" val="mid"/>
+        </dgm:alg>
+        <dgm:shape xmlns:r="http://schemas.openxmlformats.org/officeDocument/2006/relationships" type="rect" r:blip="">
           <dgm:adjLst/>
         </dgm:shape>
-        <dgm:presOf/>
+        <dgm:presOf axis="desOrSelf" ptType="node"/>
         <dgm:constrLst>
-          <dgm:constr type="primFontSz" for="ch" ptType="node" op="equ" val="65"/>
-          <dgm:constr type="ctrX" for="ch" forName="node1" refType="w" fact="0.5"/>
-          <dgm:constr type="t" for="ch" forName="node1"/>
-          <dgm:constr type="w" for="ch" forName="node1" refType="w" fact="0.8"/>
-          <dgm:constr type="h" for="ch" forName="node1" refType="w" refFor="ch" refForName="node1" fact="0.5"/>
-          <dgm:constr type="ctrX" for="ch" forName="sibTrans" refType="w" fact="0.5"/>
-          <dgm:constr type="t" for="ch" forName="sibTrans"/>
-          <dgm:constr type="w" for="ch" forName="sibTrans" refType="w" fact="0.8"/>
-          <dgm:constr type="h" for="ch" forName="sibTrans" refType="w" refFor="ch" refForName="node1" fact="0.5"/>
-          <dgm:constr type="userA" for="ch" forName="sibTrans" refType="w" fact="1.07"/>
-          <dgm:constr type="ctrX" for="ch" forName="node2" refType="w" fact="0.5"/>
-          <dgm:constr type="b" for="ch" forName="node2" refType="h"/>
-          <dgm:constr type="w" for="ch" forName="node2" refType="w" fact="0.8"/>
-          <dgm:constr type="h" for="ch" forName="node2" refType="w" refFor="ch" refForName="node1" fact="0.5"/>
-          <dgm:constr type="l" for="ch" forName="sp1"/>
-          <dgm:constr type="t" for="ch" forName="sp1" refType="h" fact="0.5"/>
-          <dgm:constr type="w" for="ch" forName="sp1" val="1"/>
-          <dgm:constr type="h" for="ch" forName="sp1" val="1"/>
-          <dgm:constr type="r" for="ch" forName="sp2" refType="w"/>
-          <dgm:constr type="t" for="ch" forName="sp2" refType="h" fact="0.5"/>
-          <dgm:constr type="w" for="ch" forName="sp2" val="1"/>
-          <dgm:constr type="h" for="ch" forName="sp2" val="1"/>
+          <dgm:constr type="h" refType="w"/>
+          <dgm:constr type="lMarg" refType="primFontSz" fact="0.1"/>
+          <dgm:constr type="rMarg" refType="primFontSz" fact="0.1"/>
+          <dgm:constr type="tMarg" refType="primFontSz" fact="0.1"/>
+          <dgm:constr type="bMarg" refType="primFontSz" fact="0.1"/>
         </dgm:constrLst>
-        <dgm:ruleLst/>
-      </dgm:if>
-      <dgm:else name="Name3">
-        <dgm:alg type="composite"/>
-        <dgm:shape xmlns:r="http://schemas.openxmlformats.org/officeDocument/2006/relationships" r:blip="">
-          <dgm:adjLst/>
-        </dgm:shape>
-        <dgm:presOf/>
-        <dgm:constrLst>
-          <dgm:constr type="primFontSz" for="ch" ptType="node" op="equ" val="65"/>
-        </dgm:constrLst>
-        <dgm:ruleLst/>
-      </dgm:else>
-    </dgm:choose>
-    <dgm:choose name="Name4">
-      <dgm:if name="Name5" axis="ch" ptType="node" func="cnt" op="equ" val="2">
-        <dgm:layoutNode name="node1">
-          <dgm:varLst>
-            <dgm:bulletEnabled val="1"/>
-          </dgm:varLst>
-          <dgm:alg type="tx"/>
-          <dgm:shape xmlns:r="http://schemas.openxmlformats.org/officeDocument/2006/relationships" type="roundRect" r:blip="">
-            <dgm:adjLst/>
-          </dgm:shape>
-          <dgm:presOf axis="ch desOrSelf" ptType="node node" st="1 1" cnt="1 0"/>
-          <dgm:constrLst>
-            <dgm:constr type="tMarg" refType="primFontSz" fact="0.3"/>
-            <dgm:constr type="bMarg" refType="primFontSz" fact="0.3"/>
-            <dgm:constr type="lMarg" refType="primFontSz" fact="0.3"/>
-            <dgm:constr type="rMarg" refType="primFontSz" fact="0.3"/>
-          </dgm:constrLst>
-          <dgm:ruleLst>
-            <dgm:rule type="primFontSz" val="5" fact="NaN" max="NaN"/>
-          </dgm:ruleLst>
-        </dgm:layoutNode>
-        <dgm:layoutNode name="sibTrans" styleLbl="bgShp">
-          <dgm:choose name="Name6">
-            <dgm:if name="Name7" func="var" arg="dir" op="equ" val="norm">
+        <dgm:ruleLst>
+          <dgm:rule type="primFontSz" val="5" fact="NaN" max="NaN"/>
+        </dgm:ruleLst>
+      </dgm:layoutNode>
+      <dgm:choose name="Name9">
+        <dgm:if name="Name10" axis="par ch" ptType="doc node" func="cnt" op="gt" val="1">
+          <dgm:forEach name="Name11" axis="followSib" ptType="sibTrans" hideLastTrans="0" cnt="1">
+            <dgm:layoutNode name="sibTrans" styleLbl="node1">
               <dgm:alg type="conn">
-                <dgm:param type="connRout" val="longCurve"/>
-                <dgm:param type="begPts" val="midR"/>
-                <dgm:param type="endPts" val="midL"/>
-                <dgm:param type="dstNode" val="node1"/>
+                <dgm:param type="connRout" val="curve"/>
+                <dgm:param type="begPts" val="radial"/>
+                <dgm:param type="endPts" val="radial"/>
               </dgm:alg>
-              <dgm:shape xmlns:r="http://schemas.openxmlformats.org/officeDocument/2006/relationships" type="conn" r:blip="" zOrderOff="-2">
+              <dgm:shape xmlns:r="http://schemas.openxmlformats.org/officeDocument/2006/relationships" type="conn" r:blip="">
                 <dgm:adjLst/>
               </dgm:shape>
-              <dgm:presOf axis="ch" ptType="sibTrans"/>
+              <dgm:presOf axis="self"/>
               <dgm:constrLst>
-                <dgm:constr type="userA"/>
-                <dgm:constr type="diam" refType="userA" fact="-1"/>
-                <dgm:constr type="wArH" refType="userA" fact="0.05"/>
-                <dgm:constr type="hArH" refType="userA" fact="0.1"/>
-                <dgm:constr type="stemThick" refType="userA" fact="0.06"/>
-                <dgm:constr type="begPad" refType="connDist" fact="-0.2"/>
-                <dgm:constr type="endPad" refType="connDist" fact="0.05"/>
+                <dgm:constr type="h" refType="w" fact="0.65"/>
+                <dgm:constr type="begPad"/>
+                <dgm:constr type="endPad"/>
               </dgm:constrLst>
-            </dgm:if>
-            <dgm:else name="Name8">
-              <dgm:alg type="conn">
-                <dgm:param type="connRout" val="longCurve"/>
-                <dgm:param type="begPts" val="midL"/>
-                <dgm:param type="endPts" val="midR"/>
-                <dgm:param type="dstNode" val="node1"/>
-              </dgm:alg>
-              <dgm:shape xmlns:r="http://schemas.openxmlformats.org/officeDocument/2006/relationships" type="conn" r:blip="" zOrderOff="-2">
-                <dgm:adjLst/>
-              </dgm:shape>
-              <dgm:presOf axis="ch" ptType="sibTrans"/>
-              <dgm:constrLst>
-                <dgm:constr type="userA"/>
-                <dgm:constr type="diam" refType="userA"/>
-                <dgm:constr type="wArH" refType="userA" fact="0.05"/>
-                <dgm:constr type="hArH" refType="userA" fact="0.1"/>
-                <dgm:constr type="stemThick" refType="userA" fact="0.06"/>
-                <dgm:constr type="begPad" refType="connDist" fact="-0.2"/>
-                <dgm:constr type="endPad" refType="connDist" fact="0.05"/>
-              </dgm:constrLst>
-            </dgm:else>
-          </dgm:choose>
-          <dgm:ruleLst/>
-        </dgm:layoutNode>
-        <dgm:layoutNode name="node2">
-          <dgm:varLst>
-            <dgm:bulletEnabled val="1"/>
-          </dgm:varLst>
-          <dgm:alg type="tx"/>
-          <dgm:shape xmlns:r="http://schemas.openxmlformats.org/officeDocument/2006/relationships" type="roundRect" r:blip="">
-            <dgm:adjLst/>
-          </dgm:shape>
-          <dgm:presOf axis="ch desOrSelf" ptType="node node" st="2 1" cnt="1 0"/>
-          <dgm:constrLst>
-            <dgm:constr type="tMarg" refType="primFontSz" fact="0.3"/>
-            <dgm:constr type="bMarg" refType="primFontSz" fact="0.3"/>
-            <dgm:constr type="lMarg" refType="primFontSz" fact="0.3"/>
-            <dgm:constr type="rMarg" refType="primFontSz" fact="0.3"/>
-          </dgm:constrLst>
-          <dgm:ruleLst>
-            <dgm:rule type="primFontSz" val="5" fact="NaN" max="NaN"/>
-          </dgm:ruleLst>
-        </dgm:layoutNode>
-        <dgm:layoutNode name="sp1">
-          <dgm:alg type="sp"/>
-          <dgm:shape xmlns:r="http://schemas.openxmlformats.org/officeDocument/2006/relationships" r:blip="">
-            <dgm:adjLst/>
-          </dgm:shape>
-          <dgm:presOf/>
-          <dgm:constrLst/>
-          <dgm:ruleLst/>
-        </dgm:layoutNode>
-        <dgm:layoutNode name="sp2">
-          <dgm:alg type="sp"/>
-          <dgm:shape xmlns:r="http://schemas.openxmlformats.org/officeDocument/2006/relationships" r:blip="">
-            <dgm:adjLst/>
-          </dgm:shape>
-          <dgm:presOf/>
-          <dgm:constrLst/>
-          <dgm:ruleLst/>
-        </dgm:layoutNode>
-      </dgm:if>
-      <dgm:else name="Name9">
-        <dgm:layoutNode name="cycle">
-          <dgm:choose name="Name10">
-            <dgm:if name="Name11" func="var" arg="dir" op="equ" val="norm">
-              <dgm:alg type="cycle">
-                <dgm:param type="stAng" val="0"/>
-                <dgm:param type="spanAng" val="360"/>
-              </dgm:alg>
-              <dgm:shape xmlns:r="http://schemas.openxmlformats.org/officeDocument/2006/relationships" r:blip="">
-                <dgm:adjLst/>
-              </dgm:shape>
-              <dgm:presOf/>
-              <dgm:constrLst>
-                <dgm:constr type="diam" refType="w"/>
-                <dgm:constr type="w" for="ch" ptType="node" refType="w"/>
-                <dgm:constr type="sibSp" val="15"/>
-                <dgm:constr type="userA" for="ch" ptType="sibTrans" refType="diam" op="equ" fact="-1"/>
-                <dgm:constr type="wArH" for="ch" ptType="sibTrans" refType="diam" op="equ" fact="0.05"/>
-                <dgm:constr type="hArH" for="ch" ptType="sibTrans" refType="diam" op="equ" fact="0.1"/>
-                <dgm:constr type="stemThick" for="ch" ptType="sibTrans" refType="diam" op="equ" fact="0.065"/>
-                <dgm:constr type="primFontSz" for="ch" ptType="node" op="equ"/>
-              </dgm:constrLst>
-            </dgm:if>
-            <dgm:else name="Name12">
-              <dgm:alg type="cycle">
-                <dgm:param type="stAng" val="0"/>
-                <dgm:param type="spanAng" val="-360"/>
-              </dgm:alg>
-              <dgm:shape xmlns:r="http://schemas.openxmlformats.org/officeDocument/2006/relationships" r:blip="">
-                <dgm:adjLst/>
-              </dgm:shape>
-              <dgm:presOf/>
-              <dgm:constrLst>
-                <dgm:constr type="diam" refType="w"/>
-                <dgm:constr type="w" for="ch" ptType="node" refType="w"/>
-                <dgm:constr type="sibSp" val="15"/>
-                <dgm:constr type="userA" for="ch" ptType="sibTrans" refType="diam" op="equ"/>
-                <dgm:constr type="wArH" for="ch" ptType="sibTrans" refType="diam" op="equ" fact="0.05"/>
-                <dgm:constr type="hArH" for="ch" ptType="sibTrans" refType="diam" op="equ" fact="0.1"/>
-                <dgm:constr type="stemThick" for="ch" ptType="sibTrans" refType="diam" op="equ" fact="0.065"/>
-                <dgm:constr type="primFontSz" for="ch" ptType="node" op="equ"/>
-              </dgm:constrLst>
-            </dgm:else>
-          </dgm:choose>
-          <dgm:ruleLst/>
-          <dgm:forEach name="nodesFirstNodeForEach" axis="ch" ptType="node" cnt="1">
-            <dgm:layoutNode name="nodeFirstNode">
-              <dgm:varLst>
-                <dgm:bulletEnabled val="1"/>
-              </dgm:varLst>
-              <dgm:alg type="tx"/>
-              <dgm:shape xmlns:r="http://schemas.openxmlformats.org/officeDocument/2006/relationships" type="roundRect" r:blip="">
-                <dgm:adjLst/>
-              </dgm:shape>
-              <dgm:presOf axis="desOrSelf" ptType="node"/>
-              <dgm:constrLst>
-                <dgm:constr type="h" refType="w" fact="0.5"/>
-                <dgm:constr type="primFontSz" val="65"/>
-                <dgm:constr type="tMarg" refType="primFontSz" fact="0.3"/>
-                <dgm:constr type="bMarg" refType="primFontSz" fact="0.3"/>
-                <dgm:constr type="lMarg" refType="primFontSz" fact="0.3"/>
-                <dgm:constr type="rMarg" refType="primFontSz" fact="0.3"/>
-              </dgm:constrLst>
-              <dgm:ruleLst>
-                <dgm:rule type="primFontSz" val="5" fact="NaN" max="NaN"/>
-              </dgm:ruleLst>
-            </dgm:layoutNode>
-            <dgm:forEach name="sibTransForEach" axis="followSib" ptType="sibTrans" cnt="1">
-              <dgm:layoutNode name="sibTransFirstNode" styleLbl="bgShp">
-                <dgm:choose name="Name13">
-                  <dgm:if name="Name14" func="var" arg="dir" op="equ" val="norm">
-                    <dgm:alg type="conn">
-                      <dgm:param type="connRout" val="longCurve"/>
-                      <dgm:param type="begPts" val="midR"/>
-                      <dgm:param type="endPts" val="midL"/>
-                      <dgm:param type="dstNode" val="nodeFirstNode"/>
-                    </dgm:alg>
-                  </dgm:if>
-                  <dgm:else name="Name15">
-                    <dgm:alg type="conn">
-                      <dgm:param type="connRout" val="longCurve"/>
-                      <dgm:param type="begPts" val="midL"/>
-                      <dgm:param type="endPts" val="midR"/>
-                      <dgm:param type="dstNode" val="nodeFirstNode"/>
-                    </dgm:alg>
-                  </dgm:else>
-                </dgm:choose>
-                <dgm:shape xmlns:r="http://schemas.openxmlformats.org/officeDocument/2006/relationships" type="conn" r:blip="" zOrderOff="-2">
-                  <dgm:adjLst/>
-                </dgm:shape>
-                <dgm:presOf axis="self"/>
-                <dgm:choose name="Name16">
-                  <dgm:if name="Name17" axis="par ch" ptType="doc node" func="cnt" op="equ" val="3">
-                    <dgm:constrLst>
-                      <dgm:constr type="userA"/>
-                      <dgm:constr type="diam" refType="userA" fact="1.01"/>
-                      <dgm:constr type="begPad" refType="connDist" fact="-0.2"/>
-                      <dgm:constr type="endPad" refType="connDist" fact="0.05"/>
-                    </dgm:constrLst>
-                  </dgm:if>
-                  <dgm:if name="Name18" axis="par ch" ptType="doc node" func="cnt" op="equ" val="4">
-                    <dgm:constrLst>
-                      <dgm:constr type="userA"/>
-                      <dgm:constr type="diam" refType="userA" fact="1.26"/>
-                      <dgm:constr type="begPad" refType="connDist" fact="-0.2"/>
-                      <dgm:constr type="endPad" refType="connDist" fact="0.05"/>
-                    </dgm:constrLst>
-                  </dgm:if>
-                  <dgm:if name="Name19" axis="par ch" ptType="doc node" func="cnt" op="equ" val="5">
-                    <dgm:constrLst>
-                      <dgm:constr type="userA"/>
-                      <dgm:constr type="diam" refType="userA" fact="1.04"/>
-                      <dgm:constr type="begPad" refType="connDist" fact="-0.2"/>
-                      <dgm:constr type="endPad" refType="connDist" fact="0.05"/>
-                    </dgm:constrLst>
-                  </dgm:if>
-                  <dgm:if name="Name20" axis="par ch" ptType="doc node" func="cnt" op="equ" val="6">
-                    <dgm:constrLst>
-                      <dgm:constr type="userA"/>
-                      <dgm:constr type="diam" refType="userA" fact="1.1"/>
-                      <dgm:constr type="begPad" refType="connDist" fact="-0.2"/>
-                      <dgm:constr type="endPad" refType="connDist" fact="0.05"/>
-                    </dgm:constrLst>
-                  </dgm:if>
-                  <dgm:else name="Name21">
-                    <dgm:constrLst>
-                      <dgm:constr type="userA"/>
-                      <dgm:constr type="diam" refType="userA" fact="1.04"/>
-                      <dgm:constr type="begPad" refType="connDist" fact="-0.2"/>
-                      <dgm:constr type="endPad" refType="connDist" fact="0.05"/>
-                    </dgm:constrLst>
-                  </dgm:else>
-                </dgm:choose>
-                <dgm:ruleLst/>
-              </dgm:layoutNode>
-            </dgm:forEach>
-          </dgm:forEach>
-          <dgm:forEach name="followingNodesForEach" axis="ch" ptType="node" st="2">
-            <dgm:layoutNode name="nodeFollowingNodes">
-              <dgm:varLst>
-                <dgm:bulletEnabled val="1"/>
-              </dgm:varLst>
-              <dgm:alg type="tx"/>
-              <dgm:shape xmlns:r="http://schemas.openxmlformats.org/officeDocument/2006/relationships" type="roundRect" r:blip="">
-                <dgm:adjLst/>
-              </dgm:shape>
-              <dgm:presOf axis="desOrSelf" ptType="node"/>
-              <dgm:constrLst>
-                <dgm:constr type="h" refType="w" fact="0.5"/>
-                <dgm:constr type="primFontSz" val="65"/>
-                <dgm:constr type="tMarg" refType="primFontSz" fact="0.3"/>
-                <dgm:constr type="bMarg" refType="primFontSz" fact="0.3"/>
-                <dgm:constr type="lMarg" refType="primFontSz" fact="0.3"/>
-                <dgm:constr type="rMarg" refType="primFontSz" fact="0.3"/>
-              </dgm:constrLst>
-              <dgm:ruleLst>
-                <dgm:rule type="primFontSz" val="5" fact="NaN" max="NaN"/>
-              </dgm:ruleLst>
+              <dgm:ruleLst/>
             </dgm:layoutNode>
           </dgm:forEach>
-        </dgm:layoutNode>
-      </dgm:else>
-    </dgm:choose>
+        </dgm:if>
+        <dgm:else name="Name12"/>
+      </dgm:choose>
+    </dgm:forEach>
   </dgm:layoutNode>
 </dgm:layoutDef>
 </file>
@@ -10894,7 +11093,7 @@
           <a:p>
             <a:fld id="{18A6AB54-A72B-4A3E-A547-754E3AA73307}" type="datetimeFigureOut">
               <a:rPr lang="en-US" smtClean="0"/>
-              <a:t>16/06/2012</a:t>
+              <a:t>17/06/2012</a:t>
             </a:fld>
             <a:endParaRPr lang="en-US"/>
           </a:p>
@@ -14048,7 +14247,7 @@
             <a:fld id="{1D8BD707-D9CF-40AE-B4C6-C98DA3205C09}" type="datetimeFigureOut">
               <a:rPr lang="en-US" smtClean="0"/>
               <a:pPr/>
-              <a:t>16/06/2012</a:t>
+              <a:t>17/06/2012</a:t>
             </a:fld>
             <a:endParaRPr lang="en-US"/>
           </a:p>
@@ -14563,7 +14762,7 @@
             <a:fld id="{1D8BD707-D9CF-40AE-B4C6-C98DA3205C09}" type="datetimeFigureOut">
               <a:rPr lang="en-US" smtClean="0"/>
               <a:pPr/>
-              <a:t>16/06/2012</a:t>
+              <a:t>17/06/2012</a:t>
             </a:fld>
             <a:endParaRPr lang="en-US"/>
           </a:p>
@@ -14740,7 +14939,7 @@
             <a:fld id="{1D8BD707-D9CF-40AE-B4C6-C98DA3205C09}" type="datetimeFigureOut">
               <a:rPr lang="en-US" smtClean="0"/>
               <a:pPr/>
-              <a:t>16/06/2012</a:t>
+              <a:t>17/06/2012</a:t>
             </a:fld>
             <a:endParaRPr lang="en-US"/>
           </a:p>
@@ -14907,7 +15106,7 @@
             <a:fld id="{1D8BD707-D9CF-40AE-B4C6-C98DA3205C09}" type="datetimeFigureOut">
               <a:rPr lang="en-US" smtClean="0"/>
               <a:pPr/>
-              <a:t>16/06/2012</a:t>
+              <a:t>17/06/2012</a:t>
             </a:fld>
             <a:endParaRPr lang="en-US"/>
           </a:p>
@@ -18033,7 +18232,7 @@
             <a:fld id="{1D8BD707-D9CF-40AE-B4C6-C98DA3205C09}" type="datetimeFigureOut">
               <a:rPr lang="en-US" smtClean="0"/>
               <a:pPr/>
-              <a:t>16/06/2012</a:t>
+              <a:t>17/06/2012</a:t>
             </a:fld>
             <a:endParaRPr lang="en-US"/>
           </a:p>
@@ -18318,7 +18517,7 @@
             <a:fld id="{1D8BD707-D9CF-40AE-B4C6-C98DA3205C09}" type="datetimeFigureOut">
               <a:rPr lang="en-US" smtClean="0"/>
               <a:pPr/>
-              <a:t>16/06/2012</a:t>
+              <a:t>17/06/2012</a:t>
             </a:fld>
             <a:endParaRPr lang="en-US"/>
           </a:p>
@@ -18737,7 +18936,7 @@
             <a:fld id="{1D8BD707-D9CF-40AE-B4C6-C98DA3205C09}" type="datetimeFigureOut">
               <a:rPr lang="en-US" smtClean="0"/>
               <a:pPr/>
-              <a:t>16/06/2012</a:t>
+              <a:t>17/06/2012</a:t>
             </a:fld>
             <a:endParaRPr lang="en-US"/>
           </a:p>
@@ -18852,7 +19051,7 @@
             <a:fld id="{1D8BD707-D9CF-40AE-B4C6-C98DA3205C09}" type="datetimeFigureOut">
               <a:rPr lang="en-US" smtClean="0"/>
               <a:pPr/>
-              <a:t>16/06/2012</a:t>
+              <a:t>17/06/2012</a:t>
             </a:fld>
             <a:endParaRPr lang="en-US"/>
           </a:p>
@@ -18944,7 +19143,7 @@
             <a:fld id="{1D8BD707-D9CF-40AE-B4C6-C98DA3205C09}" type="datetimeFigureOut">
               <a:rPr lang="en-US" smtClean="0"/>
               <a:pPr/>
-              <a:t>16/06/2012</a:t>
+              <a:t>17/06/2012</a:t>
             </a:fld>
             <a:endParaRPr lang="en-US"/>
           </a:p>
@@ -19121,7 +19320,7 @@
             <a:fld id="{1D8BD707-D9CF-40AE-B4C6-C98DA3205C09}" type="datetimeFigureOut">
               <a:rPr lang="en-US" smtClean="0"/>
               <a:pPr/>
-              <a:t>16/06/2012</a:t>
+              <a:t>17/06/2012</a:t>
             </a:fld>
             <a:endParaRPr lang="en-US"/>
           </a:p>
@@ -19609,7 +19808,7 @@
             <a:fld id="{1D8BD707-D9CF-40AE-B4C6-C98DA3205C09}" type="datetimeFigureOut">
               <a:rPr lang="en-US" smtClean="0"/>
               <a:pPr/>
-              <a:t>16/06/2012</a:t>
+              <a:t>17/06/2012</a:t>
             </a:fld>
             <a:endParaRPr lang="en-US"/>
           </a:p>
@@ -20163,7 +20362,7 @@
             <a:fld id="{1D8BD707-D9CF-40AE-B4C6-C98DA3205C09}" type="datetimeFigureOut">
               <a:rPr lang="en-US" smtClean="0"/>
               <a:pPr/>
-              <a:t>16/06/2012</a:t>
+              <a:t>17/06/2012</a:t>
             </a:fld>
             <a:endParaRPr lang="en-US"/>
           </a:p>
@@ -21128,11 +21327,7 @@
             </a:r>
             <a:r>
               <a:rPr lang="en-US" sz="1400" dirty="0" smtClean="0"/>
-              <a:t> is inside of </a:t>
-            </a:r>
-            <a:r>
-              <a:rPr lang="en-US" sz="1400" dirty="0" smtClean="0"/>
-              <a:t>this </a:t>
+              <a:t> is inside of this </a:t>
             </a:r>
             <a:r>
               <a:rPr lang="en-US" sz="1400" b="1" dirty="0" smtClean="0">
@@ -24498,13 +24693,8 @@
           <a:p>
             <a:r>
               <a:rPr lang="en-US" b="1" u="sng" dirty="0" smtClean="0"/>
-              <a:t>Algorithm’s </a:t>
+              <a:t>Algorithm’s input</a:t>
             </a:r>
-            <a:r>
-              <a:rPr lang="en-US" b="1" u="sng" dirty="0" smtClean="0"/>
-              <a:t>input</a:t>
-            </a:r>
-            <a:endParaRPr lang="en-US" b="1" u="sng" dirty="0" smtClean="0"/>
           </a:p>
           <a:p>
             <a:pPr lvl="1"/>
@@ -24531,13 +24721,8 @@
           <a:p>
             <a:r>
               <a:rPr lang="en-US" b="1" u="sng" dirty="0" smtClean="0"/>
-              <a:t>Algorithm’s </a:t>
+              <a:t>Algorithm’s output</a:t>
             </a:r>
-            <a:r>
-              <a:rPr lang="en-US" b="1" u="sng" dirty="0" smtClean="0"/>
-              <a:t>output</a:t>
-            </a:r>
-            <a:endParaRPr lang="en-US" b="1" u="sng" dirty="0" smtClean="0"/>
           </a:p>
           <a:p>
             <a:pPr lvl="1"/>
@@ -28050,14 +28235,14 @@
             <p:ph idx="1"/>
             <p:extLst>
               <p:ext uri="{D42A27DB-BD31-4B8C-83A1-F6EECF244321}">
-                <p14:modId xmlns:p14="http://schemas.microsoft.com/office/powerpoint/2010/main" val="1677379271"/>
+                <p14:modId xmlns:p14="http://schemas.microsoft.com/office/powerpoint/2010/main" val="3207511787"/>
               </p:ext>
             </p:extLst>
           </p:nvPr>
         </p:nvGraphicFramePr>
         <p:xfrm>
-          <a:off x="4038600" y="3200400"/>
-          <a:ext cx="4800600" cy="3382963"/>
+          <a:off x="3048000" y="2743201"/>
+          <a:ext cx="4876800" cy="3352800"/>
         </p:xfrm>
         <a:graphic>
           <a:graphicData uri="http://schemas.openxmlformats.org/drawingml/2006/diagram">
@@ -28072,14 +28257,14 @@
           <p:nvPr>
             <p:extLst>
               <p:ext uri="{D42A27DB-BD31-4B8C-83A1-F6EECF244321}">
-                <p14:modId xmlns:p14="http://schemas.microsoft.com/office/powerpoint/2010/main" val="1119550053"/>
+                <p14:modId xmlns:p14="http://schemas.microsoft.com/office/powerpoint/2010/main" val="2716112668"/>
               </p:ext>
             </p:extLst>
           </p:nvPr>
         </p:nvGraphicFramePr>
         <p:xfrm>
           <a:off x="381000" y="1524000"/>
-          <a:ext cx="4419600" cy="2209800"/>
+          <a:ext cx="4057650" cy="1905000"/>
         </p:xfrm>
         <a:graphic>
           <a:graphicData uri="http://schemas.openxmlformats.org/drawingml/2006/diagram">
@@ -28087,6 +28272,210 @@
           </a:graphicData>
         </a:graphic>
       </p:graphicFrame>
+      <p:sp>
+        <p:nvSpPr>
+          <p:cNvPr id="6" name="Bent Arrow 5"/>
+          <p:cNvSpPr/>
+          <p:nvPr/>
+        </p:nvSpPr>
+        <p:spPr>
+          <a:xfrm rot="5400000">
+            <a:off x="4505325" y="1571625"/>
+            <a:ext cx="685800" cy="1657350"/>
+          </a:xfrm>
+          <a:prstGeom prst="bentArrow">
+            <a:avLst/>
+          </a:prstGeom>
+        </p:spPr>
+        <p:style>
+          <a:lnRef idx="2">
+            <a:schemeClr val="accent1">
+              <a:shade val="50000"/>
+            </a:schemeClr>
+          </a:lnRef>
+          <a:fillRef idx="1">
+            <a:schemeClr val="accent1"/>
+          </a:fillRef>
+          <a:effectRef idx="0">
+            <a:schemeClr val="accent1"/>
+          </a:effectRef>
+          <a:fontRef idx="minor">
+            <a:schemeClr val="lt1"/>
+          </a:fontRef>
+        </p:style>
+        <p:txBody>
+          <a:bodyPr rtlCol="0" anchor="ctr"/>
+          <a:lstStyle/>
+          <a:p>
+            <a:pPr algn="ctr"/>
+            <a:endParaRPr lang="en-US">
+              <a:solidFill>
+                <a:schemeClr val="tx1"/>
+              </a:solidFill>
+            </a:endParaRPr>
+          </a:p>
+        </p:txBody>
+      </p:sp>
+      <p:sp>
+        <p:nvSpPr>
+          <p:cNvPr id="8" name="Rounded Rectangle 7"/>
+          <p:cNvSpPr/>
+          <p:nvPr/>
+        </p:nvSpPr>
+        <p:spPr>
+          <a:xfrm>
+            <a:off x="6858000" y="5867400"/>
+            <a:ext cx="1790700" cy="685800"/>
+          </a:xfrm>
+          <a:prstGeom prst="roundRect">
+            <a:avLst/>
+          </a:prstGeom>
+          <a:ln>
+            <a:noFill/>
+          </a:ln>
+          <a:effectLst>
+            <a:glow rad="228600">
+              <a:schemeClr val="accent2">
+                <a:satMod val="175000"/>
+                <a:alpha val="40000"/>
+              </a:schemeClr>
+            </a:glow>
+            <a:outerShdw blurRad="44450" dist="27940" dir="5400000" algn="ctr">
+              <a:srgbClr val="000000">
+                <a:alpha val="32000"/>
+              </a:srgbClr>
+            </a:outerShdw>
+          </a:effectLst>
+          <a:scene3d>
+            <a:camera prst="orthographicFront">
+              <a:rot lat="0" lon="0" rev="0"/>
+            </a:camera>
+            <a:lightRig rig="balanced" dir="t">
+              <a:rot lat="0" lon="0" rev="8700000"/>
+            </a:lightRig>
+          </a:scene3d>
+          <a:sp3d>
+            <a:bevelT w="190500" h="38100"/>
+          </a:sp3d>
+        </p:spPr>
+        <p:style>
+          <a:lnRef idx="2">
+            <a:schemeClr val="accent1">
+              <a:shade val="50000"/>
+            </a:schemeClr>
+          </a:lnRef>
+          <a:fillRef idx="1">
+            <a:schemeClr val="accent1"/>
+          </a:fillRef>
+          <a:effectRef idx="0">
+            <a:schemeClr val="accent1"/>
+          </a:effectRef>
+          <a:fontRef idx="minor">
+            <a:schemeClr val="lt1"/>
+          </a:fontRef>
+        </p:style>
+        <p:txBody>
+          <a:bodyPr rtlCol="0" anchor="ctr"/>
+          <a:lstStyle/>
+          <a:p>
+            <a:pPr algn="ctr"/>
+            <a:r>
+              <a:rPr lang="en-US" sz="2400" b="1" dirty="0" smtClean="0">
+                <a:ln w="31550" cmpd="sng">
+                  <a:solidFill>
+                    <a:schemeClr val="accent5">
+                      <a:lumMod val="60000"/>
+                      <a:lumOff val="40000"/>
+                    </a:schemeClr>
+                  </a:solidFill>
+                  <a:prstDash val="solid"/>
+                </a:ln>
+                <a:solidFill>
+                  <a:srgbClr val="FFFFFF"/>
+                </a:solidFill>
+                <a:effectLst>
+                  <a:outerShdw blurRad="41275" dist="12700" dir="12000000" algn="tl" rotWithShape="0">
+                    <a:srgbClr val="000000">
+                      <a:alpha val="40000"/>
+                    </a:srgbClr>
+                  </a:outerShdw>
+                </a:effectLst>
+              </a:rPr>
+              <a:t>C D T </a:t>
+            </a:r>
+            <a:endParaRPr lang="en-US" sz="2400" b="1" dirty="0">
+              <a:ln w="31550" cmpd="sng">
+                <a:solidFill>
+                  <a:schemeClr val="accent5">
+                    <a:lumMod val="60000"/>
+                    <a:lumOff val="40000"/>
+                  </a:schemeClr>
+                </a:solidFill>
+                <a:prstDash val="solid"/>
+              </a:ln>
+              <a:solidFill>
+                <a:srgbClr val="FFFFFF"/>
+              </a:solidFill>
+              <a:effectLst>
+                <a:outerShdw blurRad="41275" dist="12700" dir="12000000" algn="tl" rotWithShape="0">
+                  <a:srgbClr val="000000">
+                    <a:alpha val="40000"/>
+                  </a:srgbClr>
+                </a:outerShdw>
+              </a:effectLst>
+            </a:endParaRPr>
+          </a:p>
+        </p:txBody>
+      </p:sp>
+      <p:sp>
+        <p:nvSpPr>
+          <p:cNvPr id="11" name="Bent Arrow 10"/>
+          <p:cNvSpPr/>
+          <p:nvPr/>
+        </p:nvSpPr>
+        <p:spPr>
+          <a:xfrm flipV="1">
+            <a:off x="5372100" y="5943600"/>
+            <a:ext cx="1257300" cy="381000"/>
+          </a:xfrm>
+          <a:prstGeom prst="bentArrow">
+            <a:avLst>
+              <a:gd name="adj1" fmla="val 27941"/>
+              <a:gd name="adj2" fmla="val 25000"/>
+              <a:gd name="adj3" fmla="val 25000"/>
+              <a:gd name="adj4" fmla="val 43750"/>
+            </a:avLst>
+          </a:prstGeom>
+        </p:spPr>
+        <p:style>
+          <a:lnRef idx="2">
+            <a:schemeClr val="accent1">
+              <a:shade val="50000"/>
+            </a:schemeClr>
+          </a:lnRef>
+          <a:fillRef idx="1">
+            <a:schemeClr val="accent1"/>
+          </a:fillRef>
+          <a:effectRef idx="0">
+            <a:schemeClr val="accent1"/>
+          </a:effectRef>
+          <a:fontRef idx="minor">
+            <a:schemeClr val="lt1"/>
+          </a:fontRef>
+        </p:style>
+        <p:txBody>
+          <a:bodyPr rtlCol="0" anchor="ctr"/>
+          <a:lstStyle/>
+          <a:p>
+            <a:pPr algn="ctr"/>
+            <a:endParaRPr lang="en-US">
+              <a:solidFill>
+                <a:schemeClr val="tx1"/>
+              </a:solidFill>
+            </a:endParaRPr>
+          </a:p>
+        </p:txBody>
+      </p:sp>
     </p:spTree>
     <p:extLst>
       <p:ext uri="{BB962C8B-B14F-4D97-AF65-F5344CB8AC3E}">
@@ -28100,9 +28489,298 @@
   <p:timing>
     <p:tnLst>
       <p:par>
-        <p:cTn id="1" dur="indefinite" restart="never" nodeType="tmRoot"/>
+        <p:cTn id="1" dur="indefinite" restart="never" nodeType="tmRoot">
+          <p:childTnLst>
+            <p:seq concurrent="1" nextAc="seek">
+              <p:cTn id="2" dur="indefinite" nodeType="mainSeq">
+                <p:childTnLst>
+                  <p:par>
+                    <p:cTn id="3" fill="hold">
+                      <p:stCondLst>
+                        <p:cond delay="indefinite"/>
+                        <p:cond evt="onBegin" delay="0">
+                          <p:tn val="2"/>
+                        </p:cond>
+                      </p:stCondLst>
+                      <p:childTnLst>
+                        <p:par>
+                          <p:cTn id="4" fill="hold">
+                            <p:stCondLst>
+                              <p:cond delay="0"/>
+                            </p:stCondLst>
+                            <p:childTnLst>
+                              <p:par>
+                                <p:cTn id="5" presetID="12" presetClass="entr" presetSubtype="8" fill="hold" grpId="0" nodeType="withEffect">
+                                  <p:stCondLst>
+                                    <p:cond delay="0"/>
+                                  </p:stCondLst>
+                                  <p:childTnLst>
+                                    <p:set>
+                                      <p:cBhvr>
+                                        <p:cTn id="6" dur="1" fill="hold">
+                                          <p:stCondLst>
+                                            <p:cond delay="0"/>
+                                          </p:stCondLst>
+                                        </p:cTn>
+                                        <p:tgtEl>
+                                          <p:spTgt spid="5"/>
+                                        </p:tgtEl>
+                                        <p:attrNameLst>
+                                          <p:attrName>style.visibility</p:attrName>
+                                        </p:attrNameLst>
+                                      </p:cBhvr>
+                                      <p:to>
+                                        <p:strVal val="visible"/>
+                                      </p:to>
+                                    </p:set>
+                                    <p:anim calcmode="lin" valueType="num">
+                                      <p:cBhvr additive="base">
+                                        <p:cTn id="7" dur="2000"/>
+                                        <p:tgtEl>
+                                          <p:spTgt spid="5"/>
+                                        </p:tgtEl>
+                                        <p:attrNameLst>
+                                          <p:attrName>ppt_x</p:attrName>
+                                        </p:attrNameLst>
+                                      </p:cBhvr>
+                                      <p:tavLst>
+                                        <p:tav tm="0">
+                                          <p:val>
+                                            <p:strVal val="#ppt_x-#ppt_w*1.125000"/>
+                                          </p:val>
+                                        </p:tav>
+                                        <p:tav tm="100000">
+                                          <p:val>
+                                            <p:strVal val="#ppt_x"/>
+                                          </p:val>
+                                        </p:tav>
+                                      </p:tavLst>
+                                    </p:anim>
+                                    <p:animEffect transition="in" filter="wipe(right)">
+                                      <p:cBhvr>
+                                        <p:cTn id="8" dur="2000"/>
+                                        <p:tgtEl>
+                                          <p:spTgt spid="5"/>
+                                        </p:tgtEl>
+                                      </p:cBhvr>
+                                    </p:animEffect>
+                                  </p:childTnLst>
+                                </p:cTn>
+                              </p:par>
+                            </p:childTnLst>
+                          </p:cTn>
+                        </p:par>
+                        <p:par>
+                          <p:cTn id="9" fill="hold">
+                            <p:stCondLst>
+                              <p:cond delay="2000"/>
+                            </p:stCondLst>
+                            <p:childTnLst>
+                              <p:par>
+                                <p:cTn id="10" presetID="10" presetClass="entr" presetSubtype="0" fill="hold" grpId="0" nodeType="afterEffect">
+                                  <p:stCondLst>
+                                    <p:cond delay="0"/>
+                                  </p:stCondLst>
+                                  <p:childTnLst>
+                                    <p:set>
+                                      <p:cBhvr>
+                                        <p:cTn id="11" dur="1" fill="hold">
+                                          <p:stCondLst>
+                                            <p:cond delay="0"/>
+                                          </p:stCondLst>
+                                        </p:cTn>
+                                        <p:tgtEl>
+                                          <p:spTgt spid="6"/>
+                                        </p:tgtEl>
+                                        <p:attrNameLst>
+                                          <p:attrName>style.visibility</p:attrName>
+                                        </p:attrNameLst>
+                                      </p:cBhvr>
+                                      <p:to>
+                                        <p:strVal val="visible"/>
+                                      </p:to>
+                                    </p:set>
+                                    <p:animEffect transition="in" filter="fade">
+                                      <p:cBhvr>
+                                        <p:cTn id="12" dur="1000"/>
+                                        <p:tgtEl>
+                                          <p:spTgt spid="6"/>
+                                        </p:tgtEl>
+                                      </p:cBhvr>
+                                    </p:animEffect>
+                                  </p:childTnLst>
+                                </p:cTn>
+                              </p:par>
+                            </p:childTnLst>
+                          </p:cTn>
+                        </p:par>
+                        <p:par>
+                          <p:cTn id="13" fill="hold">
+                            <p:stCondLst>
+                              <p:cond delay="3000"/>
+                            </p:stCondLst>
+                            <p:childTnLst>
+                              <p:par>
+                                <p:cTn id="14" presetID="21" presetClass="entr" presetSubtype="1" fill="hold" grpId="0" nodeType="afterEffect">
+                                  <p:stCondLst>
+                                    <p:cond delay="0"/>
+                                  </p:stCondLst>
+                                  <p:childTnLst>
+                                    <p:set>
+                                      <p:cBhvr>
+                                        <p:cTn id="15" dur="1" fill="hold">
+                                          <p:stCondLst>
+                                            <p:cond delay="0"/>
+                                          </p:stCondLst>
+                                        </p:cTn>
+                                        <p:tgtEl>
+                                          <p:spTgt spid="4"/>
+                                        </p:tgtEl>
+                                        <p:attrNameLst>
+                                          <p:attrName>style.visibility</p:attrName>
+                                        </p:attrNameLst>
+                                      </p:cBhvr>
+                                      <p:to>
+                                        <p:strVal val="visible"/>
+                                      </p:to>
+                                    </p:set>
+                                    <p:animEffect transition="in" filter="wheel(1)">
+                                      <p:cBhvr>
+                                        <p:cTn id="16" dur="5000"/>
+                                        <p:tgtEl>
+                                          <p:spTgt spid="4"/>
+                                        </p:tgtEl>
+                                      </p:cBhvr>
+                                    </p:animEffect>
+                                  </p:childTnLst>
+                                </p:cTn>
+                              </p:par>
+                            </p:childTnLst>
+                          </p:cTn>
+                        </p:par>
+                        <p:par>
+                          <p:cTn id="17" fill="hold">
+                            <p:stCondLst>
+                              <p:cond delay="8000"/>
+                            </p:stCondLst>
+                            <p:childTnLst>
+                              <p:par>
+                                <p:cTn id="18" presetID="10" presetClass="entr" presetSubtype="0" fill="hold" grpId="0" nodeType="afterEffect">
+                                  <p:stCondLst>
+                                    <p:cond delay="0"/>
+                                  </p:stCondLst>
+                                  <p:childTnLst>
+                                    <p:set>
+                                      <p:cBhvr>
+                                        <p:cTn id="19" dur="1" fill="hold">
+                                          <p:stCondLst>
+                                            <p:cond delay="0"/>
+                                          </p:stCondLst>
+                                        </p:cTn>
+                                        <p:tgtEl>
+                                          <p:spTgt spid="11"/>
+                                        </p:tgtEl>
+                                        <p:attrNameLst>
+                                          <p:attrName>style.visibility</p:attrName>
+                                        </p:attrNameLst>
+                                      </p:cBhvr>
+                                      <p:to>
+                                        <p:strVal val="visible"/>
+                                      </p:to>
+                                    </p:set>
+                                    <p:animEffect transition="in" filter="fade">
+                                      <p:cBhvr>
+                                        <p:cTn id="20" dur="1000"/>
+                                        <p:tgtEl>
+                                          <p:spTgt spid="11"/>
+                                        </p:tgtEl>
+                                      </p:cBhvr>
+                                    </p:animEffect>
+                                  </p:childTnLst>
+                                </p:cTn>
+                              </p:par>
+                            </p:childTnLst>
+                          </p:cTn>
+                        </p:par>
+                        <p:par>
+                          <p:cTn id="21" fill="hold">
+                            <p:stCondLst>
+                              <p:cond delay="9000"/>
+                            </p:stCondLst>
+                            <p:childTnLst>
+                              <p:par>
+                                <p:cTn id="22" presetID="10" presetClass="entr" presetSubtype="0" fill="hold" grpId="1" nodeType="afterEffect">
+                                  <p:stCondLst>
+                                    <p:cond delay="0"/>
+                                  </p:stCondLst>
+                                  <p:childTnLst>
+                                    <p:set>
+                                      <p:cBhvr>
+                                        <p:cTn id="23" dur="1" fill="hold">
+                                          <p:stCondLst>
+                                            <p:cond delay="0"/>
+                                          </p:stCondLst>
+                                        </p:cTn>
+                                        <p:tgtEl>
+                                          <p:spTgt spid="8"/>
+                                        </p:tgtEl>
+                                        <p:attrNameLst>
+                                          <p:attrName>style.visibility</p:attrName>
+                                        </p:attrNameLst>
+                                      </p:cBhvr>
+                                      <p:to>
+                                        <p:strVal val="visible"/>
+                                      </p:to>
+                                    </p:set>
+                                    <p:animEffect transition="in" filter="fade">
+                                      <p:cBhvr>
+                                        <p:cTn id="24" dur="3000"/>
+                                        <p:tgtEl>
+                                          <p:spTgt spid="8"/>
+                                        </p:tgtEl>
+                                      </p:cBhvr>
+                                    </p:animEffect>
+                                  </p:childTnLst>
+                                </p:cTn>
+                              </p:par>
+                            </p:childTnLst>
+                          </p:cTn>
+                        </p:par>
+                      </p:childTnLst>
+                    </p:cTn>
+                  </p:par>
+                </p:childTnLst>
+              </p:cTn>
+              <p:prevCondLst>
+                <p:cond evt="onPrev" delay="0">
+                  <p:tgtEl>
+                    <p:sldTgt/>
+                  </p:tgtEl>
+                </p:cond>
+              </p:prevCondLst>
+              <p:nextCondLst>
+                <p:cond evt="onNext" delay="0">
+                  <p:tgtEl>
+                    <p:sldTgt/>
+                  </p:tgtEl>
+                </p:cond>
+              </p:nextCondLst>
+            </p:seq>
+          </p:childTnLst>
+        </p:cTn>
       </p:par>
     </p:tnLst>
+    <p:bldLst>
+      <p:bldGraphic spid="4" grpId="0">
+        <p:bldAsOne/>
+      </p:bldGraphic>
+      <p:bldGraphic spid="5" grpId="0">
+        <p:bldAsOne/>
+      </p:bldGraphic>
+      <p:bldP spid="6" grpId="0" animBg="1"/>
+      <p:bldP spid="8" grpId="1" animBg="1"/>
+      <p:bldP spid="11" grpId="0" animBg="1"/>
+    </p:bldLst>
   </p:timing>
 </p:sld>
 </file>
@@ -28160,7 +28838,7 @@
         <p:spPr/>
         <p:txBody>
           <a:bodyPr>
-            <a:normAutofit fontScale="92500" lnSpcReduction="10000"/>
+            <a:normAutofit fontScale="92500" lnSpcReduction="20000"/>
           </a:bodyPr>
           <a:lstStyle/>
           <a:p>
@@ -28235,24 +28913,28 @@
           <a:p>
             <a:pPr lvl="1"/>
             <a:r>
-              <a:rPr lang="en-US" dirty="0"/>
-              <a:t>Fortune </a:t>
+              <a:rPr lang="en-US" dirty="0" err="1" smtClean="0"/>
+              <a:t>Shewchuk</a:t>
+            </a:r>
+            <a:r>
+              <a:rPr lang="en-US" dirty="0" smtClean="0"/>
+              <a:t> </a:t>
             </a:r>
             <a:r>
               <a:rPr lang="en-US" dirty="0"/>
-              <a:t>- </a:t>
+              <a:t>- constructing higher-dimensional CDT </a:t>
             </a:r>
             <a:r>
               <a:rPr lang="en-US" dirty="0">
                 <a:hlinkClick r:id="rId4"/>
               </a:rPr>
-              <a:t>http://ect.bell-labs.com/who/sjf</a:t>
+              <a:t>http://www.cs.berkeley.edu/~</a:t>
             </a:r>
             <a:r>
               <a:rPr lang="en-US" dirty="0" smtClean="0">
                 <a:hlinkClick r:id="rId4"/>
               </a:rPr>
-              <a:t>/</a:t>
+              <a:t>jrs/papers/cdtj1.pdf</a:t>
             </a:r>
             <a:r>
               <a:rPr lang="en-US" dirty="0" smtClean="0"/>
@@ -28263,31 +28945,17 @@
           <a:p>
             <a:pPr lvl="1"/>
             <a:r>
-              <a:rPr lang="en-US" dirty="0" err="1"/>
-              <a:t>Shewchuk</a:t>
-            </a:r>
-            <a:r>
               <a:rPr lang="en-US" dirty="0"/>
-              <a:t> - constructing higher-dimensional </a:t>
-            </a:r>
-            <a:r>
-              <a:rPr lang="en-US" dirty="0"/>
-              <a:t>CDT </a:t>
+              <a:t>Fortune - </a:t>
             </a:r>
             <a:r>
               <a:rPr lang="en-US" dirty="0">
                 <a:hlinkClick r:id="rId5"/>
               </a:rPr>
-              <a:t>http://www.cs.berkeley.edu/~</a:t>
+              <a:t>http://ect.bell-labs.com/who/sjf/</a:t>
             </a:r>
             <a:r>
-              <a:rPr lang="en-US" dirty="0" smtClean="0">
-                <a:hlinkClick r:id="rId5"/>
-              </a:rPr>
-              <a:t>jrs/papers/cdtj1.pdf</a:t>
-            </a:r>
-            <a:r>
-              <a:rPr lang="en-US" dirty="0" smtClean="0"/>
+              <a:rPr lang="en-US" dirty="0"/>
               <a:t> </a:t>
             </a:r>
             <a:endParaRPr lang="en-US" dirty="0" smtClean="0"/>
@@ -28306,50 +28974,70 @@
           <a:p>
             <a:pPr lvl="1"/>
             <a:r>
-              <a:rPr lang="en-US" dirty="0" err="1"/>
-              <a:t>Guibas</a:t>
+              <a:rPr lang="en-US" dirty="0" smtClean="0"/>
+              <a:t>Marc </a:t>
             </a:r>
             <a:r>
               <a:rPr lang="en-US" dirty="0"/>
-              <a:t>, Knuth and </a:t>
+              <a:t>Vigo </a:t>
             </a:r>
             <a:r>
-              <a:rPr lang="en-US" dirty="0" err="1"/>
-              <a:t>Sharir</a:t>
+              <a:rPr lang="en-US" dirty="0" err="1" smtClean="0"/>
+              <a:t>Anglada</a:t>
             </a:r>
             <a:r>
               <a:rPr lang="en-US" dirty="0"/>
               <a:t> </a:t>
             </a:r>
-          </a:p>
-          <a:p>
-            <a:pPr lvl="1"/>
             <a:r>
-              <a:rPr lang="en-US" dirty="0" err="1" smtClean="0"/>
-              <a:t>Žalik</a:t>
+              <a:rPr lang="en-US" dirty="0" smtClean="0"/>
+              <a:t>- </a:t>
+            </a:r>
+            <a:r>
+              <a:rPr lang="en-US" dirty="0"/>
+              <a:t>An improved incremental algorithm </a:t>
+            </a:r>
+            <a:r>
+              <a:rPr lang="en-US" dirty="0" smtClean="0"/>
+              <a:t>for constructing </a:t>
+            </a:r>
+            <a:r>
+              <a:rPr lang="en-US" dirty="0"/>
+              <a:t>restricted </a:t>
+            </a:r>
+            <a:r>
+              <a:rPr lang="en-US" dirty="0" smtClean="0"/>
+              <a:t>Delaunay </a:t>
+            </a:r>
+            <a:r>
+              <a:rPr lang="en-US" sz="2000" dirty="0" smtClean="0"/>
+              <a:t>Triangulations -</a:t>
             </a:r>
             <a:r>
               <a:rPr lang="en-US" dirty="0" smtClean="0"/>
               <a:t> </a:t>
             </a:r>
             <a:r>
-              <a:rPr lang="en-US" dirty="0"/>
-              <a:t>and </a:t>
+              <a:rPr lang="en-US" b="1" dirty="0" smtClean="0">
+                <a:hlinkClick r:id="rId6"/>
+              </a:rPr>
+              <a:t>http</a:t>
             </a:r>
             <a:r>
-              <a:rPr lang="en-US" dirty="0" err="1"/>
-              <a:t>Kolingerova</a:t>
+              <a:rPr lang="en-US" b="1" dirty="0">
+                <a:hlinkClick r:id="rId6"/>
+              </a:rPr>
+              <a:t>://</a:t>
             </a:r>
             <a:r>
-              <a:rPr lang="en-US" dirty="0"/>
+              <a:rPr lang="en-US" b="1" dirty="0" smtClean="0">
+                <a:hlinkClick r:id="rId6"/>
+              </a:rPr>
+              <a:t>citeseerx.ist.psu.edu/viewdoc/download?doi=10.1.1.61.3862&amp;rep=rep1&amp;type=pdf</a:t>
+            </a:r>
+            <a:r>
+              <a:rPr lang="en-US" b="1" dirty="0" smtClean="0"/>
               <a:t> </a:t>
-            </a:r>
-          </a:p>
-          <a:p>
-            <a:pPr lvl="1"/>
-            <a:r>
-              <a:rPr lang="en-US" dirty="0" smtClean="0"/>
-              <a:t>Vigo</a:t>
             </a:r>
             <a:endParaRPr lang="en-US" b="1" dirty="0" smtClean="0"/>
           </a:p>
@@ -29567,7 +30255,6 @@
               <a:rPr lang="en-US" dirty="0" smtClean="0"/>
               <a:t>.</a:t>
             </a:r>
-            <a:endParaRPr lang="en-US" dirty="0" smtClean="0"/>
           </a:p>
           <a:p>
             <a:pPr marL="0" indent="0">

--- a/extra/CDT.pptx
+++ b/extra/CDT.pptx
@@ -3126,11 +3126,7 @@
         <a:p>
           <a:r>
             <a:rPr lang="en-US" dirty="0" smtClean="0"/>
-            <a:t>Pick  </a:t>
-          </a:r>
-          <a:r>
-            <a:rPr lang="en-US" dirty="0" smtClean="0"/>
-            <a:t>one constraint</a:t>
+            <a:t>Pick  one constraint</a:t>
           </a:r>
           <a:endParaRPr lang="en-US" dirty="0"/>
         </a:p>
@@ -3474,22 +3470,22 @@
     </dgm:pt>
   </dgm:ptLst>
   <dgm:cxnLst>
+    <dgm:cxn modelId="{2FBA14F0-48C0-46A0-8EC5-912ED86B2F3F}" type="presOf" srcId="{38A3234B-F216-41DD-A5B2-2CE1B0ABCD07}" destId="{A12C47D7-FA3E-4F4C-A8E3-BE3E74F1C4CB}" srcOrd="0" destOrd="0" presId="urn:microsoft.com/office/officeart/2005/8/layout/cycle1"/>
+    <dgm:cxn modelId="{AC7107DA-A522-4380-A88E-09A256AD9EAC}" srcId="{6E525D43-B65E-4A25-B039-337112B56B4D}" destId="{3FD857F1-965B-4D6D-A919-9F1229D6DC4E}" srcOrd="3" destOrd="0" parTransId="{497CE48D-961B-4A8A-840F-B50DFA12D5F9}" sibTransId="{38A3234B-F216-41DD-A5B2-2CE1B0ABCD07}"/>
+    <dgm:cxn modelId="{978D089B-31AB-4953-B1F9-902554E6E125}" type="presOf" srcId="{8A31C0AC-470F-4FBD-9D46-97FE107EDF36}" destId="{532AA267-CB86-4757-95F5-6383F7C8CCEF}" srcOrd="0" destOrd="0" presId="urn:microsoft.com/office/officeart/2005/8/layout/cycle1"/>
     <dgm:cxn modelId="{190F9B75-80AD-446F-A969-58EB136E3AF2}" type="presOf" srcId="{1795B07D-893B-4E6E-9D26-57F4B3FD181E}" destId="{4116A200-501C-4C76-8403-B4705926FDFC}" srcOrd="0" destOrd="0" presId="urn:microsoft.com/office/officeart/2005/8/layout/cycle1"/>
-    <dgm:cxn modelId="{AC7107DA-A522-4380-A88E-09A256AD9EAC}" srcId="{6E525D43-B65E-4A25-B039-337112B56B4D}" destId="{3FD857F1-965B-4D6D-A919-9F1229D6DC4E}" srcOrd="3" destOrd="0" parTransId="{497CE48D-961B-4A8A-840F-B50DFA12D5F9}" sibTransId="{38A3234B-F216-41DD-A5B2-2CE1B0ABCD07}"/>
-    <dgm:cxn modelId="{06985FDF-E5B8-4018-9BF2-CA894E0E10C3}" type="presOf" srcId="{FBA5094D-253B-4790-9656-726ABCC7E91B}" destId="{2B04CA99-B376-479F-AF6C-79900B907F23}" srcOrd="0" destOrd="0" presId="urn:microsoft.com/office/officeart/2005/8/layout/cycle1"/>
     <dgm:cxn modelId="{50FA2877-D287-41F6-9F61-328074D96B19}" type="presOf" srcId="{2B60B8A0-B01B-44E2-822D-BB9D92EF278B}" destId="{0922FC0C-3F0F-40EF-BC59-E92FD25E3F35}" srcOrd="0" destOrd="0" presId="urn:microsoft.com/office/officeart/2005/8/layout/cycle1"/>
+    <dgm:cxn modelId="{917FD770-CA18-4638-A8D4-678791D41979}" srcId="{6E525D43-B65E-4A25-B039-337112B56B4D}" destId="{8A31C0AC-470F-4FBD-9D46-97FE107EDF36}" srcOrd="1" destOrd="0" parTransId="{9FD97F31-B924-410C-B4D7-84E12F3FB017}" sibTransId="{2B60B8A0-B01B-44E2-822D-BB9D92EF278B}"/>
+    <dgm:cxn modelId="{1F7F2E9D-BE1F-4B1A-8E78-7759A002024F}" srcId="{6E525D43-B65E-4A25-B039-337112B56B4D}" destId="{6B168488-94A8-45AB-879B-55E5AA3152E4}" srcOrd="4" destOrd="0" parTransId="{891CFD88-41E3-4D6A-AFD1-E7B5131DF073}" sibTransId="{606F8C01-9345-4ECE-AA1A-B6E5C5A81716}"/>
+    <dgm:cxn modelId="{BD58EB6B-0102-4739-873A-08A584B9919F}" type="presOf" srcId="{58000B83-43D1-4158-84A5-197C7AA96ED9}" destId="{607DA9A9-3862-4329-AE44-5B6A9674795F}" srcOrd="0" destOrd="0" presId="urn:microsoft.com/office/officeart/2005/8/layout/cycle1"/>
+    <dgm:cxn modelId="{DBA0DD23-F8F2-4369-9C57-B4702BE6C2D2}" type="presOf" srcId="{6B168488-94A8-45AB-879B-55E5AA3152E4}" destId="{414BC036-49DC-434A-BDB1-57CC5B0C1AFC}" srcOrd="0" destOrd="0" presId="urn:microsoft.com/office/officeart/2005/8/layout/cycle1"/>
+    <dgm:cxn modelId="{8216A20F-F55E-4F2D-ACCB-1FE8DE59D41B}" type="presOf" srcId="{9F8D00BC-4B1E-4011-82E5-8215F3E87BE4}" destId="{8964DBA5-8684-4BD0-A050-30F5A52DCCD7}" srcOrd="0" destOrd="0" presId="urn:microsoft.com/office/officeart/2005/8/layout/cycle1"/>
+    <dgm:cxn modelId="{291555BA-1C53-4B38-889B-6E400E678C51}" type="presOf" srcId="{606F8C01-9345-4ECE-AA1A-B6E5C5A81716}" destId="{7A72A19B-623B-47BD-9EB6-93670FFFE0E4}" srcOrd="0" destOrd="0" presId="urn:microsoft.com/office/officeart/2005/8/layout/cycle1"/>
     <dgm:cxn modelId="{3211CF02-A313-435A-B84F-C9D165A99716}" srcId="{6E525D43-B65E-4A25-B039-337112B56B4D}" destId="{58000B83-43D1-4158-84A5-197C7AA96ED9}" srcOrd="2" destOrd="0" parTransId="{95C1AA50-19E5-4485-8683-381ABDA86166}" sibTransId="{FBA5094D-253B-4790-9656-726ABCC7E91B}"/>
     <dgm:cxn modelId="{CE6A2C36-6138-404C-B0F3-A453F6E872DB}" type="presOf" srcId="{6E525D43-B65E-4A25-B039-337112B56B4D}" destId="{684FEEA8-0657-48DE-BC5B-476013C888CB}" srcOrd="0" destOrd="0" presId="urn:microsoft.com/office/officeart/2005/8/layout/cycle1"/>
-    <dgm:cxn modelId="{2FBA14F0-48C0-46A0-8EC5-912ED86B2F3F}" type="presOf" srcId="{38A3234B-F216-41DD-A5B2-2CE1B0ABCD07}" destId="{A12C47D7-FA3E-4F4C-A8E3-BE3E74F1C4CB}" srcOrd="0" destOrd="0" presId="urn:microsoft.com/office/officeart/2005/8/layout/cycle1"/>
-    <dgm:cxn modelId="{978D089B-31AB-4953-B1F9-902554E6E125}" type="presOf" srcId="{8A31C0AC-470F-4FBD-9D46-97FE107EDF36}" destId="{532AA267-CB86-4757-95F5-6383F7C8CCEF}" srcOrd="0" destOrd="0" presId="urn:microsoft.com/office/officeart/2005/8/layout/cycle1"/>
-    <dgm:cxn modelId="{917FD770-CA18-4638-A8D4-678791D41979}" srcId="{6E525D43-B65E-4A25-B039-337112B56B4D}" destId="{8A31C0AC-470F-4FBD-9D46-97FE107EDF36}" srcOrd="1" destOrd="0" parTransId="{9FD97F31-B924-410C-B4D7-84E12F3FB017}" sibTransId="{2B60B8A0-B01B-44E2-822D-BB9D92EF278B}"/>
-    <dgm:cxn modelId="{DBA0DD23-F8F2-4369-9C57-B4702BE6C2D2}" type="presOf" srcId="{6B168488-94A8-45AB-879B-55E5AA3152E4}" destId="{414BC036-49DC-434A-BDB1-57CC5B0C1AFC}" srcOrd="0" destOrd="0" presId="urn:microsoft.com/office/officeart/2005/8/layout/cycle1"/>
-    <dgm:cxn modelId="{1F7F2E9D-BE1F-4B1A-8E78-7759A002024F}" srcId="{6E525D43-B65E-4A25-B039-337112B56B4D}" destId="{6B168488-94A8-45AB-879B-55E5AA3152E4}" srcOrd="4" destOrd="0" parTransId="{891CFD88-41E3-4D6A-AFD1-E7B5131DF073}" sibTransId="{606F8C01-9345-4ECE-AA1A-B6E5C5A81716}"/>
-    <dgm:cxn modelId="{8216A20F-F55E-4F2D-ACCB-1FE8DE59D41B}" type="presOf" srcId="{9F8D00BC-4B1E-4011-82E5-8215F3E87BE4}" destId="{8964DBA5-8684-4BD0-A050-30F5A52DCCD7}" srcOrd="0" destOrd="0" presId="urn:microsoft.com/office/officeart/2005/8/layout/cycle1"/>
-    <dgm:cxn modelId="{BD58EB6B-0102-4739-873A-08A584B9919F}" type="presOf" srcId="{58000B83-43D1-4158-84A5-197C7AA96ED9}" destId="{607DA9A9-3862-4329-AE44-5B6A9674795F}" srcOrd="0" destOrd="0" presId="urn:microsoft.com/office/officeart/2005/8/layout/cycle1"/>
-    <dgm:cxn modelId="{291555BA-1C53-4B38-889B-6E400E678C51}" type="presOf" srcId="{606F8C01-9345-4ECE-AA1A-B6E5C5A81716}" destId="{7A72A19B-623B-47BD-9EB6-93670FFFE0E4}" srcOrd="0" destOrd="0" presId="urn:microsoft.com/office/officeart/2005/8/layout/cycle1"/>
+    <dgm:cxn modelId="{87898767-1518-40F9-992A-A4865810E741}" type="presOf" srcId="{3FD857F1-965B-4D6D-A919-9F1229D6DC4E}" destId="{BC870580-9D6D-47EC-AA95-7A80FD676209}" srcOrd="0" destOrd="0" presId="urn:microsoft.com/office/officeart/2005/8/layout/cycle1"/>
+    <dgm:cxn modelId="{06985FDF-E5B8-4018-9BF2-CA894E0E10C3}" type="presOf" srcId="{FBA5094D-253B-4790-9656-726ABCC7E91B}" destId="{2B04CA99-B376-479F-AF6C-79900B907F23}" srcOrd="0" destOrd="0" presId="urn:microsoft.com/office/officeart/2005/8/layout/cycle1"/>
     <dgm:cxn modelId="{5FC283F4-5867-47D0-9657-613D62EB93F3}" srcId="{6E525D43-B65E-4A25-B039-337112B56B4D}" destId="{9F8D00BC-4B1E-4011-82E5-8215F3E87BE4}" srcOrd="0" destOrd="0" parTransId="{2C849661-D8F6-4E5F-8010-3E4A1097452A}" sibTransId="{1795B07D-893B-4E6E-9D26-57F4B3FD181E}"/>
-    <dgm:cxn modelId="{87898767-1518-40F9-992A-A4865810E741}" type="presOf" srcId="{3FD857F1-965B-4D6D-A919-9F1229D6DC4E}" destId="{BC870580-9D6D-47EC-AA95-7A80FD676209}" srcOrd="0" destOrd="0" presId="urn:microsoft.com/office/officeart/2005/8/layout/cycle1"/>
     <dgm:cxn modelId="{41782CC8-0CAB-45A2-8978-D21277FBC014}" type="presParOf" srcId="{684FEEA8-0657-48DE-BC5B-476013C888CB}" destId="{7EE2F31B-9CC0-4EB4-B2ED-254BDD2CDFC8}" srcOrd="0" destOrd="0" presId="urn:microsoft.com/office/officeart/2005/8/layout/cycle1"/>
     <dgm:cxn modelId="{EDE94986-5E51-4C3D-BD1D-57D10A92D112}" type="presParOf" srcId="{684FEEA8-0657-48DE-BC5B-476013C888CB}" destId="{8964DBA5-8684-4BD0-A050-30F5A52DCCD7}" srcOrd="1" destOrd="0" presId="urn:microsoft.com/office/officeart/2005/8/layout/cycle1"/>
     <dgm:cxn modelId="{37AAFD72-DF44-46C8-85DC-D83E1C631E85}" type="presParOf" srcId="{684FEEA8-0657-48DE-BC5B-476013C888CB}" destId="{4116A200-501C-4C76-8403-B4705926FDFC}" srcOrd="2" destOrd="0" presId="urn:microsoft.com/office/officeart/2005/8/layout/cycle1"/>
@@ -5054,11 +5050,7 @@
           </a:pPr>
           <a:r>
             <a:rPr lang="en-US" sz="800" kern="1200" dirty="0" smtClean="0"/>
-            <a:t>Pick  </a:t>
-          </a:r>
-          <a:r>
-            <a:rPr lang="en-US" sz="800" kern="1200" dirty="0" smtClean="0"/>
-            <a:t>one constraint</a:t>
+            <a:t>Pick  one constraint</a:t>
           </a:r>
           <a:endParaRPr lang="en-US" sz="800" kern="1200" dirty="0"/>
         </a:p>
@@ -28940,7 +28932,6 @@
               <a:rPr lang="en-US" dirty="0" smtClean="0"/>
               <a:t> </a:t>
             </a:r>
-            <a:endParaRPr lang="en-US" dirty="0" smtClean="0"/>
           </a:p>
           <a:p>
             <a:pPr lvl="1"/>
@@ -29039,7 +29030,6 @@
               <a:rPr lang="en-US" b="1" dirty="0" smtClean="0"/>
               <a:t> </a:t>
             </a:r>
-            <a:endParaRPr lang="en-US" b="1" dirty="0" smtClean="0"/>
           </a:p>
           <a:p>
             <a:endParaRPr lang="en-US" dirty="0"/>
@@ -29137,7 +29127,21 @@
             </a:pPr>
             <a:r>
               <a:rPr lang="en-US" dirty="0" smtClean="0"/>
-              <a:t>Other stuff</a:t>
+              <a:t>Other </a:t>
+            </a:r>
+            <a:r>
+              <a:rPr lang="en-US" dirty="0" smtClean="0"/>
+              <a:t>stuff</a:t>
+            </a:r>
+          </a:p>
+          <a:p>
+            <a:pPr marL="457200" indent="-457200">
+              <a:buFont typeface="+mj-lt"/>
+              <a:buAutoNum type="arabicPeriod"/>
+            </a:pPr>
+            <a:r>
+              <a:rPr lang="en-US" dirty="0"/>
+              <a:t>a</a:t>
             </a:r>
             <a:endParaRPr lang="en-US" dirty="0"/>
           </a:p>

--- a/extra/CDT.pptx
+++ b/extra/CDT.pptx
@@ -5,7 +5,7 @@
     <p:sldMasterId id="2147483780" r:id="rId1"/>
   </p:sldMasterIdLst>
   <p:notesMasterIdLst>
-    <p:notesMasterId r:id="rId28"/>
+    <p:notesMasterId r:id="rId29"/>
   </p:notesMasterIdLst>
   <p:sldIdLst>
     <p:sldId id="256" r:id="rId2"/>
@@ -29,11 +29,12 @@
     <p:sldId id="281" r:id="rId20"/>
     <p:sldId id="282" r:id="rId21"/>
     <p:sldId id="288" r:id="rId22"/>
-    <p:sldId id="268" r:id="rId23"/>
-    <p:sldId id="283" r:id="rId24"/>
-    <p:sldId id="284" r:id="rId25"/>
-    <p:sldId id="287" r:id="rId26"/>
-    <p:sldId id="285" r:id="rId27"/>
+    <p:sldId id="289" r:id="rId23"/>
+    <p:sldId id="268" r:id="rId24"/>
+    <p:sldId id="283" r:id="rId25"/>
+    <p:sldId id="284" r:id="rId26"/>
+    <p:sldId id="287" r:id="rId27"/>
+    <p:sldId id="285" r:id="rId28"/>
   </p:sldIdLst>
   <p:sldSz cx="9144000" cy="6858000" type="screen4x3"/>
   <p:notesSz cx="6858000" cy="9144000"/>
@@ -158,6 +159,7 @@
             <p14:sldId id="281"/>
             <p14:sldId id="282"/>
             <p14:sldId id="288"/>
+            <p14:sldId id="289"/>
             <p14:sldId id="268"/>
             <p14:sldId id="283"/>
             <p14:sldId id="284"/>
@@ -2685,6 +2687,43 @@
         </a:p>
       </dgm:t>
     </dgm:pt>
+    <dgm:pt modelId="{432A5324-BF12-45A0-91F8-AACAC5D0D4F1}">
+      <dgm:prSet/>
+      <dgm:spPr/>
+      <dgm:t>
+        <a:bodyPr/>
+        <a:lstStyle/>
+        <a:p>
+          <a:r>
+            <a:rPr lang="en-US" dirty="0" smtClean="0"/>
+            <a:t>DEMO</a:t>
+          </a:r>
+          <a:endParaRPr lang="en-US" dirty="0"/>
+        </a:p>
+      </dgm:t>
+    </dgm:pt>
+    <dgm:pt modelId="{9FAD424D-63ED-4264-9DDA-BB1615918663}" type="parTrans" cxnId="{3C7788EA-9862-4CDD-B4A3-DAE4E8AA2307}">
+      <dgm:prSet/>
+      <dgm:spPr/>
+      <dgm:t>
+        <a:bodyPr/>
+        <a:lstStyle/>
+        <a:p>
+          <a:endParaRPr lang="en-US"/>
+        </a:p>
+      </dgm:t>
+    </dgm:pt>
+    <dgm:pt modelId="{DABA02EB-21D1-44D9-8D21-C72DCE275EED}" type="sibTrans" cxnId="{3C7788EA-9862-4CDD-B4A3-DAE4E8AA2307}">
+      <dgm:prSet/>
+      <dgm:spPr/>
+      <dgm:t>
+        <a:bodyPr/>
+        <a:lstStyle/>
+        <a:p>
+          <a:endParaRPr lang="en-US"/>
+        </a:p>
+      </dgm:t>
+    </dgm:pt>
     <dgm:pt modelId="{8BCF802A-4DCF-4A5D-9975-889F70F88A8E}" type="pres">
       <dgm:prSet presAssocID="{DB299D46-02EF-4C4A-A2A3-BC8A2FA70B0B}" presName="linear" presStyleCnt="0">
         <dgm:presLayoutVars>
@@ -2707,7 +2746,7 @@
       <dgm:spPr/>
     </dgm:pt>
     <dgm:pt modelId="{B45801BD-DE0C-4223-AE60-FF467171B922}" type="pres">
-      <dgm:prSet presAssocID="{976BA411-059E-4671-90BB-A59480B9FCED}" presName="parentLeftMargin" presStyleLbl="node1" presStyleIdx="0" presStyleCnt="7"/>
+      <dgm:prSet presAssocID="{976BA411-059E-4671-90BB-A59480B9FCED}" presName="parentLeftMargin" presStyleLbl="node1" presStyleIdx="0" presStyleCnt="8"/>
       <dgm:spPr/>
       <dgm:t>
         <a:bodyPr/>
@@ -2718,7 +2757,7 @@
       </dgm:t>
     </dgm:pt>
     <dgm:pt modelId="{F0B2F77D-0570-4EE5-85D7-6956BDF876CB}" type="pres">
-      <dgm:prSet presAssocID="{976BA411-059E-4671-90BB-A59480B9FCED}" presName="parentText" presStyleLbl="node1" presStyleIdx="0" presStyleCnt="7">
+      <dgm:prSet presAssocID="{976BA411-059E-4671-90BB-A59480B9FCED}" presName="parentText" presStyleLbl="node1" presStyleIdx="0" presStyleCnt="8">
         <dgm:presLayoutVars>
           <dgm:chMax val="0"/>
           <dgm:bulletEnabled val="1"/>
@@ -2738,7 +2777,7 @@
       <dgm:spPr/>
     </dgm:pt>
     <dgm:pt modelId="{37D11987-109E-4ED2-BE8B-F10A144198A8}" type="pres">
-      <dgm:prSet presAssocID="{976BA411-059E-4671-90BB-A59480B9FCED}" presName="childText" presStyleLbl="conFgAcc1" presStyleIdx="0" presStyleCnt="7">
+      <dgm:prSet presAssocID="{976BA411-059E-4671-90BB-A59480B9FCED}" presName="childText" presStyleLbl="conFgAcc1" presStyleIdx="0" presStyleCnt="8">
         <dgm:presLayoutVars>
           <dgm:bulletEnabled val="1"/>
         </dgm:presLayoutVars>
@@ -2754,7 +2793,7 @@
       <dgm:spPr/>
     </dgm:pt>
     <dgm:pt modelId="{EFA4530E-F00A-4C9E-AE10-27D7B2F59902}" type="pres">
-      <dgm:prSet presAssocID="{09A92969-E312-436F-B01B-C54639D9F4CB}" presName="parentLeftMargin" presStyleLbl="node1" presStyleIdx="0" presStyleCnt="7"/>
+      <dgm:prSet presAssocID="{09A92969-E312-436F-B01B-C54639D9F4CB}" presName="parentLeftMargin" presStyleLbl="node1" presStyleIdx="0" presStyleCnt="8"/>
       <dgm:spPr/>
       <dgm:t>
         <a:bodyPr/>
@@ -2765,7 +2804,7 @@
       </dgm:t>
     </dgm:pt>
     <dgm:pt modelId="{06312F67-0FFB-49C9-BEAF-4D8D699D6136}" type="pres">
-      <dgm:prSet presAssocID="{09A92969-E312-436F-B01B-C54639D9F4CB}" presName="parentText" presStyleLbl="node1" presStyleIdx="1" presStyleCnt="7">
+      <dgm:prSet presAssocID="{09A92969-E312-436F-B01B-C54639D9F4CB}" presName="parentText" presStyleLbl="node1" presStyleIdx="1" presStyleCnt="8">
         <dgm:presLayoutVars>
           <dgm:chMax val="0"/>
           <dgm:bulletEnabled val="1"/>
@@ -2785,7 +2824,7 @@
       <dgm:spPr/>
     </dgm:pt>
     <dgm:pt modelId="{01C0D081-9C9A-4ABB-B64F-0E6954DFB198}" type="pres">
-      <dgm:prSet presAssocID="{09A92969-E312-436F-B01B-C54639D9F4CB}" presName="childText" presStyleLbl="conFgAcc1" presStyleIdx="1" presStyleCnt="7">
+      <dgm:prSet presAssocID="{09A92969-E312-436F-B01B-C54639D9F4CB}" presName="childText" presStyleLbl="conFgAcc1" presStyleIdx="1" presStyleCnt="8">
         <dgm:presLayoutVars>
           <dgm:bulletEnabled val="1"/>
         </dgm:presLayoutVars>
@@ -2801,7 +2840,7 @@
       <dgm:spPr/>
     </dgm:pt>
     <dgm:pt modelId="{AFBD3FBE-590B-40F5-B4DE-9319A05329CA}" type="pres">
-      <dgm:prSet presAssocID="{B6B0BB09-251F-4690-8E2D-52627C6F3C13}" presName="parentLeftMargin" presStyleLbl="node1" presStyleIdx="1" presStyleCnt="7"/>
+      <dgm:prSet presAssocID="{B6B0BB09-251F-4690-8E2D-52627C6F3C13}" presName="parentLeftMargin" presStyleLbl="node1" presStyleIdx="1" presStyleCnt="8"/>
       <dgm:spPr/>
       <dgm:t>
         <a:bodyPr/>
@@ -2812,7 +2851,7 @@
       </dgm:t>
     </dgm:pt>
     <dgm:pt modelId="{2AE40D22-121F-46ED-9D18-2114D2ED48A0}" type="pres">
-      <dgm:prSet presAssocID="{B6B0BB09-251F-4690-8E2D-52627C6F3C13}" presName="parentText" presStyleLbl="node1" presStyleIdx="2" presStyleCnt="7">
+      <dgm:prSet presAssocID="{B6B0BB09-251F-4690-8E2D-52627C6F3C13}" presName="parentText" presStyleLbl="node1" presStyleIdx="2" presStyleCnt="8">
         <dgm:presLayoutVars>
           <dgm:chMax val="0"/>
           <dgm:bulletEnabled val="1"/>
@@ -2832,7 +2871,7 @@
       <dgm:spPr/>
     </dgm:pt>
     <dgm:pt modelId="{F5A553A0-7C6F-498B-BADC-CFE437B08EA8}" type="pres">
-      <dgm:prSet presAssocID="{B6B0BB09-251F-4690-8E2D-52627C6F3C13}" presName="childText" presStyleLbl="conFgAcc1" presStyleIdx="2" presStyleCnt="7">
+      <dgm:prSet presAssocID="{B6B0BB09-251F-4690-8E2D-52627C6F3C13}" presName="childText" presStyleLbl="conFgAcc1" presStyleIdx="2" presStyleCnt="8">
         <dgm:presLayoutVars>
           <dgm:bulletEnabled val="1"/>
         </dgm:presLayoutVars>
@@ -2848,7 +2887,7 @@
       <dgm:spPr/>
     </dgm:pt>
     <dgm:pt modelId="{5EE950ED-649A-422D-A145-7CB898551740}" type="pres">
-      <dgm:prSet presAssocID="{EFE11BD1-6798-4A6B-80B0-9582FC5D657B}" presName="parentLeftMargin" presStyleLbl="node1" presStyleIdx="2" presStyleCnt="7"/>
+      <dgm:prSet presAssocID="{EFE11BD1-6798-4A6B-80B0-9582FC5D657B}" presName="parentLeftMargin" presStyleLbl="node1" presStyleIdx="2" presStyleCnt="8"/>
       <dgm:spPr/>
       <dgm:t>
         <a:bodyPr/>
@@ -2859,7 +2898,7 @@
       </dgm:t>
     </dgm:pt>
     <dgm:pt modelId="{CF77719D-6887-4326-8C0E-5FFC0AAC437C}" type="pres">
-      <dgm:prSet presAssocID="{EFE11BD1-6798-4A6B-80B0-9582FC5D657B}" presName="parentText" presStyleLbl="node1" presStyleIdx="3" presStyleCnt="7">
+      <dgm:prSet presAssocID="{EFE11BD1-6798-4A6B-80B0-9582FC5D657B}" presName="parentText" presStyleLbl="node1" presStyleIdx="3" presStyleCnt="8">
         <dgm:presLayoutVars>
           <dgm:chMax val="0"/>
           <dgm:bulletEnabled val="1"/>
@@ -2879,7 +2918,7 @@
       <dgm:spPr/>
     </dgm:pt>
     <dgm:pt modelId="{49A7369F-3E98-46CA-A9BA-AB446A8F2EF5}" type="pres">
-      <dgm:prSet presAssocID="{EFE11BD1-6798-4A6B-80B0-9582FC5D657B}" presName="childText" presStyleLbl="conFgAcc1" presStyleIdx="3" presStyleCnt="7">
+      <dgm:prSet presAssocID="{EFE11BD1-6798-4A6B-80B0-9582FC5D657B}" presName="childText" presStyleLbl="conFgAcc1" presStyleIdx="3" presStyleCnt="8">
         <dgm:presLayoutVars>
           <dgm:bulletEnabled val="1"/>
         </dgm:presLayoutVars>
@@ -2895,7 +2934,7 @@
       <dgm:spPr/>
     </dgm:pt>
     <dgm:pt modelId="{D266DC55-C79A-4A35-A82D-ED588B3DB565}" type="pres">
-      <dgm:prSet presAssocID="{7D00613F-65AE-43F2-B7A0-1FE9873B5C80}" presName="parentLeftMargin" presStyleLbl="node1" presStyleIdx="3" presStyleCnt="7"/>
+      <dgm:prSet presAssocID="{7D00613F-65AE-43F2-B7A0-1FE9873B5C80}" presName="parentLeftMargin" presStyleLbl="node1" presStyleIdx="3" presStyleCnt="8"/>
       <dgm:spPr/>
       <dgm:t>
         <a:bodyPr/>
@@ -2906,7 +2945,7 @@
       </dgm:t>
     </dgm:pt>
     <dgm:pt modelId="{5E344990-B47A-4F64-A1F5-308098290E94}" type="pres">
-      <dgm:prSet presAssocID="{7D00613F-65AE-43F2-B7A0-1FE9873B5C80}" presName="parentText" presStyleLbl="node1" presStyleIdx="4" presStyleCnt="7">
+      <dgm:prSet presAssocID="{7D00613F-65AE-43F2-B7A0-1FE9873B5C80}" presName="parentText" presStyleLbl="node1" presStyleIdx="4" presStyleCnt="8">
         <dgm:presLayoutVars>
           <dgm:chMax val="0"/>
           <dgm:bulletEnabled val="1"/>
@@ -2926,7 +2965,7 @@
       <dgm:spPr/>
     </dgm:pt>
     <dgm:pt modelId="{47263035-17BD-483C-933B-0EC20F0344A7}" type="pres">
-      <dgm:prSet presAssocID="{7D00613F-65AE-43F2-B7A0-1FE9873B5C80}" presName="childText" presStyleLbl="conFgAcc1" presStyleIdx="4" presStyleCnt="7">
+      <dgm:prSet presAssocID="{7D00613F-65AE-43F2-B7A0-1FE9873B5C80}" presName="childText" presStyleLbl="conFgAcc1" presStyleIdx="4" presStyleCnt="8">
         <dgm:presLayoutVars>
           <dgm:bulletEnabled val="1"/>
         </dgm:presLayoutVars>
@@ -2937,12 +2976,59 @@
       <dgm:prSet presAssocID="{6F14E2F1-7102-483B-94CF-84DA9C0B9E37}" presName="spaceBetweenRectangles" presStyleCnt="0"/>
       <dgm:spPr/>
     </dgm:pt>
+    <dgm:pt modelId="{12AA23E7-8E3F-4020-9007-718F64F2E44D}" type="pres">
+      <dgm:prSet presAssocID="{432A5324-BF12-45A0-91F8-AACAC5D0D4F1}" presName="parentLin" presStyleCnt="0"/>
+      <dgm:spPr/>
+    </dgm:pt>
+    <dgm:pt modelId="{9499A030-D5CB-49A3-A78C-F571C4FF9513}" type="pres">
+      <dgm:prSet presAssocID="{432A5324-BF12-45A0-91F8-AACAC5D0D4F1}" presName="parentLeftMargin" presStyleLbl="node1" presStyleIdx="4" presStyleCnt="8"/>
+      <dgm:spPr/>
+      <dgm:t>
+        <a:bodyPr/>
+        <a:lstStyle/>
+        <a:p>
+          <a:endParaRPr lang="en-US"/>
+        </a:p>
+      </dgm:t>
+    </dgm:pt>
+    <dgm:pt modelId="{F867114F-9D4B-400A-851D-54AD75F0CAF6}" type="pres">
+      <dgm:prSet presAssocID="{432A5324-BF12-45A0-91F8-AACAC5D0D4F1}" presName="parentText" presStyleLbl="node1" presStyleIdx="5" presStyleCnt="8">
+        <dgm:presLayoutVars>
+          <dgm:chMax val="0"/>
+          <dgm:bulletEnabled val="1"/>
+        </dgm:presLayoutVars>
+      </dgm:prSet>
+      <dgm:spPr/>
+      <dgm:t>
+        <a:bodyPr/>
+        <a:lstStyle/>
+        <a:p>
+          <a:endParaRPr lang="en-US"/>
+        </a:p>
+      </dgm:t>
+    </dgm:pt>
+    <dgm:pt modelId="{683E14AE-6F1B-4645-9186-98B70EA6F86D}" type="pres">
+      <dgm:prSet presAssocID="{432A5324-BF12-45A0-91F8-AACAC5D0D4F1}" presName="negativeSpace" presStyleCnt="0"/>
+      <dgm:spPr/>
+    </dgm:pt>
+    <dgm:pt modelId="{5722C9E9-5FF3-4566-925A-202A3E0D6CC8}" type="pres">
+      <dgm:prSet presAssocID="{432A5324-BF12-45A0-91F8-AACAC5D0D4F1}" presName="childText" presStyleLbl="conFgAcc1" presStyleIdx="5" presStyleCnt="8">
+        <dgm:presLayoutVars>
+          <dgm:bulletEnabled val="1"/>
+        </dgm:presLayoutVars>
+      </dgm:prSet>
+      <dgm:spPr/>
+    </dgm:pt>
+    <dgm:pt modelId="{8FE54429-832F-4BCF-9648-E405223289A1}" type="pres">
+      <dgm:prSet presAssocID="{DABA02EB-21D1-44D9-8D21-C72DCE275EED}" presName="spaceBetweenRectangles" presStyleCnt="0"/>
+      <dgm:spPr/>
+    </dgm:pt>
     <dgm:pt modelId="{EF1397B8-6696-48D4-A9AD-C4FB89BE2079}" type="pres">
       <dgm:prSet presAssocID="{60EFB68B-ECDE-49A8-9F00-9A935C80F4D5}" presName="parentLin" presStyleCnt="0"/>
       <dgm:spPr/>
     </dgm:pt>
     <dgm:pt modelId="{61DB4252-15B3-4DA8-A62C-110672F130FC}" type="pres">
-      <dgm:prSet presAssocID="{60EFB68B-ECDE-49A8-9F00-9A935C80F4D5}" presName="parentLeftMargin" presStyleLbl="node1" presStyleIdx="4" presStyleCnt="7"/>
+      <dgm:prSet presAssocID="{60EFB68B-ECDE-49A8-9F00-9A935C80F4D5}" presName="parentLeftMargin" presStyleLbl="node1" presStyleIdx="5" presStyleCnt="8"/>
       <dgm:spPr/>
       <dgm:t>
         <a:bodyPr/>
@@ -2953,7 +3039,7 @@
       </dgm:t>
     </dgm:pt>
     <dgm:pt modelId="{6FBF5D74-6C54-4ED3-9CF7-FDD4E9A87758}" type="pres">
-      <dgm:prSet presAssocID="{60EFB68B-ECDE-49A8-9F00-9A935C80F4D5}" presName="parentText" presStyleLbl="node1" presStyleIdx="5" presStyleCnt="7">
+      <dgm:prSet presAssocID="{60EFB68B-ECDE-49A8-9F00-9A935C80F4D5}" presName="parentText" presStyleLbl="node1" presStyleIdx="6" presStyleCnt="8">
         <dgm:presLayoutVars>
           <dgm:chMax val="0"/>
           <dgm:bulletEnabled val="1"/>
@@ -2973,7 +3059,7 @@
       <dgm:spPr/>
     </dgm:pt>
     <dgm:pt modelId="{3BCAAB66-9D26-4B59-B5C9-C38E171F6904}" type="pres">
-      <dgm:prSet presAssocID="{60EFB68B-ECDE-49A8-9F00-9A935C80F4D5}" presName="childText" presStyleLbl="conFgAcc1" presStyleIdx="5" presStyleCnt="7">
+      <dgm:prSet presAssocID="{60EFB68B-ECDE-49A8-9F00-9A935C80F4D5}" presName="childText" presStyleLbl="conFgAcc1" presStyleIdx="6" presStyleCnt="8">
         <dgm:presLayoutVars>
           <dgm:bulletEnabled val="1"/>
         </dgm:presLayoutVars>
@@ -2989,7 +3075,7 @@
       <dgm:spPr/>
     </dgm:pt>
     <dgm:pt modelId="{FCC81B5C-A3A5-4761-B793-08C31B04AA48}" type="pres">
-      <dgm:prSet presAssocID="{42EBD018-7771-49D3-A1E2-6BBE4A523DC1}" presName="parentLeftMargin" presStyleLbl="node1" presStyleIdx="5" presStyleCnt="7"/>
+      <dgm:prSet presAssocID="{42EBD018-7771-49D3-A1E2-6BBE4A523DC1}" presName="parentLeftMargin" presStyleLbl="node1" presStyleIdx="6" presStyleCnt="8"/>
       <dgm:spPr/>
       <dgm:t>
         <a:bodyPr/>
@@ -3000,7 +3086,7 @@
       </dgm:t>
     </dgm:pt>
     <dgm:pt modelId="{21C493D3-2E65-430B-8244-FFCDD690448D}" type="pres">
-      <dgm:prSet presAssocID="{42EBD018-7771-49D3-A1E2-6BBE4A523DC1}" presName="parentText" presStyleLbl="node1" presStyleIdx="6" presStyleCnt="7">
+      <dgm:prSet presAssocID="{42EBD018-7771-49D3-A1E2-6BBE4A523DC1}" presName="parentText" presStyleLbl="node1" presStyleIdx="7" presStyleCnt="8">
         <dgm:presLayoutVars>
           <dgm:chMax val="0"/>
           <dgm:bulletEnabled val="1"/>
@@ -3020,7 +3106,7 @@
       <dgm:spPr/>
     </dgm:pt>
     <dgm:pt modelId="{493081BA-07EE-4108-B078-182254C0D764}" type="pres">
-      <dgm:prSet presAssocID="{42EBD018-7771-49D3-A1E2-6BBE4A523DC1}" presName="childText" presStyleLbl="conFgAcc1" presStyleIdx="6" presStyleCnt="7">
+      <dgm:prSet presAssocID="{42EBD018-7771-49D3-A1E2-6BBE4A523DC1}" presName="childText" presStyleLbl="conFgAcc1" presStyleIdx="7" presStyleCnt="8">
         <dgm:presLayoutVars>
           <dgm:bulletEnabled val="1"/>
         </dgm:presLayoutVars>
@@ -3029,27 +3115,30 @@
     </dgm:pt>
   </dgm:ptLst>
   <dgm:cxnLst>
-    <dgm:cxn modelId="{2E624F68-7CB8-4504-981F-A01D289145F6}" srcId="{DB299D46-02EF-4C4A-A2A3-BC8A2FA70B0B}" destId="{7D00613F-65AE-43F2-B7A0-1FE9873B5C80}" srcOrd="4" destOrd="0" parTransId="{02E9767F-EDF0-4C90-A6CB-1C158C7B4798}" sibTransId="{6F14E2F1-7102-483B-94CF-84DA9C0B9E37}"/>
+    <dgm:cxn modelId="{3A8EF857-D538-4F5A-8911-41951C840FCD}" type="presOf" srcId="{DB299D46-02EF-4C4A-A2A3-BC8A2FA70B0B}" destId="{8BCF802A-4DCF-4A5D-9975-889F70F88A8E}" srcOrd="0" destOrd="0" presId="urn:microsoft.com/office/officeart/2005/8/layout/list1"/>
+    <dgm:cxn modelId="{DBE0DA3C-B49A-4C9C-91D0-E79F50A28DA1}" type="presOf" srcId="{EFE11BD1-6798-4A6B-80B0-9582FC5D657B}" destId="{CF77719D-6887-4326-8C0E-5FFC0AAC437C}" srcOrd="1" destOrd="0" presId="urn:microsoft.com/office/officeart/2005/8/layout/list1"/>
+    <dgm:cxn modelId="{B9A1B838-A564-482A-AEE0-B5E9FBC40085}" type="presOf" srcId="{432A5324-BF12-45A0-91F8-AACAC5D0D4F1}" destId="{9499A030-D5CB-49A3-A78C-F571C4FF9513}" srcOrd="0" destOrd="0" presId="urn:microsoft.com/office/officeart/2005/8/layout/list1"/>
+    <dgm:cxn modelId="{3C7788EA-9862-4CDD-B4A3-DAE4E8AA2307}" srcId="{DB299D46-02EF-4C4A-A2A3-BC8A2FA70B0B}" destId="{432A5324-BF12-45A0-91F8-AACAC5D0D4F1}" srcOrd="5" destOrd="0" parTransId="{9FAD424D-63ED-4264-9DDA-BB1615918663}" sibTransId="{DABA02EB-21D1-44D9-8D21-C72DCE275EED}"/>
+    <dgm:cxn modelId="{569B4AFA-95CF-48A5-A347-2EA4FD790A02}" type="presOf" srcId="{EFE11BD1-6798-4A6B-80B0-9582FC5D657B}" destId="{5EE950ED-649A-422D-A145-7CB898551740}" srcOrd="0" destOrd="0" presId="urn:microsoft.com/office/officeart/2005/8/layout/list1"/>
+    <dgm:cxn modelId="{442306BC-097C-45AA-AC71-CBE0F836FFB0}" type="presOf" srcId="{60EFB68B-ECDE-49A8-9F00-9A935C80F4D5}" destId="{6FBF5D74-6C54-4ED3-9CF7-FDD4E9A87758}" srcOrd="1" destOrd="0" presId="urn:microsoft.com/office/officeart/2005/8/layout/list1"/>
     <dgm:cxn modelId="{403F8B43-0EF1-42F9-99AA-FBCAA9AF63C4}" type="presOf" srcId="{7D00613F-65AE-43F2-B7A0-1FE9873B5C80}" destId="{5E344990-B47A-4F64-A1F5-308098290E94}" srcOrd="1" destOrd="0" presId="urn:microsoft.com/office/officeart/2005/8/layout/list1"/>
+    <dgm:cxn modelId="{46C2148F-6A41-49F3-A28B-6A2774747059}" type="presOf" srcId="{B6B0BB09-251F-4690-8E2D-52627C6F3C13}" destId="{2AE40D22-121F-46ED-9D18-2114D2ED48A0}" srcOrd="1" destOrd="0" presId="urn:microsoft.com/office/officeart/2005/8/layout/list1"/>
+    <dgm:cxn modelId="{F4290BB7-B562-40D6-BCBC-98D0291AEF35}" srcId="{DB299D46-02EF-4C4A-A2A3-BC8A2FA70B0B}" destId="{EFE11BD1-6798-4A6B-80B0-9582FC5D657B}" srcOrd="3" destOrd="0" parTransId="{D2EBB2F8-0BC5-44E8-B14D-1616058310BE}" sibTransId="{A14BC859-064E-47C3-B061-959A4277C118}"/>
     <dgm:cxn modelId="{68BB29A9-8928-497A-A9AE-2A4695845808}" type="presOf" srcId="{42EBD018-7771-49D3-A1E2-6BBE4A523DC1}" destId="{FCC81B5C-A3A5-4761-B793-08C31B04AA48}" srcOrd="0" destOrd="0" presId="urn:microsoft.com/office/officeart/2005/8/layout/list1"/>
+    <dgm:cxn modelId="{8E4B4FA2-4307-4AE0-B1DA-C12710BADB39}" type="presOf" srcId="{432A5324-BF12-45A0-91F8-AACAC5D0D4F1}" destId="{F867114F-9D4B-400A-851D-54AD75F0CAF6}" srcOrd="1" destOrd="0" presId="urn:microsoft.com/office/officeart/2005/8/layout/list1"/>
+    <dgm:cxn modelId="{C6077115-9D5E-409B-99D7-480ABE813D67}" srcId="{DB299D46-02EF-4C4A-A2A3-BC8A2FA70B0B}" destId="{09A92969-E312-436F-B01B-C54639D9F4CB}" srcOrd="1" destOrd="0" parTransId="{56EF1A16-8AFD-42DC-A0FD-69DF272E7649}" sibTransId="{21109E8D-3751-4A16-8923-2F8E5468C644}"/>
     <dgm:cxn modelId="{4C9C5351-B8EE-4438-9CF8-8ED11CA2F3AA}" srcId="{DB299D46-02EF-4C4A-A2A3-BC8A2FA70B0B}" destId="{B6B0BB09-251F-4690-8E2D-52627C6F3C13}" srcOrd="2" destOrd="0" parTransId="{DC98DC8F-0332-40C4-ACFD-00882A47B511}" sibTransId="{0F0A2CAD-48DD-4096-A420-9F0F44E15627}"/>
     <dgm:cxn modelId="{B7FBB86F-732E-4954-93DF-96B052B35E99}" type="presOf" srcId="{976BA411-059E-4671-90BB-A59480B9FCED}" destId="{B45801BD-DE0C-4223-AE60-FF467171B922}" srcOrd="0" destOrd="0" presId="urn:microsoft.com/office/officeart/2005/8/layout/list1"/>
+    <dgm:cxn modelId="{2E624F68-7CB8-4504-981F-A01D289145F6}" srcId="{DB299D46-02EF-4C4A-A2A3-BC8A2FA70B0B}" destId="{7D00613F-65AE-43F2-B7A0-1FE9873B5C80}" srcOrd="4" destOrd="0" parTransId="{02E9767F-EDF0-4C90-A6CB-1C158C7B4798}" sibTransId="{6F14E2F1-7102-483B-94CF-84DA9C0B9E37}"/>
+    <dgm:cxn modelId="{C0DCF4C9-AB6D-434C-A6CE-D5DD59B34B74}" type="presOf" srcId="{09A92969-E312-436F-B01B-C54639D9F4CB}" destId="{06312F67-0FFB-49C9-BEAF-4D8D699D6136}" srcOrd="1" destOrd="0" presId="urn:microsoft.com/office/officeart/2005/8/layout/list1"/>
+    <dgm:cxn modelId="{9169FF57-6F69-49E7-AD72-A90A3569E1FD}" srcId="{DB299D46-02EF-4C4A-A2A3-BC8A2FA70B0B}" destId="{60EFB68B-ECDE-49A8-9F00-9A935C80F4D5}" srcOrd="6" destOrd="0" parTransId="{4222383F-4D08-4D35-A986-A241E84D32D7}" sibTransId="{B646561F-382C-4219-BCBA-FA164A5E03A3}"/>
+    <dgm:cxn modelId="{AA8D485E-F16D-4AF8-82FC-CB73AF63A75A}" srcId="{DB299D46-02EF-4C4A-A2A3-BC8A2FA70B0B}" destId="{42EBD018-7771-49D3-A1E2-6BBE4A523DC1}" srcOrd="7" destOrd="0" parTransId="{7B1F49D5-BDD5-457D-9441-D2ED48DCE804}" sibTransId="{4680815A-8A2C-4CDC-97E6-F327DD95DC6B}"/>
     <dgm:cxn modelId="{5BACAB44-B62E-4BB9-89B1-A986CF1E8EA2}" type="presOf" srcId="{60EFB68B-ECDE-49A8-9F00-9A935C80F4D5}" destId="{61DB4252-15B3-4DA8-A62C-110672F130FC}" srcOrd="0" destOrd="0" presId="urn:microsoft.com/office/officeart/2005/8/layout/list1"/>
-    <dgm:cxn modelId="{569B4AFA-95CF-48A5-A347-2EA4FD790A02}" type="presOf" srcId="{EFE11BD1-6798-4A6B-80B0-9582FC5D657B}" destId="{5EE950ED-649A-422D-A145-7CB898551740}" srcOrd="0" destOrd="0" presId="urn:microsoft.com/office/officeart/2005/8/layout/list1"/>
-    <dgm:cxn modelId="{DBE0DA3C-B49A-4C9C-91D0-E79F50A28DA1}" type="presOf" srcId="{EFE11BD1-6798-4A6B-80B0-9582FC5D657B}" destId="{CF77719D-6887-4326-8C0E-5FFC0AAC437C}" srcOrd="1" destOrd="0" presId="urn:microsoft.com/office/officeart/2005/8/layout/list1"/>
     <dgm:cxn modelId="{E1E3AA89-0BC5-42D0-8BA0-4FEABF2750C4}" type="presOf" srcId="{09A92969-E312-436F-B01B-C54639D9F4CB}" destId="{EFA4530E-F00A-4C9E-AE10-27D7B2F59902}" srcOrd="0" destOrd="0" presId="urn:microsoft.com/office/officeart/2005/8/layout/list1"/>
-    <dgm:cxn modelId="{F4290BB7-B562-40D6-BCBC-98D0291AEF35}" srcId="{DB299D46-02EF-4C4A-A2A3-BC8A2FA70B0B}" destId="{EFE11BD1-6798-4A6B-80B0-9582FC5D657B}" srcOrd="3" destOrd="0" parTransId="{D2EBB2F8-0BC5-44E8-B14D-1616058310BE}" sibTransId="{A14BC859-064E-47C3-B061-959A4277C118}"/>
-    <dgm:cxn modelId="{442306BC-097C-45AA-AC71-CBE0F836FFB0}" type="presOf" srcId="{60EFB68B-ECDE-49A8-9F00-9A935C80F4D5}" destId="{6FBF5D74-6C54-4ED3-9CF7-FDD4E9A87758}" srcOrd="1" destOrd="0" presId="urn:microsoft.com/office/officeart/2005/8/layout/list1"/>
+    <dgm:cxn modelId="{C0AE2FCA-BBDC-452D-8005-09AD94AD8C8C}" type="presOf" srcId="{976BA411-059E-4671-90BB-A59480B9FCED}" destId="{F0B2F77D-0570-4EE5-85D7-6956BDF876CB}" srcOrd="1" destOrd="0" presId="urn:microsoft.com/office/officeart/2005/8/layout/list1"/>
     <dgm:cxn modelId="{CEF4C6CC-A4F7-4F8B-AC09-ABB32EED15FF}" type="presOf" srcId="{B6B0BB09-251F-4690-8E2D-52627C6F3C13}" destId="{AFBD3FBE-590B-40F5-B4DE-9319A05329CA}" srcOrd="0" destOrd="0" presId="urn:microsoft.com/office/officeart/2005/8/layout/list1"/>
-    <dgm:cxn modelId="{46C2148F-6A41-49F3-A28B-6A2774747059}" type="presOf" srcId="{B6B0BB09-251F-4690-8E2D-52627C6F3C13}" destId="{2AE40D22-121F-46ED-9D18-2114D2ED48A0}" srcOrd="1" destOrd="0" presId="urn:microsoft.com/office/officeart/2005/8/layout/list1"/>
-    <dgm:cxn modelId="{C0AE2FCA-BBDC-452D-8005-09AD94AD8C8C}" type="presOf" srcId="{976BA411-059E-4671-90BB-A59480B9FCED}" destId="{F0B2F77D-0570-4EE5-85D7-6956BDF876CB}" srcOrd="1" destOrd="0" presId="urn:microsoft.com/office/officeart/2005/8/layout/list1"/>
-    <dgm:cxn modelId="{9169FF57-6F69-49E7-AD72-A90A3569E1FD}" srcId="{DB299D46-02EF-4C4A-A2A3-BC8A2FA70B0B}" destId="{60EFB68B-ECDE-49A8-9F00-9A935C80F4D5}" srcOrd="5" destOrd="0" parTransId="{4222383F-4D08-4D35-A986-A241E84D32D7}" sibTransId="{B646561F-382C-4219-BCBA-FA164A5E03A3}"/>
+    <dgm:cxn modelId="{527E9B78-22B0-4251-9DC5-168041CB7435}" type="presOf" srcId="{42EBD018-7771-49D3-A1E2-6BBE4A523DC1}" destId="{21C493D3-2E65-430B-8244-FFCDD690448D}" srcOrd="1" destOrd="0" presId="urn:microsoft.com/office/officeart/2005/8/layout/list1"/>
     <dgm:cxn modelId="{A9CCACC1-FB3A-4F8E-A9F2-E18C9941C837}" srcId="{DB299D46-02EF-4C4A-A2A3-BC8A2FA70B0B}" destId="{976BA411-059E-4671-90BB-A59480B9FCED}" srcOrd="0" destOrd="0" parTransId="{3354B933-172B-4A97-A74D-39CAFB2603FA}" sibTransId="{FD2EBDAB-1403-4E49-B9A5-DBDDD08F6960}"/>
-    <dgm:cxn modelId="{C0DCF4C9-AB6D-434C-A6CE-D5DD59B34B74}" type="presOf" srcId="{09A92969-E312-436F-B01B-C54639D9F4CB}" destId="{06312F67-0FFB-49C9-BEAF-4D8D699D6136}" srcOrd="1" destOrd="0" presId="urn:microsoft.com/office/officeart/2005/8/layout/list1"/>
-    <dgm:cxn modelId="{AA8D485E-F16D-4AF8-82FC-CB73AF63A75A}" srcId="{DB299D46-02EF-4C4A-A2A3-BC8A2FA70B0B}" destId="{42EBD018-7771-49D3-A1E2-6BBE4A523DC1}" srcOrd="6" destOrd="0" parTransId="{7B1F49D5-BDD5-457D-9441-D2ED48DCE804}" sibTransId="{4680815A-8A2C-4CDC-97E6-F327DD95DC6B}"/>
-    <dgm:cxn modelId="{C6077115-9D5E-409B-99D7-480ABE813D67}" srcId="{DB299D46-02EF-4C4A-A2A3-BC8A2FA70B0B}" destId="{09A92969-E312-436F-B01B-C54639D9F4CB}" srcOrd="1" destOrd="0" parTransId="{56EF1A16-8AFD-42DC-A0FD-69DF272E7649}" sibTransId="{21109E8D-3751-4A16-8923-2F8E5468C644}"/>
-    <dgm:cxn modelId="{3A8EF857-D538-4F5A-8911-41951C840FCD}" type="presOf" srcId="{DB299D46-02EF-4C4A-A2A3-BC8A2FA70B0B}" destId="{8BCF802A-4DCF-4A5D-9975-889F70F88A8E}" srcOrd="0" destOrd="0" presId="urn:microsoft.com/office/officeart/2005/8/layout/list1"/>
-    <dgm:cxn modelId="{527E9B78-22B0-4251-9DC5-168041CB7435}" type="presOf" srcId="{42EBD018-7771-49D3-A1E2-6BBE4A523DC1}" destId="{21C493D3-2E65-430B-8244-FFCDD690448D}" srcOrd="1" destOrd="0" presId="urn:microsoft.com/office/officeart/2005/8/layout/list1"/>
     <dgm:cxn modelId="{7EE9C113-42BB-422F-B190-6CF528EFBA9E}" type="presOf" srcId="{7D00613F-65AE-43F2-B7A0-1FE9873B5C80}" destId="{D266DC55-C79A-4A35-A82D-ED588B3DB565}" srcOrd="0" destOrd="0" presId="urn:microsoft.com/office/officeart/2005/8/layout/list1"/>
     <dgm:cxn modelId="{9AE2AF2C-7B64-4F77-8070-7CE075DACBD2}" type="presParOf" srcId="{8BCF802A-4DCF-4A5D-9975-889F70F88A8E}" destId="{A94154DA-1869-4399-B3A8-00D7A1147B77}" srcOrd="0" destOrd="0" presId="urn:microsoft.com/office/officeart/2005/8/layout/list1"/>
     <dgm:cxn modelId="{EF7ED9F1-E1F2-429B-A662-8416C88DD6E9}" type="presParOf" srcId="{A94154DA-1869-4399-B3A8-00D7A1147B77}" destId="{B45801BD-DE0C-4223-AE60-FF467171B922}" srcOrd="0" destOrd="0" presId="urn:microsoft.com/office/officeart/2005/8/layout/list1"/>
@@ -3081,17 +3170,23 @@
     <dgm:cxn modelId="{36BE4439-66AF-45C1-B124-20A45AB03133}" type="presParOf" srcId="{8BCF802A-4DCF-4A5D-9975-889F70F88A8E}" destId="{3A6225DB-854A-4345-B00A-4AFA2402D7F9}" srcOrd="17" destOrd="0" presId="urn:microsoft.com/office/officeart/2005/8/layout/list1"/>
     <dgm:cxn modelId="{A103BA6E-749F-450D-824E-A2BB0829B1C5}" type="presParOf" srcId="{8BCF802A-4DCF-4A5D-9975-889F70F88A8E}" destId="{47263035-17BD-483C-933B-0EC20F0344A7}" srcOrd="18" destOrd="0" presId="urn:microsoft.com/office/officeart/2005/8/layout/list1"/>
     <dgm:cxn modelId="{57E1BC5D-A07E-4C4C-8A81-4296ED71E981}" type="presParOf" srcId="{8BCF802A-4DCF-4A5D-9975-889F70F88A8E}" destId="{39D26D44-724C-430D-BB6F-1A4623196DAA}" srcOrd="19" destOrd="0" presId="urn:microsoft.com/office/officeart/2005/8/layout/list1"/>
-    <dgm:cxn modelId="{3BD3E557-42E2-4E80-8A44-F8F6E0A23107}" type="presParOf" srcId="{8BCF802A-4DCF-4A5D-9975-889F70F88A8E}" destId="{EF1397B8-6696-48D4-A9AD-C4FB89BE2079}" srcOrd="20" destOrd="0" presId="urn:microsoft.com/office/officeart/2005/8/layout/list1"/>
+    <dgm:cxn modelId="{88EC477D-3CC2-48F3-AEBD-225749CADD0B}" type="presParOf" srcId="{8BCF802A-4DCF-4A5D-9975-889F70F88A8E}" destId="{12AA23E7-8E3F-4020-9007-718F64F2E44D}" srcOrd="20" destOrd="0" presId="urn:microsoft.com/office/officeart/2005/8/layout/list1"/>
+    <dgm:cxn modelId="{E92A6FF2-312C-4720-8225-588494E44E38}" type="presParOf" srcId="{12AA23E7-8E3F-4020-9007-718F64F2E44D}" destId="{9499A030-D5CB-49A3-A78C-F571C4FF9513}" srcOrd="0" destOrd="0" presId="urn:microsoft.com/office/officeart/2005/8/layout/list1"/>
+    <dgm:cxn modelId="{B4A306AB-86BE-4256-B994-F59A1FC92F38}" type="presParOf" srcId="{12AA23E7-8E3F-4020-9007-718F64F2E44D}" destId="{F867114F-9D4B-400A-851D-54AD75F0CAF6}" srcOrd="1" destOrd="0" presId="urn:microsoft.com/office/officeart/2005/8/layout/list1"/>
+    <dgm:cxn modelId="{B567840F-2C1E-425B-848E-B65F837DC6AB}" type="presParOf" srcId="{8BCF802A-4DCF-4A5D-9975-889F70F88A8E}" destId="{683E14AE-6F1B-4645-9186-98B70EA6F86D}" srcOrd="21" destOrd="0" presId="urn:microsoft.com/office/officeart/2005/8/layout/list1"/>
+    <dgm:cxn modelId="{39EFBC44-8596-44F6-A76C-8AE99D167E0E}" type="presParOf" srcId="{8BCF802A-4DCF-4A5D-9975-889F70F88A8E}" destId="{5722C9E9-5FF3-4566-925A-202A3E0D6CC8}" srcOrd="22" destOrd="0" presId="urn:microsoft.com/office/officeart/2005/8/layout/list1"/>
+    <dgm:cxn modelId="{8BBE23F7-1D05-4110-A8A9-4AF744B64EEA}" type="presParOf" srcId="{8BCF802A-4DCF-4A5D-9975-889F70F88A8E}" destId="{8FE54429-832F-4BCF-9648-E405223289A1}" srcOrd="23" destOrd="0" presId="urn:microsoft.com/office/officeart/2005/8/layout/list1"/>
+    <dgm:cxn modelId="{3BD3E557-42E2-4E80-8A44-F8F6E0A23107}" type="presParOf" srcId="{8BCF802A-4DCF-4A5D-9975-889F70F88A8E}" destId="{EF1397B8-6696-48D4-A9AD-C4FB89BE2079}" srcOrd="24" destOrd="0" presId="urn:microsoft.com/office/officeart/2005/8/layout/list1"/>
     <dgm:cxn modelId="{DD7501FE-9DC7-4F5F-984B-426C288BBF5E}" type="presParOf" srcId="{EF1397B8-6696-48D4-A9AD-C4FB89BE2079}" destId="{61DB4252-15B3-4DA8-A62C-110672F130FC}" srcOrd="0" destOrd="0" presId="urn:microsoft.com/office/officeart/2005/8/layout/list1"/>
     <dgm:cxn modelId="{A1E4F9C3-4036-4EF7-B2B8-1CBCF605950C}" type="presParOf" srcId="{EF1397B8-6696-48D4-A9AD-C4FB89BE2079}" destId="{6FBF5D74-6C54-4ED3-9CF7-FDD4E9A87758}" srcOrd="1" destOrd="0" presId="urn:microsoft.com/office/officeart/2005/8/layout/list1"/>
-    <dgm:cxn modelId="{7A67EF69-2E82-458A-B37A-BC10695C6B54}" type="presParOf" srcId="{8BCF802A-4DCF-4A5D-9975-889F70F88A8E}" destId="{F8FFC50A-98ED-4881-9FD1-A6811CA41598}" srcOrd="21" destOrd="0" presId="urn:microsoft.com/office/officeart/2005/8/layout/list1"/>
-    <dgm:cxn modelId="{FC17D0A4-E8E7-4496-B5D9-288CEDB67C28}" type="presParOf" srcId="{8BCF802A-4DCF-4A5D-9975-889F70F88A8E}" destId="{3BCAAB66-9D26-4B59-B5C9-C38E171F6904}" srcOrd="22" destOrd="0" presId="urn:microsoft.com/office/officeart/2005/8/layout/list1"/>
-    <dgm:cxn modelId="{DE335445-8FF1-4C99-A640-0A26E875D8FE}" type="presParOf" srcId="{8BCF802A-4DCF-4A5D-9975-889F70F88A8E}" destId="{8FEBAA23-1284-4D7E-AE49-96753CA8B2B6}" srcOrd="23" destOrd="0" presId="urn:microsoft.com/office/officeart/2005/8/layout/list1"/>
-    <dgm:cxn modelId="{E336CF4E-2EE7-4819-B9DA-5BE758FE30F2}" type="presParOf" srcId="{8BCF802A-4DCF-4A5D-9975-889F70F88A8E}" destId="{3DAF4AF8-FDF4-449C-B4DB-34D874B57A91}" srcOrd="24" destOrd="0" presId="urn:microsoft.com/office/officeart/2005/8/layout/list1"/>
+    <dgm:cxn modelId="{7A67EF69-2E82-458A-B37A-BC10695C6B54}" type="presParOf" srcId="{8BCF802A-4DCF-4A5D-9975-889F70F88A8E}" destId="{F8FFC50A-98ED-4881-9FD1-A6811CA41598}" srcOrd="25" destOrd="0" presId="urn:microsoft.com/office/officeart/2005/8/layout/list1"/>
+    <dgm:cxn modelId="{FC17D0A4-E8E7-4496-B5D9-288CEDB67C28}" type="presParOf" srcId="{8BCF802A-4DCF-4A5D-9975-889F70F88A8E}" destId="{3BCAAB66-9D26-4B59-B5C9-C38E171F6904}" srcOrd="26" destOrd="0" presId="urn:microsoft.com/office/officeart/2005/8/layout/list1"/>
+    <dgm:cxn modelId="{DE335445-8FF1-4C99-A640-0A26E875D8FE}" type="presParOf" srcId="{8BCF802A-4DCF-4A5D-9975-889F70F88A8E}" destId="{8FEBAA23-1284-4D7E-AE49-96753CA8B2B6}" srcOrd="27" destOrd="0" presId="urn:microsoft.com/office/officeart/2005/8/layout/list1"/>
+    <dgm:cxn modelId="{E336CF4E-2EE7-4819-B9DA-5BE758FE30F2}" type="presParOf" srcId="{8BCF802A-4DCF-4A5D-9975-889F70F88A8E}" destId="{3DAF4AF8-FDF4-449C-B4DB-34D874B57A91}" srcOrd="28" destOrd="0" presId="urn:microsoft.com/office/officeart/2005/8/layout/list1"/>
     <dgm:cxn modelId="{6064B0EB-753B-4B9F-99BA-D297EA70CF96}" type="presParOf" srcId="{3DAF4AF8-FDF4-449C-B4DB-34D874B57A91}" destId="{FCC81B5C-A3A5-4761-B793-08C31B04AA48}" srcOrd="0" destOrd="0" presId="urn:microsoft.com/office/officeart/2005/8/layout/list1"/>
     <dgm:cxn modelId="{B2F2FB08-8C3A-4F5D-8506-B86DAE455F3B}" type="presParOf" srcId="{3DAF4AF8-FDF4-449C-B4DB-34D874B57A91}" destId="{21C493D3-2E65-430B-8244-FFCDD690448D}" srcOrd="1" destOrd="0" presId="urn:microsoft.com/office/officeart/2005/8/layout/list1"/>
-    <dgm:cxn modelId="{9B9D7CEB-438B-4ED9-8C6E-B33B5A69F39A}" type="presParOf" srcId="{8BCF802A-4DCF-4A5D-9975-889F70F88A8E}" destId="{757C40AE-E322-4A8A-91CB-05E29AD4A2B0}" srcOrd="25" destOrd="0" presId="urn:microsoft.com/office/officeart/2005/8/layout/list1"/>
-    <dgm:cxn modelId="{6E680197-75C6-4EFD-8A21-48F1B21B868D}" type="presParOf" srcId="{8BCF802A-4DCF-4A5D-9975-889F70F88A8E}" destId="{493081BA-07EE-4108-B078-182254C0D764}" srcOrd="26" destOrd="0" presId="urn:microsoft.com/office/officeart/2005/8/layout/list1"/>
+    <dgm:cxn modelId="{9B9D7CEB-438B-4ED9-8C6E-B33B5A69F39A}" type="presParOf" srcId="{8BCF802A-4DCF-4A5D-9975-889F70F88A8E}" destId="{757C40AE-E322-4A8A-91CB-05E29AD4A2B0}" srcOrd="29" destOrd="0" presId="urn:microsoft.com/office/officeart/2005/8/layout/list1"/>
+    <dgm:cxn modelId="{6E680197-75C6-4EFD-8A21-48F1B21B868D}" type="presParOf" srcId="{8BCF802A-4DCF-4A5D-9975-889F70F88A8E}" destId="{493081BA-07EE-4108-B078-182254C0D764}" srcOrd="30" destOrd="0" presId="urn:microsoft.com/office/officeart/2005/8/layout/list1"/>
   </dgm:cxnLst>
   <dgm:bg/>
   <dgm:whole/>
@@ -3482,8 +3577,8 @@
     <dgm:cxn modelId="{8216A20F-F55E-4F2D-ACCB-1FE8DE59D41B}" type="presOf" srcId="{9F8D00BC-4B1E-4011-82E5-8215F3E87BE4}" destId="{8964DBA5-8684-4BD0-A050-30F5A52DCCD7}" srcOrd="0" destOrd="0" presId="urn:microsoft.com/office/officeart/2005/8/layout/cycle1"/>
     <dgm:cxn modelId="{291555BA-1C53-4B38-889B-6E400E678C51}" type="presOf" srcId="{606F8C01-9345-4ECE-AA1A-B6E5C5A81716}" destId="{7A72A19B-623B-47BD-9EB6-93670FFFE0E4}" srcOrd="0" destOrd="0" presId="urn:microsoft.com/office/officeart/2005/8/layout/cycle1"/>
     <dgm:cxn modelId="{3211CF02-A313-435A-B84F-C9D165A99716}" srcId="{6E525D43-B65E-4A25-B039-337112B56B4D}" destId="{58000B83-43D1-4158-84A5-197C7AA96ED9}" srcOrd="2" destOrd="0" parTransId="{95C1AA50-19E5-4485-8683-381ABDA86166}" sibTransId="{FBA5094D-253B-4790-9656-726ABCC7E91B}"/>
+    <dgm:cxn modelId="{87898767-1518-40F9-992A-A4865810E741}" type="presOf" srcId="{3FD857F1-965B-4D6D-A919-9F1229D6DC4E}" destId="{BC870580-9D6D-47EC-AA95-7A80FD676209}" srcOrd="0" destOrd="0" presId="urn:microsoft.com/office/officeart/2005/8/layout/cycle1"/>
     <dgm:cxn modelId="{CE6A2C36-6138-404C-B0F3-A453F6E872DB}" type="presOf" srcId="{6E525D43-B65E-4A25-B039-337112B56B4D}" destId="{684FEEA8-0657-48DE-BC5B-476013C888CB}" srcOrd="0" destOrd="0" presId="urn:microsoft.com/office/officeart/2005/8/layout/cycle1"/>
-    <dgm:cxn modelId="{87898767-1518-40F9-992A-A4865810E741}" type="presOf" srcId="{3FD857F1-965B-4D6D-A919-9F1229D6DC4E}" destId="{BC870580-9D6D-47EC-AA95-7A80FD676209}" srcOrd="0" destOrd="0" presId="urn:microsoft.com/office/officeart/2005/8/layout/cycle1"/>
     <dgm:cxn modelId="{06985FDF-E5B8-4018-9BF2-CA894E0E10C3}" type="presOf" srcId="{FBA5094D-253B-4790-9656-726ABCC7E91B}" destId="{2B04CA99-B376-479F-AF6C-79900B907F23}" srcOrd="0" destOrd="0" presId="urn:microsoft.com/office/officeart/2005/8/layout/cycle1"/>
     <dgm:cxn modelId="{5FC283F4-5867-47D0-9657-613D62EB93F3}" srcId="{6E525D43-B65E-4A25-B039-337112B56B4D}" destId="{9F8D00BC-4B1E-4011-82E5-8215F3E87BE4}" srcOrd="0" destOrd="0" parTransId="{2C849661-D8F6-4E5F-8010-3E4A1097452A}" sibTransId="{1795B07D-893B-4E6E-9D26-57F4B3FD181E}"/>
     <dgm:cxn modelId="{41782CC8-0CAB-45A2-8978-D21277FBC014}" type="presParOf" srcId="{684FEEA8-0657-48DE-BC5B-476013C888CB}" destId="{7EE2F31B-9CC0-4EB4-B2ED-254BDD2CDFC8}" srcOrd="0" destOrd="0" presId="urn:microsoft.com/office/officeart/2005/8/layout/cycle1"/>
@@ -4120,8 +4215,8 @@
       </dsp:nvSpPr>
       <dsp:spPr>
         <a:xfrm>
-          <a:off x="0" y="284781"/>
-          <a:ext cx="8229600" cy="352800"/>
+          <a:off x="0" y="295221"/>
+          <a:ext cx="8229600" cy="302400"/>
         </a:xfrm>
         <a:prstGeom prst="rect">
           <a:avLst/>
@@ -4168,8 +4263,8 @@
       </dsp:nvSpPr>
       <dsp:spPr>
         <a:xfrm>
-          <a:off x="411480" y="78141"/>
-          <a:ext cx="5760720" cy="413280"/>
+          <a:off x="411480" y="118101"/>
+          <a:ext cx="5760720" cy="354240"/>
         </a:xfrm>
         <a:prstGeom prst="roundRect">
           <a:avLst/>
@@ -4215,7 +4310,7 @@
         </a:bodyPr>
         <a:lstStyle/>
         <a:p>
-          <a:pPr lvl="0" algn="l" defTabSz="622300">
+          <a:pPr lvl="0" algn="l" defTabSz="533400">
             <a:lnSpc>
               <a:spcPct val="90000"/>
             </a:lnSpc>
@@ -4227,15 +4322,15 @@
             </a:spcAft>
           </a:pPr>
           <a:r>
-            <a:rPr lang="en-US" sz="1400" kern="1200" smtClean="0"/>
+            <a:rPr lang="en-US" sz="1200" kern="1200" smtClean="0"/>
             <a:t>Delaunay Triangulation</a:t>
           </a:r>
-          <a:endParaRPr lang="en-US" sz="1400" kern="1200"/>
+          <a:endParaRPr lang="en-US" sz="1200" kern="1200"/>
         </a:p>
       </dsp:txBody>
       <dsp:txXfrm>
-        <a:off x="431655" y="98316"/>
-        <a:ext cx="5720370" cy="372930"/>
+        <a:off x="428773" y="135394"/>
+        <a:ext cx="5726134" cy="319654"/>
       </dsp:txXfrm>
     </dsp:sp>
     <dsp:sp modelId="{01C0D081-9C9A-4ABB-B64F-0E6954DFB198}">
@@ -4245,8 +4340,8 @@
       </dsp:nvSpPr>
       <dsp:spPr>
         <a:xfrm>
-          <a:off x="0" y="919821"/>
-          <a:ext cx="8229600" cy="352800"/>
+          <a:off x="0" y="839541"/>
+          <a:ext cx="8229600" cy="302400"/>
         </a:xfrm>
         <a:prstGeom prst="rect">
           <a:avLst/>
@@ -4293,8 +4388,8 @@
       </dsp:nvSpPr>
       <dsp:spPr>
         <a:xfrm>
-          <a:off x="411480" y="713181"/>
-          <a:ext cx="5760720" cy="413280"/>
+          <a:off x="411480" y="662421"/>
+          <a:ext cx="5760720" cy="354240"/>
         </a:xfrm>
         <a:prstGeom prst="roundRect">
           <a:avLst/>
@@ -4340,7 +4435,7 @@
         </a:bodyPr>
         <a:lstStyle/>
         <a:p>
-          <a:pPr lvl="0" algn="l" defTabSz="622300">
+          <a:pPr lvl="0" algn="l" defTabSz="533400">
             <a:lnSpc>
               <a:spcPct val="90000"/>
             </a:lnSpc>
@@ -4352,15 +4447,15 @@
             </a:spcAft>
           </a:pPr>
           <a:r>
-            <a:rPr lang="en-US" sz="1400" kern="1200" smtClean="0"/>
+            <a:rPr lang="en-US" sz="1200" kern="1200" smtClean="0"/>
             <a:t>Constrained Delaunay Triangulation</a:t>
           </a:r>
-          <a:endParaRPr lang="en-US" sz="1400" kern="1200" dirty="0"/>
+          <a:endParaRPr lang="en-US" sz="1200" kern="1200" dirty="0"/>
         </a:p>
       </dsp:txBody>
       <dsp:txXfrm>
-        <a:off x="431655" y="733356"/>
-        <a:ext cx="5720370" cy="372930"/>
+        <a:off x="428773" y="679714"/>
+        <a:ext cx="5726134" cy="319654"/>
       </dsp:txXfrm>
     </dsp:sp>
     <dsp:sp modelId="{F5A553A0-7C6F-498B-BADC-CFE437B08EA8}">
@@ -4370,8 +4465,8 @@
       </dsp:nvSpPr>
       <dsp:spPr>
         <a:xfrm>
-          <a:off x="0" y="1554861"/>
-          <a:ext cx="8229600" cy="352800"/>
+          <a:off x="0" y="1383861"/>
+          <a:ext cx="8229600" cy="302400"/>
         </a:xfrm>
         <a:prstGeom prst="rect">
           <a:avLst/>
@@ -4418,8 +4513,8 @@
       </dsp:nvSpPr>
       <dsp:spPr>
         <a:xfrm>
-          <a:off x="411480" y="1348221"/>
-          <a:ext cx="5760720" cy="413280"/>
+          <a:off x="411480" y="1206741"/>
+          <a:ext cx="5760720" cy="354240"/>
         </a:xfrm>
         <a:prstGeom prst="roundRect">
           <a:avLst/>
@@ -4465,7 +4560,7 @@
         </a:bodyPr>
         <a:lstStyle/>
         <a:p>
-          <a:pPr lvl="0" algn="l" defTabSz="622300">
+          <a:pPr lvl="0" algn="l" defTabSz="533400">
             <a:lnSpc>
               <a:spcPct val="90000"/>
             </a:lnSpc>
@@ -4477,15 +4572,15 @@
             </a:spcAft>
           </a:pPr>
           <a:r>
-            <a:rPr lang="en-US" sz="1400" kern="1200" smtClean="0"/>
+            <a:rPr lang="en-US" sz="1200" kern="1200" smtClean="0"/>
             <a:t>Examples of Constrained Delaunay Triangulation</a:t>
           </a:r>
-          <a:endParaRPr lang="en-US" sz="1400" kern="1200" dirty="0"/>
+          <a:endParaRPr lang="en-US" sz="1200" kern="1200" dirty="0"/>
         </a:p>
       </dsp:txBody>
       <dsp:txXfrm>
-        <a:off x="431655" y="1368396"/>
-        <a:ext cx="5720370" cy="372930"/>
+        <a:off x="428773" y="1224034"/>
+        <a:ext cx="5726134" cy="319654"/>
       </dsp:txXfrm>
     </dsp:sp>
     <dsp:sp modelId="{49A7369F-3E98-46CA-A9BA-AB446A8F2EF5}">
@@ -4495,8 +4590,8 @@
       </dsp:nvSpPr>
       <dsp:spPr>
         <a:xfrm>
-          <a:off x="0" y="2189901"/>
-          <a:ext cx="8229600" cy="352800"/>
+          <a:off x="0" y="1928181"/>
+          <a:ext cx="8229600" cy="302400"/>
         </a:xfrm>
         <a:prstGeom prst="rect">
           <a:avLst/>
@@ -4543,8 +4638,8 @@
       </dsp:nvSpPr>
       <dsp:spPr>
         <a:xfrm>
-          <a:off x="411480" y="1983261"/>
-          <a:ext cx="5760720" cy="413280"/>
+          <a:off x="411480" y="1751061"/>
+          <a:ext cx="5760720" cy="354240"/>
         </a:xfrm>
         <a:prstGeom prst="roundRect">
           <a:avLst/>
@@ -4590,7 +4685,7 @@
         </a:bodyPr>
         <a:lstStyle/>
         <a:p>
-          <a:pPr lvl="0" algn="l" defTabSz="622300">
+          <a:pPr lvl="0" algn="l" defTabSz="533400">
             <a:lnSpc>
               <a:spcPct val="90000"/>
             </a:lnSpc>
@@ -4602,15 +4697,15 @@
             </a:spcAft>
           </a:pPr>
           <a:r>
-            <a:rPr lang="en-US" sz="1400" kern="1200" dirty="0" smtClean="0"/>
+            <a:rPr lang="en-US" sz="1200" kern="1200" dirty="0" smtClean="0"/>
             <a:t>Applications</a:t>
           </a:r>
-          <a:endParaRPr lang="en-US" sz="1400" kern="1200" dirty="0"/>
+          <a:endParaRPr lang="en-US" sz="1200" kern="1200" dirty="0"/>
         </a:p>
       </dsp:txBody>
       <dsp:txXfrm>
-        <a:off x="431655" y="2003436"/>
-        <a:ext cx="5720370" cy="372930"/>
+        <a:off x="428773" y="1768354"/>
+        <a:ext cx="5726134" cy="319654"/>
       </dsp:txXfrm>
     </dsp:sp>
     <dsp:sp modelId="{47263035-17BD-483C-933B-0EC20F0344A7}">
@@ -4620,8 +4715,8 @@
       </dsp:nvSpPr>
       <dsp:spPr>
         <a:xfrm>
-          <a:off x="0" y="2824941"/>
-          <a:ext cx="8229600" cy="352800"/>
+          <a:off x="0" y="2472501"/>
+          <a:ext cx="8229600" cy="302400"/>
         </a:xfrm>
         <a:prstGeom prst="rect">
           <a:avLst/>
@@ -4668,8 +4763,8 @@
       </dsp:nvSpPr>
       <dsp:spPr>
         <a:xfrm>
-          <a:off x="411480" y="2618301"/>
-          <a:ext cx="5760720" cy="413280"/>
+          <a:off x="411480" y="2295381"/>
+          <a:ext cx="5760720" cy="354240"/>
         </a:xfrm>
         <a:prstGeom prst="roundRect">
           <a:avLst/>
@@ -4715,7 +4810,7 @@
         </a:bodyPr>
         <a:lstStyle/>
         <a:p>
-          <a:pPr lvl="0" algn="l" defTabSz="622300">
+          <a:pPr lvl="0" algn="l" defTabSz="533400">
             <a:lnSpc>
               <a:spcPct val="90000"/>
             </a:lnSpc>
@@ -4727,15 +4822,140 @@
             </a:spcAft>
           </a:pPr>
           <a:r>
-            <a:rPr lang="en-US" sz="1400" kern="1200" dirty="0" smtClean="0"/>
+            <a:rPr lang="en-US" sz="1200" kern="1200" dirty="0" smtClean="0"/>
             <a:t>Overview of the implemented algorithm</a:t>
           </a:r>
-          <a:endParaRPr lang="en-US" sz="1400" kern="1200" dirty="0"/>
+          <a:endParaRPr lang="en-US" sz="1200" kern="1200" dirty="0"/>
         </a:p>
       </dsp:txBody>
       <dsp:txXfrm>
-        <a:off x="431655" y="2638476"/>
-        <a:ext cx="5720370" cy="372930"/>
+        <a:off x="428773" y="2312674"/>
+        <a:ext cx="5726134" cy="319654"/>
+      </dsp:txXfrm>
+    </dsp:sp>
+    <dsp:sp modelId="{5722C9E9-5FF3-4566-925A-202A3E0D6CC8}">
+      <dsp:nvSpPr>
+        <dsp:cNvPr id="0" name=""/>
+        <dsp:cNvSpPr/>
+      </dsp:nvSpPr>
+      <dsp:spPr>
+        <a:xfrm>
+          <a:off x="0" y="3016821"/>
+          <a:ext cx="8229600" cy="302400"/>
+        </a:xfrm>
+        <a:prstGeom prst="rect">
+          <a:avLst/>
+        </a:prstGeom>
+        <a:solidFill>
+          <a:schemeClr val="lt1">
+            <a:alpha val="90000"/>
+            <a:hueOff val="0"/>
+            <a:satOff val="0"/>
+            <a:lumOff val="0"/>
+            <a:alphaOff val="0"/>
+          </a:schemeClr>
+        </a:solidFill>
+        <a:ln w="15875" cap="flat" cmpd="sng" algn="ctr">
+          <a:solidFill>
+            <a:schemeClr val="accent1">
+              <a:hueOff val="0"/>
+              <a:satOff val="0"/>
+              <a:lumOff val="0"/>
+              <a:alphaOff val="0"/>
+            </a:schemeClr>
+          </a:solidFill>
+          <a:prstDash val="solid"/>
+        </a:ln>
+        <a:effectLst/>
+      </dsp:spPr>
+      <dsp:style>
+        <a:lnRef idx="2">
+          <a:scrgbClr r="0" g="0" b="0"/>
+        </a:lnRef>
+        <a:fillRef idx="1">
+          <a:scrgbClr r="0" g="0" b="0"/>
+        </a:fillRef>
+        <a:effectRef idx="0">
+          <a:scrgbClr r="0" g="0" b="0"/>
+        </a:effectRef>
+        <a:fontRef idx="minor"/>
+      </dsp:style>
+    </dsp:sp>
+    <dsp:sp modelId="{F867114F-9D4B-400A-851D-54AD75F0CAF6}">
+      <dsp:nvSpPr>
+        <dsp:cNvPr id="0" name=""/>
+        <dsp:cNvSpPr/>
+      </dsp:nvSpPr>
+      <dsp:spPr>
+        <a:xfrm>
+          <a:off x="411480" y="2839701"/>
+          <a:ext cx="5760720" cy="354240"/>
+        </a:xfrm>
+        <a:prstGeom prst="roundRect">
+          <a:avLst/>
+        </a:prstGeom>
+        <a:solidFill>
+          <a:schemeClr val="accent1">
+            <a:hueOff val="0"/>
+            <a:satOff val="0"/>
+            <a:lumOff val="0"/>
+            <a:alphaOff val="0"/>
+          </a:schemeClr>
+        </a:solidFill>
+        <a:ln w="15875" cap="flat" cmpd="sng" algn="ctr">
+          <a:solidFill>
+            <a:schemeClr val="lt1">
+              <a:hueOff val="0"/>
+              <a:satOff val="0"/>
+              <a:lumOff val="0"/>
+              <a:alphaOff val="0"/>
+            </a:schemeClr>
+          </a:solidFill>
+          <a:prstDash val="solid"/>
+        </a:ln>
+        <a:effectLst/>
+      </dsp:spPr>
+      <dsp:style>
+        <a:lnRef idx="2">
+          <a:scrgbClr r="0" g="0" b="0"/>
+        </a:lnRef>
+        <a:fillRef idx="1">
+          <a:scrgbClr r="0" g="0" b="0"/>
+        </a:fillRef>
+        <a:effectRef idx="0">
+          <a:scrgbClr r="0" g="0" b="0"/>
+        </a:effectRef>
+        <a:fontRef idx="minor">
+          <a:schemeClr val="lt1"/>
+        </a:fontRef>
+      </dsp:style>
+      <dsp:txBody>
+        <a:bodyPr spcFirstLastPara="0" vert="horz" wrap="square" lIns="217742" tIns="0" rIns="217742" bIns="0" numCol="1" spcCol="1270" anchor="ctr" anchorCtr="0">
+          <a:noAutofit/>
+        </a:bodyPr>
+        <a:lstStyle/>
+        <a:p>
+          <a:pPr lvl="0" algn="l" defTabSz="533400">
+            <a:lnSpc>
+              <a:spcPct val="90000"/>
+            </a:lnSpc>
+            <a:spcBef>
+              <a:spcPct val="0"/>
+            </a:spcBef>
+            <a:spcAft>
+              <a:spcPct val="35000"/>
+            </a:spcAft>
+          </a:pPr>
+          <a:r>
+            <a:rPr lang="en-US" sz="1200" kern="1200" dirty="0" smtClean="0"/>
+            <a:t>DEMO</a:t>
+          </a:r>
+          <a:endParaRPr lang="en-US" sz="1200" kern="1200" dirty="0"/>
+        </a:p>
+      </dsp:txBody>
+      <dsp:txXfrm>
+        <a:off x="428773" y="2856994"/>
+        <a:ext cx="5726134" cy="319654"/>
       </dsp:txXfrm>
     </dsp:sp>
     <dsp:sp modelId="{3BCAAB66-9D26-4B59-B5C9-C38E171F6904}">
@@ -4745,8 +4965,8 @@
       </dsp:nvSpPr>
       <dsp:spPr>
         <a:xfrm>
-          <a:off x="0" y="3459981"/>
-          <a:ext cx="8229600" cy="352800"/>
+          <a:off x="0" y="3561141"/>
+          <a:ext cx="8229600" cy="302400"/>
         </a:xfrm>
         <a:prstGeom prst="rect">
           <a:avLst/>
@@ -4793,8 +5013,8 @@
       </dsp:nvSpPr>
       <dsp:spPr>
         <a:xfrm>
-          <a:off x="411480" y="3253341"/>
-          <a:ext cx="5760720" cy="413280"/>
+          <a:off x="411480" y="3384021"/>
+          <a:ext cx="5760720" cy="354240"/>
         </a:xfrm>
         <a:prstGeom prst="roundRect">
           <a:avLst/>
@@ -4840,7 +5060,7 @@
         </a:bodyPr>
         <a:lstStyle/>
         <a:p>
-          <a:pPr lvl="0" algn="l" defTabSz="622300">
+          <a:pPr lvl="0" algn="l" defTabSz="533400">
             <a:lnSpc>
               <a:spcPct val="90000"/>
             </a:lnSpc>
@@ -4852,15 +5072,15 @@
             </a:spcAft>
           </a:pPr>
           <a:r>
-            <a:rPr lang="en-US" sz="1400" kern="1200" dirty="0" smtClean="0"/>
+            <a:rPr lang="en-US" sz="1200" kern="1200" dirty="0" smtClean="0"/>
             <a:t>Available algorithms</a:t>
           </a:r>
-          <a:endParaRPr lang="en-US" sz="1400" kern="1200" dirty="0"/>
+          <a:endParaRPr lang="en-US" sz="1200" kern="1200" dirty="0"/>
         </a:p>
       </dsp:txBody>
       <dsp:txXfrm>
-        <a:off x="431655" y="3273516"/>
-        <a:ext cx="5720370" cy="372930"/>
+        <a:off x="428773" y="3401314"/>
+        <a:ext cx="5726134" cy="319654"/>
       </dsp:txXfrm>
     </dsp:sp>
     <dsp:sp modelId="{493081BA-07EE-4108-B078-182254C0D764}">
@@ -4870,8 +5090,8 @@
       </dsp:nvSpPr>
       <dsp:spPr>
         <a:xfrm>
-          <a:off x="0" y="4095021"/>
-          <a:ext cx="8229600" cy="352800"/>
+          <a:off x="0" y="4105461"/>
+          <a:ext cx="8229600" cy="302400"/>
         </a:xfrm>
         <a:prstGeom prst="rect">
           <a:avLst/>
@@ -4918,8 +5138,8 @@
       </dsp:nvSpPr>
       <dsp:spPr>
         <a:xfrm>
-          <a:off x="411480" y="3888381"/>
-          <a:ext cx="5760720" cy="413280"/>
+          <a:off x="411480" y="3928341"/>
+          <a:ext cx="5760720" cy="354240"/>
         </a:xfrm>
         <a:prstGeom prst="roundRect">
           <a:avLst/>
@@ -4965,7 +5185,7 @@
         </a:bodyPr>
         <a:lstStyle/>
         <a:p>
-          <a:pPr lvl="0" algn="l" defTabSz="622300">
+          <a:pPr lvl="0" algn="l" defTabSz="533400">
             <a:lnSpc>
               <a:spcPct val="90000"/>
             </a:lnSpc>
@@ -4977,15 +5197,15 @@
             </a:spcAft>
           </a:pPr>
           <a:r>
-            <a:rPr lang="en-US" sz="1400" kern="1200" dirty="0" smtClean="0"/>
+            <a:rPr lang="en-US" sz="1200" kern="1200" dirty="0" smtClean="0"/>
             <a:t>TODO list</a:t>
           </a:r>
-          <a:endParaRPr lang="en-US" sz="1400" kern="1200" dirty="0"/>
+          <a:endParaRPr lang="en-US" sz="1200" kern="1200" dirty="0"/>
         </a:p>
       </dsp:txBody>
       <dsp:txXfrm>
-        <a:off x="431655" y="3908556"/>
-        <a:ext cx="5720370" cy="372930"/>
+        <a:off x="428773" y="3945634"/>
+        <a:ext cx="5726134" cy="319654"/>
       </dsp:txXfrm>
     </dsp:sp>
   </dsp:spTree>
@@ -11085,7 +11305,7 @@
           <a:p>
             <a:fld id="{18A6AB54-A72B-4A3E-A547-754E3AA73307}" type="datetimeFigureOut">
               <a:rPr lang="en-US" smtClean="0"/>
-              <a:t>17/06/2012</a:t>
+              <a:t>18/06/2012</a:t>
             </a:fld>
             <a:endParaRPr lang="en-US"/>
           </a:p>
@@ -14239,7 +14459,7 @@
             <a:fld id="{1D8BD707-D9CF-40AE-B4C6-C98DA3205C09}" type="datetimeFigureOut">
               <a:rPr lang="en-US" smtClean="0"/>
               <a:pPr/>
-              <a:t>17/06/2012</a:t>
+              <a:t>18/06/2012</a:t>
             </a:fld>
             <a:endParaRPr lang="en-US"/>
           </a:p>
@@ -14754,7 +14974,7 @@
             <a:fld id="{1D8BD707-D9CF-40AE-B4C6-C98DA3205C09}" type="datetimeFigureOut">
               <a:rPr lang="en-US" smtClean="0"/>
               <a:pPr/>
-              <a:t>17/06/2012</a:t>
+              <a:t>18/06/2012</a:t>
             </a:fld>
             <a:endParaRPr lang="en-US"/>
           </a:p>
@@ -14931,7 +15151,7 @@
             <a:fld id="{1D8BD707-D9CF-40AE-B4C6-C98DA3205C09}" type="datetimeFigureOut">
               <a:rPr lang="en-US" smtClean="0"/>
               <a:pPr/>
-              <a:t>17/06/2012</a:t>
+              <a:t>18/06/2012</a:t>
             </a:fld>
             <a:endParaRPr lang="en-US"/>
           </a:p>
@@ -15098,7 +15318,7 @@
             <a:fld id="{1D8BD707-D9CF-40AE-B4C6-C98DA3205C09}" type="datetimeFigureOut">
               <a:rPr lang="en-US" smtClean="0"/>
               <a:pPr/>
-              <a:t>17/06/2012</a:t>
+              <a:t>18/06/2012</a:t>
             </a:fld>
             <a:endParaRPr lang="en-US"/>
           </a:p>
@@ -18224,7 +18444,7 @@
             <a:fld id="{1D8BD707-D9CF-40AE-B4C6-C98DA3205C09}" type="datetimeFigureOut">
               <a:rPr lang="en-US" smtClean="0"/>
               <a:pPr/>
-              <a:t>17/06/2012</a:t>
+              <a:t>18/06/2012</a:t>
             </a:fld>
             <a:endParaRPr lang="en-US"/>
           </a:p>
@@ -18509,7 +18729,7 @@
             <a:fld id="{1D8BD707-D9CF-40AE-B4C6-C98DA3205C09}" type="datetimeFigureOut">
               <a:rPr lang="en-US" smtClean="0"/>
               <a:pPr/>
-              <a:t>17/06/2012</a:t>
+              <a:t>18/06/2012</a:t>
             </a:fld>
             <a:endParaRPr lang="en-US"/>
           </a:p>
@@ -18928,7 +19148,7 @@
             <a:fld id="{1D8BD707-D9CF-40AE-B4C6-C98DA3205C09}" type="datetimeFigureOut">
               <a:rPr lang="en-US" smtClean="0"/>
               <a:pPr/>
-              <a:t>17/06/2012</a:t>
+              <a:t>18/06/2012</a:t>
             </a:fld>
             <a:endParaRPr lang="en-US"/>
           </a:p>
@@ -19043,7 +19263,7 @@
             <a:fld id="{1D8BD707-D9CF-40AE-B4C6-C98DA3205C09}" type="datetimeFigureOut">
               <a:rPr lang="en-US" smtClean="0"/>
               <a:pPr/>
-              <a:t>17/06/2012</a:t>
+              <a:t>18/06/2012</a:t>
             </a:fld>
             <a:endParaRPr lang="en-US"/>
           </a:p>
@@ -19135,7 +19355,7 @@
             <a:fld id="{1D8BD707-D9CF-40AE-B4C6-C98DA3205C09}" type="datetimeFigureOut">
               <a:rPr lang="en-US" smtClean="0"/>
               <a:pPr/>
-              <a:t>17/06/2012</a:t>
+              <a:t>18/06/2012</a:t>
             </a:fld>
             <a:endParaRPr lang="en-US"/>
           </a:p>
@@ -19312,7 +19532,7 @@
             <a:fld id="{1D8BD707-D9CF-40AE-B4C6-C98DA3205C09}" type="datetimeFigureOut">
               <a:rPr lang="en-US" smtClean="0"/>
               <a:pPr/>
-              <a:t>17/06/2012</a:t>
+              <a:t>18/06/2012</a:t>
             </a:fld>
             <a:endParaRPr lang="en-US"/>
           </a:p>
@@ -19800,7 +20020,7 @@
             <a:fld id="{1D8BD707-D9CF-40AE-B4C6-C98DA3205C09}" type="datetimeFigureOut">
               <a:rPr lang="en-US" smtClean="0"/>
               <a:pPr/>
-              <a:t>17/06/2012</a:t>
+              <a:t>18/06/2012</a:t>
             </a:fld>
             <a:endParaRPr lang="en-US"/>
           </a:p>
@@ -20354,7 +20574,7 @@
             <a:fld id="{1D8BD707-D9CF-40AE-B4C6-C98DA3205C09}" type="datetimeFigureOut">
               <a:rPr lang="en-US" smtClean="0"/>
               <a:pPr/>
-              <a:t>17/06/2012</a:t>
+              <a:t>18/06/2012</a:t>
             </a:fld>
             <a:endParaRPr lang="en-US"/>
           </a:p>
@@ -27682,7 +27902,7 @@
             <p:ph idx="1"/>
             <p:extLst>
               <p:ext uri="{D42A27DB-BD31-4B8C-83A1-F6EECF244321}">
-                <p14:modId xmlns:p14="http://schemas.microsoft.com/office/powerpoint/2010/main" val="2375094121"/>
+                <p14:modId xmlns:p14="http://schemas.microsoft.com/office/powerpoint/2010/main" val="3141521315"/>
               </p:ext>
             </p:extLst>
           </p:nvPr>
@@ -28796,6 +29016,92 @@
       </p:grpSpPr>
       <p:sp>
         <p:nvSpPr>
+          <p:cNvPr id="3" name="Content Placeholder 2"/>
+          <p:cNvSpPr>
+            <a:spLocks noGrp="1"/>
+          </p:cNvSpPr>
+          <p:nvPr>
+            <p:ph idx="1"/>
+          </p:nvPr>
+        </p:nvSpPr>
+        <p:spPr>
+          <a:xfrm>
+            <a:off x="457200" y="457200"/>
+            <a:ext cx="8229600" cy="5668963"/>
+          </a:xfrm>
+          <a:effectLst>
+            <a:glow rad="101600">
+              <a:schemeClr val="accent5">
+                <a:satMod val="175000"/>
+                <a:alpha val="40000"/>
+              </a:schemeClr>
+            </a:glow>
+          </a:effectLst>
+        </p:spPr>
+        <p:txBody>
+          <a:bodyPr anchor="ctr">
+            <a:normAutofit/>
+          </a:bodyPr>
+          <a:lstStyle/>
+          <a:p>
+            <a:pPr marL="0" indent="0" algn="ctr">
+              <a:buNone/>
+            </a:pPr>
+            <a:r>
+              <a:rPr lang="en-US" sz="5400" b="1" dirty="0" smtClean="0">
+                <a:effectLst>
+                  <a:reflection blurRad="6350" stA="60000" endA="900" endPos="58000" dir="5400000" sy="-100000" algn="bl" rotWithShape="0"/>
+                </a:effectLst>
+              </a:rPr>
+              <a:t>LIVE DEMO</a:t>
+            </a:r>
+            <a:endParaRPr lang="en-US" sz="5400" b="1" dirty="0">
+              <a:effectLst>
+                <a:reflection blurRad="6350" stA="60000" endA="900" endPos="58000" dir="5400000" sy="-100000" algn="bl" rotWithShape="0"/>
+              </a:effectLst>
+            </a:endParaRPr>
+          </a:p>
+        </p:txBody>
+      </p:sp>
+    </p:spTree>
+    <p:extLst>
+      <p:ext uri="{BB962C8B-B14F-4D97-AF65-F5344CB8AC3E}">
+        <p14:creationId xmlns:p14="http://schemas.microsoft.com/office/powerpoint/2010/main" val="3326801132"/>
+      </p:ext>
+    </p:extLst>
+  </p:cSld>
+  <p:clrMapOvr>
+    <a:masterClrMapping/>
+  </p:clrMapOvr>
+  <p:timing>
+    <p:tnLst>
+      <p:par>
+        <p:cTn id="1" dur="indefinite" restart="never" nodeType="tmRoot"/>
+      </p:par>
+    </p:tnLst>
+  </p:timing>
+</p:sld>
+</file>
+
+<file path=ppt/slides/slide23.xml><?xml version="1.0" encoding="utf-8"?>
+<p:sld xmlns:a="http://schemas.openxmlformats.org/drawingml/2006/main" xmlns:r="http://schemas.openxmlformats.org/officeDocument/2006/relationships" xmlns:p="http://schemas.openxmlformats.org/presentationml/2006/main">
+  <p:cSld>
+    <p:spTree>
+      <p:nvGrpSpPr>
+        <p:cNvPr id="1" name=""/>
+        <p:cNvGrpSpPr/>
+        <p:nvPr/>
+      </p:nvGrpSpPr>
+      <p:grpSpPr>
+        <a:xfrm>
+          <a:off x="0" y="0"/>
+          <a:ext cx="0" cy="0"/>
+          <a:chOff x="0" y="0"/>
+          <a:chExt cx="0" cy="0"/>
+        </a:xfrm>
+      </p:grpSpPr>
+      <p:sp>
+        <p:nvSpPr>
           <p:cNvPr id="2" name="Title 1"/>
           <p:cNvSpPr>
             <a:spLocks noGrp="1"/>
@@ -29056,7 +29362,7 @@
 </p:sld>
 </file>
 
-<file path=ppt/slides/slide23.xml><?xml version="1.0" encoding="utf-8"?>
+<file path=ppt/slides/slide24.xml><?xml version="1.0" encoding="utf-8"?>
 <p:sld xmlns:a="http://schemas.openxmlformats.org/drawingml/2006/main" xmlns:r="http://schemas.openxmlformats.org/officeDocument/2006/relationships" xmlns:p="http://schemas.openxmlformats.org/presentationml/2006/main">
   <p:cSld>
     <p:spTree>
@@ -29117,7 +29423,7 @@
             </a:pPr>
             <a:r>
               <a:rPr lang="en-US" dirty="0" smtClean="0"/>
-              <a:t>Fix everything</a:t>
+              <a:t>Improve performance</a:t>
             </a:r>
           </a:p>
           <a:p>
@@ -29127,23 +29433,8 @@
             </a:pPr>
             <a:r>
               <a:rPr lang="en-US" dirty="0" smtClean="0"/>
-              <a:t>Other </a:t>
+              <a:t>Other stuff</a:t>
             </a:r>
-            <a:r>
-              <a:rPr lang="en-US" dirty="0" smtClean="0"/>
-              <a:t>stuff</a:t>
-            </a:r>
-          </a:p>
-          <a:p>
-            <a:pPr marL="457200" indent="-457200">
-              <a:buFont typeface="+mj-lt"/>
-              <a:buAutoNum type="arabicPeriod"/>
-            </a:pPr>
-            <a:r>
-              <a:rPr lang="en-US" dirty="0"/>
-              <a:t>a</a:t>
-            </a:r>
-            <a:endParaRPr lang="en-US" dirty="0"/>
           </a:p>
         </p:txBody>
       </p:sp>
@@ -29167,7 +29458,7 @@
 </p:sld>
 </file>
 
-<file path=ppt/slides/slide24.xml><?xml version="1.0" encoding="utf-8"?>
+<file path=ppt/slides/slide25.xml><?xml version="1.0" encoding="utf-8"?>
 <p:sld xmlns:a="http://schemas.openxmlformats.org/drawingml/2006/main" xmlns:r="http://schemas.openxmlformats.org/officeDocument/2006/relationships" xmlns:p="http://schemas.openxmlformats.org/presentationml/2006/main">
   <p:cSld>
     <p:spTree>
@@ -29237,7 +29528,7 @@
 </p:sld>
 </file>
 
-<file path=ppt/slides/slide25.xml><?xml version="1.0" encoding="utf-8"?>
+<file path=ppt/slides/slide26.xml><?xml version="1.0" encoding="utf-8"?>
 <p:sld xmlns:a="http://schemas.openxmlformats.org/drawingml/2006/main" xmlns:r="http://schemas.openxmlformats.org/officeDocument/2006/relationships" xmlns:p="http://schemas.openxmlformats.org/presentationml/2006/main">
   <p:cSld>
     <p:spTree>
@@ -29578,7 +29869,7 @@
 </p:sld>
 </file>
 
-<file path=ppt/slides/slide26.xml><?xml version="1.0" encoding="utf-8"?>
+<file path=ppt/slides/slide27.xml><?xml version="1.0" encoding="utf-8"?>
 <p:sld xmlns:a="http://schemas.openxmlformats.org/drawingml/2006/main" xmlns:r="http://schemas.openxmlformats.org/officeDocument/2006/relationships" xmlns:p="http://schemas.openxmlformats.org/presentationml/2006/main">
   <p:cSld>
     <p:spTree>

--- a/extra/CDT.pptx
+++ b/extra/CDT.pptx
@@ -29,8 +29,8 @@
     <p:sldId id="281" r:id="rId20"/>
     <p:sldId id="282" r:id="rId21"/>
     <p:sldId id="288" r:id="rId22"/>
-    <p:sldId id="289" r:id="rId23"/>
-    <p:sldId id="268" r:id="rId24"/>
+    <p:sldId id="268" r:id="rId23"/>
+    <p:sldId id="289" r:id="rId24"/>
     <p:sldId id="283" r:id="rId25"/>
     <p:sldId id="284" r:id="rId26"/>
     <p:sldId id="287" r:id="rId27"/>
@@ -159,8 +159,8 @@
             <p14:sldId id="281"/>
             <p14:sldId id="282"/>
             <p14:sldId id="288"/>
+            <p14:sldId id="268"/>
             <p14:sldId id="289"/>
-            <p14:sldId id="268"/>
             <p14:sldId id="283"/>
             <p14:sldId id="284"/>
             <p14:sldId id="287"/>
@@ -2687,7 +2687,7 @@
         </a:p>
       </dgm:t>
     </dgm:pt>
-    <dgm:pt modelId="{432A5324-BF12-45A0-91F8-AACAC5D0D4F1}">
+    <dgm:pt modelId="{EFF9C59F-A0FB-4A4E-A012-E09ACC57D28A}">
       <dgm:prSet/>
       <dgm:spPr/>
       <dgm:t>
@@ -2695,14 +2695,14 @@
         <a:lstStyle/>
         <a:p>
           <a:r>
-            <a:rPr lang="en-US" dirty="0" smtClean="0"/>
+            <a:rPr lang="en-US" smtClean="0"/>
             <a:t>DEMO</a:t>
           </a:r>
           <a:endParaRPr lang="en-US" dirty="0"/>
         </a:p>
       </dgm:t>
     </dgm:pt>
-    <dgm:pt modelId="{9FAD424D-63ED-4264-9DDA-BB1615918663}" type="parTrans" cxnId="{3C7788EA-9862-4CDD-B4A3-DAE4E8AA2307}">
+    <dgm:pt modelId="{1277359D-FA14-43B6-8070-C273F2DF2D50}" type="parTrans" cxnId="{1CBAA651-3DCD-43F6-AB02-BBEE07A92DE1}">
       <dgm:prSet/>
       <dgm:spPr/>
       <dgm:t>
@@ -2713,7 +2713,7 @@
         </a:p>
       </dgm:t>
     </dgm:pt>
-    <dgm:pt modelId="{DABA02EB-21D1-44D9-8D21-C72DCE275EED}" type="sibTrans" cxnId="{3C7788EA-9862-4CDD-B4A3-DAE4E8AA2307}">
+    <dgm:pt modelId="{616A10F9-6BBC-4DC3-91CB-F50B34746C1B}" type="sibTrans" cxnId="{1CBAA651-3DCD-43F6-AB02-BBEE07A92DE1}">
       <dgm:prSet/>
       <dgm:spPr/>
       <dgm:t>
@@ -2976,59 +2976,12 @@
       <dgm:prSet presAssocID="{6F14E2F1-7102-483B-94CF-84DA9C0B9E37}" presName="spaceBetweenRectangles" presStyleCnt="0"/>
       <dgm:spPr/>
     </dgm:pt>
-    <dgm:pt modelId="{12AA23E7-8E3F-4020-9007-718F64F2E44D}" type="pres">
-      <dgm:prSet presAssocID="{432A5324-BF12-45A0-91F8-AACAC5D0D4F1}" presName="parentLin" presStyleCnt="0"/>
-      <dgm:spPr/>
-    </dgm:pt>
-    <dgm:pt modelId="{9499A030-D5CB-49A3-A78C-F571C4FF9513}" type="pres">
-      <dgm:prSet presAssocID="{432A5324-BF12-45A0-91F8-AACAC5D0D4F1}" presName="parentLeftMargin" presStyleLbl="node1" presStyleIdx="4" presStyleCnt="8"/>
-      <dgm:spPr/>
-      <dgm:t>
-        <a:bodyPr/>
-        <a:lstStyle/>
-        <a:p>
-          <a:endParaRPr lang="en-US"/>
-        </a:p>
-      </dgm:t>
-    </dgm:pt>
-    <dgm:pt modelId="{F867114F-9D4B-400A-851D-54AD75F0CAF6}" type="pres">
-      <dgm:prSet presAssocID="{432A5324-BF12-45A0-91F8-AACAC5D0D4F1}" presName="parentText" presStyleLbl="node1" presStyleIdx="5" presStyleCnt="8">
-        <dgm:presLayoutVars>
-          <dgm:chMax val="0"/>
-          <dgm:bulletEnabled val="1"/>
-        </dgm:presLayoutVars>
-      </dgm:prSet>
-      <dgm:spPr/>
-      <dgm:t>
-        <a:bodyPr/>
-        <a:lstStyle/>
-        <a:p>
-          <a:endParaRPr lang="en-US"/>
-        </a:p>
-      </dgm:t>
-    </dgm:pt>
-    <dgm:pt modelId="{683E14AE-6F1B-4645-9186-98B70EA6F86D}" type="pres">
-      <dgm:prSet presAssocID="{432A5324-BF12-45A0-91F8-AACAC5D0D4F1}" presName="negativeSpace" presStyleCnt="0"/>
-      <dgm:spPr/>
-    </dgm:pt>
-    <dgm:pt modelId="{5722C9E9-5FF3-4566-925A-202A3E0D6CC8}" type="pres">
-      <dgm:prSet presAssocID="{432A5324-BF12-45A0-91F8-AACAC5D0D4F1}" presName="childText" presStyleLbl="conFgAcc1" presStyleIdx="5" presStyleCnt="8">
-        <dgm:presLayoutVars>
-          <dgm:bulletEnabled val="1"/>
-        </dgm:presLayoutVars>
-      </dgm:prSet>
-      <dgm:spPr/>
-    </dgm:pt>
-    <dgm:pt modelId="{8FE54429-832F-4BCF-9648-E405223289A1}" type="pres">
-      <dgm:prSet presAssocID="{DABA02EB-21D1-44D9-8D21-C72DCE275EED}" presName="spaceBetweenRectangles" presStyleCnt="0"/>
-      <dgm:spPr/>
-    </dgm:pt>
     <dgm:pt modelId="{EF1397B8-6696-48D4-A9AD-C4FB89BE2079}" type="pres">
       <dgm:prSet presAssocID="{60EFB68B-ECDE-49A8-9F00-9A935C80F4D5}" presName="parentLin" presStyleCnt="0"/>
       <dgm:spPr/>
     </dgm:pt>
     <dgm:pt modelId="{61DB4252-15B3-4DA8-A62C-110672F130FC}" type="pres">
-      <dgm:prSet presAssocID="{60EFB68B-ECDE-49A8-9F00-9A935C80F4D5}" presName="parentLeftMargin" presStyleLbl="node1" presStyleIdx="5" presStyleCnt="8"/>
+      <dgm:prSet presAssocID="{60EFB68B-ECDE-49A8-9F00-9A935C80F4D5}" presName="parentLeftMargin" presStyleLbl="node1" presStyleIdx="4" presStyleCnt="8"/>
       <dgm:spPr/>
       <dgm:t>
         <a:bodyPr/>
@@ -3039,7 +2992,7 @@
       </dgm:t>
     </dgm:pt>
     <dgm:pt modelId="{6FBF5D74-6C54-4ED3-9CF7-FDD4E9A87758}" type="pres">
-      <dgm:prSet presAssocID="{60EFB68B-ECDE-49A8-9F00-9A935C80F4D5}" presName="parentText" presStyleLbl="node1" presStyleIdx="6" presStyleCnt="8">
+      <dgm:prSet presAssocID="{60EFB68B-ECDE-49A8-9F00-9A935C80F4D5}" presName="parentText" presStyleLbl="node1" presStyleIdx="5" presStyleCnt="8">
         <dgm:presLayoutVars>
           <dgm:chMax val="0"/>
           <dgm:bulletEnabled val="1"/>
@@ -3059,7 +3012,7 @@
       <dgm:spPr/>
     </dgm:pt>
     <dgm:pt modelId="{3BCAAB66-9D26-4B59-B5C9-C38E171F6904}" type="pres">
-      <dgm:prSet presAssocID="{60EFB68B-ECDE-49A8-9F00-9A935C80F4D5}" presName="childText" presStyleLbl="conFgAcc1" presStyleIdx="6" presStyleCnt="8">
+      <dgm:prSet presAssocID="{60EFB68B-ECDE-49A8-9F00-9A935C80F4D5}" presName="childText" presStyleLbl="conFgAcc1" presStyleIdx="5" presStyleCnt="8">
         <dgm:presLayoutVars>
           <dgm:bulletEnabled val="1"/>
         </dgm:presLayoutVars>
@@ -3068,6 +3021,53 @@
     </dgm:pt>
     <dgm:pt modelId="{8FEBAA23-1284-4D7E-AE49-96753CA8B2B6}" type="pres">
       <dgm:prSet presAssocID="{B646561F-382C-4219-BCBA-FA164A5E03A3}" presName="spaceBetweenRectangles" presStyleCnt="0"/>
+      <dgm:spPr/>
+    </dgm:pt>
+    <dgm:pt modelId="{99A073CD-1920-4E7C-B295-EF5510AFAEDA}" type="pres">
+      <dgm:prSet presAssocID="{EFF9C59F-A0FB-4A4E-A012-E09ACC57D28A}" presName="parentLin" presStyleCnt="0"/>
+      <dgm:spPr/>
+    </dgm:pt>
+    <dgm:pt modelId="{430C0562-81C6-4365-B064-522A140E0508}" type="pres">
+      <dgm:prSet presAssocID="{EFF9C59F-A0FB-4A4E-A012-E09ACC57D28A}" presName="parentLeftMargin" presStyleLbl="node1" presStyleIdx="5" presStyleCnt="8"/>
+      <dgm:spPr/>
+      <dgm:t>
+        <a:bodyPr/>
+        <a:lstStyle/>
+        <a:p>
+          <a:endParaRPr lang="en-US"/>
+        </a:p>
+      </dgm:t>
+    </dgm:pt>
+    <dgm:pt modelId="{1713FA07-D0E6-4FEE-8A1B-982C2838E737}" type="pres">
+      <dgm:prSet presAssocID="{EFF9C59F-A0FB-4A4E-A012-E09ACC57D28A}" presName="parentText" presStyleLbl="node1" presStyleIdx="6" presStyleCnt="8">
+        <dgm:presLayoutVars>
+          <dgm:chMax val="0"/>
+          <dgm:bulletEnabled val="1"/>
+        </dgm:presLayoutVars>
+      </dgm:prSet>
+      <dgm:spPr/>
+      <dgm:t>
+        <a:bodyPr/>
+        <a:lstStyle/>
+        <a:p>
+          <a:endParaRPr lang="en-US"/>
+        </a:p>
+      </dgm:t>
+    </dgm:pt>
+    <dgm:pt modelId="{B891F232-6DC9-460D-897C-8899A7B5CE67}" type="pres">
+      <dgm:prSet presAssocID="{EFF9C59F-A0FB-4A4E-A012-E09ACC57D28A}" presName="negativeSpace" presStyleCnt="0"/>
+      <dgm:spPr/>
+    </dgm:pt>
+    <dgm:pt modelId="{4F7FCAC4-6210-406A-ACED-217895619DAA}" type="pres">
+      <dgm:prSet presAssocID="{EFF9C59F-A0FB-4A4E-A012-E09ACC57D28A}" presName="childText" presStyleLbl="conFgAcc1" presStyleIdx="6" presStyleCnt="8">
+        <dgm:presLayoutVars>
+          <dgm:bulletEnabled val="1"/>
+        </dgm:presLayoutVars>
+      </dgm:prSet>
+      <dgm:spPr/>
+    </dgm:pt>
+    <dgm:pt modelId="{12A2A74F-FE5E-4438-8964-D78393BBA06A}" type="pres">
+      <dgm:prSet presAssocID="{616A10F9-6BBC-4DC3-91CB-F50B34746C1B}" presName="spaceBetweenRectangles" presStyleCnt="0"/>
       <dgm:spPr/>
     </dgm:pt>
     <dgm:pt modelId="{3DAF4AF8-FDF4-449C-B4DB-34D874B57A91}" type="pres">
@@ -3117,25 +3117,25 @@
   <dgm:cxnLst>
     <dgm:cxn modelId="{3A8EF857-D538-4F5A-8911-41951C840FCD}" type="presOf" srcId="{DB299D46-02EF-4C4A-A2A3-BC8A2FA70B0B}" destId="{8BCF802A-4DCF-4A5D-9975-889F70F88A8E}" srcOrd="0" destOrd="0" presId="urn:microsoft.com/office/officeart/2005/8/layout/list1"/>
     <dgm:cxn modelId="{DBE0DA3C-B49A-4C9C-91D0-E79F50A28DA1}" type="presOf" srcId="{EFE11BD1-6798-4A6B-80B0-9582FC5D657B}" destId="{CF77719D-6887-4326-8C0E-5FFC0AAC437C}" srcOrd="1" destOrd="0" presId="urn:microsoft.com/office/officeart/2005/8/layout/list1"/>
-    <dgm:cxn modelId="{B9A1B838-A564-482A-AEE0-B5E9FBC40085}" type="presOf" srcId="{432A5324-BF12-45A0-91F8-AACAC5D0D4F1}" destId="{9499A030-D5CB-49A3-A78C-F571C4FF9513}" srcOrd="0" destOrd="0" presId="urn:microsoft.com/office/officeart/2005/8/layout/list1"/>
-    <dgm:cxn modelId="{3C7788EA-9862-4CDD-B4A3-DAE4E8AA2307}" srcId="{DB299D46-02EF-4C4A-A2A3-BC8A2FA70B0B}" destId="{432A5324-BF12-45A0-91F8-AACAC5D0D4F1}" srcOrd="5" destOrd="0" parTransId="{9FAD424D-63ED-4264-9DDA-BB1615918663}" sibTransId="{DABA02EB-21D1-44D9-8D21-C72DCE275EED}"/>
     <dgm:cxn modelId="{569B4AFA-95CF-48A5-A347-2EA4FD790A02}" type="presOf" srcId="{EFE11BD1-6798-4A6B-80B0-9582FC5D657B}" destId="{5EE950ED-649A-422D-A145-7CB898551740}" srcOrd="0" destOrd="0" presId="urn:microsoft.com/office/officeart/2005/8/layout/list1"/>
     <dgm:cxn modelId="{442306BC-097C-45AA-AC71-CBE0F836FFB0}" type="presOf" srcId="{60EFB68B-ECDE-49A8-9F00-9A935C80F4D5}" destId="{6FBF5D74-6C54-4ED3-9CF7-FDD4E9A87758}" srcOrd="1" destOrd="0" presId="urn:microsoft.com/office/officeart/2005/8/layout/list1"/>
     <dgm:cxn modelId="{403F8B43-0EF1-42F9-99AA-FBCAA9AF63C4}" type="presOf" srcId="{7D00613F-65AE-43F2-B7A0-1FE9873B5C80}" destId="{5E344990-B47A-4F64-A1F5-308098290E94}" srcOrd="1" destOrd="0" presId="urn:microsoft.com/office/officeart/2005/8/layout/list1"/>
     <dgm:cxn modelId="{46C2148F-6A41-49F3-A28B-6A2774747059}" type="presOf" srcId="{B6B0BB09-251F-4690-8E2D-52627C6F3C13}" destId="{2AE40D22-121F-46ED-9D18-2114D2ED48A0}" srcOrd="1" destOrd="0" presId="urn:microsoft.com/office/officeart/2005/8/layout/list1"/>
     <dgm:cxn modelId="{F4290BB7-B562-40D6-BCBC-98D0291AEF35}" srcId="{DB299D46-02EF-4C4A-A2A3-BC8A2FA70B0B}" destId="{EFE11BD1-6798-4A6B-80B0-9582FC5D657B}" srcOrd="3" destOrd="0" parTransId="{D2EBB2F8-0BC5-44E8-B14D-1616058310BE}" sibTransId="{A14BC859-064E-47C3-B061-959A4277C118}"/>
     <dgm:cxn modelId="{68BB29A9-8928-497A-A9AE-2A4695845808}" type="presOf" srcId="{42EBD018-7771-49D3-A1E2-6BBE4A523DC1}" destId="{FCC81B5C-A3A5-4761-B793-08C31B04AA48}" srcOrd="0" destOrd="0" presId="urn:microsoft.com/office/officeart/2005/8/layout/list1"/>
-    <dgm:cxn modelId="{8E4B4FA2-4307-4AE0-B1DA-C12710BADB39}" type="presOf" srcId="{432A5324-BF12-45A0-91F8-AACAC5D0D4F1}" destId="{F867114F-9D4B-400A-851D-54AD75F0CAF6}" srcOrd="1" destOrd="0" presId="urn:microsoft.com/office/officeart/2005/8/layout/list1"/>
     <dgm:cxn modelId="{C6077115-9D5E-409B-99D7-480ABE813D67}" srcId="{DB299D46-02EF-4C4A-A2A3-BC8A2FA70B0B}" destId="{09A92969-E312-436F-B01B-C54639D9F4CB}" srcOrd="1" destOrd="0" parTransId="{56EF1A16-8AFD-42DC-A0FD-69DF272E7649}" sibTransId="{21109E8D-3751-4A16-8923-2F8E5468C644}"/>
     <dgm:cxn modelId="{4C9C5351-B8EE-4438-9CF8-8ED11CA2F3AA}" srcId="{DB299D46-02EF-4C4A-A2A3-BC8A2FA70B0B}" destId="{B6B0BB09-251F-4690-8E2D-52627C6F3C13}" srcOrd="2" destOrd="0" parTransId="{DC98DC8F-0332-40C4-ACFD-00882A47B511}" sibTransId="{0F0A2CAD-48DD-4096-A420-9F0F44E15627}"/>
     <dgm:cxn modelId="{B7FBB86F-732E-4954-93DF-96B052B35E99}" type="presOf" srcId="{976BA411-059E-4671-90BB-A59480B9FCED}" destId="{B45801BD-DE0C-4223-AE60-FF467171B922}" srcOrd="0" destOrd="0" presId="urn:microsoft.com/office/officeart/2005/8/layout/list1"/>
     <dgm:cxn modelId="{2E624F68-7CB8-4504-981F-A01D289145F6}" srcId="{DB299D46-02EF-4C4A-A2A3-BC8A2FA70B0B}" destId="{7D00613F-65AE-43F2-B7A0-1FE9873B5C80}" srcOrd="4" destOrd="0" parTransId="{02E9767F-EDF0-4C90-A6CB-1C158C7B4798}" sibTransId="{6F14E2F1-7102-483B-94CF-84DA9C0B9E37}"/>
     <dgm:cxn modelId="{C0DCF4C9-AB6D-434C-A6CE-D5DD59B34B74}" type="presOf" srcId="{09A92969-E312-436F-B01B-C54639D9F4CB}" destId="{06312F67-0FFB-49C9-BEAF-4D8D699D6136}" srcOrd="1" destOrd="0" presId="urn:microsoft.com/office/officeart/2005/8/layout/list1"/>
-    <dgm:cxn modelId="{9169FF57-6F69-49E7-AD72-A90A3569E1FD}" srcId="{DB299D46-02EF-4C4A-A2A3-BC8A2FA70B0B}" destId="{60EFB68B-ECDE-49A8-9F00-9A935C80F4D5}" srcOrd="6" destOrd="0" parTransId="{4222383F-4D08-4D35-A986-A241E84D32D7}" sibTransId="{B646561F-382C-4219-BCBA-FA164A5E03A3}"/>
+    <dgm:cxn modelId="{9169FF57-6F69-49E7-AD72-A90A3569E1FD}" srcId="{DB299D46-02EF-4C4A-A2A3-BC8A2FA70B0B}" destId="{60EFB68B-ECDE-49A8-9F00-9A935C80F4D5}" srcOrd="5" destOrd="0" parTransId="{4222383F-4D08-4D35-A986-A241E84D32D7}" sibTransId="{B646561F-382C-4219-BCBA-FA164A5E03A3}"/>
     <dgm:cxn modelId="{AA8D485E-F16D-4AF8-82FC-CB73AF63A75A}" srcId="{DB299D46-02EF-4C4A-A2A3-BC8A2FA70B0B}" destId="{42EBD018-7771-49D3-A1E2-6BBE4A523DC1}" srcOrd="7" destOrd="0" parTransId="{7B1F49D5-BDD5-457D-9441-D2ED48DCE804}" sibTransId="{4680815A-8A2C-4CDC-97E6-F327DD95DC6B}"/>
     <dgm:cxn modelId="{5BACAB44-B62E-4BB9-89B1-A986CF1E8EA2}" type="presOf" srcId="{60EFB68B-ECDE-49A8-9F00-9A935C80F4D5}" destId="{61DB4252-15B3-4DA8-A62C-110672F130FC}" srcOrd="0" destOrd="0" presId="urn:microsoft.com/office/officeart/2005/8/layout/list1"/>
+    <dgm:cxn modelId="{B1C66076-33B4-4C67-8E5B-6B5A2E88B820}" type="presOf" srcId="{EFF9C59F-A0FB-4A4E-A012-E09ACC57D28A}" destId="{430C0562-81C6-4365-B064-522A140E0508}" srcOrd="0" destOrd="0" presId="urn:microsoft.com/office/officeart/2005/8/layout/list1"/>
+    <dgm:cxn modelId="{1CBAA651-3DCD-43F6-AB02-BBEE07A92DE1}" srcId="{DB299D46-02EF-4C4A-A2A3-BC8A2FA70B0B}" destId="{EFF9C59F-A0FB-4A4E-A012-E09ACC57D28A}" srcOrd="6" destOrd="0" parTransId="{1277359D-FA14-43B6-8070-C273F2DF2D50}" sibTransId="{616A10F9-6BBC-4DC3-91CB-F50B34746C1B}"/>
     <dgm:cxn modelId="{E1E3AA89-0BC5-42D0-8BA0-4FEABF2750C4}" type="presOf" srcId="{09A92969-E312-436F-B01B-C54639D9F4CB}" destId="{EFA4530E-F00A-4C9E-AE10-27D7B2F59902}" srcOrd="0" destOrd="0" presId="urn:microsoft.com/office/officeart/2005/8/layout/list1"/>
     <dgm:cxn modelId="{C0AE2FCA-BBDC-452D-8005-09AD94AD8C8C}" type="presOf" srcId="{976BA411-059E-4671-90BB-A59480B9FCED}" destId="{F0B2F77D-0570-4EE5-85D7-6956BDF876CB}" srcOrd="1" destOrd="0" presId="urn:microsoft.com/office/officeart/2005/8/layout/list1"/>
+    <dgm:cxn modelId="{F655143A-067B-40A6-94EC-4DBD47C0843E}" type="presOf" srcId="{EFF9C59F-A0FB-4A4E-A012-E09ACC57D28A}" destId="{1713FA07-D0E6-4FEE-8A1B-982C2838E737}" srcOrd="1" destOrd="0" presId="urn:microsoft.com/office/officeart/2005/8/layout/list1"/>
     <dgm:cxn modelId="{CEF4C6CC-A4F7-4F8B-AC09-ABB32EED15FF}" type="presOf" srcId="{B6B0BB09-251F-4690-8E2D-52627C6F3C13}" destId="{AFBD3FBE-590B-40F5-B4DE-9319A05329CA}" srcOrd="0" destOrd="0" presId="urn:microsoft.com/office/officeart/2005/8/layout/list1"/>
     <dgm:cxn modelId="{527E9B78-22B0-4251-9DC5-168041CB7435}" type="presOf" srcId="{42EBD018-7771-49D3-A1E2-6BBE4A523DC1}" destId="{21C493D3-2E65-430B-8244-FFCDD690448D}" srcOrd="1" destOrd="0" presId="urn:microsoft.com/office/officeart/2005/8/layout/list1"/>
     <dgm:cxn modelId="{A9CCACC1-FB3A-4F8E-A9F2-E18C9941C837}" srcId="{DB299D46-02EF-4C4A-A2A3-BC8A2FA70B0B}" destId="{976BA411-059E-4671-90BB-A59480B9FCED}" srcOrd="0" destOrd="0" parTransId="{3354B933-172B-4A97-A74D-39CAFB2603FA}" sibTransId="{FD2EBDAB-1403-4E49-B9A5-DBDDD08F6960}"/>
@@ -3170,18 +3170,18 @@
     <dgm:cxn modelId="{36BE4439-66AF-45C1-B124-20A45AB03133}" type="presParOf" srcId="{8BCF802A-4DCF-4A5D-9975-889F70F88A8E}" destId="{3A6225DB-854A-4345-B00A-4AFA2402D7F9}" srcOrd="17" destOrd="0" presId="urn:microsoft.com/office/officeart/2005/8/layout/list1"/>
     <dgm:cxn modelId="{A103BA6E-749F-450D-824E-A2BB0829B1C5}" type="presParOf" srcId="{8BCF802A-4DCF-4A5D-9975-889F70F88A8E}" destId="{47263035-17BD-483C-933B-0EC20F0344A7}" srcOrd="18" destOrd="0" presId="urn:microsoft.com/office/officeart/2005/8/layout/list1"/>
     <dgm:cxn modelId="{57E1BC5D-A07E-4C4C-8A81-4296ED71E981}" type="presParOf" srcId="{8BCF802A-4DCF-4A5D-9975-889F70F88A8E}" destId="{39D26D44-724C-430D-BB6F-1A4623196DAA}" srcOrd="19" destOrd="0" presId="urn:microsoft.com/office/officeart/2005/8/layout/list1"/>
-    <dgm:cxn modelId="{88EC477D-3CC2-48F3-AEBD-225749CADD0B}" type="presParOf" srcId="{8BCF802A-4DCF-4A5D-9975-889F70F88A8E}" destId="{12AA23E7-8E3F-4020-9007-718F64F2E44D}" srcOrd="20" destOrd="0" presId="urn:microsoft.com/office/officeart/2005/8/layout/list1"/>
-    <dgm:cxn modelId="{E92A6FF2-312C-4720-8225-588494E44E38}" type="presParOf" srcId="{12AA23E7-8E3F-4020-9007-718F64F2E44D}" destId="{9499A030-D5CB-49A3-A78C-F571C4FF9513}" srcOrd="0" destOrd="0" presId="urn:microsoft.com/office/officeart/2005/8/layout/list1"/>
-    <dgm:cxn modelId="{B4A306AB-86BE-4256-B994-F59A1FC92F38}" type="presParOf" srcId="{12AA23E7-8E3F-4020-9007-718F64F2E44D}" destId="{F867114F-9D4B-400A-851D-54AD75F0CAF6}" srcOrd="1" destOrd="0" presId="urn:microsoft.com/office/officeart/2005/8/layout/list1"/>
-    <dgm:cxn modelId="{B567840F-2C1E-425B-848E-B65F837DC6AB}" type="presParOf" srcId="{8BCF802A-4DCF-4A5D-9975-889F70F88A8E}" destId="{683E14AE-6F1B-4645-9186-98B70EA6F86D}" srcOrd="21" destOrd="0" presId="urn:microsoft.com/office/officeart/2005/8/layout/list1"/>
-    <dgm:cxn modelId="{39EFBC44-8596-44F6-A76C-8AE99D167E0E}" type="presParOf" srcId="{8BCF802A-4DCF-4A5D-9975-889F70F88A8E}" destId="{5722C9E9-5FF3-4566-925A-202A3E0D6CC8}" srcOrd="22" destOrd="0" presId="urn:microsoft.com/office/officeart/2005/8/layout/list1"/>
-    <dgm:cxn modelId="{8BBE23F7-1D05-4110-A8A9-4AF744B64EEA}" type="presParOf" srcId="{8BCF802A-4DCF-4A5D-9975-889F70F88A8E}" destId="{8FE54429-832F-4BCF-9648-E405223289A1}" srcOrd="23" destOrd="0" presId="urn:microsoft.com/office/officeart/2005/8/layout/list1"/>
-    <dgm:cxn modelId="{3BD3E557-42E2-4E80-8A44-F8F6E0A23107}" type="presParOf" srcId="{8BCF802A-4DCF-4A5D-9975-889F70F88A8E}" destId="{EF1397B8-6696-48D4-A9AD-C4FB89BE2079}" srcOrd="24" destOrd="0" presId="urn:microsoft.com/office/officeart/2005/8/layout/list1"/>
+    <dgm:cxn modelId="{3BD3E557-42E2-4E80-8A44-F8F6E0A23107}" type="presParOf" srcId="{8BCF802A-4DCF-4A5D-9975-889F70F88A8E}" destId="{EF1397B8-6696-48D4-A9AD-C4FB89BE2079}" srcOrd="20" destOrd="0" presId="urn:microsoft.com/office/officeart/2005/8/layout/list1"/>
     <dgm:cxn modelId="{DD7501FE-9DC7-4F5F-984B-426C288BBF5E}" type="presParOf" srcId="{EF1397B8-6696-48D4-A9AD-C4FB89BE2079}" destId="{61DB4252-15B3-4DA8-A62C-110672F130FC}" srcOrd="0" destOrd="0" presId="urn:microsoft.com/office/officeart/2005/8/layout/list1"/>
     <dgm:cxn modelId="{A1E4F9C3-4036-4EF7-B2B8-1CBCF605950C}" type="presParOf" srcId="{EF1397B8-6696-48D4-A9AD-C4FB89BE2079}" destId="{6FBF5D74-6C54-4ED3-9CF7-FDD4E9A87758}" srcOrd="1" destOrd="0" presId="urn:microsoft.com/office/officeart/2005/8/layout/list1"/>
-    <dgm:cxn modelId="{7A67EF69-2E82-458A-B37A-BC10695C6B54}" type="presParOf" srcId="{8BCF802A-4DCF-4A5D-9975-889F70F88A8E}" destId="{F8FFC50A-98ED-4881-9FD1-A6811CA41598}" srcOrd="25" destOrd="0" presId="urn:microsoft.com/office/officeart/2005/8/layout/list1"/>
-    <dgm:cxn modelId="{FC17D0A4-E8E7-4496-B5D9-288CEDB67C28}" type="presParOf" srcId="{8BCF802A-4DCF-4A5D-9975-889F70F88A8E}" destId="{3BCAAB66-9D26-4B59-B5C9-C38E171F6904}" srcOrd="26" destOrd="0" presId="urn:microsoft.com/office/officeart/2005/8/layout/list1"/>
-    <dgm:cxn modelId="{DE335445-8FF1-4C99-A640-0A26E875D8FE}" type="presParOf" srcId="{8BCF802A-4DCF-4A5D-9975-889F70F88A8E}" destId="{8FEBAA23-1284-4D7E-AE49-96753CA8B2B6}" srcOrd="27" destOrd="0" presId="urn:microsoft.com/office/officeart/2005/8/layout/list1"/>
+    <dgm:cxn modelId="{7A67EF69-2E82-458A-B37A-BC10695C6B54}" type="presParOf" srcId="{8BCF802A-4DCF-4A5D-9975-889F70F88A8E}" destId="{F8FFC50A-98ED-4881-9FD1-A6811CA41598}" srcOrd="21" destOrd="0" presId="urn:microsoft.com/office/officeart/2005/8/layout/list1"/>
+    <dgm:cxn modelId="{FC17D0A4-E8E7-4496-B5D9-288CEDB67C28}" type="presParOf" srcId="{8BCF802A-4DCF-4A5D-9975-889F70F88A8E}" destId="{3BCAAB66-9D26-4B59-B5C9-C38E171F6904}" srcOrd="22" destOrd="0" presId="urn:microsoft.com/office/officeart/2005/8/layout/list1"/>
+    <dgm:cxn modelId="{DE335445-8FF1-4C99-A640-0A26E875D8FE}" type="presParOf" srcId="{8BCF802A-4DCF-4A5D-9975-889F70F88A8E}" destId="{8FEBAA23-1284-4D7E-AE49-96753CA8B2B6}" srcOrd="23" destOrd="0" presId="urn:microsoft.com/office/officeart/2005/8/layout/list1"/>
+    <dgm:cxn modelId="{14A2473F-590C-48B7-B1C8-05189CD511A8}" type="presParOf" srcId="{8BCF802A-4DCF-4A5D-9975-889F70F88A8E}" destId="{99A073CD-1920-4E7C-B295-EF5510AFAEDA}" srcOrd="24" destOrd="0" presId="urn:microsoft.com/office/officeart/2005/8/layout/list1"/>
+    <dgm:cxn modelId="{1D899CA5-8A11-46A3-BDA1-2E3CDE89C294}" type="presParOf" srcId="{99A073CD-1920-4E7C-B295-EF5510AFAEDA}" destId="{430C0562-81C6-4365-B064-522A140E0508}" srcOrd="0" destOrd="0" presId="urn:microsoft.com/office/officeart/2005/8/layout/list1"/>
+    <dgm:cxn modelId="{A557F750-A29E-40E1-8230-6787B5422E54}" type="presParOf" srcId="{99A073CD-1920-4E7C-B295-EF5510AFAEDA}" destId="{1713FA07-D0E6-4FEE-8A1B-982C2838E737}" srcOrd="1" destOrd="0" presId="urn:microsoft.com/office/officeart/2005/8/layout/list1"/>
+    <dgm:cxn modelId="{1274DD0D-BFA3-4934-A87E-964A0F3F8252}" type="presParOf" srcId="{8BCF802A-4DCF-4A5D-9975-889F70F88A8E}" destId="{B891F232-6DC9-460D-897C-8899A7B5CE67}" srcOrd="25" destOrd="0" presId="urn:microsoft.com/office/officeart/2005/8/layout/list1"/>
+    <dgm:cxn modelId="{D3C9C58C-03C8-48E3-AE19-FA542A66E509}" type="presParOf" srcId="{8BCF802A-4DCF-4A5D-9975-889F70F88A8E}" destId="{4F7FCAC4-6210-406A-ACED-217895619DAA}" srcOrd="26" destOrd="0" presId="urn:microsoft.com/office/officeart/2005/8/layout/list1"/>
+    <dgm:cxn modelId="{ED2D1426-36FB-4EFB-9A55-DA4D9869C14D}" type="presParOf" srcId="{8BCF802A-4DCF-4A5D-9975-889F70F88A8E}" destId="{12A2A74F-FE5E-4438-8964-D78393BBA06A}" srcOrd="27" destOrd="0" presId="urn:microsoft.com/office/officeart/2005/8/layout/list1"/>
     <dgm:cxn modelId="{E336CF4E-2EE7-4819-B9DA-5BE758FE30F2}" type="presParOf" srcId="{8BCF802A-4DCF-4A5D-9975-889F70F88A8E}" destId="{3DAF4AF8-FDF4-449C-B4DB-34D874B57A91}" srcOrd="28" destOrd="0" presId="urn:microsoft.com/office/officeart/2005/8/layout/list1"/>
     <dgm:cxn modelId="{6064B0EB-753B-4B9F-99BA-D297EA70CF96}" type="presParOf" srcId="{3DAF4AF8-FDF4-449C-B4DB-34D874B57A91}" destId="{FCC81B5C-A3A5-4761-B793-08C31B04AA48}" srcOrd="0" destOrd="0" presId="urn:microsoft.com/office/officeart/2005/8/layout/list1"/>
     <dgm:cxn modelId="{B2F2FB08-8C3A-4F5D-8506-B86DAE455F3B}" type="presParOf" srcId="{3DAF4AF8-FDF4-449C-B4DB-34D874B57A91}" destId="{21C493D3-2E65-430B-8244-FFCDD690448D}" srcOrd="1" destOrd="0" presId="urn:microsoft.com/office/officeart/2005/8/layout/list1"/>
@@ -3192,7 +3192,7 @@
   <dgm:whole/>
   <dgm:extLst>
     <a:ext uri="http://schemas.microsoft.com/office/drawing/2008/diagram">
-      <dsp:dataModelExt xmlns:dsp="http://schemas.microsoft.com/office/drawing/2008/diagram" relId="rId6" minVer="http://schemas.openxmlformats.org/drawingml/2006/diagram"/>
+      <dsp:dataModelExt xmlns:dsp="http://schemas.microsoft.com/office/drawing/2008/diagram" relId="rId7" minVer="http://schemas.openxmlformats.org/drawingml/2006/diagram"/>
     </a:ext>
   </dgm:extLst>
 </dgm:dataModel>
@@ -4833,7 +4833,7 @@
         <a:ext cx="5726134" cy="319654"/>
       </dsp:txXfrm>
     </dsp:sp>
-    <dsp:sp modelId="{5722C9E9-5FF3-4566-925A-202A3E0D6CC8}">
+    <dsp:sp modelId="{3BCAAB66-9D26-4B59-B5C9-C38E171F6904}">
       <dsp:nvSpPr>
         <dsp:cNvPr id="0" name=""/>
         <dsp:cNvSpPr/>
@@ -4881,7 +4881,7 @@
         <a:fontRef idx="minor"/>
       </dsp:style>
     </dsp:sp>
-    <dsp:sp modelId="{F867114F-9D4B-400A-851D-54AD75F0CAF6}">
+    <dsp:sp modelId="{6FBF5D74-6C54-4ED3-9CF7-FDD4E9A87758}">
       <dsp:nvSpPr>
         <dsp:cNvPr id="0" name=""/>
         <dsp:cNvSpPr/>
@@ -4948,7 +4948,7 @@
           </a:pPr>
           <a:r>
             <a:rPr lang="en-US" sz="1200" kern="1200" dirty="0" smtClean="0"/>
-            <a:t>DEMO</a:t>
+            <a:t>Available algorithms</a:t>
           </a:r>
           <a:endParaRPr lang="en-US" sz="1200" kern="1200" dirty="0"/>
         </a:p>
@@ -4958,7 +4958,7 @@
         <a:ext cx="5726134" cy="319654"/>
       </dsp:txXfrm>
     </dsp:sp>
-    <dsp:sp modelId="{3BCAAB66-9D26-4B59-B5C9-C38E171F6904}">
+    <dsp:sp modelId="{4F7FCAC4-6210-406A-ACED-217895619DAA}">
       <dsp:nvSpPr>
         <dsp:cNvPr id="0" name=""/>
         <dsp:cNvSpPr/>
@@ -5006,7 +5006,7 @@
         <a:fontRef idx="minor"/>
       </dsp:style>
     </dsp:sp>
-    <dsp:sp modelId="{6FBF5D74-6C54-4ED3-9CF7-FDD4E9A87758}">
+    <dsp:sp modelId="{1713FA07-D0E6-4FEE-8A1B-982C2838E737}">
       <dsp:nvSpPr>
         <dsp:cNvPr id="0" name=""/>
         <dsp:cNvSpPr/>
@@ -5072,8 +5072,8 @@
             </a:spcAft>
           </a:pPr>
           <a:r>
-            <a:rPr lang="en-US" sz="1200" kern="1200" dirty="0" smtClean="0"/>
-            <a:t>Available algorithms</a:t>
+            <a:rPr lang="en-US" sz="1200" kern="1200" smtClean="0"/>
+            <a:t>DEMO</a:t>
           </a:r>
           <a:endParaRPr lang="en-US" sz="1200" kern="1200" dirty="0"/>
         </a:p>
@@ -11617,7 +11617,383 @@
           <a:bodyPr/>
           <a:lstStyle/>
           <a:p>
+            <a:pPr marL="228600" indent="-228600">
+              <a:buAutoNum type="arabicPeriod"/>
+            </a:pPr>
+            <a:endParaRPr lang="en-US" dirty="0"/>
+          </a:p>
+        </p:txBody>
+      </p:sp>
+      <p:sp>
+        <p:nvSpPr>
+          <p:cNvPr id="4" name="Slide Number Placeholder 3"/>
+          <p:cNvSpPr>
+            <a:spLocks noGrp="1"/>
+          </p:cNvSpPr>
+          <p:nvPr>
+            <p:ph type="sldNum" sz="quarter" idx="10"/>
+          </p:nvPr>
+        </p:nvSpPr>
+        <p:spPr/>
+        <p:txBody>
+          <a:bodyPr/>
+          <a:lstStyle/>
+          <a:p>
+            <a:fld id="{8A2893B9-2EFC-475F-B5D7-3E617C578A8F}" type="slidenum">
+              <a:rPr lang="en-US" smtClean="0"/>
+              <a:t>1</a:t>
+            </a:fld>
             <a:endParaRPr lang="en-US"/>
+          </a:p>
+        </p:txBody>
+      </p:sp>
+    </p:spTree>
+    <p:extLst>
+      <p:ext uri="{BB962C8B-B14F-4D97-AF65-F5344CB8AC3E}">
+        <p14:creationId xmlns:p14="http://schemas.microsoft.com/office/powerpoint/2010/main" val="3989909956"/>
+      </p:ext>
+    </p:extLst>
+  </p:cSld>
+  <p:clrMapOvr>
+    <a:masterClrMapping/>
+  </p:clrMapOvr>
+</p:notes>
+</file>
+
+<file path=ppt/notesSlides/notesSlide2.xml><?xml version="1.0" encoding="utf-8"?>
+<p:notes xmlns:a="http://schemas.openxmlformats.org/drawingml/2006/main" xmlns:r="http://schemas.openxmlformats.org/officeDocument/2006/relationships" xmlns:p="http://schemas.openxmlformats.org/presentationml/2006/main">
+  <p:cSld>
+    <p:spTree>
+      <p:nvGrpSpPr>
+        <p:cNvPr id="1" name=""/>
+        <p:cNvGrpSpPr/>
+        <p:nvPr/>
+      </p:nvGrpSpPr>
+      <p:grpSpPr>
+        <a:xfrm>
+          <a:off x="0" y="0"/>
+          <a:ext cx="0" cy="0"/>
+          <a:chOff x="0" y="0"/>
+          <a:chExt cx="0" cy="0"/>
+        </a:xfrm>
+      </p:grpSpPr>
+      <p:sp>
+        <p:nvSpPr>
+          <p:cNvPr id="2" name="Slide Image Placeholder 1"/>
+          <p:cNvSpPr>
+            <a:spLocks noGrp="1" noRot="1" noChangeAspect="1"/>
+          </p:cNvSpPr>
+          <p:nvPr>
+            <p:ph type="sldImg"/>
+          </p:nvPr>
+        </p:nvSpPr>
+        <p:spPr/>
+      </p:sp>
+      <p:sp>
+        <p:nvSpPr>
+          <p:cNvPr id="3" name="Notes Placeholder 2"/>
+          <p:cNvSpPr>
+            <a:spLocks noGrp="1"/>
+          </p:cNvSpPr>
+          <p:nvPr>
+            <p:ph type="body" idx="1"/>
+          </p:nvPr>
+        </p:nvSpPr>
+        <p:spPr/>
+        <p:txBody>
+          <a:bodyPr/>
+          <a:lstStyle/>
+          <a:p>
+            <a:pPr marL="228600" indent="-228600">
+              <a:buAutoNum type="arabicPeriod"/>
+            </a:pPr>
+            <a:endParaRPr lang="en-US" dirty="0"/>
+          </a:p>
+        </p:txBody>
+      </p:sp>
+      <p:sp>
+        <p:nvSpPr>
+          <p:cNvPr id="4" name="Slide Number Placeholder 3"/>
+          <p:cNvSpPr>
+            <a:spLocks noGrp="1"/>
+          </p:cNvSpPr>
+          <p:nvPr>
+            <p:ph type="sldNum" sz="quarter" idx="10"/>
+          </p:nvPr>
+        </p:nvSpPr>
+        <p:spPr/>
+        <p:txBody>
+          <a:bodyPr/>
+          <a:lstStyle/>
+          <a:p>
+            <a:fld id="{8A2893B9-2EFC-475F-B5D7-3E617C578A8F}" type="slidenum">
+              <a:rPr lang="en-US" smtClean="0"/>
+              <a:t>2</a:t>
+            </a:fld>
+            <a:endParaRPr lang="en-US"/>
+          </a:p>
+        </p:txBody>
+      </p:sp>
+    </p:spTree>
+    <p:extLst>
+      <p:ext uri="{BB962C8B-B14F-4D97-AF65-F5344CB8AC3E}">
+        <p14:creationId xmlns:p14="http://schemas.microsoft.com/office/powerpoint/2010/main" val="2303807627"/>
+      </p:ext>
+    </p:extLst>
+  </p:cSld>
+  <p:clrMapOvr>
+    <a:masterClrMapping/>
+  </p:clrMapOvr>
+</p:notes>
+</file>
+
+<file path=ppt/notesSlides/notesSlide3.xml><?xml version="1.0" encoding="utf-8"?>
+<p:notes xmlns:a="http://schemas.openxmlformats.org/drawingml/2006/main" xmlns:r="http://schemas.openxmlformats.org/officeDocument/2006/relationships" xmlns:p="http://schemas.openxmlformats.org/presentationml/2006/main">
+  <p:cSld>
+    <p:spTree>
+      <p:nvGrpSpPr>
+        <p:cNvPr id="1" name=""/>
+        <p:cNvGrpSpPr/>
+        <p:nvPr/>
+      </p:nvGrpSpPr>
+      <p:grpSpPr>
+        <a:xfrm>
+          <a:off x="0" y="0"/>
+          <a:ext cx="0" cy="0"/>
+          <a:chOff x="0" y="0"/>
+          <a:chExt cx="0" cy="0"/>
+        </a:xfrm>
+      </p:grpSpPr>
+      <p:sp>
+        <p:nvSpPr>
+          <p:cNvPr id="2" name="Slide Image Placeholder 1"/>
+          <p:cNvSpPr>
+            <a:spLocks noGrp="1" noRot="1" noChangeAspect="1"/>
+          </p:cNvSpPr>
+          <p:nvPr>
+            <p:ph type="sldImg"/>
+          </p:nvPr>
+        </p:nvSpPr>
+        <p:spPr/>
+      </p:sp>
+      <p:sp>
+        <p:nvSpPr>
+          <p:cNvPr id="3" name="Notes Placeholder 2"/>
+          <p:cNvSpPr>
+            <a:spLocks noGrp="1"/>
+          </p:cNvSpPr>
+          <p:nvPr>
+            <p:ph type="body" idx="1"/>
+          </p:nvPr>
+        </p:nvSpPr>
+        <p:spPr/>
+        <p:txBody>
+          <a:bodyPr/>
+          <a:lstStyle/>
+          <a:p>
+            <a:r>
+              <a:rPr lang="ru-RU" smtClean="0"/>
+              <a:t>Итак</a:t>
+            </a:r>
+            <a:r>
+              <a:rPr lang="ru-RU" baseline="0" smtClean="0"/>
+              <a:t> – ДТ. Что такое Т? Это соединение данного набора точек линиями, так, что 3 соседние точки образуют треугольник.</a:t>
+            </a:r>
+          </a:p>
+          <a:p>
+            <a:r>
+              <a:rPr lang="ru-RU" baseline="0" smtClean="0"/>
+              <a:t>ДТ – это Т, которая удовлетворяет уловию Делоне: Окружность, описывающая треугольник, не включает в себя ни одну другу точку Т.</a:t>
+            </a:r>
+          </a:p>
+          <a:p>
+            <a:r>
+              <a:rPr lang="ru-RU" baseline="0" smtClean="0"/>
+              <a:t>Дополнительное свойство ДТ – она максимизирует наименьший угол среди всех треугольников.</a:t>
+            </a:r>
+          </a:p>
+          <a:p>
+            <a:r>
+              <a:rPr lang="ru-RU" baseline="0" smtClean="0"/>
+              <a:t>ДТ получила своё имя в честь Д.</a:t>
+            </a:r>
+            <a:endParaRPr lang="en-US" dirty="0"/>
+          </a:p>
+        </p:txBody>
+      </p:sp>
+      <p:sp>
+        <p:nvSpPr>
+          <p:cNvPr id="4" name="Slide Number Placeholder 3"/>
+          <p:cNvSpPr>
+            <a:spLocks noGrp="1"/>
+          </p:cNvSpPr>
+          <p:nvPr>
+            <p:ph type="sldNum" sz="quarter" idx="10"/>
+          </p:nvPr>
+        </p:nvSpPr>
+        <p:spPr/>
+        <p:txBody>
+          <a:bodyPr/>
+          <a:lstStyle/>
+          <a:p>
+            <a:fld id="{8A2893B9-2EFC-475F-B5D7-3E617C578A8F}" type="slidenum">
+              <a:rPr lang="en-US" smtClean="0"/>
+              <a:t>3</a:t>
+            </a:fld>
+            <a:endParaRPr lang="en-US"/>
+          </a:p>
+        </p:txBody>
+      </p:sp>
+    </p:spTree>
+    <p:extLst>
+      <p:ext uri="{BB962C8B-B14F-4D97-AF65-F5344CB8AC3E}">
+        <p14:creationId xmlns:p14="http://schemas.microsoft.com/office/powerpoint/2010/main" val="2472638036"/>
+      </p:ext>
+    </p:extLst>
+  </p:cSld>
+  <p:clrMapOvr>
+    <a:masterClrMapping/>
+  </p:clrMapOvr>
+</p:notes>
+</file>
+
+<file path=ppt/notesSlides/notesSlide4.xml><?xml version="1.0" encoding="utf-8"?>
+<p:notes xmlns:a="http://schemas.openxmlformats.org/drawingml/2006/main" xmlns:r="http://schemas.openxmlformats.org/officeDocument/2006/relationships" xmlns:p="http://schemas.openxmlformats.org/presentationml/2006/main">
+  <p:cSld>
+    <p:spTree>
+      <p:nvGrpSpPr>
+        <p:cNvPr id="1" name=""/>
+        <p:cNvGrpSpPr/>
+        <p:nvPr/>
+      </p:nvGrpSpPr>
+      <p:grpSpPr>
+        <a:xfrm>
+          <a:off x="0" y="0"/>
+          <a:ext cx="0" cy="0"/>
+          <a:chOff x="0" y="0"/>
+          <a:chExt cx="0" cy="0"/>
+        </a:xfrm>
+      </p:grpSpPr>
+      <p:sp>
+        <p:nvSpPr>
+          <p:cNvPr id="2" name="Slide Image Placeholder 1"/>
+          <p:cNvSpPr>
+            <a:spLocks noGrp="1" noRot="1" noChangeAspect="1"/>
+          </p:cNvSpPr>
+          <p:nvPr>
+            <p:ph type="sldImg"/>
+          </p:nvPr>
+        </p:nvSpPr>
+        <p:spPr/>
+      </p:sp>
+      <p:sp>
+        <p:nvSpPr>
+          <p:cNvPr id="3" name="Notes Placeholder 2"/>
+          <p:cNvSpPr>
+            <a:spLocks noGrp="1"/>
+          </p:cNvSpPr>
+          <p:nvPr>
+            <p:ph type="body" idx="1"/>
+          </p:nvPr>
+        </p:nvSpPr>
+        <p:spPr/>
+        <p:txBody>
+          <a:bodyPr/>
+          <a:lstStyle/>
+          <a:p>
+            <a:r>
+              <a:rPr lang="ru-RU" smtClean="0"/>
+              <a:t>Ахлала. Вместе с</a:t>
+            </a:r>
+            <a:r>
+              <a:rPr lang="ru-RU" baseline="0" smtClean="0"/>
+              <a:t> набором точек мы получаем набор «илюцим», которые требуют, чтобы некоторые точки были соединены (напрямую – была цэла между ними_ в конечной Т. Зачастую в КДТ получаются цлаот, которые лё омдим бэ-критерион Делонэ. Кломар, КДТ не всегда ДТ!</a:t>
+            </a:r>
+            <a:endParaRPr lang="en-US" dirty="0"/>
+          </a:p>
+        </p:txBody>
+      </p:sp>
+      <p:sp>
+        <p:nvSpPr>
+          <p:cNvPr id="4" name="Slide Number Placeholder 3"/>
+          <p:cNvSpPr>
+            <a:spLocks noGrp="1"/>
+          </p:cNvSpPr>
+          <p:nvPr>
+            <p:ph type="sldNum" sz="quarter" idx="10"/>
+          </p:nvPr>
+        </p:nvSpPr>
+        <p:spPr/>
+        <p:txBody>
+          <a:bodyPr/>
+          <a:lstStyle/>
+          <a:p>
+            <a:fld id="{8A2893B9-2EFC-475F-B5D7-3E617C578A8F}" type="slidenum">
+              <a:rPr lang="en-US" smtClean="0"/>
+              <a:t>4</a:t>
+            </a:fld>
+            <a:endParaRPr lang="en-US"/>
+          </a:p>
+        </p:txBody>
+      </p:sp>
+    </p:spTree>
+    <p:extLst>
+      <p:ext uri="{BB962C8B-B14F-4D97-AF65-F5344CB8AC3E}">
+        <p14:creationId xmlns:p14="http://schemas.microsoft.com/office/powerpoint/2010/main" val="1836113565"/>
+      </p:ext>
+    </p:extLst>
+  </p:cSld>
+  <p:clrMapOvr>
+    <a:masterClrMapping/>
+  </p:clrMapOvr>
+</p:notes>
+</file>
+
+<file path=ppt/notesSlides/notesSlide5.xml><?xml version="1.0" encoding="utf-8"?>
+<p:notes xmlns:a="http://schemas.openxmlformats.org/drawingml/2006/main" xmlns:r="http://schemas.openxmlformats.org/officeDocument/2006/relationships" xmlns:p="http://schemas.openxmlformats.org/presentationml/2006/main">
+  <p:cSld>
+    <p:spTree>
+      <p:nvGrpSpPr>
+        <p:cNvPr id="1" name=""/>
+        <p:cNvGrpSpPr/>
+        <p:nvPr/>
+      </p:nvGrpSpPr>
+      <p:grpSpPr>
+        <a:xfrm>
+          <a:off x="0" y="0"/>
+          <a:ext cx="0" cy="0"/>
+          <a:chOff x="0" y="0"/>
+          <a:chExt cx="0" cy="0"/>
+        </a:xfrm>
+      </p:grpSpPr>
+      <p:sp>
+        <p:nvSpPr>
+          <p:cNvPr id="2" name="Slide Image Placeholder 1"/>
+          <p:cNvSpPr>
+            <a:spLocks noGrp="1" noRot="1" noChangeAspect="1"/>
+          </p:cNvSpPr>
+          <p:nvPr>
+            <p:ph type="sldImg"/>
+          </p:nvPr>
+        </p:nvSpPr>
+        <p:spPr/>
+      </p:sp>
+      <p:sp>
+        <p:nvSpPr>
+          <p:cNvPr id="3" name="Notes Placeholder 2"/>
+          <p:cNvSpPr>
+            <a:spLocks noGrp="1"/>
+          </p:cNvSpPr>
+          <p:nvPr>
+            <p:ph type="body" idx="1"/>
+          </p:nvPr>
+        </p:nvSpPr>
+        <p:spPr/>
+        <p:txBody>
+          <a:bodyPr/>
+          <a:lstStyle/>
+          <a:p>
+            <a:endParaRPr lang="en-US" dirty="0"/>
           </a:p>
         </p:txBody>
       </p:sp>
@@ -14480,7 +14856,11 @@
           <a:bodyPr/>
           <a:lstStyle/>
           <a:p>
-            <a:endParaRPr lang="en-US"/>
+            <a:fld id="{A1FDCF37-E40D-4543-8C8E-38571D085185}" type="slidenum">
+              <a:rPr lang="en-US" smtClean="0"/>
+              <a:t>‹#›</a:t>
+            </a:fld>
+            <a:endParaRPr lang="en-US" dirty="0"/>
           </a:p>
         </p:txBody>
       </p:sp>
@@ -14861,6 +15241,13 @@
   <p:clrMapOvr>
     <a:masterClrMapping/>
   </p:clrMapOvr>
+  <p:timing>
+    <p:tnLst>
+      <p:par>
+        <p:cTn id="1" dur="indefinite" restart="never" nodeType="tmRoot"/>
+      </p:par>
+    </p:tnLst>
+  </p:timing>
 </p:sldLayout>
 </file>
 
@@ -15339,7 +15726,11 @@
           <a:bodyPr/>
           <a:lstStyle/>
           <a:p>
-            <a:endParaRPr lang="en-US"/>
+            <a:fld id="{6DF2E68D-9B43-4208-9CCF-61CFC38CA6C0}" type="slidenum">
+              <a:rPr lang="en-US" smtClean="0"/>
+              <a:t>‹#›</a:t>
+            </a:fld>
+            <a:endParaRPr lang="en-US" dirty="0"/>
           </a:p>
         </p:txBody>
       </p:sp>
@@ -15372,6 +15763,13 @@
   <p:clrMapOvr>
     <a:masterClrMapping/>
   </p:clrMapOvr>
+  <p:timing>
+    <p:tnLst>
+      <p:par>
+        <p:cTn id="1" dur="indefinite" restart="never" nodeType="tmRoot"/>
+      </p:par>
+    </p:tnLst>
+  </p:timing>
 </p:sldLayout>
 </file>
 
@@ -18498,6 +18896,13 @@
   <p:clrMapOvr>
     <a:overrideClrMapping bg1="lt1" tx1="dk1" bg2="lt2" tx2="dk2" accent1="accent1" accent2="accent2" accent3="accent3" accent4="accent4" accent5="accent5" accent6="accent6" hlink="hlink" folHlink="folHlink"/>
   </p:clrMapOvr>
+  <p:timing>
+    <p:tnLst>
+      <p:par>
+        <p:cTn id="1" dur="indefinite" restart="never" nodeType="tmRoot"/>
+      </p:par>
+    </p:tnLst>
+  </p:timing>
 </p:sldLayout>
 </file>
 
@@ -18783,6 +19188,13 @@
   <p:clrMapOvr>
     <a:masterClrMapping/>
   </p:clrMapOvr>
+  <p:timing>
+    <p:tnLst>
+      <p:par>
+        <p:cTn id="1" dur="indefinite" restart="never" nodeType="tmRoot"/>
+      </p:par>
+    </p:tnLst>
+  </p:timing>
 </p:sldLayout>
 </file>
 
@@ -19202,6 +19614,13 @@
   <p:clrMapOvr>
     <a:masterClrMapping/>
   </p:clrMapOvr>
+  <p:timing>
+    <p:tnLst>
+      <p:par>
+        <p:cTn id="1" dur="indefinite" restart="never" nodeType="tmRoot"/>
+      </p:par>
+    </p:tnLst>
+  </p:timing>
 </p:sldLayout>
 </file>
 
@@ -19317,6 +19736,13 @@
   <p:clrMapOvr>
     <a:masterClrMapping/>
   </p:clrMapOvr>
+  <p:timing>
+    <p:tnLst>
+      <p:par>
+        <p:cTn id="1" dur="indefinite" restart="never" nodeType="tmRoot"/>
+      </p:par>
+    </p:tnLst>
+  </p:timing>
 </p:sldLayout>
 </file>
 
@@ -20611,7 +21037,11 @@
             </a:lvl1pPr>
           </a:lstStyle>
           <a:p>
-            <a:endParaRPr lang="en-US"/>
+            <a:fld id="{E204A2E0-49EE-47AF-8CA0-73779CDEB87C}" type="slidenum">
+              <a:rPr lang="en-US" smtClean="0"/>
+              <a:t>‹#›</a:t>
+            </a:fld>
+            <a:endParaRPr lang="en-US" dirty="0"/>
           </a:p>
         </p:txBody>
       </p:sp>
@@ -20671,6 +21101,13 @@
     <p:sldLayoutId id="2147483790" r:id="rId10"/>
     <p:sldLayoutId id="2147483791" r:id="rId11"/>
   </p:sldLayoutIdLst>
+  <p:timing>
+    <p:tnLst>
+      <p:par>
+        <p:cTn id="1" dur="indefinite" restart="never" nodeType="tmRoot"/>
+      </p:par>
+    </p:tnLst>
+  </p:timing>
   <p:txStyles>
     <p:titleStyle>
       <a:lvl1pPr algn="l" defTabSz="914400" rtl="0" eaLnBrk="1" latinLnBrk="0" hangingPunct="1">
@@ -22598,6 +23035,70 @@
           <a:chExt cx="0" cy="0"/>
         </a:xfrm>
       </p:grpSpPr>
+      <p:pic>
+        <p:nvPicPr>
+          <p:cNvPr id="1032" name="Picture 8"/>
+          <p:cNvPicPr>
+            <a:picLocks noChangeAspect="1" noChangeArrowheads="1"/>
+          </p:cNvPicPr>
+          <p:nvPr/>
+        </p:nvPicPr>
+        <p:blipFill>
+          <a:blip r:embed="rId3">
+            <a:extLst>
+              <a:ext uri="{28A0092B-C50C-407E-A947-70E740481C1C}">
+                <a14:useLocalDpi xmlns:a14="http://schemas.microsoft.com/office/drawing/2010/main" val="0"/>
+              </a:ext>
+            </a:extLst>
+          </a:blip>
+          <a:srcRect/>
+          <a:stretch>
+            <a:fillRect/>
+          </a:stretch>
+        </p:blipFill>
+        <p:spPr bwMode="auto">
+          <a:xfrm>
+            <a:off x="404311" y="1621931"/>
+            <a:ext cx="3786689" cy="2366681"/>
+          </a:xfrm>
+          <a:prstGeom prst="rect">
+            <a:avLst/>
+          </a:prstGeom>
+          <a:noFill/>
+          <a:ln>
+            <a:noFill/>
+          </a:ln>
+          <a:effectLst/>
+          <a:extLst>
+            <a:ext uri="{909E8E84-426E-40DD-AFC4-6F175D3DCCD1}">
+              <a14:hiddenFill xmlns:a14="http://schemas.microsoft.com/office/drawing/2010/main">
+                <a:solidFill>
+                  <a:schemeClr val="accent1"/>
+                </a:solidFill>
+              </a14:hiddenFill>
+            </a:ext>
+            <a:ext uri="{91240B29-F687-4F45-9708-019B960494DF}">
+              <a14:hiddenLine xmlns:a14="http://schemas.microsoft.com/office/drawing/2010/main" w="9525">
+                <a:solidFill>
+                  <a:schemeClr val="tx1"/>
+                </a:solidFill>
+                <a:miter lim="800000"/>
+                <a:headEnd/>
+                <a:tailEnd/>
+              </a14:hiddenLine>
+            </a:ext>
+            <a:ext uri="{AF507438-7753-43E0-B8FC-AC1667EBCBE1}">
+              <a14:hiddenEffects xmlns:a14="http://schemas.microsoft.com/office/drawing/2010/main">
+                <a:effectLst>
+                  <a:outerShdw dist="35921" dir="2700000" algn="ctr" rotWithShape="0">
+                    <a:schemeClr val="bg2"/>
+                  </a:outerShdw>
+                </a:effectLst>
+              </a14:hiddenEffects>
+            </a:ext>
+          </a:extLst>
+        </p:spPr>
+      </p:pic>
       <p:grpSp>
         <p:nvGrpSpPr>
           <p:cNvPr id="3" name="Group 2"/>
@@ -22666,7 +23167,7 @@
             <p:nvPr/>
           </p:nvPicPr>
           <p:blipFill>
-            <a:blip r:embed="rId3">
+            <a:blip r:embed="rId4">
               <a:extLst>
                 <a:ext uri="{28A0092B-C50C-407E-A947-70E740481C1C}">
                   <a14:useLocalDpi xmlns:a14="http://schemas.microsoft.com/office/drawing/2010/main" val="0"/>
@@ -22905,10 +23406,10 @@
               </a:spcAft>
             </a:pPr>
             <a:r>
-              <a:rPr lang="en-US" sz="2100" kern="1200" dirty="0" smtClean="0"/>
-              <a:t>Mesh Generation</a:t>
+              <a:rPr lang="en-US" sz="2100" dirty="0"/>
+              <a:t>Path planning</a:t>
             </a:r>
-            <a:endParaRPr lang="en-US" sz="2100" kern="1200" dirty="0"/>
+            <a:endParaRPr lang="en-US" sz="2100" dirty="0"/>
           </a:p>
         </p:txBody>
       </p:sp>
@@ -23561,7 +24062,7 @@
           </a:bodyPr>
           <a:lstStyle/>
           <a:p>
-            <a:pPr lvl="0" algn="ctr" defTabSz="933450">
+            <a:pPr algn="ctr" defTabSz="933450">
               <a:lnSpc>
                 <a:spcPct val="90000"/>
               </a:lnSpc>
@@ -23573,54 +24074,17 @@
               </a:spcAft>
             </a:pPr>
             <a:r>
-              <a:rPr lang="en-US" sz="2100" kern="1200" dirty="0" smtClean="0"/>
-              <a:t>Path planning</a:t>
+              <a:rPr lang="en-US" sz="2100" dirty="0"/>
+              <a:t>Mesh </a:t>
             </a:r>
-            <a:endParaRPr lang="en-US" sz="2100" kern="1200" dirty="0"/>
+            <a:r>
+              <a:rPr lang="en-US" sz="2100" dirty="0" smtClean="0"/>
+              <a:t>Generation</a:t>
+            </a:r>
+            <a:endParaRPr lang="en-US" sz="2100" dirty="0"/>
           </a:p>
         </p:txBody>
       </p:sp>
-      <p:pic>
-        <p:nvPicPr>
-          <p:cNvPr id="1026" name="Picture 2" descr="http://www.cs.sfu.ca/~haoz/pubs/images/dyer_et_al_sgp07.jpg"/>
-          <p:cNvPicPr>
-            <a:picLocks noChangeAspect="1" noChangeArrowheads="1"/>
-          </p:cNvPicPr>
-          <p:nvPr/>
-        </p:nvPicPr>
-        <p:blipFill>
-          <a:blip r:embed="rId4">
-            <a:extLst>
-              <a:ext uri="{28A0092B-C50C-407E-A947-70E740481C1C}">
-                <a14:useLocalDpi xmlns:a14="http://schemas.microsoft.com/office/drawing/2010/main" val="0"/>
-              </a:ext>
-            </a:extLst>
-          </a:blip>
-          <a:srcRect/>
-          <a:stretch>
-            <a:fillRect/>
-          </a:stretch>
-        </p:blipFill>
-        <p:spPr bwMode="auto">
-          <a:xfrm>
-            <a:off x="393431" y="1600201"/>
-            <a:ext cx="3492769" cy="2065706"/>
-          </a:xfrm>
-          <a:prstGeom prst="rect">
-            <a:avLst/>
-          </a:prstGeom>
-          <a:noFill/>
-          <a:extLst>
-            <a:ext uri="{909E8E84-426E-40DD-AFC4-6F175D3DCCD1}">
-              <a14:hiddenFill xmlns:a14="http://schemas.microsoft.com/office/drawing/2010/main">
-                <a:solidFill>
-                  <a:srgbClr val="FFFFFF"/>
-                </a:solidFill>
-              </a14:hiddenFill>
-            </a:ext>
-          </a:extLst>
-        </p:spPr>
-      </p:pic>
       <p:pic>
         <p:nvPicPr>
           <p:cNvPr id="1028" name="Picture 4" descr="https://encrypted-tbn1.google.com/images?q=tbn:ANd9GcST5YG_VJChuWNtBq-EdmRIIqAIem7mlgh_Z6ZQYsF9Yk5EH6-QDQ"/>
@@ -23644,8 +24108,8 @@
         </p:blipFill>
         <p:spPr bwMode="auto">
           <a:xfrm>
-            <a:off x="609599" y="1816923"/>
-            <a:ext cx="3733801" cy="2095761"/>
+            <a:off x="609599" y="1816924"/>
+            <a:ext cx="4163563" cy="2336984"/>
           </a:xfrm>
           <a:prstGeom prst="rect">
             <a:avLst/>
@@ -23686,7 +24150,7 @@
         <p:spPr bwMode="auto">
           <a:xfrm>
             <a:off x="762001" y="1949097"/>
-            <a:ext cx="3886199" cy="2292095"/>
+            <a:ext cx="4311986" cy="2543226"/>
           </a:xfrm>
           <a:prstGeom prst="rect">
             <a:avLst/>
@@ -23749,8 +24213,8 @@
         </p:blipFill>
         <p:spPr bwMode="auto">
           <a:xfrm>
-            <a:off x="1057142" y="2256670"/>
-            <a:ext cx="3895858" cy="2319886"/>
+            <a:off x="1057142" y="2172436"/>
+            <a:ext cx="4200658" cy="2501387"/>
           </a:xfrm>
           <a:prstGeom prst="rect">
             <a:avLst/>
@@ -23792,7 +24256,7 @@
       </p:pic>
       <p:pic>
         <p:nvPicPr>
-          <p:cNvPr id="1032" name="Picture 8"/>
+          <p:cNvPr id="1026" name="Picture 2" descr="http://www.cs.sfu.ca/~haoz/pubs/images/dyer_et_al_sgp07.jpg"/>
           <p:cNvPicPr>
             <a:picLocks noChangeAspect="1" noChangeArrowheads="1"/>
           </p:cNvPicPr>
@@ -23813,43 +24277,20 @@
         </p:blipFill>
         <p:spPr bwMode="auto">
           <a:xfrm>
-            <a:off x="1229811" y="2553129"/>
-            <a:ext cx="3977189" cy="2485743"/>
+            <a:off x="1337164" y="2426617"/>
+            <a:ext cx="4073036" cy="2408889"/>
           </a:xfrm>
           <a:prstGeom prst="rect">
             <a:avLst/>
           </a:prstGeom>
           <a:noFill/>
-          <a:ln>
-            <a:noFill/>
-          </a:ln>
-          <a:effectLst/>
           <a:extLst>
             <a:ext uri="{909E8E84-426E-40DD-AFC4-6F175D3DCCD1}">
               <a14:hiddenFill xmlns:a14="http://schemas.microsoft.com/office/drawing/2010/main">
                 <a:solidFill>
-                  <a:schemeClr val="accent1"/>
+                  <a:srgbClr val="FFFFFF"/>
                 </a:solidFill>
               </a14:hiddenFill>
-            </a:ext>
-            <a:ext uri="{91240B29-F687-4F45-9708-019B960494DF}">
-              <a14:hiddenLine xmlns:a14="http://schemas.microsoft.com/office/drawing/2010/main" w="9525">
-                <a:solidFill>
-                  <a:schemeClr val="tx1"/>
-                </a:solidFill>
-                <a:miter lim="800000"/>
-                <a:headEnd/>
-                <a:tailEnd/>
-              </a14:hiddenLine>
-            </a:ext>
-            <a:ext uri="{AF507438-7753-43E0-B8FC-AC1667EBCBE1}">
-              <a14:hiddenEffects xmlns:a14="http://schemas.microsoft.com/office/drawing/2010/main">
-                <a:effectLst>
-                  <a:outerShdw dist="35921" dir="2700000" algn="ctr" rotWithShape="0">
-                    <a:schemeClr val="bg2"/>
-                  </a:outerShdw>
-                </a:effectLst>
-              </a14:hiddenEffects>
             </a:ext>
           </a:extLst>
         </p:spPr>
@@ -23980,7 +24421,7 @@
                                           </p:stCondLst>
                                         </p:cTn>
                                         <p:tgtEl>
-                                          <p:spTgt spid="1026"/>
+                                          <p:spTgt spid="1032"/>
                                         </p:tgtEl>
                                         <p:attrNameLst>
                                           <p:attrName>style.visibility</p:attrName>
@@ -23994,7 +24435,7 @@
                                       <p:cBhvr>
                                         <p:cTn id="12" dur="500" fill="hold"/>
                                         <p:tgtEl>
-                                          <p:spTgt spid="1026"/>
+                                          <p:spTgt spid="1032"/>
                                         </p:tgtEl>
                                         <p:attrNameLst>
                                           <p:attrName>ppt_w</p:attrName>
@@ -24017,7 +24458,7 @@
                                       <p:cBhvr>
                                         <p:cTn id="13" dur="500" fill="hold"/>
                                         <p:tgtEl>
-                                          <p:spTgt spid="1026"/>
+                                          <p:spTgt spid="1032"/>
                                         </p:tgtEl>
                                         <p:attrNameLst>
                                           <p:attrName>ppt_h</p:attrName>
@@ -24040,7 +24481,7 @@
                                       <p:cBhvr>
                                         <p:cTn id="14" dur="500"/>
                                         <p:tgtEl>
-                                          <p:spTgt spid="1026"/>
+                                          <p:spTgt spid="1032"/>
                                         </p:tgtEl>
                                       </p:cBhvr>
                                     </p:animEffect>
@@ -24704,7 +25145,7 @@
                                           </p:stCondLst>
                                         </p:cTn>
                                         <p:tgtEl>
-                                          <p:spTgt spid="1032"/>
+                                          <p:spTgt spid="1026"/>
                                         </p:tgtEl>
                                         <p:attrNameLst>
                                           <p:attrName>style.visibility</p:attrName>
@@ -24718,7 +25159,7 @@
                                       <p:cBhvr>
                                         <p:cTn id="60" dur="500" fill="hold"/>
                                         <p:tgtEl>
-                                          <p:spTgt spid="1032"/>
+                                          <p:spTgt spid="1026"/>
                                         </p:tgtEl>
                                         <p:attrNameLst>
                                           <p:attrName>ppt_w</p:attrName>
@@ -24741,7 +25182,7 @@
                                       <p:cBhvr>
                                         <p:cTn id="61" dur="500" fill="hold"/>
                                         <p:tgtEl>
-                                          <p:spTgt spid="1032"/>
+                                          <p:spTgt spid="1026"/>
                                         </p:tgtEl>
                                         <p:attrNameLst>
                                           <p:attrName>ppt_h</p:attrName>
@@ -24764,7 +25205,7 @@
                                       <p:cBhvr>
                                         <p:cTn id="62" dur="500"/>
                                         <p:tgtEl>
-                                          <p:spTgt spid="1032"/>
+                                          <p:spTgt spid="1026"/>
                                         </p:tgtEl>
                                       </p:cBhvr>
                                     </p:animEffect>
@@ -27902,7 +28343,7 @@
             <p:ph idx="1"/>
             <p:extLst>
               <p:ext uri="{D42A27DB-BD31-4B8C-83A1-F6EECF244321}">
-                <p14:modId xmlns:p14="http://schemas.microsoft.com/office/powerpoint/2010/main" val="3141521315"/>
+                <p14:modId xmlns:p14="http://schemas.microsoft.com/office/powerpoint/2010/main" val="3755699422"/>
               </p:ext>
             </p:extLst>
           </p:nvPr>
@@ -27913,7 +28354,7 @@
         </p:xfrm>
         <a:graphic>
           <a:graphicData uri="http://schemas.openxmlformats.org/drawingml/2006/diagram">
-            <dgm:relIds xmlns:dgm="http://schemas.openxmlformats.org/drawingml/2006/diagram" xmlns:r="http://schemas.openxmlformats.org/officeDocument/2006/relationships" r:dm="rId2" r:lo="rId3" r:qs="rId4" r:cs="rId5"/>
+            <dgm:relIds xmlns:dgm="http://schemas.openxmlformats.org/drawingml/2006/diagram" xmlns:r="http://schemas.openxmlformats.org/officeDocument/2006/relationships" r:dm="rId3" r:lo="rId4" r:qs="rId5" r:cs="rId6"/>
           </a:graphicData>
         </a:graphic>
       </p:graphicFrame>
@@ -29016,92 +29457,6 @@
       </p:grpSpPr>
       <p:sp>
         <p:nvSpPr>
-          <p:cNvPr id="3" name="Content Placeholder 2"/>
-          <p:cNvSpPr>
-            <a:spLocks noGrp="1"/>
-          </p:cNvSpPr>
-          <p:nvPr>
-            <p:ph idx="1"/>
-          </p:nvPr>
-        </p:nvSpPr>
-        <p:spPr>
-          <a:xfrm>
-            <a:off x="457200" y="457200"/>
-            <a:ext cx="8229600" cy="5668963"/>
-          </a:xfrm>
-          <a:effectLst>
-            <a:glow rad="101600">
-              <a:schemeClr val="accent5">
-                <a:satMod val="175000"/>
-                <a:alpha val="40000"/>
-              </a:schemeClr>
-            </a:glow>
-          </a:effectLst>
-        </p:spPr>
-        <p:txBody>
-          <a:bodyPr anchor="ctr">
-            <a:normAutofit/>
-          </a:bodyPr>
-          <a:lstStyle/>
-          <a:p>
-            <a:pPr marL="0" indent="0" algn="ctr">
-              <a:buNone/>
-            </a:pPr>
-            <a:r>
-              <a:rPr lang="en-US" sz="5400" b="1" dirty="0" smtClean="0">
-                <a:effectLst>
-                  <a:reflection blurRad="6350" stA="60000" endA="900" endPos="58000" dir="5400000" sy="-100000" algn="bl" rotWithShape="0"/>
-                </a:effectLst>
-              </a:rPr>
-              <a:t>LIVE DEMO</a:t>
-            </a:r>
-            <a:endParaRPr lang="en-US" sz="5400" b="1" dirty="0">
-              <a:effectLst>
-                <a:reflection blurRad="6350" stA="60000" endA="900" endPos="58000" dir="5400000" sy="-100000" algn="bl" rotWithShape="0"/>
-              </a:effectLst>
-            </a:endParaRPr>
-          </a:p>
-        </p:txBody>
-      </p:sp>
-    </p:spTree>
-    <p:extLst>
-      <p:ext uri="{BB962C8B-B14F-4D97-AF65-F5344CB8AC3E}">
-        <p14:creationId xmlns:p14="http://schemas.microsoft.com/office/powerpoint/2010/main" val="3326801132"/>
-      </p:ext>
-    </p:extLst>
-  </p:cSld>
-  <p:clrMapOvr>
-    <a:masterClrMapping/>
-  </p:clrMapOvr>
-  <p:timing>
-    <p:tnLst>
-      <p:par>
-        <p:cTn id="1" dur="indefinite" restart="never" nodeType="tmRoot"/>
-      </p:par>
-    </p:tnLst>
-  </p:timing>
-</p:sld>
-</file>
-
-<file path=ppt/slides/slide23.xml><?xml version="1.0" encoding="utf-8"?>
-<p:sld xmlns:a="http://schemas.openxmlformats.org/drawingml/2006/main" xmlns:r="http://schemas.openxmlformats.org/officeDocument/2006/relationships" xmlns:p="http://schemas.openxmlformats.org/presentationml/2006/main">
-  <p:cSld>
-    <p:spTree>
-      <p:nvGrpSpPr>
-        <p:cNvPr id="1" name=""/>
-        <p:cNvGrpSpPr/>
-        <p:nvPr/>
-      </p:nvGrpSpPr>
-      <p:grpSpPr>
-        <a:xfrm>
-          <a:off x="0" y="0"/>
-          <a:ext cx="0" cy="0"/>
-          <a:chOff x="0" y="0"/>
-          <a:chExt cx="0" cy="0"/>
-        </a:xfrm>
-      </p:grpSpPr>
-      <p:sp>
-        <p:nvSpPr>
           <p:cNvPr id="2" name="Title 1"/>
           <p:cNvSpPr>
             <a:spLocks noGrp="1"/>
@@ -29362,6 +29717,92 @@
 </p:sld>
 </file>
 
+<file path=ppt/slides/slide23.xml><?xml version="1.0" encoding="utf-8"?>
+<p:sld xmlns:a="http://schemas.openxmlformats.org/drawingml/2006/main" xmlns:r="http://schemas.openxmlformats.org/officeDocument/2006/relationships" xmlns:p="http://schemas.openxmlformats.org/presentationml/2006/main">
+  <p:cSld>
+    <p:spTree>
+      <p:nvGrpSpPr>
+        <p:cNvPr id="1" name=""/>
+        <p:cNvGrpSpPr/>
+        <p:nvPr/>
+      </p:nvGrpSpPr>
+      <p:grpSpPr>
+        <a:xfrm>
+          <a:off x="0" y="0"/>
+          <a:ext cx="0" cy="0"/>
+          <a:chOff x="0" y="0"/>
+          <a:chExt cx="0" cy="0"/>
+        </a:xfrm>
+      </p:grpSpPr>
+      <p:sp>
+        <p:nvSpPr>
+          <p:cNvPr id="3" name="Content Placeholder 2"/>
+          <p:cNvSpPr>
+            <a:spLocks noGrp="1"/>
+          </p:cNvSpPr>
+          <p:nvPr>
+            <p:ph idx="1"/>
+          </p:nvPr>
+        </p:nvSpPr>
+        <p:spPr>
+          <a:xfrm>
+            <a:off x="457200" y="457200"/>
+            <a:ext cx="8229600" cy="5668963"/>
+          </a:xfrm>
+          <a:effectLst>
+            <a:glow rad="101600">
+              <a:schemeClr val="accent5">
+                <a:satMod val="175000"/>
+                <a:alpha val="40000"/>
+              </a:schemeClr>
+            </a:glow>
+          </a:effectLst>
+        </p:spPr>
+        <p:txBody>
+          <a:bodyPr anchor="ctr">
+            <a:normAutofit/>
+          </a:bodyPr>
+          <a:lstStyle/>
+          <a:p>
+            <a:pPr marL="0" indent="0" algn="ctr">
+              <a:buNone/>
+            </a:pPr>
+            <a:r>
+              <a:rPr lang="en-US" sz="5400" b="1" dirty="0" smtClean="0">
+                <a:effectLst>
+                  <a:reflection blurRad="6350" stA="60000" endA="900" endPos="58000" dir="5400000" sy="-100000" algn="bl" rotWithShape="0"/>
+                </a:effectLst>
+              </a:rPr>
+              <a:t>LIVE DEMO</a:t>
+            </a:r>
+            <a:endParaRPr lang="en-US" sz="5400" b="1" dirty="0">
+              <a:effectLst>
+                <a:reflection blurRad="6350" stA="60000" endA="900" endPos="58000" dir="5400000" sy="-100000" algn="bl" rotWithShape="0"/>
+              </a:effectLst>
+            </a:endParaRPr>
+          </a:p>
+        </p:txBody>
+      </p:sp>
+    </p:spTree>
+    <p:extLst>
+      <p:ext uri="{BB962C8B-B14F-4D97-AF65-F5344CB8AC3E}">
+        <p14:creationId xmlns:p14="http://schemas.microsoft.com/office/powerpoint/2010/main" val="3326801132"/>
+      </p:ext>
+    </p:extLst>
+  </p:cSld>
+  <p:clrMapOvr>
+    <a:masterClrMapping/>
+  </p:clrMapOvr>
+  <p:timing>
+    <p:tnLst>
+      <p:par>
+        <p:cTn id="1" dur="indefinite" restart="never" nodeType="tmRoot"/>
+      </p:par>
+    </p:tnLst>
+  </p:timing>
+</p:sld>
+</file>
+
 <file path=ppt/slides/slide24.xml><?xml version="1.0" encoding="utf-8"?>
 <p:sld xmlns:a="http://schemas.openxmlformats.org/drawingml/2006/main" xmlns:r="http://schemas.openxmlformats.org/officeDocument/2006/relationships" xmlns:p="http://schemas.openxmlformats.org/presentationml/2006/main">
   <p:cSld>
@@ -29423,6 +29864,26 @@
             </a:pPr>
             <a:r>
               <a:rPr lang="en-US" dirty="0" smtClean="0"/>
+              <a:t>Fix bugs</a:t>
+            </a:r>
+          </a:p>
+          <a:p>
+            <a:pPr marL="457200" indent="-457200">
+              <a:buFont typeface="+mj-lt"/>
+              <a:buAutoNum type="arabicPeriod"/>
+            </a:pPr>
+            <a:r>
+              <a:rPr lang="en-US" dirty="0" smtClean="0"/>
+              <a:t>Reintegrate code into Google Code repository</a:t>
+            </a:r>
+          </a:p>
+          <a:p>
+            <a:pPr marL="457200" indent="-457200">
+              <a:buFont typeface="+mj-lt"/>
+              <a:buAutoNum type="arabicPeriod"/>
+            </a:pPr>
+            <a:r>
+              <a:rPr lang="en-US" dirty="0"/>
               <a:t>Improve performance</a:t>
             </a:r>
           </a:p>
@@ -29433,8 +29894,23 @@
             </a:pPr>
             <a:r>
               <a:rPr lang="en-US" dirty="0" smtClean="0"/>
-              <a:t>Other stuff</a:t>
+              <a:t>Add more tests</a:t>
             </a:r>
+          </a:p>
+          <a:p>
+            <a:pPr marL="457200" indent="-457200">
+              <a:buFont typeface="+mj-lt"/>
+              <a:buAutoNum type="arabicPeriod"/>
+            </a:pPr>
+            <a:r>
+              <a:rPr lang="en-US" dirty="0" smtClean="0"/>
+              <a:t>Integrate our GUI into the main </a:t>
+            </a:r>
+            <a:r>
+              <a:rPr lang="en-US" smtClean="0"/>
+              <a:t>solution’s GUI</a:t>
+            </a:r>
+            <a:endParaRPr lang="en-US" dirty="0" smtClean="0"/>
           </a:p>
         </p:txBody>
       </p:sp>
@@ -30181,7 +30657,7 @@
           <p:nvPr/>
         </p:nvPicPr>
         <p:blipFill>
-          <a:blip r:embed="rId2">
+          <a:blip r:embed="rId3">
             <a:extLst>
               <a:ext uri="{28A0092B-C50C-407E-A947-70E740481C1C}">
                 <a14:useLocalDpi xmlns:a14="http://schemas.microsoft.com/office/drawing/2010/main" val="0"/>
@@ -30568,7 +31044,7 @@
           <p:nvPr/>
         </p:nvPicPr>
         <p:blipFill>
-          <a:blip r:embed="rId2" cstate="print">
+          <a:blip r:embed="rId3" cstate="print">
             <a:extLst>
               <a:ext uri="{28A0092B-C50C-407E-A947-70E740481C1C}">
                 <a14:useLocalDpi xmlns:a14="http://schemas.microsoft.com/office/drawing/2010/main" val="0"/>

--- a/extra/CDT.pptx
+++ b/extra/CDT.pptx
@@ -5220,581 +5220,6 @@
       <dsp:cNvGrpSpPr/>
     </dsp:nvGrpSpPr>
     <dsp:grpSpPr/>
-    <dsp:sp modelId="{8964DBA5-8684-4BD0-A050-30F5A52DCCD7}">
-      <dsp:nvSpPr>
-        <dsp:cNvPr id="0" name=""/>
-        <dsp:cNvSpPr/>
-      </dsp:nvSpPr>
-      <dsp:spPr>
-        <a:xfrm>
-          <a:off x="2834601" y="24705"/>
-          <a:ext cx="829865" cy="829865"/>
-        </a:xfrm>
-        <a:prstGeom prst="rect">
-          <a:avLst/>
-        </a:prstGeom>
-        <a:noFill/>
-        <a:ln>
-          <a:noFill/>
-        </a:ln>
-        <a:effectLst/>
-      </dsp:spPr>
-      <dsp:style>
-        <a:lnRef idx="0">
-          <a:scrgbClr r="0" g="0" b="0"/>
-        </a:lnRef>
-        <a:fillRef idx="0">
-          <a:scrgbClr r="0" g="0" b="0"/>
-        </a:fillRef>
-        <a:effectRef idx="0">
-          <a:scrgbClr r="0" g="0" b="0"/>
-        </a:effectRef>
-        <a:fontRef idx="minor"/>
-      </dsp:style>
-      <dsp:txBody>
-        <a:bodyPr spcFirstLastPara="0" vert="horz" wrap="square" lIns="10160" tIns="10160" rIns="10160" bIns="10160" numCol="1" spcCol="1270" anchor="ctr" anchorCtr="0">
-          <a:noAutofit/>
-        </a:bodyPr>
-        <a:lstStyle/>
-        <a:p>
-          <a:pPr lvl="0" algn="ctr" defTabSz="355600">
-            <a:lnSpc>
-              <a:spcPct val="90000"/>
-            </a:lnSpc>
-            <a:spcBef>
-              <a:spcPct val="0"/>
-            </a:spcBef>
-            <a:spcAft>
-              <a:spcPct val="35000"/>
-            </a:spcAft>
-          </a:pPr>
-          <a:r>
-            <a:rPr lang="en-US" sz="800" kern="1200" dirty="0" smtClean="0"/>
-            <a:t>Pick  one constraint</a:t>
-          </a:r>
-          <a:endParaRPr lang="en-US" sz="800" kern="1200" dirty="0"/>
-        </a:p>
-      </dsp:txBody>
-      <dsp:txXfrm>
-        <a:off x="2834601" y="24705"/>
-        <a:ext cx="829865" cy="829865"/>
-      </dsp:txXfrm>
-    </dsp:sp>
-    <dsp:sp modelId="{4116A200-501C-4C76-8403-B4705926FDFC}">
-      <dsp:nvSpPr>
-        <dsp:cNvPr id="0" name=""/>
-        <dsp:cNvSpPr/>
-      </dsp:nvSpPr>
-      <dsp:spPr>
-        <a:xfrm>
-          <a:off x="883106" y="776"/>
-          <a:ext cx="3110586" cy="3110586"/>
-        </a:xfrm>
-        <a:prstGeom prst="circularArrow">
-          <a:avLst>
-            <a:gd name="adj1" fmla="val 5202"/>
-            <a:gd name="adj2" fmla="val 336073"/>
-            <a:gd name="adj3" fmla="val 21292590"/>
-            <a:gd name="adj4" fmla="val 19766810"/>
-            <a:gd name="adj5" fmla="val 6069"/>
-          </a:avLst>
-        </a:prstGeom>
-        <a:solidFill>
-          <a:schemeClr val="accent1">
-            <a:hueOff val="0"/>
-            <a:satOff val="0"/>
-            <a:lumOff val="0"/>
-            <a:alphaOff val="0"/>
-          </a:schemeClr>
-        </a:solidFill>
-        <a:ln w="15875" cap="flat" cmpd="sng" algn="ctr">
-          <a:solidFill>
-            <a:schemeClr val="lt1">
-              <a:hueOff val="0"/>
-              <a:satOff val="0"/>
-              <a:lumOff val="0"/>
-              <a:alphaOff val="0"/>
-            </a:schemeClr>
-          </a:solidFill>
-          <a:prstDash val="solid"/>
-        </a:ln>
-        <a:effectLst/>
-      </dsp:spPr>
-      <dsp:style>
-        <a:lnRef idx="2">
-          <a:scrgbClr r="0" g="0" b="0"/>
-        </a:lnRef>
-        <a:fillRef idx="1">
-          <a:scrgbClr r="0" g="0" b="0"/>
-        </a:fillRef>
-        <a:effectRef idx="0">
-          <a:scrgbClr r="0" g="0" b="0"/>
-        </a:effectRef>
-        <a:fontRef idx="minor">
-          <a:schemeClr val="lt1"/>
-        </a:fontRef>
-      </dsp:style>
-    </dsp:sp>
-    <dsp:sp modelId="{532AA267-CB86-4757-95F5-6383F7C8CCEF}">
-      <dsp:nvSpPr>
-        <dsp:cNvPr id="0" name=""/>
-        <dsp:cNvSpPr/>
-      </dsp:nvSpPr>
-      <dsp:spPr>
-        <a:xfrm>
-          <a:off x="3335910" y="1567575"/>
-          <a:ext cx="829865" cy="829865"/>
-        </a:xfrm>
-        <a:prstGeom prst="rect">
-          <a:avLst/>
-        </a:prstGeom>
-        <a:noFill/>
-        <a:ln>
-          <a:noFill/>
-        </a:ln>
-        <a:effectLst/>
-      </dsp:spPr>
-      <dsp:style>
-        <a:lnRef idx="0">
-          <a:scrgbClr r="0" g="0" b="0"/>
-        </a:lnRef>
-        <a:fillRef idx="0">
-          <a:scrgbClr r="0" g="0" b="0"/>
-        </a:fillRef>
-        <a:effectRef idx="0">
-          <a:scrgbClr r="0" g="0" b="0"/>
-        </a:effectRef>
-        <a:fontRef idx="minor"/>
-      </dsp:style>
-      <dsp:txBody>
-        <a:bodyPr spcFirstLastPara="0" vert="horz" wrap="square" lIns="10160" tIns="10160" rIns="10160" bIns="10160" numCol="1" spcCol="1270" anchor="ctr" anchorCtr="0">
-          <a:noAutofit/>
-        </a:bodyPr>
-        <a:lstStyle/>
-        <a:p>
-          <a:pPr lvl="0" algn="ctr" defTabSz="355600">
-            <a:lnSpc>
-              <a:spcPct val="90000"/>
-            </a:lnSpc>
-            <a:spcBef>
-              <a:spcPct val="0"/>
-            </a:spcBef>
-            <a:spcAft>
-              <a:spcPct val="35000"/>
-            </a:spcAft>
-          </a:pPr>
-          <a:r>
-            <a:rPr lang="en-US" sz="800" kern="1200" dirty="0" smtClean="0"/>
-            <a:t>Delete all triangles having an edge that intersects the constraint</a:t>
-          </a:r>
-          <a:endParaRPr lang="en-US" sz="800" kern="1200" dirty="0"/>
-        </a:p>
-      </dsp:txBody>
-      <dsp:txXfrm>
-        <a:off x="3335910" y="1567575"/>
-        <a:ext cx="829865" cy="829865"/>
-      </dsp:txXfrm>
-    </dsp:sp>
-    <dsp:sp modelId="{0922FC0C-3F0F-40EF-BC59-E92FD25E3F35}">
-      <dsp:nvSpPr>
-        <dsp:cNvPr id="0" name=""/>
-        <dsp:cNvSpPr/>
-      </dsp:nvSpPr>
-      <dsp:spPr>
-        <a:xfrm>
-          <a:off x="883106" y="776"/>
-          <a:ext cx="3110586" cy="3110586"/>
-        </a:xfrm>
-        <a:prstGeom prst="circularArrow">
-          <a:avLst>
-            <a:gd name="adj1" fmla="val 5202"/>
-            <a:gd name="adj2" fmla="val 336073"/>
-            <a:gd name="adj3" fmla="val 4014022"/>
-            <a:gd name="adj4" fmla="val 2254053"/>
-            <a:gd name="adj5" fmla="val 6069"/>
-          </a:avLst>
-        </a:prstGeom>
-        <a:solidFill>
-          <a:schemeClr val="accent1">
-            <a:hueOff val="0"/>
-            <a:satOff val="0"/>
-            <a:lumOff val="0"/>
-            <a:alphaOff val="0"/>
-          </a:schemeClr>
-        </a:solidFill>
-        <a:ln w="15875" cap="flat" cmpd="sng" algn="ctr">
-          <a:solidFill>
-            <a:schemeClr val="lt1">
-              <a:hueOff val="0"/>
-              <a:satOff val="0"/>
-              <a:lumOff val="0"/>
-              <a:alphaOff val="0"/>
-            </a:schemeClr>
-          </a:solidFill>
-          <a:prstDash val="solid"/>
-        </a:ln>
-        <a:effectLst/>
-      </dsp:spPr>
-      <dsp:style>
-        <a:lnRef idx="2">
-          <a:scrgbClr r="0" g="0" b="0"/>
-        </a:lnRef>
-        <a:fillRef idx="1">
-          <a:scrgbClr r="0" g="0" b="0"/>
-        </a:fillRef>
-        <a:effectRef idx="0">
-          <a:scrgbClr r="0" g="0" b="0"/>
-        </a:effectRef>
-        <a:fontRef idx="minor">
-          <a:schemeClr val="lt1"/>
-        </a:fontRef>
-      </dsp:style>
-    </dsp:sp>
-    <dsp:sp modelId="{607DA9A9-3862-4329-AE44-5B6A9674795F}">
-      <dsp:nvSpPr>
-        <dsp:cNvPr id="0" name=""/>
-        <dsp:cNvSpPr/>
-      </dsp:nvSpPr>
-      <dsp:spPr>
-        <a:xfrm>
-          <a:off x="2023467" y="2521120"/>
-          <a:ext cx="829865" cy="829865"/>
-        </a:xfrm>
-        <a:prstGeom prst="rect">
-          <a:avLst/>
-        </a:prstGeom>
-        <a:noFill/>
-        <a:ln>
-          <a:noFill/>
-        </a:ln>
-        <a:effectLst/>
-      </dsp:spPr>
-      <dsp:style>
-        <a:lnRef idx="0">
-          <a:scrgbClr r="0" g="0" b="0"/>
-        </a:lnRef>
-        <a:fillRef idx="0">
-          <a:scrgbClr r="0" g="0" b="0"/>
-        </a:fillRef>
-        <a:effectRef idx="0">
-          <a:scrgbClr r="0" g="0" b="0"/>
-        </a:effectRef>
-        <a:fontRef idx="minor"/>
-      </dsp:style>
-      <dsp:txBody>
-        <a:bodyPr spcFirstLastPara="0" vert="horz" wrap="square" lIns="10160" tIns="10160" rIns="10160" bIns="10160" numCol="1" spcCol="1270" anchor="ctr" anchorCtr="0">
-          <a:noAutofit/>
-        </a:bodyPr>
-        <a:lstStyle/>
-        <a:p>
-          <a:pPr lvl="0" algn="ctr" defTabSz="355600">
-            <a:lnSpc>
-              <a:spcPct val="90000"/>
-            </a:lnSpc>
-            <a:spcBef>
-              <a:spcPct val="0"/>
-            </a:spcBef>
-            <a:spcAft>
-              <a:spcPct val="35000"/>
-            </a:spcAft>
-          </a:pPr>
-          <a:r>
-            <a:rPr lang="en-US" sz="800" kern="1200" dirty="0" smtClean="0"/>
-            <a:t>Insert the constrained edge</a:t>
-          </a:r>
-          <a:endParaRPr lang="en-US" sz="800" kern="1200" dirty="0"/>
-        </a:p>
-      </dsp:txBody>
-      <dsp:txXfrm>
-        <a:off x="2023467" y="2521120"/>
-        <a:ext cx="829865" cy="829865"/>
-      </dsp:txXfrm>
-    </dsp:sp>
-    <dsp:sp modelId="{2B04CA99-B376-479F-AF6C-79900B907F23}">
-      <dsp:nvSpPr>
-        <dsp:cNvPr id="0" name=""/>
-        <dsp:cNvSpPr/>
-      </dsp:nvSpPr>
-      <dsp:spPr>
-        <a:xfrm>
-          <a:off x="883106" y="776"/>
-          <a:ext cx="3110586" cy="3110586"/>
-        </a:xfrm>
-        <a:prstGeom prst="circularArrow">
-          <a:avLst>
-            <a:gd name="adj1" fmla="val 5202"/>
-            <a:gd name="adj2" fmla="val 336073"/>
-            <a:gd name="adj3" fmla="val 8209874"/>
-            <a:gd name="adj4" fmla="val 6449905"/>
-            <a:gd name="adj5" fmla="val 6069"/>
-          </a:avLst>
-        </a:prstGeom>
-        <a:solidFill>
-          <a:schemeClr val="accent1">
-            <a:hueOff val="0"/>
-            <a:satOff val="0"/>
-            <a:lumOff val="0"/>
-            <a:alphaOff val="0"/>
-          </a:schemeClr>
-        </a:solidFill>
-        <a:ln w="15875" cap="flat" cmpd="sng" algn="ctr">
-          <a:solidFill>
-            <a:schemeClr val="lt1">
-              <a:hueOff val="0"/>
-              <a:satOff val="0"/>
-              <a:lumOff val="0"/>
-              <a:alphaOff val="0"/>
-            </a:schemeClr>
-          </a:solidFill>
-          <a:prstDash val="solid"/>
-        </a:ln>
-        <a:effectLst/>
-      </dsp:spPr>
-      <dsp:style>
-        <a:lnRef idx="2">
-          <a:scrgbClr r="0" g="0" b="0"/>
-        </a:lnRef>
-        <a:fillRef idx="1">
-          <a:scrgbClr r="0" g="0" b="0"/>
-        </a:fillRef>
-        <a:effectRef idx="0">
-          <a:scrgbClr r="0" g="0" b="0"/>
-        </a:effectRef>
-        <a:fontRef idx="minor">
-          <a:schemeClr val="lt1"/>
-        </a:fontRef>
-      </dsp:style>
-    </dsp:sp>
-    <dsp:sp modelId="{BC870580-9D6D-47EC-AA95-7A80FD676209}">
-      <dsp:nvSpPr>
-        <dsp:cNvPr id="0" name=""/>
-        <dsp:cNvSpPr/>
-      </dsp:nvSpPr>
-      <dsp:spPr>
-        <a:xfrm>
-          <a:off x="711024" y="1567575"/>
-          <a:ext cx="829865" cy="829865"/>
-        </a:xfrm>
-        <a:prstGeom prst="rect">
-          <a:avLst/>
-        </a:prstGeom>
-        <a:noFill/>
-        <a:ln>
-          <a:noFill/>
-        </a:ln>
-        <a:effectLst/>
-      </dsp:spPr>
-      <dsp:style>
-        <a:lnRef idx="0">
-          <a:scrgbClr r="0" g="0" b="0"/>
-        </a:lnRef>
-        <a:fillRef idx="0">
-          <a:scrgbClr r="0" g="0" b="0"/>
-        </a:fillRef>
-        <a:effectRef idx="0">
-          <a:scrgbClr r="0" g="0" b="0"/>
-        </a:effectRef>
-        <a:fontRef idx="minor"/>
-      </dsp:style>
-      <dsp:txBody>
-        <a:bodyPr spcFirstLastPara="0" vert="horz" wrap="square" lIns="10160" tIns="10160" rIns="10160" bIns="10160" numCol="1" spcCol="1270" anchor="ctr" anchorCtr="0">
-          <a:noAutofit/>
-        </a:bodyPr>
-        <a:lstStyle/>
-        <a:p>
-          <a:pPr lvl="0" algn="ctr" defTabSz="355600">
-            <a:lnSpc>
-              <a:spcPct val="90000"/>
-            </a:lnSpc>
-            <a:spcBef>
-              <a:spcPct val="0"/>
-            </a:spcBef>
-            <a:spcAft>
-              <a:spcPct val="35000"/>
-            </a:spcAft>
-          </a:pPr>
-          <a:r>
-            <a:rPr lang="en-US" sz="800" kern="1200" dirty="0" smtClean="0"/>
-            <a:t>Take two polygons created after triangles deletion and constraint edge insertion</a:t>
-          </a:r>
-          <a:endParaRPr lang="en-US" sz="800" kern="1200" dirty="0"/>
-        </a:p>
-      </dsp:txBody>
-      <dsp:txXfrm>
-        <a:off x="711024" y="1567575"/>
-        <a:ext cx="829865" cy="829865"/>
-      </dsp:txXfrm>
-    </dsp:sp>
-    <dsp:sp modelId="{A12C47D7-FA3E-4F4C-A8E3-BE3E74F1C4CB}">
-      <dsp:nvSpPr>
-        <dsp:cNvPr id="0" name=""/>
-        <dsp:cNvSpPr/>
-      </dsp:nvSpPr>
-      <dsp:spPr>
-        <a:xfrm>
-          <a:off x="883106" y="776"/>
-          <a:ext cx="3110586" cy="3110586"/>
-        </a:xfrm>
-        <a:prstGeom prst="circularArrow">
-          <a:avLst>
-            <a:gd name="adj1" fmla="val 5202"/>
-            <a:gd name="adj2" fmla="val 336073"/>
-            <a:gd name="adj3" fmla="val 12297117"/>
-            <a:gd name="adj4" fmla="val 10771337"/>
-            <a:gd name="adj5" fmla="val 6069"/>
-          </a:avLst>
-        </a:prstGeom>
-        <a:solidFill>
-          <a:schemeClr val="accent1">
-            <a:hueOff val="0"/>
-            <a:satOff val="0"/>
-            <a:lumOff val="0"/>
-            <a:alphaOff val="0"/>
-          </a:schemeClr>
-        </a:solidFill>
-        <a:ln w="15875" cap="flat" cmpd="sng" algn="ctr">
-          <a:solidFill>
-            <a:schemeClr val="lt1">
-              <a:hueOff val="0"/>
-              <a:satOff val="0"/>
-              <a:lumOff val="0"/>
-              <a:alphaOff val="0"/>
-            </a:schemeClr>
-          </a:solidFill>
-          <a:prstDash val="solid"/>
-        </a:ln>
-        <a:effectLst/>
-      </dsp:spPr>
-      <dsp:style>
-        <a:lnRef idx="2">
-          <a:scrgbClr r="0" g="0" b="0"/>
-        </a:lnRef>
-        <a:fillRef idx="1">
-          <a:scrgbClr r="0" g="0" b="0"/>
-        </a:fillRef>
-        <a:effectRef idx="0">
-          <a:scrgbClr r="0" g="0" b="0"/>
-        </a:effectRef>
-        <a:fontRef idx="minor">
-          <a:schemeClr val="lt1"/>
-        </a:fontRef>
-      </dsp:style>
-    </dsp:sp>
-    <dsp:sp modelId="{414BC036-49DC-434A-BDB1-57CC5B0C1AFC}">
-      <dsp:nvSpPr>
-        <dsp:cNvPr id="0" name=""/>
-        <dsp:cNvSpPr/>
-      </dsp:nvSpPr>
-      <dsp:spPr>
-        <a:xfrm>
-          <a:off x="1212332" y="24705"/>
-          <a:ext cx="829865" cy="829865"/>
-        </a:xfrm>
-        <a:prstGeom prst="rect">
-          <a:avLst/>
-        </a:prstGeom>
-        <a:noFill/>
-        <a:ln>
-          <a:noFill/>
-        </a:ln>
-        <a:effectLst/>
-      </dsp:spPr>
-      <dsp:style>
-        <a:lnRef idx="0">
-          <a:scrgbClr r="0" g="0" b="0"/>
-        </a:lnRef>
-        <a:fillRef idx="0">
-          <a:scrgbClr r="0" g="0" b="0"/>
-        </a:fillRef>
-        <a:effectRef idx="0">
-          <a:scrgbClr r="0" g="0" b="0"/>
-        </a:effectRef>
-        <a:fontRef idx="minor"/>
-      </dsp:style>
-      <dsp:txBody>
-        <a:bodyPr spcFirstLastPara="0" vert="horz" wrap="square" lIns="10160" tIns="10160" rIns="10160" bIns="10160" numCol="1" spcCol="1270" anchor="ctr" anchorCtr="0">
-          <a:noAutofit/>
-        </a:bodyPr>
-        <a:lstStyle/>
-        <a:p>
-          <a:pPr lvl="0" algn="ctr" defTabSz="355600">
-            <a:lnSpc>
-              <a:spcPct val="90000"/>
-            </a:lnSpc>
-            <a:spcBef>
-              <a:spcPct val="0"/>
-            </a:spcBef>
-            <a:spcAft>
-              <a:spcPct val="35000"/>
-            </a:spcAft>
-          </a:pPr>
-          <a:r>
-            <a:rPr lang="en-US" sz="800" kern="1200" dirty="0" smtClean="0"/>
-            <a:t>Build partial triangulation for those polygons </a:t>
-          </a:r>
-          <a:endParaRPr lang="en-US" sz="800" kern="1200" dirty="0"/>
-        </a:p>
-      </dsp:txBody>
-      <dsp:txXfrm>
-        <a:off x="1212332" y="24705"/>
-        <a:ext cx="829865" cy="829865"/>
-      </dsp:txXfrm>
-    </dsp:sp>
-    <dsp:sp modelId="{7A72A19B-623B-47BD-9EB6-93670FFFE0E4}">
-      <dsp:nvSpPr>
-        <dsp:cNvPr id="0" name=""/>
-        <dsp:cNvSpPr/>
-      </dsp:nvSpPr>
-      <dsp:spPr>
-        <a:xfrm>
-          <a:off x="883106" y="776"/>
-          <a:ext cx="3110586" cy="3110586"/>
-        </a:xfrm>
-        <a:prstGeom prst="circularArrow">
-          <a:avLst>
-            <a:gd name="adj1" fmla="val 5202"/>
-            <a:gd name="adj2" fmla="val 336073"/>
-            <a:gd name="adj3" fmla="val 16865013"/>
-            <a:gd name="adj4" fmla="val 15198914"/>
-            <a:gd name="adj5" fmla="val 6069"/>
-          </a:avLst>
-        </a:prstGeom>
-        <a:solidFill>
-          <a:schemeClr val="accent1">
-            <a:hueOff val="0"/>
-            <a:satOff val="0"/>
-            <a:lumOff val="0"/>
-            <a:alphaOff val="0"/>
-          </a:schemeClr>
-        </a:solidFill>
-        <a:ln w="15875" cap="flat" cmpd="sng" algn="ctr">
-          <a:solidFill>
-            <a:schemeClr val="lt1">
-              <a:hueOff val="0"/>
-              <a:satOff val="0"/>
-              <a:lumOff val="0"/>
-              <a:alphaOff val="0"/>
-            </a:schemeClr>
-          </a:solidFill>
-          <a:prstDash val="solid"/>
-        </a:ln>
-        <a:effectLst/>
-      </dsp:spPr>
-      <dsp:style>
-        <a:lnRef idx="2">
-          <a:scrgbClr r="0" g="0" b="0"/>
-        </a:lnRef>
-        <a:fillRef idx="1">
-          <a:scrgbClr r="0" g="0" b="0"/>
-        </a:fillRef>
-        <a:effectRef idx="0">
-          <a:scrgbClr r="0" g="0" b="0"/>
-        </a:effectRef>
-        <a:fontRef idx="minor">
-          <a:schemeClr val="lt1"/>
-        </a:fontRef>
-      </dsp:style>
-    </dsp:sp>
   </dsp:spTree>
 </dsp:drawing>
 </file>
@@ -5807,1233 +5232,6 @@
       <dsp:cNvGrpSpPr/>
     </dsp:nvGrpSpPr>
     <dsp:grpSpPr/>
-    <dsp:sp modelId="{9AE5D9A7-AF57-49F8-B565-A606168C1572}">
-      <dsp:nvSpPr>
-        <dsp:cNvPr id="0" name=""/>
-        <dsp:cNvSpPr/>
-      </dsp:nvSpPr>
-      <dsp:spPr>
-        <a:xfrm>
-          <a:off x="516797" y="406834"/>
-          <a:ext cx="1141628" cy="376218"/>
-        </a:xfrm>
-        <a:prstGeom prst="rect">
-          <a:avLst/>
-        </a:prstGeom>
-        <a:noFill/>
-        <a:ln>
-          <a:noFill/>
-        </a:ln>
-        <a:effectLst/>
-      </dsp:spPr>
-      <dsp:style>
-        <a:lnRef idx="0">
-          <a:scrgbClr r="0" g="0" b="0"/>
-        </a:lnRef>
-        <a:fillRef idx="0">
-          <a:scrgbClr r="0" g="0" b="0"/>
-        </a:fillRef>
-        <a:effectRef idx="0">
-          <a:scrgbClr r="0" g="0" b="0"/>
-        </a:effectRef>
-        <a:fontRef idx="minor"/>
-      </dsp:style>
-      <dsp:txBody>
-        <a:bodyPr spcFirstLastPara="0" vert="horz" wrap="square" lIns="29210" tIns="29210" rIns="29210" bIns="29210" numCol="1" spcCol="1270" anchor="ctr" anchorCtr="0">
-          <a:noAutofit/>
-        </a:bodyPr>
-        <a:lstStyle/>
-        <a:p>
-          <a:pPr lvl="0" algn="ctr" defTabSz="1022350">
-            <a:lnSpc>
-              <a:spcPct val="90000"/>
-            </a:lnSpc>
-            <a:spcBef>
-              <a:spcPct val="0"/>
-            </a:spcBef>
-            <a:spcAft>
-              <a:spcPct val="35000"/>
-            </a:spcAft>
-          </a:pPr>
-          <a:r>
-            <a:rPr lang="en-US" sz="2300" kern="1200" dirty="0" smtClean="0"/>
-            <a:t>Given</a:t>
-          </a:r>
-          <a:endParaRPr lang="en-US" sz="2300" kern="1200" dirty="0"/>
-        </a:p>
-      </dsp:txBody>
-      <dsp:txXfrm>
-        <a:off x="516797" y="406834"/>
-        <a:ext cx="1141628" cy="376218"/>
-      </dsp:txXfrm>
-    </dsp:sp>
-    <dsp:sp modelId="{E7F57025-9D84-4F29-949C-036603744C5D}">
-      <dsp:nvSpPr>
-        <dsp:cNvPr id="0" name=""/>
-        <dsp:cNvSpPr/>
-      </dsp:nvSpPr>
-      <dsp:spPr>
-        <a:xfrm>
-          <a:off x="516797" y="1200149"/>
-          <a:ext cx="1141628" cy="704850"/>
-        </a:xfrm>
-        <a:prstGeom prst="rect">
-          <a:avLst/>
-        </a:prstGeom>
-        <a:noFill/>
-        <a:ln>
-          <a:noFill/>
-        </a:ln>
-        <a:effectLst/>
-      </dsp:spPr>
-      <dsp:style>
-        <a:lnRef idx="0">
-          <a:scrgbClr r="0" g="0" b="0"/>
-        </a:lnRef>
-        <a:fillRef idx="0">
-          <a:scrgbClr r="0" g="0" b="0"/>
-        </a:fillRef>
-        <a:effectRef idx="0">
-          <a:scrgbClr r="0" g="0" b="0"/>
-        </a:effectRef>
-        <a:fontRef idx="minor"/>
-      </dsp:style>
-      <dsp:txBody>
-        <a:bodyPr spcFirstLastPara="0" vert="horz" wrap="square" lIns="22860" tIns="22860" rIns="22860" bIns="22860" numCol="1" spcCol="1270" anchor="ctr" anchorCtr="0">
-          <a:noAutofit/>
-        </a:bodyPr>
-        <a:lstStyle/>
-        <a:p>
-          <a:pPr lvl="0" algn="ctr" defTabSz="800100">
-            <a:lnSpc>
-              <a:spcPct val="90000"/>
-            </a:lnSpc>
-            <a:spcBef>
-              <a:spcPct val="0"/>
-            </a:spcBef>
-            <a:spcAft>
-              <a:spcPct val="35000"/>
-            </a:spcAft>
-          </a:pPr>
-          <a:r>
-            <a:rPr lang="en-US" sz="1800" kern="1200" dirty="0" smtClean="0"/>
-            <a:t>Set of points</a:t>
-          </a:r>
-          <a:endParaRPr lang="en-US" sz="1800" kern="1200" dirty="0"/>
-        </a:p>
-      </dsp:txBody>
-      <dsp:txXfrm>
-        <a:off x="516797" y="1200149"/>
-        <a:ext cx="1141628" cy="704850"/>
-      </dsp:txXfrm>
-    </dsp:sp>
-    <dsp:sp modelId="{EAF6B5DE-31BF-4835-B271-B3C56E0B365D}">
-      <dsp:nvSpPr>
-        <dsp:cNvPr id="0" name=""/>
-        <dsp:cNvSpPr/>
-      </dsp:nvSpPr>
-      <dsp:spPr>
-        <a:xfrm>
-          <a:off x="515500" y="292412"/>
-          <a:ext cx="90811" cy="90811"/>
-        </a:xfrm>
-        <a:prstGeom prst="ellipse">
-          <a:avLst/>
-        </a:prstGeom>
-        <a:solidFill>
-          <a:schemeClr val="accent1">
-            <a:hueOff val="0"/>
-            <a:satOff val="0"/>
-            <a:lumOff val="0"/>
-            <a:alphaOff val="0"/>
-          </a:schemeClr>
-        </a:solidFill>
-        <a:ln w="15875" cap="flat" cmpd="sng" algn="ctr">
-          <a:solidFill>
-            <a:schemeClr val="lt1">
-              <a:hueOff val="0"/>
-              <a:satOff val="0"/>
-              <a:lumOff val="0"/>
-              <a:alphaOff val="0"/>
-            </a:schemeClr>
-          </a:solidFill>
-          <a:prstDash val="solid"/>
-        </a:ln>
-        <a:effectLst/>
-      </dsp:spPr>
-      <dsp:style>
-        <a:lnRef idx="2">
-          <a:scrgbClr r="0" g="0" b="0"/>
-        </a:lnRef>
-        <a:fillRef idx="1">
-          <a:scrgbClr r="0" g="0" b="0"/>
-        </a:fillRef>
-        <a:effectRef idx="0">
-          <a:scrgbClr r="0" g="0" b="0"/>
-        </a:effectRef>
-        <a:fontRef idx="minor">
-          <a:schemeClr val="lt1"/>
-        </a:fontRef>
-      </dsp:style>
-    </dsp:sp>
-    <dsp:sp modelId="{8A58D266-7D83-474B-ADD8-32948A11BB4A}">
-      <dsp:nvSpPr>
-        <dsp:cNvPr id="0" name=""/>
-        <dsp:cNvSpPr/>
-      </dsp:nvSpPr>
-      <dsp:spPr>
-        <a:xfrm>
-          <a:off x="579067" y="165276"/>
-          <a:ext cx="90811" cy="90811"/>
-        </a:xfrm>
-        <a:prstGeom prst="ellipse">
-          <a:avLst/>
-        </a:prstGeom>
-        <a:solidFill>
-          <a:schemeClr val="accent1">
-            <a:hueOff val="0"/>
-            <a:satOff val="0"/>
-            <a:lumOff val="0"/>
-            <a:alphaOff val="0"/>
-          </a:schemeClr>
-        </a:solidFill>
-        <a:ln w="15875" cap="flat" cmpd="sng" algn="ctr">
-          <a:solidFill>
-            <a:schemeClr val="lt1">
-              <a:hueOff val="0"/>
-              <a:satOff val="0"/>
-              <a:lumOff val="0"/>
-              <a:alphaOff val="0"/>
-            </a:schemeClr>
-          </a:solidFill>
-          <a:prstDash val="solid"/>
-        </a:ln>
-        <a:effectLst/>
-      </dsp:spPr>
-      <dsp:style>
-        <a:lnRef idx="2">
-          <a:scrgbClr r="0" g="0" b="0"/>
-        </a:lnRef>
-        <a:fillRef idx="1">
-          <a:scrgbClr r="0" g="0" b="0"/>
-        </a:fillRef>
-        <a:effectRef idx="0">
-          <a:scrgbClr r="0" g="0" b="0"/>
-        </a:effectRef>
-        <a:fontRef idx="minor">
-          <a:schemeClr val="lt1"/>
-        </a:fontRef>
-      </dsp:style>
-    </dsp:sp>
-    <dsp:sp modelId="{1F99C248-CC36-4CF3-A1B2-E2A4C6E71E3A}">
-      <dsp:nvSpPr>
-        <dsp:cNvPr id="0" name=""/>
-        <dsp:cNvSpPr/>
-      </dsp:nvSpPr>
-      <dsp:spPr>
-        <a:xfrm>
-          <a:off x="731631" y="190703"/>
-          <a:ext cx="142703" cy="142703"/>
-        </a:xfrm>
-        <a:prstGeom prst="ellipse">
-          <a:avLst/>
-        </a:prstGeom>
-        <a:solidFill>
-          <a:schemeClr val="accent1">
-            <a:hueOff val="0"/>
-            <a:satOff val="0"/>
-            <a:lumOff val="0"/>
-            <a:alphaOff val="0"/>
-          </a:schemeClr>
-        </a:solidFill>
-        <a:ln w="15875" cap="flat" cmpd="sng" algn="ctr">
-          <a:solidFill>
-            <a:schemeClr val="lt1">
-              <a:hueOff val="0"/>
-              <a:satOff val="0"/>
-              <a:lumOff val="0"/>
-              <a:alphaOff val="0"/>
-            </a:schemeClr>
-          </a:solidFill>
-          <a:prstDash val="solid"/>
-        </a:ln>
-        <a:effectLst/>
-      </dsp:spPr>
-      <dsp:style>
-        <a:lnRef idx="2">
-          <a:scrgbClr r="0" g="0" b="0"/>
-        </a:lnRef>
-        <a:fillRef idx="1">
-          <a:scrgbClr r="0" g="0" b="0"/>
-        </a:fillRef>
-        <a:effectRef idx="0">
-          <a:scrgbClr r="0" g="0" b="0"/>
-        </a:effectRef>
-        <a:fontRef idx="minor">
-          <a:schemeClr val="lt1"/>
-        </a:fontRef>
-      </dsp:style>
-    </dsp:sp>
-    <dsp:sp modelId="{E3655DFA-286F-4043-96F4-CFF013F83B37}">
-      <dsp:nvSpPr>
-        <dsp:cNvPr id="0" name=""/>
-        <dsp:cNvSpPr/>
-      </dsp:nvSpPr>
-      <dsp:spPr>
-        <a:xfrm>
-          <a:off x="858766" y="50854"/>
-          <a:ext cx="90811" cy="90811"/>
-        </a:xfrm>
-        <a:prstGeom prst="ellipse">
-          <a:avLst/>
-        </a:prstGeom>
-        <a:solidFill>
-          <a:schemeClr val="accent1">
-            <a:hueOff val="0"/>
-            <a:satOff val="0"/>
-            <a:lumOff val="0"/>
-            <a:alphaOff val="0"/>
-          </a:schemeClr>
-        </a:solidFill>
-        <a:ln w="15875" cap="flat" cmpd="sng" algn="ctr">
-          <a:solidFill>
-            <a:schemeClr val="lt1">
-              <a:hueOff val="0"/>
-              <a:satOff val="0"/>
-              <a:lumOff val="0"/>
-              <a:alphaOff val="0"/>
-            </a:schemeClr>
-          </a:solidFill>
-          <a:prstDash val="solid"/>
-        </a:ln>
-        <a:effectLst/>
-      </dsp:spPr>
-      <dsp:style>
-        <a:lnRef idx="2">
-          <a:scrgbClr r="0" g="0" b="0"/>
-        </a:lnRef>
-        <a:fillRef idx="1">
-          <a:scrgbClr r="0" g="0" b="0"/>
-        </a:fillRef>
-        <a:effectRef idx="0">
-          <a:scrgbClr r="0" g="0" b="0"/>
-        </a:effectRef>
-        <a:fontRef idx="minor">
-          <a:schemeClr val="lt1"/>
-        </a:fontRef>
-      </dsp:style>
-    </dsp:sp>
-    <dsp:sp modelId="{99C4603D-128F-419F-935E-15C40390ED82}">
-      <dsp:nvSpPr>
-        <dsp:cNvPr id="0" name=""/>
-        <dsp:cNvSpPr/>
-      </dsp:nvSpPr>
-      <dsp:spPr>
-        <a:xfrm>
-          <a:off x="1024043" y="0"/>
-          <a:ext cx="90811" cy="90811"/>
-        </a:xfrm>
-        <a:prstGeom prst="ellipse">
-          <a:avLst/>
-        </a:prstGeom>
-        <a:solidFill>
-          <a:schemeClr val="accent1">
-            <a:hueOff val="0"/>
-            <a:satOff val="0"/>
-            <a:lumOff val="0"/>
-            <a:alphaOff val="0"/>
-          </a:schemeClr>
-        </a:solidFill>
-        <a:ln w="15875" cap="flat" cmpd="sng" algn="ctr">
-          <a:solidFill>
-            <a:schemeClr val="lt1">
-              <a:hueOff val="0"/>
-              <a:satOff val="0"/>
-              <a:lumOff val="0"/>
-              <a:alphaOff val="0"/>
-            </a:schemeClr>
-          </a:solidFill>
-          <a:prstDash val="solid"/>
-        </a:ln>
-        <a:effectLst/>
-      </dsp:spPr>
-      <dsp:style>
-        <a:lnRef idx="2">
-          <a:scrgbClr r="0" g="0" b="0"/>
-        </a:lnRef>
-        <a:fillRef idx="1">
-          <a:scrgbClr r="0" g="0" b="0"/>
-        </a:fillRef>
-        <a:effectRef idx="0">
-          <a:scrgbClr r="0" g="0" b="0"/>
-        </a:effectRef>
-        <a:fontRef idx="minor">
-          <a:schemeClr val="lt1"/>
-        </a:fontRef>
-      </dsp:style>
-    </dsp:sp>
-    <dsp:sp modelId="{3D2DE75C-2B3C-4A45-9249-CDC8A17361F6}">
-      <dsp:nvSpPr>
-        <dsp:cNvPr id="0" name=""/>
-        <dsp:cNvSpPr/>
-      </dsp:nvSpPr>
-      <dsp:spPr>
-        <a:xfrm>
-          <a:off x="1227461" y="88995"/>
-          <a:ext cx="90811" cy="90811"/>
-        </a:xfrm>
-        <a:prstGeom prst="ellipse">
-          <a:avLst/>
-        </a:prstGeom>
-        <a:solidFill>
-          <a:schemeClr val="accent1">
-            <a:hueOff val="0"/>
-            <a:satOff val="0"/>
-            <a:lumOff val="0"/>
-            <a:alphaOff val="0"/>
-          </a:schemeClr>
-        </a:solidFill>
-        <a:ln w="15875" cap="flat" cmpd="sng" algn="ctr">
-          <a:solidFill>
-            <a:schemeClr val="lt1">
-              <a:hueOff val="0"/>
-              <a:satOff val="0"/>
-              <a:lumOff val="0"/>
-              <a:alphaOff val="0"/>
-            </a:schemeClr>
-          </a:solidFill>
-          <a:prstDash val="solid"/>
-        </a:ln>
-        <a:effectLst/>
-      </dsp:spPr>
-      <dsp:style>
-        <a:lnRef idx="2">
-          <a:scrgbClr r="0" g="0" b="0"/>
-        </a:lnRef>
-        <a:fillRef idx="1">
-          <a:scrgbClr r="0" g="0" b="0"/>
-        </a:fillRef>
-        <a:effectRef idx="0">
-          <a:scrgbClr r="0" g="0" b="0"/>
-        </a:effectRef>
-        <a:fontRef idx="minor">
-          <a:schemeClr val="lt1"/>
-        </a:fontRef>
-      </dsp:style>
-    </dsp:sp>
-    <dsp:sp modelId="{BB51C7C8-75D0-42C3-9206-652E437AE569}">
-      <dsp:nvSpPr>
-        <dsp:cNvPr id="0" name=""/>
-        <dsp:cNvSpPr/>
-      </dsp:nvSpPr>
-      <dsp:spPr>
-        <a:xfrm>
-          <a:off x="1354596" y="152563"/>
-          <a:ext cx="142703" cy="142703"/>
-        </a:xfrm>
-        <a:prstGeom prst="ellipse">
-          <a:avLst/>
-        </a:prstGeom>
-        <a:solidFill>
-          <a:schemeClr val="accent1">
-            <a:hueOff val="0"/>
-            <a:satOff val="0"/>
-            <a:lumOff val="0"/>
-            <a:alphaOff val="0"/>
-          </a:schemeClr>
-        </a:solidFill>
-        <a:ln w="15875" cap="flat" cmpd="sng" algn="ctr">
-          <a:solidFill>
-            <a:schemeClr val="lt1">
-              <a:hueOff val="0"/>
-              <a:satOff val="0"/>
-              <a:lumOff val="0"/>
-              <a:alphaOff val="0"/>
-            </a:schemeClr>
-          </a:solidFill>
-          <a:prstDash val="solid"/>
-        </a:ln>
-        <a:effectLst/>
-      </dsp:spPr>
-      <dsp:style>
-        <a:lnRef idx="2">
-          <a:scrgbClr r="0" g="0" b="0"/>
-        </a:lnRef>
-        <a:fillRef idx="1">
-          <a:scrgbClr r="0" g="0" b="0"/>
-        </a:fillRef>
-        <a:effectRef idx="0">
-          <a:scrgbClr r="0" g="0" b="0"/>
-        </a:effectRef>
-        <a:fontRef idx="minor">
-          <a:schemeClr val="lt1"/>
-        </a:fontRef>
-      </dsp:style>
-    </dsp:sp>
-    <dsp:sp modelId="{F12CEEBD-BB79-4E14-84E8-261384504C13}">
-      <dsp:nvSpPr>
-        <dsp:cNvPr id="0" name=""/>
-        <dsp:cNvSpPr/>
-      </dsp:nvSpPr>
-      <dsp:spPr>
-        <a:xfrm>
-          <a:off x="1532587" y="292412"/>
-          <a:ext cx="90811" cy="90811"/>
-        </a:xfrm>
-        <a:prstGeom prst="ellipse">
-          <a:avLst/>
-        </a:prstGeom>
-        <a:solidFill>
-          <a:schemeClr val="accent1">
-            <a:hueOff val="0"/>
-            <a:satOff val="0"/>
-            <a:lumOff val="0"/>
-            <a:alphaOff val="0"/>
-          </a:schemeClr>
-        </a:solidFill>
-        <a:ln w="15875" cap="flat" cmpd="sng" algn="ctr">
-          <a:solidFill>
-            <a:schemeClr val="lt1">
-              <a:hueOff val="0"/>
-              <a:satOff val="0"/>
-              <a:lumOff val="0"/>
-              <a:alphaOff val="0"/>
-            </a:schemeClr>
-          </a:solidFill>
-          <a:prstDash val="solid"/>
-        </a:ln>
-        <a:effectLst/>
-      </dsp:spPr>
-      <dsp:style>
-        <a:lnRef idx="2">
-          <a:scrgbClr r="0" g="0" b="0"/>
-        </a:lnRef>
-        <a:fillRef idx="1">
-          <a:scrgbClr r="0" g="0" b="0"/>
-        </a:fillRef>
-        <a:effectRef idx="0">
-          <a:scrgbClr r="0" g="0" b="0"/>
-        </a:effectRef>
-        <a:fontRef idx="minor">
-          <a:schemeClr val="lt1"/>
-        </a:fontRef>
-      </dsp:style>
-    </dsp:sp>
-    <dsp:sp modelId="{F905F333-E19A-4176-BFB7-AF85A4572DBE}">
-      <dsp:nvSpPr>
-        <dsp:cNvPr id="0" name=""/>
-        <dsp:cNvSpPr/>
-      </dsp:nvSpPr>
-      <dsp:spPr>
-        <a:xfrm>
-          <a:off x="1608868" y="432262"/>
-          <a:ext cx="90811" cy="90811"/>
-        </a:xfrm>
-        <a:prstGeom prst="ellipse">
-          <a:avLst/>
-        </a:prstGeom>
-        <a:solidFill>
-          <a:schemeClr val="accent1">
-            <a:hueOff val="0"/>
-            <a:satOff val="0"/>
-            <a:lumOff val="0"/>
-            <a:alphaOff val="0"/>
-          </a:schemeClr>
-        </a:solidFill>
-        <a:ln w="15875" cap="flat" cmpd="sng" algn="ctr">
-          <a:solidFill>
-            <a:schemeClr val="lt1">
-              <a:hueOff val="0"/>
-              <a:satOff val="0"/>
-              <a:lumOff val="0"/>
-              <a:alphaOff val="0"/>
-            </a:schemeClr>
-          </a:solidFill>
-          <a:prstDash val="solid"/>
-        </a:ln>
-        <a:effectLst/>
-      </dsp:spPr>
-      <dsp:style>
-        <a:lnRef idx="2">
-          <a:scrgbClr r="0" g="0" b="0"/>
-        </a:lnRef>
-        <a:fillRef idx="1">
-          <a:scrgbClr r="0" g="0" b="0"/>
-        </a:fillRef>
-        <a:effectRef idx="0">
-          <a:scrgbClr r="0" g="0" b="0"/>
-        </a:effectRef>
-        <a:fontRef idx="minor">
-          <a:schemeClr val="lt1"/>
-        </a:fontRef>
-      </dsp:style>
-    </dsp:sp>
-    <dsp:sp modelId="{C06C4FA8-EEE7-4D54-ABE9-997958C7595A}">
-      <dsp:nvSpPr>
-        <dsp:cNvPr id="0" name=""/>
-        <dsp:cNvSpPr/>
-      </dsp:nvSpPr>
-      <dsp:spPr>
-        <a:xfrm>
-          <a:off x="947762" y="165276"/>
-          <a:ext cx="233514" cy="233514"/>
-        </a:xfrm>
-        <a:prstGeom prst="ellipse">
-          <a:avLst/>
-        </a:prstGeom>
-        <a:solidFill>
-          <a:schemeClr val="accent1">
-            <a:hueOff val="0"/>
-            <a:satOff val="0"/>
-            <a:lumOff val="0"/>
-            <a:alphaOff val="0"/>
-          </a:schemeClr>
-        </a:solidFill>
-        <a:ln w="15875" cap="flat" cmpd="sng" algn="ctr">
-          <a:solidFill>
-            <a:schemeClr val="lt1">
-              <a:hueOff val="0"/>
-              <a:satOff val="0"/>
-              <a:lumOff val="0"/>
-              <a:alphaOff val="0"/>
-            </a:schemeClr>
-          </a:solidFill>
-          <a:prstDash val="solid"/>
-        </a:ln>
-        <a:effectLst/>
-      </dsp:spPr>
-      <dsp:style>
-        <a:lnRef idx="2">
-          <a:scrgbClr r="0" g="0" b="0"/>
-        </a:lnRef>
-        <a:fillRef idx="1">
-          <a:scrgbClr r="0" g="0" b="0"/>
-        </a:fillRef>
-        <a:effectRef idx="0">
-          <a:scrgbClr r="0" g="0" b="0"/>
-        </a:effectRef>
-        <a:fontRef idx="minor">
-          <a:schemeClr val="lt1"/>
-        </a:fontRef>
-      </dsp:style>
-    </dsp:sp>
-    <dsp:sp modelId="{4E5C555B-D289-4A40-B272-3126897E8EB4}">
-      <dsp:nvSpPr>
-        <dsp:cNvPr id="0" name=""/>
-        <dsp:cNvSpPr/>
-      </dsp:nvSpPr>
-      <dsp:spPr>
-        <a:xfrm>
-          <a:off x="451932" y="648393"/>
-          <a:ext cx="90811" cy="90811"/>
-        </a:xfrm>
-        <a:prstGeom prst="ellipse">
-          <a:avLst/>
-        </a:prstGeom>
-        <a:solidFill>
-          <a:schemeClr val="accent1">
-            <a:hueOff val="0"/>
-            <a:satOff val="0"/>
-            <a:lumOff val="0"/>
-            <a:alphaOff val="0"/>
-          </a:schemeClr>
-        </a:solidFill>
-        <a:ln w="15875" cap="flat" cmpd="sng" algn="ctr">
-          <a:solidFill>
-            <a:schemeClr val="lt1">
-              <a:hueOff val="0"/>
-              <a:satOff val="0"/>
-              <a:lumOff val="0"/>
-              <a:alphaOff val="0"/>
-            </a:schemeClr>
-          </a:solidFill>
-          <a:prstDash val="solid"/>
-        </a:ln>
-        <a:effectLst/>
-      </dsp:spPr>
-      <dsp:style>
-        <a:lnRef idx="2">
-          <a:scrgbClr r="0" g="0" b="0"/>
-        </a:lnRef>
-        <a:fillRef idx="1">
-          <a:scrgbClr r="0" g="0" b="0"/>
-        </a:fillRef>
-        <a:effectRef idx="0">
-          <a:scrgbClr r="0" g="0" b="0"/>
-        </a:effectRef>
-        <a:fontRef idx="minor">
-          <a:schemeClr val="lt1"/>
-        </a:fontRef>
-      </dsp:style>
-    </dsp:sp>
-    <dsp:sp modelId="{2224F4D2-7EF3-4DDF-B2C2-ECDC39AD98BD}">
-      <dsp:nvSpPr>
-        <dsp:cNvPr id="0" name=""/>
-        <dsp:cNvSpPr/>
-      </dsp:nvSpPr>
-      <dsp:spPr>
-        <a:xfrm>
-          <a:off x="528213" y="762815"/>
-          <a:ext cx="142703" cy="142703"/>
-        </a:xfrm>
-        <a:prstGeom prst="ellipse">
-          <a:avLst/>
-        </a:prstGeom>
-        <a:solidFill>
-          <a:schemeClr val="accent1">
-            <a:hueOff val="0"/>
-            <a:satOff val="0"/>
-            <a:lumOff val="0"/>
-            <a:alphaOff val="0"/>
-          </a:schemeClr>
-        </a:solidFill>
-        <a:ln w="15875" cap="flat" cmpd="sng" algn="ctr">
-          <a:solidFill>
-            <a:schemeClr val="lt1">
-              <a:hueOff val="0"/>
-              <a:satOff val="0"/>
-              <a:lumOff val="0"/>
-              <a:alphaOff val="0"/>
-            </a:schemeClr>
-          </a:solidFill>
-          <a:prstDash val="solid"/>
-        </a:ln>
-        <a:effectLst/>
-      </dsp:spPr>
-      <dsp:style>
-        <a:lnRef idx="2">
-          <a:scrgbClr r="0" g="0" b="0"/>
-        </a:lnRef>
-        <a:fillRef idx="1">
-          <a:scrgbClr r="0" g="0" b="0"/>
-        </a:fillRef>
-        <a:effectRef idx="0">
-          <a:scrgbClr r="0" g="0" b="0"/>
-        </a:effectRef>
-        <a:fontRef idx="minor">
-          <a:schemeClr val="lt1"/>
-        </a:fontRef>
-      </dsp:style>
-    </dsp:sp>
-    <dsp:sp modelId="{E45F83EB-B4B4-4ED3-AD19-F8254E67749A}">
-      <dsp:nvSpPr>
-        <dsp:cNvPr id="0" name=""/>
-        <dsp:cNvSpPr/>
-      </dsp:nvSpPr>
-      <dsp:spPr>
-        <a:xfrm>
-          <a:off x="718917" y="864524"/>
-          <a:ext cx="207568" cy="207568"/>
-        </a:xfrm>
-        <a:prstGeom prst="ellipse">
-          <a:avLst/>
-        </a:prstGeom>
-        <a:solidFill>
-          <a:schemeClr val="accent1">
-            <a:hueOff val="0"/>
-            <a:satOff val="0"/>
-            <a:lumOff val="0"/>
-            <a:alphaOff val="0"/>
-          </a:schemeClr>
-        </a:solidFill>
-        <a:ln w="15875" cap="flat" cmpd="sng" algn="ctr">
-          <a:solidFill>
-            <a:schemeClr val="lt1">
-              <a:hueOff val="0"/>
-              <a:satOff val="0"/>
-              <a:lumOff val="0"/>
-              <a:alphaOff val="0"/>
-            </a:schemeClr>
-          </a:solidFill>
-          <a:prstDash val="solid"/>
-        </a:ln>
-        <a:effectLst/>
-      </dsp:spPr>
-      <dsp:style>
-        <a:lnRef idx="2">
-          <a:scrgbClr r="0" g="0" b="0"/>
-        </a:lnRef>
-        <a:fillRef idx="1">
-          <a:scrgbClr r="0" g="0" b="0"/>
-        </a:fillRef>
-        <a:effectRef idx="0">
-          <a:scrgbClr r="0" g="0" b="0"/>
-        </a:effectRef>
-        <a:fontRef idx="minor">
-          <a:schemeClr val="lt1"/>
-        </a:fontRef>
-      </dsp:style>
-    </dsp:sp>
-    <dsp:sp modelId="{950A3D77-91BB-47E6-B42F-F9E046647194}">
-      <dsp:nvSpPr>
-        <dsp:cNvPr id="0" name=""/>
-        <dsp:cNvSpPr/>
-      </dsp:nvSpPr>
-      <dsp:spPr>
-        <a:xfrm>
-          <a:off x="985902" y="1029800"/>
-          <a:ext cx="90811" cy="90811"/>
-        </a:xfrm>
-        <a:prstGeom prst="ellipse">
-          <a:avLst/>
-        </a:prstGeom>
-        <a:solidFill>
-          <a:schemeClr val="accent1">
-            <a:hueOff val="0"/>
-            <a:satOff val="0"/>
-            <a:lumOff val="0"/>
-            <a:alphaOff val="0"/>
-          </a:schemeClr>
-        </a:solidFill>
-        <a:ln w="15875" cap="flat" cmpd="sng" algn="ctr">
-          <a:solidFill>
-            <a:schemeClr val="lt1">
-              <a:hueOff val="0"/>
-              <a:satOff val="0"/>
-              <a:lumOff val="0"/>
-              <a:alphaOff val="0"/>
-            </a:schemeClr>
-          </a:solidFill>
-          <a:prstDash val="solid"/>
-        </a:ln>
-        <a:effectLst/>
-      </dsp:spPr>
-      <dsp:style>
-        <a:lnRef idx="2">
-          <a:scrgbClr r="0" g="0" b="0"/>
-        </a:lnRef>
-        <a:fillRef idx="1">
-          <a:scrgbClr r="0" g="0" b="0"/>
-        </a:fillRef>
-        <a:effectRef idx="0">
-          <a:scrgbClr r="0" g="0" b="0"/>
-        </a:effectRef>
-        <a:fontRef idx="minor">
-          <a:schemeClr val="lt1"/>
-        </a:fontRef>
-      </dsp:style>
-    </dsp:sp>
-    <dsp:sp modelId="{4303E1B2-65C2-4855-9AB2-C1D66AA67ACE}">
-      <dsp:nvSpPr>
-        <dsp:cNvPr id="0" name=""/>
-        <dsp:cNvSpPr/>
-      </dsp:nvSpPr>
-      <dsp:spPr>
-        <a:xfrm>
-          <a:off x="1036757" y="864524"/>
-          <a:ext cx="142703" cy="142703"/>
-        </a:xfrm>
-        <a:prstGeom prst="ellipse">
-          <a:avLst/>
-        </a:prstGeom>
-        <a:solidFill>
-          <a:schemeClr val="accent1">
-            <a:hueOff val="0"/>
-            <a:satOff val="0"/>
-            <a:lumOff val="0"/>
-            <a:alphaOff val="0"/>
-          </a:schemeClr>
-        </a:solidFill>
-        <a:ln w="15875" cap="flat" cmpd="sng" algn="ctr">
-          <a:solidFill>
-            <a:schemeClr val="lt1">
-              <a:hueOff val="0"/>
-              <a:satOff val="0"/>
-              <a:lumOff val="0"/>
-              <a:alphaOff val="0"/>
-            </a:schemeClr>
-          </a:solidFill>
-          <a:prstDash val="solid"/>
-        </a:ln>
-        <a:effectLst/>
-      </dsp:spPr>
-      <dsp:style>
-        <a:lnRef idx="2">
-          <a:scrgbClr r="0" g="0" b="0"/>
-        </a:lnRef>
-        <a:fillRef idx="1">
-          <a:scrgbClr r="0" g="0" b="0"/>
-        </a:fillRef>
-        <a:effectRef idx="0">
-          <a:scrgbClr r="0" g="0" b="0"/>
-        </a:effectRef>
-        <a:fontRef idx="minor">
-          <a:schemeClr val="lt1"/>
-        </a:fontRef>
-      </dsp:style>
-    </dsp:sp>
-    <dsp:sp modelId="{F7D74827-C118-49F4-962C-3919544C46DC}">
-      <dsp:nvSpPr>
-        <dsp:cNvPr id="0" name=""/>
-        <dsp:cNvSpPr/>
-      </dsp:nvSpPr>
-      <dsp:spPr>
-        <a:xfrm>
-          <a:off x="1163893" y="1042514"/>
-          <a:ext cx="90811" cy="90811"/>
-        </a:xfrm>
-        <a:prstGeom prst="ellipse">
-          <a:avLst/>
-        </a:prstGeom>
-        <a:solidFill>
-          <a:schemeClr val="accent1">
-            <a:hueOff val="0"/>
-            <a:satOff val="0"/>
-            <a:lumOff val="0"/>
-            <a:alphaOff val="0"/>
-          </a:schemeClr>
-        </a:solidFill>
-        <a:ln w="15875" cap="flat" cmpd="sng" algn="ctr">
-          <a:solidFill>
-            <a:schemeClr val="lt1">
-              <a:hueOff val="0"/>
-              <a:satOff val="0"/>
-              <a:lumOff val="0"/>
-              <a:alphaOff val="0"/>
-            </a:schemeClr>
-          </a:solidFill>
-          <a:prstDash val="solid"/>
-        </a:ln>
-        <a:effectLst/>
-      </dsp:spPr>
-      <dsp:style>
-        <a:lnRef idx="2">
-          <a:scrgbClr r="0" g="0" b="0"/>
-        </a:lnRef>
-        <a:fillRef idx="1">
-          <a:scrgbClr r="0" g="0" b="0"/>
-        </a:fillRef>
-        <a:effectRef idx="0">
-          <a:scrgbClr r="0" g="0" b="0"/>
-        </a:effectRef>
-        <a:fontRef idx="minor">
-          <a:schemeClr val="lt1"/>
-        </a:fontRef>
-      </dsp:style>
-    </dsp:sp>
-    <dsp:sp modelId="{D6397E70-AC24-441E-B804-D5FE16A02751}">
-      <dsp:nvSpPr>
-        <dsp:cNvPr id="0" name=""/>
-        <dsp:cNvSpPr/>
-      </dsp:nvSpPr>
-      <dsp:spPr>
-        <a:xfrm>
-          <a:off x="1278315" y="839096"/>
-          <a:ext cx="207568" cy="207568"/>
-        </a:xfrm>
-        <a:prstGeom prst="ellipse">
-          <a:avLst/>
-        </a:prstGeom>
-        <a:solidFill>
-          <a:schemeClr val="accent1">
-            <a:hueOff val="0"/>
-            <a:satOff val="0"/>
-            <a:lumOff val="0"/>
-            <a:alphaOff val="0"/>
-          </a:schemeClr>
-        </a:solidFill>
-        <a:ln w="15875" cap="flat" cmpd="sng" algn="ctr">
-          <a:solidFill>
-            <a:schemeClr val="lt1">
-              <a:hueOff val="0"/>
-              <a:satOff val="0"/>
-              <a:lumOff val="0"/>
-              <a:alphaOff val="0"/>
-            </a:schemeClr>
-          </a:solidFill>
-          <a:prstDash val="solid"/>
-        </a:ln>
-        <a:effectLst/>
-      </dsp:spPr>
-      <dsp:style>
-        <a:lnRef idx="2">
-          <a:scrgbClr r="0" g="0" b="0"/>
-        </a:lnRef>
-        <a:fillRef idx="1">
-          <a:scrgbClr r="0" g="0" b="0"/>
-        </a:fillRef>
-        <a:effectRef idx="0">
-          <a:scrgbClr r="0" g="0" b="0"/>
-        </a:effectRef>
-        <a:fontRef idx="minor">
-          <a:schemeClr val="lt1"/>
-        </a:fontRef>
-      </dsp:style>
-    </dsp:sp>
-    <dsp:sp modelId="{F3CADF4B-7922-465F-8685-43C21B379B35}">
-      <dsp:nvSpPr>
-        <dsp:cNvPr id="0" name=""/>
-        <dsp:cNvSpPr/>
-      </dsp:nvSpPr>
-      <dsp:spPr>
-        <a:xfrm>
-          <a:off x="1558014" y="788242"/>
-          <a:ext cx="142703" cy="142703"/>
-        </a:xfrm>
-        <a:prstGeom prst="ellipse">
-          <a:avLst/>
-        </a:prstGeom>
-        <a:solidFill>
-          <a:schemeClr val="accent1">
-            <a:hueOff val="0"/>
-            <a:satOff val="0"/>
-            <a:lumOff val="0"/>
-            <a:alphaOff val="0"/>
-          </a:schemeClr>
-        </a:solidFill>
-        <a:ln w="15875" cap="flat" cmpd="sng" algn="ctr">
-          <a:solidFill>
-            <a:schemeClr val="lt1">
-              <a:hueOff val="0"/>
-              <a:satOff val="0"/>
-              <a:lumOff val="0"/>
-              <a:alphaOff val="0"/>
-            </a:schemeClr>
-          </a:solidFill>
-          <a:prstDash val="solid"/>
-        </a:ln>
-        <a:effectLst/>
-      </dsp:spPr>
-      <dsp:style>
-        <a:lnRef idx="2">
-          <a:scrgbClr r="0" g="0" b="0"/>
-        </a:lnRef>
-        <a:fillRef idx="1">
-          <a:scrgbClr r="0" g="0" b="0"/>
-        </a:fillRef>
-        <a:effectRef idx="0">
-          <a:scrgbClr r="0" g="0" b="0"/>
-        </a:effectRef>
-        <a:fontRef idx="minor">
-          <a:schemeClr val="lt1"/>
-        </a:fontRef>
-      </dsp:style>
-    </dsp:sp>
-    <dsp:sp modelId="{3808FFA2-32E8-4C73-ADEA-73CD61B73CCF}">
-      <dsp:nvSpPr>
-        <dsp:cNvPr id="0" name=""/>
-        <dsp:cNvSpPr/>
-      </dsp:nvSpPr>
-      <dsp:spPr>
-        <a:xfrm>
-          <a:off x="1700717" y="190492"/>
-          <a:ext cx="419100" cy="800107"/>
-        </a:xfrm>
-        <a:prstGeom prst="chevron">
-          <a:avLst>
-            <a:gd name="adj" fmla="val 62310"/>
-          </a:avLst>
-        </a:prstGeom>
-        <a:solidFill>
-          <a:schemeClr val="accent1">
-            <a:tint val="60000"/>
-            <a:hueOff val="0"/>
-            <a:satOff val="0"/>
-            <a:lumOff val="0"/>
-            <a:alphaOff val="0"/>
-          </a:schemeClr>
-        </a:solidFill>
-        <a:ln>
-          <a:noFill/>
-        </a:ln>
-        <a:effectLst/>
-      </dsp:spPr>
-      <dsp:style>
-        <a:lnRef idx="0">
-          <a:scrgbClr r="0" g="0" b="0"/>
-        </a:lnRef>
-        <a:fillRef idx="1">
-          <a:scrgbClr r="0" g="0" b="0"/>
-        </a:fillRef>
-        <a:effectRef idx="0">
-          <a:scrgbClr r="0" g="0" b="0"/>
-        </a:effectRef>
-        <a:fontRef idx="minor">
-          <a:schemeClr val="lt1"/>
-        </a:fontRef>
-      </dsp:style>
-    </dsp:sp>
-    <dsp:sp modelId="{18E698AE-0A4D-4F8E-9B8C-188ED533853F}">
-      <dsp:nvSpPr>
-        <dsp:cNvPr id="0" name=""/>
-        <dsp:cNvSpPr/>
-      </dsp:nvSpPr>
-      <dsp:spPr>
-        <a:xfrm>
-          <a:off x="2043617" y="190492"/>
-          <a:ext cx="419100" cy="800107"/>
-        </a:xfrm>
-        <a:prstGeom prst="chevron">
-          <a:avLst>
-            <a:gd name="adj" fmla="val 62310"/>
-          </a:avLst>
-        </a:prstGeom>
-        <a:solidFill>
-          <a:schemeClr val="accent1">
-            <a:tint val="60000"/>
-            <a:hueOff val="0"/>
-            <a:satOff val="0"/>
-            <a:lumOff val="0"/>
-            <a:alphaOff val="0"/>
-          </a:schemeClr>
-        </a:solidFill>
-        <a:ln>
-          <a:noFill/>
-        </a:ln>
-        <a:effectLst/>
-      </dsp:spPr>
-      <dsp:style>
-        <a:lnRef idx="0">
-          <a:scrgbClr r="0" g="0" b="0"/>
-        </a:lnRef>
-        <a:fillRef idx="1">
-          <a:scrgbClr r="0" g="0" b="0"/>
-        </a:fillRef>
-        <a:effectRef idx="0">
-          <a:scrgbClr r="0" g="0" b="0"/>
-        </a:effectRef>
-        <a:fontRef idx="minor">
-          <a:schemeClr val="lt1"/>
-        </a:fontRef>
-      </dsp:style>
-    </dsp:sp>
-    <dsp:sp modelId="{1696BE37-B6C2-4988-B7BC-E97C111D7F5B}">
-      <dsp:nvSpPr>
-        <dsp:cNvPr id="0" name=""/>
-        <dsp:cNvSpPr/>
-      </dsp:nvSpPr>
-      <dsp:spPr>
-        <a:xfrm>
-          <a:off x="2548442" y="133730"/>
-          <a:ext cx="971549" cy="971549"/>
-        </a:xfrm>
-        <a:prstGeom prst="ellipse">
-          <a:avLst/>
-        </a:prstGeom>
-        <a:solidFill>
-          <a:schemeClr val="accent1">
-            <a:hueOff val="0"/>
-            <a:satOff val="0"/>
-            <a:lumOff val="0"/>
-            <a:alphaOff val="0"/>
-          </a:schemeClr>
-        </a:solidFill>
-        <a:ln w="15875" cap="flat" cmpd="sng" algn="ctr">
-          <a:solidFill>
-            <a:schemeClr val="lt1">
-              <a:hueOff val="0"/>
-              <a:satOff val="0"/>
-              <a:lumOff val="0"/>
-              <a:alphaOff val="0"/>
-            </a:schemeClr>
-          </a:solidFill>
-          <a:prstDash val="solid"/>
-        </a:ln>
-        <a:effectLst/>
-      </dsp:spPr>
-      <dsp:style>
-        <a:lnRef idx="2">
-          <a:scrgbClr r="0" g="0" b="0"/>
-        </a:lnRef>
-        <a:fillRef idx="1">
-          <a:scrgbClr r="0" g="0" b="0"/>
-        </a:fillRef>
-        <a:effectRef idx="0">
-          <a:scrgbClr r="0" g="0" b="0"/>
-        </a:effectRef>
-        <a:fontRef idx="minor">
-          <a:schemeClr val="lt1"/>
-        </a:fontRef>
-      </dsp:style>
-      <dsp:txBody>
-        <a:bodyPr spcFirstLastPara="0" vert="horz" wrap="square" lIns="0" tIns="0" rIns="0" bIns="0" numCol="1" spcCol="1270" anchor="ctr" anchorCtr="0">
-          <a:noAutofit/>
-        </a:bodyPr>
-        <a:lstStyle/>
-        <a:p>
-          <a:pPr lvl="0" algn="ctr" defTabSz="1022350">
-            <a:lnSpc>
-              <a:spcPct val="90000"/>
-            </a:lnSpc>
-            <a:spcBef>
-              <a:spcPct val="0"/>
-            </a:spcBef>
-            <a:spcAft>
-              <a:spcPct val="35000"/>
-            </a:spcAft>
-          </a:pPr>
-          <a:r>
-            <a:rPr lang="en-US" sz="2300" kern="1200" dirty="0" smtClean="0"/>
-            <a:t>Build</a:t>
-          </a:r>
-          <a:endParaRPr lang="en-US" sz="2300" kern="1200" dirty="0"/>
-        </a:p>
-      </dsp:txBody>
-      <dsp:txXfrm>
-        <a:off x="2690722" y="276010"/>
-        <a:ext cx="686989" cy="686989"/>
-      </dsp:txXfrm>
-    </dsp:sp>
-    <dsp:sp modelId="{9BDE8EC1-2EB9-401A-A3EC-B299062C71C2}">
-      <dsp:nvSpPr>
-        <dsp:cNvPr id="0" name=""/>
-        <dsp:cNvSpPr/>
-      </dsp:nvSpPr>
-      <dsp:spPr>
-        <a:xfrm>
-          <a:off x="2462717" y="1200149"/>
-          <a:ext cx="1143000" cy="704850"/>
-        </a:xfrm>
-        <a:prstGeom prst="rect">
-          <a:avLst/>
-        </a:prstGeom>
-        <a:noFill/>
-        <a:ln>
-          <a:noFill/>
-        </a:ln>
-        <a:effectLst/>
-      </dsp:spPr>
-      <dsp:style>
-        <a:lnRef idx="0">
-          <a:scrgbClr r="0" g="0" b="0"/>
-        </a:lnRef>
-        <a:fillRef idx="0">
-          <a:scrgbClr r="0" g="0" b="0"/>
-        </a:fillRef>
-        <a:effectRef idx="0">
-          <a:scrgbClr r="0" g="0" b="0"/>
-        </a:effectRef>
-        <a:fontRef idx="minor"/>
-      </dsp:style>
-      <dsp:txBody>
-        <a:bodyPr spcFirstLastPara="0" vert="horz" wrap="square" lIns="19050" tIns="19050" rIns="19050" bIns="19050" numCol="1" spcCol="1270" anchor="ctr" anchorCtr="0">
-          <a:noAutofit/>
-        </a:bodyPr>
-        <a:lstStyle/>
-        <a:p>
-          <a:pPr lvl="0" algn="ctr" defTabSz="666750">
-            <a:lnSpc>
-              <a:spcPct val="90000"/>
-            </a:lnSpc>
-            <a:spcBef>
-              <a:spcPct val="0"/>
-            </a:spcBef>
-            <a:spcAft>
-              <a:spcPct val="35000"/>
-            </a:spcAft>
-          </a:pPr>
-          <a:r>
-            <a:rPr lang="en-US" sz="1500" kern="1200" smtClean="0"/>
-            <a:t>Delaunay Triangulation</a:t>
-          </a:r>
-          <a:endParaRPr lang="en-US" sz="1500" kern="1200" dirty="0"/>
-        </a:p>
-      </dsp:txBody>
-      <dsp:txXfrm>
-        <a:off x="2462717" y="1200149"/>
-        <a:ext cx="1143000" cy="704850"/>
-      </dsp:txXfrm>
-    </dsp:sp>
   </dsp:spTree>
 </dsp:drawing>
 </file>
@@ -11305,7 +9503,7 @@
           <a:p>
             <a:fld id="{18A6AB54-A72B-4A3E-A547-754E3AA73307}" type="datetimeFigureOut">
               <a:rPr lang="en-US" smtClean="0"/>
-              <a:t>18/06/2012</a:t>
+              <a:t>19/06/2012</a:t>
             </a:fld>
             <a:endParaRPr lang="en-US"/>
           </a:p>
@@ -11617,8 +9815,8 @@
           <a:bodyPr/>
           <a:lstStyle/>
           <a:p>
-            <a:pPr marL="228600" indent="-228600">
-              <a:buAutoNum type="arabicPeriod"/>
+            <a:pPr marL="0" indent="0">
+              <a:buNone/>
             </a:pPr>
             <a:endParaRPr lang="en-US" dirty="0"/>
           </a:p>
@@ -11704,8 +9902,8 @@
           <a:bodyPr/>
           <a:lstStyle/>
           <a:p>
-            <a:pPr marL="228600" indent="-228600">
-              <a:buAutoNum type="arabicPeriod"/>
+            <a:pPr marL="0" indent="0">
+              <a:buNone/>
             </a:pPr>
             <a:endParaRPr lang="en-US" dirty="0"/>
           </a:p>
@@ -11791,32 +9989,6 @@
           <a:bodyPr/>
           <a:lstStyle/>
           <a:p>
-            <a:r>
-              <a:rPr lang="ru-RU" smtClean="0"/>
-              <a:t>Итак</a:t>
-            </a:r>
-            <a:r>
-              <a:rPr lang="ru-RU" baseline="0" smtClean="0"/>
-              <a:t> – ДТ. Что такое Т? Это соединение данного набора точек линиями, так, что 3 соседние точки образуют треугольник.</a:t>
-            </a:r>
-          </a:p>
-          <a:p>
-            <a:r>
-              <a:rPr lang="ru-RU" baseline="0" smtClean="0"/>
-              <a:t>ДТ – это Т, которая удовлетворяет уловию Делоне: Окружность, описывающая треугольник, не включает в себя ни одну другу точку Т.</a:t>
-            </a:r>
-          </a:p>
-          <a:p>
-            <a:r>
-              <a:rPr lang="ru-RU" baseline="0" smtClean="0"/>
-              <a:t>Дополнительное свойство ДТ – она максимизирует наименьший угол среди всех треугольников.</a:t>
-            </a:r>
-          </a:p>
-          <a:p>
-            <a:r>
-              <a:rPr lang="ru-RU" baseline="0" smtClean="0"/>
-              <a:t>ДТ получила своё имя в честь Д.</a:t>
-            </a:r>
             <a:endParaRPr lang="en-US" dirty="0"/>
           </a:p>
         </p:txBody>
@@ -11901,14 +10073,6 @@
           <a:bodyPr/>
           <a:lstStyle/>
           <a:p>
-            <a:r>
-              <a:rPr lang="ru-RU" smtClean="0"/>
-              <a:t>Ахлала. Вместе с</a:t>
-            </a:r>
-            <a:r>
-              <a:rPr lang="ru-RU" baseline="0" smtClean="0"/>
-              <a:t> набором точек мы получаем набор «илюцим», которые требуют, чтобы некоторые точки были соединены (напрямую – была цэла между ними_ в конечной Т. Зачастую в КДТ получаются цлаот, которые лё омдим бэ-критерион Делонэ. Кломар, КДТ не всегда ДТ!</a:t>
-            </a:r>
             <a:endParaRPr lang="en-US" dirty="0"/>
           </a:p>
         </p:txBody>
@@ -14835,7 +12999,7 @@
             <a:fld id="{1D8BD707-D9CF-40AE-B4C6-C98DA3205C09}" type="datetimeFigureOut">
               <a:rPr lang="en-US" smtClean="0"/>
               <a:pPr/>
-              <a:t>18/06/2012</a:t>
+              <a:t>19/06/2012</a:t>
             </a:fld>
             <a:endParaRPr lang="en-US"/>
           </a:p>
@@ -15361,7 +13525,7 @@
             <a:fld id="{1D8BD707-D9CF-40AE-B4C6-C98DA3205C09}" type="datetimeFigureOut">
               <a:rPr lang="en-US" smtClean="0"/>
               <a:pPr/>
-              <a:t>18/06/2012</a:t>
+              <a:t>19/06/2012</a:t>
             </a:fld>
             <a:endParaRPr lang="en-US"/>
           </a:p>
@@ -15538,7 +13702,7 @@
             <a:fld id="{1D8BD707-D9CF-40AE-B4C6-C98DA3205C09}" type="datetimeFigureOut">
               <a:rPr lang="en-US" smtClean="0"/>
               <a:pPr/>
-              <a:t>18/06/2012</a:t>
+              <a:t>19/06/2012</a:t>
             </a:fld>
             <a:endParaRPr lang="en-US"/>
           </a:p>
@@ -15705,7 +13869,7 @@
             <a:fld id="{1D8BD707-D9CF-40AE-B4C6-C98DA3205C09}" type="datetimeFigureOut">
               <a:rPr lang="en-US" smtClean="0"/>
               <a:pPr/>
-              <a:t>18/06/2012</a:t>
+              <a:t>19/06/2012</a:t>
             </a:fld>
             <a:endParaRPr lang="en-US"/>
           </a:p>
@@ -18842,7 +17006,7 @@
             <a:fld id="{1D8BD707-D9CF-40AE-B4C6-C98DA3205C09}" type="datetimeFigureOut">
               <a:rPr lang="en-US" smtClean="0"/>
               <a:pPr/>
-              <a:t>18/06/2012</a:t>
+              <a:t>19/06/2012</a:t>
             </a:fld>
             <a:endParaRPr lang="en-US"/>
           </a:p>
@@ -19134,7 +17298,7 @@
             <a:fld id="{1D8BD707-D9CF-40AE-B4C6-C98DA3205C09}" type="datetimeFigureOut">
               <a:rPr lang="en-US" smtClean="0"/>
               <a:pPr/>
-              <a:t>18/06/2012</a:t>
+              <a:t>19/06/2012</a:t>
             </a:fld>
             <a:endParaRPr lang="en-US"/>
           </a:p>
@@ -19560,7 +17724,7 @@
             <a:fld id="{1D8BD707-D9CF-40AE-B4C6-C98DA3205C09}" type="datetimeFigureOut">
               <a:rPr lang="en-US" smtClean="0"/>
               <a:pPr/>
-              <a:t>18/06/2012</a:t>
+              <a:t>19/06/2012</a:t>
             </a:fld>
             <a:endParaRPr lang="en-US"/>
           </a:p>
@@ -19682,7 +17846,7 @@
             <a:fld id="{1D8BD707-D9CF-40AE-B4C6-C98DA3205C09}" type="datetimeFigureOut">
               <a:rPr lang="en-US" smtClean="0"/>
               <a:pPr/>
-              <a:t>18/06/2012</a:t>
+              <a:t>19/06/2012</a:t>
             </a:fld>
             <a:endParaRPr lang="en-US"/>
           </a:p>
@@ -19781,7 +17945,7 @@
             <a:fld id="{1D8BD707-D9CF-40AE-B4C6-C98DA3205C09}" type="datetimeFigureOut">
               <a:rPr lang="en-US" smtClean="0"/>
               <a:pPr/>
-              <a:t>18/06/2012</a:t>
+              <a:t>19/06/2012</a:t>
             </a:fld>
             <a:endParaRPr lang="en-US"/>
           </a:p>
@@ -19958,7 +18122,7 @@
             <a:fld id="{1D8BD707-D9CF-40AE-B4C6-C98DA3205C09}" type="datetimeFigureOut">
               <a:rPr lang="en-US" smtClean="0"/>
               <a:pPr/>
-              <a:t>18/06/2012</a:t>
+              <a:t>19/06/2012</a:t>
             </a:fld>
             <a:endParaRPr lang="en-US"/>
           </a:p>
@@ -20446,7 +18610,7 @@
             <a:fld id="{1D8BD707-D9CF-40AE-B4C6-C98DA3205C09}" type="datetimeFigureOut">
               <a:rPr lang="en-US" smtClean="0"/>
               <a:pPr/>
-              <a:t>18/06/2012</a:t>
+              <a:t>19/06/2012</a:t>
             </a:fld>
             <a:endParaRPr lang="en-US"/>
           </a:p>
@@ -21000,7 +19164,7 @@
             <a:fld id="{1D8BD707-D9CF-40AE-B4C6-C98DA3205C09}" type="datetimeFigureOut">
               <a:rPr lang="en-US" smtClean="0"/>
               <a:pPr/>
-              <a:t>18/06/2012</a:t>
+              <a:t>19/06/2012</a:t>
             </a:fld>
             <a:endParaRPr lang="en-US"/>
           </a:p>
@@ -23409,7 +21573,6 @@
               <a:rPr lang="en-US" sz="2100" dirty="0"/>
               <a:t>Path planning</a:t>
             </a:r>
-            <a:endParaRPr lang="en-US" sz="2100" dirty="0"/>
           </a:p>
         </p:txBody>
       </p:sp>
